--- a/trunk/Presentazione/Atsilo2/Atsilo_M_PresentazioneFinale.pptx
+++ b/trunk/Presentazione/Atsilo2/Atsilo_M_PresentazioneFinale.pptx
@@ -5,11 +5,41 @@
     <p:sldMasterId id="2147483684" r:id="rId1"/>
   </p:sldMasterIdLst>
   <p:notesMasterIdLst>
-    <p:notesMasterId r:id="rId4"/>
+    <p:notesMasterId r:id="rId34"/>
   </p:notesMasterIdLst>
   <p:sldIdLst>
     <p:sldId id="256" r:id="rId2"/>
-    <p:sldId id="258" r:id="rId3"/>
+    <p:sldId id="287" r:id="rId3"/>
+    <p:sldId id="257" r:id="rId4"/>
+    <p:sldId id="258" r:id="rId5"/>
+    <p:sldId id="259" r:id="rId6"/>
+    <p:sldId id="260" r:id="rId7"/>
+    <p:sldId id="261" r:id="rId8"/>
+    <p:sldId id="262" r:id="rId9"/>
+    <p:sldId id="263" r:id="rId10"/>
+    <p:sldId id="264" r:id="rId11"/>
+    <p:sldId id="265" r:id="rId12"/>
+    <p:sldId id="266" r:id="rId13"/>
+    <p:sldId id="267" r:id="rId14"/>
+    <p:sldId id="268" r:id="rId15"/>
+    <p:sldId id="269" r:id="rId16"/>
+    <p:sldId id="270" r:id="rId17"/>
+    <p:sldId id="271" r:id="rId18"/>
+    <p:sldId id="288" r:id="rId19"/>
+    <p:sldId id="272" r:id="rId20"/>
+    <p:sldId id="273" r:id="rId21"/>
+    <p:sldId id="274" r:id="rId22"/>
+    <p:sldId id="275" r:id="rId23"/>
+    <p:sldId id="276" r:id="rId24"/>
+    <p:sldId id="277" r:id="rId25"/>
+    <p:sldId id="278" r:id="rId26"/>
+    <p:sldId id="279" r:id="rId27"/>
+    <p:sldId id="280" r:id="rId28"/>
+    <p:sldId id="281" r:id="rId29"/>
+    <p:sldId id="282" r:id="rId30"/>
+    <p:sldId id="283" r:id="rId31"/>
+    <p:sldId id="284" r:id="rId32"/>
+    <p:sldId id="285" r:id="rId33"/>
   </p:sldIdLst>
   <p:sldSz cx="9144000" cy="6858000" type="screen4x3"/>
   <p:notesSz cx="6858000" cy="9144000"/>
@@ -111,6 +141,31 @@
 </p:presentation>
 </file>
 
+<file path=ppt/commentAuthors.xml><?xml version="1.0" encoding="utf-8"?>
+<p:cmAuthorLst xmlns:a="http://schemas.openxmlformats.org/drawingml/2006/main" xmlns:r="http://schemas.openxmlformats.org/officeDocument/2006/relationships" xmlns:p="http://schemas.openxmlformats.org/presentationml/2006/main">
+  <p:cmAuthor id="0" name="Giulio" initials="GF" lastIdx="13" clrIdx="0"/>
+</p:cmAuthorLst>
+</file>
+
+<file path=ppt/comments/comment1.xml><?xml version="1.0" encoding="utf-8"?>
+<p:cmLst xmlns:a="http://schemas.openxmlformats.org/drawingml/2006/main" xmlns:r="http://schemas.openxmlformats.org/officeDocument/2006/relationships" xmlns:p="http://schemas.openxmlformats.org/presentationml/2006/main">
+  <p:cm authorId="0" dt="2012-12-30T15:29:07.260" idx="1">
+    <p:pos x="10" y="10"/>
+    <p:text>LOL</p:text>
+  </p:cm>
+</p:cmLst>
+</file>
+
+<file path=ppt/comments/comment2.xml><?xml version="1.0" encoding="utf-8"?>
+<p:cmLst xmlns:a="http://schemas.openxmlformats.org/drawingml/2006/main" xmlns:r="http://schemas.openxmlformats.org/officeDocument/2006/relationships" xmlns:p="http://schemas.openxmlformats.org/presentationml/2006/main">
+  <p:cm authorId="0" dt="2012-12-30T13:42:20.156" idx="5">
+    <p:pos x="1265" y="2365"/>
+    <p:text>Degli attori del nostro sottosistema dovrebbe parlare già Luigi.
+Ad ogni modo, se possibile, usa una nuova immagine, con solo gli attori nostri. Questa qui è poco leggibile.</p:text>
+  </p:cm>
+</p:cmLst>
+</file>
+
 <file path=ppt/notesMasters/notesMaster1.xml><?xml version="1.0" encoding="utf-8"?>
 <p:notesMaster xmlns:a="http://schemas.openxmlformats.org/drawingml/2006/main" xmlns:r="http://schemas.openxmlformats.org/officeDocument/2006/relationships" xmlns:p="http://schemas.openxmlformats.org/presentationml/2006/main">
   <p:cSld>
@@ -193,7 +248,8 @@
           <a:p>
             <a:fld id="{38D78F4D-402C-46E0-A4BB-DF91EA86B14C}" type="datetimeFigureOut">
               <a:rPr lang="it-IT" smtClean="0"/>
-              <a:t>23/12/2012</a:t>
+              <a:pPr/>
+              <a:t>04/01/2013</a:t>
             </a:fld>
             <a:endParaRPr lang="it-IT"/>
           </a:p>
@@ -352,6 +408,7 @@
           <a:p>
             <a:fld id="{D70604CA-7593-4640-8FA1-5523937B8510}" type="slidenum">
               <a:rPr lang="it-IT" smtClean="0"/>
+              <a:pPr/>
               <a:t>‹N›</a:t>
             </a:fld>
             <a:endParaRPr lang="it-IT"/>
@@ -361,7 +418,7 @@
     </p:spTree>
     <p:extLst>
       <p:ext uri="{BB962C8B-B14F-4D97-AF65-F5344CB8AC3E}">
-        <p14:creationId xmlns:p14="http://schemas.microsoft.com/office/powerpoint/2010/main" val="2126419590"/>
+        <p14:creationId xmlns:p14="http://schemas.microsoft.com/office/powerpoint/2010/main" xmlns="" val="2126419590"/>
       </p:ext>
     </p:extLst>
   </p:cSld>
@@ -461,6 +518,1337 @@
 </p:notesMaster>
 </file>
 
+<file path=ppt/notesSlides/notesSlide1.xml><?xml version="1.0" encoding="utf-8"?>
+<p:notes xmlns:a="http://schemas.openxmlformats.org/drawingml/2006/main" xmlns:r="http://schemas.openxmlformats.org/officeDocument/2006/relationships" xmlns:p="http://schemas.openxmlformats.org/presentationml/2006/main">
+  <p:cSld>
+    <p:spTree>
+      <p:nvGrpSpPr>
+        <p:cNvPr id="1" name=""/>
+        <p:cNvGrpSpPr/>
+        <p:nvPr/>
+      </p:nvGrpSpPr>
+      <p:grpSpPr>
+        <a:xfrm>
+          <a:off x="0" y="0"/>
+          <a:ext cx="0" cy="0"/>
+          <a:chOff x="0" y="0"/>
+          <a:chExt cx="0" cy="0"/>
+        </a:xfrm>
+      </p:grpSpPr>
+      <p:sp>
+        <p:nvSpPr>
+          <p:cNvPr id="2" name="Segnaposto immagine diapositiva 1"/>
+          <p:cNvSpPr>
+            <a:spLocks noGrp="1" noRot="1" noChangeAspect="1"/>
+          </p:cNvSpPr>
+          <p:nvPr>
+            <p:ph type="sldImg"/>
+          </p:nvPr>
+        </p:nvSpPr>
+        <p:spPr/>
+      </p:sp>
+      <p:sp>
+        <p:nvSpPr>
+          <p:cNvPr id="3" name="Segnaposto note 2"/>
+          <p:cNvSpPr>
+            <a:spLocks noGrp="1"/>
+          </p:cNvSpPr>
+          <p:nvPr>
+            <p:ph type="body" idx="1"/>
+          </p:nvPr>
+        </p:nvSpPr>
+        <p:spPr/>
+        <p:txBody>
+          <a:bodyPr/>
+          <a:lstStyle/>
+          <a:p>
+            <a:r>
+              <a:rPr lang="it-IT" dirty="0" smtClean="0"/>
+              <a:t>Come gia accennato da francesco</a:t>
+            </a:r>
+            <a:r>
+              <a:rPr lang="it-IT" baseline="0" dirty="0" smtClean="0"/>
+              <a:t> il nostro team si è occupato della gestione dei pagamenti, dei servizi quali mensa e orario e dei tirocinanti del sistema at-silo io mi occuperò di esporre la gestione dei pagamenti</a:t>
+            </a:r>
+            <a:endParaRPr lang="it-IT" dirty="0"/>
+          </a:p>
+        </p:txBody>
+      </p:sp>
+      <p:sp>
+        <p:nvSpPr>
+          <p:cNvPr id="4" name="Segnaposto numero diapositiva 3"/>
+          <p:cNvSpPr>
+            <a:spLocks noGrp="1"/>
+          </p:cNvSpPr>
+          <p:nvPr>
+            <p:ph type="sldNum" sz="quarter" idx="10"/>
+          </p:nvPr>
+        </p:nvSpPr>
+        <p:spPr/>
+        <p:txBody>
+          <a:bodyPr/>
+          <a:lstStyle/>
+          <a:p>
+            <a:fld id="{D70604CA-7593-4640-8FA1-5523937B8510}" type="slidenum">
+              <a:rPr lang="it-IT" smtClean="0"/>
+              <a:pPr/>
+              <a:t>3</a:t>
+            </a:fld>
+            <a:endParaRPr lang="it-IT"/>
+          </a:p>
+        </p:txBody>
+      </p:sp>
+    </p:spTree>
+    <p:extLst>
+      <p:ext uri="{BB962C8B-B14F-4D97-AF65-F5344CB8AC3E}">
+        <p14:creationId xmlns:p14="http://schemas.microsoft.com/office/powerpoint/2010/main" xmlns="" val="3122029082"/>
+      </p:ext>
+    </p:extLst>
+  </p:cSld>
+  <p:clrMapOvr>
+    <a:masterClrMapping/>
+  </p:clrMapOvr>
+</p:notes>
+</file>
+
+<file path=ppt/notesSlides/notesSlide10.xml><?xml version="1.0" encoding="utf-8"?>
+<p:notes xmlns:a="http://schemas.openxmlformats.org/drawingml/2006/main" xmlns:r="http://schemas.openxmlformats.org/officeDocument/2006/relationships" xmlns:p="http://schemas.openxmlformats.org/presentationml/2006/main">
+  <p:cSld>
+    <p:spTree>
+      <p:nvGrpSpPr>
+        <p:cNvPr id="1" name=""/>
+        <p:cNvGrpSpPr/>
+        <p:nvPr/>
+      </p:nvGrpSpPr>
+      <p:grpSpPr>
+        <a:xfrm>
+          <a:off x="0" y="0"/>
+          <a:ext cx="0" cy="0"/>
+          <a:chOff x="0" y="0"/>
+          <a:chExt cx="0" cy="0"/>
+        </a:xfrm>
+      </p:grpSpPr>
+      <p:sp>
+        <p:nvSpPr>
+          <p:cNvPr id="2" name="Segnaposto immagine diapositiva 1"/>
+          <p:cNvSpPr>
+            <a:spLocks noGrp="1" noRot="1" noChangeAspect="1"/>
+          </p:cNvSpPr>
+          <p:nvPr>
+            <p:ph type="sldImg"/>
+          </p:nvPr>
+        </p:nvSpPr>
+        <p:spPr/>
+      </p:sp>
+      <p:sp>
+        <p:nvSpPr>
+          <p:cNvPr id="3" name="Segnaposto note 2"/>
+          <p:cNvSpPr>
+            <a:spLocks noGrp="1"/>
+          </p:cNvSpPr>
+          <p:nvPr>
+            <p:ph type="body" idx="1"/>
+          </p:nvPr>
+        </p:nvSpPr>
+        <p:spPr/>
+        <p:txBody>
+          <a:bodyPr/>
+          <a:lstStyle/>
+          <a:p>
+            <a:pPr marL="0" marR="0" indent="0" algn="l" defTabSz="914400" rtl="0" eaLnBrk="1" fontAlgn="auto" latinLnBrk="0" hangingPunct="1">
+              <a:lnSpc>
+                <a:spcPct val="100000"/>
+              </a:lnSpc>
+              <a:spcBef>
+                <a:spcPts val="0"/>
+              </a:spcBef>
+              <a:spcAft>
+                <a:spcPts val="0"/>
+              </a:spcAft>
+              <a:buClrTx/>
+              <a:buSzTx/>
+              <a:buFontTx/>
+              <a:buNone/>
+              <a:tabLst/>
+              <a:defRPr/>
+            </a:pPr>
+            <a:r>
+              <a:rPr lang="it-IT" sz="1200" dirty="0" smtClean="0"/>
+              <a:t>Problemi come: rimborso,cauzione,sconti</a:t>
+            </a:r>
+            <a:r>
+              <a:rPr lang="it-IT" sz="1200" baseline="0" dirty="0" smtClean="0"/>
+              <a:t> era specificato solo concettualmente ma non come farlo quindi o si sceglieva una strada dettagliata oppure si rimaneva sul generale.</a:t>
+            </a:r>
+          </a:p>
+          <a:p>
+            <a:pPr marL="0" marR="0" indent="0" algn="l" defTabSz="914400" rtl="0" eaLnBrk="1" fontAlgn="auto" latinLnBrk="0" hangingPunct="1">
+              <a:lnSpc>
+                <a:spcPct val="100000"/>
+              </a:lnSpc>
+              <a:spcBef>
+                <a:spcPts val="0"/>
+              </a:spcBef>
+              <a:spcAft>
+                <a:spcPts val="0"/>
+              </a:spcAft>
+              <a:buClrTx/>
+              <a:buSzTx/>
+              <a:buFontTx/>
+              <a:buNone/>
+              <a:tabLst/>
+              <a:defRPr/>
+            </a:pPr>
+            <a:endParaRPr lang="it-IT" sz="1200" baseline="0" dirty="0" smtClean="0"/>
+          </a:p>
+          <a:p>
+            <a:pPr marL="0" marR="0" indent="0" algn="l" defTabSz="914400" rtl="0" eaLnBrk="1" fontAlgn="auto" latinLnBrk="0" hangingPunct="1">
+              <a:lnSpc>
+                <a:spcPct val="100000"/>
+              </a:lnSpc>
+              <a:spcBef>
+                <a:spcPts val="0"/>
+              </a:spcBef>
+              <a:spcAft>
+                <a:spcPts val="0"/>
+              </a:spcAft>
+              <a:buClrTx/>
+              <a:buSzTx/>
+              <a:buFontTx/>
+              <a:buNone/>
+              <a:tabLst/>
+              <a:defRPr/>
+            </a:pPr>
+            <a:endParaRPr lang="it-IT" sz="1200" dirty="0" smtClean="0"/>
+          </a:p>
+          <a:p>
+            <a:endParaRPr lang="it-IT" dirty="0"/>
+          </a:p>
+        </p:txBody>
+      </p:sp>
+      <p:sp>
+        <p:nvSpPr>
+          <p:cNvPr id="4" name="Segnaposto numero diapositiva 3"/>
+          <p:cNvSpPr>
+            <a:spLocks noGrp="1"/>
+          </p:cNvSpPr>
+          <p:nvPr>
+            <p:ph type="sldNum" sz="quarter" idx="10"/>
+          </p:nvPr>
+        </p:nvSpPr>
+        <p:spPr/>
+        <p:txBody>
+          <a:bodyPr/>
+          <a:lstStyle/>
+          <a:p>
+            <a:fld id="{D70604CA-7593-4640-8FA1-5523937B8510}" type="slidenum">
+              <a:rPr lang="it-IT" smtClean="0"/>
+              <a:pPr/>
+              <a:t>16</a:t>
+            </a:fld>
+            <a:endParaRPr lang="it-IT"/>
+          </a:p>
+        </p:txBody>
+      </p:sp>
+    </p:spTree>
+    <p:extLst>
+      <p:ext uri="{BB962C8B-B14F-4D97-AF65-F5344CB8AC3E}">
+        <p14:creationId xmlns:p14="http://schemas.microsoft.com/office/powerpoint/2010/main" xmlns="" val="2716859324"/>
+      </p:ext>
+    </p:extLst>
+  </p:cSld>
+  <p:clrMapOvr>
+    <a:masterClrMapping/>
+  </p:clrMapOvr>
+</p:notes>
+</file>
+
+<file path=ppt/notesSlides/notesSlide11.xml><?xml version="1.0" encoding="utf-8"?>
+<p:notes xmlns:a="http://schemas.openxmlformats.org/drawingml/2006/main" xmlns:r="http://schemas.openxmlformats.org/officeDocument/2006/relationships" xmlns:p="http://schemas.openxmlformats.org/presentationml/2006/main">
+  <p:cSld>
+    <p:spTree>
+      <p:nvGrpSpPr>
+        <p:cNvPr id="1" name=""/>
+        <p:cNvGrpSpPr/>
+        <p:nvPr/>
+      </p:nvGrpSpPr>
+      <p:grpSpPr>
+        <a:xfrm>
+          <a:off x="0" y="0"/>
+          <a:ext cx="0" cy="0"/>
+          <a:chOff x="0" y="0"/>
+          <a:chExt cx="0" cy="0"/>
+        </a:xfrm>
+      </p:grpSpPr>
+      <p:sp>
+        <p:nvSpPr>
+          <p:cNvPr id="2" name="Segnaposto immagine diapositiva 1"/>
+          <p:cNvSpPr>
+            <a:spLocks noGrp="1" noRot="1" noChangeAspect="1"/>
+          </p:cNvSpPr>
+          <p:nvPr>
+            <p:ph type="sldImg"/>
+          </p:nvPr>
+        </p:nvSpPr>
+        <p:spPr/>
+      </p:sp>
+      <p:sp>
+        <p:nvSpPr>
+          <p:cNvPr id="3" name="Segnaposto note 2"/>
+          <p:cNvSpPr>
+            <a:spLocks noGrp="1"/>
+          </p:cNvSpPr>
+          <p:nvPr>
+            <p:ph type="body" idx="1"/>
+          </p:nvPr>
+        </p:nvSpPr>
+        <p:spPr/>
+        <p:txBody>
+          <a:bodyPr/>
+          <a:lstStyle/>
+          <a:p>
+            <a:r>
+              <a:rPr lang="it-IT" dirty="0" smtClean="0"/>
+              <a:t>Come gia accennato da francesco</a:t>
+            </a:r>
+            <a:r>
+              <a:rPr lang="it-IT" baseline="0" dirty="0" smtClean="0"/>
+              <a:t> il nostro team si è occupato della gestione dei pagamenti, dei servizi quali mensa e orario e dei tirocinanti del sistema at-silo io mi occuperò di esporre la gestione dei pagamenti</a:t>
+            </a:r>
+            <a:endParaRPr lang="it-IT" dirty="0"/>
+          </a:p>
+        </p:txBody>
+      </p:sp>
+      <p:sp>
+        <p:nvSpPr>
+          <p:cNvPr id="4" name="Segnaposto numero diapositiva 3"/>
+          <p:cNvSpPr>
+            <a:spLocks noGrp="1"/>
+          </p:cNvSpPr>
+          <p:nvPr>
+            <p:ph type="sldNum" sz="quarter" idx="10"/>
+          </p:nvPr>
+        </p:nvSpPr>
+        <p:spPr/>
+        <p:txBody>
+          <a:bodyPr/>
+          <a:lstStyle/>
+          <a:p>
+            <a:fld id="{D70604CA-7593-4640-8FA1-5523937B8510}" type="slidenum">
+              <a:rPr lang="it-IT" smtClean="0"/>
+              <a:pPr/>
+              <a:t>18</a:t>
+            </a:fld>
+            <a:endParaRPr lang="it-IT"/>
+          </a:p>
+        </p:txBody>
+      </p:sp>
+    </p:spTree>
+    <p:extLst>
+      <p:ext uri="{BB962C8B-B14F-4D97-AF65-F5344CB8AC3E}">
+        <p14:creationId xmlns:p14="http://schemas.microsoft.com/office/powerpoint/2010/main" xmlns="" val="3122029082"/>
+      </p:ext>
+    </p:extLst>
+  </p:cSld>
+  <p:clrMapOvr>
+    <a:masterClrMapping/>
+  </p:clrMapOvr>
+</p:notes>
+</file>
+
+<file path=ppt/notesSlides/notesSlide12.xml><?xml version="1.0" encoding="utf-8"?>
+<p:notes xmlns:a="http://schemas.openxmlformats.org/drawingml/2006/main" xmlns:r="http://schemas.openxmlformats.org/officeDocument/2006/relationships" xmlns:p="http://schemas.openxmlformats.org/presentationml/2006/main">
+  <p:cSld>
+    <p:spTree>
+      <p:nvGrpSpPr>
+        <p:cNvPr id="1" name=""/>
+        <p:cNvGrpSpPr/>
+        <p:nvPr/>
+      </p:nvGrpSpPr>
+      <p:grpSpPr>
+        <a:xfrm>
+          <a:off x="0" y="0"/>
+          <a:ext cx="0" cy="0"/>
+          <a:chOff x="0" y="0"/>
+          <a:chExt cx="0" cy="0"/>
+        </a:xfrm>
+      </p:grpSpPr>
+      <p:sp>
+        <p:nvSpPr>
+          <p:cNvPr id="2" name="Segnaposto immagine diapositiva 1"/>
+          <p:cNvSpPr>
+            <a:spLocks noGrp="1" noRot="1" noChangeAspect="1"/>
+          </p:cNvSpPr>
+          <p:nvPr>
+            <p:ph type="sldImg"/>
+          </p:nvPr>
+        </p:nvSpPr>
+        <p:spPr/>
+      </p:sp>
+      <p:sp>
+        <p:nvSpPr>
+          <p:cNvPr id="3" name="Segnaposto note 2"/>
+          <p:cNvSpPr>
+            <a:spLocks noGrp="1"/>
+          </p:cNvSpPr>
+          <p:nvPr>
+            <p:ph type="body" idx="1"/>
+          </p:nvPr>
+        </p:nvSpPr>
+        <p:spPr/>
+        <p:txBody>
+          <a:bodyPr/>
+          <a:lstStyle/>
+          <a:p>
+            <a:pPr marL="0" marR="0" indent="0" algn="l" defTabSz="914400" rtl="0" eaLnBrk="1" fontAlgn="auto" latinLnBrk="0" hangingPunct="1">
+              <a:lnSpc>
+                <a:spcPct val="100000"/>
+              </a:lnSpc>
+              <a:spcBef>
+                <a:spcPts val="0"/>
+              </a:spcBef>
+              <a:spcAft>
+                <a:spcPts val="0"/>
+              </a:spcAft>
+              <a:buClrTx/>
+              <a:buSzTx/>
+              <a:buFontTx/>
+              <a:buNone/>
+              <a:tabLst/>
+              <a:defRPr/>
+            </a:pPr>
+            <a:r>
+              <a:rPr lang="it-IT" sz="1200" smtClean="0"/>
+              <a:t>Inizio:: Come </a:t>
+            </a:r>
+            <a:r>
+              <a:rPr lang="it-IT" sz="1200" dirty="0" smtClean="0"/>
+              <a:t>detto già in precedenza in una diapositiva, un problema che abbiamo riscontrato nella stesura del RAD, è stato quello dei tirocinanti.</a:t>
+            </a:r>
+          </a:p>
+          <a:p>
+            <a:pPr marL="0" marR="0" indent="0" algn="l" defTabSz="914400" rtl="0" eaLnBrk="1" fontAlgn="auto" latinLnBrk="0" hangingPunct="1">
+              <a:lnSpc>
+                <a:spcPct val="100000"/>
+              </a:lnSpc>
+              <a:spcBef>
+                <a:spcPts val="0"/>
+              </a:spcBef>
+              <a:spcAft>
+                <a:spcPts val="0"/>
+              </a:spcAft>
+              <a:buClrTx/>
+              <a:buSzTx/>
+              <a:buFontTx/>
+              <a:buNone/>
+              <a:tabLst/>
+              <a:defRPr/>
+            </a:pPr>
+            <a:endParaRPr lang="it-IT" sz="1200" dirty="0" smtClean="0"/>
+          </a:p>
+          <a:p>
+            <a:pPr marL="0" marR="0" indent="0" algn="l" defTabSz="914400" rtl="0" eaLnBrk="1" fontAlgn="auto" latinLnBrk="0" hangingPunct="1">
+              <a:lnSpc>
+                <a:spcPct val="100000"/>
+              </a:lnSpc>
+              <a:spcBef>
+                <a:spcPts val="0"/>
+              </a:spcBef>
+              <a:spcAft>
+                <a:spcPts val="0"/>
+              </a:spcAft>
+              <a:buClrTx/>
+              <a:buSzTx/>
+              <a:buFontTx/>
+              <a:buNone/>
+              <a:tabLst/>
+              <a:defRPr/>
+            </a:pPr>
+            <a:r>
+              <a:rPr lang="it-IT" sz="1200" dirty="0" smtClean="0"/>
+              <a:t>Fine:: Tutto questo ha richiesto un maggior impegno che all’inizio non era stato programmato.</a:t>
+            </a:r>
+          </a:p>
+          <a:p>
+            <a:pPr marL="0" marR="0" indent="0" algn="l" defTabSz="914400" rtl="0" eaLnBrk="1" fontAlgn="auto" latinLnBrk="0" hangingPunct="1">
+              <a:lnSpc>
+                <a:spcPct val="100000"/>
+              </a:lnSpc>
+              <a:spcBef>
+                <a:spcPts val="0"/>
+              </a:spcBef>
+              <a:spcAft>
+                <a:spcPts val="0"/>
+              </a:spcAft>
+              <a:buClrTx/>
+              <a:buSzTx/>
+              <a:buFontTx/>
+              <a:buNone/>
+              <a:tabLst/>
+              <a:defRPr/>
+            </a:pPr>
+            <a:endParaRPr lang="it-IT" sz="1200" dirty="0" smtClean="0"/>
+          </a:p>
+          <a:p>
+            <a:endParaRPr lang="it-IT" dirty="0"/>
+          </a:p>
+        </p:txBody>
+      </p:sp>
+      <p:sp>
+        <p:nvSpPr>
+          <p:cNvPr id="4" name="Segnaposto numero diapositiva 3"/>
+          <p:cNvSpPr>
+            <a:spLocks noGrp="1"/>
+          </p:cNvSpPr>
+          <p:nvPr>
+            <p:ph type="sldNum" sz="quarter" idx="10"/>
+          </p:nvPr>
+        </p:nvSpPr>
+        <p:spPr/>
+        <p:txBody>
+          <a:bodyPr/>
+          <a:lstStyle/>
+          <a:p>
+            <a:fld id="{D70604CA-7593-4640-8FA1-5523937B8510}" type="slidenum">
+              <a:rPr lang="it-IT" smtClean="0"/>
+              <a:pPr/>
+              <a:t>30</a:t>
+            </a:fld>
+            <a:endParaRPr lang="it-IT"/>
+          </a:p>
+        </p:txBody>
+      </p:sp>
+    </p:spTree>
+    <p:extLst>
+      <p:ext uri="{BB962C8B-B14F-4D97-AF65-F5344CB8AC3E}">
+        <p14:creationId xmlns:p14="http://schemas.microsoft.com/office/powerpoint/2010/main" xmlns="" val="2716859324"/>
+      </p:ext>
+    </p:extLst>
+  </p:cSld>
+  <p:clrMapOvr>
+    <a:masterClrMapping/>
+  </p:clrMapOvr>
+</p:notes>
+</file>
+
+<file path=ppt/notesSlides/notesSlide13.xml><?xml version="1.0" encoding="utf-8"?>
+<p:notes xmlns:a="http://schemas.openxmlformats.org/drawingml/2006/main" xmlns:r="http://schemas.openxmlformats.org/officeDocument/2006/relationships" xmlns:p="http://schemas.openxmlformats.org/presentationml/2006/main">
+  <p:cSld>
+    <p:spTree>
+      <p:nvGrpSpPr>
+        <p:cNvPr id="1" name=""/>
+        <p:cNvGrpSpPr/>
+        <p:nvPr/>
+      </p:nvGrpSpPr>
+      <p:grpSpPr>
+        <a:xfrm>
+          <a:off x="0" y="0"/>
+          <a:ext cx="0" cy="0"/>
+          <a:chOff x="0" y="0"/>
+          <a:chExt cx="0" cy="0"/>
+        </a:xfrm>
+      </p:grpSpPr>
+      <p:sp>
+        <p:nvSpPr>
+          <p:cNvPr id="2" name="Segnaposto immagine diapositiva 1"/>
+          <p:cNvSpPr>
+            <a:spLocks noGrp="1" noRot="1" noChangeAspect="1"/>
+          </p:cNvSpPr>
+          <p:nvPr>
+            <p:ph type="sldImg"/>
+          </p:nvPr>
+        </p:nvSpPr>
+        <p:spPr/>
+      </p:sp>
+      <p:sp>
+        <p:nvSpPr>
+          <p:cNvPr id="3" name="Segnaposto note 2"/>
+          <p:cNvSpPr>
+            <a:spLocks noGrp="1"/>
+          </p:cNvSpPr>
+          <p:nvPr>
+            <p:ph type="body" idx="1"/>
+          </p:nvPr>
+        </p:nvSpPr>
+        <p:spPr/>
+        <p:txBody>
+          <a:bodyPr/>
+          <a:lstStyle/>
+          <a:p>
+            <a:r>
+              <a:rPr lang="it-IT" smtClean="0">
+                <a:latin typeface="Arial" pitchFamily="34" charset="0"/>
+                <a:cs typeface="Arial" pitchFamily="34" charset="0"/>
+              </a:rPr>
+              <a:t>1)  una volta superate le prime difficoltà, il lavoro è continuato in modo uniforme.</a:t>
+            </a:r>
+            <a:endParaRPr lang="it-IT" dirty="0"/>
+          </a:p>
+        </p:txBody>
+      </p:sp>
+      <p:sp>
+        <p:nvSpPr>
+          <p:cNvPr id="4" name="Segnaposto numero diapositiva 3"/>
+          <p:cNvSpPr>
+            <a:spLocks noGrp="1"/>
+          </p:cNvSpPr>
+          <p:nvPr>
+            <p:ph type="sldNum" sz="quarter" idx="10"/>
+          </p:nvPr>
+        </p:nvSpPr>
+        <p:spPr/>
+        <p:txBody>
+          <a:bodyPr/>
+          <a:lstStyle/>
+          <a:p>
+            <a:fld id="{D70604CA-7593-4640-8FA1-5523937B8510}" type="slidenum">
+              <a:rPr lang="it-IT" smtClean="0"/>
+              <a:pPr/>
+              <a:t>32</a:t>
+            </a:fld>
+            <a:endParaRPr lang="it-IT"/>
+          </a:p>
+        </p:txBody>
+      </p:sp>
+    </p:spTree>
+    <p:extLst>
+      <p:ext uri="{BB962C8B-B14F-4D97-AF65-F5344CB8AC3E}">
+        <p14:creationId xmlns:p14="http://schemas.microsoft.com/office/powerpoint/2010/main" xmlns="" val="1159000954"/>
+      </p:ext>
+    </p:extLst>
+  </p:cSld>
+  <p:clrMapOvr>
+    <a:masterClrMapping/>
+  </p:clrMapOvr>
+</p:notes>
+</file>
+
+<file path=ppt/notesSlides/notesSlide2.xml><?xml version="1.0" encoding="utf-8"?>
+<p:notes xmlns:a="http://schemas.openxmlformats.org/drawingml/2006/main" xmlns:r="http://schemas.openxmlformats.org/officeDocument/2006/relationships" xmlns:p="http://schemas.openxmlformats.org/presentationml/2006/main">
+  <p:cSld>
+    <p:spTree>
+      <p:nvGrpSpPr>
+        <p:cNvPr id="1" name=""/>
+        <p:cNvGrpSpPr/>
+        <p:nvPr/>
+      </p:nvGrpSpPr>
+      <p:grpSpPr>
+        <a:xfrm>
+          <a:off x="0" y="0"/>
+          <a:ext cx="0" cy="0"/>
+          <a:chOff x="0" y="0"/>
+          <a:chExt cx="0" cy="0"/>
+        </a:xfrm>
+      </p:grpSpPr>
+      <p:sp>
+        <p:nvSpPr>
+          <p:cNvPr id="2" name="Segnaposto immagine diapositiva 1"/>
+          <p:cNvSpPr>
+            <a:spLocks noGrp="1" noRot="1" noChangeAspect="1"/>
+          </p:cNvSpPr>
+          <p:nvPr>
+            <p:ph type="sldImg"/>
+          </p:nvPr>
+        </p:nvSpPr>
+        <p:spPr/>
+      </p:sp>
+      <p:sp>
+        <p:nvSpPr>
+          <p:cNvPr id="3" name="Segnaposto note 2"/>
+          <p:cNvSpPr>
+            <a:spLocks noGrp="1"/>
+          </p:cNvSpPr>
+          <p:nvPr>
+            <p:ph type="body" idx="1"/>
+          </p:nvPr>
+        </p:nvSpPr>
+        <p:spPr/>
+        <p:txBody>
+          <a:bodyPr/>
+          <a:lstStyle/>
+          <a:p>
+            <a:endParaRPr lang="it-IT" dirty="0"/>
+          </a:p>
+        </p:txBody>
+      </p:sp>
+      <p:sp>
+        <p:nvSpPr>
+          <p:cNvPr id="4" name="Segnaposto numero diapositiva 3"/>
+          <p:cNvSpPr>
+            <a:spLocks noGrp="1"/>
+          </p:cNvSpPr>
+          <p:nvPr>
+            <p:ph type="sldNum" sz="quarter" idx="10"/>
+          </p:nvPr>
+        </p:nvSpPr>
+        <p:spPr/>
+        <p:txBody>
+          <a:bodyPr/>
+          <a:lstStyle/>
+          <a:p>
+            <a:fld id="{D70604CA-7593-4640-8FA1-5523937B8510}" type="slidenum">
+              <a:rPr lang="it-IT" smtClean="0"/>
+              <a:pPr/>
+              <a:t>4</a:t>
+            </a:fld>
+            <a:endParaRPr lang="it-IT"/>
+          </a:p>
+        </p:txBody>
+      </p:sp>
+    </p:spTree>
+    <p:extLst>
+      <p:ext uri="{BB962C8B-B14F-4D97-AF65-F5344CB8AC3E}">
+        <p14:creationId xmlns:p14="http://schemas.microsoft.com/office/powerpoint/2010/main" xmlns="" val="1632684865"/>
+      </p:ext>
+    </p:extLst>
+  </p:cSld>
+  <p:clrMapOvr>
+    <a:masterClrMapping/>
+  </p:clrMapOvr>
+</p:notes>
+</file>
+
+<file path=ppt/notesSlides/notesSlide3.xml><?xml version="1.0" encoding="utf-8"?>
+<p:notes xmlns:a="http://schemas.openxmlformats.org/drawingml/2006/main" xmlns:r="http://schemas.openxmlformats.org/officeDocument/2006/relationships" xmlns:p="http://schemas.openxmlformats.org/presentationml/2006/main">
+  <p:cSld>
+    <p:spTree>
+      <p:nvGrpSpPr>
+        <p:cNvPr id="1" name=""/>
+        <p:cNvGrpSpPr/>
+        <p:nvPr/>
+      </p:nvGrpSpPr>
+      <p:grpSpPr>
+        <a:xfrm>
+          <a:off x="0" y="0"/>
+          <a:ext cx="0" cy="0"/>
+          <a:chOff x="0" y="0"/>
+          <a:chExt cx="0" cy="0"/>
+        </a:xfrm>
+      </p:grpSpPr>
+      <p:sp>
+        <p:nvSpPr>
+          <p:cNvPr id="2" name="Segnaposto immagine diapositiva 1"/>
+          <p:cNvSpPr>
+            <a:spLocks noGrp="1" noRot="1" noChangeAspect="1"/>
+          </p:cNvSpPr>
+          <p:nvPr>
+            <p:ph type="sldImg"/>
+          </p:nvPr>
+        </p:nvSpPr>
+        <p:spPr/>
+      </p:sp>
+      <p:sp>
+        <p:nvSpPr>
+          <p:cNvPr id="3" name="Segnaposto note 2"/>
+          <p:cNvSpPr>
+            <a:spLocks noGrp="1"/>
+          </p:cNvSpPr>
+          <p:nvPr>
+            <p:ph type="body" idx="1"/>
+          </p:nvPr>
+        </p:nvSpPr>
+        <p:spPr/>
+        <p:txBody>
+          <a:bodyPr/>
+          <a:lstStyle/>
+          <a:p>
+            <a:endParaRPr lang="it-IT" dirty="0"/>
+          </a:p>
+        </p:txBody>
+      </p:sp>
+      <p:sp>
+        <p:nvSpPr>
+          <p:cNvPr id="4" name="Segnaposto numero diapositiva 3"/>
+          <p:cNvSpPr>
+            <a:spLocks noGrp="1"/>
+          </p:cNvSpPr>
+          <p:nvPr>
+            <p:ph type="sldNum" sz="quarter" idx="10"/>
+          </p:nvPr>
+        </p:nvSpPr>
+        <p:spPr/>
+        <p:txBody>
+          <a:bodyPr/>
+          <a:lstStyle/>
+          <a:p>
+            <a:fld id="{D70604CA-7593-4640-8FA1-5523937B8510}" type="slidenum">
+              <a:rPr lang="it-IT" smtClean="0"/>
+              <a:pPr/>
+              <a:t>9</a:t>
+            </a:fld>
+            <a:endParaRPr lang="it-IT"/>
+          </a:p>
+        </p:txBody>
+      </p:sp>
+    </p:spTree>
+    <p:extLst>
+      <p:ext uri="{BB962C8B-B14F-4D97-AF65-F5344CB8AC3E}">
+        <p14:creationId xmlns:p14="http://schemas.microsoft.com/office/powerpoint/2010/main" xmlns="" val="1093366611"/>
+      </p:ext>
+    </p:extLst>
+  </p:cSld>
+  <p:clrMapOvr>
+    <a:masterClrMapping/>
+  </p:clrMapOvr>
+</p:notes>
+</file>
+
+<file path=ppt/notesSlides/notesSlide4.xml><?xml version="1.0" encoding="utf-8"?>
+<p:notes xmlns:a="http://schemas.openxmlformats.org/drawingml/2006/main" xmlns:r="http://schemas.openxmlformats.org/officeDocument/2006/relationships" xmlns:p="http://schemas.openxmlformats.org/presentationml/2006/main">
+  <p:cSld>
+    <p:spTree>
+      <p:nvGrpSpPr>
+        <p:cNvPr id="1" name=""/>
+        <p:cNvGrpSpPr/>
+        <p:nvPr/>
+      </p:nvGrpSpPr>
+      <p:grpSpPr>
+        <a:xfrm>
+          <a:off x="0" y="0"/>
+          <a:ext cx="0" cy="0"/>
+          <a:chOff x="0" y="0"/>
+          <a:chExt cx="0" cy="0"/>
+        </a:xfrm>
+      </p:grpSpPr>
+      <p:sp>
+        <p:nvSpPr>
+          <p:cNvPr id="2" name="Segnaposto immagine diapositiva 1"/>
+          <p:cNvSpPr>
+            <a:spLocks noGrp="1" noRot="1" noChangeAspect="1"/>
+          </p:cNvSpPr>
+          <p:nvPr>
+            <p:ph type="sldImg"/>
+          </p:nvPr>
+        </p:nvSpPr>
+        <p:spPr/>
+      </p:sp>
+      <p:sp>
+        <p:nvSpPr>
+          <p:cNvPr id="3" name="Segnaposto note 2"/>
+          <p:cNvSpPr>
+            <a:spLocks noGrp="1"/>
+          </p:cNvSpPr>
+          <p:nvPr>
+            <p:ph type="body" idx="1"/>
+          </p:nvPr>
+        </p:nvSpPr>
+        <p:spPr/>
+        <p:txBody>
+          <a:bodyPr/>
+          <a:lstStyle/>
+          <a:p>
+            <a:r>
+              <a:rPr lang="it-IT" dirty="0" smtClean="0"/>
+              <a:t>Dire</a:t>
+            </a:r>
+            <a:r>
+              <a:rPr lang="it-IT" baseline="0" dirty="0" smtClean="0"/>
+              <a:t> cosa si intende per gestione degli extra</a:t>
+            </a:r>
+          </a:p>
+          <a:p>
+            <a:r>
+              <a:rPr lang="it-IT" baseline="0" dirty="0" smtClean="0"/>
+              <a:t>il nostro sistema prevede che i genitori possono richiedere variazione sia sul menù di base e sia sull’orario e ovviamente queste variazioni sono soggette a pagamento</a:t>
+            </a:r>
+            <a:endParaRPr lang="it-IT" dirty="0"/>
+          </a:p>
+        </p:txBody>
+      </p:sp>
+      <p:sp>
+        <p:nvSpPr>
+          <p:cNvPr id="4" name="Segnaposto numero diapositiva 3"/>
+          <p:cNvSpPr>
+            <a:spLocks noGrp="1"/>
+          </p:cNvSpPr>
+          <p:nvPr>
+            <p:ph type="sldNum" sz="quarter" idx="10"/>
+          </p:nvPr>
+        </p:nvSpPr>
+        <p:spPr/>
+        <p:txBody>
+          <a:bodyPr/>
+          <a:lstStyle/>
+          <a:p>
+            <a:fld id="{D70604CA-7593-4640-8FA1-5523937B8510}" type="slidenum">
+              <a:rPr lang="it-IT" smtClean="0"/>
+              <a:pPr/>
+              <a:t>10</a:t>
+            </a:fld>
+            <a:endParaRPr lang="it-IT"/>
+          </a:p>
+        </p:txBody>
+      </p:sp>
+    </p:spTree>
+    <p:extLst>
+      <p:ext uri="{BB962C8B-B14F-4D97-AF65-F5344CB8AC3E}">
+        <p14:creationId xmlns:p14="http://schemas.microsoft.com/office/powerpoint/2010/main" xmlns="" val="968677491"/>
+      </p:ext>
+    </p:extLst>
+  </p:cSld>
+  <p:clrMapOvr>
+    <a:masterClrMapping/>
+  </p:clrMapOvr>
+</p:notes>
+</file>
+
+<file path=ppt/notesSlides/notesSlide5.xml><?xml version="1.0" encoding="utf-8"?>
+<p:notes xmlns:a="http://schemas.openxmlformats.org/drawingml/2006/main" xmlns:r="http://schemas.openxmlformats.org/officeDocument/2006/relationships" xmlns:p="http://schemas.openxmlformats.org/presentationml/2006/main">
+  <p:cSld>
+    <p:spTree>
+      <p:nvGrpSpPr>
+        <p:cNvPr id="1" name=""/>
+        <p:cNvGrpSpPr/>
+        <p:nvPr/>
+      </p:nvGrpSpPr>
+      <p:grpSpPr>
+        <a:xfrm>
+          <a:off x="0" y="0"/>
+          <a:ext cx="0" cy="0"/>
+          <a:chOff x="0" y="0"/>
+          <a:chExt cx="0" cy="0"/>
+        </a:xfrm>
+      </p:grpSpPr>
+      <p:sp>
+        <p:nvSpPr>
+          <p:cNvPr id="2" name="Segnaposto immagine diapositiva 1"/>
+          <p:cNvSpPr>
+            <a:spLocks noGrp="1" noRot="1" noChangeAspect="1"/>
+          </p:cNvSpPr>
+          <p:nvPr>
+            <p:ph type="sldImg"/>
+          </p:nvPr>
+        </p:nvSpPr>
+        <p:spPr/>
+      </p:sp>
+      <p:sp>
+        <p:nvSpPr>
+          <p:cNvPr id="3" name="Segnaposto note 2"/>
+          <p:cNvSpPr>
+            <a:spLocks noGrp="1"/>
+          </p:cNvSpPr>
+          <p:nvPr>
+            <p:ph type="body" idx="1"/>
+          </p:nvPr>
+        </p:nvSpPr>
+        <p:spPr/>
+        <p:txBody>
+          <a:bodyPr/>
+          <a:lstStyle/>
+          <a:p>
+            <a:r>
+              <a:rPr lang="it-IT" dirty="0" smtClean="0"/>
+              <a:t>Promemoria pagamento e promemoria fattura inclusi </a:t>
+            </a:r>
+            <a:r>
+              <a:rPr lang="it-IT" smtClean="0"/>
+              <a:t>in invipromemoria</a:t>
+            </a:r>
+            <a:endParaRPr lang="it-IT" dirty="0"/>
+          </a:p>
+        </p:txBody>
+      </p:sp>
+      <p:sp>
+        <p:nvSpPr>
+          <p:cNvPr id="4" name="Segnaposto numero diapositiva 3"/>
+          <p:cNvSpPr>
+            <a:spLocks noGrp="1"/>
+          </p:cNvSpPr>
+          <p:nvPr>
+            <p:ph type="sldNum" sz="quarter" idx="10"/>
+          </p:nvPr>
+        </p:nvSpPr>
+        <p:spPr/>
+        <p:txBody>
+          <a:bodyPr/>
+          <a:lstStyle/>
+          <a:p>
+            <a:fld id="{D70604CA-7593-4640-8FA1-5523937B8510}" type="slidenum">
+              <a:rPr lang="it-IT" smtClean="0"/>
+              <a:pPr/>
+              <a:t>11</a:t>
+            </a:fld>
+            <a:endParaRPr lang="it-IT"/>
+          </a:p>
+        </p:txBody>
+      </p:sp>
+    </p:spTree>
+    <p:extLst>
+      <p:ext uri="{BB962C8B-B14F-4D97-AF65-F5344CB8AC3E}">
+        <p14:creationId xmlns:p14="http://schemas.microsoft.com/office/powerpoint/2010/main" xmlns="" val="1685022444"/>
+      </p:ext>
+    </p:extLst>
+  </p:cSld>
+  <p:clrMapOvr>
+    <a:masterClrMapping/>
+  </p:clrMapOvr>
+</p:notes>
+</file>
+
+<file path=ppt/notesSlides/notesSlide6.xml><?xml version="1.0" encoding="utf-8"?>
+<p:notes xmlns:a="http://schemas.openxmlformats.org/drawingml/2006/main" xmlns:r="http://schemas.openxmlformats.org/officeDocument/2006/relationships" xmlns:p="http://schemas.openxmlformats.org/presentationml/2006/main">
+  <p:cSld>
+    <p:spTree>
+      <p:nvGrpSpPr>
+        <p:cNvPr id="1" name=""/>
+        <p:cNvGrpSpPr/>
+        <p:nvPr/>
+      </p:nvGrpSpPr>
+      <p:grpSpPr>
+        <a:xfrm>
+          <a:off x="0" y="0"/>
+          <a:ext cx="0" cy="0"/>
+          <a:chOff x="0" y="0"/>
+          <a:chExt cx="0" cy="0"/>
+        </a:xfrm>
+      </p:grpSpPr>
+      <p:sp>
+        <p:nvSpPr>
+          <p:cNvPr id="2" name="Segnaposto immagine diapositiva 1"/>
+          <p:cNvSpPr>
+            <a:spLocks noGrp="1" noRot="1" noChangeAspect="1"/>
+          </p:cNvSpPr>
+          <p:nvPr>
+            <p:ph type="sldImg"/>
+          </p:nvPr>
+        </p:nvSpPr>
+        <p:spPr/>
+      </p:sp>
+      <p:sp>
+        <p:nvSpPr>
+          <p:cNvPr id="3" name="Segnaposto note 2"/>
+          <p:cNvSpPr>
+            <a:spLocks noGrp="1"/>
+          </p:cNvSpPr>
+          <p:nvPr>
+            <p:ph type="body" idx="1"/>
+          </p:nvPr>
+        </p:nvSpPr>
+        <p:spPr/>
+        <p:txBody>
+          <a:bodyPr/>
+          <a:lstStyle/>
+          <a:p>
+            <a:r>
+              <a:rPr lang="it-IT" dirty="0" smtClean="0"/>
+              <a:t>Promemoria pagamento e promemoria fattura inclusi in invio</a:t>
+            </a:r>
+            <a:r>
+              <a:rPr lang="it-IT" baseline="0" dirty="0" smtClean="0"/>
+              <a:t> </a:t>
+            </a:r>
+            <a:r>
+              <a:rPr lang="it-IT" dirty="0" smtClean="0"/>
+              <a:t>ipromemoria</a:t>
+            </a:r>
+            <a:endParaRPr lang="it-IT" dirty="0"/>
+          </a:p>
+        </p:txBody>
+      </p:sp>
+      <p:sp>
+        <p:nvSpPr>
+          <p:cNvPr id="4" name="Segnaposto numero diapositiva 3"/>
+          <p:cNvSpPr>
+            <a:spLocks noGrp="1"/>
+          </p:cNvSpPr>
+          <p:nvPr>
+            <p:ph type="sldNum" sz="quarter" idx="10"/>
+          </p:nvPr>
+        </p:nvSpPr>
+        <p:spPr/>
+        <p:txBody>
+          <a:bodyPr/>
+          <a:lstStyle/>
+          <a:p>
+            <a:fld id="{D70604CA-7593-4640-8FA1-5523937B8510}" type="slidenum">
+              <a:rPr lang="it-IT" smtClean="0"/>
+              <a:pPr/>
+              <a:t>12</a:t>
+            </a:fld>
+            <a:endParaRPr lang="it-IT"/>
+          </a:p>
+        </p:txBody>
+      </p:sp>
+    </p:spTree>
+    <p:extLst>
+      <p:ext uri="{BB962C8B-B14F-4D97-AF65-F5344CB8AC3E}">
+        <p14:creationId xmlns:p14="http://schemas.microsoft.com/office/powerpoint/2010/main" xmlns="" val="1685022444"/>
+      </p:ext>
+    </p:extLst>
+  </p:cSld>
+  <p:clrMapOvr>
+    <a:masterClrMapping/>
+  </p:clrMapOvr>
+</p:notes>
+</file>
+
+<file path=ppt/notesSlides/notesSlide7.xml><?xml version="1.0" encoding="utf-8"?>
+<p:notes xmlns:a="http://schemas.openxmlformats.org/drawingml/2006/main" xmlns:r="http://schemas.openxmlformats.org/officeDocument/2006/relationships" xmlns:p="http://schemas.openxmlformats.org/presentationml/2006/main">
+  <p:cSld>
+    <p:spTree>
+      <p:nvGrpSpPr>
+        <p:cNvPr id="1" name=""/>
+        <p:cNvGrpSpPr/>
+        <p:nvPr/>
+      </p:nvGrpSpPr>
+      <p:grpSpPr>
+        <a:xfrm>
+          <a:off x="0" y="0"/>
+          <a:ext cx="0" cy="0"/>
+          <a:chOff x="0" y="0"/>
+          <a:chExt cx="0" cy="0"/>
+        </a:xfrm>
+      </p:grpSpPr>
+      <p:sp>
+        <p:nvSpPr>
+          <p:cNvPr id="2" name="Segnaposto immagine diapositiva 1"/>
+          <p:cNvSpPr>
+            <a:spLocks noGrp="1" noRot="1" noChangeAspect="1"/>
+          </p:cNvSpPr>
+          <p:nvPr>
+            <p:ph type="sldImg"/>
+          </p:nvPr>
+        </p:nvSpPr>
+        <p:spPr/>
+      </p:sp>
+      <p:sp>
+        <p:nvSpPr>
+          <p:cNvPr id="3" name="Segnaposto note 2"/>
+          <p:cNvSpPr>
+            <a:spLocks noGrp="1"/>
+          </p:cNvSpPr>
+          <p:nvPr>
+            <p:ph type="body" idx="1"/>
+          </p:nvPr>
+        </p:nvSpPr>
+        <p:spPr/>
+        <p:txBody>
+          <a:bodyPr/>
+          <a:lstStyle/>
+          <a:p>
+            <a:r>
+              <a:rPr lang="it-IT" dirty="0" smtClean="0"/>
+              <a:t>Fare una ricapitolazione cosa può fare l’impiegato e cosa può fare il genitore</a:t>
+            </a:r>
+            <a:endParaRPr lang="it-IT" dirty="0"/>
+          </a:p>
+        </p:txBody>
+      </p:sp>
+      <p:sp>
+        <p:nvSpPr>
+          <p:cNvPr id="4" name="Segnaposto numero diapositiva 3"/>
+          <p:cNvSpPr>
+            <a:spLocks noGrp="1"/>
+          </p:cNvSpPr>
+          <p:nvPr>
+            <p:ph type="sldNum" sz="quarter" idx="10"/>
+          </p:nvPr>
+        </p:nvSpPr>
+        <p:spPr/>
+        <p:txBody>
+          <a:bodyPr/>
+          <a:lstStyle/>
+          <a:p>
+            <a:fld id="{D70604CA-7593-4640-8FA1-5523937B8510}" type="slidenum">
+              <a:rPr lang="it-IT" smtClean="0"/>
+              <a:pPr/>
+              <a:t>13</a:t>
+            </a:fld>
+            <a:endParaRPr lang="it-IT"/>
+          </a:p>
+        </p:txBody>
+      </p:sp>
+    </p:spTree>
+    <p:extLst>
+      <p:ext uri="{BB962C8B-B14F-4D97-AF65-F5344CB8AC3E}">
+        <p14:creationId xmlns:p14="http://schemas.microsoft.com/office/powerpoint/2010/main" xmlns="" val="3294237695"/>
+      </p:ext>
+    </p:extLst>
+  </p:cSld>
+  <p:clrMapOvr>
+    <a:masterClrMapping/>
+  </p:clrMapOvr>
+</p:notes>
+</file>
+
+<file path=ppt/notesSlides/notesSlide8.xml><?xml version="1.0" encoding="utf-8"?>
+<p:notes xmlns:a="http://schemas.openxmlformats.org/drawingml/2006/main" xmlns:r="http://schemas.openxmlformats.org/officeDocument/2006/relationships" xmlns:p="http://schemas.openxmlformats.org/presentationml/2006/main">
+  <p:cSld>
+    <p:spTree>
+      <p:nvGrpSpPr>
+        <p:cNvPr id="1" name=""/>
+        <p:cNvGrpSpPr/>
+        <p:nvPr/>
+      </p:nvGrpSpPr>
+      <p:grpSpPr>
+        <a:xfrm>
+          <a:off x="0" y="0"/>
+          <a:ext cx="0" cy="0"/>
+          <a:chOff x="0" y="0"/>
+          <a:chExt cx="0" cy="0"/>
+        </a:xfrm>
+      </p:grpSpPr>
+      <p:sp>
+        <p:nvSpPr>
+          <p:cNvPr id="2" name="Segnaposto immagine diapositiva 1"/>
+          <p:cNvSpPr>
+            <a:spLocks noGrp="1" noRot="1" noChangeAspect="1"/>
+          </p:cNvSpPr>
+          <p:nvPr>
+            <p:ph type="sldImg"/>
+          </p:nvPr>
+        </p:nvSpPr>
+        <p:spPr/>
+      </p:sp>
+      <p:sp>
+        <p:nvSpPr>
+          <p:cNvPr id="3" name="Segnaposto note 2"/>
+          <p:cNvSpPr>
+            <a:spLocks noGrp="1"/>
+          </p:cNvSpPr>
+          <p:nvPr>
+            <p:ph type="body" idx="1"/>
+          </p:nvPr>
+        </p:nvSpPr>
+        <p:spPr/>
+        <p:txBody>
+          <a:bodyPr/>
+          <a:lstStyle/>
+          <a:p>
+            <a:endParaRPr lang="it-IT" dirty="0"/>
+          </a:p>
+        </p:txBody>
+      </p:sp>
+      <p:sp>
+        <p:nvSpPr>
+          <p:cNvPr id="4" name="Segnaposto numero diapositiva 3"/>
+          <p:cNvSpPr>
+            <a:spLocks noGrp="1"/>
+          </p:cNvSpPr>
+          <p:nvPr>
+            <p:ph type="sldNum" sz="quarter" idx="10"/>
+          </p:nvPr>
+        </p:nvSpPr>
+        <p:spPr/>
+        <p:txBody>
+          <a:bodyPr/>
+          <a:lstStyle/>
+          <a:p>
+            <a:fld id="{D70604CA-7593-4640-8FA1-5523937B8510}" type="slidenum">
+              <a:rPr lang="it-IT" smtClean="0"/>
+              <a:pPr/>
+              <a:t>14</a:t>
+            </a:fld>
+            <a:endParaRPr lang="it-IT"/>
+          </a:p>
+        </p:txBody>
+      </p:sp>
+    </p:spTree>
+    <p:extLst>
+      <p:ext uri="{BB962C8B-B14F-4D97-AF65-F5344CB8AC3E}">
+        <p14:creationId xmlns:p14="http://schemas.microsoft.com/office/powerpoint/2010/main" xmlns="" val="328384907"/>
+      </p:ext>
+    </p:extLst>
+  </p:cSld>
+  <p:clrMapOvr>
+    <a:masterClrMapping/>
+  </p:clrMapOvr>
+</p:notes>
+</file>
+
+<file path=ppt/notesSlides/notesSlide9.xml><?xml version="1.0" encoding="utf-8"?>
+<p:notes xmlns:a="http://schemas.openxmlformats.org/drawingml/2006/main" xmlns:r="http://schemas.openxmlformats.org/officeDocument/2006/relationships" xmlns:p="http://schemas.openxmlformats.org/presentationml/2006/main">
+  <p:cSld>
+    <p:spTree>
+      <p:nvGrpSpPr>
+        <p:cNvPr id="1" name=""/>
+        <p:cNvGrpSpPr/>
+        <p:nvPr/>
+      </p:nvGrpSpPr>
+      <p:grpSpPr>
+        <a:xfrm>
+          <a:off x="0" y="0"/>
+          <a:ext cx="0" cy="0"/>
+          <a:chOff x="0" y="0"/>
+          <a:chExt cx="0" cy="0"/>
+        </a:xfrm>
+      </p:grpSpPr>
+      <p:sp>
+        <p:nvSpPr>
+          <p:cNvPr id="2" name="Segnaposto immagine diapositiva 1"/>
+          <p:cNvSpPr>
+            <a:spLocks noGrp="1" noRot="1" noChangeAspect="1"/>
+          </p:cNvSpPr>
+          <p:nvPr>
+            <p:ph type="sldImg"/>
+          </p:nvPr>
+        </p:nvSpPr>
+        <p:spPr/>
+      </p:sp>
+      <p:sp>
+        <p:nvSpPr>
+          <p:cNvPr id="3" name="Segnaposto note 2"/>
+          <p:cNvSpPr>
+            <a:spLocks noGrp="1"/>
+          </p:cNvSpPr>
+          <p:nvPr>
+            <p:ph type="body" idx="1"/>
+          </p:nvPr>
+        </p:nvSpPr>
+        <p:spPr/>
+        <p:txBody>
+          <a:bodyPr/>
+          <a:lstStyle/>
+          <a:p>
+            <a:r>
+              <a:rPr lang="it-IT" dirty="0" smtClean="0"/>
+              <a:t>Questa che</a:t>
+            </a:r>
+            <a:r>
+              <a:rPr lang="it-IT" baseline="0" dirty="0" smtClean="0"/>
+              <a:t> ho mostrato sostanzialmente è l’idea su cui noi volevamo basarci per implementare la gestione dei pagamenti ma essendo a bassa priorità non è stato implementato sia per mancanza di tempo effettivo sia per mancanza di skill necessarie</a:t>
+            </a:r>
+            <a:endParaRPr lang="it-IT" dirty="0"/>
+          </a:p>
+        </p:txBody>
+      </p:sp>
+      <p:sp>
+        <p:nvSpPr>
+          <p:cNvPr id="4" name="Segnaposto numero diapositiva 3"/>
+          <p:cNvSpPr>
+            <a:spLocks noGrp="1"/>
+          </p:cNvSpPr>
+          <p:nvPr>
+            <p:ph type="sldNum" sz="quarter" idx="10"/>
+          </p:nvPr>
+        </p:nvSpPr>
+        <p:spPr/>
+        <p:txBody>
+          <a:bodyPr/>
+          <a:lstStyle/>
+          <a:p>
+            <a:fld id="{D70604CA-7593-4640-8FA1-5523937B8510}" type="slidenum">
+              <a:rPr lang="it-IT" smtClean="0"/>
+              <a:pPr/>
+              <a:t>15</a:t>
+            </a:fld>
+            <a:endParaRPr lang="it-IT"/>
+          </a:p>
+        </p:txBody>
+      </p:sp>
+    </p:spTree>
+    <p:extLst>
+      <p:ext uri="{BB962C8B-B14F-4D97-AF65-F5344CB8AC3E}">
+        <p14:creationId xmlns:p14="http://schemas.microsoft.com/office/powerpoint/2010/main" xmlns="" val="3771085237"/>
+      </p:ext>
+    </p:extLst>
+  </p:cSld>
+  <p:clrMapOvr>
+    <a:masterClrMapping/>
+  </p:clrMapOvr>
+</p:notes>
+</file>
+
 <file path=ppt/slideLayouts/slideLayout1.xml><?xml version="1.0" encoding="utf-8"?>
 <p:sldLayout xmlns:a="http://schemas.openxmlformats.org/drawingml/2006/main" xmlns:r="http://schemas.openxmlformats.org/officeDocument/2006/relationships" xmlns:p="http://schemas.openxmlformats.org/presentationml/2006/main" type="title" preserve="1">
   <p:cSld name="Diapositiva titolo">
@@ -626,7 +2014,8 @@
           <a:p>
             <a:fld id="{63CABBC0-75E4-43BB-A6A6-84C2A96BDB82}" type="datetimeFigureOut">
               <a:rPr lang="it-IT" smtClean="0"/>
-              <a:t>23/12/2012</a:t>
+              <a:pPr/>
+              <a:t>04/01/2013</a:t>
             </a:fld>
             <a:endParaRPr lang="it-IT"/>
           </a:p>
@@ -668,6 +2057,7 @@
           <a:p>
             <a:fld id="{F89AEA99-3E91-4C58-9AD4-045DB5619AC3}" type="slidenum">
               <a:rPr lang="it-IT" smtClean="0"/>
+              <a:pPr/>
               <a:t>‹N›</a:t>
             </a:fld>
             <a:endParaRPr lang="it-IT"/>
@@ -806,7 +2196,8 @@
           <a:p>
             <a:fld id="{63CABBC0-75E4-43BB-A6A6-84C2A96BDB82}" type="datetimeFigureOut">
               <a:rPr lang="it-IT" smtClean="0"/>
-              <a:t>23/12/2012</a:t>
+              <a:pPr/>
+              <a:t>04/01/2013</a:t>
             </a:fld>
             <a:endParaRPr lang="it-IT"/>
           </a:p>
@@ -848,6 +2239,7 @@
           <a:p>
             <a:fld id="{F89AEA99-3E91-4C58-9AD4-045DB5619AC3}" type="slidenum">
               <a:rPr lang="it-IT" smtClean="0"/>
+              <a:pPr/>
               <a:t>‹N›</a:t>
             </a:fld>
             <a:endParaRPr lang="it-IT"/>
@@ -996,7 +2388,8 @@
           <a:p>
             <a:fld id="{63CABBC0-75E4-43BB-A6A6-84C2A96BDB82}" type="datetimeFigureOut">
               <a:rPr lang="it-IT" smtClean="0"/>
-              <a:t>23/12/2012</a:t>
+              <a:pPr/>
+              <a:t>04/01/2013</a:t>
             </a:fld>
             <a:endParaRPr lang="it-IT"/>
           </a:p>
@@ -1038,6 +2431,7 @@
           <a:p>
             <a:fld id="{F89AEA99-3E91-4C58-9AD4-045DB5619AC3}" type="slidenum">
               <a:rPr lang="it-IT" smtClean="0"/>
+              <a:pPr/>
               <a:t>‹N›</a:t>
             </a:fld>
             <a:endParaRPr lang="it-IT"/>
@@ -1176,7 +2570,8 @@
           <a:p>
             <a:fld id="{63CABBC0-75E4-43BB-A6A6-84C2A96BDB82}" type="datetimeFigureOut">
               <a:rPr lang="it-IT" smtClean="0"/>
-              <a:t>23/12/2012</a:t>
+              <a:pPr/>
+              <a:t>04/01/2013</a:t>
             </a:fld>
             <a:endParaRPr lang="it-IT"/>
           </a:p>
@@ -1218,6 +2613,7 @@
           <a:p>
             <a:fld id="{F89AEA99-3E91-4C58-9AD4-045DB5619AC3}" type="slidenum">
               <a:rPr lang="it-IT" smtClean="0"/>
+              <a:pPr/>
               <a:t>‹N›</a:t>
             </a:fld>
             <a:endParaRPr lang="it-IT"/>
@@ -1417,7 +2813,8 @@
           <a:p>
             <a:fld id="{63CABBC0-75E4-43BB-A6A6-84C2A96BDB82}" type="datetimeFigureOut">
               <a:rPr lang="it-IT" smtClean="0"/>
-              <a:t>23/12/2012</a:t>
+              <a:pPr/>
+              <a:t>04/01/2013</a:t>
             </a:fld>
             <a:endParaRPr lang="it-IT"/>
           </a:p>
@@ -1459,6 +2856,7 @@
           <a:p>
             <a:fld id="{F89AEA99-3E91-4C58-9AD4-045DB5619AC3}" type="slidenum">
               <a:rPr lang="it-IT" smtClean="0"/>
+              <a:pPr/>
               <a:t>‹N›</a:t>
             </a:fld>
             <a:endParaRPr lang="it-IT"/>
@@ -1696,7 +3094,8 @@
           <a:p>
             <a:fld id="{63CABBC0-75E4-43BB-A6A6-84C2A96BDB82}" type="datetimeFigureOut">
               <a:rPr lang="it-IT" smtClean="0"/>
-              <a:t>23/12/2012</a:t>
+              <a:pPr/>
+              <a:t>04/01/2013</a:t>
             </a:fld>
             <a:endParaRPr lang="it-IT"/>
           </a:p>
@@ -1738,6 +3137,7 @@
           <a:p>
             <a:fld id="{F89AEA99-3E91-4C58-9AD4-045DB5619AC3}" type="slidenum">
               <a:rPr lang="it-IT" smtClean="0"/>
+              <a:pPr/>
               <a:t>‹N›</a:t>
             </a:fld>
             <a:endParaRPr lang="it-IT"/>
@@ -2085,7 +3485,8 @@
           <a:p>
             <a:fld id="{63CABBC0-75E4-43BB-A6A6-84C2A96BDB82}" type="datetimeFigureOut">
               <a:rPr lang="it-IT" smtClean="0"/>
-              <a:t>23/12/2012</a:t>
+              <a:pPr/>
+              <a:t>04/01/2013</a:t>
             </a:fld>
             <a:endParaRPr lang="it-IT"/>
           </a:p>
@@ -2127,6 +3528,7 @@
           <a:p>
             <a:fld id="{F89AEA99-3E91-4C58-9AD4-045DB5619AC3}" type="slidenum">
               <a:rPr lang="it-IT" smtClean="0"/>
+              <a:pPr/>
               <a:t>‹N›</a:t>
             </a:fld>
             <a:endParaRPr lang="it-IT"/>
@@ -2242,7 +3644,8 @@
           <a:p>
             <a:fld id="{63CABBC0-75E4-43BB-A6A6-84C2A96BDB82}" type="datetimeFigureOut">
               <a:rPr lang="it-IT" smtClean="0"/>
-              <a:t>23/12/2012</a:t>
+              <a:pPr/>
+              <a:t>04/01/2013</a:t>
             </a:fld>
             <a:endParaRPr lang="it-IT"/>
           </a:p>
@@ -2284,6 +3687,7 @@
           <a:p>
             <a:fld id="{F89AEA99-3E91-4C58-9AD4-045DB5619AC3}" type="slidenum">
               <a:rPr lang="it-IT" smtClean="0"/>
+              <a:pPr/>
               <a:t>‹N›</a:t>
             </a:fld>
             <a:endParaRPr lang="it-IT"/>
@@ -2339,7 +3743,8 @@
           <a:p>
             <a:fld id="{63CABBC0-75E4-43BB-A6A6-84C2A96BDB82}" type="datetimeFigureOut">
               <a:rPr lang="it-IT" smtClean="0"/>
-              <a:t>23/12/2012</a:t>
+              <a:pPr/>
+              <a:t>04/01/2013</a:t>
             </a:fld>
             <a:endParaRPr lang="it-IT"/>
           </a:p>
@@ -2381,6 +3786,7 @@
           <a:p>
             <a:fld id="{F89AEA99-3E91-4C58-9AD4-045DB5619AC3}" type="slidenum">
               <a:rPr lang="it-IT" smtClean="0"/>
+              <a:pPr/>
               <a:t>‹N›</a:t>
             </a:fld>
             <a:endParaRPr lang="it-IT"/>
@@ -2607,7 +4013,8 @@
           <a:p>
             <a:fld id="{63CABBC0-75E4-43BB-A6A6-84C2A96BDB82}" type="datetimeFigureOut">
               <a:rPr lang="it-IT" smtClean="0"/>
-              <a:t>23/12/2012</a:t>
+              <a:pPr/>
+              <a:t>04/01/2013</a:t>
             </a:fld>
             <a:endParaRPr lang="it-IT"/>
           </a:p>
@@ -2649,6 +4056,7 @@
           <a:p>
             <a:fld id="{F89AEA99-3E91-4C58-9AD4-045DB5619AC3}" type="slidenum">
               <a:rPr lang="it-IT" smtClean="0"/>
+              <a:pPr/>
               <a:t>‹N›</a:t>
             </a:fld>
             <a:endParaRPr lang="it-IT"/>
@@ -2902,7 +4310,8 @@
           <a:p>
             <a:fld id="{63CABBC0-75E4-43BB-A6A6-84C2A96BDB82}" type="datetimeFigureOut">
               <a:rPr lang="it-IT" smtClean="0"/>
-              <a:t>23/12/2012</a:t>
+              <a:pPr/>
+              <a:t>04/01/2013</a:t>
             </a:fld>
             <a:endParaRPr lang="it-IT"/>
           </a:p>
@@ -2949,6 +4358,7 @@
           <a:p>
             <a:fld id="{F89AEA99-3E91-4C58-9AD4-045DB5619AC3}" type="slidenum">
               <a:rPr lang="it-IT" smtClean="0"/>
+              <a:pPr/>
               <a:t>‹N›</a:t>
             </a:fld>
             <a:endParaRPr lang="it-IT"/>
@@ -3680,7 +5090,8 @@
           <a:p>
             <a:fld id="{63CABBC0-75E4-43BB-A6A6-84C2A96BDB82}" type="datetimeFigureOut">
               <a:rPr lang="it-IT" smtClean="0"/>
-              <a:t>23/12/2012</a:t>
+              <a:pPr/>
+              <a:t>04/01/2013</a:t>
             </a:fld>
             <a:endParaRPr lang="it-IT"/>
           </a:p>
@@ -3758,6 +5169,7 @@
           <a:p>
             <a:fld id="{F89AEA99-3E91-4C58-9AD4-045DB5619AC3}" type="slidenum">
               <a:rPr lang="it-IT" smtClean="0"/>
+              <a:pPr/>
               <a:t>‹N›</a:t>
             </a:fld>
             <a:endParaRPr lang="it-IT"/>
@@ -4303,7 +5715,7 @@
         </p:nvSpPr>
         <p:spPr>
           <a:xfrm>
-            <a:off x="1446520" y="3212976"/>
+            <a:off x="1695044" y="3212976"/>
             <a:ext cx="6117316" cy="1754326"/>
           </a:xfrm>
           <a:prstGeom prst="rect">
@@ -4355,174 +5767,6 @@
       </p:sp>
       <p:graphicFrame>
         <p:nvGraphicFramePr>
-          <p:cNvPr id="8" name="Tabella 7"/>
-          <p:cNvGraphicFramePr>
-            <a:graphicFrameLocks noGrp="1"/>
-          </p:cNvGraphicFramePr>
-          <p:nvPr>
-            <p:extLst>
-              <p:ext uri="{D42A27DB-BD31-4B8C-83A1-F6EECF244321}">
-                <p14:modId xmlns:p14="http://schemas.microsoft.com/office/powerpoint/2010/main" val="3478576524"/>
-              </p:ext>
-            </p:extLst>
-          </p:nvPr>
-        </p:nvGraphicFramePr>
-        <p:xfrm>
-          <a:off x="29313" y="5042215"/>
-          <a:ext cx="2051720" cy="1815785"/>
-        </p:xfrm>
-        <a:graphic>
-          <a:graphicData uri="http://schemas.openxmlformats.org/drawingml/2006/table">
-            <a:tbl>
-              <a:tblPr>
-                <a:tableStyleId>{284E427A-3D55-4303-BF80-6455036E1DE7}</a:tableStyleId>
-              </a:tblPr>
-              <a:tblGrid>
-                <a:gridCol w="2051720"/>
-              </a:tblGrid>
-              <a:tr h="0">
-                <a:tc>
-                  <a:txBody>
-                    <a:bodyPr/>
-                    <a:lstStyle/>
-                    <a:p>
-                      <a:pPr algn="ctr" rtl="0">
-                        <a:lnSpc>
-                          <a:spcPct val="150000"/>
-                        </a:lnSpc>
-                      </a:pPr>
-                      <a:r>
-                        <a:rPr lang="it-IT" sz="1400" b="1" u="none" strike="noStrike" dirty="0" smtClean="0">
-                          <a:effectLst/>
-                        </a:rPr>
-                        <a:t>Team</a:t>
-                      </a:r>
-                      <a:r>
-                        <a:rPr lang="it-IT" sz="1400" b="1" u="none" strike="noStrike" baseline="0" dirty="0" smtClean="0">
-                          <a:effectLst/>
-                        </a:rPr>
-                        <a:t> </a:t>
-                      </a:r>
-                      <a:r>
-                        <a:rPr lang="it-IT" sz="1400" b="1" u="none" strike="noStrike" baseline="0" dirty="0" err="1" smtClean="0">
-                          <a:effectLst/>
-                        </a:rPr>
-                        <a:t>Members</a:t>
-                      </a:r>
-                      <a:endParaRPr lang="it-IT" sz="1400" b="1" u="none" strike="noStrike" dirty="0">
-                        <a:effectLst/>
-                      </a:endParaRPr>
-                    </a:p>
-                  </a:txBody>
-                  <a:tcPr marL="38100" marR="38100" marT="38100" marB="38100"/>
-                </a:tc>
-              </a:tr>
-              <a:tr h="0">
-                <a:tc>
-                  <a:txBody>
-                    <a:bodyPr/>
-                    <a:lstStyle/>
-                    <a:p>
-                      <a:pPr algn="ctr" rtl="0">
-                        <a:lnSpc>
-                          <a:spcPct val="150000"/>
-                        </a:lnSpc>
-                      </a:pPr>
-                      <a:r>
-                        <a:rPr lang="it-IT" sz="1400" dirty="0" smtClean="0">
-                          <a:effectLst/>
-                        </a:rPr>
-                        <a:t>..</a:t>
-                      </a:r>
-                      <a:endParaRPr lang="it-IT" sz="1400" dirty="0">
-                        <a:effectLst/>
-                      </a:endParaRPr>
-                    </a:p>
-                  </a:txBody>
-                  <a:tcPr marL="38100" marR="38100" marT="38100" marB="38100"/>
-                </a:tc>
-              </a:tr>
-              <a:tr h="0">
-                <a:tc>
-                  <a:txBody>
-                    <a:bodyPr/>
-                    <a:lstStyle/>
-                    <a:p>
-                      <a:pPr algn="ctr" rtl="0">
-                        <a:lnSpc>
-                          <a:spcPct val="150000"/>
-                        </a:lnSpc>
-                      </a:pPr>
-                      <a:r>
-                        <a:rPr lang="it-IT" sz="1400" dirty="0" smtClean="0">
-                          <a:effectLst/>
-                        </a:rPr>
-                        <a:t>..</a:t>
-                      </a:r>
-                      <a:endParaRPr lang="it-IT" sz="1400" dirty="0">
-                        <a:effectLst/>
-                      </a:endParaRPr>
-                    </a:p>
-                  </a:txBody>
-                  <a:tcPr marL="38100" marR="38100" marT="38100" marB="38100"/>
-                </a:tc>
-              </a:tr>
-              <a:tr h="0">
-                <a:tc>
-                  <a:txBody>
-                    <a:bodyPr/>
-                    <a:lstStyle/>
-                    <a:p>
-                      <a:pPr algn="ctr" rtl="0">
-                        <a:lnSpc>
-                          <a:spcPct val="150000"/>
-                        </a:lnSpc>
-                      </a:pPr>
-                      <a:r>
-                        <a:rPr lang="it-IT" sz="1400" dirty="0" smtClean="0">
-                          <a:effectLst/>
-                        </a:rPr>
-                        <a:t>..</a:t>
-                      </a:r>
-                      <a:endParaRPr lang="it-IT" sz="1400" dirty="0">
-                        <a:effectLst/>
-                      </a:endParaRPr>
-                    </a:p>
-                  </a:txBody>
-                  <a:tcPr marL="38100" marR="38100" marT="38100" marB="38100"/>
-                </a:tc>
-              </a:tr>
-              <a:tr h="0">
-                <a:tc>
-                  <a:txBody>
-                    <a:bodyPr/>
-                    <a:lstStyle/>
-                    <a:p>
-                      <a:pPr algn="ctr" rtl="0">
-                        <a:lnSpc>
-                          <a:spcPct val="150000"/>
-                        </a:lnSpc>
-                      </a:pPr>
-                      <a:r>
-                        <a:rPr lang="it-IT" sz="1400" dirty="0" smtClean="0">
-                          <a:effectLst/>
-                        </a:rPr>
-                        <a:t>..</a:t>
-                      </a:r>
-                      <a:endParaRPr lang="it-IT" sz="1400" dirty="0">
-                        <a:effectLst/>
-                      </a:endParaRPr>
-                    </a:p>
-                  </a:txBody>
-                  <a:tcPr marL="38100" marR="38100" marT="38100" marB="38100"/>
-                </a:tc>
-              </a:tr>
-            </a:tbl>
-          </a:graphicData>
-        </a:graphic>
-      </p:graphicFrame>
-      <p:graphicFrame>
-        <p:nvGraphicFramePr>
           <p:cNvPr id="9" name="Tabella 8"/>
           <p:cNvGraphicFramePr>
             <a:graphicFrameLocks noGrp="1"/>
@@ -4530,14 +5774,14 @@
           <p:nvPr>
             <p:extLst>
               <p:ext uri="{D42A27DB-BD31-4B8C-83A1-F6EECF244321}">
-                <p14:modId xmlns:p14="http://schemas.microsoft.com/office/powerpoint/2010/main" val="3696521689"/>
+                <p14:modId xmlns:p14="http://schemas.microsoft.com/office/powerpoint/2010/main" xmlns="" val="3696521689"/>
               </p:ext>
             </p:extLst>
           </p:nvPr>
         </p:nvGraphicFramePr>
         <p:xfrm>
           <a:off x="7092280" y="6060793"/>
-          <a:ext cx="2051720" cy="726314"/>
+          <a:ext cx="2051720" cy="792480"/>
         </p:xfrm>
         <a:graphic>
           <a:graphicData uri="http://schemas.openxmlformats.org/drawingml/2006/table">
@@ -4617,10 +5861,10 @@
           <p:nvPr/>
         </p:nvPicPr>
         <p:blipFill>
-          <a:blip r:embed="rId2">
+          <a:blip r:embed="rId2" cstate="print">
             <a:extLst>
               <a:ext uri="{28A0092B-C50C-407E-A947-70E740481C1C}">
-                <a14:useLocalDpi xmlns:a14="http://schemas.microsoft.com/office/drawing/2010/main" val="0"/>
+                <a14:useLocalDpi xmlns:a14="http://schemas.microsoft.com/office/drawing/2010/main" xmlns="" val="0"/>
               </a:ext>
             </a:extLst>
           </a:blip>
@@ -4631,7 +5875,7 @@
         </p:blipFill>
         <p:spPr bwMode="auto">
           <a:xfrm>
-            <a:off x="2188244" y="764704"/>
+            <a:off x="2424878" y="764704"/>
             <a:ext cx="4163346" cy="2592288"/>
           </a:xfrm>
           <a:prstGeom prst="rect">
@@ -4640,7 +5884,1281 @@
           <a:noFill/>
           <a:extLst>
             <a:ext uri="{909E8E84-426E-40DD-AFC4-6F175D3DCCD1}">
-              <a14:hiddenFill xmlns:a14="http://schemas.microsoft.com/office/drawing/2010/main">
+              <a14:hiddenFill xmlns:a14="http://schemas.microsoft.com/office/drawing/2010/main" xmlns="">
+                <a:solidFill>
+                  <a:srgbClr val="FFFFFF"/>
+                </a:solidFill>
+              </a14:hiddenFill>
+            </a:ext>
+          </a:extLst>
+        </p:spPr>
+      </p:pic>
+      <p:graphicFrame>
+        <p:nvGraphicFramePr>
+          <p:cNvPr id="7" name="Tabella 6"/>
+          <p:cNvGraphicFramePr>
+            <a:graphicFrameLocks noGrp="1"/>
+          </p:cNvGraphicFramePr>
+          <p:nvPr>
+            <p:extLst>
+              <p:ext uri="{D42A27DB-BD31-4B8C-83A1-F6EECF244321}">
+                <p14:modId xmlns:p14="http://schemas.microsoft.com/office/powerpoint/2010/main" xmlns="" val="3478576524"/>
+              </p:ext>
+            </p:extLst>
+          </p:nvPr>
+        </p:nvGraphicFramePr>
+        <p:xfrm>
+          <a:off x="0" y="4286256"/>
+          <a:ext cx="2231232" cy="2571744"/>
+        </p:xfrm>
+        <a:graphic>
+          <a:graphicData uri="http://schemas.openxmlformats.org/drawingml/2006/table">
+            <a:tbl>
+              <a:tblPr>
+                <a:tableStyleId>{284E427A-3D55-4303-BF80-6455036E1DE7}</a:tableStyleId>
+              </a:tblPr>
+              <a:tblGrid>
+                <a:gridCol w="2231232"/>
+              </a:tblGrid>
+              <a:tr h="428624">
+                <a:tc>
+                  <a:txBody>
+                    <a:bodyPr/>
+                    <a:lstStyle/>
+                    <a:p>
+                      <a:pPr algn="ctr" rtl="0">
+                        <a:lnSpc>
+                          <a:spcPct val="150000"/>
+                        </a:lnSpc>
+                      </a:pPr>
+                      <a:r>
+                        <a:rPr lang="it-IT" sz="1400" b="1" u="none" strike="noStrike" dirty="0" smtClean="0">
+                          <a:effectLst/>
+                        </a:rPr>
+                        <a:t>Team</a:t>
+                      </a:r>
+                      <a:r>
+                        <a:rPr lang="it-IT" sz="1400" b="1" u="none" strike="noStrike" baseline="0" dirty="0" smtClean="0">
+                          <a:effectLst/>
+                        </a:rPr>
+                        <a:t> </a:t>
+                      </a:r>
+                      <a:r>
+                        <a:rPr lang="it-IT" sz="1400" b="1" u="none" strike="noStrike" baseline="0" dirty="0" err="1" smtClean="0">
+                          <a:effectLst/>
+                        </a:rPr>
+                        <a:t>Members</a:t>
+                      </a:r>
+                      <a:endParaRPr lang="it-IT" sz="1400" b="1" u="none" strike="noStrike" dirty="0">
+                        <a:effectLst/>
+                      </a:endParaRPr>
+                    </a:p>
+                  </a:txBody>
+                  <a:tcPr marL="38100" marR="38100" marT="38100" marB="38100"/>
+                </a:tc>
+              </a:tr>
+              <a:tr h="428624">
+                <a:tc>
+                  <a:txBody>
+                    <a:bodyPr/>
+                    <a:lstStyle/>
+                    <a:p>
+                      <a:pPr algn="ctr" rtl="0">
+                        <a:lnSpc>
+                          <a:spcPct val="150000"/>
+                        </a:lnSpc>
+                      </a:pPr>
+                      <a:r>
+                        <a:rPr lang="it-IT" sz="1400" dirty="0" smtClean="0">
+                          <a:effectLst/>
+                        </a:rPr>
+                        <a:t>Luca</a:t>
+                      </a:r>
+                      <a:r>
+                        <a:rPr lang="it-IT" sz="1400" baseline="0" dirty="0" smtClean="0">
+                          <a:effectLst/>
+                        </a:rPr>
+                        <a:t> Di Costanzo</a:t>
+                      </a:r>
+                      <a:endParaRPr lang="it-IT" sz="1400" dirty="0">
+                        <a:effectLst/>
+                      </a:endParaRPr>
+                    </a:p>
+                  </a:txBody>
+                  <a:tcPr marL="38100" marR="38100" marT="38100" marB="38100"/>
+                </a:tc>
+              </a:tr>
+              <a:tr h="428624">
+                <a:tc>
+                  <a:txBody>
+                    <a:bodyPr/>
+                    <a:lstStyle/>
+                    <a:p>
+                      <a:pPr algn="ctr" rtl="0">
+                        <a:lnSpc>
+                          <a:spcPct val="150000"/>
+                        </a:lnSpc>
+                      </a:pPr>
+                      <a:r>
+                        <a:rPr lang="it-IT" sz="1400" dirty="0" smtClean="0">
+                          <a:effectLst/>
+                        </a:rPr>
+                        <a:t>Francesco</a:t>
+                      </a:r>
+                      <a:r>
+                        <a:rPr lang="it-IT" sz="1400" baseline="0" dirty="0" smtClean="0">
+                          <a:effectLst/>
+                        </a:rPr>
+                        <a:t> Durante</a:t>
+                      </a:r>
+                      <a:endParaRPr lang="it-IT" sz="1400" dirty="0">
+                        <a:effectLst/>
+                      </a:endParaRPr>
+                    </a:p>
+                  </a:txBody>
+                  <a:tcPr marL="38100" marR="38100" marT="38100" marB="38100"/>
+                </a:tc>
+              </a:tr>
+              <a:tr h="428624">
+                <a:tc>
+                  <a:txBody>
+                    <a:bodyPr/>
+                    <a:lstStyle/>
+                    <a:p>
+                      <a:pPr algn="ctr" rtl="0">
+                        <a:lnSpc>
+                          <a:spcPct val="150000"/>
+                        </a:lnSpc>
+                      </a:pPr>
+                      <a:r>
+                        <a:rPr lang="it-IT" sz="1400" dirty="0" smtClean="0">
+                          <a:effectLst/>
+                        </a:rPr>
+                        <a:t>Mariella Ferrara</a:t>
+                      </a:r>
+                      <a:endParaRPr lang="it-IT" sz="1400" dirty="0">
+                        <a:effectLst/>
+                      </a:endParaRPr>
+                    </a:p>
+                  </a:txBody>
+                  <a:tcPr marL="38100" marR="38100" marT="38100" marB="38100"/>
+                </a:tc>
+              </a:tr>
+              <a:tr h="428624">
+                <a:tc>
+                  <a:txBody>
+                    <a:bodyPr/>
+                    <a:lstStyle/>
+                    <a:p>
+                      <a:pPr algn="ctr" rtl="0">
+                        <a:lnSpc>
+                          <a:spcPct val="150000"/>
+                        </a:lnSpc>
+                      </a:pPr>
+                      <a:r>
+                        <a:rPr lang="it-IT" sz="1400" dirty="0" smtClean="0">
+                          <a:effectLst/>
+                        </a:rPr>
+                        <a:t>Luigi</a:t>
+                      </a:r>
+                      <a:r>
+                        <a:rPr lang="it-IT" sz="1400" baseline="0" dirty="0" smtClean="0">
+                          <a:effectLst/>
+                        </a:rPr>
+                        <a:t> </a:t>
+                      </a:r>
+                      <a:r>
+                        <a:rPr lang="it-IT" sz="1400" baseline="0" dirty="0" err="1" smtClean="0">
+                          <a:effectLst/>
+                        </a:rPr>
+                        <a:t>Lomasto</a:t>
+                      </a:r>
+                      <a:endParaRPr lang="it-IT" sz="1400" dirty="0">
+                        <a:effectLst/>
+                      </a:endParaRPr>
+                    </a:p>
+                  </a:txBody>
+                  <a:tcPr marL="38100" marR="38100" marT="38100" marB="38100"/>
+                </a:tc>
+              </a:tr>
+              <a:tr h="428624">
+                <a:tc>
+                  <a:txBody>
+                    <a:bodyPr/>
+                    <a:lstStyle/>
+                    <a:p>
+                      <a:pPr algn="ctr" rtl="0">
+                        <a:lnSpc>
+                          <a:spcPct val="150000"/>
+                        </a:lnSpc>
+                      </a:pPr>
+                      <a:r>
+                        <a:rPr lang="it-IT" sz="1400" dirty="0" smtClean="0">
+                          <a:effectLst/>
+                        </a:rPr>
+                        <a:t>Marco Parisi</a:t>
+                      </a:r>
+                      <a:endParaRPr lang="it-IT" sz="1400" dirty="0">
+                        <a:effectLst/>
+                      </a:endParaRPr>
+                    </a:p>
+                  </a:txBody>
+                  <a:tcPr marL="38100" marR="38100" marT="38100" marB="38100"/>
+                </a:tc>
+              </a:tr>
+            </a:tbl>
+          </a:graphicData>
+        </a:graphic>
+      </p:graphicFrame>
+    </p:spTree>
+    <p:extLst>
+      <p:ext uri="{BB962C8B-B14F-4D97-AF65-F5344CB8AC3E}">
+        <p14:creationId xmlns:p14="http://schemas.microsoft.com/office/powerpoint/2010/main" xmlns="" val="4165334171"/>
+      </p:ext>
+    </p:extLst>
+  </p:cSld>
+  <p:clrMapOvr>
+    <a:masterClrMapping/>
+  </p:clrMapOvr>
+  <p:timing>
+    <p:tnLst>
+      <p:par>
+        <p:cTn id="1" dur="indefinite" restart="never" nodeType="tmRoot"/>
+      </p:par>
+    </p:tnLst>
+  </p:timing>
+</p:sld>
+</file>
+
+<file path=ppt/slides/slide10.xml><?xml version="1.0" encoding="utf-8"?>
+<p:sld xmlns:a="http://schemas.openxmlformats.org/drawingml/2006/main" xmlns:r="http://schemas.openxmlformats.org/officeDocument/2006/relationships" xmlns:p="http://schemas.openxmlformats.org/presentationml/2006/main">
+  <p:cSld>
+    <p:spTree>
+      <p:nvGrpSpPr>
+        <p:cNvPr id="1" name=""/>
+        <p:cNvGrpSpPr/>
+        <p:nvPr/>
+      </p:nvGrpSpPr>
+      <p:grpSpPr>
+        <a:xfrm>
+          <a:off x="0" y="0"/>
+          <a:ext cx="0" cy="0"/>
+          <a:chOff x="0" y="0"/>
+          <a:chExt cx="0" cy="0"/>
+        </a:xfrm>
+      </p:grpSpPr>
+      <p:sp>
+        <p:nvSpPr>
+          <p:cNvPr id="2" name="CasellaDiTesto 1"/>
+          <p:cNvSpPr txBox="1"/>
+          <p:nvPr/>
+        </p:nvSpPr>
+        <p:spPr>
+          <a:xfrm>
+            <a:off x="2339752" y="692696"/>
+            <a:ext cx="4392488" cy="646331"/>
+          </a:xfrm>
+          <a:prstGeom prst="rect">
+            <a:avLst/>
+          </a:prstGeom>
+          <a:noFill/>
+        </p:spPr>
+        <p:txBody>
+          <a:bodyPr wrap="square" rtlCol="0">
+            <a:spAutoFit/>
+          </a:bodyPr>
+          <a:lstStyle/>
+          <a:p>
+            <a:pPr algn="ctr"/>
+            <a:r>
+              <a:rPr lang="it-IT" sz="3600" b="1" dirty="0" smtClean="0">
+                <a:solidFill>
+                  <a:srgbClr val="000000"/>
+                </a:solidFill>
+              </a:rPr>
+              <a:t>Versione iniziale</a:t>
+            </a:r>
+          </a:p>
+        </p:txBody>
+      </p:sp>
+      <p:sp>
+        <p:nvSpPr>
+          <p:cNvPr id="9" name="Content Placeholder 3"/>
+          <p:cNvSpPr txBox="1">
+            <a:spLocks/>
+          </p:cNvSpPr>
+          <p:nvPr/>
+        </p:nvSpPr>
+        <p:spPr>
+          <a:xfrm>
+            <a:off x="298902" y="1556792"/>
+            <a:ext cx="8449562" cy="4608512"/>
+          </a:xfrm>
+          <a:prstGeom prst="rect">
+            <a:avLst/>
+          </a:prstGeom>
+        </p:spPr>
+        <p:txBody>
+          <a:bodyPr tIns="0"/>
+          <a:lstStyle>
+            <a:lvl1pPr marL="274320" indent="-274320" algn="l" rtl="0" eaLnBrk="1" latinLnBrk="0" hangingPunct="1">
+              <a:spcBef>
+                <a:spcPct val="20000"/>
+              </a:spcBef>
+              <a:buClrTx/>
+              <a:buSzPct val="95000"/>
+              <a:buFont typeface="Wingdings" pitchFamily="2" charset="2"/>
+              <a:buChar char="v"/>
+              <a:defRPr kumimoji="0" sz="2800" kern="1200">
+                <a:solidFill>
+                  <a:schemeClr val="tx1"/>
+                </a:solidFill>
+                <a:latin typeface="+mn-lt"/>
+                <a:ea typeface="+mn-ea"/>
+                <a:cs typeface="+mn-cs"/>
+              </a:defRPr>
+            </a:lvl1pPr>
+            <a:lvl2pPr marL="640080" indent="-246888" algn="l" rtl="0" eaLnBrk="1" latinLnBrk="0" hangingPunct="1">
+              <a:spcBef>
+                <a:spcPct val="20000"/>
+              </a:spcBef>
+              <a:buClrTx/>
+              <a:buSzPct val="85000"/>
+              <a:buFont typeface="Courier New" pitchFamily="49" charset="0"/>
+              <a:buChar char="o"/>
+              <a:defRPr kumimoji="0" sz="2600" kern="1200">
+                <a:solidFill>
+                  <a:schemeClr val="tx1"/>
+                </a:solidFill>
+                <a:latin typeface="+mn-lt"/>
+                <a:ea typeface="+mn-ea"/>
+                <a:cs typeface="+mn-cs"/>
+              </a:defRPr>
+            </a:lvl2pPr>
+            <a:lvl3pPr marL="914400" indent="-246888" algn="l" rtl="0" eaLnBrk="1" latinLnBrk="0" hangingPunct="1">
+              <a:spcBef>
+                <a:spcPct val="20000"/>
+              </a:spcBef>
+              <a:buClrTx/>
+              <a:buSzPct val="70000"/>
+              <a:buFont typeface="Wingdings 2"/>
+              <a:buChar char=""/>
+              <a:defRPr kumimoji="0" sz="2400" kern="1200">
+                <a:solidFill>
+                  <a:schemeClr val="tx1"/>
+                </a:solidFill>
+                <a:latin typeface="+mn-lt"/>
+                <a:ea typeface="+mn-ea"/>
+                <a:cs typeface="+mn-cs"/>
+              </a:defRPr>
+            </a:lvl3pPr>
+            <a:lvl4pPr marL="1188720" indent="-210312" algn="l" rtl="0" eaLnBrk="1" latinLnBrk="0" hangingPunct="1">
+              <a:spcBef>
+                <a:spcPct val="20000"/>
+              </a:spcBef>
+              <a:buClrTx/>
+              <a:buSzPct val="65000"/>
+              <a:buFont typeface="Wingdings 2"/>
+              <a:buChar char=""/>
+              <a:defRPr kumimoji="0" sz="2000" kern="1200">
+                <a:solidFill>
+                  <a:schemeClr val="tx1"/>
+                </a:solidFill>
+                <a:latin typeface="+mn-lt"/>
+                <a:ea typeface="+mn-ea"/>
+                <a:cs typeface="+mn-cs"/>
+              </a:defRPr>
+            </a:lvl4pPr>
+            <a:lvl5pPr marL="1463040" indent="-210312" algn="l" rtl="0" eaLnBrk="1" latinLnBrk="0" hangingPunct="1">
+              <a:spcBef>
+                <a:spcPct val="20000"/>
+              </a:spcBef>
+              <a:buClrTx/>
+              <a:buSzPct val="65000"/>
+              <a:buFont typeface="Wingdings 2"/>
+              <a:buChar char=""/>
+              <a:defRPr kumimoji="0" sz="1800" kern="1200">
+                <a:solidFill>
+                  <a:schemeClr val="tx1"/>
+                </a:solidFill>
+                <a:latin typeface="+mn-lt"/>
+                <a:ea typeface="+mn-ea"/>
+                <a:cs typeface="+mn-cs"/>
+              </a:defRPr>
+            </a:lvl5pPr>
+            <a:lvl6pPr marL="1737360" indent="-210312" algn="l" rtl="0" eaLnBrk="1" latinLnBrk="0" hangingPunct="1">
+              <a:spcBef>
+                <a:spcPct val="20000"/>
+              </a:spcBef>
+              <a:buClr>
+                <a:schemeClr val="accent5"/>
+              </a:buClr>
+              <a:buSzPct val="80000"/>
+              <a:buFont typeface="Wingdings 2"/>
+              <a:buChar char=""/>
+              <a:defRPr kumimoji="0" sz="1800" kern="1200">
+                <a:solidFill>
+                  <a:schemeClr val="tx1"/>
+                </a:solidFill>
+                <a:latin typeface="+mn-lt"/>
+                <a:ea typeface="+mn-ea"/>
+                <a:cs typeface="+mn-cs"/>
+              </a:defRPr>
+            </a:lvl6pPr>
+            <a:lvl7pPr marL="1920240" indent="-182880" algn="l" rtl="0" eaLnBrk="1" latinLnBrk="0" hangingPunct="1">
+              <a:spcBef>
+                <a:spcPct val="20000"/>
+              </a:spcBef>
+              <a:buClr>
+                <a:schemeClr val="accent6"/>
+              </a:buClr>
+              <a:buSzPct val="80000"/>
+              <a:buFont typeface="Wingdings 2"/>
+              <a:buChar char=""/>
+              <a:defRPr kumimoji="0" sz="1600" kern="1200" baseline="0">
+                <a:solidFill>
+                  <a:schemeClr val="tx1"/>
+                </a:solidFill>
+                <a:latin typeface="+mn-lt"/>
+                <a:ea typeface="+mn-ea"/>
+                <a:cs typeface="+mn-cs"/>
+              </a:defRPr>
+            </a:lvl7pPr>
+            <a:lvl8pPr marL="2194560" indent="-182880" algn="l" rtl="0" eaLnBrk="1" latinLnBrk="0" hangingPunct="1">
+              <a:spcBef>
+                <a:spcPct val="20000"/>
+              </a:spcBef>
+              <a:buClr>
+                <a:schemeClr val="tx2"/>
+              </a:buClr>
+              <a:buChar char="•"/>
+              <a:defRPr kumimoji="0" sz="1600" kern="1200">
+                <a:solidFill>
+                  <a:schemeClr val="tx1"/>
+                </a:solidFill>
+                <a:latin typeface="+mn-lt"/>
+                <a:ea typeface="+mn-ea"/>
+                <a:cs typeface="+mn-cs"/>
+              </a:defRPr>
+            </a:lvl8pPr>
+            <a:lvl9pPr marL="2468880" indent="-182880" algn="l" rtl="0" eaLnBrk="1" latinLnBrk="0" hangingPunct="1">
+              <a:spcBef>
+                <a:spcPct val="20000"/>
+              </a:spcBef>
+              <a:buClr>
+                <a:schemeClr val="tx2"/>
+              </a:buClr>
+              <a:buFontTx/>
+              <a:buChar char="•"/>
+              <a:defRPr kumimoji="0" sz="1400" kern="1200" baseline="0">
+                <a:solidFill>
+                  <a:schemeClr val="tx1"/>
+                </a:solidFill>
+                <a:latin typeface="+mn-lt"/>
+                <a:ea typeface="+mn-ea"/>
+                <a:cs typeface="+mn-cs"/>
+              </a:defRPr>
+            </a:lvl9pPr>
+          </a:lstStyle>
+          <a:p>
+            <a:pPr marL="0" indent="0">
+              <a:buNone/>
+            </a:pPr>
+            <a:r>
+              <a:rPr lang="it-IT" dirty="0" smtClean="0">
+                <a:solidFill>
+                  <a:schemeClr val="accent5"/>
+                </a:solidFill>
+              </a:rPr>
+              <a:t>Cosa non va: </a:t>
+            </a:r>
+            <a:endParaRPr lang="it-IT" dirty="0">
+              <a:solidFill>
+                <a:schemeClr val="accent5"/>
+              </a:solidFill>
+            </a:endParaRPr>
+          </a:p>
+          <a:p>
+            <a:r>
+              <a:rPr lang="it-IT" dirty="0" smtClean="0">
+                <a:solidFill>
+                  <a:srgbClr val="000000"/>
+                </a:solidFill>
+              </a:rPr>
+              <a:t>Genitore non può pagare online ma deve pagare con   bancomat allo sportello dell’asilo</a:t>
+            </a:r>
+          </a:p>
+          <a:p>
+            <a:r>
+              <a:rPr lang="it-IT" dirty="0" smtClean="0">
+                <a:solidFill>
+                  <a:srgbClr val="000000"/>
+                </a:solidFill>
+              </a:rPr>
+              <a:t>Cauzione non presente sul bando </a:t>
+            </a:r>
+          </a:p>
+          <a:p>
+            <a:endParaRPr lang="it-IT" dirty="0" smtClean="0">
+              <a:solidFill>
+                <a:srgbClr val="000000"/>
+              </a:solidFill>
+            </a:endParaRPr>
+          </a:p>
+          <a:p>
+            <a:pPr marL="0" indent="0">
+              <a:buNone/>
+            </a:pPr>
+            <a:r>
+              <a:rPr lang="it-IT" dirty="0" smtClean="0">
+                <a:solidFill>
+                  <a:schemeClr val="accent5"/>
+                </a:solidFill>
+              </a:rPr>
+              <a:t>Cosa deve essere gestito:</a:t>
+            </a:r>
+          </a:p>
+          <a:p>
+            <a:r>
+              <a:rPr lang="it-IT" dirty="0" smtClean="0">
+                <a:solidFill>
+                  <a:srgbClr val="000000"/>
+                </a:solidFill>
+              </a:rPr>
+              <a:t>Devono essere gestiti gli extra</a:t>
+            </a:r>
+          </a:p>
+          <a:p>
+            <a:pPr marL="0" indent="0">
+              <a:buNone/>
+            </a:pPr>
+            <a:r>
+              <a:rPr lang="it-IT" dirty="0" smtClean="0">
+                <a:solidFill>
+                  <a:srgbClr val="000000"/>
+                </a:solidFill>
+              </a:rPr>
+              <a:t>	</a:t>
+            </a:r>
+          </a:p>
+        </p:txBody>
+      </p:sp>
+    </p:spTree>
+    <p:extLst>
+      <p:ext uri="{BB962C8B-B14F-4D97-AF65-F5344CB8AC3E}">
+        <p14:creationId xmlns:p14="http://schemas.microsoft.com/office/powerpoint/2010/main" xmlns="" val="952316739"/>
+      </p:ext>
+    </p:extLst>
+  </p:cSld>
+  <p:clrMapOvr>
+    <a:masterClrMapping/>
+  </p:clrMapOvr>
+  <mc:AlternateContent xmlns:mc="http://schemas.openxmlformats.org/markup-compatibility/2006">
+    <mc:Choice xmlns:p14="http://schemas.microsoft.com/office/powerpoint/2010/main" xmlns="" Requires="p14">
+      <p:transition spd="slow" p14:dur="2000"/>
+    </mc:Choice>
+    <mc:Fallback>
+      <p:transition spd="slow"/>
+    </mc:Fallback>
+  </mc:AlternateContent>
+  <p:timing>
+    <p:tnLst>
+      <p:par>
+        <p:cTn id="1" dur="indefinite" restart="never" nodeType="tmRoot"/>
+      </p:par>
+    </p:tnLst>
+  </p:timing>
+</p:sld>
+</file>
+
+<file path=ppt/slides/slide11.xml><?xml version="1.0" encoding="utf-8"?>
+<p:sld xmlns:a="http://schemas.openxmlformats.org/drawingml/2006/main" xmlns:r="http://schemas.openxmlformats.org/officeDocument/2006/relationships" xmlns:p="http://schemas.openxmlformats.org/presentationml/2006/main">
+  <p:cSld>
+    <p:spTree>
+      <p:nvGrpSpPr>
+        <p:cNvPr id="1" name=""/>
+        <p:cNvGrpSpPr/>
+        <p:nvPr/>
+      </p:nvGrpSpPr>
+      <p:grpSpPr>
+        <a:xfrm>
+          <a:off x="0" y="0"/>
+          <a:ext cx="0" cy="0"/>
+          <a:chOff x="0" y="0"/>
+          <a:chExt cx="0" cy="0"/>
+        </a:xfrm>
+      </p:grpSpPr>
+      <p:sp>
+        <p:nvSpPr>
+          <p:cNvPr id="3" name="CasellaDiTesto 2"/>
+          <p:cNvSpPr txBox="1"/>
+          <p:nvPr/>
+        </p:nvSpPr>
+        <p:spPr>
+          <a:xfrm>
+            <a:off x="2760544" y="471869"/>
+            <a:ext cx="3937873" cy="861774"/>
+          </a:xfrm>
+          <a:prstGeom prst="rect">
+            <a:avLst/>
+          </a:prstGeom>
+          <a:noFill/>
+        </p:spPr>
+        <p:txBody>
+          <a:bodyPr wrap="none" rtlCol="0">
+            <a:spAutoFit/>
+          </a:bodyPr>
+          <a:lstStyle/>
+          <a:p>
+            <a:pPr algn="ctr"/>
+            <a:r>
+              <a:rPr lang="it-IT" sz="3200" b="1" dirty="0">
+                <a:latin typeface="+mj-lt"/>
+              </a:rPr>
+              <a:t> </a:t>
+            </a:r>
+            <a:r>
+              <a:rPr lang="it-IT" sz="3200" b="1" dirty="0" smtClean="0">
+                <a:latin typeface="+mj-lt"/>
+              </a:rPr>
+              <a:t>Use Case Diagram 1.0</a:t>
+            </a:r>
+          </a:p>
+          <a:p>
+            <a:pPr algn="ctr"/>
+            <a:endParaRPr lang="it-IT" dirty="0">
+              <a:latin typeface="+mj-lt"/>
+            </a:endParaRPr>
+          </a:p>
+        </p:txBody>
+      </p:sp>
+      <p:pic>
+        <p:nvPicPr>
+          <p:cNvPr id="2050" name="Picture 2" descr="C:\Users\Marko\Desktop\Class_Diagram_Pagamenti32.png"/>
+          <p:cNvPicPr>
+            <a:picLocks noChangeAspect="1" noChangeArrowheads="1"/>
+          </p:cNvPicPr>
+          <p:nvPr/>
+        </p:nvPicPr>
+        <p:blipFill>
+          <a:blip r:embed="rId3" cstate="print">
+            <a:extLst>
+              <a:ext uri="{28A0092B-C50C-407E-A947-70E740481C1C}">
+                <a14:useLocalDpi xmlns:a14="http://schemas.microsoft.com/office/drawing/2010/main" xmlns="" val="0"/>
+              </a:ext>
+            </a:extLst>
+          </a:blip>
+          <a:srcRect/>
+          <a:stretch>
+            <a:fillRect/>
+          </a:stretch>
+        </p:blipFill>
+        <p:spPr bwMode="auto">
+          <a:xfrm>
+            <a:off x="179512" y="1124744"/>
+            <a:ext cx="8572500" cy="5334000"/>
+          </a:xfrm>
+          <a:prstGeom prst="rect">
+            <a:avLst/>
+          </a:prstGeom>
+          <a:noFill/>
+          <a:extLst>
+            <a:ext uri="{909E8E84-426E-40DD-AFC4-6F175D3DCCD1}">
+              <a14:hiddenFill xmlns:a14="http://schemas.microsoft.com/office/drawing/2010/main" xmlns="">
+                <a:solidFill>
+                  <a:srgbClr val="FFFFFF"/>
+                </a:solidFill>
+              </a14:hiddenFill>
+            </a:ext>
+          </a:extLst>
+        </p:spPr>
+      </p:pic>
+      <p:sp>
+        <p:nvSpPr>
+          <p:cNvPr id="4" name="Ovale 3"/>
+          <p:cNvSpPr/>
+          <p:nvPr/>
+        </p:nvSpPr>
+        <p:spPr>
+          <a:xfrm>
+            <a:off x="3347864" y="5301208"/>
+            <a:ext cx="2258770" cy="792088"/>
+          </a:xfrm>
+          <a:prstGeom prst="ellipse">
+            <a:avLst/>
+          </a:prstGeom>
+          <a:noFill/>
+          <a:ln>
+            <a:solidFill>
+              <a:srgbClr val="FF0000"/>
+            </a:solidFill>
+          </a:ln>
+        </p:spPr>
+        <p:style>
+          <a:lnRef idx="2">
+            <a:schemeClr val="accent1">
+              <a:shade val="50000"/>
+            </a:schemeClr>
+          </a:lnRef>
+          <a:fillRef idx="1">
+            <a:schemeClr val="accent1"/>
+          </a:fillRef>
+          <a:effectRef idx="0">
+            <a:schemeClr val="accent1"/>
+          </a:effectRef>
+          <a:fontRef idx="minor">
+            <a:schemeClr val="lt1"/>
+          </a:fontRef>
+        </p:style>
+        <p:txBody>
+          <a:bodyPr rtlCol="0" anchor="ctr"/>
+          <a:lstStyle/>
+          <a:p>
+            <a:pPr algn="ctr"/>
+            <a:endParaRPr lang="it-IT"/>
+          </a:p>
+        </p:txBody>
+      </p:sp>
+      <p:sp>
+        <p:nvSpPr>
+          <p:cNvPr id="5" name="Ovale 4"/>
+          <p:cNvSpPr/>
+          <p:nvPr/>
+        </p:nvSpPr>
+        <p:spPr>
+          <a:xfrm>
+            <a:off x="5606634" y="4797152"/>
+            <a:ext cx="1557654" cy="612224"/>
+          </a:xfrm>
+          <a:prstGeom prst="ellipse">
+            <a:avLst/>
+          </a:prstGeom>
+          <a:noFill/>
+          <a:ln>
+            <a:solidFill>
+              <a:srgbClr val="FF0000"/>
+            </a:solidFill>
+          </a:ln>
+        </p:spPr>
+        <p:style>
+          <a:lnRef idx="2">
+            <a:schemeClr val="accent1">
+              <a:shade val="50000"/>
+            </a:schemeClr>
+          </a:lnRef>
+          <a:fillRef idx="1">
+            <a:schemeClr val="accent1"/>
+          </a:fillRef>
+          <a:effectRef idx="0">
+            <a:schemeClr val="accent1"/>
+          </a:effectRef>
+          <a:fontRef idx="minor">
+            <a:schemeClr val="lt1"/>
+          </a:fontRef>
+        </p:style>
+        <p:txBody>
+          <a:bodyPr rtlCol="0" anchor="ctr"/>
+          <a:lstStyle/>
+          <a:p>
+            <a:pPr algn="ctr"/>
+            <a:endParaRPr lang="it-IT"/>
+          </a:p>
+        </p:txBody>
+      </p:sp>
+    </p:spTree>
+    <p:extLst>
+      <p:ext uri="{BB962C8B-B14F-4D97-AF65-F5344CB8AC3E}">
+        <p14:creationId xmlns:p14="http://schemas.microsoft.com/office/powerpoint/2010/main" xmlns="" val="1824602548"/>
+      </p:ext>
+    </p:extLst>
+  </p:cSld>
+  <p:clrMapOvr>
+    <a:masterClrMapping/>
+  </p:clrMapOvr>
+  <p:timing>
+    <p:tnLst>
+      <p:par>
+        <p:cTn id="1" dur="indefinite" restart="never" nodeType="tmRoot">
+          <p:childTnLst>
+            <p:seq concurrent="1" nextAc="seek">
+              <p:cTn id="2" dur="indefinite" nodeType="mainSeq">
+                <p:childTnLst>
+                  <p:par>
+                    <p:cTn id="3" fill="hold">
+                      <p:stCondLst>
+                        <p:cond delay="indefinite"/>
+                      </p:stCondLst>
+                      <p:childTnLst>
+                        <p:par>
+                          <p:cTn id="4" fill="hold">
+                            <p:stCondLst>
+                              <p:cond delay="0"/>
+                            </p:stCondLst>
+                            <p:childTnLst>
+                              <p:par>
+                                <p:cTn id="5" presetID="10" presetClass="entr" presetSubtype="0" fill="hold" grpId="0" nodeType="clickEffect">
+                                  <p:stCondLst>
+                                    <p:cond delay="0"/>
+                                  </p:stCondLst>
+                                  <p:childTnLst>
+                                    <p:set>
+                                      <p:cBhvr>
+                                        <p:cTn id="6" dur="1" fill="hold">
+                                          <p:stCondLst>
+                                            <p:cond delay="0"/>
+                                          </p:stCondLst>
+                                        </p:cTn>
+                                        <p:tgtEl>
+                                          <p:spTgt spid="4"/>
+                                        </p:tgtEl>
+                                        <p:attrNameLst>
+                                          <p:attrName>style.visibility</p:attrName>
+                                        </p:attrNameLst>
+                                      </p:cBhvr>
+                                      <p:to>
+                                        <p:strVal val="visible"/>
+                                      </p:to>
+                                    </p:set>
+                                    <p:animEffect transition="in" filter="fade">
+                                      <p:cBhvr>
+                                        <p:cTn id="7" dur="500"/>
+                                        <p:tgtEl>
+                                          <p:spTgt spid="4"/>
+                                        </p:tgtEl>
+                                      </p:cBhvr>
+                                    </p:animEffect>
+                                  </p:childTnLst>
+                                </p:cTn>
+                              </p:par>
+                            </p:childTnLst>
+                          </p:cTn>
+                        </p:par>
+                      </p:childTnLst>
+                    </p:cTn>
+                  </p:par>
+                  <p:par>
+                    <p:cTn id="8" fill="hold">
+                      <p:stCondLst>
+                        <p:cond delay="indefinite"/>
+                      </p:stCondLst>
+                      <p:childTnLst>
+                        <p:par>
+                          <p:cTn id="9" fill="hold">
+                            <p:stCondLst>
+                              <p:cond delay="0"/>
+                            </p:stCondLst>
+                            <p:childTnLst>
+                              <p:par>
+                                <p:cTn id="10" presetID="10" presetClass="entr" presetSubtype="0" fill="hold" grpId="0" nodeType="clickEffect">
+                                  <p:stCondLst>
+                                    <p:cond delay="0"/>
+                                  </p:stCondLst>
+                                  <p:childTnLst>
+                                    <p:set>
+                                      <p:cBhvr>
+                                        <p:cTn id="11" dur="1" fill="hold">
+                                          <p:stCondLst>
+                                            <p:cond delay="0"/>
+                                          </p:stCondLst>
+                                        </p:cTn>
+                                        <p:tgtEl>
+                                          <p:spTgt spid="5"/>
+                                        </p:tgtEl>
+                                        <p:attrNameLst>
+                                          <p:attrName>style.visibility</p:attrName>
+                                        </p:attrNameLst>
+                                      </p:cBhvr>
+                                      <p:to>
+                                        <p:strVal val="visible"/>
+                                      </p:to>
+                                    </p:set>
+                                    <p:animEffect transition="in" filter="fade">
+                                      <p:cBhvr>
+                                        <p:cTn id="12" dur="500"/>
+                                        <p:tgtEl>
+                                          <p:spTgt spid="5"/>
+                                        </p:tgtEl>
+                                      </p:cBhvr>
+                                    </p:animEffect>
+                                  </p:childTnLst>
+                                </p:cTn>
+                              </p:par>
+                            </p:childTnLst>
+                          </p:cTn>
+                        </p:par>
+                      </p:childTnLst>
+                    </p:cTn>
+                  </p:par>
+                </p:childTnLst>
+              </p:cTn>
+              <p:prevCondLst>
+                <p:cond evt="onPrev" delay="0">
+                  <p:tgtEl>
+                    <p:sldTgt/>
+                  </p:tgtEl>
+                </p:cond>
+              </p:prevCondLst>
+              <p:nextCondLst>
+                <p:cond evt="onNext" delay="0">
+                  <p:tgtEl>
+                    <p:sldTgt/>
+                  </p:tgtEl>
+                </p:cond>
+              </p:nextCondLst>
+            </p:seq>
+          </p:childTnLst>
+        </p:cTn>
+      </p:par>
+    </p:tnLst>
+    <p:bldLst>
+      <p:bldP spid="4" grpId="0" animBg="1"/>
+      <p:bldP spid="5" grpId="0" animBg="1"/>
+    </p:bldLst>
+  </p:timing>
+</p:sld>
+</file>
+
+<file path=ppt/slides/slide12.xml><?xml version="1.0" encoding="utf-8"?>
+<p:sld xmlns:a="http://schemas.openxmlformats.org/drawingml/2006/main" xmlns:r="http://schemas.openxmlformats.org/officeDocument/2006/relationships" xmlns:p="http://schemas.openxmlformats.org/presentationml/2006/main">
+  <p:cSld>
+    <p:spTree>
+      <p:nvGrpSpPr>
+        <p:cNvPr id="1" name=""/>
+        <p:cNvGrpSpPr/>
+        <p:nvPr/>
+      </p:nvGrpSpPr>
+      <p:grpSpPr>
+        <a:xfrm>
+          <a:off x="0" y="0"/>
+          <a:ext cx="0" cy="0"/>
+          <a:chOff x="0" y="0"/>
+          <a:chExt cx="0" cy="0"/>
+        </a:xfrm>
+      </p:grpSpPr>
+      <p:sp>
+        <p:nvSpPr>
+          <p:cNvPr id="3" name="CasellaDiTesto 2"/>
+          <p:cNvSpPr txBox="1"/>
+          <p:nvPr/>
+        </p:nvSpPr>
+        <p:spPr>
+          <a:xfrm>
+            <a:off x="2760544" y="471869"/>
+            <a:ext cx="3937873" cy="861774"/>
+          </a:xfrm>
+          <a:prstGeom prst="rect">
+            <a:avLst/>
+          </a:prstGeom>
+          <a:noFill/>
+        </p:spPr>
+        <p:txBody>
+          <a:bodyPr wrap="none" rtlCol="0">
+            <a:spAutoFit/>
+          </a:bodyPr>
+          <a:lstStyle/>
+          <a:p>
+            <a:pPr algn="ctr"/>
+            <a:r>
+              <a:rPr lang="it-IT" sz="3200" b="1" dirty="0">
+                <a:latin typeface="+mj-lt"/>
+              </a:rPr>
+              <a:t> </a:t>
+            </a:r>
+            <a:r>
+              <a:rPr lang="it-IT" sz="3200" b="1" dirty="0" smtClean="0">
+                <a:latin typeface="+mj-lt"/>
+              </a:rPr>
+              <a:t>Use Case Diagram 1.0</a:t>
+            </a:r>
+          </a:p>
+          <a:p>
+            <a:pPr algn="ctr"/>
+            <a:endParaRPr lang="it-IT" dirty="0">
+              <a:latin typeface="+mj-lt"/>
+            </a:endParaRPr>
+          </a:p>
+        </p:txBody>
+      </p:sp>
+      <p:pic>
+        <p:nvPicPr>
+          <p:cNvPr id="2050" name="Picture 2" descr="C:\Users\Marko\Desktop\Class_Diagram_Pagamenti32.png"/>
+          <p:cNvPicPr>
+            <a:picLocks noChangeAspect="1" noChangeArrowheads="1"/>
+          </p:cNvPicPr>
+          <p:nvPr/>
+        </p:nvPicPr>
+        <p:blipFill>
+          <a:blip r:embed="rId3" cstate="print">
+            <a:extLst>
+              <a:ext uri="{28A0092B-C50C-407E-A947-70E740481C1C}">
+                <a14:useLocalDpi xmlns:a14="http://schemas.microsoft.com/office/drawing/2010/main" xmlns="" val="0"/>
+              </a:ext>
+            </a:extLst>
+          </a:blip>
+          <a:srcRect/>
+          <a:stretch>
+            <a:fillRect/>
+          </a:stretch>
+        </p:blipFill>
+        <p:spPr bwMode="auto">
+          <a:xfrm>
+            <a:off x="179512" y="1124744"/>
+            <a:ext cx="8572500" cy="5334000"/>
+          </a:xfrm>
+          <a:prstGeom prst="rect">
+            <a:avLst/>
+          </a:prstGeom>
+          <a:noFill/>
+          <a:extLst>
+            <a:ext uri="{909E8E84-426E-40DD-AFC4-6F175D3DCCD1}">
+              <a14:hiddenFill xmlns:a14="http://schemas.microsoft.com/office/drawing/2010/main" xmlns="">
+                <a:solidFill>
+                  <a:srgbClr val="FFFFFF"/>
+                </a:solidFill>
+              </a14:hiddenFill>
+            </a:ext>
+          </a:extLst>
+        </p:spPr>
+      </p:pic>
+      <p:sp>
+        <p:nvSpPr>
+          <p:cNvPr id="4" name="Ovale 3"/>
+          <p:cNvSpPr/>
+          <p:nvPr/>
+        </p:nvSpPr>
+        <p:spPr>
+          <a:xfrm>
+            <a:off x="2604836" y="2852936"/>
+            <a:ext cx="4271420" cy="1152128"/>
+          </a:xfrm>
+          <a:prstGeom prst="ellipse">
+            <a:avLst/>
+          </a:prstGeom>
+          <a:noFill/>
+          <a:ln>
+            <a:solidFill>
+              <a:srgbClr val="FF0000"/>
+            </a:solidFill>
+          </a:ln>
+        </p:spPr>
+        <p:style>
+          <a:lnRef idx="2">
+            <a:schemeClr val="accent1">
+              <a:shade val="50000"/>
+            </a:schemeClr>
+          </a:lnRef>
+          <a:fillRef idx="1">
+            <a:schemeClr val="accent1"/>
+          </a:fillRef>
+          <a:effectRef idx="0">
+            <a:schemeClr val="accent1"/>
+          </a:effectRef>
+          <a:fontRef idx="minor">
+            <a:schemeClr val="lt1"/>
+          </a:fontRef>
+        </p:style>
+        <p:txBody>
+          <a:bodyPr rtlCol="0" anchor="ctr"/>
+          <a:lstStyle/>
+          <a:p>
+            <a:pPr algn="ctr"/>
+            <a:endParaRPr lang="it-IT"/>
+          </a:p>
+        </p:txBody>
+      </p:sp>
+    </p:spTree>
+    <p:extLst>
+      <p:ext uri="{BB962C8B-B14F-4D97-AF65-F5344CB8AC3E}">
+        <p14:creationId xmlns:p14="http://schemas.microsoft.com/office/powerpoint/2010/main" xmlns="" val="4209306795"/>
+      </p:ext>
+    </p:extLst>
+  </p:cSld>
+  <p:clrMapOvr>
+    <a:masterClrMapping/>
+  </p:clrMapOvr>
+  <p:timing>
+    <p:tnLst>
+      <p:par>
+        <p:cTn id="1" dur="indefinite" restart="never" nodeType="tmRoot">
+          <p:childTnLst>
+            <p:seq concurrent="1" nextAc="seek">
+              <p:cTn id="2" dur="indefinite" nodeType="mainSeq">
+                <p:childTnLst>
+                  <p:par>
+                    <p:cTn id="3" fill="hold">
+                      <p:stCondLst>
+                        <p:cond delay="indefinite"/>
+                      </p:stCondLst>
+                      <p:childTnLst>
+                        <p:par>
+                          <p:cTn id="4" fill="hold">
+                            <p:stCondLst>
+                              <p:cond delay="0"/>
+                            </p:stCondLst>
+                            <p:childTnLst>
+                              <p:par>
+                                <p:cTn id="5" presetID="10" presetClass="entr" presetSubtype="0" fill="hold" grpId="0" nodeType="clickEffect">
+                                  <p:stCondLst>
+                                    <p:cond delay="0"/>
+                                  </p:stCondLst>
+                                  <p:childTnLst>
+                                    <p:set>
+                                      <p:cBhvr>
+                                        <p:cTn id="6" dur="1" fill="hold">
+                                          <p:stCondLst>
+                                            <p:cond delay="0"/>
+                                          </p:stCondLst>
+                                        </p:cTn>
+                                        <p:tgtEl>
+                                          <p:spTgt spid="4"/>
+                                        </p:tgtEl>
+                                        <p:attrNameLst>
+                                          <p:attrName>style.visibility</p:attrName>
+                                        </p:attrNameLst>
+                                      </p:cBhvr>
+                                      <p:to>
+                                        <p:strVal val="visible"/>
+                                      </p:to>
+                                    </p:set>
+                                    <p:animEffect transition="in" filter="fade">
+                                      <p:cBhvr>
+                                        <p:cTn id="7" dur="500"/>
+                                        <p:tgtEl>
+                                          <p:spTgt spid="4"/>
+                                        </p:tgtEl>
+                                      </p:cBhvr>
+                                    </p:animEffect>
+                                  </p:childTnLst>
+                                </p:cTn>
+                              </p:par>
+                            </p:childTnLst>
+                          </p:cTn>
+                        </p:par>
+                      </p:childTnLst>
+                    </p:cTn>
+                  </p:par>
+                </p:childTnLst>
+              </p:cTn>
+              <p:prevCondLst>
+                <p:cond evt="onPrev" delay="0">
+                  <p:tgtEl>
+                    <p:sldTgt/>
+                  </p:tgtEl>
+                </p:cond>
+              </p:prevCondLst>
+              <p:nextCondLst>
+                <p:cond evt="onNext" delay="0">
+                  <p:tgtEl>
+                    <p:sldTgt/>
+                  </p:tgtEl>
+                </p:cond>
+              </p:nextCondLst>
+            </p:seq>
+          </p:childTnLst>
+        </p:cTn>
+      </p:par>
+    </p:tnLst>
+    <p:bldLst>
+      <p:bldP spid="4" grpId="0" animBg="1"/>
+    </p:bldLst>
+  </p:timing>
+</p:sld>
+</file>
+
+<file path=ppt/slides/slide13.xml><?xml version="1.0" encoding="utf-8"?>
+<p:sld xmlns:a="http://schemas.openxmlformats.org/drawingml/2006/main" xmlns:r="http://schemas.openxmlformats.org/officeDocument/2006/relationships" xmlns:p="http://schemas.openxmlformats.org/presentationml/2006/main">
+  <p:cSld>
+    <p:spTree>
+      <p:nvGrpSpPr>
+        <p:cNvPr id="1" name=""/>
+        <p:cNvGrpSpPr/>
+        <p:nvPr/>
+      </p:nvGrpSpPr>
+      <p:grpSpPr>
+        <a:xfrm>
+          <a:off x="0" y="0"/>
+          <a:ext cx="0" cy="0"/>
+          <a:chOff x="0" y="0"/>
+          <a:chExt cx="0" cy="0"/>
+        </a:xfrm>
+      </p:grpSpPr>
+      <p:sp>
+        <p:nvSpPr>
+          <p:cNvPr id="3" name="CasellaDiTesto 2"/>
+          <p:cNvSpPr txBox="1"/>
+          <p:nvPr/>
+        </p:nvSpPr>
+        <p:spPr>
+          <a:xfrm>
+            <a:off x="2760543" y="471869"/>
+            <a:ext cx="3937873" cy="1077218"/>
+          </a:xfrm>
+          <a:prstGeom prst="rect">
+            <a:avLst/>
+          </a:prstGeom>
+          <a:noFill/>
+        </p:spPr>
+        <p:txBody>
+          <a:bodyPr wrap="none" rtlCol="0">
+            <a:spAutoFit/>
+          </a:bodyPr>
+          <a:lstStyle/>
+          <a:p>
+            <a:pPr algn="ctr"/>
+            <a:r>
+              <a:rPr lang="it-IT" sz="3200" b="1" dirty="0">
+                <a:latin typeface="+mj-lt"/>
+              </a:rPr>
+              <a:t> </a:t>
+            </a:r>
+            <a:r>
+              <a:rPr lang="it-IT" sz="3200" b="1" dirty="0" smtClean="0">
+                <a:latin typeface="+mj-lt"/>
+              </a:rPr>
+              <a:t>Use Case Diagram 4.0</a:t>
+            </a:r>
+          </a:p>
+          <a:p>
+            <a:pPr algn="ctr"/>
+            <a:endParaRPr lang="it-IT" sz="3200" dirty="0">
+              <a:latin typeface="+mj-lt"/>
+            </a:endParaRPr>
+          </a:p>
+        </p:txBody>
+      </p:sp>
+      <p:pic>
+        <p:nvPicPr>
+          <p:cNvPr id="2050" name="Picture 2" descr="C:\Users\Marko\Desktop\UCD_Pagamenti%20(2).png"/>
+          <p:cNvPicPr>
+            <a:picLocks noChangeAspect="1" noChangeArrowheads="1"/>
+          </p:cNvPicPr>
+          <p:nvPr/>
+        </p:nvPicPr>
+        <p:blipFill>
+          <a:blip r:embed="rId3" cstate="print">
+            <a:extLst>
+              <a:ext uri="{28A0092B-C50C-407E-A947-70E740481C1C}">
+                <a14:useLocalDpi xmlns:a14="http://schemas.microsoft.com/office/drawing/2010/main" xmlns="" val="0"/>
+              </a:ext>
+            </a:extLst>
+          </a:blip>
+          <a:srcRect/>
+          <a:stretch>
+            <a:fillRect/>
+          </a:stretch>
+        </p:blipFill>
+        <p:spPr bwMode="auto">
+          <a:xfrm>
+            <a:off x="795968" y="1559909"/>
+            <a:ext cx="7524750" cy="4953000"/>
+          </a:xfrm>
+          <a:prstGeom prst="rect">
+            <a:avLst/>
+          </a:prstGeom>
+          <a:noFill/>
+          <a:extLst>
+            <a:ext uri="{909E8E84-426E-40DD-AFC4-6F175D3DCCD1}">
+              <a14:hiddenFill xmlns:a14="http://schemas.microsoft.com/office/drawing/2010/main" xmlns="">
                 <a:solidFill>
                   <a:srgbClr val="FFFFFF"/>
                 </a:solidFill>
@@ -4652,7 +7170,1330 @@
     </p:spTree>
     <p:extLst>
       <p:ext uri="{BB962C8B-B14F-4D97-AF65-F5344CB8AC3E}">
-        <p14:creationId xmlns:p14="http://schemas.microsoft.com/office/powerpoint/2010/main" val="4165334171"/>
+        <p14:creationId xmlns:p14="http://schemas.microsoft.com/office/powerpoint/2010/main" xmlns="" val="3701313841"/>
+      </p:ext>
+    </p:extLst>
+  </p:cSld>
+  <p:clrMapOvr>
+    <a:masterClrMapping/>
+  </p:clrMapOvr>
+  <p:timing>
+    <p:tnLst>
+      <p:par>
+        <p:cTn id="1" dur="indefinite" restart="never" nodeType="tmRoot"/>
+      </p:par>
+    </p:tnLst>
+  </p:timing>
+</p:sld>
+</file>
+
+<file path=ppt/slides/slide14.xml><?xml version="1.0" encoding="utf-8"?>
+<p:sld xmlns:a="http://schemas.openxmlformats.org/drawingml/2006/main" xmlns:r="http://schemas.openxmlformats.org/officeDocument/2006/relationships" xmlns:p="http://schemas.openxmlformats.org/presentationml/2006/main">
+  <p:cSld>
+    <p:spTree>
+      <p:nvGrpSpPr>
+        <p:cNvPr id="1" name=""/>
+        <p:cNvGrpSpPr/>
+        <p:nvPr/>
+      </p:nvGrpSpPr>
+      <p:grpSpPr>
+        <a:xfrm>
+          <a:off x="0" y="0"/>
+          <a:ext cx="0" cy="0"/>
+          <a:chOff x="0" y="0"/>
+          <a:chExt cx="0" cy="0"/>
+        </a:xfrm>
+      </p:grpSpPr>
+      <p:sp>
+        <p:nvSpPr>
+          <p:cNvPr id="3" name="CasellaDiTesto 2"/>
+          <p:cNvSpPr txBox="1"/>
+          <p:nvPr/>
+        </p:nvSpPr>
+        <p:spPr>
+          <a:xfrm>
+            <a:off x="2915816" y="471868"/>
+            <a:ext cx="3384261" cy="830997"/>
+          </a:xfrm>
+          <a:prstGeom prst="rect">
+            <a:avLst/>
+          </a:prstGeom>
+          <a:noFill/>
+        </p:spPr>
+        <p:txBody>
+          <a:bodyPr wrap="none" rtlCol="0">
+            <a:spAutoFit/>
+          </a:bodyPr>
+          <a:lstStyle/>
+          <a:p>
+            <a:pPr algn="ctr"/>
+            <a:r>
+              <a:rPr lang="it-IT" sz="4800" b="1" dirty="0">
+                <a:latin typeface="+mj-lt"/>
+              </a:rPr>
+              <a:t> </a:t>
+            </a:r>
+            <a:r>
+              <a:rPr lang="it-IT" sz="3200" b="1" dirty="0">
+                <a:latin typeface="+mj-lt"/>
+              </a:rPr>
+              <a:t>E</a:t>
+            </a:r>
+            <a:r>
+              <a:rPr lang="it-IT" sz="3200" b="1" dirty="0" smtClean="0">
+                <a:latin typeface="+mj-lt"/>
+              </a:rPr>
+              <a:t>sempio Use Case</a:t>
+            </a:r>
+            <a:endParaRPr lang="it-IT" sz="3200" dirty="0">
+              <a:latin typeface="+mj-lt"/>
+            </a:endParaRPr>
+          </a:p>
+        </p:txBody>
+      </p:sp>
+      <p:pic>
+        <p:nvPicPr>
+          <p:cNvPr id="1027" name="Picture 3" descr="C:\Users\Marko\Desktop\UC_ Fattura pagamento.png"/>
+          <p:cNvPicPr>
+            <a:picLocks noChangeAspect="1" noChangeArrowheads="1"/>
+          </p:cNvPicPr>
+          <p:nvPr/>
+        </p:nvPicPr>
+        <p:blipFill>
+          <a:blip r:embed="rId3" cstate="print">
+            <a:extLst>
+              <a:ext uri="{28A0092B-C50C-407E-A947-70E740481C1C}">
+                <a14:useLocalDpi xmlns:a14="http://schemas.microsoft.com/office/drawing/2010/main" xmlns="" val="0"/>
+              </a:ext>
+            </a:extLst>
+          </a:blip>
+          <a:srcRect/>
+          <a:stretch>
+            <a:fillRect/>
+          </a:stretch>
+        </p:blipFill>
+        <p:spPr bwMode="auto">
+          <a:xfrm>
+            <a:off x="28217" y="1335247"/>
+            <a:ext cx="8820471" cy="5299794"/>
+          </a:xfrm>
+          <a:prstGeom prst="rect">
+            <a:avLst/>
+          </a:prstGeom>
+          <a:noFill/>
+          <a:extLst>
+            <a:ext uri="{909E8E84-426E-40DD-AFC4-6F175D3DCCD1}">
+              <a14:hiddenFill xmlns:a14="http://schemas.microsoft.com/office/drawing/2010/main" xmlns="">
+                <a:solidFill>
+                  <a:srgbClr val="FFFFFF"/>
+                </a:solidFill>
+              </a14:hiddenFill>
+            </a:ext>
+          </a:extLst>
+        </p:spPr>
+      </p:pic>
+    </p:spTree>
+    <p:extLst>
+      <p:ext uri="{BB962C8B-B14F-4D97-AF65-F5344CB8AC3E}">
+        <p14:creationId xmlns:p14="http://schemas.microsoft.com/office/powerpoint/2010/main" xmlns="" val="1653549512"/>
+      </p:ext>
+    </p:extLst>
+  </p:cSld>
+  <p:clrMapOvr>
+    <a:masterClrMapping/>
+  </p:clrMapOvr>
+  <p:timing>
+    <p:tnLst>
+      <p:par>
+        <p:cTn id="1" dur="indefinite" restart="never" nodeType="tmRoot"/>
+      </p:par>
+    </p:tnLst>
+  </p:timing>
+</p:sld>
+</file>
+
+<file path=ppt/slides/slide15.xml><?xml version="1.0" encoding="utf-8"?>
+<p:sld xmlns:a="http://schemas.openxmlformats.org/drawingml/2006/main" xmlns:r="http://schemas.openxmlformats.org/officeDocument/2006/relationships" xmlns:p="http://schemas.openxmlformats.org/presentationml/2006/main">
+  <p:cSld>
+    <p:spTree>
+      <p:nvGrpSpPr>
+        <p:cNvPr id="1" name=""/>
+        <p:cNvGrpSpPr/>
+        <p:nvPr/>
+      </p:nvGrpSpPr>
+      <p:grpSpPr>
+        <a:xfrm>
+          <a:off x="0" y="0"/>
+          <a:ext cx="0" cy="0"/>
+          <a:chOff x="0" y="0"/>
+          <a:chExt cx="0" cy="0"/>
+        </a:xfrm>
+      </p:grpSpPr>
+      <p:pic>
+        <p:nvPicPr>
+          <p:cNvPr id="1026" name="Picture 2" descr="C:\Users\Marko\Desktop\Documenti presentazione\SD_PagamentiMod.png"/>
+          <p:cNvPicPr>
+            <a:picLocks noChangeAspect="1" noChangeArrowheads="1"/>
+          </p:cNvPicPr>
+          <p:nvPr/>
+        </p:nvPicPr>
+        <p:blipFill>
+          <a:blip r:embed="rId3" cstate="print">
+            <a:extLst>
+              <a:ext uri="{28A0092B-C50C-407E-A947-70E740481C1C}">
+                <a14:useLocalDpi xmlns:a14="http://schemas.microsoft.com/office/drawing/2010/main" xmlns="" val="0"/>
+              </a:ext>
+            </a:extLst>
+          </a:blip>
+          <a:srcRect/>
+          <a:stretch>
+            <a:fillRect/>
+          </a:stretch>
+        </p:blipFill>
+        <p:spPr bwMode="auto">
+          <a:xfrm>
+            <a:off x="0" y="1628800"/>
+            <a:ext cx="9131072" cy="4896544"/>
+          </a:xfrm>
+          <a:prstGeom prst="rect">
+            <a:avLst/>
+          </a:prstGeom>
+          <a:noFill/>
+          <a:extLst>
+            <a:ext uri="{909E8E84-426E-40DD-AFC4-6F175D3DCCD1}">
+              <a14:hiddenFill xmlns:a14="http://schemas.microsoft.com/office/drawing/2010/main" xmlns="">
+                <a:solidFill>
+                  <a:srgbClr val="FFFFFF"/>
+                </a:solidFill>
+              </a14:hiddenFill>
+            </a:ext>
+          </a:extLst>
+        </p:spPr>
+      </p:pic>
+      <p:sp>
+        <p:nvSpPr>
+          <p:cNvPr id="3" name="CasellaDiTesto 2"/>
+          <p:cNvSpPr txBox="1"/>
+          <p:nvPr/>
+        </p:nvSpPr>
+        <p:spPr>
+          <a:xfrm>
+            <a:off x="2260241" y="471869"/>
+            <a:ext cx="4938468" cy="1107996"/>
+          </a:xfrm>
+          <a:prstGeom prst="rect">
+            <a:avLst/>
+          </a:prstGeom>
+          <a:noFill/>
+        </p:spPr>
+        <p:txBody>
+          <a:bodyPr wrap="none" rtlCol="0">
+            <a:spAutoFit/>
+          </a:bodyPr>
+          <a:lstStyle/>
+          <a:p>
+            <a:pPr algn="ctr"/>
+            <a:r>
+              <a:rPr lang="it-IT" sz="4800" b="1" dirty="0" smtClean="0">
+                <a:latin typeface="+mj-lt"/>
+              </a:rPr>
+              <a:t>Sequence Diagram</a:t>
+            </a:r>
+          </a:p>
+          <a:p>
+            <a:pPr algn="ctr"/>
+            <a:endParaRPr lang="it-IT" dirty="0">
+              <a:latin typeface="+mj-lt"/>
+            </a:endParaRPr>
+          </a:p>
+        </p:txBody>
+      </p:sp>
+    </p:spTree>
+    <p:extLst>
+      <p:ext uri="{BB962C8B-B14F-4D97-AF65-F5344CB8AC3E}">
+        <p14:creationId xmlns:p14="http://schemas.microsoft.com/office/powerpoint/2010/main" xmlns="" val="2424786554"/>
+      </p:ext>
+    </p:extLst>
+  </p:cSld>
+  <p:clrMapOvr>
+    <a:masterClrMapping/>
+  </p:clrMapOvr>
+  <p:timing>
+    <p:tnLst>
+      <p:par>
+        <p:cTn id="1" dur="indefinite" restart="never" nodeType="tmRoot"/>
+      </p:par>
+    </p:tnLst>
+  </p:timing>
+</p:sld>
+</file>
+
+<file path=ppt/slides/slide16.xml><?xml version="1.0" encoding="utf-8"?>
+<p:sld xmlns:a="http://schemas.openxmlformats.org/drawingml/2006/main" xmlns:r="http://schemas.openxmlformats.org/officeDocument/2006/relationships" xmlns:p="http://schemas.openxmlformats.org/presentationml/2006/main">
+  <p:cSld>
+    <p:spTree>
+      <p:nvGrpSpPr>
+        <p:cNvPr id="1" name=""/>
+        <p:cNvGrpSpPr/>
+        <p:nvPr/>
+      </p:nvGrpSpPr>
+      <p:grpSpPr>
+        <a:xfrm>
+          <a:off x="0" y="0"/>
+          <a:ext cx="0" cy="0"/>
+          <a:chOff x="0" y="0"/>
+          <a:chExt cx="0" cy="0"/>
+        </a:xfrm>
+      </p:grpSpPr>
+      <p:sp>
+        <p:nvSpPr>
+          <p:cNvPr id="2" name="CasellaDiTesto 1"/>
+          <p:cNvSpPr txBox="1"/>
+          <p:nvPr/>
+        </p:nvSpPr>
+        <p:spPr>
+          <a:xfrm>
+            <a:off x="6540" y="692696"/>
+            <a:ext cx="4781484" cy="646331"/>
+          </a:xfrm>
+          <a:prstGeom prst="rect">
+            <a:avLst/>
+          </a:prstGeom>
+          <a:noFill/>
+        </p:spPr>
+        <p:txBody>
+          <a:bodyPr wrap="square" rtlCol="0">
+            <a:spAutoFit/>
+          </a:bodyPr>
+          <a:lstStyle/>
+          <a:p>
+            <a:pPr algn="ctr"/>
+            <a:r>
+              <a:rPr lang="it-IT" sz="3600" b="1" dirty="0" smtClean="0"/>
+              <a:t>Problemi </a:t>
+            </a:r>
+            <a:r>
+              <a:rPr lang="it-IT" sz="3600" b="1" dirty="0" smtClean="0"/>
+              <a:t>riscontrati</a:t>
+            </a:r>
+            <a:endParaRPr lang="it-IT" sz="3600" b="1" dirty="0"/>
+          </a:p>
+        </p:txBody>
+      </p:sp>
+      <p:sp>
+        <p:nvSpPr>
+          <p:cNvPr id="3" name="CasellaDiTesto 2"/>
+          <p:cNvSpPr txBox="1"/>
+          <p:nvPr/>
+        </p:nvSpPr>
+        <p:spPr>
+          <a:xfrm>
+            <a:off x="276316" y="1813753"/>
+            <a:ext cx="3863636" cy="1831271"/>
+          </a:xfrm>
+          <a:prstGeom prst="rect">
+            <a:avLst/>
+          </a:prstGeom>
+          <a:noFill/>
+        </p:spPr>
+        <p:txBody>
+          <a:bodyPr wrap="square" rtlCol="0">
+            <a:spAutoFit/>
+          </a:bodyPr>
+          <a:lstStyle/>
+          <a:p>
+            <a:r>
+              <a:rPr lang="it-IT" sz="3300" b="1" dirty="0" smtClean="0">
+                <a:solidFill>
+                  <a:srgbClr val="FF0000"/>
+                </a:solidFill>
+              </a:rPr>
+              <a:t>Contro:</a:t>
+            </a:r>
+          </a:p>
+          <a:p>
+            <a:pPr marL="457200" indent="-457200">
+              <a:buFont typeface="Wingdings" pitchFamily="2" charset="2"/>
+              <a:buChar char="v"/>
+            </a:pPr>
+            <a:r>
+              <a:rPr lang="it-IT" sz="2800" dirty="0" smtClean="0">
+                <a:solidFill>
+                  <a:schemeClr val="bg1"/>
+                </a:solidFill>
+              </a:rPr>
+              <a:t>Indicazioni troppo generali nel bando</a:t>
+            </a:r>
+          </a:p>
+          <a:p>
+            <a:r>
+              <a:rPr lang="it-IT" sz="2400" dirty="0" smtClean="0"/>
+              <a:t> </a:t>
+            </a:r>
+            <a:endParaRPr lang="it-IT" sz="2400" dirty="0"/>
+          </a:p>
+        </p:txBody>
+      </p:sp>
+      <p:sp>
+        <p:nvSpPr>
+          <p:cNvPr id="4" name="CasellaDiTesto 3"/>
+          <p:cNvSpPr txBox="1"/>
+          <p:nvPr/>
+        </p:nvSpPr>
+        <p:spPr>
+          <a:xfrm>
+            <a:off x="4355976" y="1741745"/>
+            <a:ext cx="4145128" cy="2693045"/>
+          </a:xfrm>
+          <a:prstGeom prst="rect">
+            <a:avLst/>
+          </a:prstGeom>
+          <a:noFill/>
+        </p:spPr>
+        <p:txBody>
+          <a:bodyPr wrap="square" rtlCol="0">
+            <a:spAutoFit/>
+          </a:bodyPr>
+          <a:lstStyle/>
+          <a:p>
+            <a:r>
+              <a:rPr lang="it-IT" sz="3300" b="1" dirty="0" smtClean="0">
+                <a:solidFill>
+                  <a:srgbClr val="00B050"/>
+                </a:solidFill>
+              </a:rPr>
+              <a:t>Pro:</a:t>
+            </a:r>
+          </a:p>
+          <a:p>
+            <a:pPr marL="457200" indent="-457200">
+              <a:buFont typeface="Wingdings" pitchFamily="2" charset="2"/>
+              <a:buChar char="v"/>
+            </a:pPr>
+            <a:r>
+              <a:rPr lang="it-IT" sz="2800" dirty="0" smtClean="0">
+                <a:solidFill>
+                  <a:schemeClr val="bg1"/>
+                </a:solidFill>
+              </a:rPr>
+              <a:t>Definizione di concetti semplici e non specifici</a:t>
+            </a:r>
+          </a:p>
+          <a:p>
+            <a:pPr marL="914400" lvl="1" indent="-457200">
+              <a:buFont typeface="Courier New" pitchFamily="49" charset="0"/>
+              <a:buChar char="o"/>
+            </a:pPr>
+            <a:r>
+              <a:rPr lang="it-IT" sz="2800" i="1" dirty="0" smtClean="0">
+                <a:solidFill>
+                  <a:schemeClr val="bg1"/>
+                </a:solidFill>
+              </a:rPr>
+              <a:t>Flessibilità rispetto ai cambiamenti</a:t>
+            </a:r>
+          </a:p>
+          <a:p>
+            <a:r>
+              <a:rPr lang="it-IT" sz="2400" dirty="0" smtClean="0"/>
+              <a:t> </a:t>
+            </a:r>
+            <a:endParaRPr lang="it-IT" sz="2400" dirty="0"/>
+          </a:p>
+        </p:txBody>
+      </p:sp>
+      <p:pic>
+        <p:nvPicPr>
+          <p:cNvPr id="1026" name="Picture 2" descr="C:\Users\Marko\Desktop\omino_si.jpg"/>
+          <p:cNvPicPr>
+            <a:picLocks noChangeAspect="1" noChangeArrowheads="1"/>
+          </p:cNvPicPr>
+          <p:nvPr/>
+        </p:nvPicPr>
+        <p:blipFill>
+          <a:blip r:embed="rId3" cstate="print">
+            <a:extLst>
+              <a:ext uri="{28A0092B-C50C-407E-A947-70E740481C1C}">
+                <a14:useLocalDpi xmlns:a14="http://schemas.microsoft.com/office/drawing/2010/main" xmlns="" val="0"/>
+              </a:ext>
+            </a:extLst>
+          </a:blip>
+          <a:srcRect/>
+          <a:stretch>
+            <a:fillRect/>
+          </a:stretch>
+        </p:blipFill>
+        <p:spPr bwMode="auto">
+          <a:xfrm>
+            <a:off x="7668344" y="4365104"/>
+            <a:ext cx="1198016" cy="2016341"/>
+          </a:xfrm>
+          <a:prstGeom prst="rect">
+            <a:avLst/>
+          </a:prstGeom>
+          <a:noFill/>
+          <a:extLst>
+            <a:ext uri="{909E8E84-426E-40DD-AFC4-6F175D3DCCD1}">
+              <a14:hiddenFill xmlns:a14="http://schemas.microsoft.com/office/drawing/2010/main" xmlns="">
+                <a:solidFill>
+                  <a:srgbClr val="FFFFFF"/>
+                </a:solidFill>
+              </a14:hiddenFill>
+            </a:ext>
+          </a:extLst>
+        </p:spPr>
+      </p:pic>
+      <p:pic>
+        <p:nvPicPr>
+          <p:cNvPr id="1027" name="Picture 3" descr="C:\Users\Marko\Desktop\omino_no.jpg"/>
+          <p:cNvPicPr>
+            <a:picLocks noChangeAspect="1" noChangeArrowheads="1"/>
+          </p:cNvPicPr>
+          <p:nvPr/>
+        </p:nvPicPr>
+        <p:blipFill>
+          <a:blip r:embed="rId4" cstate="print">
+            <a:extLst>
+              <a:ext uri="{28A0092B-C50C-407E-A947-70E740481C1C}">
+                <a14:useLocalDpi xmlns:a14="http://schemas.microsoft.com/office/drawing/2010/main" xmlns="" val="0"/>
+              </a:ext>
+            </a:extLst>
+          </a:blip>
+          <a:srcRect/>
+          <a:stretch>
+            <a:fillRect/>
+          </a:stretch>
+        </p:blipFill>
+        <p:spPr bwMode="auto">
+          <a:xfrm>
+            <a:off x="2987824" y="4293096"/>
+            <a:ext cx="1221217" cy="2060805"/>
+          </a:xfrm>
+          <a:prstGeom prst="rect">
+            <a:avLst/>
+          </a:prstGeom>
+          <a:noFill/>
+          <a:extLst>
+            <a:ext uri="{909E8E84-426E-40DD-AFC4-6F175D3DCCD1}">
+              <a14:hiddenFill xmlns:a14="http://schemas.microsoft.com/office/drawing/2010/main" xmlns="">
+                <a:solidFill>
+                  <a:srgbClr val="FFFFFF"/>
+                </a:solidFill>
+              </a14:hiddenFill>
+            </a:ext>
+          </a:extLst>
+        </p:spPr>
+      </p:pic>
+    </p:spTree>
+    <p:extLst>
+      <p:ext uri="{BB962C8B-B14F-4D97-AF65-F5344CB8AC3E}">
+        <p14:creationId xmlns:p14="http://schemas.microsoft.com/office/powerpoint/2010/main" xmlns="" val="2708678656"/>
+      </p:ext>
+    </p:extLst>
+  </p:cSld>
+  <p:clrMapOvr>
+    <a:masterClrMapping/>
+  </p:clrMapOvr>
+  <p:timing>
+    <p:tnLst>
+      <p:par>
+        <p:cTn id="1" dur="indefinite" restart="never" nodeType="tmRoot"/>
+      </p:par>
+    </p:tnLst>
+  </p:timing>
+</p:sld>
+</file>
+
+<file path=ppt/slides/slide17.xml><?xml version="1.0" encoding="utf-8"?>
+<p:sld xmlns:a="http://schemas.openxmlformats.org/drawingml/2006/main" xmlns:r="http://schemas.openxmlformats.org/officeDocument/2006/relationships" xmlns:p="http://schemas.openxmlformats.org/presentationml/2006/main">
+  <p:cSld>
+    <p:spTree>
+      <p:nvGrpSpPr>
+        <p:cNvPr id="1" name=""/>
+        <p:cNvGrpSpPr/>
+        <p:nvPr/>
+      </p:nvGrpSpPr>
+      <p:grpSpPr>
+        <a:xfrm>
+          <a:off x="0" y="0"/>
+          <a:ext cx="0" cy="0"/>
+          <a:chOff x="0" y="0"/>
+          <a:chExt cx="0" cy="0"/>
+        </a:xfrm>
+      </p:grpSpPr>
+      <p:pic>
+        <p:nvPicPr>
+          <p:cNvPr id="1026" name="Picture 2" descr="C:\Users\Fr4nc3sc0\Desktop\at-silo\RAD\3 - Sistema proposto\attori.png"/>
+          <p:cNvPicPr>
+            <a:picLocks noChangeAspect="1" noChangeArrowheads="1"/>
+          </p:cNvPicPr>
+          <p:nvPr/>
+        </p:nvPicPr>
+        <p:blipFill>
+          <a:blip r:embed="rId2" cstate="print">
+            <a:extLst>
+              <a:ext uri="{28A0092B-C50C-407E-A947-70E740481C1C}">
+                <a14:useLocalDpi xmlns:a14="http://schemas.microsoft.com/office/drawing/2010/main" xmlns="" val="0"/>
+              </a:ext>
+            </a:extLst>
+          </a:blip>
+          <a:srcRect/>
+          <a:stretch>
+            <a:fillRect/>
+          </a:stretch>
+        </p:blipFill>
+        <p:spPr bwMode="auto">
+          <a:xfrm>
+            <a:off x="2261679" y="620689"/>
+            <a:ext cx="5052690" cy="6233836"/>
+          </a:xfrm>
+          <a:prstGeom prst="rect">
+            <a:avLst/>
+          </a:prstGeom>
+          <a:noFill/>
+          <a:extLst>
+            <a:ext uri="{909E8E84-426E-40DD-AFC4-6F175D3DCCD1}">
+              <a14:hiddenFill xmlns:a14="http://schemas.microsoft.com/office/drawing/2010/main" xmlns="">
+                <a:solidFill>
+                  <a:srgbClr val="FFFFFF"/>
+                </a:solidFill>
+              </a14:hiddenFill>
+            </a:ext>
+          </a:extLst>
+        </p:spPr>
+      </p:pic>
+      <p:cxnSp>
+        <p:nvCxnSpPr>
+          <p:cNvPr id="4" name="Connettore 1 3"/>
+          <p:cNvCxnSpPr/>
+          <p:nvPr/>
+        </p:nvCxnSpPr>
+        <p:spPr>
+          <a:xfrm>
+            <a:off x="3023828" y="1628800"/>
+            <a:ext cx="482235" cy="0"/>
+          </a:xfrm>
+          <a:prstGeom prst="line">
+            <a:avLst/>
+          </a:prstGeom>
+          <a:ln w="38100">
+            <a:solidFill>
+              <a:srgbClr val="FF0000"/>
+            </a:solidFill>
+          </a:ln>
+          <a:effectLst>
+            <a:glow rad="63500">
+              <a:schemeClr val="accent3">
+                <a:satMod val="175000"/>
+                <a:alpha val="40000"/>
+              </a:schemeClr>
+            </a:glow>
+          </a:effectLst>
+        </p:spPr>
+        <p:style>
+          <a:lnRef idx="1">
+            <a:schemeClr val="accent1"/>
+          </a:lnRef>
+          <a:fillRef idx="0">
+            <a:schemeClr val="accent1"/>
+          </a:fillRef>
+          <a:effectRef idx="0">
+            <a:schemeClr val="accent1"/>
+          </a:effectRef>
+          <a:fontRef idx="minor">
+            <a:schemeClr val="tx1"/>
+          </a:fontRef>
+        </p:style>
+      </p:cxnSp>
+      <p:cxnSp>
+        <p:nvCxnSpPr>
+          <p:cNvPr id="10" name="Connettore 1 9"/>
+          <p:cNvCxnSpPr/>
+          <p:nvPr/>
+        </p:nvCxnSpPr>
+        <p:spPr>
+          <a:xfrm>
+            <a:off x="3779912" y="3068960"/>
+            <a:ext cx="704806" cy="0"/>
+          </a:xfrm>
+          <a:prstGeom prst="line">
+            <a:avLst/>
+          </a:prstGeom>
+          <a:ln w="38100">
+            <a:solidFill>
+              <a:srgbClr val="FF0000"/>
+            </a:solidFill>
+          </a:ln>
+          <a:effectLst>
+            <a:glow rad="63500">
+              <a:schemeClr val="accent3">
+                <a:satMod val="175000"/>
+                <a:alpha val="40000"/>
+              </a:schemeClr>
+            </a:glow>
+          </a:effectLst>
+        </p:spPr>
+        <p:style>
+          <a:lnRef idx="1">
+            <a:schemeClr val="accent1"/>
+          </a:lnRef>
+          <a:fillRef idx="0">
+            <a:schemeClr val="accent1"/>
+          </a:fillRef>
+          <a:effectRef idx="0">
+            <a:schemeClr val="accent1"/>
+          </a:effectRef>
+          <a:fontRef idx="minor">
+            <a:schemeClr val="tx1"/>
+          </a:fontRef>
+        </p:style>
+      </p:cxnSp>
+      <p:cxnSp>
+        <p:nvCxnSpPr>
+          <p:cNvPr id="12" name="Connettore 1 11"/>
+          <p:cNvCxnSpPr/>
+          <p:nvPr/>
+        </p:nvCxnSpPr>
+        <p:spPr>
+          <a:xfrm>
+            <a:off x="2987824" y="6237312"/>
+            <a:ext cx="843276" cy="0"/>
+          </a:xfrm>
+          <a:prstGeom prst="line">
+            <a:avLst/>
+          </a:prstGeom>
+          <a:ln w="38100">
+            <a:solidFill>
+              <a:srgbClr val="FF0000"/>
+            </a:solidFill>
+          </a:ln>
+          <a:effectLst>
+            <a:glow rad="63500">
+              <a:schemeClr val="accent3">
+                <a:satMod val="175000"/>
+                <a:alpha val="40000"/>
+              </a:schemeClr>
+            </a:glow>
+          </a:effectLst>
+        </p:spPr>
+        <p:style>
+          <a:lnRef idx="1">
+            <a:schemeClr val="accent1"/>
+          </a:lnRef>
+          <a:fillRef idx="0">
+            <a:schemeClr val="accent1"/>
+          </a:fillRef>
+          <a:effectRef idx="0">
+            <a:schemeClr val="accent1"/>
+          </a:effectRef>
+          <a:fontRef idx="minor">
+            <a:schemeClr val="tx1"/>
+          </a:fontRef>
+        </p:style>
+      </p:cxnSp>
+      <p:cxnSp>
+        <p:nvCxnSpPr>
+          <p:cNvPr id="14" name="Connettore 1 13"/>
+          <p:cNvCxnSpPr/>
+          <p:nvPr/>
+        </p:nvCxnSpPr>
+        <p:spPr>
+          <a:xfrm>
+            <a:off x="2915816" y="6597352"/>
+            <a:ext cx="556426" cy="0"/>
+          </a:xfrm>
+          <a:prstGeom prst="line">
+            <a:avLst/>
+          </a:prstGeom>
+          <a:ln w="38100">
+            <a:solidFill>
+              <a:srgbClr val="FF0000"/>
+            </a:solidFill>
+          </a:ln>
+          <a:effectLst>
+            <a:glow rad="63500">
+              <a:schemeClr val="accent3">
+                <a:satMod val="175000"/>
+                <a:alpha val="40000"/>
+              </a:schemeClr>
+            </a:glow>
+          </a:effectLst>
+        </p:spPr>
+        <p:style>
+          <a:lnRef idx="1">
+            <a:schemeClr val="accent1"/>
+          </a:lnRef>
+          <a:fillRef idx="0">
+            <a:schemeClr val="accent1"/>
+          </a:fillRef>
+          <a:effectRef idx="0">
+            <a:schemeClr val="accent1"/>
+          </a:effectRef>
+          <a:fontRef idx="minor">
+            <a:schemeClr val="tx1"/>
+          </a:fontRef>
+        </p:style>
+      </p:cxnSp>
+      <p:cxnSp>
+        <p:nvCxnSpPr>
+          <p:cNvPr id="16" name="Connettore 1 15"/>
+          <p:cNvCxnSpPr/>
+          <p:nvPr/>
+        </p:nvCxnSpPr>
+        <p:spPr>
+          <a:xfrm>
+            <a:off x="4139952" y="3429000"/>
+            <a:ext cx="408045" cy="0"/>
+          </a:xfrm>
+          <a:prstGeom prst="line">
+            <a:avLst/>
+          </a:prstGeom>
+          <a:ln w="38100">
+            <a:solidFill>
+              <a:srgbClr val="FF0000"/>
+            </a:solidFill>
+          </a:ln>
+          <a:effectLst>
+            <a:glow rad="63500">
+              <a:schemeClr val="accent3">
+                <a:satMod val="175000"/>
+                <a:alpha val="40000"/>
+              </a:schemeClr>
+            </a:glow>
+          </a:effectLst>
+        </p:spPr>
+        <p:style>
+          <a:lnRef idx="1">
+            <a:schemeClr val="accent1"/>
+          </a:lnRef>
+          <a:fillRef idx="0">
+            <a:schemeClr val="accent1"/>
+          </a:fillRef>
+          <a:effectRef idx="0">
+            <a:schemeClr val="accent1"/>
+          </a:effectRef>
+          <a:fontRef idx="minor">
+            <a:schemeClr val="tx1"/>
+          </a:fontRef>
+        </p:style>
+      </p:cxnSp>
+      <p:sp>
+        <p:nvSpPr>
+          <p:cNvPr id="17" name="Ovale 16"/>
+          <p:cNvSpPr/>
+          <p:nvPr/>
+        </p:nvSpPr>
+        <p:spPr>
+          <a:xfrm>
+            <a:off x="2951820" y="6381328"/>
+            <a:ext cx="540060" cy="216024"/>
+          </a:xfrm>
+          <a:prstGeom prst="ellipse">
+            <a:avLst/>
+          </a:prstGeom>
+          <a:noFill/>
+          <a:ln>
+            <a:solidFill>
+              <a:srgbClr val="FF0000"/>
+            </a:solidFill>
+          </a:ln>
+        </p:spPr>
+        <p:style>
+          <a:lnRef idx="2">
+            <a:schemeClr val="accent1">
+              <a:shade val="50000"/>
+            </a:schemeClr>
+          </a:lnRef>
+          <a:fillRef idx="1">
+            <a:schemeClr val="accent1"/>
+          </a:fillRef>
+          <a:effectRef idx="0">
+            <a:schemeClr val="accent1"/>
+          </a:effectRef>
+          <a:fontRef idx="minor">
+            <a:schemeClr val="lt1"/>
+          </a:fontRef>
+        </p:style>
+        <p:txBody>
+          <a:bodyPr rtlCol="0" anchor="ctr"/>
+          <a:lstStyle/>
+          <a:p>
+            <a:pPr algn="ctr"/>
+            <a:endParaRPr lang="it-IT"/>
+          </a:p>
+        </p:txBody>
+      </p:sp>
+    </p:spTree>
+    <p:extLst>
+      <p:ext uri="{BB962C8B-B14F-4D97-AF65-F5344CB8AC3E}">
+        <p14:creationId xmlns:p14="http://schemas.microsoft.com/office/powerpoint/2010/main" xmlns="" val="1421053857"/>
+      </p:ext>
+    </p:extLst>
+  </p:cSld>
+  <p:clrMapOvr>
+    <a:masterClrMapping/>
+  </p:clrMapOvr>
+  <p:timing>
+    <p:tnLst>
+      <p:par>
+        <p:cTn id="1" dur="indefinite" restart="never" nodeType="tmRoot">
+          <p:childTnLst>
+            <p:seq concurrent="1" nextAc="seek">
+              <p:cTn id="2" dur="indefinite" nodeType="mainSeq">
+                <p:childTnLst>
+                  <p:par>
+                    <p:cTn id="3" fill="hold">
+                      <p:stCondLst>
+                        <p:cond delay="indefinite"/>
+                      </p:stCondLst>
+                      <p:childTnLst>
+                        <p:par>
+                          <p:cTn id="4" fill="hold">
+                            <p:stCondLst>
+                              <p:cond delay="0"/>
+                            </p:stCondLst>
+                            <p:childTnLst>
+                              <p:par>
+                                <p:cTn id="5" presetID="1" presetClass="entr" presetSubtype="0" fill="hold" nodeType="clickEffect">
+                                  <p:stCondLst>
+                                    <p:cond delay="0"/>
+                                  </p:stCondLst>
+                                  <p:childTnLst>
+                                    <p:set>
+                                      <p:cBhvr>
+                                        <p:cTn id="6" dur="1" fill="hold">
+                                          <p:stCondLst>
+                                            <p:cond delay="0"/>
+                                          </p:stCondLst>
+                                        </p:cTn>
+                                        <p:tgtEl>
+                                          <p:spTgt spid="4"/>
+                                        </p:tgtEl>
+                                        <p:attrNameLst>
+                                          <p:attrName>style.visibility</p:attrName>
+                                        </p:attrNameLst>
+                                      </p:cBhvr>
+                                      <p:to>
+                                        <p:strVal val="visible"/>
+                                      </p:to>
+                                    </p:set>
+                                  </p:childTnLst>
+                                </p:cTn>
+                              </p:par>
+                              <p:par>
+                                <p:cTn id="7" presetID="1" presetClass="entr" presetSubtype="0" fill="hold" nodeType="withEffect">
+                                  <p:stCondLst>
+                                    <p:cond delay="0"/>
+                                  </p:stCondLst>
+                                  <p:childTnLst>
+                                    <p:set>
+                                      <p:cBhvr>
+                                        <p:cTn id="8" dur="1" fill="hold">
+                                          <p:stCondLst>
+                                            <p:cond delay="0"/>
+                                          </p:stCondLst>
+                                        </p:cTn>
+                                        <p:tgtEl>
+                                          <p:spTgt spid="10"/>
+                                        </p:tgtEl>
+                                        <p:attrNameLst>
+                                          <p:attrName>style.visibility</p:attrName>
+                                        </p:attrNameLst>
+                                      </p:cBhvr>
+                                      <p:to>
+                                        <p:strVal val="visible"/>
+                                      </p:to>
+                                    </p:set>
+                                  </p:childTnLst>
+                                </p:cTn>
+                              </p:par>
+                              <p:par>
+                                <p:cTn id="9" presetID="1" presetClass="entr" presetSubtype="0" fill="hold" nodeType="withEffect">
+                                  <p:stCondLst>
+                                    <p:cond delay="0"/>
+                                  </p:stCondLst>
+                                  <p:childTnLst>
+                                    <p:set>
+                                      <p:cBhvr>
+                                        <p:cTn id="10" dur="1" fill="hold">
+                                          <p:stCondLst>
+                                            <p:cond delay="0"/>
+                                          </p:stCondLst>
+                                        </p:cTn>
+                                        <p:tgtEl>
+                                          <p:spTgt spid="12"/>
+                                        </p:tgtEl>
+                                        <p:attrNameLst>
+                                          <p:attrName>style.visibility</p:attrName>
+                                        </p:attrNameLst>
+                                      </p:cBhvr>
+                                      <p:to>
+                                        <p:strVal val="visible"/>
+                                      </p:to>
+                                    </p:set>
+                                  </p:childTnLst>
+                                </p:cTn>
+                              </p:par>
+                              <p:par>
+                                <p:cTn id="11" presetID="1" presetClass="entr" presetSubtype="0" fill="hold" nodeType="withEffect">
+                                  <p:stCondLst>
+                                    <p:cond delay="0"/>
+                                  </p:stCondLst>
+                                  <p:childTnLst>
+                                    <p:set>
+                                      <p:cBhvr>
+                                        <p:cTn id="12" dur="1" fill="hold">
+                                          <p:stCondLst>
+                                            <p:cond delay="0"/>
+                                          </p:stCondLst>
+                                        </p:cTn>
+                                        <p:tgtEl>
+                                          <p:spTgt spid="14"/>
+                                        </p:tgtEl>
+                                        <p:attrNameLst>
+                                          <p:attrName>style.visibility</p:attrName>
+                                        </p:attrNameLst>
+                                      </p:cBhvr>
+                                      <p:to>
+                                        <p:strVal val="visible"/>
+                                      </p:to>
+                                    </p:set>
+                                  </p:childTnLst>
+                                </p:cTn>
+                              </p:par>
+                              <p:par>
+                                <p:cTn id="13" presetID="1" presetClass="entr" presetSubtype="0" fill="hold" nodeType="withEffect">
+                                  <p:stCondLst>
+                                    <p:cond delay="0"/>
+                                  </p:stCondLst>
+                                  <p:childTnLst>
+                                    <p:set>
+                                      <p:cBhvr>
+                                        <p:cTn id="14" dur="1" fill="hold">
+                                          <p:stCondLst>
+                                            <p:cond delay="0"/>
+                                          </p:stCondLst>
+                                        </p:cTn>
+                                        <p:tgtEl>
+                                          <p:spTgt spid="16"/>
+                                        </p:tgtEl>
+                                        <p:attrNameLst>
+                                          <p:attrName>style.visibility</p:attrName>
+                                        </p:attrNameLst>
+                                      </p:cBhvr>
+                                      <p:to>
+                                        <p:strVal val="visible"/>
+                                      </p:to>
+                                    </p:set>
+                                  </p:childTnLst>
+                                </p:cTn>
+                              </p:par>
+                            </p:childTnLst>
+                          </p:cTn>
+                        </p:par>
+                      </p:childTnLst>
+                    </p:cTn>
+                  </p:par>
+                  <p:par>
+                    <p:cTn id="15" fill="hold">
+                      <p:stCondLst>
+                        <p:cond delay="indefinite"/>
+                      </p:stCondLst>
+                      <p:childTnLst>
+                        <p:par>
+                          <p:cTn id="16" fill="hold">
+                            <p:stCondLst>
+                              <p:cond delay="0"/>
+                            </p:stCondLst>
+                            <p:childTnLst>
+                              <p:par>
+                                <p:cTn id="17" presetID="10" presetClass="entr" presetSubtype="0" fill="hold" grpId="0" nodeType="clickEffect">
+                                  <p:stCondLst>
+                                    <p:cond delay="0"/>
+                                  </p:stCondLst>
+                                  <p:childTnLst>
+                                    <p:set>
+                                      <p:cBhvr>
+                                        <p:cTn id="18" dur="1" fill="hold">
+                                          <p:stCondLst>
+                                            <p:cond delay="0"/>
+                                          </p:stCondLst>
+                                        </p:cTn>
+                                        <p:tgtEl>
+                                          <p:spTgt spid="17"/>
+                                        </p:tgtEl>
+                                        <p:attrNameLst>
+                                          <p:attrName>style.visibility</p:attrName>
+                                        </p:attrNameLst>
+                                      </p:cBhvr>
+                                      <p:to>
+                                        <p:strVal val="visible"/>
+                                      </p:to>
+                                    </p:set>
+                                    <p:animEffect transition="in" filter="fade">
+                                      <p:cBhvr>
+                                        <p:cTn id="19" dur="500"/>
+                                        <p:tgtEl>
+                                          <p:spTgt spid="17"/>
+                                        </p:tgtEl>
+                                      </p:cBhvr>
+                                    </p:animEffect>
+                                  </p:childTnLst>
+                                </p:cTn>
+                              </p:par>
+                            </p:childTnLst>
+                          </p:cTn>
+                        </p:par>
+                      </p:childTnLst>
+                    </p:cTn>
+                  </p:par>
+                </p:childTnLst>
+              </p:cTn>
+              <p:prevCondLst>
+                <p:cond evt="onPrev" delay="0">
+                  <p:tgtEl>
+                    <p:sldTgt/>
+                  </p:tgtEl>
+                </p:cond>
+              </p:prevCondLst>
+              <p:nextCondLst>
+                <p:cond evt="onNext" delay="0">
+                  <p:tgtEl>
+                    <p:sldTgt/>
+                  </p:tgtEl>
+                </p:cond>
+              </p:nextCondLst>
+            </p:seq>
+          </p:childTnLst>
+        </p:cTn>
+      </p:par>
+    </p:tnLst>
+    <p:bldLst>
+      <p:bldP spid="17" grpId="0" animBg="1"/>
+    </p:bldLst>
+  </p:timing>
+</p:sld>
+</file>
+
+<file path=ppt/slides/slide18.xml><?xml version="1.0" encoding="utf-8"?>
+<p:sld xmlns:a="http://schemas.openxmlformats.org/drawingml/2006/main" xmlns:r="http://schemas.openxmlformats.org/officeDocument/2006/relationships" xmlns:p="http://schemas.openxmlformats.org/presentationml/2006/main">
+  <p:cSld>
+    <p:spTree>
+      <p:nvGrpSpPr>
+        <p:cNvPr id="1" name=""/>
+        <p:cNvGrpSpPr/>
+        <p:nvPr/>
+      </p:nvGrpSpPr>
+      <p:grpSpPr>
+        <a:xfrm>
+          <a:off x="0" y="0"/>
+          <a:ext cx="0" cy="0"/>
+          <a:chOff x="0" y="0"/>
+          <a:chExt cx="0" cy="0"/>
+        </a:xfrm>
+      </p:grpSpPr>
+      <p:sp>
+        <p:nvSpPr>
+          <p:cNvPr id="2" name="Titolo 1"/>
+          <p:cNvSpPr>
+            <a:spLocks noGrp="1"/>
+          </p:cNvSpPr>
+          <p:nvPr>
+            <p:ph type="title"/>
+          </p:nvPr>
+        </p:nvSpPr>
+        <p:spPr>
+          <a:xfrm>
+            <a:off x="1187624" y="2996952"/>
+            <a:ext cx="6624736" cy="648072"/>
+          </a:xfrm>
+        </p:spPr>
+        <p:txBody>
+          <a:bodyPr>
+            <a:noAutofit/>
+          </a:bodyPr>
+          <a:lstStyle/>
+          <a:p>
+            <a:pPr algn="ctr"/>
+            <a:r>
+              <a:rPr lang="it-IT" sz="4800" b="1" dirty="0" smtClean="0"/>
+              <a:t>Gestione </a:t>
+            </a:r>
+            <a:r>
+              <a:rPr lang="it-IT" sz="4800" b="1" dirty="0" smtClean="0"/>
+              <a:t>Tirocinanti</a:t>
+            </a:r>
+            <a:endParaRPr lang="it-IT" sz="4800" b="1" dirty="0"/>
+          </a:p>
+        </p:txBody>
+      </p:sp>
+    </p:spTree>
+    <p:extLst>
+      <p:ext uri="{BB962C8B-B14F-4D97-AF65-F5344CB8AC3E}">
+        <p14:creationId xmlns:p14="http://schemas.microsoft.com/office/powerpoint/2010/main" xmlns="" val="2865657727"/>
+      </p:ext>
+    </p:extLst>
+  </p:cSld>
+  <p:clrMapOvr>
+    <a:masterClrMapping/>
+  </p:clrMapOvr>
+  <p:timing>
+    <p:tnLst>
+      <p:par>
+        <p:cTn id="1" dur="indefinite" restart="never" nodeType="tmRoot"/>
+      </p:par>
+    </p:tnLst>
+  </p:timing>
+</p:sld>
+</file>
+
+<file path=ppt/slides/slide19.xml><?xml version="1.0" encoding="utf-8"?>
+<p:sld xmlns:a="http://schemas.openxmlformats.org/drawingml/2006/main" xmlns:r="http://schemas.openxmlformats.org/officeDocument/2006/relationships" xmlns:p="http://schemas.openxmlformats.org/presentationml/2006/main">
+  <p:cSld>
+    <p:spTree>
+      <p:nvGrpSpPr>
+        <p:cNvPr id="1" name=""/>
+        <p:cNvGrpSpPr/>
+        <p:nvPr/>
+      </p:nvGrpSpPr>
+      <p:grpSpPr>
+        <a:xfrm>
+          <a:off x="0" y="0"/>
+          <a:ext cx="0" cy="0"/>
+          <a:chOff x="0" y="0"/>
+          <a:chExt cx="0" cy="0"/>
+        </a:xfrm>
+      </p:grpSpPr>
+      <p:sp>
+        <p:nvSpPr>
+          <p:cNvPr id="3" name="CasellaDiTesto 2"/>
+          <p:cNvSpPr txBox="1"/>
+          <p:nvPr/>
+        </p:nvSpPr>
+        <p:spPr>
+          <a:xfrm>
+            <a:off x="0" y="764704"/>
+            <a:ext cx="9144000" cy="830997"/>
+          </a:xfrm>
+          <a:prstGeom prst="rect">
+            <a:avLst/>
+          </a:prstGeom>
+          <a:noFill/>
+        </p:spPr>
+        <p:txBody>
+          <a:bodyPr wrap="square" rtlCol="0">
+            <a:spAutoFit/>
+          </a:bodyPr>
+          <a:lstStyle/>
+          <a:p>
+            <a:pPr algn="ctr"/>
+            <a:r>
+              <a:rPr lang="it-IT" sz="4800" b="1" dirty="0" smtClean="0"/>
+              <a:t>Tirocinanti</a:t>
+            </a:r>
+          </a:p>
+        </p:txBody>
+      </p:sp>
+      <p:sp>
+        <p:nvSpPr>
+          <p:cNvPr id="4" name="CasellaDiTesto 3"/>
+          <p:cNvSpPr txBox="1"/>
+          <p:nvPr/>
+        </p:nvSpPr>
+        <p:spPr>
+          <a:xfrm>
+            <a:off x="428672" y="1916832"/>
+            <a:ext cx="5079432" cy="3539430"/>
+          </a:xfrm>
+          <a:prstGeom prst="rect">
+            <a:avLst/>
+          </a:prstGeom>
+          <a:noFill/>
+        </p:spPr>
+        <p:txBody>
+          <a:bodyPr wrap="square" rtlCol="0">
+            <a:spAutoFit/>
+          </a:bodyPr>
+          <a:lstStyle/>
+          <a:p>
+            <a:r>
+              <a:rPr lang="it-IT" sz="2800" dirty="0" smtClean="0"/>
+              <a:t>INIZIALMENTE</a:t>
+            </a:r>
+          </a:p>
+          <a:p>
+            <a:endParaRPr lang="it-IT" sz="2800" dirty="0" smtClean="0"/>
+          </a:p>
+          <a:p>
+            <a:pPr marL="457200" indent="-457200">
+              <a:buFont typeface="Wingdings" pitchFamily="2" charset="2"/>
+              <a:buChar char="v"/>
+            </a:pPr>
+            <a:r>
+              <a:rPr lang="it-IT" sz="2800" dirty="0"/>
+              <a:t> </a:t>
+            </a:r>
+            <a:r>
+              <a:rPr lang="it-IT" sz="2800" dirty="0" smtClean="0"/>
+              <a:t>Tirocinanti esclusi dal sistema</a:t>
+            </a:r>
+          </a:p>
+          <a:p>
+            <a:pPr marL="914400" lvl="1" indent="-457200">
+              <a:buFont typeface="Courier New" pitchFamily="49" charset="0"/>
+              <a:buChar char="o"/>
+            </a:pPr>
+            <a:r>
+              <a:rPr lang="it-IT" sz="2800" dirty="0" smtClean="0"/>
+              <a:t>Non avevano un account</a:t>
+            </a:r>
+          </a:p>
+          <a:p>
+            <a:pPr marL="1371600" lvl="2" indent="-457200">
+              <a:buFont typeface="Arial" pitchFamily="34" charset="0"/>
+              <a:buChar char="•"/>
+            </a:pPr>
+            <a:r>
+              <a:rPr lang="it-IT" sz="2800" dirty="0" smtClean="0"/>
+              <a:t>quindi non potevano visualizzare i propri dati né la schedulazione degli orari 	</a:t>
+            </a:r>
+          </a:p>
+        </p:txBody>
+      </p:sp>
+      <p:pic>
+        <p:nvPicPr>
+          <p:cNvPr id="2" name="Immagine 1"/>
+          <p:cNvPicPr>
+            <a:picLocks noChangeAspect="1"/>
+          </p:cNvPicPr>
+          <p:nvPr/>
+        </p:nvPicPr>
+        <p:blipFill>
+          <a:blip r:embed="rId2" cstate="print">
+            <a:extLst>
+              <a:ext uri="{28A0092B-C50C-407E-A947-70E740481C1C}">
+                <a14:useLocalDpi xmlns:a14="http://schemas.microsoft.com/office/drawing/2010/main" xmlns="" val="0"/>
+              </a:ext>
+            </a:extLst>
+          </a:blip>
+          <a:stretch>
+            <a:fillRect/>
+          </a:stretch>
+        </p:blipFill>
+        <p:spPr>
+          <a:xfrm>
+            <a:off x="6084168" y="1595701"/>
+            <a:ext cx="2514600" cy="4067175"/>
+          </a:xfrm>
+          <a:prstGeom prst="rect">
+            <a:avLst/>
+          </a:prstGeom>
+        </p:spPr>
+      </p:pic>
+    </p:spTree>
+    <p:extLst>
+      <p:ext uri="{BB962C8B-B14F-4D97-AF65-F5344CB8AC3E}">
+        <p14:creationId xmlns:p14="http://schemas.microsoft.com/office/powerpoint/2010/main" xmlns="" val="966444375"/>
       </p:ext>
     </p:extLst>
   </p:cSld>
@@ -4688,14 +8529,75 @@
       </p:grpSpPr>
       <p:sp>
         <p:nvSpPr>
+          <p:cNvPr id="2" name="Titolo 1"/>
+          <p:cNvSpPr>
+            <a:spLocks noGrp="1"/>
+          </p:cNvSpPr>
+          <p:nvPr>
+            <p:ph type="title"/>
+          </p:nvPr>
+        </p:nvSpPr>
+        <p:spPr/>
+        <p:txBody>
+          <a:bodyPr>
+            <a:normAutofit/>
+          </a:bodyPr>
+          <a:lstStyle/>
+          <a:p>
+            <a:r>
+              <a:rPr lang="it-IT" sz="4000" dirty="0" smtClean="0"/>
+              <a:t>INTRODUZIONE</a:t>
+            </a:r>
+            <a:r>
+              <a:rPr lang="it-IT" sz="2800" dirty="0" smtClean="0"/>
+              <a:t/>
+            </a:r>
+            <a:br>
+              <a:rPr lang="it-IT" sz="2800" dirty="0" smtClean="0"/>
+            </a:br>
+            <a:r>
+              <a:rPr lang="it-IT" sz="2800" dirty="0" smtClean="0"/>
+              <a:t>Slide di Luigi</a:t>
+            </a:r>
+            <a:endParaRPr lang="it-IT" sz="2800" dirty="0"/>
+          </a:p>
+        </p:txBody>
+      </p:sp>
+    </p:spTree>
+  </p:cSld>
+  <p:clrMapOvr>
+    <a:masterClrMapping/>
+  </p:clrMapOvr>
+</p:sld>
+</file>
+
+<file path=ppt/slides/slide20.xml><?xml version="1.0" encoding="utf-8"?>
+<p:sld xmlns:a="http://schemas.openxmlformats.org/drawingml/2006/main" xmlns:r="http://schemas.openxmlformats.org/officeDocument/2006/relationships" xmlns:p="http://schemas.openxmlformats.org/presentationml/2006/main">
+  <p:cSld>
+    <p:spTree>
+      <p:nvGrpSpPr>
+        <p:cNvPr id="1" name=""/>
+        <p:cNvGrpSpPr/>
+        <p:nvPr/>
+      </p:nvGrpSpPr>
+      <p:grpSpPr>
+        <a:xfrm>
+          <a:off x="0" y="0"/>
+          <a:ext cx="0" cy="0"/>
+          <a:chOff x="0" y="0"/>
+          <a:chExt cx="0" cy="0"/>
+        </a:xfrm>
+      </p:grpSpPr>
+      <p:sp>
+        <p:nvSpPr>
           <p:cNvPr id="2" name="CasellaDiTesto 1"/>
           <p:cNvSpPr txBox="1"/>
           <p:nvPr/>
         </p:nvSpPr>
         <p:spPr>
           <a:xfrm>
-            <a:off x="3767542" y="476672"/>
-            <a:ext cx="1923860" cy="1538883"/>
+            <a:off x="0" y="548681"/>
+            <a:ext cx="9144000" cy="707886"/>
           </a:xfrm>
           <a:prstGeom prst="rect">
             <a:avLst/>
@@ -4703,45 +8605,3249 @@
           <a:noFill/>
         </p:spPr>
         <p:txBody>
-          <a:bodyPr wrap="none" rtlCol="0">
+          <a:bodyPr wrap="square" rtlCol="0">
             <a:spAutoFit/>
           </a:bodyPr>
           <a:lstStyle/>
           <a:p>
             <a:pPr algn="ctr"/>
             <a:r>
-              <a:rPr lang="it-IT" sz="4800" b="1" dirty="0" smtClean="0">
+              <a:rPr lang="it-IT" sz="4000" b="1" dirty="0" smtClean="0"/>
+              <a:t>Tirocinanti</a:t>
+            </a:r>
+            <a:endParaRPr lang="it-IT" sz="4000" b="1" dirty="0"/>
+          </a:p>
+        </p:txBody>
+      </p:sp>
+      <p:sp>
+        <p:nvSpPr>
+          <p:cNvPr id="4" name="CasellaDiTesto 3"/>
+          <p:cNvSpPr txBox="1"/>
+          <p:nvPr/>
+        </p:nvSpPr>
+        <p:spPr>
+          <a:xfrm>
+            <a:off x="142172" y="1340768"/>
+            <a:ext cx="8822316" cy="7776294"/>
+          </a:xfrm>
+          <a:prstGeom prst="rect">
+            <a:avLst/>
+          </a:prstGeom>
+          <a:noFill/>
+        </p:spPr>
+        <p:txBody>
+          <a:bodyPr wrap="square" rtlCol="0">
+            <a:spAutoFit/>
+          </a:bodyPr>
+          <a:lstStyle/>
+          <a:p>
+            <a:endParaRPr lang="it-IT" dirty="0" smtClean="0"/>
+          </a:p>
+          <a:p>
+            <a:r>
+              <a:rPr lang="it-IT" sz="2800" dirty="0" smtClean="0"/>
+              <a:t>SUCCESSIVAMENTE</a:t>
+            </a:r>
+            <a:endParaRPr lang="it-IT" sz="2800" dirty="0" smtClean="0"/>
+          </a:p>
+          <a:p>
+            <a:pPr marL="457200" indent="-457200">
+              <a:buFont typeface="Wingdings" pitchFamily="2" charset="2"/>
+              <a:buChar char="v"/>
+            </a:pPr>
+            <a:r>
+              <a:rPr lang="it-IT" sz="2800" dirty="0" smtClean="0"/>
+              <a:t>Aggiunti nuovi requisiti funzionali come:</a:t>
+            </a:r>
+            <a:endParaRPr lang="it-IT" sz="2800" dirty="0"/>
+          </a:p>
+          <a:p>
+            <a:endParaRPr lang="it-IT" sz="2800" dirty="0"/>
+          </a:p>
+          <a:p>
+            <a:pPr lvl="1" indent="-285750">
+              <a:buFont typeface="Arial" pitchFamily="34" charset="0"/>
+              <a:buChar char="•"/>
+            </a:pPr>
+            <a:r>
+              <a:rPr lang="it-IT" sz="2400" dirty="0" smtClean="0">
+                <a:solidFill>
+                  <a:schemeClr val="accent4"/>
+                </a:solidFill>
+              </a:rPr>
+              <a:t>RF_M_2.10 </a:t>
+            </a:r>
+            <a:r>
+              <a:rPr lang="it-IT" sz="2400" dirty="0" smtClean="0"/>
+              <a:t>Possibilità </a:t>
+            </a:r>
+            <a:r>
+              <a:rPr lang="it-IT" sz="2400" dirty="0"/>
+              <a:t>di visualizzare il registro delle attività del tirocinante da parte del tirocinante, responsabile tirocini e della segreteria dell'asilo.</a:t>
+            </a:r>
+          </a:p>
+          <a:p>
+            <a:endParaRPr lang="it-IT" sz="2400" dirty="0"/>
+          </a:p>
+          <a:p>
+            <a:pPr lvl="1" indent="-285750">
+              <a:buFont typeface="Arial" pitchFamily="34" charset="0"/>
+              <a:buChar char="•"/>
+            </a:pPr>
+            <a:r>
+              <a:rPr lang="it-IT" sz="2400" dirty="0">
+                <a:solidFill>
+                  <a:schemeClr val="accent4"/>
+                </a:solidFill>
+              </a:rPr>
+              <a:t>RF_M_2.12 </a:t>
+            </a:r>
+            <a:r>
+              <a:rPr lang="it-IT" sz="2400" dirty="0" smtClean="0"/>
+              <a:t>Possibilità </a:t>
+            </a:r>
+            <a:r>
+              <a:rPr lang="it-IT" sz="2400" dirty="0"/>
+              <a:t>di visualizzare la schedulazione dei tirocinanti da parte del responsabile tirocini e dalla segreteria dell'asilo e del tirocinante.</a:t>
+            </a:r>
+          </a:p>
+          <a:p>
+            <a:endParaRPr lang="it-IT" sz="2400" dirty="0"/>
+          </a:p>
+          <a:p>
+            <a:pPr lvl="1" indent="-285750">
+              <a:buFont typeface="Arial" pitchFamily="34" charset="0"/>
+              <a:buChar char="•"/>
+            </a:pPr>
+            <a:r>
+              <a:rPr lang="it-IT" sz="2400" dirty="0" smtClean="0">
+                <a:solidFill>
+                  <a:schemeClr val="accent4"/>
+                </a:solidFill>
+              </a:rPr>
+              <a:t>RF_M_2.14 </a:t>
+            </a:r>
+            <a:r>
+              <a:rPr lang="it-IT" sz="2400" dirty="0" smtClean="0"/>
+              <a:t>Possibilità </a:t>
+            </a:r>
+            <a:r>
+              <a:rPr lang="it-IT" sz="2400" dirty="0"/>
+              <a:t>di poter contestare l'allocazione da parte del tirocinante</a:t>
+            </a:r>
+          </a:p>
+          <a:p>
+            <a:endParaRPr lang="it-IT" dirty="0"/>
+          </a:p>
+          <a:p>
+            <a:pPr marL="285750" indent="-285750">
+              <a:buFont typeface="Arial" pitchFamily="34" charset="0"/>
+              <a:buChar char="•"/>
+            </a:pPr>
+            <a:endParaRPr lang="it-IT" dirty="0"/>
+          </a:p>
+          <a:p>
+            <a:endParaRPr lang="it-IT" dirty="0"/>
+          </a:p>
+          <a:p>
+            <a:endParaRPr lang="it-IT" dirty="0"/>
+          </a:p>
+          <a:p>
+            <a:endParaRPr lang="it-IT" dirty="0"/>
+          </a:p>
+          <a:p>
+            <a:endParaRPr lang="it-IT" dirty="0"/>
+          </a:p>
+          <a:p>
+            <a:endParaRPr lang="it-IT" dirty="0"/>
+          </a:p>
+          <a:p>
+            <a:endParaRPr lang="it-IT" dirty="0" smtClean="0"/>
+          </a:p>
+          <a:p>
+            <a:endParaRPr lang="it-IT" dirty="0"/>
+          </a:p>
+        </p:txBody>
+      </p:sp>
+    </p:spTree>
+    <p:extLst>
+      <p:ext uri="{BB962C8B-B14F-4D97-AF65-F5344CB8AC3E}">
+        <p14:creationId xmlns:p14="http://schemas.microsoft.com/office/powerpoint/2010/main" xmlns="" val="529095658"/>
+      </p:ext>
+    </p:extLst>
+  </p:cSld>
+  <p:clrMapOvr>
+    <a:masterClrMapping/>
+  </p:clrMapOvr>
+  <p:timing>
+    <p:tnLst>
+      <p:par>
+        <p:cTn id="1" dur="indefinite" restart="never" nodeType="tmRoot"/>
+      </p:par>
+    </p:tnLst>
+  </p:timing>
+</p:sld>
+</file>
+
+<file path=ppt/slides/slide21.xml><?xml version="1.0" encoding="utf-8"?>
+<p:sld xmlns:a="http://schemas.openxmlformats.org/drawingml/2006/main" xmlns:r="http://schemas.openxmlformats.org/officeDocument/2006/relationships" xmlns:p="http://schemas.openxmlformats.org/presentationml/2006/main">
+  <p:cSld>
+    <p:spTree>
+      <p:nvGrpSpPr>
+        <p:cNvPr id="1" name=""/>
+        <p:cNvGrpSpPr/>
+        <p:nvPr/>
+      </p:nvGrpSpPr>
+      <p:grpSpPr>
+        <a:xfrm>
+          <a:off x="0" y="0"/>
+          <a:ext cx="0" cy="0"/>
+          <a:chOff x="0" y="0"/>
+          <a:chExt cx="0" cy="0"/>
+        </a:xfrm>
+      </p:grpSpPr>
+      <p:sp>
+        <p:nvSpPr>
+          <p:cNvPr id="2" name="CasellaDiTesto 1"/>
+          <p:cNvSpPr txBox="1"/>
+          <p:nvPr/>
+        </p:nvSpPr>
+        <p:spPr>
+          <a:xfrm>
+            <a:off x="0" y="908720"/>
+            <a:ext cx="9144000" cy="784830"/>
+          </a:xfrm>
+          <a:prstGeom prst="rect">
+            <a:avLst/>
+          </a:prstGeom>
+          <a:noFill/>
+        </p:spPr>
+        <p:txBody>
+          <a:bodyPr wrap="square" rtlCol="0">
+            <a:spAutoFit/>
+          </a:bodyPr>
+          <a:lstStyle/>
+          <a:p>
+            <a:pPr algn="ctr"/>
+            <a:r>
+              <a:rPr lang="it-IT" sz="4500" b="1" dirty="0" smtClean="0"/>
+              <a:t>Tirocinanti </a:t>
+            </a:r>
+            <a:endParaRPr lang="it-IT" sz="4500" b="1" dirty="0"/>
+          </a:p>
+        </p:txBody>
+      </p:sp>
+      <p:sp>
+        <p:nvSpPr>
+          <p:cNvPr id="3" name="CasellaDiTesto 2"/>
+          <p:cNvSpPr txBox="1"/>
+          <p:nvPr/>
+        </p:nvSpPr>
+        <p:spPr>
+          <a:xfrm>
+            <a:off x="288032" y="2132856"/>
+            <a:ext cx="8748464" cy="3108543"/>
+          </a:xfrm>
+          <a:prstGeom prst="rect">
+            <a:avLst/>
+          </a:prstGeom>
+          <a:noFill/>
+        </p:spPr>
+        <p:txBody>
+          <a:bodyPr wrap="square" rtlCol="0">
+            <a:spAutoFit/>
+          </a:bodyPr>
+          <a:lstStyle/>
+          <a:p>
+            <a:r>
+              <a:rPr lang="it-IT" sz="2800" dirty="0"/>
+              <a:t>Questa funzionalità è stata quella che ci ha impegnati maggiormente</a:t>
+            </a:r>
+            <a:r>
+              <a:rPr lang="it-IT" sz="2800" dirty="0" smtClean="0"/>
+              <a:t>.</a:t>
+            </a:r>
+          </a:p>
+          <a:p>
+            <a:endParaRPr lang="it-IT" sz="2800" dirty="0"/>
+          </a:p>
+          <a:p>
+            <a:pPr marL="457200" indent="-457200">
+              <a:buFont typeface="Wingdings" pitchFamily="2" charset="2"/>
+              <a:buChar char="v"/>
+            </a:pPr>
+            <a:r>
+              <a:rPr lang="it-IT" sz="2800" dirty="0" smtClean="0"/>
+              <a:t>6 casi d’uso</a:t>
+            </a:r>
+          </a:p>
+          <a:p>
+            <a:r>
+              <a:rPr lang="it-IT" sz="2800" dirty="0" smtClean="0"/>
+              <a:t>Invece poi……..</a:t>
+            </a:r>
+          </a:p>
+          <a:p>
+            <a:pPr marL="457200" indent="-457200">
+              <a:buFont typeface="Wingdings" pitchFamily="2" charset="2"/>
+              <a:buChar char="v"/>
+            </a:pPr>
+            <a:r>
+              <a:rPr lang="it-IT" sz="2800" dirty="0" smtClean="0"/>
+              <a:t>19 casi d’uso</a:t>
+            </a:r>
+            <a:endParaRPr lang="it-IT" sz="2800" dirty="0"/>
+          </a:p>
+          <a:p>
+            <a:pPr marL="457200" indent="-457200">
+              <a:buFont typeface="Wingdings" pitchFamily="2" charset="2"/>
+              <a:buChar char="v"/>
+            </a:pPr>
+            <a:endParaRPr lang="it-IT" sz="2800" dirty="0"/>
+          </a:p>
+        </p:txBody>
+      </p:sp>
+      <p:pic>
+        <p:nvPicPr>
+          <p:cNvPr id="4" name="Immagine 3"/>
+          <p:cNvPicPr>
+            <a:picLocks noChangeAspect="1"/>
+          </p:cNvPicPr>
+          <p:nvPr/>
+        </p:nvPicPr>
+        <p:blipFill>
+          <a:blip r:embed="rId2" cstate="print">
+            <a:extLst>
+              <a:ext uri="{28A0092B-C50C-407E-A947-70E740481C1C}">
+                <a14:useLocalDpi xmlns:a14="http://schemas.microsoft.com/office/drawing/2010/main" xmlns="" val="0"/>
+              </a:ext>
+            </a:extLst>
+          </a:blip>
+          <a:stretch>
+            <a:fillRect/>
+          </a:stretch>
+        </p:blipFill>
+        <p:spPr>
+          <a:xfrm>
+            <a:off x="4355976" y="3212975"/>
+            <a:ext cx="2160239" cy="2028423"/>
+          </a:xfrm>
+          <a:prstGeom prst="rect">
+            <a:avLst/>
+          </a:prstGeom>
+        </p:spPr>
+      </p:pic>
+    </p:spTree>
+    <p:extLst>
+      <p:ext uri="{BB962C8B-B14F-4D97-AF65-F5344CB8AC3E}">
+        <p14:creationId xmlns:p14="http://schemas.microsoft.com/office/powerpoint/2010/main" xmlns="" val="2537338845"/>
+      </p:ext>
+    </p:extLst>
+  </p:cSld>
+  <p:clrMapOvr>
+    <a:masterClrMapping/>
+  </p:clrMapOvr>
+  <p:timing>
+    <p:tnLst>
+      <p:par>
+        <p:cTn id="1" dur="indefinite" restart="never" nodeType="tmRoot"/>
+      </p:par>
+    </p:tnLst>
+  </p:timing>
+</p:sld>
+</file>
+
+<file path=ppt/slides/slide22.xml><?xml version="1.0" encoding="utf-8"?>
+<p:sld xmlns:a="http://schemas.openxmlformats.org/drawingml/2006/main" xmlns:r="http://schemas.openxmlformats.org/officeDocument/2006/relationships" xmlns:p="http://schemas.openxmlformats.org/presentationml/2006/main">
+  <p:cSld>
+    <p:spTree>
+      <p:nvGrpSpPr>
+        <p:cNvPr id="1" name=""/>
+        <p:cNvGrpSpPr/>
+        <p:nvPr/>
+      </p:nvGrpSpPr>
+      <p:grpSpPr>
+        <a:xfrm>
+          <a:off x="0" y="0"/>
+          <a:ext cx="0" cy="0"/>
+          <a:chOff x="0" y="0"/>
+          <a:chExt cx="0" cy="0"/>
+        </a:xfrm>
+      </p:grpSpPr>
+      <p:sp>
+        <p:nvSpPr>
+          <p:cNvPr id="2" name="CasellaDiTesto 1"/>
+          <p:cNvSpPr txBox="1"/>
+          <p:nvPr/>
+        </p:nvSpPr>
+        <p:spPr>
+          <a:xfrm>
+            <a:off x="0" y="548680"/>
+            <a:ext cx="9144000" cy="646331"/>
+          </a:xfrm>
+          <a:prstGeom prst="rect">
+            <a:avLst/>
+          </a:prstGeom>
+          <a:noFill/>
+        </p:spPr>
+        <p:txBody>
+          <a:bodyPr wrap="square" rtlCol="0">
+            <a:spAutoFit/>
+          </a:bodyPr>
+          <a:lstStyle/>
+          <a:p>
+            <a:pPr algn="ctr"/>
+            <a:r>
+              <a:rPr lang="it-IT" sz="3600" b="1" dirty="0" smtClean="0"/>
+              <a:t>Use Case </a:t>
+            </a:r>
+            <a:r>
+              <a:rPr lang="it-IT" sz="3600" b="1" dirty="0" err="1" smtClean="0"/>
+              <a:t>Diagram</a:t>
+            </a:r>
+            <a:r>
+              <a:rPr lang="it-IT" sz="3600" b="1" dirty="0" smtClean="0"/>
+              <a:t> - RAD 1</a:t>
+            </a:r>
+            <a:endParaRPr lang="it-IT" sz="3600" b="1" dirty="0"/>
+          </a:p>
+        </p:txBody>
+      </p:sp>
+      <p:pic>
+        <p:nvPicPr>
+          <p:cNvPr id="3" name="Immagine 2"/>
+          <p:cNvPicPr>
+            <a:picLocks noChangeAspect="1"/>
+          </p:cNvPicPr>
+          <p:nvPr/>
+        </p:nvPicPr>
+        <p:blipFill>
+          <a:blip r:embed="rId2" cstate="print">
+            <a:extLst>
+              <a:ext uri="{28A0092B-C50C-407E-A947-70E740481C1C}">
+                <a14:useLocalDpi xmlns:a14="http://schemas.microsoft.com/office/drawing/2010/main" xmlns="" val="0"/>
+              </a:ext>
+            </a:extLst>
+          </a:blip>
+          <a:stretch>
+            <a:fillRect/>
+          </a:stretch>
+        </p:blipFill>
+        <p:spPr>
+          <a:xfrm>
+            <a:off x="1125828" y="1481394"/>
+            <a:ext cx="6954221" cy="4020111"/>
+          </a:xfrm>
+          <a:prstGeom prst="rect">
+            <a:avLst/>
+          </a:prstGeom>
+        </p:spPr>
+      </p:pic>
+      <p:sp>
+        <p:nvSpPr>
+          <p:cNvPr id="5" name="CasellaDiTesto 4"/>
+          <p:cNvSpPr txBox="1"/>
+          <p:nvPr/>
+        </p:nvSpPr>
+        <p:spPr>
+          <a:xfrm>
+            <a:off x="2555776" y="5085184"/>
+            <a:ext cx="3600400" cy="369332"/>
+          </a:xfrm>
+          <a:prstGeom prst="rect">
+            <a:avLst/>
+          </a:prstGeom>
+          <a:noFill/>
+        </p:spPr>
+        <p:txBody>
+          <a:bodyPr wrap="square" rtlCol="0">
+            <a:spAutoFit/>
+          </a:bodyPr>
+          <a:lstStyle/>
+          <a:p>
+            <a:pPr algn="ctr"/>
+            <a:r>
+              <a:rPr lang="it-IT" dirty="0" err="1" smtClean="0"/>
+              <a:t>UCD_Tirocinanti</a:t>
+            </a:r>
+            <a:r>
+              <a:rPr lang="it-IT" dirty="0" smtClean="0"/>
+              <a:t> 1</a:t>
+            </a:r>
+            <a:endParaRPr lang="it-IT" dirty="0"/>
+          </a:p>
+        </p:txBody>
+      </p:sp>
+    </p:spTree>
+    <p:extLst>
+      <p:ext uri="{BB962C8B-B14F-4D97-AF65-F5344CB8AC3E}">
+        <p14:creationId xmlns:p14="http://schemas.microsoft.com/office/powerpoint/2010/main" xmlns="" val="422123805"/>
+      </p:ext>
+    </p:extLst>
+  </p:cSld>
+  <p:clrMapOvr>
+    <a:masterClrMapping/>
+  </p:clrMapOvr>
+  <p:timing>
+    <p:tnLst>
+      <p:par>
+        <p:cTn id="1" dur="indefinite" restart="never" nodeType="tmRoot"/>
+      </p:par>
+    </p:tnLst>
+  </p:timing>
+</p:sld>
+</file>
+
+<file path=ppt/slides/slide23.xml><?xml version="1.0" encoding="utf-8"?>
+<p:sld xmlns:a="http://schemas.openxmlformats.org/drawingml/2006/main" xmlns:r="http://schemas.openxmlformats.org/officeDocument/2006/relationships" xmlns:p="http://schemas.openxmlformats.org/presentationml/2006/main">
+  <p:cSld>
+    <p:spTree>
+      <p:nvGrpSpPr>
+        <p:cNvPr id="1" name=""/>
+        <p:cNvGrpSpPr/>
+        <p:nvPr/>
+      </p:nvGrpSpPr>
+      <p:grpSpPr>
+        <a:xfrm>
+          <a:off x="0" y="0"/>
+          <a:ext cx="0" cy="0"/>
+          <a:chOff x="0" y="0"/>
+          <a:chExt cx="0" cy="0"/>
+        </a:xfrm>
+      </p:grpSpPr>
+      <p:sp>
+        <p:nvSpPr>
+          <p:cNvPr id="2" name="CasellaDiTesto 1"/>
+          <p:cNvSpPr txBox="1"/>
+          <p:nvPr/>
+        </p:nvSpPr>
+        <p:spPr>
+          <a:xfrm>
+            <a:off x="0" y="908720"/>
+            <a:ext cx="9144000" cy="984885"/>
+          </a:xfrm>
+          <a:prstGeom prst="rect">
+            <a:avLst/>
+          </a:prstGeom>
+          <a:noFill/>
+        </p:spPr>
+        <p:txBody>
+          <a:bodyPr wrap="square" rtlCol="0">
+            <a:spAutoFit/>
+          </a:bodyPr>
+          <a:lstStyle/>
+          <a:p>
+            <a:pPr algn="ctr"/>
+            <a:r>
+              <a:rPr lang="it-IT" sz="4000" b="1" dirty="0" smtClean="0"/>
+              <a:t>Use Case </a:t>
+            </a:r>
+            <a:r>
+              <a:rPr lang="it-IT" sz="4000" b="1" dirty="0" err="1" smtClean="0"/>
+              <a:t>Diagram</a:t>
+            </a:r>
+            <a:r>
+              <a:rPr lang="it-IT" sz="4000" b="1" dirty="0" smtClean="0"/>
+              <a:t> 1 – RAD 4.0</a:t>
+            </a:r>
+            <a:endParaRPr lang="it-IT" sz="4000" dirty="0"/>
+          </a:p>
+          <a:p>
+            <a:endParaRPr lang="it-IT" dirty="0"/>
+          </a:p>
+        </p:txBody>
+      </p:sp>
+      <p:sp>
+        <p:nvSpPr>
+          <p:cNvPr id="5" name="CasellaDiTesto 4"/>
+          <p:cNvSpPr txBox="1"/>
+          <p:nvPr/>
+        </p:nvSpPr>
+        <p:spPr>
+          <a:xfrm>
+            <a:off x="539552" y="5589240"/>
+            <a:ext cx="7848872" cy="369332"/>
+          </a:xfrm>
+          <a:prstGeom prst="rect">
+            <a:avLst/>
+          </a:prstGeom>
+          <a:noFill/>
+        </p:spPr>
+        <p:txBody>
+          <a:bodyPr wrap="square" rtlCol="0">
+            <a:spAutoFit/>
+          </a:bodyPr>
+          <a:lstStyle/>
+          <a:p>
+            <a:pPr algn="ctr"/>
+            <a:r>
+              <a:rPr lang="it-IT" dirty="0" err="1"/>
+              <a:t>UCD_Tirocinanti_Registro</a:t>
+            </a:r>
+            <a:endParaRPr lang="it-IT" dirty="0"/>
+          </a:p>
+        </p:txBody>
+      </p:sp>
+      <p:pic>
+        <p:nvPicPr>
+          <p:cNvPr id="6" name="Immagine 5"/>
+          <p:cNvPicPr>
+            <a:picLocks noChangeAspect="1"/>
+          </p:cNvPicPr>
+          <p:nvPr/>
+        </p:nvPicPr>
+        <p:blipFill>
+          <a:blip r:embed="rId2" cstate="print">
+            <a:extLst>
+              <a:ext uri="{28A0092B-C50C-407E-A947-70E740481C1C}">
+                <a14:useLocalDpi xmlns:a14="http://schemas.microsoft.com/office/drawing/2010/main" xmlns="" val="0"/>
+              </a:ext>
+            </a:extLst>
+          </a:blip>
+          <a:stretch>
+            <a:fillRect/>
+          </a:stretch>
+        </p:blipFill>
+        <p:spPr>
+          <a:xfrm>
+            <a:off x="267639" y="1579568"/>
+            <a:ext cx="8392697" cy="4379004"/>
+          </a:xfrm>
+          <a:prstGeom prst="rect">
+            <a:avLst/>
+          </a:prstGeom>
+        </p:spPr>
+      </p:pic>
+      <p:sp>
+        <p:nvSpPr>
+          <p:cNvPr id="7" name="CasellaDiTesto 6"/>
+          <p:cNvSpPr txBox="1"/>
+          <p:nvPr/>
+        </p:nvSpPr>
+        <p:spPr>
+          <a:xfrm>
+            <a:off x="1547664" y="5958572"/>
+            <a:ext cx="5040560" cy="369332"/>
+          </a:xfrm>
+          <a:prstGeom prst="rect">
+            <a:avLst/>
+          </a:prstGeom>
+          <a:noFill/>
+        </p:spPr>
+        <p:txBody>
+          <a:bodyPr wrap="square" rtlCol="0">
+            <a:spAutoFit/>
+          </a:bodyPr>
+          <a:lstStyle/>
+          <a:p>
+            <a:pPr algn="ctr"/>
+            <a:r>
+              <a:rPr lang="it-IT" dirty="0" err="1" smtClean="0"/>
+              <a:t>UCD_Tirocinanti</a:t>
+            </a:r>
+            <a:r>
+              <a:rPr lang="it-IT" dirty="0" smtClean="0"/>
+              <a:t> 1</a:t>
+            </a:r>
+          </a:p>
+        </p:txBody>
+      </p:sp>
+    </p:spTree>
+    <p:extLst>
+      <p:ext uri="{BB962C8B-B14F-4D97-AF65-F5344CB8AC3E}">
+        <p14:creationId xmlns:p14="http://schemas.microsoft.com/office/powerpoint/2010/main" xmlns="" val="247169405"/>
+      </p:ext>
+    </p:extLst>
+  </p:cSld>
+  <p:clrMapOvr>
+    <a:masterClrMapping/>
+  </p:clrMapOvr>
+  <p:timing>
+    <p:tnLst>
+      <p:par>
+        <p:cTn id="1" dur="indefinite" restart="never" nodeType="tmRoot"/>
+      </p:par>
+    </p:tnLst>
+  </p:timing>
+</p:sld>
+</file>
+
+<file path=ppt/slides/slide24.xml><?xml version="1.0" encoding="utf-8"?>
+<p:sld xmlns:a="http://schemas.openxmlformats.org/drawingml/2006/main" xmlns:r="http://schemas.openxmlformats.org/officeDocument/2006/relationships" xmlns:p="http://schemas.openxmlformats.org/presentationml/2006/main">
+  <p:cSld>
+    <p:spTree>
+      <p:nvGrpSpPr>
+        <p:cNvPr id="1" name=""/>
+        <p:cNvGrpSpPr/>
+        <p:nvPr/>
+      </p:nvGrpSpPr>
+      <p:grpSpPr>
+        <a:xfrm>
+          <a:off x="0" y="0"/>
+          <a:ext cx="0" cy="0"/>
+          <a:chOff x="0" y="0"/>
+          <a:chExt cx="0" cy="0"/>
+        </a:xfrm>
+      </p:grpSpPr>
+      <p:sp>
+        <p:nvSpPr>
+          <p:cNvPr id="3" name="CasellaDiTesto 2"/>
+          <p:cNvSpPr txBox="1"/>
+          <p:nvPr/>
+        </p:nvSpPr>
+        <p:spPr>
+          <a:xfrm>
+            <a:off x="0" y="1052736"/>
+            <a:ext cx="9144000" cy="707886"/>
+          </a:xfrm>
+          <a:prstGeom prst="rect">
+            <a:avLst/>
+          </a:prstGeom>
+          <a:noFill/>
+        </p:spPr>
+        <p:txBody>
+          <a:bodyPr wrap="square" rtlCol="0">
+            <a:spAutoFit/>
+          </a:bodyPr>
+          <a:lstStyle/>
+          <a:p>
+            <a:pPr algn="ctr"/>
+            <a:r>
+              <a:rPr lang="it-IT" sz="4000" b="1" dirty="0" smtClean="0"/>
+              <a:t>Use Case </a:t>
+            </a:r>
+            <a:r>
+              <a:rPr lang="it-IT" sz="4000" b="1" dirty="0" err="1" smtClean="0"/>
+              <a:t>Diagram</a:t>
+            </a:r>
+            <a:r>
+              <a:rPr lang="it-IT" sz="4000" b="1" dirty="0" smtClean="0"/>
+              <a:t> 2 – RAD 4.0</a:t>
+            </a:r>
+            <a:endParaRPr lang="it-IT" sz="4000" b="1" dirty="0"/>
+          </a:p>
+        </p:txBody>
+      </p:sp>
+      <p:pic>
+        <p:nvPicPr>
+          <p:cNvPr id="4" name="Immagine 3"/>
+          <p:cNvPicPr>
+            <a:picLocks noChangeAspect="1"/>
+          </p:cNvPicPr>
+          <p:nvPr/>
+        </p:nvPicPr>
+        <p:blipFill>
+          <a:blip r:embed="rId2" cstate="print">
+            <a:extLst>
+              <a:ext uri="{28A0092B-C50C-407E-A947-70E740481C1C}">
+                <a14:useLocalDpi xmlns:a14="http://schemas.microsoft.com/office/drawing/2010/main" xmlns="" val="0"/>
+              </a:ext>
+            </a:extLst>
+          </a:blip>
+          <a:stretch>
+            <a:fillRect/>
+          </a:stretch>
+        </p:blipFill>
+        <p:spPr>
+          <a:xfrm>
+            <a:off x="539552" y="1628801"/>
+            <a:ext cx="8278381" cy="4752528"/>
+          </a:xfrm>
+          <a:prstGeom prst="rect">
+            <a:avLst/>
+          </a:prstGeom>
+        </p:spPr>
+      </p:pic>
+      <p:sp>
+        <p:nvSpPr>
+          <p:cNvPr id="5" name="CasellaDiTesto 4"/>
+          <p:cNvSpPr txBox="1"/>
+          <p:nvPr/>
+        </p:nvSpPr>
+        <p:spPr>
+          <a:xfrm>
+            <a:off x="1475656" y="6165304"/>
+            <a:ext cx="6048672" cy="369332"/>
+          </a:xfrm>
+          <a:prstGeom prst="rect">
+            <a:avLst/>
+          </a:prstGeom>
+          <a:noFill/>
+        </p:spPr>
+        <p:txBody>
+          <a:bodyPr wrap="square" rtlCol="0">
+            <a:spAutoFit/>
+          </a:bodyPr>
+          <a:lstStyle/>
+          <a:p>
+            <a:pPr algn="ctr"/>
+            <a:r>
+              <a:rPr lang="it-IT" dirty="0" err="1" smtClean="0"/>
+              <a:t>UCD_Tirocinanti</a:t>
+            </a:r>
+            <a:r>
+              <a:rPr lang="it-IT" dirty="0" smtClean="0"/>
+              <a:t> 2</a:t>
+            </a:r>
+            <a:endParaRPr lang="it-IT" dirty="0"/>
+          </a:p>
+        </p:txBody>
+      </p:sp>
+    </p:spTree>
+    <p:extLst>
+      <p:ext uri="{BB962C8B-B14F-4D97-AF65-F5344CB8AC3E}">
+        <p14:creationId xmlns:p14="http://schemas.microsoft.com/office/powerpoint/2010/main" xmlns="" val="1376204328"/>
+      </p:ext>
+    </p:extLst>
+  </p:cSld>
+  <p:clrMapOvr>
+    <a:masterClrMapping/>
+  </p:clrMapOvr>
+  <p:timing>
+    <p:tnLst>
+      <p:par>
+        <p:cTn id="1" dur="indefinite" restart="never" nodeType="tmRoot"/>
+      </p:par>
+    </p:tnLst>
+  </p:timing>
+</p:sld>
+</file>
+
+<file path=ppt/slides/slide25.xml><?xml version="1.0" encoding="utf-8"?>
+<p:sld xmlns:a="http://schemas.openxmlformats.org/drawingml/2006/main" xmlns:r="http://schemas.openxmlformats.org/officeDocument/2006/relationships" xmlns:p="http://schemas.openxmlformats.org/presentationml/2006/main">
+  <p:cSld>
+    <p:spTree>
+      <p:nvGrpSpPr>
+        <p:cNvPr id="1" name=""/>
+        <p:cNvGrpSpPr/>
+        <p:nvPr/>
+      </p:nvGrpSpPr>
+      <p:grpSpPr>
+        <a:xfrm>
+          <a:off x="0" y="0"/>
+          <a:ext cx="0" cy="0"/>
+          <a:chOff x="0" y="0"/>
+          <a:chExt cx="0" cy="0"/>
+        </a:xfrm>
+      </p:grpSpPr>
+      <p:sp>
+        <p:nvSpPr>
+          <p:cNvPr id="2" name="CasellaDiTesto 1"/>
+          <p:cNvSpPr txBox="1"/>
+          <p:nvPr/>
+        </p:nvSpPr>
+        <p:spPr>
+          <a:xfrm>
+            <a:off x="0" y="692696"/>
+            <a:ext cx="9144000" cy="707886"/>
+          </a:xfrm>
+          <a:prstGeom prst="rect">
+            <a:avLst/>
+          </a:prstGeom>
+          <a:noFill/>
+        </p:spPr>
+        <p:txBody>
+          <a:bodyPr wrap="square" rtlCol="0">
+            <a:spAutoFit/>
+          </a:bodyPr>
+          <a:lstStyle/>
+          <a:p>
+            <a:pPr algn="ctr"/>
+            <a:r>
+              <a:rPr lang="it-IT" sz="4000" b="1" dirty="0" smtClean="0"/>
+              <a:t>Use Case </a:t>
+            </a:r>
+            <a:r>
+              <a:rPr lang="it-IT" sz="4000" b="1" dirty="0" err="1" smtClean="0"/>
+              <a:t>Diagram</a:t>
+            </a:r>
+            <a:r>
+              <a:rPr lang="it-IT" sz="4000" b="1" smtClean="0"/>
+              <a:t> 3 – RAD 4.0</a:t>
+            </a:r>
+            <a:endParaRPr lang="it-IT" sz="4000" b="1" dirty="0"/>
+          </a:p>
+        </p:txBody>
+      </p:sp>
+      <p:pic>
+        <p:nvPicPr>
+          <p:cNvPr id="3" name="Immagine 2"/>
+          <p:cNvPicPr>
+            <a:picLocks noChangeAspect="1"/>
+          </p:cNvPicPr>
+          <p:nvPr/>
+        </p:nvPicPr>
+        <p:blipFill>
+          <a:blip r:embed="rId2" cstate="print">
+            <a:extLst>
+              <a:ext uri="{28A0092B-C50C-407E-A947-70E740481C1C}">
+                <a14:useLocalDpi xmlns:a14="http://schemas.microsoft.com/office/drawing/2010/main" xmlns="" val="0"/>
+              </a:ext>
+            </a:extLst>
+          </a:blip>
+          <a:stretch>
+            <a:fillRect/>
+          </a:stretch>
+        </p:blipFill>
+        <p:spPr>
+          <a:xfrm>
+            <a:off x="0" y="1400582"/>
+            <a:ext cx="9144000" cy="4764722"/>
+          </a:xfrm>
+          <a:prstGeom prst="rect">
+            <a:avLst/>
+          </a:prstGeom>
+        </p:spPr>
+      </p:pic>
+      <p:sp>
+        <p:nvSpPr>
+          <p:cNvPr id="4" name="CasellaDiTesto 3"/>
+          <p:cNvSpPr txBox="1"/>
+          <p:nvPr/>
+        </p:nvSpPr>
+        <p:spPr>
+          <a:xfrm>
+            <a:off x="1979712" y="6165304"/>
+            <a:ext cx="5976664" cy="646331"/>
+          </a:xfrm>
+          <a:prstGeom prst="rect">
+            <a:avLst/>
+          </a:prstGeom>
+          <a:noFill/>
+        </p:spPr>
+        <p:txBody>
+          <a:bodyPr wrap="square" rtlCol="0">
+            <a:spAutoFit/>
+          </a:bodyPr>
+          <a:lstStyle/>
+          <a:p>
+            <a:pPr algn="ctr"/>
+            <a:r>
+              <a:rPr lang="it-IT" dirty="0" err="1" smtClean="0"/>
+              <a:t>UCD_Tirocinanti</a:t>
+            </a:r>
+            <a:r>
+              <a:rPr lang="it-IT" dirty="0" smtClean="0"/>
+              <a:t> 3</a:t>
+            </a:r>
+          </a:p>
+          <a:p>
+            <a:pPr algn="ctr"/>
+            <a:endParaRPr lang="it-IT" dirty="0"/>
+          </a:p>
+        </p:txBody>
+      </p:sp>
+    </p:spTree>
+    <p:extLst>
+      <p:ext uri="{BB962C8B-B14F-4D97-AF65-F5344CB8AC3E}">
+        <p14:creationId xmlns:p14="http://schemas.microsoft.com/office/powerpoint/2010/main" xmlns="" val="1545582615"/>
+      </p:ext>
+    </p:extLst>
+  </p:cSld>
+  <p:clrMapOvr>
+    <a:masterClrMapping/>
+  </p:clrMapOvr>
+  <p:timing>
+    <p:tnLst>
+      <p:par>
+        <p:cTn id="1" dur="indefinite" restart="never" nodeType="tmRoot"/>
+      </p:par>
+    </p:tnLst>
+  </p:timing>
+</p:sld>
+</file>
+
+<file path=ppt/slides/slide26.xml><?xml version="1.0" encoding="utf-8"?>
+<p:sld xmlns:a="http://schemas.openxmlformats.org/drawingml/2006/main" xmlns:r="http://schemas.openxmlformats.org/officeDocument/2006/relationships" xmlns:p="http://schemas.openxmlformats.org/presentationml/2006/main">
+  <p:cSld>
+    <p:spTree>
+      <p:nvGrpSpPr>
+        <p:cNvPr id="1" name=""/>
+        <p:cNvGrpSpPr/>
+        <p:nvPr/>
+      </p:nvGrpSpPr>
+      <p:grpSpPr>
+        <a:xfrm>
+          <a:off x="0" y="0"/>
+          <a:ext cx="0" cy="0"/>
+          <a:chOff x="0" y="0"/>
+          <a:chExt cx="0" cy="0"/>
+        </a:xfrm>
+      </p:grpSpPr>
+      <p:sp>
+        <p:nvSpPr>
+          <p:cNvPr id="2" name="CasellaDiTesto 1"/>
+          <p:cNvSpPr txBox="1"/>
+          <p:nvPr/>
+        </p:nvSpPr>
+        <p:spPr>
+          <a:xfrm>
+            <a:off x="-72008" y="548680"/>
+            <a:ext cx="9144000" cy="707886"/>
+          </a:xfrm>
+          <a:prstGeom prst="rect">
+            <a:avLst/>
+          </a:prstGeom>
+          <a:noFill/>
+        </p:spPr>
+        <p:txBody>
+          <a:bodyPr wrap="square" rtlCol="0">
+            <a:spAutoFit/>
+          </a:bodyPr>
+          <a:lstStyle/>
+          <a:p>
+            <a:pPr algn="ctr"/>
+            <a:r>
+              <a:rPr lang="it-IT" sz="3600" b="1" dirty="0" smtClean="0"/>
+              <a:t>Use </a:t>
+            </a:r>
+            <a:r>
+              <a:rPr lang="it-IT" sz="4000" b="1" dirty="0" smtClean="0"/>
+              <a:t>Case</a:t>
+            </a:r>
+            <a:r>
+              <a:rPr lang="it-IT" sz="3600" b="1" dirty="0" smtClean="0"/>
+              <a:t> del sistema – RAD 4.0</a:t>
+            </a:r>
+            <a:endParaRPr lang="it-IT" sz="3600" b="1" dirty="0"/>
+          </a:p>
+        </p:txBody>
+      </p:sp>
+      <p:pic>
+        <p:nvPicPr>
+          <p:cNvPr id="3" name="Immagine 2"/>
+          <p:cNvPicPr>
+            <a:picLocks noChangeAspect="1"/>
+          </p:cNvPicPr>
+          <p:nvPr/>
+        </p:nvPicPr>
+        <p:blipFill>
+          <a:blip r:embed="rId2" cstate="print">
+            <a:extLst>
+              <a:ext uri="{28A0092B-C50C-407E-A947-70E740481C1C}">
+                <a14:useLocalDpi xmlns:a14="http://schemas.microsoft.com/office/drawing/2010/main" xmlns="" val="0"/>
+              </a:ext>
+            </a:extLst>
+          </a:blip>
+          <a:stretch>
+            <a:fillRect/>
+          </a:stretch>
+        </p:blipFill>
+        <p:spPr>
+          <a:xfrm>
+            <a:off x="971600" y="1195011"/>
+            <a:ext cx="7056784" cy="3886807"/>
+          </a:xfrm>
+          <a:prstGeom prst="rect">
+            <a:avLst/>
+          </a:prstGeom>
+        </p:spPr>
+      </p:pic>
+    </p:spTree>
+    <p:extLst>
+      <p:ext uri="{BB962C8B-B14F-4D97-AF65-F5344CB8AC3E}">
+        <p14:creationId xmlns:p14="http://schemas.microsoft.com/office/powerpoint/2010/main" xmlns="" val="1296864160"/>
+      </p:ext>
+    </p:extLst>
+  </p:cSld>
+  <p:clrMapOvr>
+    <a:masterClrMapping/>
+  </p:clrMapOvr>
+  <p:timing>
+    <p:tnLst>
+      <p:par>
+        <p:cTn id="1" dur="indefinite" restart="never" nodeType="tmRoot"/>
+      </p:par>
+    </p:tnLst>
+  </p:timing>
+</p:sld>
+</file>
+
+<file path=ppt/slides/slide27.xml><?xml version="1.0" encoding="utf-8"?>
+<p:sld xmlns:a="http://schemas.openxmlformats.org/drawingml/2006/main" xmlns:r="http://schemas.openxmlformats.org/officeDocument/2006/relationships" xmlns:p="http://schemas.openxmlformats.org/presentationml/2006/main">
+  <p:cSld>
+    <p:spTree>
+      <p:nvGrpSpPr>
+        <p:cNvPr id="1" name=""/>
+        <p:cNvGrpSpPr/>
+        <p:nvPr/>
+      </p:nvGrpSpPr>
+      <p:grpSpPr>
+        <a:xfrm>
+          <a:off x="0" y="0"/>
+          <a:ext cx="0" cy="0"/>
+          <a:chOff x="0" y="0"/>
+          <a:chExt cx="0" cy="0"/>
+        </a:xfrm>
+      </p:grpSpPr>
+      <p:sp>
+        <p:nvSpPr>
+          <p:cNvPr id="2" name="CasellaDiTesto 1"/>
+          <p:cNvSpPr txBox="1"/>
+          <p:nvPr/>
+        </p:nvSpPr>
+        <p:spPr>
+          <a:xfrm>
+            <a:off x="0" y="620688"/>
+            <a:ext cx="9144000" cy="707886"/>
+          </a:xfrm>
+          <a:prstGeom prst="rect">
+            <a:avLst/>
+          </a:prstGeom>
+          <a:noFill/>
+        </p:spPr>
+        <p:txBody>
+          <a:bodyPr wrap="square" rtlCol="0">
+            <a:spAutoFit/>
+          </a:bodyPr>
+          <a:lstStyle/>
+          <a:p>
+            <a:pPr algn="ctr"/>
+            <a:r>
+              <a:rPr lang="it-IT" sz="4000" dirty="0" smtClean="0"/>
+              <a:t>Es. </a:t>
+            </a:r>
+            <a:r>
+              <a:rPr lang="it-IT" sz="4000" dirty="0" err="1" smtClean="0"/>
+              <a:t>Mockups</a:t>
+            </a:r>
+            <a:endParaRPr lang="it-IT" sz="4000" dirty="0"/>
+          </a:p>
+        </p:txBody>
+      </p:sp>
+      <p:pic>
+        <p:nvPicPr>
+          <p:cNvPr id="3" name="Immagine 2"/>
+          <p:cNvPicPr>
+            <a:picLocks noChangeAspect="1"/>
+          </p:cNvPicPr>
+          <p:nvPr/>
+        </p:nvPicPr>
+        <p:blipFill>
+          <a:blip r:embed="rId2" cstate="print">
+            <a:extLst>
+              <a:ext uri="{28A0092B-C50C-407E-A947-70E740481C1C}">
+                <a14:useLocalDpi xmlns:a14="http://schemas.microsoft.com/office/drawing/2010/main" xmlns="" val="0"/>
+              </a:ext>
+            </a:extLst>
+          </a:blip>
+          <a:stretch>
+            <a:fillRect/>
+          </a:stretch>
+        </p:blipFill>
+        <p:spPr>
+          <a:xfrm>
+            <a:off x="0" y="1887402"/>
+            <a:ext cx="9144000" cy="3083196"/>
+          </a:xfrm>
+          <a:prstGeom prst="rect">
+            <a:avLst/>
+          </a:prstGeom>
+        </p:spPr>
+      </p:pic>
+      <p:sp>
+        <p:nvSpPr>
+          <p:cNvPr id="4" name="CasellaDiTesto 3"/>
+          <p:cNvSpPr txBox="1"/>
+          <p:nvPr/>
+        </p:nvSpPr>
+        <p:spPr>
+          <a:xfrm>
+            <a:off x="161764" y="4970598"/>
+            <a:ext cx="8820472" cy="369332"/>
+          </a:xfrm>
+          <a:prstGeom prst="rect">
+            <a:avLst/>
+          </a:prstGeom>
+          <a:noFill/>
+        </p:spPr>
+        <p:txBody>
+          <a:bodyPr wrap="square" rtlCol="0">
+            <a:spAutoFit/>
+          </a:bodyPr>
+          <a:lstStyle/>
+          <a:p>
+            <a:pPr algn="ctr"/>
+            <a:r>
+              <a:rPr lang="it-IT" i="1" dirty="0" smtClean="0"/>
+              <a:t>MKUP_M_31-32-33-34-35_Registro </a:t>
+            </a:r>
+            <a:r>
+              <a:rPr lang="it-IT" i="1" dirty="0"/>
+              <a:t>Tirocinanti</a:t>
+            </a:r>
+          </a:p>
+        </p:txBody>
+      </p:sp>
+    </p:spTree>
+    <p:extLst>
+      <p:ext uri="{BB962C8B-B14F-4D97-AF65-F5344CB8AC3E}">
+        <p14:creationId xmlns:p14="http://schemas.microsoft.com/office/powerpoint/2010/main" xmlns="" val="518928479"/>
+      </p:ext>
+    </p:extLst>
+  </p:cSld>
+  <p:clrMapOvr>
+    <a:masterClrMapping/>
+  </p:clrMapOvr>
+  <p:timing>
+    <p:tnLst>
+      <p:par>
+        <p:cTn id="1" dur="indefinite" restart="never" nodeType="tmRoot"/>
+      </p:par>
+    </p:tnLst>
+  </p:timing>
+</p:sld>
+</file>
+
+<file path=ppt/slides/slide28.xml><?xml version="1.0" encoding="utf-8"?>
+<p:sld xmlns:a="http://schemas.openxmlformats.org/drawingml/2006/main" xmlns:r="http://schemas.openxmlformats.org/officeDocument/2006/relationships" xmlns:p="http://schemas.openxmlformats.org/presentationml/2006/main">
+  <p:cSld>
+    <p:spTree>
+      <p:nvGrpSpPr>
+        <p:cNvPr id="1" name=""/>
+        <p:cNvGrpSpPr/>
+        <p:nvPr/>
+      </p:nvGrpSpPr>
+      <p:grpSpPr>
+        <a:xfrm>
+          <a:off x="0" y="0"/>
+          <a:ext cx="0" cy="0"/>
+          <a:chOff x="0" y="0"/>
+          <a:chExt cx="0" cy="0"/>
+        </a:xfrm>
+      </p:grpSpPr>
+      <p:sp>
+        <p:nvSpPr>
+          <p:cNvPr id="2" name="CasellaDiTesto 1"/>
+          <p:cNvSpPr txBox="1"/>
+          <p:nvPr/>
+        </p:nvSpPr>
+        <p:spPr>
+          <a:xfrm>
+            <a:off x="-108520" y="836712"/>
+            <a:ext cx="9252520" cy="1323439"/>
+          </a:xfrm>
+          <a:prstGeom prst="rect">
+            <a:avLst/>
+          </a:prstGeom>
+          <a:noFill/>
+        </p:spPr>
+        <p:txBody>
+          <a:bodyPr wrap="square" rtlCol="0">
+            <a:spAutoFit/>
+          </a:bodyPr>
+          <a:lstStyle/>
+          <a:p>
+            <a:pPr algn="ctr"/>
+            <a:r>
+              <a:rPr lang="it-IT" sz="4000" b="1" dirty="0"/>
+              <a:t>Use Case del sistema – RAD 4.0</a:t>
+            </a:r>
+          </a:p>
+          <a:p>
+            <a:pPr algn="ctr"/>
+            <a:endParaRPr lang="it-IT" sz="4000" dirty="0"/>
+          </a:p>
+        </p:txBody>
+      </p:sp>
+      <p:pic>
+        <p:nvPicPr>
+          <p:cNvPr id="4" name="Immagine 3"/>
+          <p:cNvPicPr>
+            <a:picLocks noChangeAspect="1"/>
+          </p:cNvPicPr>
+          <p:nvPr/>
+        </p:nvPicPr>
+        <p:blipFill>
+          <a:blip r:embed="rId2" cstate="print">
+            <a:extLst>
+              <a:ext uri="{28A0092B-C50C-407E-A947-70E740481C1C}">
+                <a14:useLocalDpi xmlns:a14="http://schemas.microsoft.com/office/drawing/2010/main" xmlns="" val="0"/>
+              </a:ext>
+            </a:extLst>
+          </a:blip>
+          <a:stretch>
+            <a:fillRect/>
+          </a:stretch>
+        </p:blipFill>
+        <p:spPr>
+          <a:xfrm>
+            <a:off x="899593" y="1700808"/>
+            <a:ext cx="7056784" cy="4363059"/>
+          </a:xfrm>
+          <a:prstGeom prst="rect">
+            <a:avLst/>
+          </a:prstGeom>
+        </p:spPr>
+      </p:pic>
+    </p:spTree>
+    <p:extLst>
+      <p:ext uri="{BB962C8B-B14F-4D97-AF65-F5344CB8AC3E}">
+        <p14:creationId xmlns:p14="http://schemas.microsoft.com/office/powerpoint/2010/main" xmlns="" val="4136420094"/>
+      </p:ext>
+    </p:extLst>
+  </p:cSld>
+  <p:clrMapOvr>
+    <a:masterClrMapping/>
+  </p:clrMapOvr>
+  <p:timing>
+    <p:tnLst>
+      <p:par>
+        <p:cTn id="1" dur="indefinite" restart="never" nodeType="tmRoot"/>
+      </p:par>
+    </p:tnLst>
+  </p:timing>
+</p:sld>
+</file>
+
+<file path=ppt/slides/slide29.xml><?xml version="1.0" encoding="utf-8"?>
+<p:sld xmlns:a="http://schemas.openxmlformats.org/drawingml/2006/main" xmlns:r="http://schemas.openxmlformats.org/officeDocument/2006/relationships" xmlns:p="http://schemas.openxmlformats.org/presentationml/2006/main">
+  <p:cSld>
+    <p:spTree>
+      <p:nvGrpSpPr>
+        <p:cNvPr id="1" name=""/>
+        <p:cNvGrpSpPr/>
+        <p:nvPr/>
+      </p:nvGrpSpPr>
+      <p:grpSpPr>
+        <a:xfrm>
+          <a:off x="0" y="0"/>
+          <a:ext cx="0" cy="0"/>
+          <a:chOff x="0" y="0"/>
+          <a:chExt cx="0" cy="0"/>
+        </a:xfrm>
+      </p:grpSpPr>
+      <p:sp>
+        <p:nvSpPr>
+          <p:cNvPr id="2" name="CasellaDiTesto 1"/>
+          <p:cNvSpPr txBox="1"/>
+          <p:nvPr/>
+        </p:nvSpPr>
+        <p:spPr>
+          <a:xfrm>
+            <a:off x="0" y="764704"/>
+            <a:ext cx="9144000" cy="707886"/>
+          </a:xfrm>
+          <a:prstGeom prst="rect">
+            <a:avLst/>
+          </a:prstGeom>
+          <a:noFill/>
+        </p:spPr>
+        <p:txBody>
+          <a:bodyPr wrap="square" rtlCol="0">
+            <a:spAutoFit/>
+          </a:bodyPr>
+          <a:lstStyle/>
+          <a:p>
+            <a:pPr algn="ctr"/>
+            <a:r>
+              <a:rPr lang="it-IT" sz="4000" b="1" dirty="0" err="1" smtClean="0"/>
+              <a:t>Sequence</a:t>
+            </a:r>
+            <a:r>
+              <a:rPr lang="it-IT" sz="4000" b="1" dirty="0" smtClean="0"/>
+              <a:t> </a:t>
+            </a:r>
+            <a:r>
+              <a:rPr lang="it-IT" sz="4000" b="1" dirty="0" err="1" smtClean="0"/>
+              <a:t>Diagram</a:t>
+            </a:r>
+            <a:endParaRPr lang="it-IT" sz="4000" b="1" dirty="0"/>
+          </a:p>
+        </p:txBody>
+      </p:sp>
+      <p:pic>
+        <p:nvPicPr>
+          <p:cNvPr id="3" name="Immagine 2"/>
+          <p:cNvPicPr>
+            <a:picLocks noChangeAspect="1"/>
+          </p:cNvPicPr>
+          <p:nvPr/>
+        </p:nvPicPr>
+        <p:blipFill>
+          <a:blip r:embed="rId2" cstate="print">
+            <a:extLst>
+              <a:ext uri="{28A0092B-C50C-407E-A947-70E740481C1C}">
+                <a14:useLocalDpi xmlns:a14="http://schemas.microsoft.com/office/drawing/2010/main" xmlns="" val="0"/>
+              </a:ext>
+            </a:extLst>
+          </a:blip>
+          <a:stretch>
+            <a:fillRect/>
+          </a:stretch>
+        </p:blipFill>
+        <p:spPr>
+          <a:xfrm>
+            <a:off x="1032967" y="1472590"/>
+            <a:ext cx="7078063" cy="4692714"/>
+          </a:xfrm>
+          <a:prstGeom prst="rect">
+            <a:avLst/>
+          </a:prstGeom>
+        </p:spPr>
+      </p:pic>
+      <p:sp>
+        <p:nvSpPr>
+          <p:cNvPr id="4" name="CasellaDiTesto 3"/>
+          <p:cNvSpPr txBox="1"/>
+          <p:nvPr/>
+        </p:nvSpPr>
+        <p:spPr>
+          <a:xfrm>
+            <a:off x="755576" y="6165304"/>
+            <a:ext cx="7632848" cy="369332"/>
+          </a:xfrm>
+          <a:prstGeom prst="rect">
+            <a:avLst/>
+          </a:prstGeom>
+          <a:noFill/>
+        </p:spPr>
+        <p:txBody>
+          <a:bodyPr wrap="square" rtlCol="0">
+            <a:spAutoFit/>
+          </a:bodyPr>
+          <a:lstStyle/>
+          <a:p>
+            <a:pPr algn="ctr"/>
+            <a:r>
+              <a:rPr lang="it-IT" i="1" dirty="0" err="1" smtClean="0"/>
+              <a:t>SD_AggiungiTirocinanti</a:t>
+            </a:r>
+            <a:endParaRPr lang="it-IT" i="1" dirty="0"/>
+          </a:p>
+        </p:txBody>
+      </p:sp>
+    </p:spTree>
+    <p:extLst>
+      <p:ext uri="{BB962C8B-B14F-4D97-AF65-F5344CB8AC3E}">
+        <p14:creationId xmlns:p14="http://schemas.microsoft.com/office/powerpoint/2010/main" xmlns="" val="2535709406"/>
+      </p:ext>
+    </p:extLst>
+  </p:cSld>
+  <p:clrMapOvr>
+    <a:masterClrMapping/>
+  </p:clrMapOvr>
+  <p:timing>
+    <p:tnLst>
+      <p:par>
+        <p:cTn id="1" dur="indefinite" restart="never" nodeType="tmRoot"/>
+      </p:par>
+    </p:tnLst>
+  </p:timing>
+</p:sld>
+</file>
+
+<file path=ppt/slides/slide3.xml><?xml version="1.0" encoding="utf-8"?>
+<p:sld xmlns:a="http://schemas.openxmlformats.org/drawingml/2006/main" xmlns:r="http://schemas.openxmlformats.org/officeDocument/2006/relationships" xmlns:p="http://schemas.openxmlformats.org/presentationml/2006/main">
+  <p:cSld>
+    <p:spTree>
+      <p:nvGrpSpPr>
+        <p:cNvPr id="1" name=""/>
+        <p:cNvGrpSpPr/>
+        <p:nvPr/>
+      </p:nvGrpSpPr>
+      <p:grpSpPr>
+        <a:xfrm>
+          <a:off x="0" y="0"/>
+          <a:ext cx="0" cy="0"/>
+          <a:chOff x="0" y="0"/>
+          <a:chExt cx="0" cy="0"/>
+        </a:xfrm>
+      </p:grpSpPr>
+      <p:sp>
+        <p:nvSpPr>
+          <p:cNvPr id="2" name="Titolo 1"/>
+          <p:cNvSpPr>
+            <a:spLocks noGrp="1"/>
+          </p:cNvSpPr>
+          <p:nvPr>
+            <p:ph type="title"/>
+          </p:nvPr>
+        </p:nvSpPr>
+        <p:spPr>
+          <a:xfrm>
+            <a:off x="1187624" y="3212976"/>
+            <a:ext cx="6624736" cy="648072"/>
+          </a:xfrm>
+        </p:spPr>
+        <p:txBody>
+          <a:bodyPr>
+            <a:noAutofit/>
+          </a:bodyPr>
+          <a:lstStyle/>
+          <a:p>
+            <a:pPr algn="ctr"/>
+            <a:r>
+              <a:rPr lang="it-IT" sz="4800" b="1" dirty="0" smtClean="0"/>
+              <a:t>Gestione Pagamenti</a:t>
+            </a:r>
+            <a:endParaRPr lang="it-IT" sz="4800" b="1" dirty="0"/>
+          </a:p>
+        </p:txBody>
+      </p:sp>
+    </p:spTree>
+    <p:extLst>
+      <p:ext uri="{BB962C8B-B14F-4D97-AF65-F5344CB8AC3E}">
+        <p14:creationId xmlns:p14="http://schemas.microsoft.com/office/powerpoint/2010/main" xmlns="" val="2865657727"/>
+      </p:ext>
+    </p:extLst>
+  </p:cSld>
+  <p:clrMapOvr>
+    <a:masterClrMapping/>
+  </p:clrMapOvr>
+  <p:timing>
+    <p:tnLst>
+      <p:par>
+        <p:cTn id="1" dur="indefinite" restart="never" nodeType="tmRoot"/>
+      </p:par>
+    </p:tnLst>
+  </p:timing>
+</p:sld>
+</file>
+
+<file path=ppt/slides/slide30.xml><?xml version="1.0" encoding="utf-8"?>
+<p:sld xmlns:a="http://schemas.openxmlformats.org/drawingml/2006/main" xmlns:r="http://schemas.openxmlformats.org/officeDocument/2006/relationships" xmlns:p="http://schemas.openxmlformats.org/presentationml/2006/main">
+  <p:cSld>
+    <p:spTree>
+      <p:nvGrpSpPr>
+        <p:cNvPr id="1" name=""/>
+        <p:cNvGrpSpPr/>
+        <p:nvPr/>
+      </p:nvGrpSpPr>
+      <p:grpSpPr>
+        <a:xfrm>
+          <a:off x="0" y="0"/>
+          <a:ext cx="0" cy="0"/>
+          <a:chOff x="0" y="0"/>
+          <a:chExt cx="0" cy="0"/>
+        </a:xfrm>
+      </p:grpSpPr>
+      <p:sp>
+        <p:nvSpPr>
+          <p:cNvPr id="2" name="CasellaDiTesto 1"/>
+          <p:cNvSpPr txBox="1"/>
+          <p:nvPr/>
+        </p:nvSpPr>
+        <p:spPr>
+          <a:xfrm>
+            <a:off x="6540" y="692696"/>
+            <a:ext cx="9144000" cy="646331"/>
+          </a:xfrm>
+          <a:prstGeom prst="rect">
+            <a:avLst/>
+          </a:prstGeom>
+          <a:noFill/>
+        </p:spPr>
+        <p:txBody>
+          <a:bodyPr wrap="square" rtlCol="0">
+            <a:spAutoFit/>
+          </a:bodyPr>
+          <a:lstStyle/>
+          <a:p>
+            <a:pPr algn="ctr"/>
+            <a:r>
+              <a:rPr lang="it-IT" sz="3600" b="1" dirty="0" smtClean="0"/>
+              <a:t>Problemi </a:t>
+            </a:r>
+            <a:r>
+              <a:rPr lang="it-IT" sz="3600" b="1" dirty="0" smtClean="0"/>
+              <a:t>riscontrati</a:t>
+            </a:r>
+            <a:endParaRPr lang="it-IT" sz="3600" b="1" dirty="0"/>
+          </a:p>
+        </p:txBody>
+      </p:sp>
+      <p:sp>
+        <p:nvSpPr>
+          <p:cNvPr id="3" name="CasellaDiTesto 2"/>
+          <p:cNvSpPr txBox="1"/>
+          <p:nvPr/>
+        </p:nvSpPr>
+        <p:spPr>
+          <a:xfrm>
+            <a:off x="360040" y="1700808"/>
+            <a:ext cx="8244408" cy="3970318"/>
+          </a:xfrm>
+          <a:prstGeom prst="rect">
+            <a:avLst/>
+          </a:prstGeom>
+          <a:noFill/>
+        </p:spPr>
+        <p:txBody>
+          <a:bodyPr wrap="square" rtlCol="0">
+            <a:spAutoFit/>
+          </a:bodyPr>
+          <a:lstStyle/>
+          <a:p>
+            <a:r>
+              <a:rPr lang="it-IT" sz="2800" b="1" dirty="0" smtClean="0">
+                <a:solidFill>
+                  <a:srgbClr val="FF0000"/>
+                </a:solidFill>
+              </a:rPr>
+              <a:t>Contro</a:t>
+            </a:r>
+          </a:p>
+          <a:p>
+            <a:pPr>
+              <a:buFont typeface="Wingdings" pitchFamily="2" charset="2"/>
+              <a:buChar char="v"/>
+            </a:pPr>
+            <a:r>
+              <a:rPr lang="it-IT" sz="2800" dirty="0" smtClean="0"/>
+              <a:t>Cambiamento e non comprensione dei requisiti</a:t>
+            </a:r>
+          </a:p>
+          <a:p>
+            <a:endParaRPr lang="it-IT" sz="2800" dirty="0" smtClean="0"/>
+          </a:p>
+          <a:p>
+            <a:r>
+              <a:rPr lang="it-IT" sz="2400" dirty="0" smtClean="0"/>
+              <a:t>In corso d’opera quando abbiamo appreso meglio tutti i requisiti riguardanti i tirocinanti, abbiamo dovuto modificare tutto quello che avevamo fatto in precedenza.  </a:t>
+            </a:r>
+          </a:p>
+          <a:p>
+            <a:pPr marL="342900" indent="-342900">
+              <a:buFont typeface="Arial" pitchFamily="34" charset="0"/>
+              <a:buChar char="•"/>
+            </a:pPr>
+            <a:r>
+              <a:rPr lang="it-IT" sz="2400" dirty="0" smtClean="0"/>
+              <a:t>Aggiungere altri </a:t>
+            </a:r>
+            <a:r>
+              <a:rPr lang="it-IT" sz="2400" u="sng" dirty="0" smtClean="0"/>
+              <a:t>casi d’uso</a:t>
+            </a:r>
+            <a:endParaRPr lang="it-IT" sz="2400" dirty="0" smtClean="0"/>
+          </a:p>
+          <a:p>
+            <a:pPr marL="342900" indent="-342900">
+              <a:buFont typeface="Arial" pitchFamily="34" charset="0"/>
+              <a:buChar char="•"/>
+            </a:pPr>
+            <a:r>
+              <a:rPr lang="it-IT" sz="2400" dirty="0"/>
+              <a:t>M</a:t>
+            </a:r>
+            <a:r>
+              <a:rPr lang="it-IT" sz="2400" dirty="0" smtClean="0"/>
+              <a:t>odificare i </a:t>
+            </a:r>
+            <a:r>
+              <a:rPr lang="it-IT" sz="2400" u="sng" dirty="0" smtClean="0"/>
+              <a:t>requisiti</a:t>
+            </a:r>
+            <a:r>
+              <a:rPr lang="it-IT" sz="2400" dirty="0" smtClean="0"/>
+              <a:t> esistenti</a:t>
+            </a:r>
+          </a:p>
+          <a:p>
+            <a:pPr marL="342900" indent="-342900">
+              <a:buFont typeface="Arial" pitchFamily="34" charset="0"/>
+              <a:buChar char="•"/>
+            </a:pPr>
+            <a:r>
+              <a:rPr lang="it-IT" sz="2400" dirty="0"/>
+              <a:t>A</a:t>
+            </a:r>
+            <a:r>
+              <a:rPr lang="it-IT" sz="2400" dirty="0" smtClean="0"/>
+              <a:t>ggiornare gli </a:t>
+            </a:r>
+            <a:r>
+              <a:rPr lang="it-IT" sz="2400" u="sng" dirty="0" smtClean="0"/>
+              <a:t>use case </a:t>
+            </a:r>
+            <a:r>
+              <a:rPr lang="it-IT" sz="2400" u="sng" dirty="0" err="1" smtClean="0"/>
+              <a:t>diagram</a:t>
+            </a:r>
+            <a:r>
+              <a:rPr lang="it-IT" sz="2400" u="sng" dirty="0" smtClean="0"/>
+              <a:t> </a:t>
+            </a:r>
+            <a:r>
+              <a:rPr lang="it-IT" sz="2400" dirty="0" smtClean="0"/>
+              <a:t>e </a:t>
+            </a:r>
+            <a:r>
+              <a:rPr lang="it-IT" sz="2400" u="sng" dirty="0" err="1" smtClean="0"/>
+              <a:t>sequence</a:t>
+            </a:r>
+            <a:r>
+              <a:rPr lang="it-IT" sz="2400" dirty="0" smtClean="0"/>
+              <a:t>. </a:t>
+            </a:r>
+          </a:p>
+          <a:p>
+            <a:r>
+              <a:rPr lang="it-IT" sz="2400" dirty="0" smtClean="0"/>
+              <a:t> </a:t>
+            </a:r>
+            <a:endParaRPr lang="it-IT" sz="2400" dirty="0"/>
+          </a:p>
+        </p:txBody>
+      </p:sp>
+    </p:spTree>
+    <p:extLst>
+      <p:ext uri="{BB962C8B-B14F-4D97-AF65-F5344CB8AC3E}">
+        <p14:creationId xmlns:p14="http://schemas.microsoft.com/office/powerpoint/2010/main" xmlns="" val="2176004432"/>
+      </p:ext>
+    </p:extLst>
+  </p:cSld>
+  <p:clrMapOvr>
+    <a:masterClrMapping/>
+  </p:clrMapOvr>
+  <p:timing>
+    <p:tnLst>
+      <p:par>
+        <p:cTn id="1" dur="indefinite" restart="never" nodeType="tmRoot"/>
+      </p:par>
+    </p:tnLst>
+  </p:timing>
+</p:sld>
+</file>
+
+<file path=ppt/slides/slide31.xml><?xml version="1.0" encoding="utf-8"?>
+<p:sld xmlns:a="http://schemas.openxmlformats.org/drawingml/2006/main" xmlns:r="http://schemas.openxmlformats.org/officeDocument/2006/relationships" xmlns:p="http://schemas.openxmlformats.org/presentationml/2006/main">
+  <p:cSld>
+    <p:spTree>
+      <p:nvGrpSpPr>
+        <p:cNvPr id="1" name=""/>
+        <p:cNvGrpSpPr/>
+        <p:nvPr/>
+      </p:nvGrpSpPr>
+      <p:grpSpPr>
+        <a:xfrm>
+          <a:off x="0" y="0"/>
+          <a:ext cx="0" cy="0"/>
+          <a:chOff x="0" y="0"/>
+          <a:chExt cx="0" cy="0"/>
+        </a:xfrm>
+      </p:grpSpPr>
+      <p:sp>
+        <p:nvSpPr>
+          <p:cNvPr id="2" name="CasellaDiTesto 1"/>
+          <p:cNvSpPr txBox="1"/>
+          <p:nvPr/>
+        </p:nvSpPr>
+        <p:spPr>
+          <a:xfrm>
+            <a:off x="467544" y="1124744"/>
+            <a:ext cx="8352928" cy="2677656"/>
+          </a:xfrm>
+          <a:prstGeom prst="rect">
+            <a:avLst/>
+          </a:prstGeom>
+          <a:noFill/>
+        </p:spPr>
+        <p:txBody>
+          <a:bodyPr wrap="square" rtlCol="0">
+            <a:spAutoFit/>
+          </a:bodyPr>
+          <a:lstStyle/>
+          <a:p>
+            <a:r>
+              <a:rPr lang="it-IT" sz="2800" b="1" dirty="0" smtClean="0">
+                <a:solidFill>
+                  <a:srgbClr val="00B050"/>
+                </a:solidFill>
+              </a:rPr>
+              <a:t>Pro</a:t>
+            </a:r>
+            <a:r>
+              <a:rPr lang="it-IT" sz="2800" dirty="0" smtClean="0">
+                <a:solidFill>
+                  <a:schemeClr val="accent3">
+                    <a:lumMod val="50000"/>
+                  </a:schemeClr>
+                </a:solidFill>
+              </a:rPr>
+              <a:t>:</a:t>
+            </a:r>
+          </a:p>
+          <a:p>
+            <a:r>
+              <a:rPr lang="it-IT" sz="2800" dirty="0" smtClean="0"/>
+              <a:t>I tirocinanti sono stati gestiti </a:t>
+            </a:r>
+            <a:r>
+              <a:rPr lang="it-IT" sz="2800" dirty="0" smtClean="0"/>
+              <a:t>in tutti i loro aspetti:</a:t>
+            </a:r>
+          </a:p>
+          <a:p>
+            <a:pPr marL="457200" indent="-457200">
+              <a:buFont typeface="Wingdings" pitchFamily="2" charset="2"/>
+              <a:buChar char="v"/>
+            </a:pPr>
+            <a:r>
+              <a:rPr lang="it-IT" sz="2800" dirty="0" smtClean="0"/>
+              <a:t>Registro</a:t>
+            </a:r>
+          </a:p>
+          <a:p>
+            <a:pPr marL="457200" indent="-457200">
+              <a:buFont typeface="Wingdings" pitchFamily="2" charset="2"/>
+              <a:buChar char="v"/>
+            </a:pPr>
+            <a:r>
+              <a:rPr lang="it-IT" sz="2800" dirty="0" smtClean="0"/>
+              <a:t>Pianificazione attività</a:t>
+            </a:r>
+          </a:p>
+          <a:p>
+            <a:pPr marL="457200" indent="-457200">
+              <a:buFont typeface="Wingdings" pitchFamily="2" charset="2"/>
+              <a:buChar char="v"/>
+            </a:pPr>
+            <a:r>
+              <a:rPr lang="it-IT" sz="2800" dirty="0" smtClean="0"/>
+              <a:t>Schedulazione</a:t>
+            </a:r>
+          </a:p>
+          <a:p>
+            <a:endParaRPr lang="it-IT" sz="2800" dirty="0"/>
+          </a:p>
+        </p:txBody>
+      </p:sp>
+      <p:pic>
+        <p:nvPicPr>
+          <p:cNvPr id="7170" name="Picture 2" descr="http://www.deaweb.org/upload-FCK/Image/cn11/omino_OK.jpg"/>
+          <p:cNvPicPr>
+            <a:picLocks noChangeAspect="1" noChangeArrowheads="1"/>
+          </p:cNvPicPr>
+          <p:nvPr/>
+        </p:nvPicPr>
+        <p:blipFill>
+          <a:blip r:embed="rId2" cstate="print"/>
+          <a:srcRect/>
+          <a:stretch>
+            <a:fillRect/>
+          </a:stretch>
+        </p:blipFill>
+        <p:spPr bwMode="auto">
+          <a:xfrm>
+            <a:off x="5076056" y="2348880"/>
+            <a:ext cx="2409731" cy="3212976"/>
+          </a:xfrm>
+          <a:prstGeom prst="rect">
+            <a:avLst/>
+          </a:prstGeom>
+          <a:noFill/>
+        </p:spPr>
+      </p:pic>
+    </p:spTree>
+    <p:extLst>
+      <p:ext uri="{BB962C8B-B14F-4D97-AF65-F5344CB8AC3E}">
+        <p14:creationId xmlns:p14="http://schemas.microsoft.com/office/powerpoint/2010/main" xmlns="" val="1143488046"/>
+      </p:ext>
+    </p:extLst>
+  </p:cSld>
+  <p:clrMapOvr>
+    <a:masterClrMapping/>
+  </p:clrMapOvr>
+</p:sld>
+</file>
+
+<file path=ppt/slides/slide32.xml><?xml version="1.0" encoding="utf-8"?>
+<p:sld xmlns:a="http://schemas.openxmlformats.org/drawingml/2006/main" xmlns:r="http://schemas.openxmlformats.org/officeDocument/2006/relationships" xmlns:p="http://schemas.openxmlformats.org/presentationml/2006/main">
+  <p:cSld>
+    <p:spTree>
+      <p:nvGrpSpPr>
+        <p:cNvPr id="1" name=""/>
+        <p:cNvGrpSpPr/>
+        <p:nvPr/>
+      </p:nvGrpSpPr>
+      <p:grpSpPr>
+        <a:xfrm>
+          <a:off x="0" y="0"/>
+          <a:ext cx="0" cy="0"/>
+          <a:chOff x="0" y="0"/>
+          <a:chExt cx="0" cy="0"/>
+        </a:xfrm>
+      </p:grpSpPr>
+      <p:sp>
+        <p:nvSpPr>
+          <p:cNvPr id="3" name="CasellaDiTesto 2"/>
+          <p:cNvSpPr txBox="1"/>
+          <p:nvPr/>
+        </p:nvSpPr>
+        <p:spPr>
+          <a:xfrm>
+            <a:off x="0" y="692696"/>
+            <a:ext cx="9144000" cy="707886"/>
+          </a:xfrm>
+          <a:prstGeom prst="rect">
+            <a:avLst/>
+          </a:prstGeom>
+          <a:noFill/>
+        </p:spPr>
+        <p:txBody>
+          <a:bodyPr wrap="square" rtlCol="0">
+            <a:spAutoFit/>
+          </a:bodyPr>
+          <a:lstStyle/>
+          <a:p>
+            <a:pPr algn="ctr"/>
+            <a:r>
+              <a:rPr lang="it-IT" sz="4000" b="1" dirty="0" smtClean="0"/>
+              <a:t>  </a:t>
+            </a:r>
+            <a:r>
+              <a:rPr lang="it-IT" sz="4000" b="1" dirty="0" smtClean="0"/>
+              <a:t>Conclusioni sul RAD</a:t>
+            </a:r>
+            <a:endParaRPr lang="it-IT" sz="4000" b="1" dirty="0" smtClean="0"/>
+          </a:p>
+        </p:txBody>
+      </p:sp>
+      <p:sp>
+        <p:nvSpPr>
+          <p:cNvPr id="4" name="CasellaDiTesto 3"/>
+          <p:cNvSpPr txBox="1"/>
+          <p:nvPr/>
+        </p:nvSpPr>
+        <p:spPr>
+          <a:xfrm>
+            <a:off x="216024" y="1628800"/>
+            <a:ext cx="8388424" cy="4401205"/>
+          </a:xfrm>
+          <a:prstGeom prst="rect">
+            <a:avLst/>
+          </a:prstGeom>
+          <a:noFill/>
+        </p:spPr>
+        <p:txBody>
+          <a:bodyPr wrap="square" rtlCol="0">
+            <a:spAutoFit/>
+          </a:bodyPr>
+          <a:lstStyle/>
+          <a:p>
+            <a:pPr marL="285750" indent="-285750"/>
+            <a:r>
+              <a:rPr lang="it-IT" sz="2800" b="1" dirty="0" smtClean="0">
+                <a:solidFill>
+                  <a:schemeClr val="accent5"/>
+                </a:solidFill>
                 <a:latin typeface="+mj-lt"/>
+                <a:cs typeface="Arial" pitchFamily="34" charset="0"/>
               </a:rPr>
-              <a:t>Titolo </a:t>
-            </a:r>
-            <a:endParaRPr lang="it-IT" sz="4800" b="1" dirty="0" smtClean="0">
+              <a:t>Cosa è andato per  il verso giusto:</a:t>
+            </a:r>
+          </a:p>
+          <a:p>
+            <a:endParaRPr lang="it-IT" sz="2800" dirty="0" smtClean="0">
               <a:latin typeface="+mj-lt"/>
+              <a:cs typeface="Arial" pitchFamily="34" charset="0"/>
             </a:endParaRPr>
           </a:p>
           <a:p>
+            <a:pPr marL="285750" indent="-285750">
+              <a:buFont typeface="Wingdings" pitchFamily="2" charset="2"/>
+              <a:buChar char="v"/>
+            </a:pPr>
+            <a:r>
+              <a:rPr lang="it-IT" sz="2800" dirty="0" smtClean="0">
+                <a:latin typeface="+mj-lt"/>
+                <a:cs typeface="Arial" pitchFamily="34" charset="0"/>
+              </a:rPr>
+              <a:t>La </a:t>
+            </a:r>
+            <a:r>
+              <a:rPr lang="it-IT" sz="2800" dirty="0">
+                <a:latin typeface="+mj-lt"/>
+                <a:cs typeface="Arial" pitchFamily="34" charset="0"/>
+              </a:rPr>
+              <a:t>stesura del RAD </a:t>
+            </a:r>
+            <a:r>
+              <a:rPr lang="it-IT" sz="2800" dirty="0" smtClean="0">
+                <a:latin typeface="+mj-lt"/>
+                <a:cs typeface="Arial" pitchFamily="34" charset="0"/>
+              </a:rPr>
+              <a:t> </a:t>
+            </a:r>
+            <a:r>
+              <a:rPr lang="it-IT" sz="2800" dirty="0">
+                <a:latin typeface="+mj-lt"/>
+                <a:cs typeface="Arial" pitchFamily="34" charset="0"/>
+              </a:rPr>
+              <a:t>in tutte le </a:t>
+            </a:r>
+            <a:r>
+              <a:rPr lang="it-IT" sz="2800" dirty="0" smtClean="0">
+                <a:latin typeface="+mj-lt"/>
+                <a:cs typeface="Arial" pitchFamily="34" charset="0"/>
+              </a:rPr>
+              <a:t>sue </a:t>
+            </a:r>
+            <a:r>
+              <a:rPr lang="it-IT" sz="2800" dirty="0">
+                <a:latin typeface="+mj-lt"/>
+                <a:cs typeface="Arial" pitchFamily="34" charset="0"/>
+              </a:rPr>
+              <a:t>versioni </a:t>
+            </a:r>
+            <a:r>
+              <a:rPr lang="it-IT" sz="2800" dirty="0" smtClean="0">
+                <a:latin typeface="+mj-lt"/>
+                <a:cs typeface="Arial" pitchFamily="34" charset="0"/>
+              </a:rPr>
+              <a:t>non </a:t>
+            </a:r>
+            <a:r>
+              <a:rPr lang="it-IT" sz="2800" dirty="0">
+                <a:latin typeface="+mj-lt"/>
+                <a:cs typeface="Arial" pitchFamily="34" charset="0"/>
+              </a:rPr>
+              <a:t>ha creato molti </a:t>
+            </a:r>
+            <a:r>
+              <a:rPr lang="it-IT" sz="2800" dirty="0" smtClean="0">
+                <a:latin typeface="+mj-lt"/>
+                <a:cs typeface="Arial" pitchFamily="34" charset="0"/>
+              </a:rPr>
+              <a:t>problemi </a:t>
+            </a:r>
+            <a:r>
+              <a:rPr lang="it-IT" sz="2800" dirty="0">
+                <a:latin typeface="+mj-lt"/>
+                <a:cs typeface="Arial" pitchFamily="34" charset="0"/>
+              </a:rPr>
+              <a:t>al </a:t>
+            </a:r>
+            <a:r>
+              <a:rPr lang="it-IT" sz="2800" dirty="0" smtClean="0">
+                <a:latin typeface="+mj-lt"/>
+                <a:cs typeface="Arial" pitchFamily="34" charset="0"/>
+              </a:rPr>
+              <a:t>team</a:t>
+            </a:r>
+          </a:p>
+          <a:p>
+            <a:pPr marL="285750" indent="-285750">
+              <a:buFont typeface="Wingdings" pitchFamily="2" charset="2"/>
+              <a:buChar char="v"/>
+            </a:pPr>
+            <a:endParaRPr lang="it-IT" sz="2800" dirty="0" smtClean="0">
+              <a:latin typeface="+mj-lt"/>
+              <a:cs typeface="Arial" pitchFamily="34" charset="0"/>
+            </a:endParaRPr>
+          </a:p>
+          <a:p>
+            <a:pPr marL="285750" indent="-285750">
+              <a:buFont typeface="Wingdings" pitchFamily="2" charset="2"/>
+              <a:buChar char="v"/>
+            </a:pPr>
+            <a:r>
+              <a:rPr lang="it-IT" sz="2800" dirty="0" smtClean="0">
+                <a:latin typeface="+mj-lt"/>
+                <a:cs typeface="Arial" pitchFamily="34" charset="0"/>
+              </a:rPr>
+              <a:t> Il </a:t>
+            </a:r>
+            <a:r>
+              <a:rPr lang="it-IT" sz="2800" dirty="0" smtClean="0">
+                <a:latin typeface="+mj-lt"/>
+                <a:cs typeface="Arial" pitchFamily="34" charset="0"/>
+              </a:rPr>
+              <a:t>RAD è stato raffinato </a:t>
+            </a:r>
+            <a:r>
+              <a:rPr lang="it-IT" sz="2800" dirty="0" smtClean="0">
+                <a:latin typeface="+mj-lt"/>
+                <a:cs typeface="Arial" pitchFamily="34" charset="0"/>
+              </a:rPr>
+              <a:t>con </a:t>
+            </a:r>
+            <a:r>
+              <a:rPr lang="it-IT" sz="2800" dirty="0" smtClean="0">
+                <a:latin typeface="+mj-lt"/>
+                <a:cs typeface="Arial" pitchFamily="34" charset="0"/>
+              </a:rPr>
+              <a:t>l’aumentare delle conoscenze sulla materia.</a:t>
+            </a:r>
+          </a:p>
+          <a:p>
+            <a:endParaRPr lang="it-IT" sz="2800" dirty="0" smtClean="0">
+              <a:latin typeface="+mj-lt"/>
+              <a:cs typeface="Arial" pitchFamily="34" charset="0"/>
+            </a:endParaRPr>
+          </a:p>
+          <a:p>
+            <a:pPr marL="285750" indent="-285750">
+              <a:buFont typeface="Wingdings" pitchFamily="2" charset="2"/>
+              <a:buChar char="v"/>
+            </a:pPr>
+            <a:r>
+              <a:rPr lang="it-IT" sz="2800" dirty="0" smtClean="0">
+                <a:latin typeface="+mj-lt"/>
+                <a:cs typeface="Arial" pitchFamily="34" charset="0"/>
+              </a:rPr>
+              <a:t> Non </a:t>
+            </a:r>
+            <a:r>
+              <a:rPr lang="it-IT" sz="2800" dirty="0">
+                <a:latin typeface="+mj-lt"/>
+                <a:cs typeface="Arial" pitchFamily="34" charset="0"/>
+              </a:rPr>
+              <a:t>è stato difficile comunicare con </a:t>
+            </a:r>
+            <a:r>
+              <a:rPr lang="it-IT" sz="2800" dirty="0" smtClean="0">
+                <a:latin typeface="+mj-lt"/>
+                <a:cs typeface="Arial" pitchFamily="34" charset="0"/>
+              </a:rPr>
+              <a:t>i </a:t>
+            </a:r>
+            <a:r>
+              <a:rPr lang="it-IT" sz="2800" dirty="0">
+                <a:latin typeface="+mj-lt"/>
+                <a:cs typeface="Arial" pitchFamily="34" charset="0"/>
+              </a:rPr>
+              <a:t>team per suddividere il </a:t>
+            </a:r>
+            <a:r>
+              <a:rPr lang="it-IT" sz="2800" dirty="0" smtClean="0">
+                <a:latin typeface="+mj-lt"/>
+                <a:cs typeface="Arial" pitchFamily="34" charset="0"/>
+              </a:rPr>
+              <a:t>lavoro.</a:t>
+            </a:r>
+          </a:p>
+        </p:txBody>
+      </p:sp>
+    </p:spTree>
+    <p:extLst>
+      <p:ext uri="{BB962C8B-B14F-4D97-AF65-F5344CB8AC3E}">
+        <p14:creationId xmlns:p14="http://schemas.microsoft.com/office/powerpoint/2010/main" xmlns="" val="957313322"/>
+      </p:ext>
+    </p:extLst>
+  </p:cSld>
+  <p:clrMapOvr>
+    <a:masterClrMapping/>
+  </p:clrMapOvr>
+  <p:timing>
+    <p:tnLst>
+      <p:par>
+        <p:cTn id="1" dur="indefinite" restart="never" nodeType="tmRoot"/>
+      </p:par>
+    </p:tnLst>
+  </p:timing>
+</p:sld>
+</file>
+
+<file path=ppt/slides/slide4.xml><?xml version="1.0" encoding="utf-8"?>
+<p:sld xmlns:a="http://schemas.openxmlformats.org/drawingml/2006/main" xmlns:r="http://schemas.openxmlformats.org/officeDocument/2006/relationships" xmlns:p="http://schemas.openxmlformats.org/presentationml/2006/main">
+  <p:cSld>
+    <p:spTree>
+      <p:nvGrpSpPr>
+        <p:cNvPr id="1" name=""/>
+        <p:cNvGrpSpPr/>
+        <p:nvPr/>
+      </p:nvGrpSpPr>
+      <p:grpSpPr>
+        <a:xfrm>
+          <a:off x="0" y="0"/>
+          <a:ext cx="0" cy="0"/>
+          <a:chOff x="0" y="0"/>
+          <a:chExt cx="0" cy="0"/>
+        </a:xfrm>
+      </p:grpSpPr>
+      <p:pic>
+        <p:nvPicPr>
+          <p:cNvPr id="1026" name="Picture 2" descr="C:\Users\Fr4nc3sc0\Desktop\at-silo\RAD\3 - Sistema proposto\attori.png"/>
+          <p:cNvPicPr>
+            <a:picLocks noChangeAspect="1" noChangeArrowheads="1"/>
+          </p:cNvPicPr>
+          <p:nvPr/>
+        </p:nvPicPr>
+        <p:blipFill>
+          <a:blip r:embed="rId3" cstate="print">
+            <a:extLst>
+              <a:ext uri="{28A0092B-C50C-407E-A947-70E740481C1C}">
+                <a14:useLocalDpi xmlns:a14="http://schemas.microsoft.com/office/drawing/2010/main" xmlns="" val="0"/>
+              </a:ext>
+            </a:extLst>
+          </a:blip>
+          <a:srcRect/>
+          <a:stretch>
+            <a:fillRect/>
+          </a:stretch>
+        </p:blipFill>
+        <p:spPr bwMode="auto">
+          <a:xfrm>
+            <a:off x="2261679" y="620689"/>
+            <a:ext cx="5052690" cy="6233836"/>
+          </a:xfrm>
+          <a:prstGeom prst="rect">
+            <a:avLst/>
+          </a:prstGeom>
+          <a:noFill/>
+          <a:extLst>
+            <a:ext uri="{909E8E84-426E-40DD-AFC4-6F175D3DCCD1}">
+              <a14:hiddenFill xmlns:a14="http://schemas.microsoft.com/office/drawing/2010/main" xmlns="">
+                <a:solidFill>
+                  <a:srgbClr val="FFFFFF"/>
+                </a:solidFill>
+              </a14:hiddenFill>
+            </a:ext>
+          </a:extLst>
+        </p:spPr>
+      </p:pic>
+      <p:cxnSp>
+        <p:nvCxnSpPr>
+          <p:cNvPr id="4" name="Connettore 1 3"/>
+          <p:cNvCxnSpPr/>
+          <p:nvPr/>
+        </p:nvCxnSpPr>
+        <p:spPr>
+          <a:xfrm>
+            <a:off x="3023828" y="1484784"/>
+            <a:ext cx="482235" cy="0"/>
+          </a:xfrm>
+          <a:prstGeom prst="line">
+            <a:avLst/>
+          </a:prstGeom>
+          <a:ln w="38100">
+            <a:solidFill>
+              <a:srgbClr val="FF0000"/>
+            </a:solidFill>
+          </a:ln>
+          <a:effectLst>
+            <a:glow rad="63500">
+              <a:schemeClr val="accent3">
+                <a:satMod val="175000"/>
+                <a:alpha val="40000"/>
+              </a:schemeClr>
+            </a:glow>
+          </a:effectLst>
+        </p:spPr>
+        <p:style>
+          <a:lnRef idx="1">
+            <a:schemeClr val="accent1"/>
+          </a:lnRef>
+          <a:fillRef idx="0">
+            <a:schemeClr val="accent1"/>
+          </a:fillRef>
+          <a:effectRef idx="0">
+            <a:schemeClr val="accent1"/>
+          </a:effectRef>
+          <a:fontRef idx="minor">
+            <a:schemeClr val="tx1"/>
+          </a:fontRef>
+        </p:style>
+      </p:cxnSp>
+      <p:cxnSp>
+        <p:nvCxnSpPr>
+          <p:cNvPr id="10" name="Connettore 1 9"/>
+          <p:cNvCxnSpPr/>
+          <p:nvPr/>
+        </p:nvCxnSpPr>
+        <p:spPr>
+          <a:xfrm>
+            <a:off x="3779912" y="3068960"/>
+            <a:ext cx="704806" cy="0"/>
+          </a:xfrm>
+          <a:prstGeom prst="line">
+            <a:avLst/>
+          </a:prstGeom>
+          <a:ln w="38100">
+            <a:solidFill>
+              <a:srgbClr val="FF0000"/>
+            </a:solidFill>
+          </a:ln>
+          <a:effectLst>
+            <a:glow rad="63500">
+              <a:schemeClr val="accent3">
+                <a:satMod val="175000"/>
+                <a:alpha val="40000"/>
+              </a:schemeClr>
+            </a:glow>
+          </a:effectLst>
+        </p:spPr>
+        <p:style>
+          <a:lnRef idx="1">
+            <a:schemeClr val="accent1"/>
+          </a:lnRef>
+          <a:fillRef idx="0">
+            <a:schemeClr val="accent1"/>
+          </a:fillRef>
+          <a:effectRef idx="0">
+            <a:schemeClr val="accent1"/>
+          </a:effectRef>
+          <a:fontRef idx="minor">
+            <a:schemeClr val="tx1"/>
+          </a:fontRef>
+        </p:style>
+      </p:cxnSp>
+      <p:cxnSp>
+        <p:nvCxnSpPr>
+          <p:cNvPr id="12" name="Connettore 1 11"/>
+          <p:cNvCxnSpPr/>
+          <p:nvPr/>
+        </p:nvCxnSpPr>
+        <p:spPr>
+          <a:xfrm>
+            <a:off x="2987824" y="6237312"/>
+            <a:ext cx="843276" cy="0"/>
+          </a:xfrm>
+          <a:prstGeom prst="line">
+            <a:avLst/>
+          </a:prstGeom>
+          <a:ln w="38100">
+            <a:solidFill>
+              <a:srgbClr val="FF0000"/>
+            </a:solidFill>
+          </a:ln>
+          <a:effectLst>
+            <a:glow rad="63500">
+              <a:schemeClr val="accent3">
+                <a:satMod val="175000"/>
+                <a:alpha val="40000"/>
+              </a:schemeClr>
+            </a:glow>
+          </a:effectLst>
+        </p:spPr>
+        <p:style>
+          <a:lnRef idx="1">
+            <a:schemeClr val="accent1"/>
+          </a:lnRef>
+          <a:fillRef idx="0">
+            <a:schemeClr val="accent1"/>
+          </a:fillRef>
+          <a:effectRef idx="0">
+            <a:schemeClr val="accent1"/>
+          </a:effectRef>
+          <a:fontRef idx="minor">
+            <a:schemeClr val="tx1"/>
+          </a:fontRef>
+        </p:style>
+      </p:cxnSp>
+      <p:cxnSp>
+        <p:nvCxnSpPr>
+          <p:cNvPr id="14" name="Connettore 1 13"/>
+          <p:cNvCxnSpPr/>
+          <p:nvPr/>
+        </p:nvCxnSpPr>
+        <p:spPr>
+          <a:xfrm>
+            <a:off x="2915816" y="6597352"/>
+            <a:ext cx="556426" cy="0"/>
+          </a:xfrm>
+          <a:prstGeom prst="line">
+            <a:avLst/>
+          </a:prstGeom>
+          <a:ln w="38100">
+            <a:solidFill>
+              <a:srgbClr val="FF0000"/>
+            </a:solidFill>
+          </a:ln>
+          <a:effectLst>
+            <a:glow rad="63500">
+              <a:schemeClr val="accent3">
+                <a:satMod val="175000"/>
+                <a:alpha val="40000"/>
+              </a:schemeClr>
+            </a:glow>
+          </a:effectLst>
+        </p:spPr>
+        <p:style>
+          <a:lnRef idx="1">
+            <a:schemeClr val="accent1"/>
+          </a:lnRef>
+          <a:fillRef idx="0">
+            <a:schemeClr val="accent1"/>
+          </a:fillRef>
+          <a:effectRef idx="0">
+            <a:schemeClr val="accent1"/>
+          </a:effectRef>
+          <a:fontRef idx="minor">
+            <a:schemeClr val="tx1"/>
+          </a:fontRef>
+        </p:style>
+      </p:cxnSp>
+      <p:cxnSp>
+        <p:nvCxnSpPr>
+          <p:cNvPr id="16" name="Connettore 1 15"/>
+          <p:cNvCxnSpPr/>
+          <p:nvPr/>
+        </p:nvCxnSpPr>
+        <p:spPr>
+          <a:xfrm>
+            <a:off x="4139952" y="3429000"/>
+            <a:ext cx="408045" cy="0"/>
+          </a:xfrm>
+          <a:prstGeom prst="line">
+            <a:avLst/>
+          </a:prstGeom>
+          <a:ln w="38100">
+            <a:solidFill>
+              <a:srgbClr val="FF0000"/>
+            </a:solidFill>
+          </a:ln>
+          <a:effectLst>
+            <a:glow rad="63500">
+              <a:schemeClr val="accent3">
+                <a:satMod val="175000"/>
+                <a:alpha val="40000"/>
+              </a:schemeClr>
+            </a:glow>
+          </a:effectLst>
+        </p:spPr>
+        <p:style>
+          <a:lnRef idx="1">
+            <a:schemeClr val="accent1"/>
+          </a:lnRef>
+          <a:fillRef idx="0">
+            <a:schemeClr val="accent1"/>
+          </a:fillRef>
+          <a:effectRef idx="0">
+            <a:schemeClr val="accent1"/>
+          </a:effectRef>
+          <a:fontRef idx="minor">
+            <a:schemeClr val="tx1"/>
+          </a:fontRef>
+        </p:style>
+      </p:cxnSp>
+      <p:sp>
+        <p:nvSpPr>
+          <p:cNvPr id="17" name="Ovale 16"/>
+          <p:cNvSpPr/>
+          <p:nvPr/>
+        </p:nvSpPr>
+        <p:spPr>
+          <a:xfrm>
+            <a:off x="2915816" y="1268760"/>
+            <a:ext cx="540060" cy="216024"/>
+          </a:xfrm>
+          <a:prstGeom prst="ellipse">
+            <a:avLst/>
+          </a:prstGeom>
+          <a:noFill/>
+          <a:ln>
+            <a:solidFill>
+              <a:srgbClr val="FF0000"/>
+            </a:solidFill>
+          </a:ln>
+        </p:spPr>
+        <p:style>
+          <a:lnRef idx="2">
+            <a:schemeClr val="accent1">
+              <a:shade val="50000"/>
+            </a:schemeClr>
+          </a:lnRef>
+          <a:fillRef idx="1">
+            <a:schemeClr val="accent1"/>
+          </a:fillRef>
+          <a:effectRef idx="0">
+            <a:schemeClr val="accent1"/>
+          </a:effectRef>
+          <a:fontRef idx="minor">
+            <a:schemeClr val="lt1"/>
+          </a:fontRef>
+        </p:style>
+        <p:txBody>
+          <a:bodyPr rtlCol="0" anchor="ctr"/>
+          <a:lstStyle/>
+          <a:p>
             <a:pPr algn="ctr"/>
-            <a:r>
-              <a:rPr lang="it-IT" sz="2800" b="1" dirty="0" smtClean="0">
-                <a:latin typeface="+mj-lt"/>
+            <a:endParaRPr lang="it-IT"/>
+          </a:p>
+        </p:txBody>
+      </p:sp>
+      <p:sp>
+        <p:nvSpPr>
+          <p:cNvPr id="9" name="Ovale 8"/>
+          <p:cNvSpPr/>
+          <p:nvPr/>
+        </p:nvSpPr>
+        <p:spPr>
+          <a:xfrm>
+            <a:off x="3666895" y="2831046"/>
+            <a:ext cx="792088" cy="216024"/>
+          </a:xfrm>
+          <a:prstGeom prst="ellipse">
+            <a:avLst/>
+          </a:prstGeom>
+          <a:noFill/>
+          <a:ln>
+            <a:solidFill>
+              <a:srgbClr val="FF0000"/>
+            </a:solidFill>
+          </a:ln>
+        </p:spPr>
+        <p:style>
+          <a:lnRef idx="2">
+            <a:schemeClr val="accent1">
+              <a:shade val="50000"/>
+            </a:schemeClr>
+          </a:lnRef>
+          <a:fillRef idx="1">
+            <a:schemeClr val="accent1"/>
+          </a:fillRef>
+          <a:effectRef idx="0">
+            <a:schemeClr val="accent1"/>
+          </a:effectRef>
+          <a:fontRef idx="minor">
+            <a:schemeClr val="lt1"/>
+          </a:fontRef>
+        </p:style>
+        <p:txBody>
+          <a:bodyPr rtlCol="0" anchor="ctr"/>
+          <a:lstStyle/>
+          <a:p>
+            <a:pPr algn="ctr"/>
+            <a:endParaRPr lang="it-IT"/>
+          </a:p>
+        </p:txBody>
+      </p:sp>
+    </p:spTree>
+    <p:extLst>
+      <p:ext uri="{BB962C8B-B14F-4D97-AF65-F5344CB8AC3E}">
+        <p14:creationId xmlns:p14="http://schemas.microsoft.com/office/powerpoint/2010/main" xmlns="" val="3983998448"/>
+      </p:ext>
+    </p:extLst>
+  </p:cSld>
+  <p:clrMapOvr>
+    <a:masterClrMapping/>
+  </p:clrMapOvr>
+  <p:timing>
+    <p:tnLst>
+      <p:par>
+        <p:cTn id="1" dur="indefinite" restart="never" nodeType="tmRoot">
+          <p:childTnLst>
+            <p:seq concurrent="1" nextAc="seek">
+              <p:cTn id="2" dur="indefinite" nodeType="mainSeq">
+                <p:childTnLst>
+                  <p:par>
+                    <p:cTn id="3" fill="hold">
+                      <p:stCondLst>
+                        <p:cond delay="indefinite"/>
+                      </p:stCondLst>
+                      <p:childTnLst>
+                        <p:par>
+                          <p:cTn id="4" fill="hold">
+                            <p:stCondLst>
+                              <p:cond delay="0"/>
+                            </p:stCondLst>
+                            <p:childTnLst>
+                              <p:par>
+                                <p:cTn id="5" presetID="1" presetClass="entr" presetSubtype="0" fill="hold" nodeType="clickEffect">
+                                  <p:stCondLst>
+                                    <p:cond delay="0"/>
+                                  </p:stCondLst>
+                                  <p:childTnLst>
+                                    <p:set>
+                                      <p:cBhvr>
+                                        <p:cTn id="6" dur="1" fill="hold">
+                                          <p:stCondLst>
+                                            <p:cond delay="0"/>
+                                          </p:stCondLst>
+                                        </p:cTn>
+                                        <p:tgtEl>
+                                          <p:spTgt spid="4"/>
+                                        </p:tgtEl>
+                                        <p:attrNameLst>
+                                          <p:attrName>style.visibility</p:attrName>
+                                        </p:attrNameLst>
+                                      </p:cBhvr>
+                                      <p:to>
+                                        <p:strVal val="visible"/>
+                                      </p:to>
+                                    </p:set>
+                                  </p:childTnLst>
+                                </p:cTn>
+                              </p:par>
+                              <p:par>
+                                <p:cTn id="7" presetID="1" presetClass="entr" presetSubtype="0" fill="hold" nodeType="withEffect">
+                                  <p:stCondLst>
+                                    <p:cond delay="0"/>
+                                  </p:stCondLst>
+                                  <p:childTnLst>
+                                    <p:set>
+                                      <p:cBhvr>
+                                        <p:cTn id="8" dur="1" fill="hold">
+                                          <p:stCondLst>
+                                            <p:cond delay="0"/>
+                                          </p:stCondLst>
+                                        </p:cTn>
+                                        <p:tgtEl>
+                                          <p:spTgt spid="10"/>
+                                        </p:tgtEl>
+                                        <p:attrNameLst>
+                                          <p:attrName>style.visibility</p:attrName>
+                                        </p:attrNameLst>
+                                      </p:cBhvr>
+                                      <p:to>
+                                        <p:strVal val="visible"/>
+                                      </p:to>
+                                    </p:set>
+                                  </p:childTnLst>
+                                </p:cTn>
+                              </p:par>
+                              <p:par>
+                                <p:cTn id="9" presetID="1" presetClass="entr" presetSubtype="0" fill="hold" nodeType="withEffect">
+                                  <p:stCondLst>
+                                    <p:cond delay="0"/>
+                                  </p:stCondLst>
+                                  <p:childTnLst>
+                                    <p:set>
+                                      <p:cBhvr>
+                                        <p:cTn id="10" dur="1" fill="hold">
+                                          <p:stCondLst>
+                                            <p:cond delay="0"/>
+                                          </p:stCondLst>
+                                        </p:cTn>
+                                        <p:tgtEl>
+                                          <p:spTgt spid="12"/>
+                                        </p:tgtEl>
+                                        <p:attrNameLst>
+                                          <p:attrName>style.visibility</p:attrName>
+                                        </p:attrNameLst>
+                                      </p:cBhvr>
+                                      <p:to>
+                                        <p:strVal val="visible"/>
+                                      </p:to>
+                                    </p:set>
+                                  </p:childTnLst>
+                                </p:cTn>
+                              </p:par>
+                              <p:par>
+                                <p:cTn id="11" presetID="1" presetClass="entr" presetSubtype="0" fill="hold" nodeType="withEffect">
+                                  <p:stCondLst>
+                                    <p:cond delay="0"/>
+                                  </p:stCondLst>
+                                  <p:childTnLst>
+                                    <p:set>
+                                      <p:cBhvr>
+                                        <p:cTn id="12" dur="1" fill="hold">
+                                          <p:stCondLst>
+                                            <p:cond delay="0"/>
+                                          </p:stCondLst>
+                                        </p:cTn>
+                                        <p:tgtEl>
+                                          <p:spTgt spid="14"/>
+                                        </p:tgtEl>
+                                        <p:attrNameLst>
+                                          <p:attrName>style.visibility</p:attrName>
+                                        </p:attrNameLst>
+                                      </p:cBhvr>
+                                      <p:to>
+                                        <p:strVal val="visible"/>
+                                      </p:to>
+                                    </p:set>
+                                  </p:childTnLst>
+                                </p:cTn>
+                              </p:par>
+                              <p:par>
+                                <p:cTn id="13" presetID="1" presetClass="entr" presetSubtype="0" fill="hold" nodeType="withEffect">
+                                  <p:stCondLst>
+                                    <p:cond delay="0"/>
+                                  </p:stCondLst>
+                                  <p:childTnLst>
+                                    <p:set>
+                                      <p:cBhvr>
+                                        <p:cTn id="14" dur="1" fill="hold">
+                                          <p:stCondLst>
+                                            <p:cond delay="0"/>
+                                          </p:stCondLst>
+                                        </p:cTn>
+                                        <p:tgtEl>
+                                          <p:spTgt spid="16"/>
+                                        </p:tgtEl>
+                                        <p:attrNameLst>
+                                          <p:attrName>style.visibility</p:attrName>
+                                        </p:attrNameLst>
+                                      </p:cBhvr>
+                                      <p:to>
+                                        <p:strVal val="visible"/>
+                                      </p:to>
+                                    </p:set>
+                                  </p:childTnLst>
+                                </p:cTn>
+                              </p:par>
+                            </p:childTnLst>
+                          </p:cTn>
+                        </p:par>
+                      </p:childTnLst>
+                    </p:cTn>
+                  </p:par>
+                  <p:par>
+                    <p:cTn id="15" fill="hold">
+                      <p:stCondLst>
+                        <p:cond delay="indefinite"/>
+                      </p:stCondLst>
+                      <p:childTnLst>
+                        <p:par>
+                          <p:cTn id="16" fill="hold">
+                            <p:stCondLst>
+                              <p:cond delay="0"/>
+                            </p:stCondLst>
+                            <p:childTnLst>
+                              <p:par>
+                                <p:cTn id="17" presetID="10" presetClass="entr" presetSubtype="0" fill="hold" grpId="0" nodeType="clickEffect">
+                                  <p:stCondLst>
+                                    <p:cond delay="0"/>
+                                  </p:stCondLst>
+                                  <p:childTnLst>
+                                    <p:set>
+                                      <p:cBhvr>
+                                        <p:cTn id="18" dur="1" fill="hold">
+                                          <p:stCondLst>
+                                            <p:cond delay="0"/>
+                                          </p:stCondLst>
+                                        </p:cTn>
+                                        <p:tgtEl>
+                                          <p:spTgt spid="17"/>
+                                        </p:tgtEl>
+                                        <p:attrNameLst>
+                                          <p:attrName>style.visibility</p:attrName>
+                                        </p:attrNameLst>
+                                      </p:cBhvr>
+                                      <p:to>
+                                        <p:strVal val="visible"/>
+                                      </p:to>
+                                    </p:set>
+                                    <p:animEffect transition="in" filter="fade">
+                                      <p:cBhvr>
+                                        <p:cTn id="19" dur="500"/>
+                                        <p:tgtEl>
+                                          <p:spTgt spid="17"/>
+                                        </p:tgtEl>
+                                      </p:cBhvr>
+                                    </p:animEffect>
+                                  </p:childTnLst>
+                                </p:cTn>
+                              </p:par>
+                            </p:childTnLst>
+                          </p:cTn>
+                        </p:par>
+                      </p:childTnLst>
+                    </p:cTn>
+                  </p:par>
+                  <p:par>
+                    <p:cTn id="20" fill="hold">
+                      <p:stCondLst>
+                        <p:cond delay="indefinite"/>
+                      </p:stCondLst>
+                      <p:childTnLst>
+                        <p:par>
+                          <p:cTn id="21" fill="hold">
+                            <p:stCondLst>
+                              <p:cond delay="0"/>
+                            </p:stCondLst>
+                            <p:childTnLst>
+                              <p:par>
+                                <p:cTn id="22" presetID="10" presetClass="entr" presetSubtype="0" fill="hold" grpId="0" nodeType="clickEffect">
+                                  <p:stCondLst>
+                                    <p:cond delay="0"/>
+                                  </p:stCondLst>
+                                  <p:childTnLst>
+                                    <p:set>
+                                      <p:cBhvr>
+                                        <p:cTn id="23" dur="1" fill="hold">
+                                          <p:stCondLst>
+                                            <p:cond delay="0"/>
+                                          </p:stCondLst>
+                                        </p:cTn>
+                                        <p:tgtEl>
+                                          <p:spTgt spid="9"/>
+                                        </p:tgtEl>
+                                        <p:attrNameLst>
+                                          <p:attrName>style.visibility</p:attrName>
+                                        </p:attrNameLst>
+                                      </p:cBhvr>
+                                      <p:to>
+                                        <p:strVal val="visible"/>
+                                      </p:to>
+                                    </p:set>
+                                    <p:animEffect transition="in" filter="fade">
+                                      <p:cBhvr>
+                                        <p:cTn id="24" dur="500"/>
+                                        <p:tgtEl>
+                                          <p:spTgt spid="9"/>
+                                        </p:tgtEl>
+                                      </p:cBhvr>
+                                    </p:animEffect>
+                                  </p:childTnLst>
+                                </p:cTn>
+                              </p:par>
+                            </p:childTnLst>
+                          </p:cTn>
+                        </p:par>
+                      </p:childTnLst>
+                    </p:cTn>
+                  </p:par>
+                </p:childTnLst>
+              </p:cTn>
+              <p:prevCondLst>
+                <p:cond evt="onPrev" delay="0">
+                  <p:tgtEl>
+                    <p:sldTgt/>
+                  </p:tgtEl>
+                </p:cond>
+              </p:prevCondLst>
+              <p:nextCondLst>
+                <p:cond evt="onNext" delay="0">
+                  <p:tgtEl>
+                    <p:sldTgt/>
+                  </p:tgtEl>
+                </p:cond>
+              </p:nextCondLst>
+            </p:seq>
+          </p:childTnLst>
+        </p:cTn>
+      </p:par>
+    </p:tnLst>
+    <p:bldLst>
+      <p:bldP spid="17" grpId="0" animBg="1"/>
+      <p:bldP spid="9" grpId="0" animBg="1"/>
+    </p:bldLst>
+  </p:timing>
+</p:sld>
+</file>
+
+<file path=ppt/slides/slide5.xml><?xml version="1.0" encoding="utf-8"?>
+<p:sld xmlns:a="http://schemas.openxmlformats.org/drawingml/2006/main" xmlns:r="http://schemas.openxmlformats.org/officeDocument/2006/relationships" xmlns:p="http://schemas.openxmlformats.org/presentationml/2006/main">
+  <p:cSld>
+    <p:spTree>
+      <p:nvGrpSpPr>
+        <p:cNvPr id="1" name=""/>
+        <p:cNvGrpSpPr/>
+        <p:nvPr/>
+      </p:nvGrpSpPr>
+      <p:grpSpPr>
+        <a:xfrm>
+          <a:off x="0" y="0"/>
+          <a:ext cx="0" cy="0"/>
+          <a:chOff x="0" y="0"/>
+          <a:chExt cx="0" cy="0"/>
+        </a:xfrm>
+      </p:grpSpPr>
+      <p:sp>
+        <p:nvSpPr>
+          <p:cNvPr id="2" name="CasellaDiTesto 1"/>
+          <p:cNvSpPr txBox="1"/>
+          <p:nvPr/>
+        </p:nvSpPr>
+        <p:spPr>
+          <a:xfrm>
+            <a:off x="2339752" y="692696"/>
+            <a:ext cx="4392488" cy="646331"/>
+          </a:xfrm>
+          <a:prstGeom prst="rect">
+            <a:avLst/>
+          </a:prstGeom>
+          <a:noFill/>
+        </p:spPr>
+        <p:txBody>
+          <a:bodyPr wrap="square" rtlCol="0">
+            <a:spAutoFit/>
+          </a:bodyPr>
+          <a:lstStyle/>
+          <a:p>
+            <a:pPr algn="ctr"/>
+            <a:r>
+              <a:rPr lang="it-IT" sz="3600" b="1" dirty="0" smtClean="0">
+                <a:solidFill>
+                  <a:srgbClr val="000000"/>
+                </a:solidFill>
               </a:rPr>
-              <a:t>Sotto Titolo</a:t>
-            </a:r>
-            <a:endParaRPr lang="it-IT" sz="2800" b="1" dirty="0" smtClean="0">
-              <a:latin typeface="+mj-lt"/>
-            </a:endParaRPr>
-          </a:p>
+              <a:t>Impiegato Asilo</a:t>
+            </a:r>
+          </a:p>
+        </p:txBody>
+      </p:sp>
+      <p:pic>
+        <p:nvPicPr>
+          <p:cNvPr id="1026" name="Picture 2" descr="C:\Users\Marko\Desktop\278940263_fb1f4f5100_o.jpg"/>
+          <p:cNvPicPr>
+            <a:picLocks noChangeAspect="1" noChangeArrowheads="1"/>
+          </p:cNvPicPr>
+          <p:nvPr/>
+        </p:nvPicPr>
+        <p:blipFill>
+          <a:blip r:embed="rId2" cstate="print">
+            <a:extLst>
+              <a:ext uri="{28A0092B-C50C-407E-A947-70E740481C1C}">
+                <a14:useLocalDpi xmlns:a14="http://schemas.microsoft.com/office/drawing/2010/main" xmlns="" val="0"/>
+              </a:ext>
+            </a:extLst>
+          </a:blip>
+          <a:srcRect/>
+          <a:stretch>
+            <a:fillRect/>
+          </a:stretch>
+        </p:blipFill>
+        <p:spPr bwMode="auto">
+          <a:xfrm>
+            <a:off x="5567999" y="3068961"/>
+            <a:ext cx="3576001" cy="3603368"/>
+          </a:xfrm>
+          <a:prstGeom prst="rect">
+            <a:avLst/>
+          </a:prstGeom>
+          <a:noFill/>
+          <a:extLst>
+            <a:ext uri="{909E8E84-426E-40DD-AFC4-6F175D3DCCD1}">
+              <a14:hiddenFill xmlns:a14="http://schemas.microsoft.com/office/drawing/2010/main" xmlns="">
+                <a:solidFill>
+                  <a:srgbClr val="FFFFFF"/>
+                </a:solidFill>
+              </a14:hiddenFill>
+            </a:ext>
+          </a:extLst>
+        </p:spPr>
+      </p:pic>
+      <p:sp>
+        <p:nvSpPr>
+          <p:cNvPr id="5" name="CasellaDiTesto 4"/>
+          <p:cNvSpPr txBox="1"/>
+          <p:nvPr/>
+        </p:nvSpPr>
+        <p:spPr>
+          <a:xfrm>
+            <a:off x="406996" y="1628800"/>
+            <a:ext cx="5328592" cy="4431983"/>
+          </a:xfrm>
+          <a:prstGeom prst="rect">
+            <a:avLst/>
+          </a:prstGeom>
+          <a:noFill/>
+        </p:spPr>
+        <p:txBody>
+          <a:bodyPr wrap="square" rtlCol="0">
+            <a:spAutoFit/>
+          </a:bodyPr>
+          <a:lstStyle/>
+          <a:p>
+            <a:pPr marL="342900" indent="-342900">
+              <a:buFont typeface="Wingdings" pitchFamily="2" charset="2"/>
+              <a:buChar char="v"/>
+            </a:pPr>
+            <a:endParaRPr lang="it-IT" sz="2400" dirty="0" smtClean="0"/>
+          </a:p>
+          <a:p>
+            <a:pPr marL="342900" indent="-342900">
+              <a:buFont typeface="Wingdings" pitchFamily="2" charset="2"/>
+              <a:buChar char="v"/>
+            </a:pPr>
+            <a:r>
+              <a:rPr lang="it-IT" sz="2400" dirty="0" smtClean="0"/>
+              <a:t>Visualizzare lo stato dei pagamenti di tutti gli iscritti </a:t>
+            </a:r>
+          </a:p>
+          <a:p>
+            <a:pPr marL="342900" indent="-342900">
+              <a:buFont typeface="Wingdings" pitchFamily="2" charset="2"/>
+              <a:buChar char="v"/>
+            </a:pPr>
+            <a:r>
+              <a:rPr lang="it-IT" sz="2400" dirty="0" smtClean="0"/>
+              <a:t>Possibilità di fatturare i pagamenti mensili</a:t>
+            </a:r>
+          </a:p>
+          <a:p>
+            <a:pPr marL="342900" indent="-342900">
+              <a:buFont typeface="Wingdings" pitchFamily="2" charset="2"/>
+              <a:buChar char="v"/>
+            </a:pPr>
+            <a:r>
+              <a:rPr lang="it-IT" sz="2400" dirty="0" smtClean="0"/>
+              <a:t>Automatizzare la gestione delle rette per il servizio e permettere la personalizzazione delle rette</a:t>
+            </a:r>
+          </a:p>
+          <a:p>
+            <a:pPr marL="342900" indent="-342900">
+              <a:buFont typeface="Wingdings" pitchFamily="2" charset="2"/>
+              <a:buChar char="v"/>
+            </a:pPr>
+            <a:r>
+              <a:rPr lang="it-IT" sz="2400" dirty="0" smtClean="0"/>
+              <a:t>Possibilità di modificare manualmente la registrazione di un pagamento</a:t>
+            </a:r>
+          </a:p>
+          <a:p>
+            <a:pPr marL="342900" indent="-342900">
+              <a:buFont typeface="Wingdings" pitchFamily="2" charset="2"/>
+              <a:buChar char="v"/>
+            </a:pPr>
+            <a:r>
+              <a:rPr lang="it-IT" sz="2400" dirty="0" smtClean="0"/>
+              <a:t>Inviare email di promemoria</a:t>
+            </a:r>
+          </a:p>
+          <a:p>
+            <a:endParaRPr lang="it-IT" dirty="0"/>
+          </a:p>
+        </p:txBody>
+      </p:sp>
+    </p:spTree>
+    <p:extLst>
+      <p:ext uri="{BB962C8B-B14F-4D97-AF65-F5344CB8AC3E}">
+        <p14:creationId xmlns:p14="http://schemas.microsoft.com/office/powerpoint/2010/main" xmlns="" val="3516333073"/>
+      </p:ext>
+    </p:extLst>
+  </p:cSld>
+  <p:clrMapOvr>
+    <a:masterClrMapping/>
+  </p:clrMapOvr>
+  <mc:AlternateContent xmlns:mc="http://schemas.openxmlformats.org/markup-compatibility/2006">
+    <mc:Choice xmlns:p14="http://schemas.microsoft.com/office/powerpoint/2010/main" xmlns="" Requires="p14">
+      <p:transition spd="slow" p14:dur="2000"/>
+    </mc:Choice>
+    <mc:Fallback>
+      <p:transition spd="slow"/>
+    </mc:Fallback>
+  </mc:AlternateContent>
+  <p:timing>
+    <p:tnLst>
+      <p:par>
+        <p:cTn id="1" dur="indefinite" restart="never" nodeType="tmRoot"/>
+      </p:par>
+    </p:tnLst>
+  </p:timing>
+</p:sld>
+</file>
+
+<file path=ppt/slides/slide6.xml><?xml version="1.0" encoding="utf-8"?>
+<p:sld xmlns:a="http://schemas.openxmlformats.org/drawingml/2006/main" xmlns:r="http://schemas.openxmlformats.org/officeDocument/2006/relationships" xmlns:p="http://schemas.openxmlformats.org/presentationml/2006/main">
+  <p:cSld>
+    <p:spTree>
+      <p:nvGrpSpPr>
+        <p:cNvPr id="1" name=""/>
+        <p:cNvGrpSpPr/>
+        <p:nvPr/>
+      </p:nvGrpSpPr>
+      <p:grpSpPr>
+        <a:xfrm>
+          <a:off x="0" y="0"/>
+          <a:ext cx="0" cy="0"/>
+          <a:chOff x="0" y="0"/>
+          <a:chExt cx="0" cy="0"/>
+        </a:xfrm>
+      </p:grpSpPr>
+      <p:sp>
+        <p:nvSpPr>
+          <p:cNvPr id="2" name="CasellaDiTesto 1"/>
+          <p:cNvSpPr txBox="1"/>
+          <p:nvPr/>
+        </p:nvSpPr>
+        <p:spPr>
+          <a:xfrm>
+            <a:off x="2313062" y="660807"/>
+            <a:ext cx="4392488" cy="646331"/>
+          </a:xfrm>
+          <a:prstGeom prst="rect">
+            <a:avLst/>
+          </a:prstGeom>
+          <a:noFill/>
+        </p:spPr>
+        <p:txBody>
+          <a:bodyPr wrap="square" rtlCol="0">
+            <a:spAutoFit/>
+          </a:bodyPr>
+          <a:lstStyle/>
           <a:p>
             <a:pPr algn="ctr"/>
-            <a:endParaRPr lang="it-IT" dirty="0">
-              <a:latin typeface="+mj-lt"/>
-            </a:endParaRPr>
-          </a:p>
-        </p:txBody>
-      </p:sp>
-      <p:sp>
-        <p:nvSpPr>
-          <p:cNvPr id="9" name="Content Placeholder 3"/>
+            <a:r>
+              <a:rPr lang="it-IT" sz="3600" b="1" dirty="0" smtClean="0">
+                <a:solidFill>
+                  <a:srgbClr val="000000"/>
+                </a:solidFill>
+              </a:rPr>
+              <a:t>Genitore</a:t>
+            </a:r>
+          </a:p>
+        </p:txBody>
+      </p:sp>
+      <p:pic>
+        <p:nvPicPr>
+          <p:cNvPr id="4" name="Picture 2" descr="C:\Users\Marko\Desktop\genitori-1.jpg"/>
+          <p:cNvPicPr>
+            <a:picLocks noChangeAspect="1" noChangeArrowheads="1"/>
+          </p:cNvPicPr>
+          <p:nvPr/>
+        </p:nvPicPr>
+        <p:blipFill>
+          <a:blip r:embed="rId2" cstate="print">
+            <a:extLst>
+              <a:ext uri="{28A0092B-C50C-407E-A947-70E740481C1C}">
+                <a14:useLocalDpi xmlns:a14="http://schemas.microsoft.com/office/drawing/2010/main" xmlns="" val="0"/>
+              </a:ext>
+            </a:extLst>
+          </a:blip>
+          <a:srcRect/>
+          <a:stretch>
+            <a:fillRect/>
+          </a:stretch>
+        </p:blipFill>
+        <p:spPr bwMode="auto">
+          <a:xfrm>
+            <a:off x="5567999" y="3068962"/>
+            <a:ext cx="3576001" cy="3702126"/>
+          </a:xfrm>
+          <a:prstGeom prst="rect">
+            <a:avLst/>
+          </a:prstGeom>
+          <a:noFill/>
+          <a:extLst>
+            <a:ext uri="{909E8E84-426E-40DD-AFC4-6F175D3DCCD1}">
+              <a14:hiddenFill xmlns:a14="http://schemas.microsoft.com/office/drawing/2010/main" xmlns="">
+                <a:solidFill>
+                  <a:srgbClr val="FFFFFF"/>
+                </a:solidFill>
+              </a14:hiddenFill>
+            </a:ext>
+          </a:extLst>
+        </p:spPr>
+      </p:pic>
+      <p:sp>
+        <p:nvSpPr>
+          <p:cNvPr id="5" name="CasellaDiTesto 4"/>
+          <p:cNvSpPr txBox="1"/>
+          <p:nvPr/>
+        </p:nvSpPr>
+        <p:spPr>
+          <a:xfrm>
+            <a:off x="406996" y="1628800"/>
+            <a:ext cx="5328592" cy="2215991"/>
+          </a:xfrm>
+          <a:prstGeom prst="rect">
+            <a:avLst/>
+          </a:prstGeom>
+          <a:noFill/>
+        </p:spPr>
+        <p:txBody>
+          <a:bodyPr wrap="square" rtlCol="0">
+            <a:spAutoFit/>
+          </a:bodyPr>
+          <a:lstStyle/>
+          <a:p>
+            <a:endParaRPr lang="it-IT" sz="2400" dirty="0" smtClean="0"/>
+          </a:p>
+          <a:p>
+            <a:pPr marL="342900" indent="-342900">
+              <a:buFont typeface="Wingdings" pitchFamily="2" charset="2"/>
+              <a:buChar char="v"/>
+            </a:pPr>
+            <a:r>
+              <a:rPr lang="it-IT" sz="2400" dirty="0" smtClean="0"/>
+              <a:t>Visualizzare lo storico dei pagamenti</a:t>
+            </a:r>
+          </a:p>
+          <a:p>
+            <a:pPr marL="342900" indent="-342900">
+              <a:buFont typeface="Wingdings" pitchFamily="2" charset="2"/>
+              <a:buChar char="v"/>
+            </a:pPr>
+            <a:r>
+              <a:rPr lang="it-IT" sz="2400" dirty="0" smtClean="0"/>
+              <a:t>Visualizzare la fattura mensile</a:t>
+            </a:r>
+          </a:p>
+          <a:p>
+            <a:pPr marL="285750" indent="-285750">
+              <a:buFont typeface="Arial" pitchFamily="34" charset="0"/>
+              <a:buChar char="•"/>
+            </a:pPr>
+            <a:endParaRPr lang="it-IT" sz="2400" dirty="0" smtClean="0"/>
+          </a:p>
+          <a:p>
+            <a:pPr marL="285750" indent="-285750">
+              <a:buFont typeface="Arial" pitchFamily="34" charset="0"/>
+              <a:buChar char="•"/>
+            </a:pPr>
+            <a:endParaRPr lang="it-IT" sz="2400" dirty="0" smtClean="0"/>
+          </a:p>
+          <a:p>
+            <a:endParaRPr lang="it-IT" dirty="0"/>
+          </a:p>
+        </p:txBody>
+      </p:sp>
+    </p:spTree>
+    <p:extLst>
+      <p:ext uri="{BB962C8B-B14F-4D97-AF65-F5344CB8AC3E}">
+        <p14:creationId xmlns:p14="http://schemas.microsoft.com/office/powerpoint/2010/main" xmlns="" val="576094641"/>
+      </p:ext>
+    </p:extLst>
+  </p:cSld>
+  <p:clrMapOvr>
+    <a:masterClrMapping/>
+  </p:clrMapOvr>
+  <mc:AlternateContent xmlns:mc="http://schemas.openxmlformats.org/markup-compatibility/2006">
+    <mc:Choice xmlns:p14="http://schemas.microsoft.com/office/powerpoint/2010/main" xmlns="" Requires="p14">
+      <p:transition spd="slow" p14:dur="2000"/>
+    </mc:Choice>
+    <mc:Fallback>
+      <p:transition spd="slow"/>
+    </mc:Fallback>
+  </mc:AlternateContent>
+  <p:timing>
+    <p:tnLst>
+      <p:par>
+        <p:cTn id="1" dur="indefinite" restart="never" nodeType="tmRoot"/>
+      </p:par>
+    </p:tnLst>
+  </p:timing>
+</p:sld>
+</file>
+
+<file path=ppt/slides/slide7.xml><?xml version="1.0" encoding="utf-8"?>
+<p:sld xmlns:a="http://schemas.openxmlformats.org/drawingml/2006/main" xmlns:r="http://schemas.openxmlformats.org/officeDocument/2006/relationships" xmlns:p="http://schemas.openxmlformats.org/presentationml/2006/main">
+  <p:cSld>
+    <p:spTree>
+      <p:nvGrpSpPr>
+        <p:cNvPr id="1" name=""/>
+        <p:cNvGrpSpPr/>
+        <p:nvPr/>
+      </p:nvGrpSpPr>
+      <p:grpSpPr>
+        <a:xfrm>
+          <a:off x="0" y="0"/>
+          <a:ext cx="0" cy="0"/>
+          <a:chOff x="0" y="0"/>
+          <a:chExt cx="0" cy="0"/>
+        </a:xfrm>
+      </p:grpSpPr>
+      <p:sp>
+        <p:nvSpPr>
+          <p:cNvPr id="2" name="Titolo 1"/>
+          <p:cNvSpPr>
+            <a:spLocks noGrp="1"/>
+          </p:cNvSpPr>
+          <p:nvPr>
+            <p:ph type="title"/>
+          </p:nvPr>
+        </p:nvSpPr>
+        <p:spPr>
+          <a:xfrm>
+            <a:off x="2699792" y="764704"/>
+            <a:ext cx="3888432" cy="578328"/>
+          </a:xfrm>
+        </p:spPr>
+        <p:txBody>
+          <a:bodyPr>
+            <a:noAutofit/>
+          </a:bodyPr>
+          <a:lstStyle/>
+          <a:p>
+            <a:r>
+              <a:rPr lang="it-IT" sz="3600" b="1" dirty="0" smtClean="0"/>
+              <a:t>Gestione Pagamenti</a:t>
+            </a:r>
+            <a:endParaRPr lang="it-IT" sz="3600" b="1" dirty="0"/>
+          </a:p>
+        </p:txBody>
+      </p:sp>
+      <p:sp>
+        <p:nvSpPr>
+          <p:cNvPr id="4" name="Content Placeholder 3"/>
           <p:cNvSpPr txBox="1">
             <a:spLocks/>
           </p:cNvSpPr>
@@ -4749,8 +11855,8 @@
         </p:nvSpPr>
         <p:spPr>
           <a:xfrm>
-            <a:off x="311099" y="2972216"/>
-            <a:ext cx="5111750" cy="2353728"/>
+            <a:off x="611560" y="1519308"/>
+            <a:ext cx="5111750" cy="625536"/>
           </a:xfrm>
           <a:prstGeom prst="rect">
             <a:avLst/>
@@ -4919,45 +12025,70 @@
             </a:lvl9pPr>
           </a:lstStyle>
           <a:p>
-            <a:r>
-              <a:rPr lang="it-IT" dirty="0" smtClean="0"/>
-              <a:t>Primo livello</a:t>
-            </a:r>
-          </a:p>
-          <a:p>
-            <a:pPr lvl="1"/>
-            <a:r>
-              <a:rPr lang="it-IT" dirty="0" smtClean="0"/>
-              <a:t>Secondo livello</a:t>
-            </a:r>
-          </a:p>
-          <a:p>
-            <a:pPr lvl="2"/>
-            <a:r>
-              <a:rPr lang="it-IT" dirty="0" smtClean="0"/>
-              <a:t>Terzo livello</a:t>
-            </a:r>
-          </a:p>
-          <a:p>
-            <a:pPr lvl="3"/>
-            <a:r>
-              <a:rPr lang="it-IT" dirty="0" smtClean="0"/>
-              <a:t>Quarto livello</a:t>
-            </a:r>
-          </a:p>
-          <a:p>
-            <a:pPr lvl="4"/>
-            <a:r>
-              <a:rPr lang="it-IT" dirty="0" smtClean="0"/>
-              <a:t>Quinto livello</a:t>
-            </a:r>
-            <a:endParaRPr lang="en-US" dirty="0"/>
-          </a:p>
-        </p:txBody>
-      </p:sp>
-      <p:sp>
-        <p:nvSpPr>
-          <p:cNvPr id="10" name="Content Placeholder 3"/>
+            <a:pPr marL="0" indent="0">
+              <a:buFont typeface="Wingdings" pitchFamily="2" charset="2"/>
+              <a:buNone/>
+            </a:pPr>
+            <a:r>
+              <a:rPr lang="en-US" dirty="0" smtClean="0">
+                <a:solidFill>
+                  <a:srgbClr val="000000"/>
+                </a:solidFill>
+              </a:rPr>
+              <a:t>PRIMO IMPATTO</a:t>
+            </a:r>
+            <a:endParaRPr lang="en-US" dirty="0">
+              <a:solidFill>
+                <a:srgbClr val="000000"/>
+              </a:solidFill>
+            </a:endParaRPr>
+          </a:p>
+        </p:txBody>
+      </p:sp>
+      <p:pic>
+        <p:nvPicPr>
+          <p:cNvPr id="1026" name="Picture 2" descr="C:\Users\Marko\Desktop\MrTVlxUrDeuxxiwtND9xFZ5So1_400.jpg"/>
+          <p:cNvPicPr>
+            <a:picLocks noChangeAspect="1" noChangeArrowheads="1"/>
+          </p:cNvPicPr>
+          <p:nvPr/>
+        </p:nvPicPr>
+        <p:blipFill>
+          <a:blip r:embed="rId2" cstate="print">
+            <a:extLst>
+              <a:ext uri="{28A0092B-C50C-407E-A947-70E740481C1C}">
+                <a14:useLocalDpi xmlns:a14="http://schemas.microsoft.com/office/drawing/2010/main" xmlns="" val="0"/>
+              </a:ext>
+            </a:extLst>
+          </a:blip>
+          <a:srcRect/>
+          <a:stretch>
+            <a:fillRect/>
+          </a:stretch>
+        </p:blipFill>
+        <p:spPr bwMode="auto">
+          <a:xfrm>
+            <a:off x="1262435" y="2276872"/>
+            <a:ext cx="3810000" cy="2981325"/>
+          </a:xfrm>
+          <a:prstGeom prst="rect">
+            <a:avLst/>
+          </a:prstGeom>
+          <a:noFill/>
+          <a:extLst>
+            <a:ext uri="{909E8E84-426E-40DD-AFC4-6F175D3DCCD1}">
+              <a14:hiddenFill xmlns:a14="http://schemas.microsoft.com/office/drawing/2010/main" xmlns="">
+                <a:solidFill>
+                  <a:srgbClr val="FFFFFF"/>
+                </a:solidFill>
+              </a14:hiddenFill>
+            </a:ext>
+          </a:extLst>
+        </p:spPr>
+      </p:pic>
+      <p:sp>
+        <p:nvSpPr>
+          <p:cNvPr id="6" name="Content Placeholder 3"/>
           <p:cNvSpPr txBox="1">
             <a:spLocks/>
           </p:cNvSpPr>
@@ -4965,7 +12096,7 @@
         </p:nvSpPr>
         <p:spPr>
           <a:xfrm>
-            <a:off x="323528" y="1795352"/>
+            <a:off x="3133906" y="5589240"/>
             <a:ext cx="5111750" cy="625536"/>
           </a:xfrm>
           <a:prstGeom prst="rect">
@@ -5136,26 +12267,262 @@
           </a:lstStyle>
           <a:p>
             <a:pPr marL="0" indent="0">
+              <a:buFont typeface="Wingdings" pitchFamily="2" charset="2"/>
               <a:buNone/>
             </a:pPr>
             <a:r>
-              <a:rPr lang="en-US" dirty="0" err="1" smtClean="0"/>
-              <a:t>Testo</a:t>
-            </a:r>
-            <a:endParaRPr lang="en-US" dirty="0"/>
-          </a:p>
-        </p:txBody>
-      </p:sp>
-      <p:sp>
-        <p:nvSpPr>
-          <p:cNvPr id="11" name="CasellaDiTesto 10"/>
+              <a:rPr lang="en-US" i="1" dirty="0" err="1" smtClean="0">
+                <a:solidFill>
+                  <a:schemeClr val="accent4"/>
+                </a:solidFill>
+              </a:rPr>
+              <a:t>Capire</a:t>
+            </a:r>
+            <a:r>
+              <a:rPr lang="en-US" i="1" dirty="0" smtClean="0">
+                <a:solidFill>
+                  <a:schemeClr val="accent4"/>
+                </a:solidFill>
+              </a:rPr>
+              <a:t> </a:t>
+            </a:r>
+            <a:r>
+              <a:rPr lang="en-US" i="1" dirty="0" err="1" smtClean="0">
+                <a:solidFill>
+                  <a:schemeClr val="accent4"/>
+                </a:solidFill>
+              </a:rPr>
+              <a:t>cosa</a:t>
+            </a:r>
+            <a:r>
+              <a:rPr lang="en-US" i="1" dirty="0" smtClean="0">
+                <a:solidFill>
+                  <a:schemeClr val="accent4"/>
+                </a:solidFill>
+              </a:rPr>
+              <a:t> </a:t>
+            </a:r>
+            <a:r>
+              <a:rPr lang="en-US" i="1" dirty="0" err="1" smtClean="0">
+                <a:solidFill>
+                  <a:schemeClr val="accent4"/>
+                </a:solidFill>
+              </a:rPr>
+              <a:t>il</a:t>
+            </a:r>
+            <a:r>
+              <a:rPr lang="en-US" i="1" dirty="0" smtClean="0">
+                <a:solidFill>
+                  <a:schemeClr val="accent4"/>
+                </a:solidFill>
+              </a:rPr>
+              <a:t> </a:t>
+            </a:r>
+            <a:r>
+              <a:rPr lang="en-US" i="1" dirty="0" err="1" smtClean="0">
+                <a:solidFill>
+                  <a:schemeClr val="accent4"/>
+                </a:solidFill>
+              </a:rPr>
+              <a:t>cliente</a:t>
+            </a:r>
+            <a:r>
+              <a:rPr lang="en-US" i="1" dirty="0" smtClean="0">
+                <a:solidFill>
+                  <a:schemeClr val="accent4"/>
+                </a:solidFill>
+              </a:rPr>
+              <a:t> </a:t>
+            </a:r>
+            <a:r>
+              <a:rPr lang="en-US" i="1" dirty="0" err="1" smtClean="0">
+                <a:solidFill>
+                  <a:schemeClr val="accent4"/>
+                </a:solidFill>
+              </a:rPr>
+              <a:t>vuole</a:t>
+            </a:r>
+            <a:endParaRPr lang="en-US" i="1" dirty="0">
+              <a:solidFill>
+                <a:schemeClr val="accent4"/>
+              </a:solidFill>
+            </a:endParaRPr>
+          </a:p>
+        </p:txBody>
+      </p:sp>
+    </p:spTree>
+    <p:extLst>
+      <p:ext uri="{BB962C8B-B14F-4D97-AF65-F5344CB8AC3E}">
+        <p14:creationId xmlns:p14="http://schemas.microsoft.com/office/powerpoint/2010/main" xmlns="" val="4188503847"/>
+      </p:ext>
+    </p:extLst>
+  </p:cSld>
+  <p:clrMapOvr>
+    <a:masterClrMapping/>
+  </p:clrMapOvr>
+  <p:timing>
+    <p:tnLst>
+      <p:par>
+        <p:cTn id="1" dur="indefinite" restart="never" nodeType="tmRoot">
+          <p:childTnLst>
+            <p:seq concurrent="1" nextAc="seek">
+              <p:cTn id="2" dur="indefinite" nodeType="mainSeq">
+                <p:childTnLst>
+                  <p:par>
+                    <p:cTn id="3" fill="hold">
+                      <p:stCondLst>
+                        <p:cond delay="indefinite"/>
+                        <p:cond evt="onBegin" delay="0">
+                          <p:tn val="2"/>
+                        </p:cond>
+                      </p:stCondLst>
+                      <p:childTnLst>
+                        <p:par>
+                          <p:cTn id="4" fill="hold">
+                            <p:stCondLst>
+                              <p:cond delay="0"/>
+                            </p:stCondLst>
+                            <p:childTnLst>
+                              <p:par>
+                                <p:cTn id="5" presetID="26" presetClass="emph" presetSubtype="0" fill="hold" grpId="0" nodeType="afterEffect">
+                                  <p:stCondLst>
+                                    <p:cond delay="0"/>
+                                  </p:stCondLst>
+                                  <p:childTnLst>
+                                    <p:animEffect transition="out" filter="fade">
+                                      <p:cBhvr>
+                                        <p:cTn id="6" dur="500" tmFilter="0, 0; .2, .5; .8, .5; 1, 0"/>
+                                        <p:tgtEl>
+                                          <p:spTgt spid="6"/>
+                                        </p:tgtEl>
+                                      </p:cBhvr>
+                                    </p:animEffect>
+                                    <p:animScale>
+                                      <p:cBhvr>
+                                        <p:cTn id="7" dur="250" autoRev="1" fill="hold"/>
+                                        <p:tgtEl>
+                                          <p:spTgt spid="6"/>
+                                        </p:tgtEl>
+                                      </p:cBhvr>
+                                      <p:by x="105000" y="105000"/>
+                                    </p:animScale>
+                                  </p:childTnLst>
+                                </p:cTn>
+                              </p:par>
+                            </p:childTnLst>
+                          </p:cTn>
+                        </p:par>
+                      </p:childTnLst>
+                    </p:cTn>
+                  </p:par>
+                  <p:par>
+                    <p:cTn id="8" fill="hold">
+                      <p:stCondLst>
+                        <p:cond delay="indefinite"/>
+                      </p:stCondLst>
+                      <p:childTnLst>
+                        <p:par>
+                          <p:cTn id="9" fill="hold">
+                            <p:stCondLst>
+                              <p:cond delay="0"/>
+                            </p:stCondLst>
+                            <p:childTnLst>
+                              <p:par>
+                                <p:cTn id="10" presetID="21" presetClass="entr" presetSubtype="1" fill="hold" nodeType="clickEffect">
+                                  <p:stCondLst>
+                                    <p:cond delay="0"/>
+                                  </p:stCondLst>
+                                  <p:childTnLst>
+                                    <p:set>
+                                      <p:cBhvr>
+                                        <p:cTn id="11" dur="1" fill="hold">
+                                          <p:stCondLst>
+                                            <p:cond delay="0"/>
+                                          </p:stCondLst>
+                                        </p:cTn>
+                                        <p:tgtEl>
+                                          <p:spTgt spid="1026"/>
+                                        </p:tgtEl>
+                                        <p:attrNameLst>
+                                          <p:attrName>style.visibility</p:attrName>
+                                        </p:attrNameLst>
+                                      </p:cBhvr>
+                                      <p:to>
+                                        <p:strVal val="visible"/>
+                                      </p:to>
+                                    </p:set>
+                                    <p:animEffect transition="in" filter="wheel(1)">
+                                      <p:cBhvr>
+                                        <p:cTn id="12" dur="2000"/>
+                                        <p:tgtEl>
+                                          <p:spTgt spid="1026"/>
+                                        </p:tgtEl>
+                                      </p:cBhvr>
+                                    </p:animEffect>
+                                  </p:childTnLst>
+                                </p:cTn>
+                              </p:par>
+                            </p:childTnLst>
+                          </p:cTn>
+                        </p:par>
+                      </p:childTnLst>
+                    </p:cTn>
+                  </p:par>
+                </p:childTnLst>
+              </p:cTn>
+              <p:prevCondLst>
+                <p:cond evt="onPrev" delay="0">
+                  <p:tgtEl>
+                    <p:sldTgt/>
+                  </p:tgtEl>
+                </p:cond>
+              </p:prevCondLst>
+              <p:nextCondLst>
+                <p:cond evt="onNext" delay="0">
+                  <p:tgtEl>
+                    <p:sldTgt/>
+                  </p:tgtEl>
+                </p:cond>
+              </p:nextCondLst>
+            </p:seq>
+          </p:childTnLst>
+        </p:cTn>
+      </p:par>
+    </p:tnLst>
+    <p:bldLst>
+      <p:bldP spid="6" grpId="0"/>
+    </p:bldLst>
+  </p:timing>
+</p:sld>
+</file>
+
+<file path=ppt/slides/slide8.xml><?xml version="1.0" encoding="utf-8"?>
+<p:sld xmlns:a="http://schemas.openxmlformats.org/drawingml/2006/main" xmlns:r="http://schemas.openxmlformats.org/officeDocument/2006/relationships" xmlns:p="http://schemas.openxmlformats.org/presentationml/2006/main">
+  <p:cSld>
+    <p:spTree>
+      <p:nvGrpSpPr>
+        <p:cNvPr id="1" name=""/>
+        <p:cNvGrpSpPr/>
+        <p:nvPr/>
+      </p:nvGrpSpPr>
+      <p:grpSpPr>
+        <a:xfrm>
+          <a:off x="0" y="0"/>
+          <a:ext cx="0" cy="0"/>
+          <a:chOff x="0" y="0"/>
+          <a:chExt cx="0" cy="0"/>
+        </a:xfrm>
+      </p:grpSpPr>
+      <p:sp>
+        <p:nvSpPr>
+          <p:cNvPr id="2" name="CasellaDiTesto 1"/>
           <p:cNvSpPr txBox="1"/>
           <p:nvPr/>
         </p:nvSpPr>
         <p:spPr>
           <a:xfrm>
-            <a:off x="5148064" y="2204864"/>
-            <a:ext cx="3695499" cy="1477328"/>
+            <a:off x="1043608" y="787214"/>
+            <a:ext cx="3557832" cy="646331"/>
           </a:xfrm>
           <a:prstGeom prst="rect">
             <a:avLst/>
@@ -5168,63 +12535,876 @@
           </a:bodyPr>
           <a:lstStyle/>
           <a:p>
-            <a:r>
-              <a:rPr lang="it-IT" dirty="0" smtClean="0"/>
-              <a:t>Copia incollare le due caselle di testo </a:t>
-            </a:r>
-          </a:p>
-          <a:p>
-            <a:r>
-              <a:rPr lang="it-IT" dirty="0" smtClean="0"/>
-              <a:t>A sinistra per inserire testo e indici </a:t>
-            </a:r>
-          </a:p>
-          <a:p>
-            <a:r>
-              <a:rPr lang="it-IT" dirty="0" smtClean="0"/>
-              <a:t>(il formato per queste caselle è già</a:t>
-            </a:r>
-          </a:p>
-          <a:p>
-            <a:r>
-              <a:rPr lang="it-IT" dirty="0" smtClean="0"/>
-              <a:t> selezionato</a:t>
-            </a:r>
-          </a:p>
-          <a:p>
-            <a:r>
-              <a:rPr lang="it-IT" dirty="0" smtClean="0"/>
-              <a:t>Come da </a:t>
-            </a:r>
-            <a:r>
-              <a:rPr lang="it-IT" dirty="0" err="1" smtClean="0"/>
-              <a:t>template</a:t>
-            </a:r>
-            <a:r>
-              <a:rPr lang="it-IT" dirty="0" smtClean="0"/>
-              <a:t>)</a:t>
-            </a:r>
-          </a:p>
-        </p:txBody>
-      </p:sp>
+            <a:pPr algn="ctr"/>
+            <a:r>
+              <a:rPr lang="it-IT" sz="3600" b="1" dirty="0" smtClean="0">
+                <a:latin typeface="+mj-lt"/>
+              </a:rPr>
+              <a:t>Team M vs Bando</a:t>
+            </a:r>
+          </a:p>
+        </p:txBody>
+      </p:sp>
+      <p:sp>
+        <p:nvSpPr>
+          <p:cNvPr id="3" name="Content Placeholder 3"/>
+          <p:cNvSpPr txBox="1">
+            <a:spLocks/>
+          </p:cNvSpPr>
+          <p:nvPr/>
+        </p:nvSpPr>
+        <p:spPr>
+          <a:xfrm>
+            <a:off x="332158" y="2132856"/>
+            <a:ext cx="8488314" cy="1476614"/>
+          </a:xfrm>
+          <a:prstGeom prst="rect">
+            <a:avLst/>
+          </a:prstGeom>
+        </p:spPr>
+        <p:txBody>
+          <a:bodyPr tIns="0"/>
+          <a:lstStyle>
+            <a:lvl1pPr marL="274320" indent="-274320" algn="l" rtl="0" eaLnBrk="1" latinLnBrk="0" hangingPunct="1">
+              <a:spcBef>
+                <a:spcPct val="20000"/>
+              </a:spcBef>
+              <a:buClrTx/>
+              <a:buSzPct val="95000"/>
+              <a:buFont typeface="Wingdings" pitchFamily="2" charset="2"/>
+              <a:buChar char="v"/>
+              <a:defRPr kumimoji="0" sz="2800" kern="1200">
+                <a:solidFill>
+                  <a:schemeClr val="tx1"/>
+                </a:solidFill>
+                <a:latin typeface="+mn-lt"/>
+                <a:ea typeface="+mn-ea"/>
+                <a:cs typeface="+mn-cs"/>
+              </a:defRPr>
+            </a:lvl1pPr>
+            <a:lvl2pPr marL="640080" indent="-246888" algn="l" rtl="0" eaLnBrk="1" latinLnBrk="0" hangingPunct="1">
+              <a:spcBef>
+                <a:spcPct val="20000"/>
+              </a:spcBef>
+              <a:buClrTx/>
+              <a:buSzPct val="85000"/>
+              <a:buFont typeface="Courier New" pitchFamily="49" charset="0"/>
+              <a:buChar char="o"/>
+              <a:defRPr kumimoji="0" sz="2600" kern="1200">
+                <a:solidFill>
+                  <a:schemeClr val="tx1"/>
+                </a:solidFill>
+                <a:latin typeface="+mn-lt"/>
+                <a:ea typeface="+mn-ea"/>
+                <a:cs typeface="+mn-cs"/>
+              </a:defRPr>
+            </a:lvl2pPr>
+            <a:lvl3pPr marL="914400" indent="-246888" algn="l" rtl="0" eaLnBrk="1" latinLnBrk="0" hangingPunct="1">
+              <a:spcBef>
+                <a:spcPct val="20000"/>
+              </a:spcBef>
+              <a:buClrTx/>
+              <a:buSzPct val="70000"/>
+              <a:buFont typeface="Wingdings 2"/>
+              <a:buChar char=""/>
+              <a:defRPr kumimoji="0" sz="2400" kern="1200">
+                <a:solidFill>
+                  <a:schemeClr val="tx1"/>
+                </a:solidFill>
+                <a:latin typeface="+mn-lt"/>
+                <a:ea typeface="+mn-ea"/>
+                <a:cs typeface="+mn-cs"/>
+              </a:defRPr>
+            </a:lvl3pPr>
+            <a:lvl4pPr marL="1188720" indent="-210312" algn="l" rtl="0" eaLnBrk="1" latinLnBrk="0" hangingPunct="1">
+              <a:spcBef>
+                <a:spcPct val="20000"/>
+              </a:spcBef>
+              <a:buClrTx/>
+              <a:buSzPct val="65000"/>
+              <a:buFont typeface="Wingdings 2"/>
+              <a:buChar char=""/>
+              <a:defRPr kumimoji="0" sz="2000" kern="1200">
+                <a:solidFill>
+                  <a:schemeClr val="tx1"/>
+                </a:solidFill>
+                <a:latin typeface="+mn-lt"/>
+                <a:ea typeface="+mn-ea"/>
+                <a:cs typeface="+mn-cs"/>
+              </a:defRPr>
+            </a:lvl4pPr>
+            <a:lvl5pPr marL="1463040" indent="-210312" algn="l" rtl="0" eaLnBrk="1" latinLnBrk="0" hangingPunct="1">
+              <a:spcBef>
+                <a:spcPct val="20000"/>
+              </a:spcBef>
+              <a:buClrTx/>
+              <a:buSzPct val="65000"/>
+              <a:buFont typeface="Wingdings 2"/>
+              <a:buChar char=""/>
+              <a:defRPr kumimoji="0" sz="1800" kern="1200">
+                <a:solidFill>
+                  <a:schemeClr val="tx1"/>
+                </a:solidFill>
+                <a:latin typeface="+mn-lt"/>
+                <a:ea typeface="+mn-ea"/>
+                <a:cs typeface="+mn-cs"/>
+              </a:defRPr>
+            </a:lvl5pPr>
+            <a:lvl6pPr marL="1737360" indent="-210312" algn="l" rtl="0" eaLnBrk="1" latinLnBrk="0" hangingPunct="1">
+              <a:spcBef>
+                <a:spcPct val="20000"/>
+              </a:spcBef>
+              <a:buClr>
+                <a:schemeClr val="accent5"/>
+              </a:buClr>
+              <a:buSzPct val="80000"/>
+              <a:buFont typeface="Wingdings 2"/>
+              <a:buChar char=""/>
+              <a:defRPr kumimoji="0" sz="1800" kern="1200">
+                <a:solidFill>
+                  <a:schemeClr val="tx1"/>
+                </a:solidFill>
+                <a:latin typeface="+mn-lt"/>
+                <a:ea typeface="+mn-ea"/>
+                <a:cs typeface="+mn-cs"/>
+              </a:defRPr>
+            </a:lvl6pPr>
+            <a:lvl7pPr marL="1920240" indent="-182880" algn="l" rtl="0" eaLnBrk="1" latinLnBrk="0" hangingPunct="1">
+              <a:spcBef>
+                <a:spcPct val="20000"/>
+              </a:spcBef>
+              <a:buClr>
+                <a:schemeClr val="accent6"/>
+              </a:buClr>
+              <a:buSzPct val="80000"/>
+              <a:buFont typeface="Wingdings 2"/>
+              <a:buChar char=""/>
+              <a:defRPr kumimoji="0" sz="1600" kern="1200" baseline="0">
+                <a:solidFill>
+                  <a:schemeClr val="tx1"/>
+                </a:solidFill>
+                <a:latin typeface="+mn-lt"/>
+                <a:ea typeface="+mn-ea"/>
+                <a:cs typeface="+mn-cs"/>
+              </a:defRPr>
+            </a:lvl7pPr>
+            <a:lvl8pPr marL="2194560" indent="-182880" algn="l" rtl="0" eaLnBrk="1" latinLnBrk="0" hangingPunct="1">
+              <a:spcBef>
+                <a:spcPct val="20000"/>
+              </a:spcBef>
+              <a:buClr>
+                <a:schemeClr val="tx2"/>
+              </a:buClr>
+              <a:buChar char="•"/>
+              <a:defRPr kumimoji="0" sz="1600" kern="1200">
+                <a:solidFill>
+                  <a:schemeClr val="tx1"/>
+                </a:solidFill>
+                <a:latin typeface="+mn-lt"/>
+                <a:ea typeface="+mn-ea"/>
+                <a:cs typeface="+mn-cs"/>
+              </a:defRPr>
+            </a:lvl8pPr>
+            <a:lvl9pPr marL="2468880" indent="-182880" algn="l" rtl="0" eaLnBrk="1" latinLnBrk="0" hangingPunct="1">
+              <a:spcBef>
+                <a:spcPct val="20000"/>
+              </a:spcBef>
+              <a:buClr>
+                <a:schemeClr val="tx2"/>
+              </a:buClr>
+              <a:buFontTx/>
+              <a:buChar char="•"/>
+              <a:defRPr kumimoji="0" sz="1400" kern="1200" baseline="0">
+                <a:solidFill>
+                  <a:schemeClr val="tx1"/>
+                </a:solidFill>
+                <a:latin typeface="+mn-lt"/>
+                <a:ea typeface="+mn-ea"/>
+                <a:cs typeface="+mn-cs"/>
+              </a:defRPr>
+            </a:lvl9pPr>
+          </a:lstStyle>
+          <a:p>
+            <a:pPr marL="0" indent="0">
+              <a:buFont typeface="Wingdings" pitchFamily="2" charset="2"/>
+              <a:buNone/>
+            </a:pPr>
+            <a:r>
+              <a:rPr lang="en-US" b="1" dirty="0" smtClean="0">
+                <a:solidFill>
+                  <a:srgbClr val="000000"/>
+                </a:solidFill>
+              </a:rPr>
+              <a:t>Problem: </a:t>
+            </a:r>
+            <a:r>
+              <a:rPr lang="en-US" dirty="0" err="1" smtClean="0">
+                <a:solidFill>
+                  <a:srgbClr val="000000"/>
+                </a:solidFill>
+              </a:rPr>
+              <a:t>bando</a:t>
+            </a:r>
+            <a:r>
+              <a:rPr lang="en-US" dirty="0" smtClean="0">
+                <a:solidFill>
+                  <a:srgbClr val="000000"/>
+                </a:solidFill>
+              </a:rPr>
+              <a:t> non </a:t>
+            </a:r>
+            <a:r>
+              <a:rPr lang="en-US" dirty="0" err="1" smtClean="0">
+                <a:solidFill>
+                  <a:srgbClr val="000000"/>
+                </a:solidFill>
+              </a:rPr>
+              <a:t>specifico</a:t>
+            </a:r>
+            <a:r>
+              <a:rPr lang="en-US" dirty="0" smtClean="0">
+                <a:solidFill>
+                  <a:srgbClr val="000000"/>
+                </a:solidFill>
+              </a:rPr>
+              <a:t> </a:t>
+            </a:r>
+            <a:r>
+              <a:rPr lang="en-US" dirty="0" err="1" smtClean="0">
+                <a:solidFill>
+                  <a:srgbClr val="000000"/>
+                </a:solidFill>
+              </a:rPr>
+              <a:t>su</a:t>
+            </a:r>
+            <a:r>
+              <a:rPr lang="en-US" dirty="0" smtClean="0">
+                <a:solidFill>
+                  <a:srgbClr val="000000"/>
+                </a:solidFill>
+              </a:rPr>
+              <a:t> </a:t>
+            </a:r>
+            <a:r>
+              <a:rPr lang="en-US" dirty="0" err="1" smtClean="0">
+                <a:solidFill>
+                  <a:srgbClr val="000000"/>
+                </a:solidFill>
+              </a:rPr>
+              <a:t>molte</a:t>
+            </a:r>
+            <a:r>
+              <a:rPr lang="en-US" dirty="0" smtClean="0">
+                <a:solidFill>
+                  <a:srgbClr val="000000"/>
+                </a:solidFill>
+              </a:rPr>
+              <a:t> </a:t>
+            </a:r>
+            <a:r>
+              <a:rPr lang="en-US" dirty="0" err="1" smtClean="0">
+                <a:solidFill>
+                  <a:srgbClr val="000000"/>
+                </a:solidFill>
+              </a:rPr>
+              <a:t>questioni</a:t>
+            </a:r>
+            <a:r>
+              <a:rPr lang="en-US" dirty="0" smtClean="0">
+                <a:solidFill>
+                  <a:srgbClr val="000000"/>
+                </a:solidFill>
+              </a:rPr>
+              <a:t>, solo </a:t>
+            </a:r>
+            <a:r>
+              <a:rPr lang="en-US" dirty="0" err="1" smtClean="0">
+                <a:solidFill>
+                  <a:srgbClr val="000000"/>
+                </a:solidFill>
+              </a:rPr>
+              <a:t>accennate</a:t>
+            </a:r>
+            <a:r>
+              <a:rPr lang="en-US" dirty="0" smtClean="0">
+                <a:solidFill>
+                  <a:srgbClr val="000000"/>
+                </a:solidFill>
+              </a:rPr>
+              <a:t> come </a:t>
+            </a:r>
+            <a:r>
+              <a:rPr lang="en-US" dirty="0" err="1" smtClean="0">
+                <a:solidFill>
+                  <a:srgbClr val="000000"/>
+                </a:solidFill>
+              </a:rPr>
+              <a:t>rimborso</a:t>
+            </a:r>
+            <a:r>
+              <a:rPr lang="en-US" dirty="0" smtClean="0">
+                <a:solidFill>
+                  <a:srgbClr val="000000"/>
+                </a:solidFill>
+              </a:rPr>
+              <a:t>, </a:t>
+            </a:r>
+            <a:r>
+              <a:rPr lang="en-US" dirty="0" err="1" smtClean="0">
+                <a:solidFill>
+                  <a:srgbClr val="000000"/>
+                </a:solidFill>
+              </a:rPr>
+              <a:t>sconto</a:t>
+            </a:r>
+            <a:r>
+              <a:rPr lang="en-US" dirty="0" smtClean="0">
+                <a:solidFill>
+                  <a:srgbClr val="000000"/>
+                </a:solidFill>
+              </a:rPr>
+              <a:t>, </a:t>
+            </a:r>
+            <a:r>
+              <a:rPr lang="en-US" dirty="0" err="1" smtClean="0">
+                <a:solidFill>
+                  <a:srgbClr val="000000"/>
+                </a:solidFill>
+              </a:rPr>
+              <a:t>dipendenti</a:t>
+            </a:r>
+            <a:r>
+              <a:rPr lang="en-US" dirty="0" smtClean="0">
+                <a:solidFill>
+                  <a:srgbClr val="000000"/>
+                </a:solidFill>
+              </a:rPr>
+              <a:t>/</a:t>
+            </a:r>
+            <a:r>
+              <a:rPr lang="en-US" dirty="0" err="1" smtClean="0">
+                <a:solidFill>
+                  <a:srgbClr val="000000"/>
+                </a:solidFill>
+              </a:rPr>
+              <a:t>studenti</a:t>
+            </a:r>
+            <a:r>
+              <a:rPr lang="en-US" dirty="0" smtClean="0">
+                <a:solidFill>
+                  <a:srgbClr val="000000"/>
+                </a:solidFill>
+              </a:rPr>
+              <a:t> </a:t>
+            </a:r>
+            <a:r>
+              <a:rPr lang="en-US" dirty="0" err="1" smtClean="0">
+                <a:solidFill>
+                  <a:srgbClr val="000000"/>
+                </a:solidFill>
+              </a:rPr>
+              <a:t>ecc</a:t>
+            </a:r>
+            <a:r>
+              <a:rPr lang="en-US" dirty="0" smtClean="0">
+                <a:solidFill>
+                  <a:srgbClr val="000000"/>
+                </a:solidFill>
+              </a:rPr>
+              <a:t>..</a:t>
+            </a:r>
+            <a:endParaRPr lang="en-US" dirty="0">
+              <a:solidFill>
+                <a:srgbClr val="000000"/>
+              </a:solidFill>
+            </a:endParaRPr>
+          </a:p>
+        </p:txBody>
+      </p:sp>
+      <p:sp>
+        <p:nvSpPr>
+          <p:cNvPr id="4" name="Content Placeholder 3"/>
+          <p:cNvSpPr txBox="1">
+            <a:spLocks/>
+          </p:cNvSpPr>
+          <p:nvPr/>
+        </p:nvSpPr>
+        <p:spPr>
+          <a:xfrm>
+            <a:off x="323528" y="4077072"/>
+            <a:ext cx="8352928" cy="1008112"/>
+          </a:xfrm>
+          <a:prstGeom prst="rect">
+            <a:avLst/>
+          </a:prstGeom>
+        </p:spPr>
+        <p:txBody>
+          <a:bodyPr tIns="0"/>
+          <a:lstStyle>
+            <a:lvl1pPr marL="274320" indent="-274320" algn="l" rtl="0" eaLnBrk="1" latinLnBrk="0" hangingPunct="1">
+              <a:spcBef>
+                <a:spcPct val="20000"/>
+              </a:spcBef>
+              <a:buClrTx/>
+              <a:buSzPct val="95000"/>
+              <a:buFont typeface="Wingdings" pitchFamily="2" charset="2"/>
+              <a:buChar char="v"/>
+              <a:defRPr kumimoji="0" sz="2800" kern="1200">
+                <a:solidFill>
+                  <a:schemeClr val="tx1"/>
+                </a:solidFill>
+                <a:latin typeface="+mn-lt"/>
+                <a:ea typeface="+mn-ea"/>
+                <a:cs typeface="+mn-cs"/>
+              </a:defRPr>
+            </a:lvl1pPr>
+            <a:lvl2pPr marL="640080" indent="-246888" algn="l" rtl="0" eaLnBrk="1" latinLnBrk="0" hangingPunct="1">
+              <a:spcBef>
+                <a:spcPct val="20000"/>
+              </a:spcBef>
+              <a:buClrTx/>
+              <a:buSzPct val="85000"/>
+              <a:buFont typeface="Courier New" pitchFamily="49" charset="0"/>
+              <a:buChar char="o"/>
+              <a:defRPr kumimoji="0" sz="2600" kern="1200">
+                <a:solidFill>
+                  <a:schemeClr val="tx1"/>
+                </a:solidFill>
+                <a:latin typeface="+mn-lt"/>
+                <a:ea typeface="+mn-ea"/>
+                <a:cs typeface="+mn-cs"/>
+              </a:defRPr>
+            </a:lvl2pPr>
+            <a:lvl3pPr marL="914400" indent="-246888" algn="l" rtl="0" eaLnBrk="1" latinLnBrk="0" hangingPunct="1">
+              <a:spcBef>
+                <a:spcPct val="20000"/>
+              </a:spcBef>
+              <a:buClrTx/>
+              <a:buSzPct val="70000"/>
+              <a:buFont typeface="Wingdings 2"/>
+              <a:buChar char=""/>
+              <a:defRPr kumimoji="0" sz="2400" kern="1200">
+                <a:solidFill>
+                  <a:schemeClr val="tx1"/>
+                </a:solidFill>
+                <a:latin typeface="+mn-lt"/>
+                <a:ea typeface="+mn-ea"/>
+                <a:cs typeface="+mn-cs"/>
+              </a:defRPr>
+            </a:lvl3pPr>
+            <a:lvl4pPr marL="1188720" indent="-210312" algn="l" rtl="0" eaLnBrk="1" latinLnBrk="0" hangingPunct="1">
+              <a:spcBef>
+                <a:spcPct val="20000"/>
+              </a:spcBef>
+              <a:buClrTx/>
+              <a:buSzPct val="65000"/>
+              <a:buFont typeface="Wingdings 2"/>
+              <a:buChar char=""/>
+              <a:defRPr kumimoji="0" sz="2000" kern="1200">
+                <a:solidFill>
+                  <a:schemeClr val="tx1"/>
+                </a:solidFill>
+                <a:latin typeface="+mn-lt"/>
+                <a:ea typeface="+mn-ea"/>
+                <a:cs typeface="+mn-cs"/>
+              </a:defRPr>
+            </a:lvl4pPr>
+            <a:lvl5pPr marL="1463040" indent="-210312" algn="l" rtl="0" eaLnBrk="1" latinLnBrk="0" hangingPunct="1">
+              <a:spcBef>
+                <a:spcPct val="20000"/>
+              </a:spcBef>
+              <a:buClrTx/>
+              <a:buSzPct val="65000"/>
+              <a:buFont typeface="Wingdings 2"/>
+              <a:buChar char=""/>
+              <a:defRPr kumimoji="0" sz="1800" kern="1200">
+                <a:solidFill>
+                  <a:schemeClr val="tx1"/>
+                </a:solidFill>
+                <a:latin typeface="+mn-lt"/>
+                <a:ea typeface="+mn-ea"/>
+                <a:cs typeface="+mn-cs"/>
+              </a:defRPr>
+            </a:lvl5pPr>
+            <a:lvl6pPr marL="1737360" indent="-210312" algn="l" rtl="0" eaLnBrk="1" latinLnBrk="0" hangingPunct="1">
+              <a:spcBef>
+                <a:spcPct val="20000"/>
+              </a:spcBef>
+              <a:buClr>
+                <a:schemeClr val="accent5"/>
+              </a:buClr>
+              <a:buSzPct val="80000"/>
+              <a:buFont typeface="Wingdings 2"/>
+              <a:buChar char=""/>
+              <a:defRPr kumimoji="0" sz="1800" kern="1200">
+                <a:solidFill>
+                  <a:schemeClr val="tx1"/>
+                </a:solidFill>
+                <a:latin typeface="+mn-lt"/>
+                <a:ea typeface="+mn-ea"/>
+                <a:cs typeface="+mn-cs"/>
+              </a:defRPr>
+            </a:lvl6pPr>
+            <a:lvl7pPr marL="1920240" indent="-182880" algn="l" rtl="0" eaLnBrk="1" latinLnBrk="0" hangingPunct="1">
+              <a:spcBef>
+                <a:spcPct val="20000"/>
+              </a:spcBef>
+              <a:buClr>
+                <a:schemeClr val="accent6"/>
+              </a:buClr>
+              <a:buSzPct val="80000"/>
+              <a:buFont typeface="Wingdings 2"/>
+              <a:buChar char=""/>
+              <a:defRPr kumimoji="0" sz="1600" kern="1200" baseline="0">
+                <a:solidFill>
+                  <a:schemeClr val="tx1"/>
+                </a:solidFill>
+                <a:latin typeface="+mn-lt"/>
+                <a:ea typeface="+mn-ea"/>
+                <a:cs typeface="+mn-cs"/>
+              </a:defRPr>
+            </a:lvl7pPr>
+            <a:lvl8pPr marL="2194560" indent="-182880" algn="l" rtl="0" eaLnBrk="1" latinLnBrk="0" hangingPunct="1">
+              <a:spcBef>
+                <a:spcPct val="20000"/>
+              </a:spcBef>
+              <a:buClr>
+                <a:schemeClr val="tx2"/>
+              </a:buClr>
+              <a:buChar char="•"/>
+              <a:defRPr kumimoji="0" sz="1600" kern="1200">
+                <a:solidFill>
+                  <a:schemeClr val="tx1"/>
+                </a:solidFill>
+                <a:latin typeface="+mn-lt"/>
+                <a:ea typeface="+mn-ea"/>
+                <a:cs typeface="+mn-cs"/>
+              </a:defRPr>
+            </a:lvl8pPr>
+            <a:lvl9pPr marL="2468880" indent="-182880" algn="l" rtl="0" eaLnBrk="1" latinLnBrk="0" hangingPunct="1">
+              <a:spcBef>
+                <a:spcPct val="20000"/>
+              </a:spcBef>
+              <a:buClr>
+                <a:schemeClr val="tx2"/>
+              </a:buClr>
+              <a:buFontTx/>
+              <a:buChar char="•"/>
+              <a:defRPr kumimoji="0" sz="1400" kern="1200" baseline="0">
+                <a:solidFill>
+                  <a:schemeClr val="tx1"/>
+                </a:solidFill>
+                <a:latin typeface="+mn-lt"/>
+                <a:ea typeface="+mn-ea"/>
+                <a:cs typeface="+mn-cs"/>
+              </a:defRPr>
+            </a:lvl9pPr>
+          </a:lstStyle>
+          <a:p>
+            <a:pPr marL="0" indent="0">
+              <a:buFont typeface="Wingdings" pitchFamily="2" charset="2"/>
+              <a:buNone/>
+            </a:pPr>
+            <a:r>
+              <a:rPr lang="en-US" b="1" dirty="0" smtClean="0">
+                <a:solidFill>
+                  <a:srgbClr val="000000"/>
+                </a:solidFill>
+              </a:rPr>
+              <a:t>Solution: </a:t>
+            </a:r>
+            <a:r>
+              <a:rPr lang="en-US" dirty="0" err="1" smtClean="0">
+                <a:solidFill>
+                  <a:srgbClr val="000000"/>
+                </a:solidFill>
+              </a:rPr>
+              <a:t>Gestire</a:t>
+            </a:r>
+            <a:r>
+              <a:rPr lang="en-US" dirty="0" smtClean="0">
+                <a:solidFill>
+                  <a:srgbClr val="000000"/>
+                </a:solidFill>
+              </a:rPr>
+              <a:t> </a:t>
+            </a:r>
+            <a:r>
+              <a:rPr lang="en-US" dirty="0" err="1" smtClean="0">
+                <a:solidFill>
+                  <a:srgbClr val="000000"/>
+                </a:solidFill>
+              </a:rPr>
+              <a:t>i</a:t>
+            </a:r>
+            <a:r>
+              <a:rPr lang="en-US" dirty="0" smtClean="0">
+                <a:solidFill>
+                  <a:srgbClr val="000000"/>
+                </a:solidFill>
+              </a:rPr>
+              <a:t> </a:t>
+            </a:r>
+            <a:r>
+              <a:rPr lang="en-US" dirty="0" err="1" smtClean="0">
+                <a:solidFill>
+                  <a:srgbClr val="000000"/>
+                </a:solidFill>
+              </a:rPr>
+              <a:t>pagamenti</a:t>
+            </a:r>
+            <a:r>
+              <a:rPr lang="en-US" dirty="0" smtClean="0">
+                <a:solidFill>
+                  <a:srgbClr val="000000"/>
+                </a:solidFill>
+              </a:rPr>
+              <a:t> </a:t>
+            </a:r>
+            <a:r>
+              <a:rPr lang="en-US" dirty="0" err="1" smtClean="0">
+                <a:solidFill>
+                  <a:srgbClr val="000000"/>
+                </a:solidFill>
+              </a:rPr>
+              <a:t>trattando</a:t>
+            </a:r>
+            <a:r>
+              <a:rPr lang="en-US" dirty="0" smtClean="0">
+                <a:solidFill>
+                  <a:srgbClr val="000000"/>
+                </a:solidFill>
+              </a:rPr>
+              <a:t> solo </a:t>
+            </a:r>
+            <a:r>
+              <a:rPr lang="en-US" dirty="0" err="1" smtClean="0">
+                <a:solidFill>
+                  <a:srgbClr val="000000"/>
+                </a:solidFill>
+              </a:rPr>
+              <a:t>campi</a:t>
+            </a:r>
+            <a:r>
+              <a:rPr lang="en-US" dirty="0" smtClean="0">
+                <a:solidFill>
+                  <a:srgbClr val="000000"/>
+                </a:solidFill>
+              </a:rPr>
+              <a:t> </a:t>
+            </a:r>
+            <a:r>
+              <a:rPr lang="en-US" dirty="0" err="1" smtClean="0">
+                <a:solidFill>
+                  <a:srgbClr val="000000"/>
+                </a:solidFill>
+              </a:rPr>
+              <a:t>noti</a:t>
+            </a:r>
+            <a:endParaRPr lang="en-US" dirty="0">
+              <a:solidFill>
+                <a:srgbClr val="000000"/>
+              </a:solidFill>
+            </a:endParaRPr>
+          </a:p>
+        </p:txBody>
+      </p:sp>
+      <p:pic>
+        <p:nvPicPr>
+          <p:cNvPr id="1026" name="Picture 2"/>
+          <p:cNvPicPr>
+            <a:picLocks noChangeAspect="1" noChangeArrowheads="1"/>
+          </p:cNvPicPr>
+          <p:nvPr/>
+        </p:nvPicPr>
+        <p:blipFill>
+          <a:blip r:embed="rId2" cstate="print">
+            <a:extLst>
+              <a:ext uri="{28A0092B-C50C-407E-A947-70E740481C1C}">
+                <a14:useLocalDpi xmlns:a14="http://schemas.microsoft.com/office/drawing/2010/main" xmlns="" val="0"/>
+              </a:ext>
+            </a:extLst>
+          </a:blip>
+          <a:srcRect/>
+          <a:stretch>
+            <a:fillRect/>
+          </a:stretch>
+        </p:blipFill>
+        <p:spPr bwMode="auto">
+          <a:xfrm>
+            <a:off x="7116817" y="4797152"/>
+            <a:ext cx="1691039" cy="1695183"/>
+          </a:xfrm>
+          <a:prstGeom prst="rect">
+            <a:avLst/>
+          </a:prstGeom>
+          <a:noFill/>
+          <a:ln>
+            <a:noFill/>
+          </a:ln>
+          <a:effectLst/>
+          <a:extLst>
+            <a:ext uri="{909E8E84-426E-40DD-AFC4-6F175D3DCCD1}">
+              <a14:hiddenFill xmlns:a14="http://schemas.microsoft.com/office/drawing/2010/main" xmlns="">
+                <a:solidFill>
+                  <a:schemeClr val="accent1"/>
+                </a:solidFill>
+              </a14:hiddenFill>
+            </a:ext>
+            <a:ext uri="{91240B29-F687-4F45-9708-019B960494DF}">
+              <a14:hiddenLine xmlns:a14="http://schemas.microsoft.com/office/drawing/2010/main" xmlns="" w="9525">
+                <a:solidFill>
+                  <a:schemeClr val="tx1"/>
+                </a:solidFill>
+                <a:miter lim="800000"/>
+                <a:headEnd/>
+                <a:tailEnd/>
+              </a14:hiddenLine>
+            </a:ext>
+            <a:ext uri="{AF507438-7753-43E0-B8FC-AC1667EBCBE1}">
+              <a14:hiddenEffects xmlns:a14="http://schemas.microsoft.com/office/drawing/2010/main" xmlns="">
+                <a:effectLst>
+                  <a:outerShdw dist="35921" dir="2700000" algn="ctr" rotWithShape="0">
+                    <a:schemeClr val="bg2"/>
+                  </a:outerShdw>
+                </a:effectLst>
+              </a14:hiddenEffects>
+            </a:ext>
+          </a:extLst>
+        </p:spPr>
+      </p:pic>
     </p:spTree>
     <p:extLst>
       <p:ext uri="{BB962C8B-B14F-4D97-AF65-F5344CB8AC3E}">
-        <p14:creationId xmlns:p14="http://schemas.microsoft.com/office/powerpoint/2010/main" val="155874689"/>
+        <p14:creationId xmlns:p14="http://schemas.microsoft.com/office/powerpoint/2010/main" xmlns="" val="1896188625"/>
       </p:ext>
     </p:extLst>
   </p:cSld>
   <p:clrMapOvr>
     <a:masterClrMapping/>
   </p:clrMapOvr>
-  <mc:AlternateContent xmlns:mc="http://schemas.openxmlformats.org/markup-compatibility/2006">
-    <mc:Choice xmlns:p14="http://schemas.microsoft.com/office/powerpoint/2010/main" Requires="p14">
-      <p:transition spd="slow" p14:dur="2000"/>
-    </mc:Choice>
-    <mc:Fallback>
-      <p:transition spd="slow"/>
-    </mc:Fallback>
-  </mc:AlternateContent>
+  <p:timing>
+    <p:tnLst>
+      <p:par>
+        <p:cTn id="1" dur="indefinite" restart="never" nodeType="tmRoot"/>
+      </p:par>
+    </p:tnLst>
+  </p:timing>
+</p:sld>
+</file>
+
+<file path=ppt/slides/slide9.xml><?xml version="1.0" encoding="utf-8"?>
+<p:sld xmlns:a="http://schemas.openxmlformats.org/drawingml/2006/main" xmlns:r="http://schemas.openxmlformats.org/officeDocument/2006/relationships" xmlns:p="http://schemas.openxmlformats.org/presentationml/2006/main">
+  <p:cSld>
+    <p:spTree>
+      <p:nvGrpSpPr>
+        <p:cNvPr id="1" name=""/>
+        <p:cNvGrpSpPr/>
+        <p:nvPr/>
+      </p:nvGrpSpPr>
+      <p:grpSpPr>
+        <a:xfrm>
+          <a:off x="0" y="0"/>
+          <a:ext cx="0" cy="0"/>
+          <a:chOff x="0" y="0"/>
+          <a:chExt cx="0" cy="0"/>
+        </a:xfrm>
+      </p:grpSpPr>
+      <p:sp>
+        <p:nvSpPr>
+          <p:cNvPr id="3" name="CasellaDiTesto 2"/>
+          <p:cNvSpPr txBox="1"/>
+          <p:nvPr/>
+        </p:nvSpPr>
+        <p:spPr>
+          <a:xfrm>
+            <a:off x="2760544" y="471869"/>
+            <a:ext cx="3937873" cy="861774"/>
+          </a:xfrm>
+          <a:prstGeom prst="rect">
+            <a:avLst/>
+          </a:prstGeom>
+          <a:noFill/>
+        </p:spPr>
+        <p:txBody>
+          <a:bodyPr wrap="none" rtlCol="0">
+            <a:spAutoFit/>
+          </a:bodyPr>
+          <a:lstStyle/>
+          <a:p>
+            <a:pPr algn="ctr"/>
+            <a:r>
+              <a:rPr lang="it-IT" sz="3200" b="1" dirty="0">
+                <a:latin typeface="+mj-lt"/>
+              </a:rPr>
+              <a:t> </a:t>
+            </a:r>
+            <a:r>
+              <a:rPr lang="it-IT" sz="3200" b="1" dirty="0" smtClean="0">
+                <a:latin typeface="+mj-lt"/>
+              </a:rPr>
+              <a:t>Use Case Diagram 0.9</a:t>
+            </a:r>
+          </a:p>
+          <a:p>
+            <a:pPr algn="ctr"/>
+            <a:endParaRPr lang="it-IT" dirty="0">
+              <a:latin typeface="+mj-lt"/>
+            </a:endParaRPr>
+          </a:p>
+        </p:txBody>
+      </p:sp>
+      <p:pic>
+        <p:nvPicPr>
+          <p:cNvPr id="1026" name="Picture 2" descr="C:\Users\Marko\Desktop\Class_Diagram_Pagamenti buono.png"/>
+          <p:cNvPicPr>
+            <a:picLocks noChangeAspect="1" noChangeArrowheads="1"/>
+          </p:cNvPicPr>
+          <p:nvPr/>
+        </p:nvPicPr>
+        <p:blipFill>
+          <a:blip r:embed="rId3" cstate="print">
+            <a:extLst>
+              <a:ext uri="{28A0092B-C50C-407E-A947-70E740481C1C}">
+                <a14:useLocalDpi xmlns:a14="http://schemas.microsoft.com/office/drawing/2010/main" xmlns="" val="0"/>
+              </a:ext>
+            </a:extLst>
+          </a:blip>
+          <a:srcRect/>
+          <a:stretch>
+            <a:fillRect/>
+          </a:stretch>
+        </p:blipFill>
+        <p:spPr bwMode="auto">
+          <a:xfrm>
+            <a:off x="34022" y="1196752"/>
+            <a:ext cx="9144000" cy="5328592"/>
+          </a:xfrm>
+          <a:prstGeom prst="rect">
+            <a:avLst/>
+          </a:prstGeom>
+          <a:noFill/>
+          <a:extLst>
+            <a:ext uri="{909E8E84-426E-40DD-AFC4-6F175D3DCCD1}">
+              <a14:hiddenFill xmlns:a14="http://schemas.microsoft.com/office/drawing/2010/main" xmlns="">
+                <a:solidFill>
+                  <a:srgbClr val="FFFFFF"/>
+                </a:solidFill>
+              </a14:hiddenFill>
+            </a:ext>
+          </a:extLst>
+        </p:spPr>
+      </p:pic>
+    </p:spTree>
+    <p:extLst>
+      <p:ext uri="{BB962C8B-B14F-4D97-AF65-F5344CB8AC3E}">
+        <p14:creationId xmlns:p14="http://schemas.microsoft.com/office/powerpoint/2010/main" xmlns="" val="1417486241"/>
+      </p:ext>
+    </p:extLst>
+  </p:cSld>
+  <p:clrMapOvr>
+    <a:masterClrMapping/>
+  </p:clrMapOvr>
   <p:timing>
     <p:tnLst>
       <p:par>

--- a/trunk/Presentazione/Atsilo2/Atsilo_M_PresentazioneFinale.pptx
+++ b/trunk/Presentazione/Atsilo2/Atsilo_M_PresentazioneFinale.pptx
@@ -5,41 +5,42 @@
     <p:sldMasterId id="2147483684" r:id="rId1"/>
   </p:sldMasterIdLst>
   <p:notesMasterIdLst>
-    <p:notesMasterId r:id="rId34"/>
+    <p:notesMasterId r:id="rId35"/>
   </p:notesMasterIdLst>
   <p:sldIdLst>
     <p:sldId id="256" r:id="rId2"/>
     <p:sldId id="287" r:id="rId3"/>
     <p:sldId id="257" r:id="rId4"/>
-    <p:sldId id="258" r:id="rId5"/>
-    <p:sldId id="259" r:id="rId6"/>
-    <p:sldId id="260" r:id="rId7"/>
-    <p:sldId id="261" r:id="rId8"/>
-    <p:sldId id="262" r:id="rId9"/>
-    <p:sldId id="263" r:id="rId10"/>
-    <p:sldId id="264" r:id="rId11"/>
-    <p:sldId id="265" r:id="rId12"/>
-    <p:sldId id="266" r:id="rId13"/>
-    <p:sldId id="267" r:id="rId14"/>
-    <p:sldId id="268" r:id="rId15"/>
-    <p:sldId id="269" r:id="rId16"/>
-    <p:sldId id="270" r:id="rId17"/>
-    <p:sldId id="271" r:id="rId18"/>
-    <p:sldId id="288" r:id="rId19"/>
-    <p:sldId id="272" r:id="rId20"/>
-    <p:sldId id="273" r:id="rId21"/>
-    <p:sldId id="274" r:id="rId22"/>
-    <p:sldId id="275" r:id="rId23"/>
-    <p:sldId id="276" r:id="rId24"/>
-    <p:sldId id="277" r:id="rId25"/>
-    <p:sldId id="278" r:id="rId26"/>
-    <p:sldId id="279" r:id="rId27"/>
-    <p:sldId id="280" r:id="rId28"/>
-    <p:sldId id="281" r:id="rId29"/>
-    <p:sldId id="282" r:id="rId30"/>
-    <p:sldId id="283" r:id="rId31"/>
-    <p:sldId id="284" r:id="rId32"/>
-    <p:sldId id="285" r:id="rId33"/>
+    <p:sldId id="289" r:id="rId5"/>
+    <p:sldId id="258" r:id="rId6"/>
+    <p:sldId id="259" r:id="rId7"/>
+    <p:sldId id="260" r:id="rId8"/>
+    <p:sldId id="261" r:id="rId9"/>
+    <p:sldId id="262" r:id="rId10"/>
+    <p:sldId id="263" r:id="rId11"/>
+    <p:sldId id="264" r:id="rId12"/>
+    <p:sldId id="265" r:id="rId13"/>
+    <p:sldId id="266" r:id="rId14"/>
+    <p:sldId id="267" r:id="rId15"/>
+    <p:sldId id="268" r:id="rId16"/>
+    <p:sldId id="269" r:id="rId17"/>
+    <p:sldId id="270" r:id="rId18"/>
+    <p:sldId id="271" r:id="rId19"/>
+    <p:sldId id="288" r:id="rId20"/>
+    <p:sldId id="272" r:id="rId21"/>
+    <p:sldId id="273" r:id="rId22"/>
+    <p:sldId id="274" r:id="rId23"/>
+    <p:sldId id="275" r:id="rId24"/>
+    <p:sldId id="276" r:id="rId25"/>
+    <p:sldId id="277" r:id="rId26"/>
+    <p:sldId id="278" r:id="rId27"/>
+    <p:sldId id="279" r:id="rId28"/>
+    <p:sldId id="280" r:id="rId29"/>
+    <p:sldId id="281" r:id="rId30"/>
+    <p:sldId id="282" r:id="rId31"/>
+    <p:sldId id="283" r:id="rId32"/>
+    <p:sldId id="284" r:id="rId33"/>
+    <p:sldId id="285" r:id="rId34"/>
   </p:sldIdLst>
   <p:sldSz cx="9144000" cy="6858000" type="screen4x3"/>
   <p:notesSz cx="6858000" cy="9144000"/>
@@ -418,7 +419,7 @@
     </p:spTree>
     <p:extLst>
       <p:ext uri="{BB962C8B-B14F-4D97-AF65-F5344CB8AC3E}">
-        <p14:creationId xmlns:p14="http://schemas.microsoft.com/office/powerpoint/2010/main" xmlns="" val="2126419590"/>
+        <p14:creationId xmlns:p14="http://schemas.microsoft.com/office/powerpoint/2010/main" val="2126419590"/>
       </p:ext>
     </p:extLst>
   </p:cSld>
@@ -562,14 +563,6 @@
           <a:bodyPr/>
           <a:lstStyle/>
           <a:p>
-            <a:r>
-              <a:rPr lang="it-IT" dirty="0" smtClean="0"/>
-              <a:t>Come gia accennato da francesco</a:t>
-            </a:r>
-            <a:r>
-              <a:rPr lang="it-IT" baseline="0" dirty="0" smtClean="0"/>
-              <a:t> il nostro team si è occupato della gestione dei pagamenti, dei servizi quali mensa e orario e dei tirocinanti del sistema at-silo io mi occuperò di esporre la gestione dei pagamenti</a:t>
-            </a:r>
             <a:endParaRPr lang="it-IT" dirty="0"/>
           </a:p>
         </p:txBody>
@@ -601,7 +594,7 @@
     </p:spTree>
     <p:extLst>
       <p:ext uri="{BB962C8B-B14F-4D97-AF65-F5344CB8AC3E}">
-        <p14:creationId xmlns:p14="http://schemas.microsoft.com/office/powerpoint/2010/main" xmlns="" val="3122029082"/>
+        <p14:creationId xmlns:p14="http://schemas.microsoft.com/office/powerpoint/2010/main" val="3122029082"/>
       </p:ext>
     </p:extLst>
   </p:cSld>
@@ -655,73 +648,14 @@
           <a:bodyPr/>
           <a:lstStyle/>
           <a:p>
-            <a:pPr marL="0" marR="0" indent="0" algn="l" defTabSz="914400" rtl="0" eaLnBrk="1" fontAlgn="auto" latinLnBrk="0" hangingPunct="1">
-              <a:lnSpc>
-                <a:spcPct val="100000"/>
-              </a:lnSpc>
-              <a:spcBef>
-                <a:spcPts val="0"/>
-              </a:spcBef>
-              <a:spcAft>
-                <a:spcPts val="0"/>
-              </a:spcAft>
-              <a:buClrTx/>
-              <a:buSzTx/>
-              <a:buFontTx/>
-              <a:buNone/>
-              <a:tabLst/>
-              <a:defRPr/>
-            </a:pPr>
-            <a:r>
-              <a:rPr lang="it-IT" sz="1200" dirty="0" smtClean="0"/>
-              <a:t>Problemi come: rimborso,cauzione,sconti</a:t>
-            </a:r>
-            <a:r>
-              <a:rPr lang="it-IT" sz="1200" baseline="0" dirty="0" smtClean="0"/>
-              <a:t> era specificato solo concettualmente ma non come farlo quindi o si sceglieva una strada dettagliata oppure si rimaneva sul generale.</a:t>
-            </a:r>
-          </a:p>
-          <a:p>
-            <a:pPr marL="0" marR="0" indent="0" algn="l" defTabSz="914400" rtl="0" eaLnBrk="1" fontAlgn="auto" latinLnBrk="0" hangingPunct="1">
-              <a:lnSpc>
-                <a:spcPct val="100000"/>
-              </a:lnSpc>
-              <a:spcBef>
-                <a:spcPts val="0"/>
-              </a:spcBef>
-              <a:spcAft>
-                <a:spcPts val="0"/>
-              </a:spcAft>
-              <a:buClrTx/>
-              <a:buSzTx/>
-              <a:buFontTx/>
-              <a:buNone/>
-              <a:tabLst/>
-              <a:defRPr/>
-            </a:pPr>
-            <a:endParaRPr lang="it-IT" sz="1200" baseline="0" dirty="0" smtClean="0"/>
-          </a:p>
-          <a:p>
-            <a:pPr marL="0" marR="0" indent="0" algn="l" defTabSz="914400" rtl="0" eaLnBrk="1" fontAlgn="auto" latinLnBrk="0" hangingPunct="1">
-              <a:lnSpc>
-                <a:spcPct val="100000"/>
-              </a:lnSpc>
-              <a:spcBef>
-                <a:spcPts val="0"/>
-              </a:spcBef>
-              <a:spcAft>
-                <a:spcPts val="0"/>
-              </a:spcAft>
-              <a:buClrTx/>
-              <a:buSzTx/>
-              <a:buFontTx/>
-              <a:buNone/>
-              <a:tabLst/>
-              <a:defRPr/>
-            </a:pPr>
-            <a:endParaRPr lang="it-IT" sz="1200" dirty="0" smtClean="0"/>
-          </a:p>
-          <a:p>
+            <a:r>
+              <a:rPr lang="it-IT" dirty="0" smtClean="0"/>
+              <a:t>Questa che</a:t>
+            </a:r>
+            <a:r>
+              <a:rPr lang="it-IT" baseline="0" dirty="0" smtClean="0"/>
+              <a:t> ho mostrato sostanzialmente è l’idea su cui noi volevamo basarci per implementare la gestione dei pagamenti ma essendo a bassa priorità non è stato implementato sia per mancanza di tempo effettivo sia per mancanza di skill necessarie</a:t>
+            </a:r>
             <a:endParaRPr lang="it-IT" dirty="0"/>
           </a:p>
         </p:txBody>
@@ -753,7 +687,7 @@
     </p:spTree>
     <p:extLst>
       <p:ext uri="{BB962C8B-B14F-4D97-AF65-F5344CB8AC3E}">
-        <p14:creationId xmlns:p14="http://schemas.microsoft.com/office/powerpoint/2010/main" xmlns="" val="2716859324"/>
+        <p14:creationId xmlns:p14="http://schemas.microsoft.com/office/powerpoint/2010/main" val="3771085237"/>
       </p:ext>
     </p:extLst>
   </p:cSld>
@@ -807,14 +741,73 @@
           <a:bodyPr/>
           <a:lstStyle/>
           <a:p>
-            <a:r>
-              <a:rPr lang="it-IT" dirty="0" smtClean="0"/>
-              <a:t>Come gia accennato da francesco</a:t>
-            </a:r>
-            <a:r>
-              <a:rPr lang="it-IT" baseline="0" dirty="0" smtClean="0"/>
-              <a:t> il nostro team si è occupato della gestione dei pagamenti, dei servizi quali mensa e orario e dei tirocinanti del sistema at-silo io mi occuperò di esporre la gestione dei pagamenti</a:t>
-            </a:r>
+            <a:pPr marL="0" marR="0" indent="0" algn="l" defTabSz="914400" rtl="0" eaLnBrk="1" fontAlgn="auto" latinLnBrk="0" hangingPunct="1">
+              <a:lnSpc>
+                <a:spcPct val="100000"/>
+              </a:lnSpc>
+              <a:spcBef>
+                <a:spcPts val="0"/>
+              </a:spcBef>
+              <a:spcAft>
+                <a:spcPts val="0"/>
+              </a:spcAft>
+              <a:buClrTx/>
+              <a:buSzTx/>
+              <a:buFontTx/>
+              <a:buNone/>
+              <a:tabLst/>
+              <a:defRPr/>
+            </a:pPr>
+            <a:r>
+              <a:rPr lang="it-IT" sz="1200" dirty="0" smtClean="0"/>
+              <a:t>Problemi come: rimborso,cauzione,sconti</a:t>
+            </a:r>
+            <a:r>
+              <a:rPr lang="it-IT" sz="1200" baseline="0" dirty="0" smtClean="0"/>
+              <a:t> era specificato solo concettualmente ma non come farlo quindi o si sceglieva una strada dettagliata oppure si rimaneva sul generale.</a:t>
+            </a:r>
+          </a:p>
+          <a:p>
+            <a:pPr marL="0" marR="0" indent="0" algn="l" defTabSz="914400" rtl="0" eaLnBrk="1" fontAlgn="auto" latinLnBrk="0" hangingPunct="1">
+              <a:lnSpc>
+                <a:spcPct val="100000"/>
+              </a:lnSpc>
+              <a:spcBef>
+                <a:spcPts val="0"/>
+              </a:spcBef>
+              <a:spcAft>
+                <a:spcPts val="0"/>
+              </a:spcAft>
+              <a:buClrTx/>
+              <a:buSzTx/>
+              <a:buFontTx/>
+              <a:buNone/>
+              <a:tabLst/>
+              <a:defRPr/>
+            </a:pPr>
+            <a:endParaRPr lang="it-IT" sz="1200" baseline="0" dirty="0" smtClean="0"/>
+          </a:p>
+          <a:p>
+            <a:pPr marL="0" marR="0" indent="0" algn="l" defTabSz="914400" rtl="0" eaLnBrk="1" fontAlgn="auto" latinLnBrk="0" hangingPunct="1">
+              <a:lnSpc>
+                <a:spcPct val="100000"/>
+              </a:lnSpc>
+              <a:spcBef>
+                <a:spcPts val="0"/>
+              </a:spcBef>
+              <a:spcAft>
+                <a:spcPts val="0"/>
+              </a:spcAft>
+              <a:buClrTx/>
+              <a:buSzTx/>
+              <a:buFontTx/>
+              <a:buNone/>
+              <a:tabLst/>
+              <a:defRPr/>
+            </a:pPr>
+            <a:endParaRPr lang="it-IT" sz="1200" dirty="0" smtClean="0"/>
+          </a:p>
+          <a:p>
             <a:endParaRPr lang="it-IT" dirty="0"/>
           </a:p>
         </p:txBody>
@@ -837,7 +830,7 @@
             <a:fld id="{D70604CA-7593-4640-8FA1-5523937B8510}" type="slidenum">
               <a:rPr lang="it-IT" smtClean="0"/>
               <a:pPr/>
-              <a:t>18</a:t>
+              <a:t>17</a:t>
             </a:fld>
             <a:endParaRPr lang="it-IT"/>
           </a:p>
@@ -846,7 +839,7 @@
     </p:spTree>
     <p:extLst>
       <p:ext uri="{BB962C8B-B14F-4D97-AF65-F5344CB8AC3E}">
-        <p14:creationId xmlns:p14="http://schemas.microsoft.com/office/powerpoint/2010/main" xmlns="" val="3122029082"/>
+        <p14:creationId xmlns:p14="http://schemas.microsoft.com/office/powerpoint/2010/main" val="2716859324"/>
       </p:ext>
     </p:extLst>
   </p:cSld>
@@ -900,96 +893,14 @@
           <a:bodyPr/>
           <a:lstStyle/>
           <a:p>
-            <a:pPr marL="0" marR="0" indent="0" algn="l" defTabSz="914400" rtl="0" eaLnBrk="1" fontAlgn="auto" latinLnBrk="0" hangingPunct="1">
-              <a:lnSpc>
-                <a:spcPct val="100000"/>
-              </a:lnSpc>
-              <a:spcBef>
-                <a:spcPts val="0"/>
-              </a:spcBef>
-              <a:spcAft>
-                <a:spcPts val="0"/>
-              </a:spcAft>
-              <a:buClrTx/>
-              <a:buSzTx/>
-              <a:buFontTx/>
-              <a:buNone/>
-              <a:tabLst/>
-              <a:defRPr/>
-            </a:pPr>
-            <a:r>
-              <a:rPr lang="it-IT" sz="1200" smtClean="0"/>
-              <a:t>Inizio:: Come </a:t>
-            </a:r>
-            <a:r>
-              <a:rPr lang="it-IT" sz="1200" dirty="0" smtClean="0"/>
-              <a:t>detto già in precedenza in una diapositiva, un problema che abbiamo riscontrato nella stesura del RAD, è stato quello dei tirocinanti.</a:t>
-            </a:r>
-          </a:p>
-          <a:p>
-            <a:pPr marL="0" marR="0" indent="0" algn="l" defTabSz="914400" rtl="0" eaLnBrk="1" fontAlgn="auto" latinLnBrk="0" hangingPunct="1">
-              <a:lnSpc>
-                <a:spcPct val="100000"/>
-              </a:lnSpc>
-              <a:spcBef>
-                <a:spcPts val="0"/>
-              </a:spcBef>
-              <a:spcAft>
-                <a:spcPts val="0"/>
-              </a:spcAft>
-              <a:buClrTx/>
-              <a:buSzTx/>
-              <a:buFontTx/>
-              <a:buNone/>
-              <a:tabLst/>
-              <a:defRPr/>
-            </a:pPr>
-            <a:endParaRPr lang="it-IT" sz="1200" dirty="0" smtClean="0"/>
-          </a:p>
-          <a:p>
-            <a:pPr marL="0" marR="0" indent="0" algn="l" defTabSz="914400" rtl="0" eaLnBrk="1" fontAlgn="auto" latinLnBrk="0" hangingPunct="1">
-              <a:lnSpc>
-                <a:spcPct val="100000"/>
-              </a:lnSpc>
-              <a:spcBef>
-                <a:spcPts val="0"/>
-              </a:spcBef>
-              <a:spcAft>
-                <a:spcPts val="0"/>
-              </a:spcAft>
-              <a:buClrTx/>
-              <a:buSzTx/>
-              <a:buFontTx/>
-              <a:buNone/>
-              <a:tabLst/>
-              <a:defRPr/>
-            </a:pPr>
-            <a:r>
-              <a:rPr lang="it-IT" sz="1200" dirty="0" smtClean="0"/>
-              <a:t>Fine:: Tutto questo ha richiesto un maggior impegno che all’inizio non era stato programmato.</a:t>
-            </a:r>
-          </a:p>
-          <a:p>
-            <a:pPr marL="0" marR="0" indent="0" algn="l" defTabSz="914400" rtl="0" eaLnBrk="1" fontAlgn="auto" latinLnBrk="0" hangingPunct="1">
-              <a:lnSpc>
-                <a:spcPct val="100000"/>
-              </a:lnSpc>
-              <a:spcBef>
-                <a:spcPts val="0"/>
-              </a:spcBef>
-              <a:spcAft>
-                <a:spcPts val="0"/>
-              </a:spcAft>
-              <a:buClrTx/>
-              <a:buSzTx/>
-              <a:buFontTx/>
-              <a:buNone/>
-              <a:tabLst/>
-              <a:defRPr/>
-            </a:pPr>
-            <a:endParaRPr lang="it-IT" sz="1200" dirty="0" smtClean="0"/>
-          </a:p>
-          <a:p>
+            <a:r>
+              <a:rPr lang="it-IT" dirty="0" smtClean="0"/>
+              <a:t>Come gia accennato da francesco</a:t>
+            </a:r>
+            <a:r>
+              <a:rPr lang="it-IT" baseline="0" dirty="0" smtClean="0"/>
+              <a:t> il nostro team si è occupato della gestione dei pagamenti, dei servizi quali mensa e orario e dei tirocinanti del sistema at-silo io mi occuperò di esporre la gestione dei pagamenti</a:t>
+            </a:r>
             <a:endParaRPr lang="it-IT" dirty="0"/>
           </a:p>
         </p:txBody>
@@ -1012,7 +923,7 @@
             <a:fld id="{D70604CA-7593-4640-8FA1-5523937B8510}" type="slidenum">
               <a:rPr lang="it-IT" smtClean="0"/>
               <a:pPr/>
-              <a:t>30</a:t>
+              <a:t>19</a:t>
             </a:fld>
             <a:endParaRPr lang="it-IT"/>
           </a:p>
@@ -1021,7 +932,7 @@
     </p:spTree>
     <p:extLst>
       <p:ext uri="{BB962C8B-B14F-4D97-AF65-F5344CB8AC3E}">
-        <p14:creationId xmlns:p14="http://schemas.microsoft.com/office/powerpoint/2010/main" xmlns="" val="2716859324"/>
+        <p14:creationId xmlns:p14="http://schemas.microsoft.com/office/powerpoint/2010/main" val="3122029082"/>
       </p:ext>
     </p:extLst>
   </p:cSld>
@@ -1075,13 +986,96 @@
           <a:bodyPr/>
           <a:lstStyle/>
           <a:p>
-            <a:r>
-              <a:rPr lang="it-IT" smtClean="0">
-                <a:latin typeface="Arial" pitchFamily="34" charset="0"/>
-                <a:cs typeface="Arial" pitchFamily="34" charset="0"/>
-              </a:rPr>
-              <a:t>1)  una volta superate le prime difficoltà, il lavoro è continuato in modo uniforme.</a:t>
-            </a:r>
+            <a:pPr marL="0" marR="0" indent="0" algn="l" defTabSz="914400" rtl="0" eaLnBrk="1" fontAlgn="auto" latinLnBrk="0" hangingPunct="1">
+              <a:lnSpc>
+                <a:spcPct val="100000"/>
+              </a:lnSpc>
+              <a:spcBef>
+                <a:spcPts val="0"/>
+              </a:spcBef>
+              <a:spcAft>
+                <a:spcPts val="0"/>
+              </a:spcAft>
+              <a:buClrTx/>
+              <a:buSzTx/>
+              <a:buFontTx/>
+              <a:buNone/>
+              <a:tabLst/>
+              <a:defRPr/>
+            </a:pPr>
+            <a:r>
+              <a:rPr lang="it-IT" sz="1200" smtClean="0"/>
+              <a:t>Inizio:: Come </a:t>
+            </a:r>
+            <a:r>
+              <a:rPr lang="it-IT" sz="1200" dirty="0" smtClean="0"/>
+              <a:t>detto già in precedenza in una diapositiva, un problema che abbiamo riscontrato nella stesura del RAD, è stato quello dei tirocinanti.</a:t>
+            </a:r>
+          </a:p>
+          <a:p>
+            <a:pPr marL="0" marR="0" indent="0" algn="l" defTabSz="914400" rtl="0" eaLnBrk="1" fontAlgn="auto" latinLnBrk="0" hangingPunct="1">
+              <a:lnSpc>
+                <a:spcPct val="100000"/>
+              </a:lnSpc>
+              <a:spcBef>
+                <a:spcPts val="0"/>
+              </a:spcBef>
+              <a:spcAft>
+                <a:spcPts val="0"/>
+              </a:spcAft>
+              <a:buClrTx/>
+              <a:buSzTx/>
+              <a:buFontTx/>
+              <a:buNone/>
+              <a:tabLst/>
+              <a:defRPr/>
+            </a:pPr>
+            <a:endParaRPr lang="it-IT" sz="1200" dirty="0" smtClean="0"/>
+          </a:p>
+          <a:p>
+            <a:pPr marL="0" marR="0" indent="0" algn="l" defTabSz="914400" rtl="0" eaLnBrk="1" fontAlgn="auto" latinLnBrk="0" hangingPunct="1">
+              <a:lnSpc>
+                <a:spcPct val="100000"/>
+              </a:lnSpc>
+              <a:spcBef>
+                <a:spcPts val="0"/>
+              </a:spcBef>
+              <a:spcAft>
+                <a:spcPts val="0"/>
+              </a:spcAft>
+              <a:buClrTx/>
+              <a:buSzTx/>
+              <a:buFontTx/>
+              <a:buNone/>
+              <a:tabLst/>
+              <a:defRPr/>
+            </a:pPr>
+            <a:r>
+              <a:rPr lang="it-IT" sz="1200" dirty="0" smtClean="0"/>
+              <a:t>Fine:: Tutto questo ha richiesto un maggior impegno che all’inizio non era stato programmato.</a:t>
+            </a:r>
+          </a:p>
+          <a:p>
+            <a:pPr marL="0" marR="0" indent="0" algn="l" defTabSz="914400" rtl="0" eaLnBrk="1" fontAlgn="auto" latinLnBrk="0" hangingPunct="1">
+              <a:lnSpc>
+                <a:spcPct val="100000"/>
+              </a:lnSpc>
+              <a:spcBef>
+                <a:spcPts val="0"/>
+              </a:spcBef>
+              <a:spcAft>
+                <a:spcPts val="0"/>
+              </a:spcAft>
+              <a:buClrTx/>
+              <a:buSzTx/>
+              <a:buFontTx/>
+              <a:buNone/>
+              <a:tabLst/>
+              <a:defRPr/>
+            </a:pPr>
+            <a:endParaRPr lang="it-IT" sz="1200" dirty="0" smtClean="0"/>
+          </a:p>
+          <a:p>
             <a:endParaRPr lang="it-IT" dirty="0"/>
           </a:p>
         </p:txBody>
@@ -1104,7 +1098,7 @@
             <a:fld id="{D70604CA-7593-4640-8FA1-5523937B8510}" type="slidenum">
               <a:rPr lang="it-IT" smtClean="0"/>
               <a:pPr/>
-              <a:t>32</a:t>
+              <a:t>31</a:t>
             </a:fld>
             <a:endParaRPr lang="it-IT"/>
           </a:p>
@@ -1113,7 +1107,99 @@
     </p:spTree>
     <p:extLst>
       <p:ext uri="{BB962C8B-B14F-4D97-AF65-F5344CB8AC3E}">
-        <p14:creationId xmlns:p14="http://schemas.microsoft.com/office/powerpoint/2010/main" xmlns="" val="1159000954"/>
+        <p14:creationId xmlns:p14="http://schemas.microsoft.com/office/powerpoint/2010/main" val="2716859324"/>
+      </p:ext>
+    </p:extLst>
+  </p:cSld>
+  <p:clrMapOvr>
+    <a:masterClrMapping/>
+  </p:clrMapOvr>
+</p:notes>
+</file>
+
+<file path=ppt/notesSlides/notesSlide14.xml><?xml version="1.0" encoding="utf-8"?>
+<p:notes xmlns:a="http://schemas.openxmlformats.org/drawingml/2006/main" xmlns:r="http://schemas.openxmlformats.org/officeDocument/2006/relationships" xmlns:p="http://schemas.openxmlformats.org/presentationml/2006/main">
+  <p:cSld>
+    <p:spTree>
+      <p:nvGrpSpPr>
+        <p:cNvPr id="1" name=""/>
+        <p:cNvGrpSpPr/>
+        <p:nvPr/>
+      </p:nvGrpSpPr>
+      <p:grpSpPr>
+        <a:xfrm>
+          <a:off x="0" y="0"/>
+          <a:ext cx="0" cy="0"/>
+          <a:chOff x="0" y="0"/>
+          <a:chExt cx="0" cy="0"/>
+        </a:xfrm>
+      </p:grpSpPr>
+      <p:sp>
+        <p:nvSpPr>
+          <p:cNvPr id="2" name="Segnaposto immagine diapositiva 1"/>
+          <p:cNvSpPr>
+            <a:spLocks noGrp="1" noRot="1" noChangeAspect="1"/>
+          </p:cNvSpPr>
+          <p:nvPr>
+            <p:ph type="sldImg"/>
+          </p:nvPr>
+        </p:nvSpPr>
+        <p:spPr/>
+      </p:sp>
+      <p:sp>
+        <p:nvSpPr>
+          <p:cNvPr id="3" name="Segnaposto note 2"/>
+          <p:cNvSpPr>
+            <a:spLocks noGrp="1"/>
+          </p:cNvSpPr>
+          <p:nvPr>
+            <p:ph type="body" idx="1"/>
+          </p:nvPr>
+        </p:nvSpPr>
+        <p:spPr/>
+        <p:txBody>
+          <a:bodyPr/>
+          <a:lstStyle/>
+          <a:p>
+            <a:r>
+              <a:rPr lang="it-IT" smtClean="0">
+                <a:latin typeface="Arial" pitchFamily="34" charset="0"/>
+                <a:cs typeface="Arial" pitchFamily="34" charset="0"/>
+              </a:rPr>
+              <a:t>1)  una volta superate le prime difficoltà, il lavoro è continuato in modo uniforme.</a:t>
+            </a:r>
+            <a:endParaRPr lang="it-IT" dirty="0"/>
+          </a:p>
+        </p:txBody>
+      </p:sp>
+      <p:sp>
+        <p:nvSpPr>
+          <p:cNvPr id="4" name="Segnaposto numero diapositiva 3"/>
+          <p:cNvSpPr>
+            <a:spLocks noGrp="1"/>
+          </p:cNvSpPr>
+          <p:nvPr>
+            <p:ph type="sldNum" sz="quarter" idx="10"/>
+          </p:nvPr>
+        </p:nvSpPr>
+        <p:spPr/>
+        <p:txBody>
+          <a:bodyPr/>
+          <a:lstStyle/>
+          <a:p>
+            <a:fld id="{D70604CA-7593-4640-8FA1-5523937B8510}" type="slidenum">
+              <a:rPr lang="it-IT" smtClean="0"/>
+              <a:pPr/>
+              <a:t>33</a:t>
+            </a:fld>
+            <a:endParaRPr lang="it-IT"/>
+          </a:p>
+        </p:txBody>
+      </p:sp>
+    </p:spTree>
+    <p:extLst>
+      <p:ext uri="{BB962C8B-B14F-4D97-AF65-F5344CB8AC3E}">
+        <p14:creationId xmlns:p14="http://schemas.microsoft.com/office/powerpoint/2010/main" val="1159000954"/>
       </p:ext>
     </p:extLst>
   </p:cSld>
@@ -1167,6 +1253,24 @@
           <a:bodyPr/>
           <a:lstStyle/>
           <a:p>
+            <a:r>
+              <a:rPr lang="it-IT" baseline="0" dirty="0" smtClean="0"/>
+              <a:t>il </a:t>
+            </a:r>
+            <a:r>
+              <a:rPr lang="it-IT" baseline="0" dirty="0" smtClean="0"/>
+              <a:t>nostro team si è occupato della gestione dei pagamenti, dei servizi quali mensa e orario e dei tirocinanti del sistema </a:t>
+            </a:r>
+            <a:r>
+              <a:rPr lang="it-IT" baseline="0" dirty="0" smtClean="0"/>
+              <a:t>at-silo.</a:t>
+            </a:r>
+          </a:p>
+          <a:p>
+            <a:r>
+              <a:rPr lang="it-IT" baseline="0" dirty="0" smtClean="0"/>
+              <a:t>Ci siamo posti l’obiettivo di..</a:t>
+            </a:r>
             <a:endParaRPr lang="it-IT" dirty="0"/>
           </a:p>
         </p:txBody>
@@ -1198,7 +1302,7 @@
     </p:spTree>
     <p:extLst>
       <p:ext uri="{BB962C8B-B14F-4D97-AF65-F5344CB8AC3E}">
-        <p14:creationId xmlns:p14="http://schemas.microsoft.com/office/powerpoint/2010/main" xmlns="" val="1632684865"/>
+        <p14:creationId xmlns:p14="http://schemas.microsoft.com/office/powerpoint/2010/main" val="3122029082"/>
       </p:ext>
     </p:extLst>
   </p:cSld>
@@ -1274,7 +1378,7 @@
             <a:fld id="{D70604CA-7593-4640-8FA1-5523937B8510}" type="slidenum">
               <a:rPr lang="it-IT" smtClean="0"/>
               <a:pPr/>
-              <a:t>9</a:t>
+              <a:t>5</a:t>
             </a:fld>
             <a:endParaRPr lang="it-IT"/>
           </a:p>
@@ -1283,7 +1387,7 @@
     </p:spTree>
     <p:extLst>
       <p:ext uri="{BB962C8B-B14F-4D97-AF65-F5344CB8AC3E}">
-        <p14:creationId xmlns:p14="http://schemas.microsoft.com/office/powerpoint/2010/main" xmlns="" val="1093366611"/>
+        <p14:creationId xmlns:p14="http://schemas.microsoft.com/office/powerpoint/2010/main" val="1632684865"/>
       </p:ext>
     </p:extLst>
   </p:cSld>
@@ -1337,20 +1441,6 @@
           <a:bodyPr/>
           <a:lstStyle/>
           <a:p>
-            <a:r>
-              <a:rPr lang="it-IT" dirty="0" smtClean="0"/>
-              <a:t>Dire</a:t>
-            </a:r>
-            <a:r>
-              <a:rPr lang="it-IT" baseline="0" dirty="0" smtClean="0"/>
-              <a:t> cosa si intende per gestione degli extra</a:t>
-            </a:r>
-          </a:p>
-          <a:p>
-            <a:r>
-              <a:rPr lang="it-IT" baseline="0" dirty="0" smtClean="0"/>
-              <a:t>il nostro sistema prevede che i genitori possono richiedere variazione sia sul menù di base e sia sull’orario e ovviamente queste variazioni sono soggette a pagamento</a:t>
-            </a:r>
             <a:endParaRPr lang="it-IT" dirty="0"/>
           </a:p>
         </p:txBody>
@@ -1382,7 +1472,7 @@
     </p:spTree>
     <p:extLst>
       <p:ext uri="{BB962C8B-B14F-4D97-AF65-F5344CB8AC3E}">
-        <p14:creationId xmlns:p14="http://schemas.microsoft.com/office/powerpoint/2010/main" xmlns="" val="968677491"/>
+        <p14:creationId xmlns:p14="http://schemas.microsoft.com/office/powerpoint/2010/main" val="1093366611"/>
       </p:ext>
     </p:extLst>
   </p:cSld>
@@ -1438,11 +1528,17 @@
           <a:p>
             <a:r>
               <a:rPr lang="it-IT" dirty="0" smtClean="0"/>
-              <a:t>Promemoria pagamento e promemoria fattura inclusi </a:t>
-            </a:r>
-            <a:r>
-              <a:rPr lang="it-IT" smtClean="0"/>
-              <a:t>in invipromemoria</a:t>
+              <a:t>Dire</a:t>
+            </a:r>
+            <a:r>
+              <a:rPr lang="it-IT" baseline="0" dirty="0" smtClean="0"/>
+              <a:t> cosa si intende per gestione degli extra</a:t>
+            </a:r>
+          </a:p>
+          <a:p>
+            <a:r>
+              <a:rPr lang="it-IT" baseline="0" dirty="0" smtClean="0"/>
+              <a:t>il nostro sistema prevede che i genitori possono richiedere variazione sia sul menù di base e sia sull’orario e ovviamente queste variazioni sono soggette a pagamento</a:t>
             </a:r>
             <a:endParaRPr lang="it-IT" dirty="0"/>
           </a:p>
@@ -1475,7 +1571,7 @@
     </p:spTree>
     <p:extLst>
       <p:ext uri="{BB962C8B-B14F-4D97-AF65-F5344CB8AC3E}">
-        <p14:creationId xmlns:p14="http://schemas.microsoft.com/office/powerpoint/2010/main" xmlns="" val="1685022444"/>
+        <p14:creationId xmlns:p14="http://schemas.microsoft.com/office/powerpoint/2010/main" val="968677491"/>
       </p:ext>
     </p:extLst>
   </p:cSld>
@@ -1531,15 +1627,11 @@
           <a:p>
             <a:r>
               <a:rPr lang="it-IT" dirty="0" smtClean="0"/>
-              <a:t>Promemoria pagamento e promemoria fattura inclusi in invio</a:t>
-            </a:r>
-            <a:r>
-              <a:rPr lang="it-IT" baseline="0" dirty="0" smtClean="0"/>
-              <a:t> </a:t>
-            </a:r>
-            <a:r>
-              <a:rPr lang="it-IT" dirty="0" smtClean="0"/>
-              <a:t>ipromemoria</a:t>
+              <a:t>Promemoria pagamento e promemoria fattura inclusi </a:t>
+            </a:r>
+            <a:r>
+              <a:rPr lang="it-IT" smtClean="0"/>
+              <a:t>in invipromemoria</a:t>
             </a:r>
             <a:endParaRPr lang="it-IT" dirty="0"/>
           </a:p>
@@ -1572,7 +1664,7 @@
     </p:spTree>
     <p:extLst>
       <p:ext uri="{BB962C8B-B14F-4D97-AF65-F5344CB8AC3E}">
-        <p14:creationId xmlns:p14="http://schemas.microsoft.com/office/powerpoint/2010/main" xmlns="" val="1685022444"/>
+        <p14:creationId xmlns:p14="http://schemas.microsoft.com/office/powerpoint/2010/main" val="1685022444"/>
       </p:ext>
     </p:extLst>
   </p:cSld>
@@ -1628,7 +1720,15 @@
           <a:p>
             <a:r>
               <a:rPr lang="it-IT" dirty="0" smtClean="0"/>
-              <a:t>Fare una ricapitolazione cosa può fare l’impiegato e cosa può fare il genitore</a:t>
+              <a:t>Promemoria pagamento e promemoria fattura inclusi in invio</a:t>
+            </a:r>
+            <a:r>
+              <a:rPr lang="it-IT" baseline="0" dirty="0" smtClean="0"/>
+              <a:t> </a:t>
+            </a:r>
+            <a:r>
+              <a:rPr lang="it-IT" dirty="0" smtClean="0"/>
+              <a:t>ipromemoria</a:t>
             </a:r>
             <a:endParaRPr lang="it-IT" dirty="0"/>
           </a:p>
@@ -1661,7 +1761,7 @@
     </p:spTree>
     <p:extLst>
       <p:ext uri="{BB962C8B-B14F-4D97-AF65-F5344CB8AC3E}">
-        <p14:creationId xmlns:p14="http://schemas.microsoft.com/office/powerpoint/2010/main" xmlns="" val="3294237695"/>
+        <p14:creationId xmlns:p14="http://schemas.microsoft.com/office/powerpoint/2010/main" val="1685022444"/>
       </p:ext>
     </p:extLst>
   </p:cSld>
@@ -1746,7 +1846,7 @@
     </p:spTree>
     <p:extLst>
       <p:ext uri="{BB962C8B-B14F-4D97-AF65-F5344CB8AC3E}">
-        <p14:creationId xmlns:p14="http://schemas.microsoft.com/office/powerpoint/2010/main" xmlns="" val="328384907"/>
+        <p14:creationId xmlns:p14="http://schemas.microsoft.com/office/powerpoint/2010/main" val="3294237695"/>
       </p:ext>
     </p:extLst>
   </p:cSld>
@@ -1800,14 +1900,6 @@
           <a:bodyPr/>
           <a:lstStyle/>
           <a:p>
-            <a:r>
-              <a:rPr lang="it-IT" dirty="0" smtClean="0"/>
-              <a:t>Questa che</a:t>
-            </a:r>
-            <a:r>
-              <a:rPr lang="it-IT" baseline="0" dirty="0" smtClean="0"/>
-              <a:t> ho mostrato sostanzialmente è l’idea su cui noi volevamo basarci per implementare la gestione dei pagamenti ma essendo a bassa priorità non è stato implementato sia per mancanza di tempo effettivo sia per mancanza di skill necessarie</a:t>
-            </a:r>
             <a:endParaRPr lang="it-IT" dirty="0"/>
           </a:p>
         </p:txBody>
@@ -1839,7 +1931,7 @@
     </p:spTree>
     <p:extLst>
       <p:ext uri="{BB962C8B-B14F-4D97-AF65-F5344CB8AC3E}">
-        <p14:creationId xmlns:p14="http://schemas.microsoft.com/office/powerpoint/2010/main" xmlns="" val="3771085237"/>
+        <p14:creationId xmlns:p14="http://schemas.microsoft.com/office/powerpoint/2010/main" val="328384907"/>
       </p:ext>
     </p:extLst>
   </p:cSld>
@@ -5774,7 +5866,7 @@
           <p:nvPr>
             <p:extLst>
               <p:ext uri="{D42A27DB-BD31-4B8C-83A1-F6EECF244321}">
-                <p14:modId xmlns:p14="http://schemas.microsoft.com/office/powerpoint/2010/main" xmlns="" val="3696521689"/>
+                <p14:modId xmlns:p14="http://schemas.microsoft.com/office/powerpoint/2010/main" val="3696521689"/>
               </p:ext>
             </p:extLst>
           </p:nvPr>
@@ -5864,7 +5956,7 @@
           <a:blip r:embed="rId2" cstate="print">
             <a:extLst>
               <a:ext uri="{28A0092B-C50C-407E-A947-70E740481C1C}">
-                <a14:useLocalDpi xmlns:a14="http://schemas.microsoft.com/office/drawing/2010/main" xmlns="" val="0"/>
+                <a14:useLocalDpi xmlns:a14="http://schemas.microsoft.com/office/drawing/2010/main" val="0"/>
               </a:ext>
             </a:extLst>
           </a:blip>
@@ -5884,7 +5976,7 @@
           <a:noFill/>
           <a:extLst>
             <a:ext uri="{909E8E84-426E-40DD-AFC4-6F175D3DCCD1}">
-              <a14:hiddenFill xmlns:a14="http://schemas.microsoft.com/office/drawing/2010/main" xmlns="">
+              <a14:hiddenFill xmlns:a14="http://schemas.microsoft.com/office/drawing/2010/main">
                 <a:solidFill>
                   <a:srgbClr val="FFFFFF"/>
                 </a:solidFill>
@@ -5902,7 +5994,7 @@
           <p:nvPr>
             <p:extLst>
               <p:ext uri="{D42A27DB-BD31-4B8C-83A1-F6EECF244321}">
-                <p14:modId xmlns:p14="http://schemas.microsoft.com/office/powerpoint/2010/main" xmlns="" val="3478576524"/>
+                <p14:modId xmlns:p14="http://schemas.microsoft.com/office/powerpoint/2010/main" val="3478576524"/>
               </p:ext>
             </p:extLst>
           </p:nvPr>
@@ -6113,7 +6205,7 @@
     </p:spTree>
     <p:extLst>
       <p:ext uri="{BB962C8B-B14F-4D97-AF65-F5344CB8AC3E}">
-        <p14:creationId xmlns:p14="http://schemas.microsoft.com/office/powerpoint/2010/main" xmlns="" val="4165334171"/>
+        <p14:creationId xmlns:p14="http://schemas.microsoft.com/office/powerpoint/2010/main" val="4165334171"/>
       </p:ext>
     </p:extLst>
   </p:cSld>
@@ -6149,14 +6241,14 @@
       </p:grpSpPr>
       <p:sp>
         <p:nvSpPr>
-          <p:cNvPr id="2" name="CasellaDiTesto 1"/>
+          <p:cNvPr id="3" name="CasellaDiTesto 2"/>
           <p:cNvSpPr txBox="1"/>
           <p:nvPr/>
         </p:nvSpPr>
         <p:spPr>
           <a:xfrm>
-            <a:off x="2339752" y="692696"/>
-            <a:ext cx="4392488" cy="646331"/>
+            <a:off x="2760544" y="471869"/>
+            <a:ext cx="3937873" cy="861774"/>
           </a:xfrm>
           <a:prstGeom prst="rect">
             <a:avLst/>
@@ -6164,303 +6256,84 @@
           <a:noFill/>
         </p:spPr>
         <p:txBody>
-          <a:bodyPr wrap="square" rtlCol="0">
+          <a:bodyPr wrap="none" rtlCol="0">
             <a:spAutoFit/>
           </a:bodyPr>
           <a:lstStyle/>
           <a:p>
             <a:pPr algn="ctr"/>
             <a:r>
-              <a:rPr lang="it-IT" sz="3600" b="1" dirty="0" smtClean="0">
-                <a:solidFill>
-                  <a:srgbClr val="000000"/>
-                </a:solidFill>
+              <a:rPr lang="it-IT" sz="3200" b="1" dirty="0">
+                <a:latin typeface="+mj-lt"/>
               </a:rPr>
-              <a:t>Versione iniziale</a:t>
-            </a:r>
-          </a:p>
-        </p:txBody>
-      </p:sp>
-      <p:sp>
-        <p:nvSpPr>
-          <p:cNvPr id="9" name="Content Placeholder 3"/>
-          <p:cNvSpPr txBox="1">
-            <a:spLocks/>
-          </p:cNvSpPr>
+              <a:t> </a:t>
+            </a:r>
+            <a:r>
+              <a:rPr lang="it-IT" sz="3200" b="1" dirty="0" smtClean="0">
+                <a:latin typeface="+mj-lt"/>
+              </a:rPr>
+              <a:t>Use Case Diagram 0.9</a:t>
+            </a:r>
+          </a:p>
+          <a:p>
+            <a:pPr algn="ctr"/>
+            <a:endParaRPr lang="it-IT" dirty="0">
+              <a:latin typeface="+mj-lt"/>
+            </a:endParaRPr>
+          </a:p>
+        </p:txBody>
+      </p:sp>
+      <p:pic>
+        <p:nvPicPr>
+          <p:cNvPr id="1026" name="Picture 2" descr="C:\Users\Marko\Desktop\Class_Diagram_Pagamenti buono.png"/>
+          <p:cNvPicPr>
+            <a:picLocks noChangeAspect="1" noChangeArrowheads="1"/>
+          </p:cNvPicPr>
           <p:nvPr/>
-        </p:nvSpPr>
-        <p:spPr>
+        </p:nvPicPr>
+        <p:blipFill>
+          <a:blip r:embed="rId3" cstate="print">
+            <a:extLst>
+              <a:ext uri="{28A0092B-C50C-407E-A947-70E740481C1C}">
+                <a14:useLocalDpi xmlns:a14="http://schemas.microsoft.com/office/drawing/2010/main" val="0"/>
+              </a:ext>
+            </a:extLst>
+          </a:blip>
+          <a:srcRect/>
+          <a:stretch>
+            <a:fillRect/>
+          </a:stretch>
+        </p:blipFill>
+        <p:spPr bwMode="auto">
           <a:xfrm>
-            <a:off x="298902" y="1556792"/>
-            <a:ext cx="8449562" cy="4608512"/>
+            <a:off x="34022" y="1196752"/>
+            <a:ext cx="9144000" cy="5328592"/>
           </a:xfrm>
           <a:prstGeom prst="rect">
             <a:avLst/>
           </a:prstGeom>
+          <a:noFill/>
+          <a:extLst>
+            <a:ext uri="{909E8E84-426E-40DD-AFC4-6F175D3DCCD1}">
+              <a14:hiddenFill xmlns:a14="http://schemas.microsoft.com/office/drawing/2010/main">
+                <a:solidFill>
+                  <a:srgbClr val="FFFFFF"/>
+                </a:solidFill>
+              </a14:hiddenFill>
+            </a:ext>
+          </a:extLst>
         </p:spPr>
-        <p:txBody>
-          <a:bodyPr tIns="0"/>
-          <a:lstStyle>
-            <a:lvl1pPr marL="274320" indent="-274320" algn="l" rtl="0" eaLnBrk="1" latinLnBrk="0" hangingPunct="1">
-              <a:spcBef>
-                <a:spcPct val="20000"/>
-              </a:spcBef>
-              <a:buClrTx/>
-              <a:buSzPct val="95000"/>
-              <a:buFont typeface="Wingdings" pitchFamily="2" charset="2"/>
-              <a:buChar char="v"/>
-              <a:defRPr kumimoji="0" sz="2800" kern="1200">
-                <a:solidFill>
-                  <a:schemeClr val="tx1"/>
-                </a:solidFill>
-                <a:latin typeface="+mn-lt"/>
-                <a:ea typeface="+mn-ea"/>
-                <a:cs typeface="+mn-cs"/>
-              </a:defRPr>
-            </a:lvl1pPr>
-            <a:lvl2pPr marL="640080" indent="-246888" algn="l" rtl="0" eaLnBrk="1" latinLnBrk="0" hangingPunct="1">
-              <a:spcBef>
-                <a:spcPct val="20000"/>
-              </a:spcBef>
-              <a:buClrTx/>
-              <a:buSzPct val="85000"/>
-              <a:buFont typeface="Courier New" pitchFamily="49" charset="0"/>
-              <a:buChar char="o"/>
-              <a:defRPr kumimoji="0" sz="2600" kern="1200">
-                <a:solidFill>
-                  <a:schemeClr val="tx1"/>
-                </a:solidFill>
-                <a:latin typeface="+mn-lt"/>
-                <a:ea typeface="+mn-ea"/>
-                <a:cs typeface="+mn-cs"/>
-              </a:defRPr>
-            </a:lvl2pPr>
-            <a:lvl3pPr marL="914400" indent="-246888" algn="l" rtl="0" eaLnBrk="1" latinLnBrk="0" hangingPunct="1">
-              <a:spcBef>
-                <a:spcPct val="20000"/>
-              </a:spcBef>
-              <a:buClrTx/>
-              <a:buSzPct val="70000"/>
-              <a:buFont typeface="Wingdings 2"/>
-              <a:buChar char=""/>
-              <a:defRPr kumimoji="0" sz="2400" kern="1200">
-                <a:solidFill>
-                  <a:schemeClr val="tx1"/>
-                </a:solidFill>
-                <a:latin typeface="+mn-lt"/>
-                <a:ea typeface="+mn-ea"/>
-                <a:cs typeface="+mn-cs"/>
-              </a:defRPr>
-            </a:lvl3pPr>
-            <a:lvl4pPr marL="1188720" indent="-210312" algn="l" rtl="0" eaLnBrk="1" latinLnBrk="0" hangingPunct="1">
-              <a:spcBef>
-                <a:spcPct val="20000"/>
-              </a:spcBef>
-              <a:buClrTx/>
-              <a:buSzPct val="65000"/>
-              <a:buFont typeface="Wingdings 2"/>
-              <a:buChar char=""/>
-              <a:defRPr kumimoji="0" sz="2000" kern="1200">
-                <a:solidFill>
-                  <a:schemeClr val="tx1"/>
-                </a:solidFill>
-                <a:latin typeface="+mn-lt"/>
-                <a:ea typeface="+mn-ea"/>
-                <a:cs typeface="+mn-cs"/>
-              </a:defRPr>
-            </a:lvl4pPr>
-            <a:lvl5pPr marL="1463040" indent="-210312" algn="l" rtl="0" eaLnBrk="1" latinLnBrk="0" hangingPunct="1">
-              <a:spcBef>
-                <a:spcPct val="20000"/>
-              </a:spcBef>
-              <a:buClrTx/>
-              <a:buSzPct val="65000"/>
-              <a:buFont typeface="Wingdings 2"/>
-              <a:buChar char=""/>
-              <a:defRPr kumimoji="0" sz="1800" kern="1200">
-                <a:solidFill>
-                  <a:schemeClr val="tx1"/>
-                </a:solidFill>
-                <a:latin typeface="+mn-lt"/>
-                <a:ea typeface="+mn-ea"/>
-                <a:cs typeface="+mn-cs"/>
-              </a:defRPr>
-            </a:lvl5pPr>
-            <a:lvl6pPr marL="1737360" indent="-210312" algn="l" rtl="0" eaLnBrk="1" latinLnBrk="0" hangingPunct="1">
-              <a:spcBef>
-                <a:spcPct val="20000"/>
-              </a:spcBef>
-              <a:buClr>
-                <a:schemeClr val="accent5"/>
-              </a:buClr>
-              <a:buSzPct val="80000"/>
-              <a:buFont typeface="Wingdings 2"/>
-              <a:buChar char=""/>
-              <a:defRPr kumimoji="0" sz="1800" kern="1200">
-                <a:solidFill>
-                  <a:schemeClr val="tx1"/>
-                </a:solidFill>
-                <a:latin typeface="+mn-lt"/>
-                <a:ea typeface="+mn-ea"/>
-                <a:cs typeface="+mn-cs"/>
-              </a:defRPr>
-            </a:lvl6pPr>
-            <a:lvl7pPr marL="1920240" indent="-182880" algn="l" rtl="0" eaLnBrk="1" latinLnBrk="0" hangingPunct="1">
-              <a:spcBef>
-                <a:spcPct val="20000"/>
-              </a:spcBef>
-              <a:buClr>
-                <a:schemeClr val="accent6"/>
-              </a:buClr>
-              <a:buSzPct val="80000"/>
-              <a:buFont typeface="Wingdings 2"/>
-              <a:buChar char=""/>
-              <a:defRPr kumimoji="0" sz="1600" kern="1200" baseline="0">
-                <a:solidFill>
-                  <a:schemeClr val="tx1"/>
-                </a:solidFill>
-                <a:latin typeface="+mn-lt"/>
-                <a:ea typeface="+mn-ea"/>
-                <a:cs typeface="+mn-cs"/>
-              </a:defRPr>
-            </a:lvl7pPr>
-            <a:lvl8pPr marL="2194560" indent="-182880" algn="l" rtl="0" eaLnBrk="1" latinLnBrk="0" hangingPunct="1">
-              <a:spcBef>
-                <a:spcPct val="20000"/>
-              </a:spcBef>
-              <a:buClr>
-                <a:schemeClr val="tx2"/>
-              </a:buClr>
-              <a:buChar char="•"/>
-              <a:defRPr kumimoji="0" sz="1600" kern="1200">
-                <a:solidFill>
-                  <a:schemeClr val="tx1"/>
-                </a:solidFill>
-                <a:latin typeface="+mn-lt"/>
-                <a:ea typeface="+mn-ea"/>
-                <a:cs typeface="+mn-cs"/>
-              </a:defRPr>
-            </a:lvl8pPr>
-            <a:lvl9pPr marL="2468880" indent="-182880" algn="l" rtl="0" eaLnBrk="1" latinLnBrk="0" hangingPunct="1">
-              <a:spcBef>
-                <a:spcPct val="20000"/>
-              </a:spcBef>
-              <a:buClr>
-                <a:schemeClr val="tx2"/>
-              </a:buClr>
-              <a:buFontTx/>
-              <a:buChar char="•"/>
-              <a:defRPr kumimoji="0" sz="1400" kern="1200" baseline="0">
-                <a:solidFill>
-                  <a:schemeClr val="tx1"/>
-                </a:solidFill>
-                <a:latin typeface="+mn-lt"/>
-                <a:ea typeface="+mn-ea"/>
-                <a:cs typeface="+mn-cs"/>
-              </a:defRPr>
-            </a:lvl9pPr>
-          </a:lstStyle>
-          <a:p>
-            <a:pPr marL="0" indent="0">
-              <a:buNone/>
-            </a:pPr>
-            <a:r>
-              <a:rPr lang="it-IT" dirty="0" smtClean="0">
-                <a:solidFill>
-                  <a:schemeClr val="accent5"/>
-                </a:solidFill>
-              </a:rPr>
-              <a:t>Cosa non va: </a:t>
-            </a:r>
-            <a:endParaRPr lang="it-IT" dirty="0">
-              <a:solidFill>
-                <a:schemeClr val="accent5"/>
-              </a:solidFill>
-            </a:endParaRPr>
-          </a:p>
-          <a:p>
-            <a:r>
-              <a:rPr lang="it-IT" dirty="0" smtClean="0">
-                <a:solidFill>
-                  <a:srgbClr val="000000"/>
-                </a:solidFill>
-              </a:rPr>
-              <a:t>Genitore non può pagare online ma deve pagare con   bancomat allo sportello dell’asilo</a:t>
-            </a:r>
-          </a:p>
-          <a:p>
-            <a:r>
-              <a:rPr lang="it-IT" dirty="0" smtClean="0">
-                <a:solidFill>
-                  <a:srgbClr val="000000"/>
-                </a:solidFill>
-              </a:rPr>
-              <a:t>Cauzione non presente sul bando </a:t>
-            </a:r>
-          </a:p>
-          <a:p>
-            <a:endParaRPr lang="it-IT" dirty="0" smtClean="0">
-              <a:solidFill>
-                <a:srgbClr val="000000"/>
-              </a:solidFill>
-            </a:endParaRPr>
-          </a:p>
-          <a:p>
-            <a:pPr marL="0" indent="0">
-              <a:buNone/>
-            </a:pPr>
-            <a:r>
-              <a:rPr lang="it-IT" dirty="0" smtClean="0">
-                <a:solidFill>
-                  <a:schemeClr val="accent5"/>
-                </a:solidFill>
-              </a:rPr>
-              <a:t>Cosa deve essere gestito:</a:t>
-            </a:r>
-          </a:p>
-          <a:p>
-            <a:r>
-              <a:rPr lang="it-IT" dirty="0" smtClean="0">
-                <a:solidFill>
-                  <a:srgbClr val="000000"/>
-                </a:solidFill>
-              </a:rPr>
-              <a:t>Devono essere gestiti gli extra</a:t>
-            </a:r>
-          </a:p>
-          <a:p>
-            <a:pPr marL="0" indent="0">
-              <a:buNone/>
-            </a:pPr>
-            <a:r>
-              <a:rPr lang="it-IT" dirty="0" smtClean="0">
-                <a:solidFill>
-                  <a:srgbClr val="000000"/>
-                </a:solidFill>
-              </a:rPr>
-              <a:t>	</a:t>
-            </a:r>
-          </a:p>
-        </p:txBody>
-      </p:sp>
+      </p:pic>
     </p:spTree>
     <p:extLst>
       <p:ext uri="{BB962C8B-B14F-4D97-AF65-F5344CB8AC3E}">
-        <p14:creationId xmlns:p14="http://schemas.microsoft.com/office/powerpoint/2010/main" xmlns="" val="952316739"/>
+        <p14:creationId xmlns:p14="http://schemas.microsoft.com/office/powerpoint/2010/main" val="1417486241"/>
       </p:ext>
     </p:extLst>
   </p:cSld>
   <p:clrMapOvr>
     <a:masterClrMapping/>
   </p:clrMapOvr>
-  <mc:AlternateContent xmlns:mc="http://schemas.openxmlformats.org/markup-compatibility/2006">
-    <mc:Choice xmlns:p14="http://schemas.microsoft.com/office/powerpoint/2010/main" xmlns="" Requires="p14">
-      <p:transition spd="slow" p14:dur="2000"/>
-    </mc:Choice>
-    <mc:Fallback>
-      <p:transition spd="slow"/>
-    </mc:Fallback>
-  </mc:AlternateContent>
   <p:timing>
     <p:tnLst>
       <p:par>
@@ -6490,6 +6363,347 @@
       </p:grpSpPr>
       <p:sp>
         <p:nvSpPr>
+          <p:cNvPr id="2" name="CasellaDiTesto 1"/>
+          <p:cNvSpPr txBox="1"/>
+          <p:nvPr/>
+        </p:nvSpPr>
+        <p:spPr>
+          <a:xfrm>
+            <a:off x="2339752" y="692696"/>
+            <a:ext cx="4392488" cy="646331"/>
+          </a:xfrm>
+          <a:prstGeom prst="rect">
+            <a:avLst/>
+          </a:prstGeom>
+          <a:noFill/>
+        </p:spPr>
+        <p:txBody>
+          <a:bodyPr wrap="square" rtlCol="0">
+            <a:spAutoFit/>
+          </a:bodyPr>
+          <a:lstStyle/>
+          <a:p>
+            <a:pPr algn="ctr"/>
+            <a:r>
+              <a:rPr lang="it-IT" sz="3600" b="1" dirty="0" smtClean="0">
+                <a:solidFill>
+                  <a:srgbClr val="000000"/>
+                </a:solidFill>
+              </a:rPr>
+              <a:t>Versione iniziale</a:t>
+            </a:r>
+          </a:p>
+        </p:txBody>
+      </p:sp>
+      <p:sp>
+        <p:nvSpPr>
+          <p:cNvPr id="9" name="Content Placeholder 3"/>
+          <p:cNvSpPr txBox="1">
+            <a:spLocks/>
+          </p:cNvSpPr>
+          <p:nvPr/>
+        </p:nvSpPr>
+        <p:spPr>
+          <a:xfrm>
+            <a:off x="298902" y="1556792"/>
+            <a:ext cx="8449562" cy="4608512"/>
+          </a:xfrm>
+          <a:prstGeom prst="rect">
+            <a:avLst/>
+          </a:prstGeom>
+        </p:spPr>
+        <p:txBody>
+          <a:bodyPr tIns="0"/>
+          <a:lstStyle>
+            <a:lvl1pPr marL="274320" indent="-274320" algn="l" rtl="0" eaLnBrk="1" latinLnBrk="0" hangingPunct="1">
+              <a:spcBef>
+                <a:spcPct val="20000"/>
+              </a:spcBef>
+              <a:buClrTx/>
+              <a:buSzPct val="95000"/>
+              <a:buFont typeface="Wingdings" pitchFamily="2" charset="2"/>
+              <a:buChar char="v"/>
+              <a:defRPr kumimoji="0" sz="2800" kern="1200">
+                <a:solidFill>
+                  <a:schemeClr val="tx1"/>
+                </a:solidFill>
+                <a:latin typeface="+mn-lt"/>
+                <a:ea typeface="+mn-ea"/>
+                <a:cs typeface="+mn-cs"/>
+              </a:defRPr>
+            </a:lvl1pPr>
+            <a:lvl2pPr marL="640080" indent="-246888" algn="l" rtl="0" eaLnBrk="1" latinLnBrk="0" hangingPunct="1">
+              <a:spcBef>
+                <a:spcPct val="20000"/>
+              </a:spcBef>
+              <a:buClrTx/>
+              <a:buSzPct val="85000"/>
+              <a:buFont typeface="Courier New" pitchFamily="49" charset="0"/>
+              <a:buChar char="o"/>
+              <a:defRPr kumimoji="0" sz="2600" kern="1200">
+                <a:solidFill>
+                  <a:schemeClr val="tx1"/>
+                </a:solidFill>
+                <a:latin typeface="+mn-lt"/>
+                <a:ea typeface="+mn-ea"/>
+                <a:cs typeface="+mn-cs"/>
+              </a:defRPr>
+            </a:lvl2pPr>
+            <a:lvl3pPr marL="914400" indent="-246888" algn="l" rtl="0" eaLnBrk="1" latinLnBrk="0" hangingPunct="1">
+              <a:spcBef>
+                <a:spcPct val="20000"/>
+              </a:spcBef>
+              <a:buClrTx/>
+              <a:buSzPct val="70000"/>
+              <a:buFont typeface="Wingdings 2"/>
+              <a:buChar char=""/>
+              <a:defRPr kumimoji="0" sz="2400" kern="1200">
+                <a:solidFill>
+                  <a:schemeClr val="tx1"/>
+                </a:solidFill>
+                <a:latin typeface="+mn-lt"/>
+                <a:ea typeface="+mn-ea"/>
+                <a:cs typeface="+mn-cs"/>
+              </a:defRPr>
+            </a:lvl3pPr>
+            <a:lvl4pPr marL="1188720" indent="-210312" algn="l" rtl="0" eaLnBrk="1" latinLnBrk="0" hangingPunct="1">
+              <a:spcBef>
+                <a:spcPct val="20000"/>
+              </a:spcBef>
+              <a:buClrTx/>
+              <a:buSzPct val="65000"/>
+              <a:buFont typeface="Wingdings 2"/>
+              <a:buChar char=""/>
+              <a:defRPr kumimoji="0" sz="2000" kern="1200">
+                <a:solidFill>
+                  <a:schemeClr val="tx1"/>
+                </a:solidFill>
+                <a:latin typeface="+mn-lt"/>
+                <a:ea typeface="+mn-ea"/>
+                <a:cs typeface="+mn-cs"/>
+              </a:defRPr>
+            </a:lvl4pPr>
+            <a:lvl5pPr marL="1463040" indent="-210312" algn="l" rtl="0" eaLnBrk="1" latinLnBrk="0" hangingPunct="1">
+              <a:spcBef>
+                <a:spcPct val="20000"/>
+              </a:spcBef>
+              <a:buClrTx/>
+              <a:buSzPct val="65000"/>
+              <a:buFont typeface="Wingdings 2"/>
+              <a:buChar char=""/>
+              <a:defRPr kumimoji="0" sz="1800" kern="1200">
+                <a:solidFill>
+                  <a:schemeClr val="tx1"/>
+                </a:solidFill>
+                <a:latin typeface="+mn-lt"/>
+                <a:ea typeface="+mn-ea"/>
+                <a:cs typeface="+mn-cs"/>
+              </a:defRPr>
+            </a:lvl5pPr>
+            <a:lvl6pPr marL="1737360" indent="-210312" algn="l" rtl="0" eaLnBrk="1" latinLnBrk="0" hangingPunct="1">
+              <a:spcBef>
+                <a:spcPct val="20000"/>
+              </a:spcBef>
+              <a:buClr>
+                <a:schemeClr val="accent5"/>
+              </a:buClr>
+              <a:buSzPct val="80000"/>
+              <a:buFont typeface="Wingdings 2"/>
+              <a:buChar char=""/>
+              <a:defRPr kumimoji="0" sz="1800" kern="1200">
+                <a:solidFill>
+                  <a:schemeClr val="tx1"/>
+                </a:solidFill>
+                <a:latin typeface="+mn-lt"/>
+                <a:ea typeface="+mn-ea"/>
+                <a:cs typeface="+mn-cs"/>
+              </a:defRPr>
+            </a:lvl6pPr>
+            <a:lvl7pPr marL="1920240" indent="-182880" algn="l" rtl="0" eaLnBrk="1" latinLnBrk="0" hangingPunct="1">
+              <a:spcBef>
+                <a:spcPct val="20000"/>
+              </a:spcBef>
+              <a:buClr>
+                <a:schemeClr val="accent6"/>
+              </a:buClr>
+              <a:buSzPct val="80000"/>
+              <a:buFont typeface="Wingdings 2"/>
+              <a:buChar char=""/>
+              <a:defRPr kumimoji="0" sz="1600" kern="1200" baseline="0">
+                <a:solidFill>
+                  <a:schemeClr val="tx1"/>
+                </a:solidFill>
+                <a:latin typeface="+mn-lt"/>
+                <a:ea typeface="+mn-ea"/>
+                <a:cs typeface="+mn-cs"/>
+              </a:defRPr>
+            </a:lvl7pPr>
+            <a:lvl8pPr marL="2194560" indent="-182880" algn="l" rtl="0" eaLnBrk="1" latinLnBrk="0" hangingPunct="1">
+              <a:spcBef>
+                <a:spcPct val="20000"/>
+              </a:spcBef>
+              <a:buClr>
+                <a:schemeClr val="tx2"/>
+              </a:buClr>
+              <a:buChar char="•"/>
+              <a:defRPr kumimoji="0" sz="1600" kern="1200">
+                <a:solidFill>
+                  <a:schemeClr val="tx1"/>
+                </a:solidFill>
+                <a:latin typeface="+mn-lt"/>
+                <a:ea typeface="+mn-ea"/>
+                <a:cs typeface="+mn-cs"/>
+              </a:defRPr>
+            </a:lvl8pPr>
+            <a:lvl9pPr marL="2468880" indent="-182880" algn="l" rtl="0" eaLnBrk="1" latinLnBrk="0" hangingPunct="1">
+              <a:spcBef>
+                <a:spcPct val="20000"/>
+              </a:spcBef>
+              <a:buClr>
+                <a:schemeClr val="tx2"/>
+              </a:buClr>
+              <a:buFontTx/>
+              <a:buChar char="•"/>
+              <a:defRPr kumimoji="0" sz="1400" kern="1200" baseline="0">
+                <a:solidFill>
+                  <a:schemeClr val="tx1"/>
+                </a:solidFill>
+                <a:latin typeface="+mn-lt"/>
+                <a:ea typeface="+mn-ea"/>
+                <a:cs typeface="+mn-cs"/>
+              </a:defRPr>
+            </a:lvl9pPr>
+          </a:lstStyle>
+          <a:p>
+            <a:pPr marL="0" indent="0">
+              <a:buNone/>
+            </a:pPr>
+            <a:r>
+              <a:rPr lang="it-IT" dirty="0" smtClean="0">
+                <a:solidFill>
+                  <a:schemeClr val="accent5"/>
+                </a:solidFill>
+              </a:rPr>
+              <a:t>Cosa non va: </a:t>
+            </a:r>
+            <a:endParaRPr lang="it-IT" dirty="0">
+              <a:solidFill>
+                <a:schemeClr val="accent5"/>
+              </a:solidFill>
+            </a:endParaRPr>
+          </a:p>
+          <a:p>
+            <a:r>
+              <a:rPr lang="it-IT" dirty="0" smtClean="0">
+                <a:solidFill>
+                  <a:srgbClr val="000000"/>
+                </a:solidFill>
+              </a:rPr>
+              <a:t>Genitore non può pagare online ma deve pagare con   bancomat allo sportello dell’asilo</a:t>
+            </a:r>
+          </a:p>
+          <a:p>
+            <a:r>
+              <a:rPr lang="it-IT" dirty="0" smtClean="0">
+                <a:solidFill>
+                  <a:srgbClr val="000000"/>
+                </a:solidFill>
+              </a:rPr>
+              <a:t>Cauzione non presente sul bando </a:t>
+            </a:r>
+          </a:p>
+          <a:p>
+            <a:endParaRPr lang="it-IT" dirty="0" smtClean="0">
+              <a:solidFill>
+                <a:srgbClr val="000000"/>
+              </a:solidFill>
+            </a:endParaRPr>
+          </a:p>
+          <a:p>
+            <a:pPr marL="0" indent="0">
+              <a:buNone/>
+            </a:pPr>
+            <a:r>
+              <a:rPr lang="it-IT" dirty="0" smtClean="0">
+                <a:solidFill>
+                  <a:schemeClr val="accent5"/>
+                </a:solidFill>
+              </a:rPr>
+              <a:t>Cosa deve essere gestito:</a:t>
+            </a:r>
+          </a:p>
+          <a:p>
+            <a:r>
+              <a:rPr lang="it-IT" dirty="0" smtClean="0">
+                <a:solidFill>
+                  <a:srgbClr val="000000"/>
+                </a:solidFill>
+              </a:rPr>
+              <a:t>Devono essere gestiti gli extra</a:t>
+            </a:r>
+          </a:p>
+          <a:p>
+            <a:pPr marL="0" indent="0">
+              <a:buNone/>
+            </a:pPr>
+            <a:r>
+              <a:rPr lang="it-IT" dirty="0" smtClean="0">
+                <a:solidFill>
+                  <a:srgbClr val="000000"/>
+                </a:solidFill>
+              </a:rPr>
+              <a:t>	</a:t>
+            </a:r>
+          </a:p>
+        </p:txBody>
+      </p:sp>
+    </p:spTree>
+    <p:extLst>
+      <p:ext uri="{BB962C8B-B14F-4D97-AF65-F5344CB8AC3E}">
+        <p14:creationId xmlns:p14="http://schemas.microsoft.com/office/powerpoint/2010/main" val="952316739"/>
+      </p:ext>
+    </p:extLst>
+  </p:cSld>
+  <p:clrMapOvr>
+    <a:masterClrMapping/>
+  </p:clrMapOvr>
+  <mc:AlternateContent xmlns:mc="http://schemas.openxmlformats.org/markup-compatibility/2006" xmlns:p14="http://schemas.microsoft.com/office/powerpoint/2010/main">
+    <mc:Choice Requires="p14">
+      <p:transition spd="slow" p14:dur="2000"/>
+    </mc:Choice>
+    <mc:Fallback xmlns="">
+      <p:transition spd="slow"/>
+    </mc:Fallback>
+  </mc:AlternateContent>
+  <p:timing>
+    <p:tnLst>
+      <p:par>
+        <p:cTn id="1" dur="indefinite" restart="never" nodeType="tmRoot"/>
+      </p:par>
+    </p:tnLst>
+  </p:timing>
+</p:sld>
+</file>
+
+<file path=ppt/slides/slide12.xml><?xml version="1.0" encoding="utf-8"?>
+<p:sld xmlns:a="http://schemas.openxmlformats.org/drawingml/2006/main" xmlns:r="http://schemas.openxmlformats.org/officeDocument/2006/relationships" xmlns:p="http://schemas.openxmlformats.org/presentationml/2006/main">
+  <p:cSld>
+    <p:spTree>
+      <p:nvGrpSpPr>
+        <p:cNvPr id="1" name=""/>
+        <p:cNvGrpSpPr/>
+        <p:nvPr/>
+      </p:nvGrpSpPr>
+      <p:grpSpPr>
+        <a:xfrm>
+          <a:off x="0" y="0"/>
+          <a:ext cx="0" cy="0"/>
+          <a:chOff x="0" y="0"/>
+          <a:chExt cx="0" cy="0"/>
+        </a:xfrm>
+      </p:grpSpPr>
+      <p:sp>
+        <p:nvSpPr>
           <p:cNvPr id="3" name="CasellaDiTesto 2"/>
           <p:cNvSpPr txBox="1"/>
           <p:nvPr/>
@@ -6544,7 +6758,7 @@
           <a:blip r:embed="rId3" cstate="print">
             <a:extLst>
               <a:ext uri="{28A0092B-C50C-407E-A947-70E740481C1C}">
-                <a14:useLocalDpi xmlns:a14="http://schemas.microsoft.com/office/drawing/2010/main" xmlns="" val="0"/>
+                <a14:useLocalDpi xmlns:a14="http://schemas.microsoft.com/office/drawing/2010/main" val="0"/>
               </a:ext>
             </a:extLst>
           </a:blip>
@@ -6564,7 +6778,7 @@
           <a:noFill/>
           <a:extLst>
             <a:ext uri="{909E8E84-426E-40DD-AFC4-6F175D3DCCD1}">
-              <a14:hiddenFill xmlns:a14="http://schemas.microsoft.com/office/drawing/2010/main" xmlns="">
+              <a14:hiddenFill xmlns:a14="http://schemas.microsoft.com/office/drawing/2010/main">
                 <a:solidFill>
                   <a:srgbClr val="FFFFFF"/>
                 </a:solidFill>
@@ -6668,7 +6882,7 @@
     </p:spTree>
     <p:extLst>
       <p:ext uri="{BB962C8B-B14F-4D97-AF65-F5344CB8AC3E}">
-        <p14:creationId xmlns:p14="http://schemas.microsoft.com/office/powerpoint/2010/main" xmlns="" val="1824602548"/>
+        <p14:creationId xmlns:p14="http://schemas.microsoft.com/office/powerpoint/2010/main" val="1824602548"/>
       </p:ext>
     </p:extLst>
   </p:cSld>
@@ -6818,7 +7032,7 @@
 </p:sld>
 </file>
 
-<file path=ppt/slides/slide12.xml><?xml version="1.0" encoding="utf-8"?>
+<file path=ppt/slides/slide13.xml><?xml version="1.0" encoding="utf-8"?>
 <p:sld xmlns:a="http://schemas.openxmlformats.org/drawingml/2006/main" xmlns:r="http://schemas.openxmlformats.org/officeDocument/2006/relationships" xmlns:p="http://schemas.openxmlformats.org/presentationml/2006/main">
   <p:cSld>
     <p:spTree>
@@ -6891,7 +7105,7 @@
           <a:blip r:embed="rId3" cstate="print">
             <a:extLst>
               <a:ext uri="{28A0092B-C50C-407E-A947-70E740481C1C}">
-                <a14:useLocalDpi xmlns:a14="http://schemas.microsoft.com/office/drawing/2010/main" xmlns="" val="0"/>
+                <a14:useLocalDpi xmlns:a14="http://schemas.microsoft.com/office/drawing/2010/main" val="0"/>
               </a:ext>
             </a:extLst>
           </a:blip>
@@ -6911,7 +7125,7 @@
           <a:noFill/>
           <a:extLst>
             <a:ext uri="{909E8E84-426E-40DD-AFC4-6F175D3DCCD1}">
-              <a14:hiddenFill xmlns:a14="http://schemas.microsoft.com/office/drawing/2010/main" xmlns="">
+              <a14:hiddenFill xmlns:a14="http://schemas.microsoft.com/office/drawing/2010/main">
                 <a:solidFill>
                   <a:srgbClr val="FFFFFF"/>
                 </a:solidFill>
@@ -6969,7 +7183,7 @@
     </p:spTree>
     <p:extLst>
       <p:ext uri="{BB962C8B-B14F-4D97-AF65-F5344CB8AC3E}">
-        <p14:creationId xmlns:p14="http://schemas.microsoft.com/office/powerpoint/2010/main" xmlns="" val="4209306795"/>
+        <p14:creationId xmlns:p14="http://schemas.microsoft.com/office/powerpoint/2010/main" val="4209306795"/>
       </p:ext>
     </p:extLst>
   </p:cSld>
@@ -7065,7 +7279,7 @@
 </p:sld>
 </file>
 
-<file path=ppt/slides/slide13.xml><?xml version="1.0" encoding="utf-8"?>
+<file path=ppt/slides/slide14.xml><?xml version="1.0" encoding="utf-8"?>
 <p:sld xmlns:a="http://schemas.openxmlformats.org/drawingml/2006/main" xmlns:r="http://schemas.openxmlformats.org/officeDocument/2006/relationships" xmlns:p="http://schemas.openxmlformats.org/presentationml/2006/main">
   <p:cSld>
     <p:spTree>
@@ -7138,7 +7352,7 @@
           <a:blip r:embed="rId3" cstate="print">
             <a:extLst>
               <a:ext uri="{28A0092B-C50C-407E-A947-70E740481C1C}">
-                <a14:useLocalDpi xmlns:a14="http://schemas.microsoft.com/office/drawing/2010/main" xmlns="" val="0"/>
+                <a14:useLocalDpi xmlns:a14="http://schemas.microsoft.com/office/drawing/2010/main" val="0"/>
               </a:ext>
             </a:extLst>
           </a:blip>
@@ -7158,7 +7372,7 @@
           <a:noFill/>
           <a:extLst>
             <a:ext uri="{909E8E84-426E-40DD-AFC4-6F175D3DCCD1}">
-              <a14:hiddenFill xmlns:a14="http://schemas.microsoft.com/office/drawing/2010/main" xmlns="">
+              <a14:hiddenFill xmlns:a14="http://schemas.microsoft.com/office/drawing/2010/main">
                 <a:solidFill>
                   <a:srgbClr val="FFFFFF"/>
                 </a:solidFill>
@@ -7170,132 +7384,7 @@
     </p:spTree>
     <p:extLst>
       <p:ext uri="{BB962C8B-B14F-4D97-AF65-F5344CB8AC3E}">
-        <p14:creationId xmlns:p14="http://schemas.microsoft.com/office/powerpoint/2010/main" xmlns="" val="3701313841"/>
-      </p:ext>
-    </p:extLst>
-  </p:cSld>
-  <p:clrMapOvr>
-    <a:masterClrMapping/>
-  </p:clrMapOvr>
-  <p:timing>
-    <p:tnLst>
-      <p:par>
-        <p:cTn id="1" dur="indefinite" restart="never" nodeType="tmRoot"/>
-      </p:par>
-    </p:tnLst>
-  </p:timing>
-</p:sld>
-</file>
-
-<file path=ppt/slides/slide14.xml><?xml version="1.0" encoding="utf-8"?>
-<p:sld xmlns:a="http://schemas.openxmlformats.org/drawingml/2006/main" xmlns:r="http://schemas.openxmlformats.org/officeDocument/2006/relationships" xmlns:p="http://schemas.openxmlformats.org/presentationml/2006/main">
-  <p:cSld>
-    <p:spTree>
-      <p:nvGrpSpPr>
-        <p:cNvPr id="1" name=""/>
-        <p:cNvGrpSpPr/>
-        <p:nvPr/>
-      </p:nvGrpSpPr>
-      <p:grpSpPr>
-        <a:xfrm>
-          <a:off x="0" y="0"/>
-          <a:ext cx="0" cy="0"/>
-          <a:chOff x="0" y="0"/>
-          <a:chExt cx="0" cy="0"/>
-        </a:xfrm>
-      </p:grpSpPr>
-      <p:sp>
-        <p:nvSpPr>
-          <p:cNvPr id="3" name="CasellaDiTesto 2"/>
-          <p:cNvSpPr txBox="1"/>
-          <p:nvPr/>
-        </p:nvSpPr>
-        <p:spPr>
-          <a:xfrm>
-            <a:off x="2915816" y="471868"/>
-            <a:ext cx="3384261" cy="830997"/>
-          </a:xfrm>
-          <a:prstGeom prst="rect">
-            <a:avLst/>
-          </a:prstGeom>
-          <a:noFill/>
-        </p:spPr>
-        <p:txBody>
-          <a:bodyPr wrap="none" rtlCol="0">
-            <a:spAutoFit/>
-          </a:bodyPr>
-          <a:lstStyle/>
-          <a:p>
-            <a:pPr algn="ctr"/>
-            <a:r>
-              <a:rPr lang="it-IT" sz="4800" b="1" dirty="0">
-                <a:latin typeface="+mj-lt"/>
-              </a:rPr>
-              <a:t> </a:t>
-            </a:r>
-            <a:r>
-              <a:rPr lang="it-IT" sz="3200" b="1" dirty="0">
-                <a:latin typeface="+mj-lt"/>
-              </a:rPr>
-              <a:t>E</a:t>
-            </a:r>
-            <a:r>
-              <a:rPr lang="it-IT" sz="3200" b="1" dirty="0" smtClean="0">
-                <a:latin typeface="+mj-lt"/>
-              </a:rPr>
-              <a:t>sempio Use Case</a:t>
-            </a:r>
-            <a:endParaRPr lang="it-IT" sz="3200" dirty="0">
-              <a:latin typeface="+mj-lt"/>
-            </a:endParaRPr>
-          </a:p>
-        </p:txBody>
-      </p:sp>
-      <p:pic>
-        <p:nvPicPr>
-          <p:cNvPr id="1027" name="Picture 3" descr="C:\Users\Marko\Desktop\UC_ Fattura pagamento.png"/>
-          <p:cNvPicPr>
-            <a:picLocks noChangeAspect="1" noChangeArrowheads="1"/>
-          </p:cNvPicPr>
-          <p:nvPr/>
-        </p:nvPicPr>
-        <p:blipFill>
-          <a:blip r:embed="rId3" cstate="print">
-            <a:extLst>
-              <a:ext uri="{28A0092B-C50C-407E-A947-70E740481C1C}">
-                <a14:useLocalDpi xmlns:a14="http://schemas.microsoft.com/office/drawing/2010/main" xmlns="" val="0"/>
-              </a:ext>
-            </a:extLst>
-          </a:blip>
-          <a:srcRect/>
-          <a:stretch>
-            <a:fillRect/>
-          </a:stretch>
-        </p:blipFill>
-        <p:spPr bwMode="auto">
-          <a:xfrm>
-            <a:off x="28217" y="1335247"/>
-            <a:ext cx="8820471" cy="5299794"/>
-          </a:xfrm>
-          <a:prstGeom prst="rect">
-            <a:avLst/>
-          </a:prstGeom>
-          <a:noFill/>
-          <a:extLst>
-            <a:ext uri="{909E8E84-426E-40DD-AFC4-6F175D3DCCD1}">
-              <a14:hiddenFill xmlns:a14="http://schemas.microsoft.com/office/drawing/2010/main" xmlns="">
-                <a:solidFill>
-                  <a:srgbClr val="FFFFFF"/>
-                </a:solidFill>
-              </a14:hiddenFill>
-            </a:ext>
-          </a:extLst>
-        </p:spPr>
-      </p:pic>
-    </p:spTree>
-    <p:extLst>
-      <p:ext uri="{BB962C8B-B14F-4D97-AF65-F5344CB8AC3E}">
-        <p14:creationId xmlns:p14="http://schemas.microsoft.com/office/powerpoint/2010/main" xmlns="" val="1653549512"/>
+        <p14:creationId xmlns:p14="http://schemas.microsoft.com/office/powerpoint/2010/main" val="3701313841"/>
       </p:ext>
     </p:extLst>
   </p:cSld>
@@ -7329,9 +7418,56 @@
           <a:chExt cx="0" cy="0"/>
         </a:xfrm>
       </p:grpSpPr>
+      <p:sp>
+        <p:nvSpPr>
+          <p:cNvPr id="3" name="CasellaDiTesto 2"/>
+          <p:cNvSpPr txBox="1"/>
+          <p:nvPr/>
+        </p:nvSpPr>
+        <p:spPr>
+          <a:xfrm>
+            <a:off x="2915816" y="471868"/>
+            <a:ext cx="3384261" cy="830997"/>
+          </a:xfrm>
+          <a:prstGeom prst="rect">
+            <a:avLst/>
+          </a:prstGeom>
+          <a:noFill/>
+        </p:spPr>
+        <p:txBody>
+          <a:bodyPr wrap="none" rtlCol="0">
+            <a:spAutoFit/>
+          </a:bodyPr>
+          <a:lstStyle/>
+          <a:p>
+            <a:pPr algn="ctr"/>
+            <a:r>
+              <a:rPr lang="it-IT" sz="4800" b="1" dirty="0">
+                <a:latin typeface="+mj-lt"/>
+              </a:rPr>
+              <a:t> </a:t>
+            </a:r>
+            <a:r>
+              <a:rPr lang="it-IT" sz="3200" b="1" dirty="0">
+                <a:latin typeface="+mj-lt"/>
+              </a:rPr>
+              <a:t>E</a:t>
+            </a:r>
+            <a:r>
+              <a:rPr lang="it-IT" sz="3200" b="1" dirty="0" smtClean="0">
+                <a:latin typeface="+mj-lt"/>
+              </a:rPr>
+              <a:t>sempio Use Case</a:t>
+            </a:r>
+            <a:endParaRPr lang="it-IT" sz="3200" dirty="0">
+              <a:latin typeface="+mj-lt"/>
+            </a:endParaRPr>
+          </a:p>
+        </p:txBody>
+      </p:sp>
       <p:pic>
         <p:nvPicPr>
-          <p:cNvPr id="1026" name="Picture 2" descr="C:\Users\Marko\Desktop\Documenti presentazione\SD_PagamentiMod.png"/>
+          <p:cNvPr id="1027" name="Picture 3" descr="C:\Users\Marko\Desktop\UC_ Fattura pagamento.png"/>
           <p:cNvPicPr>
             <a:picLocks noChangeAspect="1" noChangeArrowheads="1"/>
           </p:cNvPicPr>
@@ -7341,7 +7477,7 @@
           <a:blip r:embed="rId3" cstate="print">
             <a:extLst>
               <a:ext uri="{28A0092B-C50C-407E-A947-70E740481C1C}">
-                <a14:useLocalDpi xmlns:a14="http://schemas.microsoft.com/office/drawing/2010/main" xmlns="" val="0"/>
+                <a14:useLocalDpi xmlns:a14="http://schemas.microsoft.com/office/drawing/2010/main" val="0"/>
               </a:ext>
             </a:extLst>
           </a:blip>
@@ -7352,8 +7488,8 @@
         </p:blipFill>
         <p:spPr bwMode="auto">
           <a:xfrm>
-            <a:off x="0" y="1628800"/>
-            <a:ext cx="9131072" cy="4896544"/>
+            <a:off x="28217" y="1335247"/>
+            <a:ext cx="8820471" cy="5299794"/>
           </a:xfrm>
           <a:prstGeom prst="rect">
             <a:avLst/>
@@ -7361,7 +7497,7 @@
           <a:noFill/>
           <a:extLst>
             <a:ext uri="{909E8E84-426E-40DD-AFC4-6F175D3DCCD1}">
-              <a14:hiddenFill xmlns:a14="http://schemas.microsoft.com/office/drawing/2010/main" xmlns="">
+              <a14:hiddenFill xmlns:a14="http://schemas.microsoft.com/office/drawing/2010/main">
                 <a:solidFill>
                   <a:srgbClr val="FFFFFF"/>
                 </a:solidFill>
@@ -7370,48 +7506,10 @@
           </a:extLst>
         </p:spPr>
       </p:pic>
-      <p:sp>
-        <p:nvSpPr>
-          <p:cNvPr id="3" name="CasellaDiTesto 2"/>
-          <p:cNvSpPr txBox="1"/>
-          <p:nvPr/>
-        </p:nvSpPr>
-        <p:spPr>
-          <a:xfrm>
-            <a:off x="2260241" y="471869"/>
-            <a:ext cx="4938468" cy="1107996"/>
-          </a:xfrm>
-          <a:prstGeom prst="rect">
-            <a:avLst/>
-          </a:prstGeom>
-          <a:noFill/>
-        </p:spPr>
-        <p:txBody>
-          <a:bodyPr wrap="none" rtlCol="0">
-            <a:spAutoFit/>
-          </a:bodyPr>
-          <a:lstStyle/>
-          <a:p>
-            <a:pPr algn="ctr"/>
-            <a:r>
-              <a:rPr lang="it-IT" sz="4800" b="1" dirty="0" smtClean="0">
-                <a:latin typeface="+mj-lt"/>
-              </a:rPr>
-              <a:t>Sequence Diagram</a:t>
-            </a:r>
-          </a:p>
-          <a:p>
-            <a:pPr algn="ctr"/>
-            <a:endParaRPr lang="it-IT" dirty="0">
-              <a:latin typeface="+mj-lt"/>
-            </a:endParaRPr>
-          </a:p>
-        </p:txBody>
-      </p:sp>
     </p:spTree>
     <p:extLst>
       <p:ext uri="{BB962C8B-B14F-4D97-AF65-F5344CB8AC3E}">
-        <p14:creationId xmlns:p14="http://schemas.microsoft.com/office/powerpoint/2010/main" xmlns="" val="2424786554"/>
+        <p14:creationId xmlns:p14="http://schemas.microsoft.com/office/powerpoint/2010/main" val="1653549512"/>
       </p:ext>
     </p:extLst>
   </p:cSld>
@@ -7445,166 +7543,9 @@
           <a:chExt cx="0" cy="0"/>
         </a:xfrm>
       </p:grpSpPr>
-      <p:sp>
-        <p:nvSpPr>
-          <p:cNvPr id="2" name="CasellaDiTesto 1"/>
-          <p:cNvSpPr txBox="1"/>
-          <p:nvPr/>
-        </p:nvSpPr>
-        <p:spPr>
-          <a:xfrm>
-            <a:off x="6540" y="692696"/>
-            <a:ext cx="4781484" cy="646331"/>
-          </a:xfrm>
-          <a:prstGeom prst="rect">
-            <a:avLst/>
-          </a:prstGeom>
-          <a:noFill/>
-        </p:spPr>
-        <p:txBody>
-          <a:bodyPr wrap="square" rtlCol="0">
-            <a:spAutoFit/>
-          </a:bodyPr>
-          <a:lstStyle/>
-          <a:p>
-            <a:pPr algn="ctr"/>
-            <a:r>
-              <a:rPr lang="it-IT" sz="3600" b="1" dirty="0" smtClean="0"/>
-              <a:t>Problemi </a:t>
-            </a:r>
-            <a:r>
-              <a:rPr lang="it-IT" sz="3600" b="1" dirty="0" smtClean="0"/>
-              <a:t>riscontrati</a:t>
-            </a:r>
-            <a:endParaRPr lang="it-IT" sz="3600" b="1" dirty="0"/>
-          </a:p>
-        </p:txBody>
-      </p:sp>
-      <p:sp>
-        <p:nvSpPr>
-          <p:cNvPr id="3" name="CasellaDiTesto 2"/>
-          <p:cNvSpPr txBox="1"/>
-          <p:nvPr/>
-        </p:nvSpPr>
-        <p:spPr>
-          <a:xfrm>
-            <a:off x="276316" y="1813753"/>
-            <a:ext cx="3863636" cy="1831271"/>
-          </a:xfrm>
-          <a:prstGeom prst="rect">
-            <a:avLst/>
-          </a:prstGeom>
-          <a:noFill/>
-        </p:spPr>
-        <p:txBody>
-          <a:bodyPr wrap="square" rtlCol="0">
-            <a:spAutoFit/>
-          </a:bodyPr>
-          <a:lstStyle/>
-          <a:p>
-            <a:r>
-              <a:rPr lang="it-IT" sz="3300" b="1" dirty="0" smtClean="0">
-                <a:solidFill>
-                  <a:srgbClr val="FF0000"/>
-                </a:solidFill>
-              </a:rPr>
-              <a:t>Contro:</a:t>
-            </a:r>
-          </a:p>
-          <a:p>
-            <a:pPr marL="457200" indent="-457200">
-              <a:buFont typeface="Wingdings" pitchFamily="2" charset="2"/>
-              <a:buChar char="v"/>
-            </a:pPr>
-            <a:r>
-              <a:rPr lang="it-IT" sz="2800" dirty="0" smtClean="0">
-                <a:solidFill>
-                  <a:schemeClr val="bg1"/>
-                </a:solidFill>
-              </a:rPr>
-              <a:t>Indicazioni troppo generali nel bando</a:t>
-            </a:r>
-          </a:p>
-          <a:p>
-            <a:r>
-              <a:rPr lang="it-IT" sz="2400" dirty="0" smtClean="0"/>
-              <a:t> </a:t>
-            </a:r>
-            <a:endParaRPr lang="it-IT" sz="2400" dirty="0"/>
-          </a:p>
-        </p:txBody>
-      </p:sp>
-      <p:sp>
-        <p:nvSpPr>
-          <p:cNvPr id="4" name="CasellaDiTesto 3"/>
-          <p:cNvSpPr txBox="1"/>
-          <p:nvPr/>
-        </p:nvSpPr>
-        <p:spPr>
-          <a:xfrm>
-            <a:off x="4355976" y="1741745"/>
-            <a:ext cx="4145128" cy="2693045"/>
-          </a:xfrm>
-          <a:prstGeom prst="rect">
-            <a:avLst/>
-          </a:prstGeom>
-          <a:noFill/>
-        </p:spPr>
-        <p:txBody>
-          <a:bodyPr wrap="square" rtlCol="0">
-            <a:spAutoFit/>
-          </a:bodyPr>
-          <a:lstStyle/>
-          <a:p>
-            <a:r>
-              <a:rPr lang="it-IT" sz="3300" b="1" dirty="0" smtClean="0">
-                <a:solidFill>
-                  <a:srgbClr val="00B050"/>
-                </a:solidFill>
-              </a:rPr>
-              <a:t>Pro:</a:t>
-            </a:r>
-          </a:p>
-          <a:p>
-            <a:pPr marL="457200" indent="-457200">
-              <a:buFont typeface="Wingdings" pitchFamily="2" charset="2"/>
-              <a:buChar char="v"/>
-            </a:pPr>
-            <a:r>
-              <a:rPr lang="it-IT" sz="2800" dirty="0" smtClean="0">
-                <a:solidFill>
-                  <a:schemeClr val="bg1"/>
-                </a:solidFill>
-              </a:rPr>
-              <a:t>Definizione di concetti semplici e non specifici</a:t>
-            </a:r>
-          </a:p>
-          <a:p>
-            <a:pPr marL="914400" lvl="1" indent="-457200">
-              <a:buFont typeface="Courier New" pitchFamily="49" charset="0"/>
-              <a:buChar char="o"/>
-            </a:pPr>
-            <a:r>
-              <a:rPr lang="it-IT" sz="2800" i="1" dirty="0" smtClean="0">
-                <a:solidFill>
-                  <a:schemeClr val="bg1"/>
-                </a:solidFill>
-              </a:rPr>
-              <a:t>Flessibilità rispetto ai cambiamenti</a:t>
-            </a:r>
-          </a:p>
-          <a:p>
-            <a:r>
-              <a:rPr lang="it-IT" sz="2400" dirty="0" smtClean="0"/>
-              <a:t> </a:t>
-            </a:r>
-            <a:endParaRPr lang="it-IT" sz="2400" dirty="0"/>
-          </a:p>
-        </p:txBody>
-      </p:sp>
       <p:pic>
         <p:nvPicPr>
-          <p:cNvPr id="1026" name="Picture 2" descr="C:\Users\Marko\Desktop\omino_si.jpg"/>
+          <p:cNvPr id="1026" name="Picture 2" descr="C:\Users\Marko\Desktop\Documenti presentazione\SD_PagamentiMod.png"/>
           <p:cNvPicPr>
             <a:picLocks noChangeAspect="1" noChangeArrowheads="1"/>
           </p:cNvPicPr>
@@ -7614,7 +7555,7 @@
           <a:blip r:embed="rId3" cstate="print">
             <a:extLst>
               <a:ext uri="{28A0092B-C50C-407E-A947-70E740481C1C}">
-                <a14:useLocalDpi xmlns:a14="http://schemas.microsoft.com/office/drawing/2010/main" xmlns="" val="0"/>
+                <a14:useLocalDpi xmlns:a14="http://schemas.microsoft.com/office/drawing/2010/main" val="0"/>
               </a:ext>
             </a:extLst>
           </a:blip>
@@ -7625,8 +7566,8 @@
         </p:blipFill>
         <p:spPr bwMode="auto">
           <a:xfrm>
-            <a:off x="7668344" y="4365104"/>
-            <a:ext cx="1198016" cy="2016341"/>
+            <a:off x="0" y="1628800"/>
+            <a:ext cx="9131072" cy="4896544"/>
           </a:xfrm>
           <a:prstGeom prst="rect">
             <a:avLst/>
@@ -7634,7 +7575,7 @@
           <a:noFill/>
           <a:extLst>
             <a:ext uri="{909E8E84-426E-40DD-AFC4-6F175D3DCCD1}">
-              <a14:hiddenFill xmlns:a14="http://schemas.microsoft.com/office/drawing/2010/main" xmlns="">
+              <a14:hiddenFill xmlns:a14="http://schemas.microsoft.com/office/drawing/2010/main">
                 <a:solidFill>
                   <a:srgbClr val="FFFFFF"/>
                 </a:solidFill>
@@ -7643,51 +7584,48 @@
           </a:extLst>
         </p:spPr>
       </p:pic>
-      <p:pic>
-        <p:nvPicPr>
-          <p:cNvPr id="1027" name="Picture 3" descr="C:\Users\Marko\Desktop\omino_no.jpg"/>
-          <p:cNvPicPr>
-            <a:picLocks noChangeAspect="1" noChangeArrowheads="1"/>
-          </p:cNvPicPr>
+      <p:sp>
+        <p:nvSpPr>
+          <p:cNvPr id="3" name="CasellaDiTesto 2"/>
+          <p:cNvSpPr txBox="1"/>
           <p:nvPr/>
-        </p:nvPicPr>
-        <p:blipFill>
-          <a:blip r:embed="rId4" cstate="print">
-            <a:extLst>
-              <a:ext uri="{28A0092B-C50C-407E-A947-70E740481C1C}">
-                <a14:useLocalDpi xmlns:a14="http://schemas.microsoft.com/office/drawing/2010/main" xmlns="" val="0"/>
-              </a:ext>
-            </a:extLst>
-          </a:blip>
-          <a:srcRect/>
-          <a:stretch>
-            <a:fillRect/>
-          </a:stretch>
-        </p:blipFill>
-        <p:spPr bwMode="auto">
+        </p:nvSpPr>
+        <p:spPr>
           <a:xfrm>
-            <a:off x="2987824" y="4293096"/>
-            <a:ext cx="1221217" cy="2060805"/>
+            <a:off x="2260241" y="471869"/>
+            <a:ext cx="4938468" cy="1107996"/>
           </a:xfrm>
           <a:prstGeom prst="rect">
             <a:avLst/>
           </a:prstGeom>
           <a:noFill/>
-          <a:extLst>
-            <a:ext uri="{909E8E84-426E-40DD-AFC4-6F175D3DCCD1}">
-              <a14:hiddenFill xmlns:a14="http://schemas.microsoft.com/office/drawing/2010/main" xmlns="">
-                <a:solidFill>
-                  <a:srgbClr val="FFFFFF"/>
-                </a:solidFill>
-              </a14:hiddenFill>
-            </a:ext>
-          </a:extLst>
         </p:spPr>
-      </p:pic>
+        <p:txBody>
+          <a:bodyPr wrap="none" rtlCol="0">
+            <a:spAutoFit/>
+          </a:bodyPr>
+          <a:lstStyle/>
+          <a:p>
+            <a:pPr algn="ctr"/>
+            <a:r>
+              <a:rPr lang="it-IT" sz="4800" b="1" dirty="0" smtClean="0">
+                <a:latin typeface="+mj-lt"/>
+              </a:rPr>
+              <a:t>Sequence Diagram</a:t>
+            </a:r>
+          </a:p>
+          <a:p>
+            <a:pPr algn="ctr"/>
+            <a:endParaRPr lang="it-IT" dirty="0">
+              <a:latin typeface="+mj-lt"/>
+            </a:endParaRPr>
+          </a:p>
+        </p:txBody>
+      </p:sp>
     </p:spTree>
     <p:extLst>
       <p:ext uri="{BB962C8B-B14F-4D97-AF65-F5344CB8AC3E}">
-        <p14:creationId xmlns:p14="http://schemas.microsoft.com/office/powerpoint/2010/main" xmlns="" val="2708678656"/>
+        <p14:creationId xmlns:p14="http://schemas.microsoft.com/office/powerpoint/2010/main" val="2424786554"/>
       </p:ext>
     </p:extLst>
   </p:cSld>
@@ -7721,6 +7659,278 @@
           <a:chExt cx="0" cy="0"/>
         </a:xfrm>
       </p:grpSpPr>
+      <p:sp>
+        <p:nvSpPr>
+          <p:cNvPr id="2" name="CasellaDiTesto 1"/>
+          <p:cNvSpPr txBox="1"/>
+          <p:nvPr/>
+        </p:nvSpPr>
+        <p:spPr>
+          <a:xfrm>
+            <a:off x="6540" y="692696"/>
+            <a:ext cx="4781484" cy="646331"/>
+          </a:xfrm>
+          <a:prstGeom prst="rect">
+            <a:avLst/>
+          </a:prstGeom>
+          <a:noFill/>
+        </p:spPr>
+        <p:txBody>
+          <a:bodyPr wrap="square" rtlCol="0">
+            <a:spAutoFit/>
+          </a:bodyPr>
+          <a:lstStyle/>
+          <a:p>
+            <a:pPr algn="ctr"/>
+            <a:r>
+              <a:rPr lang="it-IT" sz="3600" b="1" dirty="0" smtClean="0"/>
+              <a:t>Problemi riscontrati</a:t>
+            </a:r>
+            <a:endParaRPr lang="it-IT" sz="3600" b="1" dirty="0"/>
+          </a:p>
+        </p:txBody>
+      </p:sp>
+      <p:sp>
+        <p:nvSpPr>
+          <p:cNvPr id="3" name="CasellaDiTesto 2"/>
+          <p:cNvSpPr txBox="1"/>
+          <p:nvPr/>
+        </p:nvSpPr>
+        <p:spPr>
+          <a:xfrm>
+            <a:off x="276316" y="1813753"/>
+            <a:ext cx="3863636" cy="1831271"/>
+          </a:xfrm>
+          <a:prstGeom prst="rect">
+            <a:avLst/>
+          </a:prstGeom>
+          <a:noFill/>
+        </p:spPr>
+        <p:txBody>
+          <a:bodyPr wrap="square" rtlCol="0">
+            <a:spAutoFit/>
+          </a:bodyPr>
+          <a:lstStyle/>
+          <a:p>
+            <a:r>
+              <a:rPr lang="it-IT" sz="3300" b="1" dirty="0" smtClean="0">
+                <a:solidFill>
+                  <a:srgbClr val="FF0000"/>
+                </a:solidFill>
+              </a:rPr>
+              <a:t>Contro:</a:t>
+            </a:r>
+          </a:p>
+          <a:p>
+            <a:pPr marL="457200" indent="-457200">
+              <a:buFont typeface="Wingdings" pitchFamily="2" charset="2"/>
+              <a:buChar char="v"/>
+            </a:pPr>
+            <a:r>
+              <a:rPr lang="it-IT" sz="2800" dirty="0" smtClean="0">
+                <a:solidFill>
+                  <a:schemeClr val="bg1"/>
+                </a:solidFill>
+              </a:rPr>
+              <a:t>Indicazioni troppo generali nel bando</a:t>
+            </a:r>
+          </a:p>
+          <a:p>
+            <a:r>
+              <a:rPr lang="it-IT" sz="2400" dirty="0" smtClean="0"/>
+              <a:t> </a:t>
+            </a:r>
+            <a:endParaRPr lang="it-IT" sz="2400" dirty="0"/>
+          </a:p>
+        </p:txBody>
+      </p:sp>
+      <p:sp>
+        <p:nvSpPr>
+          <p:cNvPr id="4" name="CasellaDiTesto 3"/>
+          <p:cNvSpPr txBox="1"/>
+          <p:nvPr/>
+        </p:nvSpPr>
+        <p:spPr>
+          <a:xfrm>
+            <a:off x="4355976" y="1741745"/>
+            <a:ext cx="4145128" cy="2693045"/>
+          </a:xfrm>
+          <a:prstGeom prst="rect">
+            <a:avLst/>
+          </a:prstGeom>
+          <a:noFill/>
+        </p:spPr>
+        <p:txBody>
+          <a:bodyPr wrap="square" rtlCol="0">
+            <a:spAutoFit/>
+          </a:bodyPr>
+          <a:lstStyle/>
+          <a:p>
+            <a:r>
+              <a:rPr lang="it-IT" sz="3300" b="1" dirty="0" smtClean="0">
+                <a:solidFill>
+                  <a:srgbClr val="00B050"/>
+                </a:solidFill>
+              </a:rPr>
+              <a:t>Pro:</a:t>
+            </a:r>
+          </a:p>
+          <a:p>
+            <a:pPr marL="457200" indent="-457200">
+              <a:buFont typeface="Wingdings" pitchFamily="2" charset="2"/>
+              <a:buChar char="v"/>
+            </a:pPr>
+            <a:r>
+              <a:rPr lang="it-IT" sz="2800" dirty="0" smtClean="0">
+                <a:solidFill>
+                  <a:schemeClr val="bg1"/>
+                </a:solidFill>
+              </a:rPr>
+              <a:t>Definizione di concetti semplici e non specifici</a:t>
+            </a:r>
+          </a:p>
+          <a:p>
+            <a:pPr marL="914400" lvl="1" indent="-457200">
+              <a:buFont typeface="Courier New" pitchFamily="49" charset="0"/>
+              <a:buChar char="o"/>
+            </a:pPr>
+            <a:r>
+              <a:rPr lang="it-IT" sz="2800" i="1" dirty="0" smtClean="0">
+                <a:solidFill>
+                  <a:schemeClr val="bg1"/>
+                </a:solidFill>
+              </a:rPr>
+              <a:t>Flessibilità rispetto ai cambiamenti</a:t>
+            </a:r>
+          </a:p>
+          <a:p>
+            <a:r>
+              <a:rPr lang="it-IT" sz="2400" dirty="0" smtClean="0"/>
+              <a:t> </a:t>
+            </a:r>
+            <a:endParaRPr lang="it-IT" sz="2400" dirty="0"/>
+          </a:p>
+        </p:txBody>
+      </p:sp>
+      <p:pic>
+        <p:nvPicPr>
+          <p:cNvPr id="1026" name="Picture 2" descr="C:\Users\Marko\Desktop\omino_si.jpg"/>
+          <p:cNvPicPr>
+            <a:picLocks noChangeAspect="1" noChangeArrowheads="1"/>
+          </p:cNvPicPr>
+          <p:nvPr/>
+        </p:nvPicPr>
+        <p:blipFill>
+          <a:blip r:embed="rId3" cstate="print">
+            <a:extLst>
+              <a:ext uri="{28A0092B-C50C-407E-A947-70E740481C1C}">
+                <a14:useLocalDpi xmlns:a14="http://schemas.microsoft.com/office/drawing/2010/main" val="0"/>
+              </a:ext>
+            </a:extLst>
+          </a:blip>
+          <a:srcRect/>
+          <a:stretch>
+            <a:fillRect/>
+          </a:stretch>
+        </p:blipFill>
+        <p:spPr bwMode="auto">
+          <a:xfrm>
+            <a:off x="7668344" y="4365104"/>
+            <a:ext cx="1198016" cy="2016341"/>
+          </a:xfrm>
+          <a:prstGeom prst="rect">
+            <a:avLst/>
+          </a:prstGeom>
+          <a:noFill/>
+          <a:extLst>
+            <a:ext uri="{909E8E84-426E-40DD-AFC4-6F175D3DCCD1}">
+              <a14:hiddenFill xmlns:a14="http://schemas.microsoft.com/office/drawing/2010/main">
+                <a:solidFill>
+                  <a:srgbClr val="FFFFFF"/>
+                </a:solidFill>
+              </a14:hiddenFill>
+            </a:ext>
+          </a:extLst>
+        </p:spPr>
+      </p:pic>
+      <p:pic>
+        <p:nvPicPr>
+          <p:cNvPr id="1027" name="Picture 3" descr="C:\Users\Marko\Desktop\omino_no.jpg"/>
+          <p:cNvPicPr>
+            <a:picLocks noChangeAspect="1" noChangeArrowheads="1"/>
+          </p:cNvPicPr>
+          <p:nvPr/>
+        </p:nvPicPr>
+        <p:blipFill>
+          <a:blip r:embed="rId4" cstate="print">
+            <a:extLst>
+              <a:ext uri="{28A0092B-C50C-407E-A947-70E740481C1C}">
+                <a14:useLocalDpi xmlns:a14="http://schemas.microsoft.com/office/drawing/2010/main" val="0"/>
+              </a:ext>
+            </a:extLst>
+          </a:blip>
+          <a:srcRect/>
+          <a:stretch>
+            <a:fillRect/>
+          </a:stretch>
+        </p:blipFill>
+        <p:spPr bwMode="auto">
+          <a:xfrm>
+            <a:off x="2987824" y="4293096"/>
+            <a:ext cx="1221217" cy="2060805"/>
+          </a:xfrm>
+          <a:prstGeom prst="rect">
+            <a:avLst/>
+          </a:prstGeom>
+          <a:noFill/>
+          <a:extLst>
+            <a:ext uri="{909E8E84-426E-40DD-AFC4-6F175D3DCCD1}">
+              <a14:hiddenFill xmlns:a14="http://schemas.microsoft.com/office/drawing/2010/main">
+                <a:solidFill>
+                  <a:srgbClr val="FFFFFF"/>
+                </a:solidFill>
+              </a14:hiddenFill>
+            </a:ext>
+          </a:extLst>
+        </p:spPr>
+      </p:pic>
+    </p:spTree>
+    <p:extLst>
+      <p:ext uri="{BB962C8B-B14F-4D97-AF65-F5344CB8AC3E}">
+        <p14:creationId xmlns:p14="http://schemas.microsoft.com/office/powerpoint/2010/main" val="2708678656"/>
+      </p:ext>
+    </p:extLst>
+  </p:cSld>
+  <p:clrMapOvr>
+    <a:masterClrMapping/>
+  </p:clrMapOvr>
+  <p:timing>
+    <p:tnLst>
+      <p:par>
+        <p:cTn id="1" dur="indefinite" restart="never" nodeType="tmRoot"/>
+      </p:par>
+    </p:tnLst>
+  </p:timing>
+</p:sld>
+</file>
+
+<file path=ppt/slides/slide18.xml><?xml version="1.0" encoding="utf-8"?>
+<p:sld xmlns:a="http://schemas.openxmlformats.org/drawingml/2006/main" xmlns:r="http://schemas.openxmlformats.org/officeDocument/2006/relationships" xmlns:p="http://schemas.openxmlformats.org/presentationml/2006/main">
+  <p:cSld>
+    <p:spTree>
+      <p:nvGrpSpPr>
+        <p:cNvPr id="1" name=""/>
+        <p:cNvGrpSpPr/>
+        <p:nvPr/>
+      </p:nvGrpSpPr>
+      <p:grpSpPr>
+        <a:xfrm>
+          <a:off x="0" y="0"/>
+          <a:ext cx="0" cy="0"/>
+          <a:chOff x="0" y="0"/>
+          <a:chExt cx="0" cy="0"/>
+        </a:xfrm>
+      </p:grpSpPr>
       <p:pic>
         <p:nvPicPr>
           <p:cNvPr id="1026" name="Picture 2" descr="C:\Users\Fr4nc3sc0\Desktop\at-silo\RAD\3 - Sistema proposto\attori.png"/>
@@ -7733,7 +7943,7 @@
           <a:blip r:embed="rId2" cstate="print">
             <a:extLst>
               <a:ext uri="{28A0092B-C50C-407E-A947-70E740481C1C}">
-                <a14:useLocalDpi xmlns:a14="http://schemas.microsoft.com/office/drawing/2010/main" xmlns="" val="0"/>
+                <a14:useLocalDpi xmlns:a14="http://schemas.microsoft.com/office/drawing/2010/main" val="0"/>
               </a:ext>
             </a:extLst>
           </a:blip>
@@ -7753,7 +7963,7 @@
           <a:noFill/>
           <a:extLst>
             <a:ext uri="{909E8E84-426E-40DD-AFC4-6F175D3DCCD1}">
-              <a14:hiddenFill xmlns:a14="http://schemas.microsoft.com/office/drawing/2010/main" xmlns="">
+              <a14:hiddenFill xmlns:a14="http://schemas.microsoft.com/office/drawing/2010/main">
                 <a:solidFill>
                   <a:srgbClr val="FFFFFF"/>
                 </a:solidFill>
@@ -8026,7 +8236,7 @@
     </p:spTree>
     <p:extLst>
       <p:ext uri="{BB962C8B-B14F-4D97-AF65-F5344CB8AC3E}">
-        <p14:creationId xmlns:p14="http://schemas.microsoft.com/office/powerpoint/2010/main" xmlns="" val="1421053857"/>
+        <p14:creationId xmlns:p14="http://schemas.microsoft.com/office/powerpoint/2010/main" val="1421053857"/>
       </p:ext>
     </p:extLst>
   </p:cSld>
@@ -8275,78 +8485,6 @@
 </p:sld>
 </file>
 
-<file path=ppt/slides/slide18.xml><?xml version="1.0" encoding="utf-8"?>
-<p:sld xmlns:a="http://schemas.openxmlformats.org/drawingml/2006/main" xmlns:r="http://schemas.openxmlformats.org/officeDocument/2006/relationships" xmlns:p="http://schemas.openxmlformats.org/presentationml/2006/main">
-  <p:cSld>
-    <p:spTree>
-      <p:nvGrpSpPr>
-        <p:cNvPr id="1" name=""/>
-        <p:cNvGrpSpPr/>
-        <p:nvPr/>
-      </p:nvGrpSpPr>
-      <p:grpSpPr>
-        <a:xfrm>
-          <a:off x="0" y="0"/>
-          <a:ext cx="0" cy="0"/>
-          <a:chOff x="0" y="0"/>
-          <a:chExt cx="0" cy="0"/>
-        </a:xfrm>
-      </p:grpSpPr>
-      <p:sp>
-        <p:nvSpPr>
-          <p:cNvPr id="2" name="Titolo 1"/>
-          <p:cNvSpPr>
-            <a:spLocks noGrp="1"/>
-          </p:cNvSpPr>
-          <p:nvPr>
-            <p:ph type="title"/>
-          </p:nvPr>
-        </p:nvSpPr>
-        <p:spPr>
-          <a:xfrm>
-            <a:off x="1187624" y="2996952"/>
-            <a:ext cx="6624736" cy="648072"/>
-          </a:xfrm>
-        </p:spPr>
-        <p:txBody>
-          <a:bodyPr>
-            <a:noAutofit/>
-          </a:bodyPr>
-          <a:lstStyle/>
-          <a:p>
-            <a:pPr algn="ctr"/>
-            <a:r>
-              <a:rPr lang="it-IT" sz="4800" b="1" dirty="0" smtClean="0"/>
-              <a:t>Gestione </a:t>
-            </a:r>
-            <a:r>
-              <a:rPr lang="it-IT" sz="4800" b="1" dirty="0" smtClean="0"/>
-              <a:t>Tirocinanti</a:t>
-            </a:r>
-            <a:endParaRPr lang="it-IT" sz="4800" b="1" dirty="0"/>
-          </a:p>
-        </p:txBody>
-      </p:sp>
-    </p:spTree>
-    <p:extLst>
-      <p:ext uri="{BB962C8B-B14F-4D97-AF65-F5344CB8AC3E}">
-        <p14:creationId xmlns:p14="http://schemas.microsoft.com/office/powerpoint/2010/main" xmlns="" val="2865657727"/>
-      </p:ext>
-    </p:extLst>
-  </p:cSld>
-  <p:clrMapOvr>
-    <a:masterClrMapping/>
-  </p:clrMapOvr>
-  <p:timing>
-    <p:tnLst>
-      <p:par>
-        <p:cTn id="1" dur="indefinite" restart="never" nodeType="tmRoot"/>
-      </p:par>
-    </p:tnLst>
-  </p:timing>
-</p:sld>
-</file>
-
 <file path=ppt/slides/slide19.xml><?xml version="1.0" encoding="utf-8"?>
 <p:sld xmlns:a="http://schemas.openxmlformats.org/drawingml/2006/main" xmlns:r="http://schemas.openxmlformats.org/officeDocument/2006/relationships" xmlns:p="http://schemas.openxmlformats.org/presentationml/2006/main">
   <p:cSld>
@@ -8366,134 +8504,39 @@
       </p:grpSpPr>
       <p:sp>
         <p:nvSpPr>
-          <p:cNvPr id="3" name="CasellaDiTesto 2"/>
-          <p:cNvSpPr txBox="1"/>
-          <p:nvPr/>
+          <p:cNvPr id="2" name="Titolo 1"/>
+          <p:cNvSpPr>
+            <a:spLocks noGrp="1"/>
+          </p:cNvSpPr>
+          <p:nvPr>
+            <p:ph type="title"/>
+          </p:nvPr>
         </p:nvSpPr>
         <p:spPr>
           <a:xfrm>
-            <a:off x="0" y="764704"/>
-            <a:ext cx="9144000" cy="830997"/>
+            <a:off x="1187624" y="2996952"/>
+            <a:ext cx="6624736" cy="648072"/>
           </a:xfrm>
-          <a:prstGeom prst="rect">
-            <a:avLst/>
-          </a:prstGeom>
-          <a:noFill/>
         </p:spPr>
         <p:txBody>
-          <a:bodyPr wrap="square" rtlCol="0">
-            <a:spAutoFit/>
+          <a:bodyPr>
+            <a:noAutofit/>
           </a:bodyPr>
           <a:lstStyle/>
           <a:p>
             <a:pPr algn="ctr"/>
             <a:r>
               <a:rPr lang="it-IT" sz="4800" b="1" dirty="0" smtClean="0"/>
-              <a:t>Tirocinanti</a:t>
-            </a:r>
-          </a:p>
-        </p:txBody>
-      </p:sp>
-      <p:sp>
-        <p:nvSpPr>
-          <p:cNvPr id="4" name="CasellaDiTesto 3"/>
-          <p:cNvSpPr txBox="1"/>
-          <p:nvPr/>
-        </p:nvSpPr>
-        <p:spPr>
-          <a:xfrm>
-            <a:off x="428672" y="1916832"/>
-            <a:ext cx="5079432" cy="3539430"/>
-          </a:xfrm>
-          <a:prstGeom prst="rect">
-            <a:avLst/>
-          </a:prstGeom>
-          <a:noFill/>
-        </p:spPr>
-        <p:txBody>
-          <a:bodyPr wrap="square" rtlCol="0">
-            <a:spAutoFit/>
-          </a:bodyPr>
-          <a:lstStyle/>
-          <a:p>
-            <a:r>
-              <a:rPr lang="it-IT" sz="2800" dirty="0" smtClean="0"/>
-              <a:t>INIZIALMENTE</a:t>
-            </a:r>
-          </a:p>
-          <a:p>
-            <a:endParaRPr lang="it-IT" sz="2800" dirty="0" smtClean="0"/>
-          </a:p>
-          <a:p>
-            <a:pPr marL="457200" indent="-457200">
-              <a:buFont typeface="Wingdings" pitchFamily="2" charset="2"/>
-              <a:buChar char="v"/>
-            </a:pPr>
-            <a:r>
-              <a:rPr lang="it-IT" sz="2800" dirty="0"/>
-              <a:t> </a:t>
-            </a:r>
-            <a:r>
-              <a:rPr lang="it-IT" sz="2800" dirty="0" smtClean="0"/>
-              <a:t>Tirocinanti esclusi dal sistema</a:t>
-            </a:r>
-          </a:p>
-          <a:p>
-            <a:pPr marL="914400" lvl="1" indent="-457200">
-              <a:buFont typeface="Courier New" pitchFamily="49" charset="0"/>
-              <a:buChar char="o"/>
-            </a:pPr>
-            <a:r>
-              <a:rPr lang="it-IT" sz="2800" dirty="0" smtClean="0"/>
-              <a:t>Non avevano un account</a:t>
-            </a:r>
-          </a:p>
-          <a:p>
-            <a:pPr marL="1371600" lvl="2" indent="-457200">
-              <a:buFont typeface="Arial" pitchFamily="34" charset="0"/>
-              <a:buChar char="•"/>
-            </a:pPr>
-            <a:r>
-              <a:rPr lang="it-IT" sz="2800" dirty="0" smtClean="0"/>
-              <a:t>quindi non potevano visualizzare i propri dati né la schedulazione degli orari 	</a:t>
-            </a:r>
-          </a:p>
-        </p:txBody>
-      </p:sp>
-      <p:pic>
-        <p:nvPicPr>
-          <p:cNvPr id="2" name="Immagine 1"/>
-          <p:cNvPicPr>
-            <a:picLocks noChangeAspect="1"/>
-          </p:cNvPicPr>
-          <p:nvPr/>
-        </p:nvPicPr>
-        <p:blipFill>
-          <a:blip r:embed="rId2" cstate="print">
-            <a:extLst>
-              <a:ext uri="{28A0092B-C50C-407E-A947-70E740481C1C}">
-                <a14:useLocalDpi xmlns:a14="http://schemas.microsoft.com/office/drawing/2010/main" xmlns="" val="0"/>
-              </a:ext>
-            </a:extLst>
-          </a:blip>
-          <a:stretch>
-            <a:fillRect/>
-          </a:stretch>
-        </p:blipFill>
-        <p:spPr>
-          <a:xfrm>
-            <a:off x="6084168" y="1595701"/>
-            <a:ext cx="2514600" cy="4067175"/>
-          </a:xfrm>
-          <a:prstGeom prst="rect">
-            <a:avLst/>
-          </a:prstGeom>
-        </p:spPr>
-      </p:pic>
+              <a:t>Gestione Tirocinanti</a:t>
+            </a:r>
+            <a:endParaRPr lang="it-IT" sz="4800" b="1" dirty="0"/>
+          </a:p>
+        </p:txBody>
+      </p:sp>
     </p:spTree>
     <p:extLst>
       <p:ext uri="{BB962C8B-B14F-4D97-AF65-F5344CB8AC3E}">
-        <p14:creationId xmlns:p14="http://schemas.microsoft.com/office/powerpoint/2010/main" xmlns="" val="966444375"/>
+        <p14:creationId xmlns:p14="http://schemas.microsoft.com/office/powerpoint/2010/main" val="2865657727"/>
       </p:ext>
     </p:extLst>
   </p:cSld>
@@ -8590,14 +8633,14 @@
       </p:grpSpPr>
       <p:sp>
         <p:nvSpPr>
-          <p:cNvPr id="2" name="CasellaDiTesto 1"/>
+          <p:cNvPr id="3" name="CasellaDiTesto 2"/>
           <p:cNvSpPr txBox="1"/>
           <p:nvPr/>
         </p:nvSpPr>
         <p:spPr>
           <a:xfrm>
-            <a:off x="0" y="548681"/>
-            <a:ext cx="9144000" cy="707886"/>
+            <a:off x="0" y="764704"/>
+            <a:ext cx="9144000" cy="830997"/>
           </a:xfrm>
           <a:prstGeom prst="rect">
             <a:avLst/>
@@ -8612,10 +8655,9 @@
           <a:p>
             <a:pPr algn="ctr"/>
             <a:r>
-              <a:rPr lang="it-IT" sz="4000" b="1" dirty="0" smtClean="0"/>
+              <a:rPr lang="it-IT" sz="4800" b="1" dirty="0" smtClean="0"/>
               <a:t>Tirocinanti</a:t>
             </a:r>
-            <a:endParaRPr lang="it-IT" sz="4000" b="1" dirty="0"/>
           </a:p>
         </p:txBody>
       </p:sp>
@@ -8627,8 +8669,8 @@
         </p:nvSpPr>
         <p:spPr>
           <a:xfrm>
-            <a:off x="142172" y="1340768"/>
-            <a:ext cx="8822316" cy="7776294"/>
+            <a:off x="428672" y="1916832"/>
+            <a:ext cx="5079432" cy="3539430"/>
           </a:xfrm>
           <a:prstGeom prst="rect">
             <a:avLst/>
@@ -8641,13 +8683,12 @@
           </a:bodyPr>
           <a:lstStyle/>
           <a:p>
-            <a:endParaRPr lang="it-IT" dirty="0" smtClean="0"/>
-          </a:p>
-          <a:p>
             <a:r>
               <a:rPr lang="it-IT" sz="2800" dirty="0" smtClean="0"/>
-              <a:t>SUCCESSIVAMENTE</a:t>
-            </a:r>
+              <a:t>INIZIALMENTE</a:t>
+            </a:r>
+          </a:p>
+          <a:p>
             <a:endParaRPr lang="it-IT" sz="2800" dirty="0" smtClean="0"/>
           </a:p>
           <a:p>
@@ -8656,123 +8697,70 @@
               <a:buChar char="v"/>
             </a:pPr>
             <a:r>
+              <a:rPr lang="it-IT" sz="2800" dirty="0"/>
+              <a:t> </a:t>
+            </a:r>
+            <a:r>
               <a:rPr lang="it-IT" sz="2800" dirty="0" smtClean="0"/>
-              <a:t>Aggiunti nuovi requisiti funzionali come:</a:t>
-            </a:r>
-            <a:endParaRPr lang="it-IT" sz="2800" dirty="0"/>
-          </a:p>
-          <a:p>
-            <a:endParaRPr lang="it-IT" sz="2800" dirty="0"/>
-          </a:p>
-          <a:p>
-            <a:pPr lvl="1" indent="-285750">
+              <a:t>Tirocinanti esclusi dal sistema</a:t>
+            </a:r>
+          </a:p>
+          <a:p>
+            <a:pPr marL="914400" lvl="1" indent="-457200">
+              <a:buFont typeface="Courier New" pitchFamily="49" charset="0"/>
+              <a:buChar char="o"/>
+            </a:pPr>
+            <a:r>
+              <a:rPr lang="it-IT" sz="2800" dirty="0" smtClean="0"/>
+              <a:t>Non avevano un account</a:t>
+            </a:r>
+          </a:p>
+          <a:p>
+            <a:pPr marL="1371600" lvl="2" indent="-457200">
               <a:buFont typeface="Arial" pitchFamily="34" charset="0"/>
               <a:buChar char="•"/>
             </a:pPr>
             <a:r>
-              <a:rPr lang="it-IT" sz="2400" dirty="0" smtClean="0">
-                <a:solidFill>
-                  <a:schemeClr val="accent4"/>
-                </a:solidFill>
-              </a:rPr>
-              <a:t>RF_M_2.10 </a:t>
-            </a:r>
-            <a:r>
-              <a:rPr lang="it-IT" sz="2400" dirty="0" smtClean="0"/>
-              <a:t>Possibilità </a:t>
-            </a:r>
-            <a:r>
-              <a:rPr lang="it-IT" sz="2400" dirty="0"/>
-              <a:t>di visualizzare il registro delle attività del tirocinante da parte del tirocinante, responsabile tirocini e della segreteria dell'asilo.</a:t>
-            </a:r>
-          </a:p>
-          <a:p>
-            <a:endParaRPr lang="it-IT" sz="2400" dirty="0"/>
-          </a:p>
-          <a:p>
-            <a:pPr lvl="1" indent="-285750">
-              <a:buFont typeface="Arial" pitchFamily="34" charset="0"/>
-              <a:buChar char="•"/>
-            </a:pPr>
-            <a:r>
-              <a:rPr lang="it-IT" sz="2400" dirty="0">
-                <a:solidFill>
-                  <a:schemeClr val="accent4"/>
-                </a:solidFill>
-              </a:rPr>
-              <a:t>RF_M_2.12 </a:t>
-            </a:r>
-            <a:r>
-              <a:rPr lang="it-IT" sz="2400" dirty="0" smtClean="0"/>
-              <a:t>Possibilità </a:t>
-            </a:r>
-            <a:r>
-              <a:rPr lang="it-IT" sz="2400" dirty="0"/>
-              <a:t>di visualizzare la schedulazione dei tirocinanti da parte del responsabile tirocini e dalla segreteria dell'asilo e del tirocinante.</a:t>
-            </a:r>
-          </a:p>
-          <a:p>
-            <a:endParaRPr lang="it-IT" sz="2400" dirty="0"/>
-          </a:p>
-          <a:p>
-            <a:pPr lvl="1" indent="-285750">
-              <a:buFont typeface="Arial" pitchFamily="34" charset="0"/>
-              <a:buChar char="•"/>
-            </a:pPr>
-            <a:r>
-              <a:rPr lang="it-IT" sz="2400" dirty="0" smtClean="0">
-                <a:solidFill>
-                  <a:schemeClr val="accent4"/>
-                </a:solidFill>
-              </a:rPr>
-              <a:t>RF_M_2.14 </a:t>
-            </a:r>
-            <a:r>
-              <a:rPr lang="it-IT" sz="2400" dirty="0" smtClean="0"/>
-              <a:t>Possibilità </a:t>
-            </a:r>
-            <a:r>
-              <a:rPr lang="it-IT" sz="2400" dirty="0"/>
-              <a:t>di poter contestare l'allocazione da parte del tirocinante</a:t>
-            </a:r>
-          </a:p>
-          <a:p>
-            <a:endParaRPr lang="it-IT" dirty="0"/>
-          </a:p>
-          <a:p>
-            <a:pPr marL="285750" indent="-285750">
-              <a:buFont typeface="Arial" pitchFamily="34" charset="0"/>
-              <a:buChar char="•"/>
-            </a:pPr>
-            <a:endParaRPr lang="it-IT" dirty="0"/>
-          </a:p>
-          <a:p>
-            <a:endParaRPr lang="it-IT" dirty="0"/>
-          </a:p>
-          <a:p>
-            <a:endParaRPr lang="it-IT" dirty="0"/>
-          </a:p>
-          <a:p>
-            <a:endParaRPr lang="it-IT" dirty="0"/>
-          </a:p>
-          <a:p>
-            <a:endParaRPr lang="it-IT" dirty="0"/>
-          </a:p>
-          <a:p>
-            <a:endParaRPr lang="it-IT" dirty="0"/>
-          </a:p>
-          <a:p>
-            <a:endParaRPr lang="it-IT" dirty="0" smtClean="0"/>
-          </a:p>
-          <a:p>
-            <a:endParaRPr lang="it-IT" dirty="0"/>
-          </a:p>
-        </p:txBody>
-      </p:sp>
+              <a:rPr lang="it-IT" sz="2800" dirty="0" smtClean="0"/>
+              <a:t>quindi non potevano visualizzare i propri dati né la schedulazione degli orari 	</a:t>
+            </a:r>
+          </a:p>
+        </p:txBody>
+      </p:sp>
+      <p:pic>
+        <p:nvPicPr>
+          <p:cNvPr id="2" name="Immagine 1"/>
+          <p:cNvPicPr>
+            <a:picLocks noChangeAspect="1"/>
+          </p:cNvPicPr>
+          <p:nvPr/>
+        </p:nvPicPr>
+        <p:blipFill>
+          <a:blip r:embed="rId2" cstate="print">
+            <a:extLst>
+              <a:ext uri="{28A0092B-C50C-407E-A947-70E740481C1C}">
+                <a14:useLocalDpi xmlns:a14="http://schemas.microsoft.com/office/drawing/2010/main" val="0"/>
+              </a:ext>
+            </a:extLst>
+          </a:blip>
+          <a:stretch>
+            <a:fillRect/>
+          </a:stretch>
+        </p:blipFill>
+        <p:spPr>
+          <a:xfrm>
+            <a:off x="6084168" y="1595701"/>
+            <a:ext cx="2514600" cy="4067175"/>
+          </a:xfrm>
+          <a:prstGeom prst="rect">
+            <a:avLst/>
+          </a:prstGeom>
+        </p:spPr>
+      </p:pic>
     </p:spTree>
     <p:extLst>
       <p:ext uri="{BB962C8B-B14F-4D97-AF65-F5344CB8AC3E}">
-        <p14:creationId xmlns:p14="http://schemas.microsoft.com/office/powerpoint/2010/main" xmlns="" val="529095658"/>
+        <p14:creationId xmlns:p14="http://schemas.microsoft.com/office/powerpoint/2010/main" val="966444375"/>
       </p:ext>
     </p:extLst>
   </p:cSld>
@@ -8814,8 +8802,8 @@
         </p:nvSpPr>
         <p:spPr>
           <a:xfrm>
-            <a:off x="0" y="908720"/>
-            <a:ext cx="9144000" cy="784830"/>
+            <a:off x="0" y="548681"/>
+            <a:ext cx="9144000" cy="707886"/>
           </a:xfrm>
           <a:prstGeom prst="rect">
             <a:avLst/>
@@ -8830,23 +8818,23 @@
           <a:p>
             <a:pPr algn="ctr"/>
             <a:r>
-              <a:rPr lang="it-IT" sz="4500" b="1" dirty="0" smtClean="0"/>
-              <a:t>Tirocinanti </a:t>
-            </a:r>
-            <a:endParaRPr lang="it-IT" sz="4500" b="1" dirty="0"/>
-          </a:p>
-        </p:txBody>
-      </p:sp>
-      <p:sp>
-        <p:nvSpPr>
-          <p:cNvPr id="3" name="CasellaDiTesto 2"/>
+              <a:rPr lang="it-IT" sz="4000" b="1" dirty="0" smtClean="0"/>
+              <a:t>Tirocinanti</a:t>
+            </a:r>
+            <a:endParaRPr lang="it-IT" sz="4000" b="1" dirty="0"/>
+          </a:p>
+        </p:txBody>
+      </p:sp>
+      <p:sp>
+        <p:nvSpPr>
+          <p:cNvPr id="4" name="CasellaDiTesto 3"/>
           <p:cNvSpPr txBox="1"/>
           <p:nvPr/>
         </p:nvSpPr>
         <p:spPr>
           <a:xfrm>
-            <a:off x="288032" y="2132856"/>
-            <a:ext cx="8748464" cy="3108543"/>
+            <a:off x="142172" y="1340768"/>
+            <a:ext cx="8822316" cy="7776294"/>
           </a:xfrm>
           <a:prstGeom prst="rect">
             <a:avLst/>
@@ -8859,17 +8847,13 @@
           </a:bodyPr>
           <a:lstStyle/>
           <a:p>
-            <a:r>
-              <a:rPr lang="it-IT" sz="2800" dirty="0"/>
-              <a:t>Questa funzionalità è stata quella che ci ha impegnati maggiormente</a:t>
-            </a:r>
+            <a:endParaRPr lang="it-IT" dirty="0" smtClean="0"/>
+          </a:p>
+          <a:p>
             <a:r>
               <a:rPr lang="it-IT" sz="2800" dirty="0" smtClean="0"/>
-              <a:t>.</a:t>
-            </a:r>
-          </a:p>
-          <a:p>
-            <a:endParaRPr lang="it-IT" sz="2800" dirty="0"/>
+              <a:t>SUCCESSIVAMENTE</a:t>
+            </a:r>
           </a:p>
           <a:p>
             <a:pPr marL="457200" indent="-457200">
@@ -8878,69 +8862,122 @@
             </a:pPr>
             <a:r>
               <a:rPr lang="it-IT" sz="2800" dirty="0" smtClean="0"/>
-              <a:t>6 casi d’uso</a:t>
-            </a:r>
-          </a:p>
-          <a:p>
-            <a:r>
-              <a:rPr lang="it-IT" sz="2800" dirty="0" smtClean="0"/>
-              <a:t>Invece poi……..</a:t>
-            </a:r>
-          </a:p>
-          <a:p>
-            <a:pPr marL="457200" indent="-457200">
-              <a:buFont typeface="Wingdings" pitchFamily="2" charset="2"/>
-              <a:buChar char="v"/>
+              <a:t>Aggiunti nuovi requisiti funzionali come:</a:t>
+            </a:r>
+            <a:endParaRPr lang="it-IT" sz="2800" dirty="0"/>
+          </a:p>
+          <a:p>
+            <a:endParaRPr lang="it-IT" sz="2800" dirty="0"/>
+          </a:p>
+          <a:p>
+            <a:pPr lvl="1" indent="-285750">
+              <a:buFont typeface="Arial" pitchFamily="34" charset="0"/>
+              <a:buChar char="•"/>
             </a:pPr>
             <a:r>
-              <a:rPr lang="it-IT" sz="2800" dirty="0" smtClean="0"/>
-              <a:t>19 casi d’uso</a:t>
-            </a:r>
-            <a:endParaRPr lang="it-IT" sz="2800" dirty="0"/>
-          </a:p>
-          <a:p>
-            <a:pPr marL="457200" indent="-457200">
-              <a:buFont typeface="Wingdings" pitchFamily="2" charset="2"/>
-              <a:buChar char="v"/>
+              <a:rPr lang="it-IT" sz="2400" dirty="0" smtClean="0">
+                <a:solidFill>
+                  <a:schemeClr val="accent4"/>
+                </a:solidFill>
+              </a:rPr>
+              <a:t>RF_M_2.10 </a:t>
+            </a:r>
+            <a:r>
+              <a:rPr lang="it-IT" sz="2400" dirty="0" smtClean="0"/>
+              <a:t>Possibilità </a:t>
+            </a:r>
+            <a:r>
+              <a:rPr lang="it-IT" sz="2400" dirty="0"/>
+              <a:t>di visualizzare il registro delle attività del tirocinante da parte del tirocinante, responsabile tirocini e della segreteria dell'asilo.</a:t>
+            </a:r>
+          </a:p>
+          <a:p>
+            <a:endParaRPr lang="it-IT" sz="2400" dirty="0"/>
+          </a:p>
+          <a:p>
+            <a:pPr lvl="1" indent="-285750">
+              <a:buFont typeface="Arial" pitchFamily="34" charset="0"/>
+              <a:buChar char="•"/>
             </a:pPr>
-            <a:endParaRPr lang="it-IT" sz="2800" dirty="0"/>
-          </a:p>
-        </p:txBody>
-      </p:sp>
-      <p:pic>
-        <p:nvPicPr>
-          <p:cNvPr id="4" name="Immagine 3"/>
-          <p:cNvPicPr>
-            <a:picLocks noChangeAspect="1"/>
-          </p:cNvPicPr>
-          <p:nvPr/>
-        </p:nvPicPr>
-        <p:blipFill>
-          <a:blip r:embed="rId2" cstate="print">
-            <a:extLst>
-              <a:ext uri="{28A0092B-C50C-407E-A947-70E740481C1C}">
-                <a14:useLocalDpi xmlns:a14="http://schemas.microsoft.com/office/drawing/2010/main" xmlns="" val="0"/>
-              </a:ext>
-            </a:extLst>
-          </a:blip>
-          <a:stretch>
-            <a:fillRect/>
-          </a:stretch>
-        </p:blipFill>
-        <p:spPr>
-          <a:xfrm>
-            <a:off x="4355976" y="3212975"/>
-            <a:ext cx="2160239" cy="2028423"/>
-          </a:xfrm>
-          <a:prstGeom prst="rect">
-            <a:avLst/>
-          </a:prstGeom>
-        </p:spPr>
-      </p:pic>
+            <a:r>
+              <a:rPr lang="it-IT" sz="2400" dirty="0">
+                <a:solidFill>
+                  <a:schemeClr val="accent4"/>
+                </a:solidFill>
+              </a:rPr>
+              <a:t>RF_M_2.12 </a:t>
+            </a:r>
+            <a:r>
+              <a:rPr lang="it-IT" sz="2400" dirty="0" smtClean="0"/>
+              <a:t>Possibilità </a:t>
+            </a:r>
+            <a:r>
+              <a:rPr lang="it-IT" sz="2400" dirty="0"/>
+              <a:t>di visualizzare la schedulazione dei tirocinanti da parte del responsabile tirocini e dalla segreteria dell'asilo e del tirocinante.</a:t>
+            </a:r>
+          </a:p>
+          <a:p>
+            <a:endParaRPr lang="it-IT" sz="2400" dirty="0"/>
+          </a:p>
+          <a:p>
+            <a:pPr lvl="1" indent="-285750">
+              <a:buFont typeface="Arial" pitchFamily="34" charset="0"/>
+              <a:buChar char="•"/>
+            </a:pPr>
+            <a:r>
+              <a:rPr lang="it-IT" sz="2400" dirty="0" smtClean="0">
+                <a:solidFill>
+                  <a:schemeClr val="accent4"/>
+                </a:solidFill>
+              </a:rPr>
+              <a:t>RF_M_2.14 </a:t>
+            </a:r>
+            <a:r>
+              <a:rPr lang="it-IT" sz="2400" dirty="0" smtClean="0"/>
+              <a:t>Possibilità </a:t>
+            </a:r>
+            <a:r>
+              <a:rPr lang="it-IT" sz="2400" dirty="0"/>
+              <a:t>di poter contestare l'allocazione da parte del tirocinante</a:t>
+            </a:r>
+          </a:p>
+          <a:p>
+            <a:endParaRPr lang="it-IT" dirty="0"/>
+          </a:p>
+          <a:p>
+            <a:pPr marL="285750" indent="-285750">
+              <a:buFont typeface="Arial" pitchFamily="34" charset="0"/>
+              <a:buChar char="•"/>
+            </a:pPr>
+            <a:endParaRPr lang="it-IT" dirty="0"/>
+          </a:p>
+          <a:p>
+            <a:endParaRPr lang="it-IT" dirty="0"/>
+          </a:p>
+          <a:p>
+            <a:endParaRPr lang="it-IT" dirty="0"/>
+          </a:p>
+          <a:p>
+            <a:endParaRPr lang="it-IT" dirty="0"/>
+          </a:p>
+          <a:p>
+            <a:endParaRPr lang="it-IT" dirty="0"/>
+          </a:p>
+          <a:p>
+            <a:endParaRPr lang="it-IT" dirty="0"/>
+          </a:p>
+          <a:p>
+            <a:endParaRPr lang="it-IT" dirty="0" smtClean="0"/>
+          </a:p>
+          <a:p>
+            <a:endParaRPr lang="it-IT" dirty="0"/>
+          </a:p>
+        </p:txBody>
+      </p:sp>
     </p:spTree>
     <p:extLst>
       <p:ext uri="{BB962C8B-B14F-4D97-AF65-F5344CB8AC3E}">
-        <p14:creationId xmlns:p14="http://schemas.microsoft.com/office/powerpoint/2010/main" xmlns="" val="2537338845"/>
+        <p14:creationId xmlns:p14="http://schemas.microsoft.com/office/powerpoint/2010/main" val="529095658"/>
       </p:ext>
     </p:extLst>
   </p:cSld>
@@ -8982,8 +9019,8 @@
         </p:nvSpPr>
         <p:spPr>
           <a:xfrm>
-            <a:off x="0" y="548680"/>
-            <a:ext cx="9144000" cy="646331"/>
+            <a:off x="0" y="908720"/>
+            <a:ext cx="9144000" cy="784830"/>
           </a:xfrm>
           <a:prstGeom prst="rect">
             <a:avLst/>
@@ -8998,24 +9035,86 @@
           <a:p>
             <a:pPr algn="ctr"/>
             <a:r>
-              <a:rPr lang="it-IT" sz="3600" b="1" dirty="0" smtClean="0"/>
-              <a:t>Use Case </a:t>
-            </a:r>
-            <a:r>
-              <a:rPr lang="it-IT" sz="3600" b="1" dirty="0" err="1" smtClean="0"/>
-              <a:t>Diagram</a:t>
-            </a:r>
-            <a:r>
-              <a:rPr lang="it-IT" sz="3600" b="1" dirty="0" smtClean="0"/>
-              <a:t> - RAD 1</a:t>
-            </a:r>
-            <a:endParaRPr lang="it-IT" sz="3600" b="1" dirty="0"/>
+              <a:rPr lang="it-IT" sz="4500" b="1" dirty="0" smtClean="0"/>
+              <a:t>Tirocinanti </a:t>
+            </a:r>
+            <a:endParaRPr lang="it-IT" sz="4500" b="1" dirty="0"/>
+          </a:p>
+        </p:txBody>
+      </p:sp>
+      <p:sp>
+        <p:nvSpPr>
+          <p:cNvPr id="3" name="CasellaDiTesto 2"/>
+          <p:cNvSpPr txBox="1"/>
+          <p:nvPr/>
+        </p:nvSpPr>
+        <p:spPr>
+          <a:xfrm>
+            <a:off x="288032" y="2132856"/>
+            <a:ext cx="8748464" cy="3108543"/>
+          </a:xfrm>
+          <a:prstGeom prst="rect">
+            <a:avLst/>
+          </a:prstGeom>
+          <a:noFill/>
+        </p:spPr>
+        <p:txBody>
+          <a:bodyPr wrap="square" rtlCol="0">
+            <a:spAutoFit/>
+          </a:bodyPr>
+          <a:lstStyle/>
+          <a:p>
+            <a:r>
+              <a:rPr lang="it-IT" sz="2800" dirty="0"/>
+              <a:t>Questa funzionalità è stata quella che ci ha impegnati maggiormente</a:t>
+            </a:r>
+            <a:r>
+              <a:rPr lang="it-IT" sz="2800" dirty="0" smtClean="0"/>
+              <a:t>.</a:t>
+            </a:r>
+          </a:p>
+          <a:p>
+            <a:endParaRPr lang="it-IT" sz="2800" dirty="0"/>
+          </a:p>
+          <a:p>
+            <a:pPr marL="457200" indent="-457200">
+              <a:buFont typeface="Wingdings" pitchFamily="2" charset="2"/>
+              <a:buChar char="v"/>
+            </a:pPr>
+            <a:r>
+              <a:rPr lang="it-IT" sz="2800" dirty="0" smtClean="0"/>
+              <a:t>6 casi d’uso</a:t>
+            </a:r>
+          </a:p>
+          <a:p>
+            <a:r>
+              <a:rPr lang="it-IT" sz="2800" dirty="0" smtClean="0"/>
+              <a:t>Invece poi……..</a:t>
+            </a:r>
+          </a:p>
+          <a:p>
+            <a:pPr marL="457200" indent="-457200">
+              <a:buFont typeface="Wingdings" pitchFamily="2" charset="2"/>
+              <a:buChar char="v"/>
+            </a:pPr>
+            <a:r>
+              <a:rPr lang="it-IT" sz="2800" dirty="0" smtClean="0"/>
+              <a:t>19 casi d’uso</a:t>
+            </a:r>
+            <a:endParaRPr lang="it-IT" sz="2800" dirty="0"/>
+          </a:p>
+          <a:p>
+            <a:pPr marL="457200" indent="-457200">
+              <a:buFont typeface="Wingdings" pitchFamily="2" charset="2"/>
+              <a:buChar char="v"/>
+            </a:pPr>
+            <a:endParaRPr lang="it-IT" sz="2800" dirty="0"/>
           </a:p>
         </p:txBody>
       </p:sp>
       <p:pic>
         <p:nvPicPr>
-          <p:cNvPr id="3" name="Immagine 2"/>
+          <p:cNvPr id="4" name="Immagine 3"/>
           <p:cNvPicPr>
             <a:picLocks noChangeAspect="1"/>
           </p:cNvPicPr>
@@ -9025,7 +9124,7 @@
           <a:blip r:embed="rId2" cstate="print">
             <a:extLst>
               <a:ext uri="{28A0092B-C50C-407E-A947-70E740481C1C}">
-                <a14:useLocalDpi xmlns:a14="http://schemas.microsoft.com/office/drawing/2010/main" xmlns="" val="0"/>
+                <a14:useLocalDpi xmlns:a14="http://schemas.microsoft.com/office/drawing/2010/main" val="0"/>
               </a:ext>
             </a:extLst>
           </a:blip>
@@ -9035,53 +9134,18 @@
         </p:blipFill>
         <p:spPr>
           <a:xfrm>
-            <a:off x="1125828" y="1481394"/>
-            <a:ext cx="6954221" cy="4020111"/>
+            <a:off x="4355976" y="3212975"/>
+            <a:ext cx="2160239" cy="2028423"/>
           </a:xfrm>
           <a:prstGeom prst="rect">
             <a:avLst/>
           </a:prstGeom>
         </p:spPr>
       </p:pic>
-      <p:sp>
-        <p:nvSpPr>
-          <p:cNvPr id="5" name="CasellaDiTesto 4"/>
-          <p:cNvSpPr txBox="1"/>
-          <p:nvPr/>
-        </p:nvSpPr>
-        <p:spPr>
-          <a:xfrm>
-            <a:off x="2555776" y="5085184"/>
-            <a:ext cx="3600400" cy="369332"/>
-          </a:xfrm>
-          <a:prstGeom prst="rect">
-            <a:avLst/>
-          </a:prstGeom>
-          <a:noFill/>
-        </p:spPr>
-        <p:txBody>
-          <a:bodyPr wrap="square" rtlCol="0">
-            <a:spAutoFit/>
-          </a:bodyPr>
-          <a:lstStyle/>
-          <a:p>
-            <a:pPr algn="ctr"/>
-            <a:r>
-              <a:rPr lang="it-IT" dirty="0" err="1" smtClean="0"/>
-              <a:t>UCD_Tirocinanti</a:t>
-            </a:r>
-            <a:r>
-              <a:rPr lang="it-IT" dirty="0" smtClean="0"/>
-              <a:t> 1</a:t>
-            </a:r>
-            <a:endParaRPr lang="it-IT" dirty="0"/>
-          </a:p>
-        </p:txBody>
-      </p:sp>
     </p:spTree>
     <p:extLst>
       <p:ext uri="{BB962C8B-B14F-4D97-AF65-F5344CB8AC3E}">
-        <p14:creationId xmlns:p14="http://schemas.microsoft.com/office/powerpoint/2010/main" xmlns="" val="422123805"/>
+        <p14:creationId xmlns:p14="http://schemas.microsoft.com/office/powerpoint/2010/main" val="2537338845"/>
       </p:ext>
     </p:extLst>
   </p:cSld>
@@ -9123,8 +9187,8 @@
         </p:nvSpPr>
         <p:spPr>
           <a:xfrm>
-            <a:off x="0" y="908720"/>
-            <a:ext cx="9144000" cy="984885"/>
+            <a:off x="0" y="548680"/>
+            <a:ext cx="9144000" cy="646331"/>
           </a:xfrm>
           <a:prstGeom prst="rect">
             <a:avLst/>
@@ -9139,58 +9203,24 @@
           <a:p>
             <a:pPr algn="ctr"/>
             <a:r>
-              <a:rPr lang="it-IT" sz="4000" b="1" dirty="0" smtClean="0"/>
+              <a:rPr lang="it-IT" sz="3600" b="1" dirty="0" smtClean="0"/>
               <a:t>Use Case </a:t>
             </a:r>
             <a:r>
-              <a:rPr lang="it-IT" sz="4000" b="1" dirty="0" err="1" smtClean="0"/>
+              <a:rPr lang="it-IT" sz="3600" b="1" dirty="0" err="1" smtClean="0"/>
               <a:t>Diagram</a:t>
             </a:r>
             <a:r>
-              <a:rPr lang="it-IT" sz="4000" b="1" dirty="0" smtClean="0"/>
-              <a:t> 1 – RAD 4.0</a:t>
-            </a:r>
-            <a:endParaRPr lang="it-IT" sz="4000" dirty="0"/>
-          </a:p>
-          <a:p>
-            <a:endParaRPr lang="it-IT" dirty="0"/>
-          </a:p>
-        </p:txBody>
-      </p:sp>
-      <p:sp>
-        <p:nvSpPr>
-          <p:cNvPr id="5" name="CasellaDiTesto 4"/>
-          <p:cNvSpPr txBox="1"/>
-          <p:nvPr/>
-        </p:nvSpPr>
-        <p:spPr>
-          <a:xfrm>
-            <a:off x="539552" y="5589240"/>
-            <a:ext cx="7848872" cy="369332"/>
-          </a:xfrm>
-          <a:prstGeom prst="rect">
-            <a:avLst/>
-          </a:prstGeom>
-          <a:noFill/>
-        </p:spPr>
-        <p:txBody>
-          <a:bodyPr wrap="square" rtlCol="0">
-            <a:spAutoFit/>
-          </a:bodyPr>
-          <a:lstStyle/>
-          <a:p>
-            <a:pPr algn="ctr"/>
-            <a:r>
-              <a:rPr lang="it-IT" dirty="0" err="1"/>
-              <a:t>UCD_Tirocinanti_Registro</a:t>
-            </a:r>
-            <a:endParaRPr lang="it-IT" dirty="0"/>
+              <a:rPr lang="it-IT" sz="3600" b="1" dirty="0" smtClean="0"/>
+              <a:t> - RAD 1</a:t>
+            </a:r>
+            <a:endParaRPr lang="it-IT" sz="3600" b="1" dirty="0"/>
           </a:p>
         </p:txBody>
       </p:sp>
       <p:pic>
         <p:nvPicPr>
-          <p:cNvPr id="6" name="Immagine 5"/>
+          <p:cNvPr id="3" name="Immagine 2"/>
           <p:cNvPicPr>
             <a:picLocks noChangeAspect="1"/>
           </p:cNvPicPr>
@@ -9200,7 +9230,7 @@
           <a:blip r:embed="rId2" cstate="print">
             <a:extLst>
               <a:ext uri="{28A0092B-C50C-407E-A947-70E740481C1C}">
-                <a14:useLocalDpi xmlns:a14="http://schemas.microsoft.com/office/drawing/2010/main" xmlns="" val="0"/>
+                <a14:useLocalDpi xmlns:a14="http://schemas.microsoft.com/office/drawing/2010/main" val="0"/>
               </a:ext>
             </a:extLst>
           </a:blip>
@@ -9210,8 +9240,8 @@
         </p:blipFill>
         <p:spPr>
           <a:xfrm>
-            <a:off x="267639" y="1579568"/>
-            <a:ext cx="8392697" cy="4379004"/>
+            <a:off x="1125828" y="1481394"/>
+            <a:ext cx="6954221" cy="4020111"/>
           </a:xfrm>
           <a:prstGeom prst="rect">
             <a:avLst/>
@@ -9220,14 +9250,14 @@
       </p:pic>
       <p:sp>
         <p:nvSpPr>
-          <p:cNvPr id="7" name="CasellaDiTesto 6"/>
+          <p:cNvPr id="5" name="CasellaDiTesto 4"/>
           <p:cNvSpPr txBox="1"/>
           <p:nvPr/>
         </p:nvSpPr>
         <p:spPr>
           <a:xfrm>
-            <a:off x="1547664" y="5958572"/>
-            <a:ext cx="5040560" cy="369332"/>
+            <a:off x="2555776" y="5085184"/>
+            <a:ext cx="3600400" cy="369332"/>
           </a:xfrm>
           <a:prstGeom prst="rect">
             <a:avLst/>
@@ -9249,13 +9279,14 @@
               <a:rPr lang="it-IT" dirty="0" smtClean="0"/>
               <a:t> 1</a:t>
             </a:r>
+            <a:endParaRPr lang="it-IT" dirty="0"/>
           </a:p>
         </p:txBody>
       </p:sp>
     </p:spTree>
     <p:extLst>
       <p:ext uri="{BB962C8B-B14F-4D97-AF65-F5344CB8AC3E}">
-        <p14:creationId xmlns:p14="http://schemas.microsoft.com/office/powerpoint/2010/main" xmlns="" val="247169405"/>
+        <p14:creationId xmlns:p14="http://schemas.microsoft.com/office/powerpoint/2010/main" val="422123805"/>
       </p:ext>
     </p:extLst>
   </p:cSld>
@@ -9291,14 +9322,14 @@
       </p:grpSpPr>
       <p:sp>
         <p:nvSpPr>
-          <p:cNvPr id="3" name="CasellaDiTesto 2"/>
+          <p:cNvPr id="2" name="CasellaDiTesto 1"/>
           <p:cNvSpPr txBox="1"/>
           <p:nvPr/>
         </p:nvSpPr>
         <p:spPr>
           <a:xfrm>
-            <a:off x="0" y="1052736"/>
-            <a:ext cx="9144000" cy="707886"/>
+            <a:off x="0" y="908720"/>
+            <a:ext cx="9144000" cy="984885"/>
           </a:xfrm>
           <a:prstGeom prst="rect">
             <a:avLst/>
@@ -9322,15 +9353,49 @@
             </a:r>
             <a:r>
               <a:rPr lang="it-IT" sz="4000" b="1" dirty="0" smtClean="0"/>
-              <a:t> 2 – RAD 4.0</a:t>
-            </a:r>
-            <a:endParaRPr lang="it-IT" sz="4000" b="1" dirty="0"/>
+              <a:t> 1 – RAD 4.0</a:t>
+            </a:r>
+            <a:endParaRPr lang="it-IT" sz="4000" dirty="0"/>
+          </a:p>
+          <a:p>
+            <a:endParaRPr lang="it-IT" dirty="0"/>
+          </a:p>
+        </p:txBody>
+      </p:sp>
+      <p:sp>
+        <p:nvSpPr>
+          <p:cNvPr id="5" name="CasellaDiTesto 4"/>
+          <p:cNvSpPr txBox="1"/>
+          <p:nvPr/>
+        </p:nvSpPr>
+        <p:spPr>
+          <a:xfrm>
+            <a:off x="539552" y="5589240"/>
+            <a:ext cx="7848872" cy="369332"/>
+          </a:xfrm>
+          <a:prstGeom prst="rect">
+            <a:avLst/>
+          </a:prstGeom>
+          <a:noFill/>
+        </p:spPr>
+        <p:txBody>
+          <a:bodyPr wrap="square" rtlCol="0">
+            <a:spAutoFit/>
+          </a:bodyPr>
+          <a:lstStyle/>
+          <a:p>
+            <a:pPr algn="ctr"/>
+            <a:r>
+              <a:rPr lang="it-IT" dirty="0" err="1"/>
+              <a:t>UCD_Tirocinanti_Registro</a:t>
+            </a:r>
+            <a:endParaRPr lang="it-IT" dirty="0"/>
           </a:p>
         </p:txBody>
       </p:sp>
       <p:pic>
         <p:nvPicPr>
-          <p:cNvPr id="4" name="Immagine 3"/>
+          <p:cNvPr id="6" name="Immagine 5"/>
           <p:cNvPicPr>
             <a:picLocks noChangeAspect="1"/>
           </p:cNvPicPr>
@@ -9340,7 +9405,7 @@
           <a:blip r:embed="rId2" cstate="print">
             <a:extLst>
               <a:ext uri="{28A0092B-C50C-407E-A947-70E740481C1C}">
-                <a14:useLocalDpi xmlns:a14="http://schemas.microsoft.com/office/drawing/2010/main" xmlns="" val="0"/>
+                <a14:useLocalDpi xmlns:a14="http://schemas.microsoft.com/office/drawing/2010/main" val="0"/>
               </a:ext>
             </a:extLst>
           </a:blip>
@@ -9350,8 +9415,8 @@
         </p:blipFill>
         <p:spPr>
           <a:xfrm>
-            <a:off x="539552" y="1628801"/>
-            <a:ext cx="8278381" cy="4752528"/>
+            <a:off x="267639" y="1579568"/>
+            <a:ext cx="8392697" cy="4379004"/>
           </a:xfrm>
           <a:prstGeom prst="rect">
             <a:avLst/>
@@ -9360,14 +9425,14 @@
       </p:pic>
       <p:sp>
         <p:nvSpPr>
-          <p:cNvPr id="5" name="CasellaDiTesto 4"/>
+          <p:cNvPr id="7" name="CasellaDiTesto 6"/>
           <p:cNvSpPr txBox="1"/>
           <p:nvPr/>
         </p:nvSpPr>
         <p:spPr>
           <a:xfrm>
-            <a:off x="1475656" y="6165304"/>
-            <a:ext cx="6048672" cy="369332"/>
+            <a:off x="1547664" y="5958572"/>
+            <a:ext cx="5040560" cy="369332"/>
           </a:xfrm>
           <a:prstGeom prst="rect">
             <a:avLst/>
@@ -9387,16 +9452,15 @@
             </a:r>
             <a:r>
               <a:rPr lang="it-IT" dirty="0" smtClean="0"/>
-              <a:t> 2</a:t>
-            </a:r>
-            <a:endParaRPr lang="it-IT" dirty="0"/>
+              <a:t> 1</a:t>
+            </a:r>
           </a:p>
         </p:txBody>
       </p:sp>
     </p:spTree>
     <p:extLst>
       <p:ext uri="{BB962C8B-B14F-4D97-AF65-F5344CB8AC3E}">
-        <p14:creationId xmlns:p14="http://schemas.microsoft.com/office/powerpoint/2010/main" xmlns="" val="1376204328"/>
+        <p14:creationId xmlns:p14="http://schemas.microsoft.com/office/powerpoint/2010/main" val="247169405"/>
       </p:ext>
     </p:extLst>
   </p:cSld>
@@ -9432,13 +9496,13 @@
       </p:grpSpPr>
       <p:sp>
         <p:nvSpPr>
-          <p:cNvPr id="2" name="CasellaDiTesto 1"/>
+          <p:cNvPr id="3" name="CasellaDiTesto 2"/>
           <p:cNvSpPr txBox="1"/>
           <p:nvPr/>
         </p:nvSpPr>
         <p:spPr>
           <a:xfrm>
-            <a:off x="0" y="692696"/>
+            <a:off x="0" y="1052736"/>
             <a:ext cx="9144000" cy="707886"/>
           </a:xfrm>
           <a:prstGeom prst="rect">
@@ -9462,8 +9526,8 @@
               <a:t>Diagram</a:t>
             </a:r>
             <a:r>
-              <a:rPr lang="it-IT" sz="4000" b="1" smtClean="0"/>
-              <a:t> 3 – RAD 4.0</a:t>
+              <a:rPr lang="it-IT" sz="4000" b="1" dirty="0" smtClean="0"/>
+              <a:t> 2 – RAD 4.0</a:t>
             </a:r>
             <a:endParaRPr lang="it-IT" sz="4000" b="1" dirty="0"/>
           </a:p>
@@ -9471,7 +9535,7 @@
       </p:sp>
       <p:pic>
         <p:nvPicPr>
-          <p:cNvPr id="3" name="Immagine 2"/>
+          <p:cNvPr id="4" name="Immagine 3"/>
           <p:cNvPicPr>
             <a:picLocks noChangeAspect="1"/>
           </p:cNvPicPr>
@@ -9481,7 +9545,7 @@
           <a:blip r:embed="rId2" cstate="print">
             <a:extLst>
               <a:ext uri="{28A0092B-C50C-407E-A947-70E740481C1C}">
-                <a14:useLocalDpi xmlns:a14="http://schemas.microsoft.com/office/drawing/2010/main" xmlns="" val="0"/>
+                <a14:useLocalDpi xmlns:a14="http://schemas.microsoft.com/office/drawing/2010/main" val="0"/>
               </a:ext>
             </a:extLst>
           </a:blip>
@@ -9491,8 +9555,8 @@
         </p:blipFill>
         <p:spPr>
           <a:xfrm>
-            <a:off x="0" y="1400582"/>
-            <a:ext cx="9144000" cy="4764722"/>
+            <a:off x="539552" y="1628801"/>
+            <a:ext cx="8278381" cy="4752528"/>
           </a:xfrm>
           <a:prstGeom prst="rect">
             <a:avLst/>
@@ -9501,14 +9565,14 @@
       </p:pic>
       <p:sp>
         <p:nvSpPr>
-          <p:cNvPr id="4" name="CasellaDiTesto 3"/>
+          <p:cNvPr id="5" name="CasellaDiTesto 4"/>
           <p:cNvSpPr txBox="1"/>
           <p:nvPr/>
         </p:nvSpPr>
         <p:spPr>
           <a:xfrm>
-            <a:off x="1979712" y="6165304"/>
-            <a:ext cx="5976664" cy="646331"/>
+            <a:off x="1475656" y="6165304"/>
+            <a:ext cx="6048672" cy="369332"/>
           </a:xfrm>
           <a:prstGeom prst="rect">
             <a:avLst/>
@@ -9528,11 +9592,8 @@
             </a:r>
             <a:r>
               <a:rPr lang="it-IT" dirty="0" smtClean="0"/>
-              <a:t> 3</a:t>
-            </a:r>
-          </a:p>
-          <a:p>
-            <a:pPr algn="ctr"/>
+              <a:t> 2</a:t>
+            </a:r>
             <a:endParaRPr lang="it-IT" dirty="0"/>
           </a:p>
         </p:txBody>
@@ -9540,7 +9601,7 @@
     </p:spTree>
     <p:extLst>
       <p:ext uri="{BB962C8B-B14F-4D97-AF65-F5344CB8AC3E}">
-        <p14:creationId xmlns:p14="http://schemas.microsoft.com/office/powerpoint/2010/main" xmlns="" val="1545582615"/>
+        <p14:creationId xmlns:p14="http://schemas.microsoft.com/office/powerpoint/2010/main" val="1376204328"/>
       </p:ext>
     </p:extLst>
   </p:cSld>
@@ -9582,7 +9643,7 @@
         </p:nvSpPr>
         <p:spPr>
           <a:xfrm>
-            <a:off x="-72008" y="548680"/>
+            <a:off x="0" y="692696"/>
             <a:ext cx="9144000" cy="707886"/>
           </a:xfrm>
           <a:prstGeom prst="rect">
@@ -9598,18 +9659,18 @@
           <a:p>
             <a:pPr algn="ctr"/>
             <a:r>
-              <a:rPr lang="it-IT" sz="3600" b="1" dirty="0" smtClean="0"/>
-              <a:t>Use </a:t>
-            </a:r>
-            <a:r>
               <a:rPr lang="it-IT" sz="4000" b="1" dirty="0" smtClean="0"/>
-              <a:t>Case</a:t>
-            </a:r>
-            <a:r>
-              <a:rPr lang="it-IT" sz="3600" b="1" dirty="0" smtClean="0"/>
-              <a:t> del sistema – RAD 4.0</a:t>
-            </a:r>
-            <a:endParaRPr lang="it-IT" sz="3600" b="1" dirty="0"/>
+              <a:t>Use Case </a:t>
+            </a:r>
+            <a:r>
+              <a:rPr lang="it-IT" sz="4000" b="1" dirty="0" err="1" smtClean="0"/>
+              <a:t>Diagram</a:t>
+            </a:r>
+            <a:r>
+              <a:rPr lang="it-IT" sz="4000" b="1" smtClean="0"/>
+              <a:t> 3 – RAD 4.0</a:t>
+            </a:r>
+            <a:endParaRPr lang="it-IT" sz="4000" b="1" dirty="0"/>
           </a:p>
         </p:txBody>
       </p:sp>
@@ -9625,7 +9686,7 @@
           <a:blip r:embed="rId2" cstate="print">
             <a:extLst>
               <a:ext uri="{28A0092B-C50C-407E-A947-70E740481C1C}">
-                <a14:useLocalDpi xmlns:a14="http://schemas.microsoft.com/office/drawing/2010/main" xmlns="" val="0"/>
+                <a14:useLocalDpi xmlns:a14="http://schemas.microsoft.com/office/drawing/2010/main" val="0"/>
               </a:ext>
             </a:extLst>
           </a:blip>
@@ -9635,18 +9696,56 @@
         </p:blipFill>
         <p:spPr>
           <a:xfrm>
-            <a:off x="971600" y="1195011"/>
-            <a:ext cx="7056784" cy="3886807"/>
+            <a:off x="0" y="1400582"/>
+            <a:ext cx="9144000" cy="4764722"/>
           </a:xfrm>
           <a:prstGeom prst="rect">
             <a:avLst/>
           </a:prstGeom>
         </p:spPr>
       </p:pic>
+      <p:sp>
+        <p:nvSpPr>
+          <p:cNvPr id="4" name="CasellaDiTesto 3"/>
+          <p:cNvSpPr txBox="1"/>
+          <p:nvPr/>
+        </p:nvSpPr>
+        <p:spPr>
+          <a:xfrm>
+            <a:off x="1979712" y="6165304"/>
+            <a:ext cx="5976664" cy="646331"/>
+          </a:xfrm>
+          <a:prstGeom prst="rect">
+            <a:avLst/>
+          </a:prstGeom>
+          <a:noFill/>
+        </p:spPr>
+        <p:txBody>
+          <a:bodyPr wrap="square" rtlCol="0">
+            <a:spAutoFit/>
+          </a:bodyPr>
+          <a:lstStyle/>
+          <a:p>
+            <a:pPr algn="ctr"/>
+            <a:r>
+              <a:rPr lang="it-IT" dirty="0" err="1" smtClean="0"/>
+              <a:t>UCD_Tirocinanti</a:t>
+            </a:r>
+            <a:r>
+              <a:rPr lang="it-IT" dirty="0" smtClean="0"/>
+              <a:t> 3</a:t>
+            </a:r>
+          </a:p>
+          <a:p>
+            <a:pPr algn="ctr"/>
+            <a:endParaRPr lang="it-IT" dirty="0"/>
+          </a:p>
+        </p:txBody>
+      </p:sp>
     </p:spTree>
     <p:extLst>
       <p:ext uri="{BB962C8B-B14F-4D97-AF65-F5344CB8AC3E}">
-        <p14:creationId xmlns:p14="http://schemas.microsoft.com/office/powerpoint/2010/main" xmlns="" val="1296864160"/>
+        <p14:creationId xmlns:p14="http://schemas.microsoft.com/office/powerpoint/2010/main" val="1545582615"/>
       </p:ext>
     </p:extLst>
   </p:cSld>
@@ -9688,7 +9787,7 @@
         </p:nvSpPr>
         <p:spPr>
           <a:xfrm>
-            <a:off x="0" y="620688"/>
+            <a:off x="-72008" y="548680"/>
             <a:ext cx="9144000" cy="707886"/>
           </a:xfrm>
           <a:prstGeom prst="rect">
@@ -9704,14 +9803,18 @@
           <a:p>
             <a:pPr algn="ctr"/>
             <a:r>
-              <a:rPr lang="it-IT" sz="4000" dirty="0" smtClean="0"/>
-              <a:t>Es. </a:t>
-            </a:r>
-            <a:r>
-              <a:rPr lang="it-IT" sz="4000" dirty="0" err="1" smtClean="0"/>
-              <a:t>Mockups</a:t>
-            </a:r>
-            <a:endParaRPr lang="it-IT" sz="4000" dirty="0"/>
+              <a:rPr lang="it-IT" sz="3600" b="1" dirty="0" smtClean="0"/>
+              <a:t>Use </a:t>
+            </a:r>
+            <a:r>
+              <a:rPr lang="it-IT" sz="4000" b="1" dirty="0" smtClean="0"/>
+              <a:t>Case</a:t>
+            </a:r>
+            <a:r>
+              <a:rPr lang="it-IT" sz="3600" b="1" dirty="0" smtClean="0"/>
+              <a:t> del sistema – RAD 4.0</a:t>
+            </a:r>
+            <a:endParaRPr lang="it-IT" sz="3600" b="1" dirty="0"/>
           </a:p>
         </p:txBody>
       </p:sp>
@@ -9727,7 +9830,7 @@
           <a:blip r:embed="rId2" cstate="print">
             <a:extLst>
               <a:ext uri="{28A0092B-C50C-407E-A947-70E740481C1C}">
-                <a14:useLocalDpi xmlns:a14="http://schemas.microsoft.com/office/drawing/2010/main" xmlns="" val="0"/>
+                <a14:useLocalDpi xmlns:a14="http://schemas.microsoft.com/office/drawing/2010/main" val="0"/>
               </a:ext>
             </a:extLst>
           </a:blip>
@@ -9737,52 +9840,18 @@
         </p:blipFill>
         <p:spPr>
           <a:xfrm>
-            <a:off x="0" y="1887402"/>
-            <a:ext cx="9144000" cy="3083196"/>
+            <a:off x="971600" y="1195011"/>
+            <a:ext cx="7056784" cy="3886807"/>
           </a:xfrm>
           <a:prstGeom prst="rect">
             <a:avLst/>
           </a:prstGeom>
         </p:spPr>
       </p:pic>
-      <p:sp>
-        <p:nvSpPr>
-          <p:cNvPr id="4" name="CasellaDiTesto 3"/>
-          <p:cNvSpPr txBox="1"/>
-          <p:nvPr/>
-        </p:nvSpPr>
-        <p:spPr>
-          <a:xfrm>
-            <a:off x="161764" y="4970598"/>
-            <a:ext cx="8820472" cy="369332"/>
-          </a:xfrm>
-          <a:prstGeom prst="rect">
-            <a:avLst/>
-          </a:prstGeom>
-          <a:noFill/>
-        </p:spPr>
-        <p:txBody>
-          <a:bodyPr wrap="square" rtlCol="0">
-            <a:spAutoFit/>
-          </a:bodyPr>
-          <a:lstStyle/>
-          <a:p>
-            <a:pPr algn="ctr"/>
-            <a:r>
-              <a:rPr lang="it-IT" i="1" dirty="0" smtClean="0"/>
-              <a:t>MKUP_M_31-32-33-34-35_Registro </a:t>
-            </a:r>
-            <a:r>
-              <a:rPr lang="it-IT" i="1" dirty="0"/>
-              <a:t>Tirocinanti</a:t>
-            </a:r>
-          </a:p>
-        </p:txBody>
-      </p:sp>
     </p:spTree>
     <p:extLst>
       <p:ext uri="{BB962C8B-B14F-4D97-AF65-F5344CB8AC3E}">
-        <p14:creationId xmlns:p14="http://schemas.microsoft.com/office/powerpoint/2010/main" xmlns="" val="518928479"/>
+        <p14:creationId xmlns:p14="http://schemas.microsoft.com/office/powerpoint/2010/main" val="1296864160"/>
       </p:ext>
     </p:extLst>
   </p:cSld>
@@ -9824,8 +9893,8 @@
         </p:nvSpPr>
         <p:spPr>
           <a:xfrm>
-            <a:off x="-108520" y="836712"/>
-            <a:ext cx="9252520" cy="1323439"/>
+            <a:off x="0" y="620688"/>
+            <a:ext cx="9144000" cy="707886"/>
           </a:xfrm>
           <a:prstGeom prst="rect">
             <a:avLst/>
@@ -9840,19 +9909,20 @@
           <a:p>
             <a:pPr algn="ctr"/>
             <a:r>
-              <a:rPr lang="it-IT" sz="4000" b="1" dirty="0"/>
-              <a:t>Use Case del sistema – RAD 4.0</a:t>
-            </a:r>
-          </a:p>
-          <a:p>
-            <a:pPr algn="ctr"/>
+              <a:rPr lang="it-IT" sz="4000" dirty="0" smtClean="0"/>
+              <a:t>Es. </a:t>
+            </a:r>
+            <a:r>
+              <a:rPr lang="it-IT" sz="4000" dirty="0" err="1" smtClean="0"/>
+              <a:t>Mockups</a:t>
+            </a:r>
             <a:endParaRPr lang="it-IT" sz="4000" dirty="0"/>
           </a:p>
         </p:txBody>
       </p:sp>
       <p:pic>
         <p:nvPicPr>
-          <p:cNvPr id="4" name="Immagine 3"/>
+          <p:cNvPr id="3" name="Immagine 2"/>
           <p:cNvPicPr>
             <a:picLocks noChangeAspect="1"/>
           </p:cNvPicPr>
@@ -9862,7 +9932,7 @@
           <a:blip r:embed="rId2" cstate="print">
             <a:extLst>
               <a:ext uri="{28A0092B-C50C-407E-A947-70E740481C1C}">
-                <a14:useLocalDpi xmlns:a14="http://schemas.microsoft.com/office/drawing/2010/main" xmlns="" val="0"/>
+                <a14:useLocalDpi xmlns:a14="http://schemas.microsoft.com/office/drawing/2010/main" val="0"/>
               </a:ext>
             </a:extLst>
           </a:blip>
@@ -9872,18 +9942,52 @@
         </p:blipFill>
         <p:spPr>
           <a:xfrm>
-            <a:off x="899593" y="1700808"/>
-            <a:ext cx="7056784" cy="4363059"/>
+            <a:off x="0" y="1887402"/>
+            <a:ext cx="9144000" cy="3083196"/>
           </a:xfrm>
           <a:prstGeom prst="rect">
             <a:avLst/>
           </a:prstGeom>
         </p:spPr>
       </p:pic>
+      <p:sp>
+        <p:nvSpPr>
+          <p:cNvPr id="4" name="CasellaDiTesto 3"/>
+          <p:cNvSpPr txBox="1"/>
+          <p:nvPr/>
+        </p:nvSpPr>
+        <p:spPr>
+          <a:xfrm>
+            <a:off x="161764" y="4970598"/>
+            <a:ext cx="8820472" cy="369332"/>
+          </a:xfrm>
+          <a:prstGeom prst="rect">
+            <a:avLst/>
+          </a:prstGeom>
+          <a:noFill/>
+        </p:spPr>
+        <p:txBody>
+          <a:bodyPr wrap="square" rtlCol="0">
+            <a:spAutoFit/>
+          </a:bodyPr>
+          <a:lstStyle/>
+          <a:p>
+            <a:pPr algn="ctr"/>
+            <a:r>
+              <a:rPr lang="it-IT" i="1" dirty="0" smtClean="0"/>
+              <a:t>MKUP_M_31-32-33-34-35_Registro </a:t>
+            </a:r>
+            <a:r>
+              <a:rPr lang="it-IT" i="1" dirty="0"/>
+              <a:t>Tirocinanti</a:t>
+            </a:r>
+          </a:p>
+        </p:txBody>
+      </p:sp>
     </p:spTree>
     <p:extLst>
       <p:ext uri="{BB962C8B-B14F-4D97-AF65-F5344CB8AC3E}">
-        <p14:creationId xmlns:p14="http://schemas.microsoft.com/office/powerpoint/2010/main" xmlns="" val="4136420094"/>
+        <p14:creationId xmlns:p14="http://schemas.microsoft.com/office/powerpoint/2010/main" val="518928479"/>
       </p:ext>
     </p:extLst>
   </p:cSld>
@@ -9925,8 +10029,8 @@
         </p:nvSpPr>
         <p:spPr>
           <a:xfrm>
-            <a:off x="0" y="764704"/>
-            <a:ext cx="9144000" cy="707886"/>
+            <a:off x="-108520" y="836712"/>
+            <a:ext cx="9252520" cy="1323439"/>
           </a:xfrm>
           <a:prstGeom prst="rect">
             <a:avLst/>
@@ -9941,24 +10045,19 @@
           <a:p>
             <a:pPr algn="ctr"/>
             <a:r>
-              <a:rPr lang="it-IT" sz="4000" b="1" dirty="0" err="1" smtClean="0"/>
-              <a:t>Sequence</a:t>
-            </a:r>
-            <a:r>
-              <a:rPr lang="it-IT" sz="4000" b="1" dirty="0" smtClean="0"/>
-              <a:t> </a:t>
-            </a:r>
-            <a:r>
-              <a:rPr lang="it-IT" sz="4000" b="1" dirty="0" err="1" smtClean="0"/>
-              <a:t>Diagram</a:t>
-            </a:r>
-            <a:endParaRPr lang="it-IT" sz="4000" b="1" dirty="0"/>
+              <a:rPr lang="it-IT" sz="4000" b="1" dirty="0"/>
+              <a:t>Use Case del sistema – RAD 4.0</a:t>
+            </a:r>
+          </a:p>
+          <a:p>
+            <a:pPr algn="ctr"/>
+            <a:endParaRPr lang="it-IT" sz="4000" dirty="0"/>
           </a:p>
         </p:txBody>
       </p:sp>
       <p:pic>
         <p:nvPicPr>
-          <p:cNvPr id="3" name="Immagine 2"/>
+          <p:cNvPr id="4" name="Immagine 3"/>
           <p:cNvPicPr>
             <a:picLocks noChangeAspect="1"/>
           </p:cNvPicPr>
@@ -9968,7 +10067,7 @@
           <a:blip r:embed="rId2" cstate="print">
             <a:extLst>
               <a:ext uri="{28A0092B-C50C-407E-A947-70E740481C1C}">
-                <a14:useLocalDpi xmlns:a14="http://schemas.microsoft.com/office/drawing/2010/main" xmlns="" val="0"/>
+                <a14:useLocalDpi xmlns:a14="http://schemas.microsoft.com/office/drawing/2010/main" val="0"/>
               </a:ext>
             </a:extLst>
           </a:blip>
@@ -9978,49 +10077,18 @@
         </p:blipFill>
         <p:spPr>
           <a:xfrm>
-            <a:off x="1032967" y="1472590"/>
-            <a:ext cx="7078063" cy="4692714"/>
+            <a:off x="899593" y="1700808"/>
+            <a:ext cx="7056784" cy="4363059"/>
           </a:xfrm>
           <a:prstGeom prst="rect">
             <a:avLst/>
           </a:prstGeom>
         </p:spPr>
       </p:pic>
-      <p:sp>
-        <p:nvSpPr>
-          <p:cNvPr id="4" name="CasellaDiTesto 3"/>
-          <p:cNvSpPr txBox="1"/>
-          <p:nvPr/>
-        </p:nvSpPr>
-        <p:spPr>
-          <a:xfrm>
-            <a:off x="755576" y="6165304"/>
-            <a:ext cx="7632848" cy="369332"/>
-          </a:xfrm>
-          <a:prstGeom prst="rect">
-            <a:avLst/>
-          </a:prstGeom>
-          <a:noFill/>
-        </p:spPr>
-        <p:txBody>
-          <a:bodyPr wrap="square" rtlCol="0">
-            <a:spAutoFit/>
-          </a:bodyPr>
-          <a:lstStyle/>
-          <a:p>
-            <a:pPr algn="ctr"/>
-            <a:r>
-              <a:rPr lang="it-IT" i="1" dirty="0" err="1" smtClean="0"/>
-              <a:t>SD_AggiungiTirocinanti</a:t>
-            </a:r>
-            <a:endParaRPr lang="it-IT" i="1" dirty="0"/>
-          </a:p>
-        </p:txBody>
-      </p:sp>
     </p:spTree>
     <p:extLst>
       <p:ext uri="{BB962C8B-B14F-4D97-AF65-F5344CB8AC3E}">
-        <p14:creationId xmlns:p14="http://schemas.microsoft.com/office/powerpoint/2010/main" xmlns="" val="2535709406"/>
+        <p14:creationId xmlns:p14="http://schemas.microsoft.com/office/powerpoint/2010/main" val="4136420094"/>
       </p:ext>
     </p:extLst>
   </p:cSld>
@@ -10088,7 +10156,7 @@
     </p:spTree>
     <p:extLst>
       <p:ext uri="{BB962C8B-B14F-4D97-AF65-F5344CB8AC3E}">
-        <p14:creationId xmlns:p14="http://schemas.microsoft.com/office/powerpoint/2010/main" xmlns="" val="2865657727"/>
+        <p14:creationId xmlns:p14="http://schemas.microsoft.com/office/powerpoint/2010/main" val="2865657727"/>
       </p:ext>
     </p:extLst>
   </p:cSld>
@@ -10130,8 +10198,8 @@
         </p:nvSpPr>
         <p:spPr>
           <a:xfrm>
-            <a:off x="6540" y="692696"/>
-            <a:ext cx="9144000" cy="646331"/>
+            <a:off x="0" y="764704"/>
+            <a:ext cx="9144000" cy="707886"/>
           </a:xfrm>
           <a:prstGeom prst="rect">
             <a:avLst/>
@@ -10146,27 +10214,61 @@
           <a:p>
             <a:pPr algn="ctr"/>
             <a:r>
-              <a:rPr lang="it-IT" sz="3600" b="1" dirty="0" smtClean="0"/>
-              <a:t>Problemi </a:t>
-            </a:r>
-            <a:r>
-              <a:rPr lang="it-IT" sz="3600" b="1" dirty="0" smtClean="0"/>
-              <a:t>riscontrati</a:t>
-            </a:r>
-            <a:endParaRPr lang="it-IT" sz="3600" b="1" dirty="0"/>
-          </a:p>
-        </p:txBody>
-      </p:sp>
-      <p:sp>
-        <p:nvSpPr>
-          <p:cNvPr id="3" name="CasellaDiTesto 2"/>
+              <a:rPr lang="it-IT" sz="4000" b="1" dirty="0" err="1" smtClean="0"/>
+              <a:t>Sequence</a:t>
+            </a:r>
+            <a:r>
+              <a:rPr lang="it-IT" sz="4000" b="1" dirty="0" smtClean="0"/>
+              <a:t> </a:t>
+            </a:r>
+            <a:r>
+              <a:rPr lang="it-IT" sz="4000" b="1" dirty="0" err="1" smtClean="0"/>
+              <a:t>Diagram</a:t>
+            </a:r>
+            <a:endParaRPr lang="it-IT" sz="4000" b="1" dirty="0"/>
+          </a:p>
+        </p:txBody>
+      </p:sp>
+      <p:pic>
+        <p:nvPicPr>
+          <p:cNvPr id="3" name="Immagine 2"/>
+          <p:cNvPicPr>
+            <a:picLocks noChangeAspect="1"/>
+          </p:cNvPicPr>
+          <p:nvPr/>
+        </p:nvPicPr>
+        <p:blipFill>
+          <a:blip r:embed="rId2" cstate="print">
+            <a:extLst>
+              <a:ext uri="{28A0092B-C50C-407E-A947-70E740481C1C}">
+                <a14:useLocalDpi xmlns:a14="http://schemas.microsoft.com/office/drawing/2010/main" val="0"/>
+              </a:ext>
+            </a:extLst>
+          </a:blip>
+          <a:stretch>
+            <a:fillRect/>
+          </a:stretch>
+        </p:blipFill>
+        <p:spPr>
+          <a:xfrm>
+            <a:off x="1032967" y="1472590"/>
+            <a:ext cx="7078063" cy="4692714"/>
+          </a:xfrm>
+          <a:prstGeom prst="rect">
+            <a:avLst/>
+          </a:prstGeom>
+        </p:spPr>
+      </p:pic>
+      <p:sp>
+        <p:nvSpPr>
+          <p:cNvPr id="4" name="CasellaDiTesto 3"/>
           <p:cNvSpPr txBox="1"/>
           <p:nvPr/>
         </p:nvSpPr>
         <p:spPr>
           <a:xfrm>
-            <a:off x="360040" y="1700808"/>
-            <a:ext cx="8244408" cy="3970318"/>
+            <a:off x="755576" y="6165304"/>
+            <a:ext cx="7632848" cy="369332"/>
           </a:xfrm>
           <a:prstGeom prst="rect">
             <a:avLst/>
@@ -10179,122 +10281,19 @@
           </a:bodyPr>
           <a:lstStyle/>
           <a:p>
-            <a:r>
-              <a:rPr lang="it-IT" sz="2800" b="1" dirty="0" smtClean="0">
-                <a:solidFill>
-                  <a:srgbClr val="FF0000"/>
-                </a:solidFill>
-              </a:rPr>
-              <a:t>Contro</a:t>
-            </a:r>
-          </a:p>
-          <a:p>
-            <a:pPr>
-              <a:buFont typeface="Wingdings" pitchFamily="2" charset="2"/>
-              <a:buChar char="v"/>
-            </a:pPr>
-            <a:r>
-              <a:rPr lang="it-IT" sz="2800" dirty="0" smtClean="0"/>
-              <a:t>Cambiamento e non comprensione dei requisiti</a:t>
-            </a:r>
-          </a:p>
-          <a:p>
-            <a:endParaRPr lang="it-IT" sz="2800" dirty="0" smtClean="0"/>
-          </a:p>
-          <a:p>
-            <a:r>
-              <a:rPr lang="it-IT" sz="2400" dirty="0" smtClean="0"/>
-              <a:t>In corso d’opera quando abbiamo appreso meglio tutti i requisiti riguardanti i tirocinanti, abbiamo dovuto modificare tutto quello che avevamo fatto in precedenza.  </a:t>
-            </a:r>
-          </a:p>
-          <a:p>
-            <a:pPr marL="342900" indent="-342900">
-              <a:buFont typeface="Arial" pitchFamily="34" charset="0"/>
-              <a:buChar char="•"/>
-            </a:pPr>
-            <a:r>
-              <a:rPr lang="it-IT" sz="2400" dirty="0" smtClean="0"/>
-              <a:t>Aggiungere altri </a:t>
-            </a:r>
-            <a:r>
-              <a:rPr lang="it-IT" sz="2400" u="sng" dirty="0" smtClean="0"/>
-              <a:t>casi d’uso</a:t>
-            </a:r>
-            <a:endParaRPr lang="it-IT" sz="2400" dirty="0" smtClean="0"/>
-          </a:p>
-          <a:p>
-            <a:pPr marL="342900" indent="-342900">
-              <a:buFont typeface="Arial" pitchFamily="34" charset="0"/>
-              <a:buChar char="•"/>
-            </a:pPr>
-            <a:r>
-              <a:rPr lang="it-IT" sz="2400" dirty="0"/>
-              <a:t>M</a:t>
-            </a:r>
-            <a:r>
-              <a:rPr lang="it-IT" sz="2400" dirty="0" smtClean="0"/>
-              <a:t>odificare i </a:t>
-            </a:r>
-            <a:r>
-              <a:rPr lang="it-IT" sz="2400" u="sng" dirty="0" smtClean="0"/>
-              <a:t>requisiti</a:t>
-            </a:r>
-            <a:r>
-              <a:rPr lang="it-IT" sz="2400" dirty="0" smtClean="0"/>
-              <a:t> esistenti</a:t>
-            </a:r>
-          </a:p>
-          <a:p>
-            <a:pPr marL="342900" indent="-342900">
-              <a:buFont typeface="Arial" pitchFamily="34" charset="0"/>
-              <a:buChar char="•"/>
-            </a:pPr>
-            <a:r>
-              <a:rPr lang="it-IT" sz="2400" dirty="0"/>
-              <a:t>A</a:t>
-            </a:r>
-            <a:r>
-              <a:rPr lang="it-IT" sz="2400" dirty="0" smtClean="0"/>
-              <a:t>ggiornare gli </a:t>
-            </a:r>
-            <a:r>
-              <a:rPr lang="it-IT" sz="2400" u="sng" dirty="0" smtClean="0"/>
-              <a:t>use case </a:t>
-            </a:r>
-            <a:r>
-              <a:rPr lang="it-IT" sz="2400" u="sng" dirty="0" err="1" smtClean="0"/>
-              <a:t>diagram</a:t>
-            </a:r>
-            <a:r>
-              <a:rPr lang="it-IT" sz="2400" u="sng" dirty="0" smtClean="0"/>
-              <a:t> </a:t>
-            </a:r>
-            <a:r>
-              <a:rPr lang="it-IT" sz="2400" dirty="0" smtClean="0"/>
-              <a:t>e </a:t>
-            </a:r>
-            <a:r>
-              <a:rPr lang="it-IT" sz="2400" u="sng" dirty="0" err="1" smtClean="0"/>
-              <a:t>sequence</a:t>
-            </a:r>
-            <a:r>
-              <a:rPr lang="it-IT" sz="2400" dirty="0" smtClean="0"/>
-              <a:t>. </a:t>
-            </a:r>
-          </a:p>
-          <a:p>
-            <a:r>
-              <a:rPr lang="it-IT" sz="2400" dirty="0" smtClean="0"/>
-              <a:t> </a:t>
-            </a:r>
-            <a:endParaRPr lang="it-IT" sz="2400" dirty="0"/>
+            <a:pPr algn="ctr"/>
+            <a:r>
+              <a:rPr lang="it-IT" i="1" dirty="0" err="1" smtClean="0"/>
+              <a:t>SD_AggiungiTirocinanti</a:t>
+            </a:r>
+            <a:endParaRPr lang="it-IT" i="1" dirty="0"/>
           </a:p>
         </p:txBody>
       </p:sp>
     </p:spTree>
     <p:extLst>
       <p:ext uri="{BB962C8B-B14F-4D97-AF65-F5344CB8AC3E}">
-        <p14:creationId xmlns:p14="http://schemas.microsoft.com/office/powerpoint/2010/main" xmlns="" val="2176004432"/>
+        <p14:creationId xmlns:p14="http://schemas.microsoft.com/office/powerpoint/2010/main" val="2535709406"/>
       </p:ext>
     </p:extLst>
   </p:cSld>
@@ -10336,6 +10335,208 @@
         </p:nvSpPr>
         <p:spPr>
           <a:xfrm>
+            <a:off x="6540" y="692696"/>
+            <a:ext cx="9144000" cy="646331"/>
+          </a:xfrm>
+          <a:prstGeom prst="rect">
+            <a:avLst/>
+          </a:prstGeom>
+          <a:noFill/>
+        </p:spPr>
+        <p:txBody>
+          <a:bodyPr wrap="square" rtlCol="0">
+            <a:spAutoFit/>
+          </a:bodyPr>
+          <a:lstStyle/>
+          <a:p>
+            <a:pPr algn="ctr"/>
+            <a:r>
+              <a:rPr lang="it-IT" sz="3600" b="1" dirty="0" smtClean="0"/>
+              <a:t>Problemi riscontrati</a:t>
+            </a:r>
+            <a:endParaRPr lang="it-IT" sz="3600" b="1" dirty="0"/>
+          </a:p>
+        </p:txBody>
+      </p:sp>
+      <p:sp>
+        <p:nvSpPr>
+          <p:cNvPr id="3" name="CasellaDiTesto 2"/>
+          <p:cNvSpPr txBox="1"/>
+          <p:nvPr/>
+        </p:nvSpPr>
+        <p:spPr>
+          <a:xfrm>
+            <a:off x="360040" y="1700808"/>
+            <a:ext cx="8244408" cy="3970318"/>
+          </a:xfrm>
+          <a:prstGeom prst="rect">
+            <a:avLst/>
+          </a:prstGeom>
+          <a:noFill/>
+        </p:spPr>
+        <p:txBody>
+          <a:bodyPr wrap="square" rtlCol="0">
+            <a:spAutoFit/>
+          </a:bodyPr>
+          <a:lstStyle/>
+          <a:p>
+            <a:r>
+              <a:rPr lang="it-IT" sz="2800" b="1" dirty="0" smtClean="0">
+                <a:solidFill>
+                  <a:srgbClr val="FF0000"/>
+                </a:solidFill>
+              </a:rPr>
+              <a:t>Contro</a:t>
+            </a:r>
+          </a:p>
+          <a:p>
+            <a:pPr>
+              <a:buFont typeface="Wingdings" pitchFamily="2" charset="2"/>
+              <a:buChar char="v"/>
+            </a:pPr>
+            <a:r>
+              <a:rPr lang="it-IT" sz="2800" dirty="0" smtClean="0"/>
+              <a:t>Cambiamento e non comprensione dei requisiti</a:t>
+            </a:r>
+          </a:p>
+          <a:p>
+            <a:endParaRPr lang="it-IT" sz="2800" dirty="0" smtClean="0"/>
+          </a:p>
+          <a:p>
+            <a:r>
+              <a:rPr lang="it-IT" sz="2400" dirty="0" smtClean="0"/>
+              <a:t>In corso d’opera quando abbiamo appreso meglio tutti i requisiti riguardanti i tirocinanti, abbiamo dovuto modificare tutto quello che avevamo fatto in precedenza.  </a:t>
+            </a:r>
+          </a:p>
+          <a:p>
+            <a:pPr marL="342900" indent="-342900">
+              <a:buFont typeface="Arial" pitchFamily="34" charset="0"/>
+              <a:buChar char="•"/>
+            </a:pPr>
+            <a:r>
+              <a:rPr lang="it-IT" sz="2400" dirty="0" smtClean="0"/>
+              <a:t>Aggiungere altri </a:t>
+            </a:r>
+            <a:r>
+              <a:rPr lang="it-IT" sz="2400" u="sng" dirty="0" smtClean="0"/>
+              <a:t>casi d’uso</a:t>
+            </a:r>
+            <a:endParaRPr lang="it-IT" sz="2400" dirty="0" smtClean="0"/>
+          </a:p>
+          <a:p>
+            <a:pPr marL="342900" indent="-342900">
+              <a:buFont typeface="Arial" pitchFamily="34" charset="0"/>
+              <a:buChar char="•"/>
+            </a:pPr>
+            <a:r>
+              <a:rPr lang="it-IT" sz="2400" dirty="0"/>
+              <a:t>M</a:t>
+            </a:r>
+            <a:r>
+              <a:rPr lang="it-IT" sz="2400" dirty="0" smtClean="0"/>
+              <a:t>odificare i </a:t>
+            </a:r>
+            <a:r>
+              <a:rPr lang="it-IT" sz="2400" u="sng" dirty="0" smtClean="0"/>
+              <a:t>requisiti</a:t>
+            </a:r>
+            <a:r>
+              <a:rPr lang="it-IT" sz="2400" dirty="0" smtClean="0"/>
+              <a:t> esistenti</a:t>
+            </a:r>
+          </a:p>
+          <a:p>
+            <a:pPr marL="342900" indent="-342900">
+              <a:buFont typeface="Arial" pitchFamily="34" charset="0"/>
+              <a:buChar char="•"/>
+            </a:pPr>
+            <a:r>
+              <a:rPr lang="it-IT" sz="2400" dirty="0"/>
+              <a:t>A</a:t>
+            </a:r>
+            <a:r>
+              <a:rPr lang="it-IT" sz="2400" dirty="0" smtClean="0"/>
+              <a:t>ggiornare gli </a:t>
+            </a:r>
+            <a:r>
+              <a:rPr lang="it-IT" sz="2400" u="sng" dirty="0" smtClean="0"/>
+              <a:t>use case </a:t>
+            </a:r>
+            <a:r>
+              <a:rPr lang="it-IT" sz="2400" u="sng" dirty="0" err="1" smtClean="0"/>
+              <a:t>diagram</a:t>
+            </a:r>
+            <a:r>
+              <a:rPr lang="it-IT" sz="2400" u="sng" dirty="0" smtClean="0"/>
+              <a:t> </a:t>
+            </a:r>
+            <a:r>
+              <a:rPr lang="it-IT" sz="2400" dirty="0" smtClean="0"/>
+              <a:t>e </a:t>
+            </a:r>
+            <a:r>
+              <a:rPr lang="it-IT" sz="2400" u="sng" dirty="0" err="1" smtClean="0"/>
+              <a:t>sequence</a:t>
+            </a:r>
+            <a:r>
+              <a:rPr lang="it-IT" sz="2400" dirty="0" smtClean="0"/>
+              <a:t>. </a:t>
+            </a:r>
+          </a:p>
+          <a:p>
+            <a:r>
+              <a:rPr lang="it-IT" sz="2400" dirty="0" smtClean="0"/>
+              <a:t> </a:t>
+            </a:r>
+            <a:endParaRPr lang="it-IT" sz="2400" dirty="0"/>
+          </a:p>
+        </p:txBody>
+      </p:sp>
+    </p:spTree>
+    <p:extLst>
+      <p:ext uri="{BB962C8B-B14F-4D97-AF65-F5344CB8AC3E}">
+        <p14:creationId xmlns:p14="http://schemas.microsoft.com/office/powerpoint/2010/main" val="2176004432"/>
+      </p:ext>
+    </p:extLst>
+  </p:cSld>
+  <p:clrMapOvr>
+    <a:masterClrMapping/>
+  </p:clrMapOvr>
+  <p:timing>
+    <p:tnLst>
+      <p:par>
+        <p:cTn id="1" dur="indefinite" restart="never" nodeType="tmRoot"/>
+      </p:par>
+    </p:tnLst>
+  </p:timing>
+</p:sld>
+</file>
+
+<file path=ppt/slides/slide32.xml><?xml version="1.0" encoding="utf-8"?>
+<p:sld xmlns:a="http://schemas.openxmlformats.org/drawingml/2006/main" xmlns:r="http://schemas.openxmlformats.org/officeDocument/2006/relationships" xmlns:p="http://schemas.openxmlformats.org/presentationml/2006/main">
+  <p:cSld>
+    <p:spTree>
+      <p:nvGrpSpPr>
+        <p:cNvPr id="1" name=""/>
+        <p:cNvGrpSpPr/>
+        <p:nvPr/>
+      </p:nvGrpSpPr>
+      <p:grpSpPr>
+        <a:xfrm>
+          <a:off x="0" y="0"/>
+          <a:ext cx="0" cy="0"/>
+          <a:chOff x="0" y="0"/>
+          <a:chExt cx="0" cy="0"/>
+        </a:xfrm>
+      </p:grpSpPr>
+      <p:sp>
+        <p:nvSpPr>
+          <p:cNvPr id="2" name="CasellaDiTesto 1"/>
+          <p:cNvSpPr txBox="1"/>
+          <p:nvPr/>
+        </p:nvSpPr>
+        <p:spPr>
+          <a:xfrm>
             <a:off x="467544" y="1124744"/>
             <a:ext cx="8352928" cy="2677656"/>
           </a:xfrm>
@@ -10372,11 +10573,7 @@
           <a:p>
             <a:r>
               <a:rPr lang="it-IT" sz="2800" dirty="0" smtClean="0"/>
-              <a:t>I tirocinanti sono stati gestiti </a:t>
-            </a:r>
-            <a:r>
-              <a:rPr lang="it-IT" sz="2800" dirty="0" smtClean="0"/>
-              <a:t>in tutti i loro aspetti:</a:t>
+              <a:t>I tirocinanti sono stati gestiti in tutti i loro aspetti:</a:t>
             </a:r>
           </a:p>
           <a:p>
@@ -10443,7 +10640,7 @@
     </p:spTree>
     <p:extLst>
       <p:ext uri="{BB962C8B-B14F-4D97-AF65-F5344CB8AC3E}">
-        <p14:creationId xmlns:p14="http://schemas.microsoft.com/office/powerpoint/2010/main" xmlns="" val="1143488046"/>
+        <p14:creationId xmlns:p14="http://schemas.microsoft.com/office/powerpoint/2010/main" val="1143488046"/>
       </p:ext>
     </p:extLst>
   </p:cSld>
@@ -10453,7 +10650,7 @@
 </p:sld>
 </file>
 
-<file path=ppt/slides/slide32.xml><?xml version="1.0" encoding="utf-8"?>
+<file path=ppt/slides/slide33.xml><?xml version="1.0" encoding="utf-8"?>
 <p:sld xmlns:a="http://schemas.openxmlformats.org/drawingml/2006/main" xmlns:r="http://schemas.openxmlformats.org/officeDocument/2006/relationships" xmlns:p="http://schemas.openxmlformats.org/presentationml/2006/main">
   <p:cSld>
     <p:spTree>
@@ -10495,13 +10692,8 @@
             <a:pPr algn="ctr"/>
             <a:r>
               <a:rPr lang="it-IT" sz="4000" b="1" dirty="0" smtClean="0"/>
-              <a:t>  </a:t>
-            </a:r>
-            <a:r>
-              <a:rPr lang="it-IT" sz="4000" b="1" dirty="0" smtClean="0"/>
-              <a:t>Conclusioni sul RAD</a:t>
-            </a:r>
-            <a:endParaRPr lang="it-IT" sz="4000" b="1" dirty="0" smtClean="0"/>
+              <a:t>  Conclusioni sul RAD</a:t>
+            </a:r>
           </a:p>
         </p:txBody>
       </p:sp>
@@ -10648,28 +10840,7 @@
                 <a:latin typeface="+mj-lt"/>
                 <a:cs typeface="Arial" pitchFamily="34" charset="0"/>
               </a:rPr>
-              <a:t> Il </a:t>
-            </a:r>
-            <a:r>
-              <a:rPr lang="it-IT" sz="2800" dirty="0" smtClean="0">
-                <a:latin typeface="+mj-lt"/>
-                <a:cs typeface="Arial" pitchFamily="34" charset="0"/>
-              </a:rPr>
-              <a:t>RAD è stato raffinato </a:t>
-            </a:r>
-            <a:r>
-              <a:rPr lang="it-IT" sz="2800" dirty="0" smtClean="0">
-                <a:latin typeface="+mj-lt"/>
-                <a:cs typeface="Arial" pitchFamily="34" charset="0"/>
-              </a:rPr>
-              <a:t>con </a:t>
-            </a:r>
-            <a:r>
-              <a:rPr lang="it-IT" sz="2800" dirty="0" smtClean="0">
-                <a:latin typeface="+mj-lt"/>
-                <a:cs typeface="Arial" pitchFamily="34" charset="0"/>
-              </a:rPr>
-              <a:t>l’aumentare delle conoscenze sulla materia.</a:t>
+              <a:t> Il RAD è stato raffinato con l’aumentare delle conoscenze sulla materia.</a:t>
             </a:r>
           </a:p>
           <a:p>
@@ -10724,7 +10895,7 @@
     </p:spTree>
     <p:extLst>
       <p:ext uri="{BB962C8B-B14F-4D97-AF65-F5344CB8AC3E}">
-        <p14:creationId xmlns:p14="http://schemas.microsoft.com/office/powerpoint/2010/main" xmlns="" val="957313322"/>
+        <p14:creationId xmlns:p14="http://schemas.microsoft.com/office/powerpoint/2010/main" val="957313322"/>
       </p:ext>
     </p:extLst>
   </p:cSld>
@@ -10758,6 +10929,224 @@
           <a:chExt cx="0" cy="0"/>
         </a:xfrm>
       </p:grpSpPr>
+      <p:sp>
+        <p:nvSpPr>
+          <p:cNvPr id="2" name="Titolo 1"/>
+          <p:cNvSpPr>
+            <a:spLocks noGrp="1"/>
+          </p:cNvSpPr>
+          <p:nvPr>
+            <p:ph type="title"/>
+          </p:nvPr>
+        </p:nvSpPr>
+        <p:spPr>
+          <a:xfrm>
+            <a:off x="1259632" y="836712"/>
+            <a:ext cx="6624736" cy="648072"/>
+          </a:xfrm>
+        </p:spPr>
+        <p:txBody>
+          <a:bodyPr>
+            <a:noAutofit/>
+          </a:bodyPr>
+          <a:lstStyle/>
+          <a:p>
+            <a:pPr algn="ctr"/>
+            <a:r>
+              <a:rPr lang="it-IT" sz="4800" b="1" dirty="0" smtClean="0"/>
+              <a:t>Gestione Pagamenti</a:t>
+            </a:r>
+            <a:endParaRPr lang="it-IT" sz="4800" b="1" dirty="0"/>
+          </a:p>
+        </p:txBody>
+      </p:sp>
+      <p:sp>
+        <p:nvSpPr>
+          <p:cNvPr id="3" name="Titolo 1"/>
+          <p:cNvSpPr txBox="1">
+            <a:spLocks/>
+          </p:cNvSpPr>
+          <p:nvPr/>
+        </p:nvSpPr>
+        <p:spPr>
+          <a:xfrm>
+            <a:off x="2915816" y="1340768"/>
+            <a:ext cx="3096344" cy="648072"/>
+          </a:xfrm>
+          <a:prstGeom prst="rect">
+            <a:avLst/>
+          </a:prstGeom>
+        </p:spPr>
+        <p:txBody>
+          <a:bodyPr vert="horz" lIns="0" tIns="45720" rIns="0" bIns="0" anchor="b">
+            <a:noAutofit/>
+            <a:scene3d>
+              <a:camera prst="orthographicFront"/>
+              <a:lightRig rig="freezing" dir="t">
+                <a:rot lat="0" lon="0" rev="5640000"/>
+              </a:lightRig>
+            </a:scene3d>
+            <a:sp3d prstMaterial="flat">
+              <a:contourClr>
+                <a:schemeClr val="tx2"/>
+              </a:contourClr>
+            </a:sp3d>
+          </a:bodyPr>
+          <a:lstStyle>
+            <a:lvl1pPr algn="l" rtl="0" eaLnBrk="1" latinLnBrk="0" hangingPunct="1">
+              <a:spcBef>
+                <a:spcPct val="0"/>
+              </a:spcBef>
+              <a:buNone/>
+              <a:defRPr kumimoji="0" sz="5000" b="0" kern="1200">
+                <a:ln>
+                  <a:noFill/>
+                </a:ln>
+                <a:solidFill>
+                  <a:schemeClr val="bg1"/>
+                </a:solidFill>
+                <a:effectLst/>
+                <a:latin typeface="+mj-lt"/>
+                <a:ea typeface="+mj-ea"/>
+                <a:cs typeface="+mj-cs"/>
+              </a:defRPr>
+            </a:lvl1pPr>
+          </a:lstStyle>
+          <a:p>
+            <a:pPr algn="ctr"/>
+            <a:r>
+              <a:rPr lang="it-IT" sz="3200" b="1" dirty="0" smtClean="0"/>
+              <a:t>Obiettivo</a:t>
+            </a:r>
+            <a:endParaRPr lang="it-IT" sz="3200" b="1" dirty="0"/>
+          </a:p>
+        </p:txBody>
+      </p:sp>
+      <p:sp>
+        <p:nvSpPr>
+          <p:cNvPr id="6" name="Rettangolo 5"/>
+          <p:cNvSpPr/>
+          <p:nvPr/>
+        </p:nvSpPr>
+        <p:spPr>
+          <a:xfrm>
+            <a:off x="374580" y="2492896"/>
+            <a:ext cx="8589908" cy="1384995"/>
+          </a:xfrm>
+          <a:prstGeom prst="rect">
+            <a:avLst/>
+          </a:prstGeom>
+        </p:spPr>
+        <p:txBody>
+          <a:bodyPr wrap="square">
+            <a:spAutoFit/>
+          </a:bodyPr>
+          <a:lstStyle/>
+          <a:p>
+            <a:r>
+              <a:rPr lang="it-IT" sz="2800" dirty="0"/>
+              <a:t>P</a:t>
+            </a:r>
+            <a:r>
+              <a:rPr lang="it-IT" sz="2800" dirty="0" smtClean="0"/>
+              <a:t>ermettere </a:t>
+            </a:r>
+            <a:r>
+              <a:rPr lang="it-IT" sz="2800" dirty="0"/>
+              <a:t>agli utenti di usufruire, in maniera semplice ed </a:t>
+            </a:r>
+            <a:r>
+              <a:rPr lang="it-IT" sz="2800" dirty="0" smtClean="0"/>
+              <a:t>efficiente, di un servizio che prevede la visualizzazione </a:t>
+            </a:r>
+            <a:r>
+              <a:rPr lang="it-IT" sz="2800" dirty="0"/>
+              <a:t>e controllo dei pagamenti effettuati dagli utenti.</a:t>
+            </a:r>
+            <a:endParaRPr lang="it-IT" sz="2800" dirty="0">
+              <a:effectLst/>
+            </a:endParaRPr>
+          </a:p>
+        </p:txBody>
+      </p:sp>
+      <p:pic>
+        <p:nvPicPr>
+          <p:cNvPr id="1026" name="Picture 2" descr="C:\Users\Marko\Desktop\pagamenti.jpg"/>
+          <p:cNvPicPr>
+            <a:picLocks noChangeAspect="1" noChangeArrowheads="1"/>
+          </p:cNvPicPr>
+          <p:nvPr/>
+        </p:nvPicPr>
+        <p:blipFill>
+          <a:blip r:embed="rId3">
+            <a:extLst>
+              <a:ext uri="{28A0092B-C50C-407E-A947-70E740481C1C}">
+                <a14:useLocalDpi xmlns:a14="http://schemas.microsoft.com/office/drawing/2010/main" val="0"/>
+              </a:ext>
+            </a:extLst>
+          </a:blip>
+          <a:srcRect/>
+          <a:stretch>
+            <a:fillRect/>
+          </a:stretch>
+        </p:blipFill>
+        <p:spPr bwMode="auto">
+          <a:xfrm>
+            <a:off x="6732240" y="4140165"/>
+            <a:ext cx="1905000" cy="2447925"/>
+          </a:xfrm>
+          <a:prstGeom prst="rect">
+            <a:avLst/>
+          </a:prstGeom>
+          <a:noFill/>
+          <a:extLst>
+            <a:ext uri="{909E8E84-426E-40DD-AFC4-6F175D3DCCD1}">
+              <a14:hiddenFill xmlns:a14="http://schemas.microsoft.com/office/drawing/2010/main">
+                <a:solidFill>
+                  <a:srgbClr val="FFFFFF"/>
+                </a:solidFill>
+              </a14:hiddenFill>
+            </a:ext>
+          </a:extLst>
+        </p:spPr>
+      </p:pic>
+    </p:spTree>
+    <p:extLst>
+      <p:ext uri="{BB962C8B-B14F-4D97-AF65-F5344CB8AC3E}">
+        <p14:creationId xmlns:p14="http://schemas.microsoft.com/office/powerpoint/2010/main" val="530534880"/>
+      </p:ext>
+    </p:extLst>
+  </p:cSld>
+  <p:clrMapOvr>
+    <a:masterClrMapping/>
+  </p:clrMapOvr>
+  <p:timing>
+    <p:tnLst>
+      <p:par>
+        <p:cTn id="1" dur="indefinite" restart="never" nodeType="tmRoot"/>
+      </p:par>
+    </p:tnLst>
+  </p:timing>
+</p:sld>
+</file>
+
+<file path=ppt/slides/slide5.xml><?xml version="1.0" encoding="utf-8"?>
+<p:sld xmlns:a="http://schemas.openxmlformats.org/drawingml/2006/main" xmlns:r="http://schemas.openxmlformats.org/officeDocument/2006/relationships" xmlns:p="http://schemas.openxmlformats.org/presentationml/2006/main">
+  <p:cSld>
+    <p:spTree>
+      <p:nvGrpSpPr>
+        <p:cNvPr id="1" name=""/>
+        <p:cNvGrpSpPr/>
+        <p:nvPr/>
+      </p:nvGrpSpPr>
+      <p:grpSpPr>
+        <a:xfrm>
+          <a:off x="0" y="0"/>
+          <a:ext cx="0" cy="0"/>
+          <a:chOff x="0" y="0"/>
+          <a:chExt cx="0" cy="0"/>
+        </a:xfrm>
+      </p:grpSpPr>
       <p:pic>
         <p:nvPicPr>
           <p:cNvPr id="1026" name="Picture 2" descr="C:\Users\Fr4nc3sc0\Desktop\at-silo\RAD\3 - Sistema proposto\attori.png"/>
@@ -10770,7 +11159,7 @@
           <a:blip r:embed="rId3" cstate="print">
             <a:extLst>
               <a:ext uri="{28A0092B-C50C-407E-A947-70E740481C1C}">
-                <a14:useLocalDpi xmlns:a14="http://schemas.microsoft.com/office/drawing/2010/main" xmlns="" val="0"/>
+                <a14:useLocalDpi xmlns:a14="http://schemas.microsoft.com/office/drawing/2010/main" val="0"/>
               </a:ext>
             </a:extLst>
           </a:blip>
@@ -10790,7 +11179,7 @@
           <a:noFill/>
           <a:extLst>
             <a:ext uri="{909E8E84-426E-40DD-AFC4-6F175D3DCCD1}">
-              <a14:hiddenFill xmlns:a14="http://schemas.microsoft.com/office/drawing/2010/main" xmlns="">
+              <a14:hiddenFill xmlns:a14="http://schemas.microsoft.com/office/drawing/2010/main">
                 <a:solidFill>
                   <a:srgbClr val="FFFFFF"/>
                 </a:solidFill>
@@ -11109,7 +11498,7 @@
     </p:spTree>
     <p:extLst>
       <p:ext uri="{BB962C8B-B14F-4D97-AF65-F5344CB8AC3E}">
-        <p14:creationId xmlns:p14="http://schemas.microsoft.com/office/powerpoint/2010/main" xmlns="" val="3983998448"/>
+        <p14:creationId xmlns:p14="http://schemas.microsoft.com/office/powerpoint/2010/main" val="3983998448"/>
       </p:ext>
     </p:extLst>
   </p:cSld>
@@ -11412,7 +11801,7 @@
 </p:sld>
 </file>
 
-<file path=ppt/slides/slide5.xml><?xml version="1.0" encoding="utf-8"?>
+<file path=ppt/slides/slide6.xml><?xml version="1.0" encoding="utf-8"?>
 <p:sld xmlns:a="http://schemas.openxmlformats.org/drawingml/2006/main" xmlns:r="http://schemas.openxmlformats.org/officeDocument/2006/relationships" xmlns:p="http://schemas.openxmlformats.org/presentationml/2006/main">
   <p:cSld>
     <p:spTree>
@@ -11475,7 +11864,7 @@
           <a:blip r:embed="rId2" cstate="print">
             <a:extLst>
               <a:ext uri="{28A0092B-C50C-407E-A947-70E740481C1C}">
-                <a14:useLocalDpi xmlns:a14="http://schemas.microsoft.com/office/drawing/2010/main" xmlns="" val="0"/>
+                <a14:useLocalDpi xmlns:a14="http://schemas.microsoft.com/office/drawing/2010/main" val="0"/>
               </a:ext>
             </a:extLst>
           </a:blip>
@@ -11495,7 +11884,7 @@
           <a:noFill/>
           <a:extLst>
             <a:ext uri="{909E8E84-426E-40DD-AFC4-6F175D3DCCD1}">
-              <a14:hiddenFill xmlns:a14="http://schemas.microsoft.com/office/drawing/2010/main" xmlns="">
+              <a14:hiddenFill xmlns:a14="http://schemas.microsoft.com/office/drawing/2010/main">
                 <a:solidFill>
                   <a:srgbClr val="FFFFFF"/>
                 </a:solidFill>
@@ -11590,201 +11979,18 @@
     </p:spTree>
     <p:extLst>
       <p:ext uri="{BB962C8B-B14F-4D97-AF65-F5344CB8AC3E}">
-        <p14:creationId xmlns:p14="http://schemas.microsoft.com/office/powerpoint/2010/main" xmlns="" val="3516333073"/>
+        <p14:creationId xmlns:p14="http://schemas.microsoft.com/office/powerpoint/2010/main" val="3516333073"/>
       </p:ext>
     </p:extLst>
   </p:cSld>
   <p:clrMapOvr>
     <a:masterClrMapping/>
   </p:clrMapOvr>
-  <mc:AlternateContent xmlns:mc="http://schemas.openxmlformats.org/markup-compatibility/2006">
-    <mc:Choice xmlns:p14="http://schemas.microsoft.com/office/powerpoint/2010/main" xmlns="" Requires="p14">
+  <mc:AlternateContent xmlns:mc="http://schemas.openxmlformats.org/markup-compatibility/2006" xmlns:p14="http://schemas.microsoft.com/office/powerpoint/2010/main">
+    <mc:Choice Requires="p14">
       <p:transition spd="slow" p14:dur="2000"/>
     </mc:Choice>
-    <mc:Fallback>
-      <p:transition spd="slow"/>
-    </mc:Fallback>
-  </mc:AlternateContent>
-  <p:timing>
-    <p:tnLst>
-      <p:par>
-        <p:cTn id="1" dur="indefinite" restart="never" nodeType="tmRoot"/>
-      </p:par>
-    </p:tnLst>
-  </p:timing>
-</p:sld>
-</file>
-
-<file path=ppt/slides/slide6.xml><?xml version="1.0" encoding="utf-8"?>
-<p:sld xmlns:a="http://schemas.openxmlformats.org/drawingml/2006/main" xmlns:r="http://schemas.openxmlformats.org/officeDocument/2006/relationships" xmlns:p="http://schemas.openxmlformats.org/presentationml/2006/main">
-  <p:cSld>
-    <p:spTree>
-      <p:nvGrpSpPr>
-        <p:cNvPr id="1" name=""/>
-        <p:cNvGrpSpPr/>
-        <p:nvPr/>
-      </p:nvGrpSpPr>
-      <p:grpSpPr>
-        <a:xfrm>
-          <a:off x="0" y="0"/>
-          <a:ext cx="0" cy="0"/>
-          <a:chOff x="0" y="0"/>
-          <a:chExt cx="0" cy="0"/>
-        </a:xfrm>
-      </p:grpSpPr>
-      <p:sp>
-        <p:nvSpPr>
-          <p:cNvPr id="2" name="CasellaDiTesto 1"/>
-          <p:cNvSpPr txBox="1"/>
-          <p:nvPr/>
-        </p:nvSpPr>
-        <p:spPr>
-          <a:xfrm>
-            <a:off x="2313062" y="660807"/>
-            <a:ext cx="4392488" cy="646331"/>
-          </a:xfrm>
-          <a:prstGeom prst="rect">
-            <a:avLst/>
-          </a:prstGeom>
-          <a:noFill/>
-        </p:spPr>
-        <p:txBody>
-          <a:bodyPr wrap="square" rtlCol="0">
-            <a:spAutoFit/>
-          </a:bodyPr>
-          <a:lstStyle/>
-          <a:p>
-            <a:pPr algn="ctr"/>
-            <a:r>
-              <a:rPr lang="it-IT" sz="3600" b="1" dirty="0" smtClean="0">
-                <a:solidFill>
-                  <a:srgbClr val="000000"/>
-                </a:solidFill>
-              </a:rPr>
-              <a:t>Genitore</a:t>
-            </a:r>
-          </a:p>
-        </p:txBody>
-      </p:sp>
-      <p:pic>
-        <p:nvPicPr>
-          <p:cNvPr id="4" name="Picture 2" descr="C:\Users\Marko\Desktop\genitori-1.jpg"/>
-          <p:cNvPicPr>
-            <a:picLocks noChangeAspect="1" noChangeArrowheads="1"/>
-          </p:cNvPicPr>
-          <p:nvPr/>
-        </p:nvPicPr>
-        <p:blipFill>
-          <a:blip r:embed="rId2" cstate="print">
-            <a:extLst>
-              <a:ext uri="{28A0092B-C50C-407E-A947-70E740481C1C}">
-                <a14:useLocalDpi xmlns:a14="http://schemas.microsoft.com/office/drawing/2010/main" xmlns="" val="0"/>
-              </a:ext>
-            </a:extLst>
-          </a:blip>
-          <a:srcRect/>
-          <a:stretch>
-            <a:fillRect/>
-          </a:stretch>
-        </p:blipFill>
-        <p:spPr bwMode="auto">
-          <a:xfrm>
-            <a:off x="5567999" y="3068962"/>
-            <a:ext cx="3576001" cy="3702126"/>
-          </a:xfrm>
-          <a:prstGeom prst="rect">
-            <a:avLst/>
-          </a:prstGeom>
-          <a:noFill/>
-          <a:extLst>
-            <a:ext uri="{909E8E84-426E-40DD-AFC4-6F175D3DCCD1}">
-              <a14:hiddenFill xmlns:a14="http://schemas.microsoft.com/office/drawing/2010/main" xmlns="">
-                <a:solidFill>
-                  <a:srgbClr val="FFFFFF"/>
-                </a:solidFill>
-              </a14:hiddenFill>
-            </a:ext>
-          </a:extLst>
-        </p:spPr>
-      </p:pic>
-      <p:sp>
-        <p:nvSpPr>
-          <p:cNvPr id="5" name="CasellaDiTesto 4"/>
-          <p:cNvSpPr txBox="1"/>
-          <p:nvPr/>
-        </p:nvSpPr>
-        <p:spPr>
-          <a:xfrm>
-            <a:off x="406996" y="1628800"/>
-            <a:ext cx="5328592" cy="2215991"/>
-          </a:xfrm>
-          <a:prstGeom prst="rect">
-            <a:avLst/>
-          </a:prstGeom>
-          <a:noFill/>
-        </p:spPr>
-        <p:txBody>
-          <a:bodyPr wrap="square" rtlCol="0">
-            <a:spAutoFit/>
-          </a:bodyPr>
-          <a:lstStyle/>
-          <a:p>
-            <a:endParaRPr lang="it-IT" sz="2400" dirty="0" smtClean="0"/>
-          </a:p>
-          <a:p>
-            <a:pPr marL="342900" indent="-342900">
-              <a:buFont typeface="Wingdings" pitchFamily="2" charset="2"/>
-              <a:buChar char="v"/>
-            </a:pPr>
-            <a:r>
-              <a:rPr lang="it-IT" sz="2400" dirty="0" smtClean="0"/>
-              <a:t>Visualizzare lo storico dei pagamenti</a:t>
-            </a:r>
-          </a:p>
-          <a:p>
-            <a:pPr marL="342900" indent="-342900">
-              <a:buFont typeface="Wingdings" pitchFamily="2" charset="2"/>
-              <a:buChar char="v"/>
-            </a:pPr>
-            <a:r>
-              <a:rPr lang="it-IT" sz="2400" dirty="0" smtClean="0"/>
-              <a:t>Visualizzare la fattura mensile</a:t>
-            </a:r>
-          </a:p>
-          <a:p>
-            <a:pPr marL="285750" indent="-285750">
-              <a:buFont typeface="Arial" pitchFamily="34" charset="0"/>
-              <a:buChar char="•"/>
-            </a:pPr>
-            <a:endParaRPr lang="it-IT" sz="2400" dirty="0" smtClean="0"/>
-          </a:p>
-          <a:p>
-            <a:pPr marL="285750" indent="-285750">
-              <a:buFont typeface="Arial" pitchFamily="34" charset="0"/>
-              <a:buChar char="•"/>
-            </a:pPr>
-            <a:endParaRPr lang="it-IT" sz="2400" dirty="0" smtClean="0"/>
-          </a:p>
-          <a:p>
-            <a:endParaRPr lang="it-IT" dirty="0"/>
-          </a:p>
-        </p:txBody>
-      </p:sp>
-    </p:spTree>
-    <p:extLst>
-      <p:ext uri="{BB962C8B-B14F-4D97-AF65-F5344CB8AC3E}">
-        <p14:creationId xmlns:p14="http://schemas.microsoft.com/office/powerpoint/2010/main" xmlns="" val="576094641"/>
-      </p:ext>
-    </p:extLst>
-  </p:cSld>
-  <p:clrMapOvr>
-    <a:masterClrMapping/>
-  </p:clrMapOvr>
-  <mc:AlternateContent xmlns:mc="http://schemas.openxmlformats.org/markup-compatibility/2006">
-    <mc:Choice xmlns:p14="http://schemas.microsoft.com/office/powerpoint/2010/main" xmlns="" Requires="p14">
-      <p:transition spd="slow" p14:dur="2000"/>
-    </mc:Choice>
-    <mc:Fallback>
+    <mc:Fallback xmlns="">
       <p:transition spd="slow"/>
     </mc:Fallback>
   </mc:AlternateContent>
@@ -11817,6 +12023,189 @@
       </p:grpSpPr>
       <p:sp>
         <p:nvSpPr>
+          <p:cNvPr id="2" name="CasellaDiTesto 1"/>
+          <p:cNvSpPr txBox="1"/>
+          <p:nvPr/>
+        </p:nvSpPr>
+        <p:spPr>
+          <a:xfrm>
+            <a:off x="2313062" y="660807"/>
+            <a:ext cx="4392488" cy="646331"/>
+          </a:xfrm>
+          <a:prstGeom prst="rect">
+            <a:avLst/>
+          </a:prstGeom>
+          <a:noFill/>
+        </p:spPr>
+        <p:txBody>
+          <a:bodyPr wrap="square" rtlCol="0">
+            <a:spAutoFit/>
+          </a:bodyPr>
+          <a:lstStyle/>
+          <a:p>
+            <a:pPr algn="ctr"/>
+            <a:r>
+              <a:rPr lang="it-IT" sz="3600" b="1" dirty="0" smtClean="0">
+                <a:solidFill>
+                  <a:srgbClr val="000000"/>
+                </a:solidFill>
+              </a:rPr>
+              <a:t>Genitore</a:t>
+            </a:r>
+          </a:p>
+        </p:txBody>
+      </p:sp>
+      <p:pic>
+        <p:nvPicPr>
+          <p:cNvPr id="4" name="Picture 2" descr="C:\Users\Marko\Desktop\genitori-1.jpg"/>
+          <p:cNvPicPr>
+            <a:picLocks noChangeAspect="1" noChangeArrowheads="1"/>
+          </p:cNvPicPr>
+          <p:nvPr/>
+        </p:nvPicPr>
+        <p:blipFill>
+          <a:blip r:embed="rId2" cstate="print">
+            <a:extLst>
+              <a:ext uri="{28A0092B-C50C-407E-A947-70E740481C1C}">
+                <a14:useLocalDpi xmlns:a14="http://schemas.microsoft.com/office/drawing/2010/main" val="0"/>
+              </a:ext>
+            </a:extLst>
+          </a:blip>
+          <a:srcRect/>
+          <a:stretch>
+            <a:fillRect/>
+          </a:stretch>
+        </p:blipFill>
+        <p:spPr bwMode="auto">
+          <a:xfrm>
+            <a:off x="5567999" y="3068962"/>
+            <a:ext cx="3576001" cy="3702126"/>
+          </a:xfrm>
+          <a:prstGeom prst="rect">
+            <a:avLst/>
+          </a:prstGeom>
+          <a:noFill/>
+          <a:extLst>
+            <a:ext uri="{909E8E84-426E-40DD-AFC4-6F175D3DCCD1}">
+              <a14:hiddenFill xmlns:a14="http://schemas.microsoft.com/office/drawing/2010/main">
+                <a:solidFill>
+                  <a:srgbClr val="FFFFFF"/>
+                </a:solidFill>
+              </a14:hiddenFill>
+            </a:ext>
+          </a:extLst>
+        </p:spPr>
+      </p:pic>
+      <p:sp>
+        <p:nvSpPr>
+          <p:cNvPr id="5" name="CasellaDiTesto 4"/>
+          <p:cNvSpPr txBox="1"/>
+          <p:nvPr/>
+        </p:nvSpPr>
+        <p:spPr>
+          <a:xfrm>
+            <a:off x="406996" y="1628800"/>
+            <a:ext cx="5328592" cy="2215991"/>
+          </a:xfrm>
+          <a:prstGeom prst="rect">
+            <a:avLst/>
+          </a:prstGeom>
+          <a:noFill/>
+        </p:spPr>
+        <p:txBody>
+          <a:bodyPr wrap="square" rtlCol="0">
+            <a:spAutoFit/>
+          </a:bodyPr>
+          <a:lstStyle/>
+          <a:p>
+            <a:endParaRPr lang="it-IT" sz="2400" dirty="0" smtClean="0"/>
+          </a:p>
+          <a:p>
+            <a:pPr marL="342900" indent="-342900">
+              <a:buFont typeface="Wingdings" pitchFamily="2" charset="2"/>
+              <a:buChar char="v"/>
+            </a:pPr>
+            <a:r>
+              <a:rPr lang="it-IT" sz="2400" dirty="0" smtClean="0"/>
+              <a:t>Visualizzare lo storico dei pagamenti</a:t>
+            </a:r>
+          </a:p>
+          <a:p>
+            <a:pPr marL="342900" indent="-342900">
+              <a:buFont typeface="Wingdings" pitchFamily="2" charset="2"/>
+              <a:buChar char="v"/>
+            </a:pPr>
+            <a:r>
+              <a:rPr lang="it-IT" sz="2400" dirty="0" smtClean="0"/>
+              <a:t>Visualizzare la fattura mensile</a:t>
+            </a:r>
+          </a:p>
+          <a:p>
+            <a:pPr marL="285750" indent="-285750">
+              <a:buFont typeface="Arial" pitchFamily="34" charset="0"/>
+              <a:buChar char="•"/>
+            </a:pPr>
+            <a:endParaRPr lang="it-IT" sz="2400" dirty="0" smtClean="0"/>
+          </a:p>
+          <a:p>
+            <a:pPr marL="285750" indent="-285750">
+              <a:buFont typeface="Arial" pitchFamily="34" charset="0"/>
+              <a:buChar char="•"/>
+            </a:pPr>
+            <a:endParaRPr lang="it-IT" sz="2400" dirty="0" smtClean="0"/>
+          </a:p>
+          <a:p>
+            <a:endParaRPr lang="it-IT" dirty="0"/>
+          </a:p>
+        </p:txBody>
+      </p:sp>
+    </p:spTree>
+    <p:extLst>
+      <p:ext uri="{BB962C8B-B14F-4D97-AF65-F5344CB8AC3E}">
+        <p14:creationId xmlns:p14="http://schemas.microsoft.com/office/powerpoint/2010/main" val="576094641"/>
+      </p:ext>
+    </p:extLst>
+  </p:cSld>
+  <p:clrMapOvr>
+    <a:masterClrMapping/>
+  </p:clrMapOvr>
+  <mc:AlternateContent xmlns:mc="http://schemas.openxmlformats.org/markup-compatibility/2006" xmlns:p14="http://schemas.microsoft.com/office/powerpoint/2010/main">
+    <mc:Choice Requires="p14">
+      <p:transition spd="slow" p14:dur="2000"/>
+    </mc:Choice>
+    <mc:Fallback xmlns="">
+      <p:transition spd="slow"/>
+    </mc:Fallback>
+  </mc:AlternateContent>
+  <p:timing>
+    <p:tnLst>
+      <p:par>
+        <p:cTn id="1" dur="indefinite" restart="never" nodeType="tmRoot"/>
+      </p:par>
+    </p:tnLst>
+  </p:timing>
+</p:sld>
+</file>
+
+<file path=ppt/slides/slide8.xml><?xml version="1.0" encoding="utf-8"?>
+<p:sld xmlns:a="http://schemas.openxmlformats.org/drawingml/2006/main" xmlns:r="http://schemas.openxmlformats.org/officeDocument/2006/relationships" xmlns:p="http://schemas.openxmlformats.org/presentationml/2006/main">
+  <p:cSld>
+    <p:spTree>
+      <p:nvGrpSpPr>
+        <p:cNvPr id="1" name=""/>
+        <p:cNvGrpSpPr/>
+        <p:nvPr/>
+      </p:nvGrpSpPr>
+      <p:grpSpPr>
+        <a:xfrm>
+          <a:off x="0" y="0"/>
+          <a:ext cx="0" cy="0"/>
+          <a:chOff x="0" y="0"/>
+          <a:chExt cx="0" cy="0"/>
+        </a:xfrm>
+      </p:grpSpPr>
+      <p:sp>
+        <p:nvSpPr>
           <p:cNvPr id="2" name="Titolo 1"/>
           <p:cNvSpPr>
             <a:spLocks noGrp="1"/>
@@ -12057,7 +12446,7 @@
           <a:blip r:embed="rId2" cstate="print">
             <a:extLst>
               <a:ext uri="{28A0092B-C50C-407E-A947-70E740481C1C}">
-                <a14:useLocalDpi xmlns:a14="http://schemas.microsoft.com/office/drawing/2010/main" xmlns="" val="0"/>
+                <a14:useLocalDpi xmlns:a14="http://schemas.microsoft.com/office/drawing/2010/main" val="0"/>
               </a:ext>
             </a:extLst>
           </a:blip>
@@ -12077,7 +12466,7 @@
           <a:noFill/>
           <a:extLst>
             <a:ext uri="{909E8E84-426E-40DD-AFC4-6F175D3DCCD1}">
-              <a14:hiddenFill xmlns:a14="http://schemas.microsoft.com/office/drawing/2010/main" xmlns="">
+              <a14:hiddenFill xmlns:a14="http://schemas.microsoft.com/office/drawing/2010/main">
                 <a:solidFill>
                   <a:srgbClr val="FFFFFF"/>
                 </a:solidFill>
@@ -12353,7 +12742,7 @@
     </p:spTree>
     <p:extLst>
       <p:ext uri="{BB962C8B-B14F-4D97-AF65-F5344CB8AC3E}">
-        <p14:creationId xmlns:p14="http://schemas.microsoft.com/office/powerpoint/2010/main" xmlns="" val="4188503847"/>
+        <p14:creationId xmlns:p14="http://schemas.microsoft.com/office/powerpoint/2010/main" val="4188503847"/>
       </p:ext>
     </p:extLst>
   </p:cSld>
@@ -12496,7 +12885,7 @@
 </p:sld>
 </file>
 
-<file path=ppt/slides/slide8.xml><?xml version="1.0" encoding="utf-8"?>
+<file path=ppt/slides/slide9.xml><?xml version="1.0" encoding="utf-8"?>
 <p:sld xmlns:a="http://schemas.openxmlformats.org/drawingml/2006/main" xmlns:r="http://schemas.openxmlformats.org/officeDocument/2006/relationships" xmlns:p="http://schemas.openxmlformats.org/presentationml/2006/main">
   <p:cSld>
     <p:spTree>
@@ -13221,7 +13610,7 @@
           <a:blip r:embed="rId2" cstate="print">
             <a:extLst>
               <a:ext uri="{28A0092B-C50C-407E-A947-70E740481C1C}">
-                <a14:useLocalDpi xmlns:a14="http://schemas.microsoft.com/office/drawing/2010/main" xmlns="" val="0"/>
+                <a14:useLocalDpi xmlns:a14="http://schemas.microsoft.com/office/drawing/2010/main" val="0"/>
               </a:ext>
             </a:extLst>
           </a:blip>
@@ -13245,14 +13634,14 @@
           <a:effectLst/>
           <a:extLst>
             <a:ext uri="{909E8E84-426E-40DD-AFC4-6F175D3DCCD1}">
-              <a14:hiddenFill xmlns:a14="http://schemas.microsoft.com/office/drawing/2010/main" xmlns="">
+              <a14:hiddenFill xmlns:a14="http://schemas.microsoft.com/office/drawing/2010/main">
                 <a:solidFill>
                   <a:schemeClr val="accent1"/>
                 </a:solidFill>
               </a14:hiddenFill>
             </a:ext>
             <a:ext uri="{91240B29-F687-4F45-9708-019B960494DF}">
-              <a14:hiddenLine xmlns:a14="http://schemas.microsoft.com/office/drawing/2010/main" xmlns="" w="9525">
+              <a14:hiddenLine xmlns:a14="http://schemas.microsoft.com/office/drawing/2010/main" w="9525">
                 <a:solidFill>
                   <a:schemeClr val="tx1"/>
                 </a:solidFill>
@@ -13262,7 +13651,7 @@
               </a14:hiddenLine>
             </a:ext>
             <a:ext uri="{AF507438-7753-43E0-B8FC-AC1667EBCBE1}">
-              <a14:hiddenEffects xmlns:a14="http://schemas.microsoft.com/office/drawing/2010/main" xmlns="">
+              <a14:hiddenEffects xmlns:a14="http://schemas.microsoft.com/office/drawing/2010/main">
                 <a:effectLst>
                   <a:outerShdw dist="35921" dir="2700000" algn="ctr" rotWithShape="0">
                     <a:schemeClr val="bg2"/>
@@ -13276,129 +13665,7 @@
     </p:spTree>
     <p:extLst>
       <p:ext uri="{BB962C8B-B14F-4D97-AF65-F5344CB8AC3E}">
-        <p14:creationId xmlns:p14="http://schemas.microsoft.com/office/powerpoint/2010/main" xmlns="" val="1896188625"/>
-      </p:ext>
-    </p:extLst>
-  </p:cSld>
-  <p:clrMapOvr>
-    <a:masterClrMapping/>
-  </p:clrMapOvr>
-  <p:timing>
-    <p:tnLst>
-      <p:par>
-        <p:cTn id="1" dur="indefinite" restart="never" nodeType="tmRoot"/>
-      </p:par>
-    </p:tnLst>
-  </p:timing>
-</p:sld>
-</file>
-
-<file path=ppt/slides/slide9.xml><?xml version="1.0" encoding="utf-8"?>
-<p:sld xmlns:a="http://schemas.openxmlformats.org/drawingml/2006/main" xmlns:r="http://schemas.openxmlformats.org/officeDocument/2006/relationships" xmlns:p="http://schemas.openxmlformats.org/presentationml/2006/main">
-  <p:cSld>
-    <p:spTree>
-      <p:nvGrpSpPr>
-        <p:cNvPr id="1" name=""/>
-        <p:cNvGrpSpPr/>
-        <p:nvPr/>
-      </p:nvGrpSpPr>
-      <p:grpSpPr>
-        <a:xfrm>
-          <a:off x="0" y="0"/>
-          <a:ext cx="0" cy="0"/>
-          <a:chOff x="0" y="0"/>
-          <a:chExt cx="0" cy="0"/>
-        </a:xfrm>
-      </p:grpSpPr>
-      <p:sp>
-        <p:nvSpPr>
-          <p:cNvPr id="3" name="CasellaDiTesto 2"/>
-          <p:cNvSpPr txBox="1"/>
-          <p:nvPr/>
-        </p:nvSpPr>
-        <p:spPr>
-          <a:xfrm>
-            <a:off x="2760544" y="471869"/>
-            <a:ext cx="3937873" cy="861774"/>
-          </a:xfrm>
-          <a:prstGeom prst="rect">
-            <a:avLst/>
-          </a:prstGeom>
-          <a:noFill/>
-        </p:spPr>
-        <p:txBody>
-          <a:bodyPr wrap="none" rtlCol="0">
-            <a:spAutoFit/>
-          </a:bodyPr>
-          <a:lstStyle/>
-          <a:p>
-            <a:pPr algn="ctr"/>
-            <a:r>
-              <a:rPr lang="it-IT" sz="3200" b="1" dirty="0">
-                <a:latin typeface="+mj-lt"/>
-              </a:rPr>
-              <a:t> </a:t>
-            </a:r>
-            <a:r>
-              <a:rPr lang="it-IT" sz="3200" b="1" dirty="0" smtClean="0">
-                <a:latin typeface="+mj-lt"/>
-              </a:rPr>
-              <a:t>Use Case Diagram 0.9</a:t>
-            </a:r>
-          </a:p>
-          <a:p>
-            <a:pPr algn="ctr"/>
-            <a:endParaRPr lang="it-IT" dirty="0">
-              <a:latin typeface="+mj-lt"/>
-            </a:endParaRPr>
-          </a:p>
-        </p:txBody>
-      </p:sp>
-      <p:pic>
-        <p:nvPicPr>
-          <p:cNvPr id="1026" name="Picture 2" descr="C:\Users\Marko\Desktop\Class_Diagram_Pagamenti buono.png"/>
-          <p:cNvPicPr>
-            <a:picLocks noChangeAspect="1" noChangeArrowheads="1"/>
-          </p:cNvPicPr>
-          <p:nvPr/>
-        </p:nvPicPr>
-        <p:blipFill>
-          <a:blip r:embed="rId3" cstate="print">
-            <a:extLst>
-              <a:ext uri="{28A0092B-C50C-407E-A947-70E740481C1C}">
-                <a14:useLocalDpi xmlns:a14="http://schemas.microsoft.com/office/drawing/2010/main" xmlns="" val="0"/>
-              </a:ext>
-            </a:extLst>
-          </a:blip>
-          <a:srcRect/>
-          <a:stretch>
-            <a:fillRect/>
-          </a:stretch>
-        </p:blipFill>
-        <p:spPr bwMode="auto">
-          <a:xfrm>
-            <a:off x="34022" y="1196752"/>
-            <a:ext cx="9144000" cy="5328592"/>
-          </a:xfrm>
-          <a:prstGeom prst="rect">
-            <a:avLst/>
-          </a:prstGeom>
-          <a:noFill/>
-          <a:extLst>
-            <a:ext uri="{909E8E84-426E-40DD-AFC4-6F175D3DCCD1}">
-              <a14:hiddenFill xmlns:a14="http://schemas.microsoft.com/office/drawing/2010/main" xmlns="">
-                <a:solidFill>
-                  <a:srgbClr val="FFFFFF"/>
-                </a:solidFill>
-              </a14:hiddenFill>
-            </a:ext>
-          </a:extLst>
-        </p:spPr>
-      </p:pic>
-    </p:spTree>
-    <p:extLst>
-      <p:ext uri="{BB962C8B-B14F-4D97-AF65-F5344CB8AC3E}">
-        <p14:creationId xmlns:p14="http://schemas.microsoft.com/office/powerpoint/2010/main" xmlns="" val="1417486241"/>
+        <p14:creationId xmlns:p14="http://schemas.microsoft.com/office/powerpoint/2010/main" val="1896188625"/>
       </p:ext>
     </p:extLst>
   </p:cSld>

--- a/trunk/Presentazione/Atsilo2/Atsilo_M_PresentazioneFinale.pptx
+++ b/trunk/Presentazione/Atsilo2/Atsilo_M_PresentazioneFinale.pptx
@@ -5,7 +5,7 @@
     <p:sldMasterId id="2147483684" r:id="rId1"/>
   </p:sldMasterIdLst>
   <p:notesMasterIdLst>
-    <p:notesMasterId r:id="rId35"/>
+    <p:notesMasterId r:id="rId43"/>
   </p:notesMasterIdLst>
   <p:sldIdLst>
     <p:sldId id="256" r:id="rId2"/>
@@ -25,8 +25,8 @@
     <p:sldId id="268" r:id="rId16"/>
     <p:sldId id="269" r:id="rId17"/>
     <p:sldId id="270" r:id="rId18"/>
-    <p:sldId id="271" r:id="rId19"/>
-    <p:sldId id="288" r:id="rId20"/>
+    <p:sldId id="288" r:id="rId19"/>
+    <p:sldId id="271" r:id="rId20"/>
     <p:sldId id="272" r:id="rId21"/>
     <p:sldId id="273" r:id="rId22"/>
     <p:sldId id="274" r:id="rId23"/>
@@ -41,6 +41,14 @@
     <p:sldId id="283" r:id="rId32"/>
     <p:sldId id="284" r:id="rId33"/>
     <p:sldId id="285" r:id="rId34"/>
+    <p:sldId id="297" r:id="rId35"/>
+    <p:sldId id="290" r:id="rId36"/>
+    <p:sldId id="291" r:id="rId37"/>
+    <p:sldId id="292" r:id="rId38"/>
+    <p:sldId id="293" r:id="rId39"/>
+    <p:sldId id="294" r:id="rId40"/>
+    <p:sldId id="295" r:id="rId41"/>
+    <p:sldId id="296" r:id="rId42"/>
   </p:sldIdLst>
   <p:sldSz cx="9144000" cy="6858000" type="screen4x3"/>
   <p:notesSz cx="6858000" cy="9144000"/>
@@ -419,7 +427,7 @@
     </p:spTree>
     <p:extLst>
       <p:ext uri="{BB962C8B-B14F-4D97-AF65-F5344CB8AC3E}">
-        <p14:creationId xmlns:p14="http://schemas.microsoft.com/office/powerpoint/2010/main" val="2126419590"/>
+        <p14:creationId xmlns="" xmlns:p14="http://schemas.microsoft.com/office/powerpoint/2010/main" val="2126419590"/>
       </p:ext>
     </p:extLst>
   </p:cSld>
@@ -594,7 +602,7 @@
     </p:spTree>
     <p:extLst>
       <p:ext uri="{BB962C8B-B14F-4D97-AF65-F5344CB8AC3E}">
-        <p14:creationId xmlns:p14="http://schemas.microsoft.com/office/powerpoint/2010/main" val="3122029082"/>
+        <p14:creationId xmlns="" xmlns:p14="http://schemas.microsoft.com/office/powerpoint/2010/main" val="3122029082"/>
       </p:ext>
     </p:extLst>
   </p:cSld>
@@ -687,7 +695,7 @@
     </p:spTree>
     <p:extLst>
       <p:ext uri="{BB962C8B-B14F-4D97-AF65-F5344CB8AC3E}">
-        <p14:creationId xmlns:p14="http://schemas.microsoft.com/office/powerpoint/2010/main" val="3771085237"/>
+        <p14:creationId xmlns="" xmlns:p14="http://schemas.microsoft.com/office/powerpoint/2010/main" val="3771085237"/>
       </p:ext>
     </p:extLst>
   </p:cSld>
@@ -839,7 +847,7 @@
     </p:spTree>
     <p:extLst>
       <p:ext uri="{BB962C8B-B14F-4D97-AF65-F5344CB8AC3E}">
-        <p14:creationId xmlns:p14="http://schemas.microsoft.com/office/powerpoint/2010/main" val="2716859324"/>
+        <p14:creationId xmlns="" xmlns:p14="http://schemas.microsoft.com/office/powerpoint/2010/main" val="2716859324"/>
       </p:ext>
     </p:extLst>
   </p:cSld>
@@ -923,7 +931,7 @@
             <a:fld id="{D70604CA-7593-4640-8FA1-5523937B8510}" type="slidenum">
               <a:rPr lang="it-IT" smtClean="0"/>
               <a:pPr/>
-              <a:t>19</a:t>
+              <a:t>18</a:t>
             </a:fld>
             <a:endParaRPr lang="it-IT"/>
           </a:p>
@@ -932,7 +940,7 @@
     </p:spTree>
     <p:extLst>
       <p:ext uri="{BB962C8B-B14F-4D97-AF65-F5344CB8AC3E}">
-        <p14:creationId xmlns:p14="http://schemas.microsoft.com/office/powerpoint/2010/main" val="3122029082"/>
+        <p14:creationId xmlns="" xmlns:p14="http://schemas.microsoft.com/office/powerpoint/2010/main" val="3122029082"/>
       </p:ext>
     </p:extLst>
   </p:cSld>
@@ -1107,7 +1115,7 @@
     </p:spTree>
     <p:extLst>
       <p:ext uri="{BB962C8B-B14F-4D97-AF65-F5344CB8AC3E}">
-        <p14:creationId xmlns:p14="http://schemas.microsoft.com/office/powerpoint/2010/main" val="2716859324"/>
+        <p14:creationId xmlns="" xmlns:p14="http://schemas.microsoft.com/office/powerpoint/2010/main" val="2716859324"/>
       </p:ext>
     </p:extLst>
   </p:cSld>
@@ -1199,9 +1207,485 @@
     </p:spTree>
     <p:extLst>
       <p:ext uri="{BB962C8B-B14F-4D97-AF65-F5344CB8AC3E}">
-        <p14:creationId xmlns:p14="http://schemas.microsoft.com/office/powerpoint/2010/main" val="1159000954"/>
+        <p14:creationId xmlns="" xmlns:p14="http://schemas.microsoft.com/office/powerpoint/2010/main" val="1159000954"/>
       </p:ext>
     </p:extLst>
+  </p:cSld>
+  <p:clrMapOvr>
+    <a:masterClrMapping/>
+  </p:clrMapOvr>
+</p:notes>
+</file>
+
+<file path=ppt/notesSlides/notesSlide15.xml><?xml version="1.0" encoding="utf-8"?>
+<p:notes xmlns:a="http://schemas.openxmlformats.org/drawingml/2006/main" xmlns:r="http://schemas.openxmlformats.org/officeDocument/2006/relationships" xmlns:p="http://schemas.openxmlformats.org/presentationml/2006/main">
+  <p:cSld>
+    <p:spTree>
+      <p:nvGrpSpPr>
+        <p:cNvPr id="1" name=""/>
+        <p:cNvGrpSpPr/>
+        <p:nvPr/>
+      </p:nvGrpSpPr>
+      <p:grpSpPr>
+        <a:xfrm>
+          <a:off x="0" y="0"/>
+          <a:ext cx="0" cy="0"/>
+          <a:chOff x="0" y="0"/>
+          <a:chExt cx="0" cy="0"/>
+        </a:xfrm>
+      </p:grpSpPr>
+      <p:sp>
+        <p:nvSpPr>
+          <p:cNvPr id="2" name="Segnaposto immagine diapositiva 1"/>
+          <p:cNvSpPr>
+            <a:spLocks noGrp="1" noRot="1" noChangeAspect="1"/>
+          </p:cNvSpPr>
+          <p:nvPr>
+            <p:ph type="sldImg"/>
+          </p:nvPr>
+        </p:nvSpPr>
+        <p:spPr/>
+      </p:sp>
+      <p:sp>
+        <p:nvSpPr>
+          <p:cNvPr id="3" name="Segnaposto note 2"/>
+          <p:cNvSpPr>
+            <a:spLocks noGrp="1"/>
+          </p:cNvSpPr>
+          <p:nvPr>
+            <p:ph type="body" idx="1"/>
+          </p:nvPr>
+        </p:nvSpPr>
+        <p:spPr/>
+        <p:txBody>
+          <a:bodyPr>
+            <a:normAutofit/>
+          </a:bodyPr>
+          <a:lstStyle/>
+          <a:p>
+            <a:pPr marL="514350" indent="-514350">
+              <a:buFont typeface="+mj-lt"/>
+              <a:buAutoNum type="arabicParenR"/>
+            </a:pPr>
+            <a:r>
+              <a:rPr lang="it-IT" sz="1200" b="1" dirty="0" err="1" smtClean="0"/>
+              <a:t>Presentation</a:t>
+            </a:r>
+            <a:r>
+              <a:rPr lang="it-IT" sz="1200" b="1" dirty="0" smtClean="0"/>
+              <a:t>: </a:t>
+            </a:r>
+            <a:r>
+              <a:rPr lang="it-IT" sz="1200" dirty="0" smtClean="0"/>
+              <a:t>raccoglie i sottosistemi adibiti alla gestione delle interfacce grafiche:</a:t>
+            </a:r>
+          </a:p>
+          <a:p>
+            <a:pPr marL="514350" indent="-514350">
+              <a:buFont typeface="+mj-lt"/>
+              <a:buAutoNum type="arabicParenR"/>
+            </a:pPr>
+            <a:r>
+              <a:rPr lang="it-IT" sz="1200" b="1" dirty="0" err="1" smtClean="0"/>
+              <a:t>Application</a:t>
+            </a:r>
+            <a:r>
+              <a:rPr lang="it-IT" sz="1200" dirty="0" smtClean="0"/>
+              <a:t>: si occupa della gestione della logica applicativa del sistema;</a:t>
+            </a:r>
+          </a:p>
+          <a:p>
+            <a:pPr marL="514350" indent="-514350"/>
+            <a:r>
+              <a:rPr lang="it-IT" sz="1200" b="1" dirty="0" smtClean="0"/>
+              <a:t>3)</a:t>
+            </a:r>
+            <a:r>
+              <a:rPr lang="it-IT" sz="1200" b="1" baseline="0" dirty="0" smtClean="0"/>
+              <a:t> </a:t>
+            </a:r>
+            <a:r>
+              <a:rPr lang="it-IT" sz="1200" b="1" dirty="0" err="1" smtClean="0"/>
+              <a:t>Beans</a:t>
+            </a:r>
+            <a:r>
+              <a:rPr lang="it-IT" sz="1200" dirty="0" smtClean="0"/>
+              <a:t>: si occupa della gestione e dello scambio dei dati tra i sistemi; </a:t>
+            </a:r>
+          </a:p>
+          <a:p>
+            <a:pPr marL="514350" indent="-514350"/>
+            <a:r>
+              <a:rPr lang="it-IT" sz="1200" b="1" dirty="0" smtClean="0"/>
+              <a:t>5)	</a:t>
+            </a:r>
+            <a:r>
+              <a:rPr lang="it-IT" sz="1200" b="1" dirty="0" err="1" smtClean="0"/>
+              <a:t>Storage</a:t>
+            </a:r>
+            <a:r>
+              <a:rPr lang="it-IT" sz="1200" dirty="0" smtClean="0"/>
+              <a:t>: sistema che gestisce ed immagazzina i dati persistenti:</a:t>
+            </a:r>
+          </a:p>
+          <a:p>
+            <a:pPr marL="514350" indent="-514350"/>
+            <a:r>
+              <a:rPr lang="it-IT" sz="1200" b="1" dirty="0" smtClean="0"/>
+              <a:t>6)	</a:t>
+            </a:r>
+            <a:r>
+              <a:rPr lang="it-IT" sz="1200" b="1" dirty="0" err="1" smtClean="0"/>
+              <a:t>Exception</a:t>
+            </a:r>
+            <a:r>
+              <a:rPr lang="it-IT" sz="1200" dirty="0" smtClean="0"/>
+              <a:t>: gestione delle eccezioni del sistema.</a:t>
+            </a:r>
+          </a:p>
+          <a:p>
+            <a:pPr marL="514350" indent="-514350">
+              <a:buFont typeface="+mj-lt"/>
+              <a:buNone/>
+            </a:pPr>
+            <a:endParaRPr lang="it-IT" sz="1200" b="1" dirty="0" smtClean="0"/>
+          </a:p>
+        </p:txBody>
+      </p:sp>
+      <p:sp>
+        <p:nvSpPr>
+          <p:cNvPr id="4" name="Segnaposto piè di pagina 3"/>
+          <p:cNvSpPr>
+            <a:spLocks noGrp="1"/>
+          </p:cNvSpPr>
+          <p:nvPr>
+            <p:ph type="ftr" sz="quarter" idx="10"/>
+          </p:nvPr>
+        </p:nvSpPr>
+        <p:spPr/>
+        <p:txBody>
+          <a:bodyPr/>
+          <a:lstStyle/>
+          <a:p>
+            <a:endParaRPr lang="it-IT"/>
+          </a:p>
+        </p:txBody>
+      </p:sp>
+      <p:sp>
+        <p:nvSpPr>
+          <p:cNvPr id="5" name="Segnaposto numero diapositiva 4"/>
+          <p:cNvSpPr>
+            <a:spLocks noGrp="1"/>
+          </p:cNvSpPr>
+          <p:nvPr>
+            <p:ph type="sldNum" sz="quarter" idx="11"/>
+          </p:nvPr>
+        </p:nvSpPr>
+        <p:spPr/>
+        <p:txBody>
+          <a:bodyPr/>
+          <a:lstStyle/>
+          <a:p>
+            <a:fld id="{D70604CA-7593-4640-8FA1-5523937B8510}" type="slidenum">
+              <a:rPr lang="it-IT" smtClean="0"/>
+              <a:pPr/>
+              <a:t>35</a:t>
+            </a:fld>
+            <a:endParaRPr lang="it-IT"/>
+          </a:p>
+        </p:txBody>
+      </p:sp>
+    </p:spTree>
+  </p:cSld>
+  <p:clrMapOvr>
+    <a:masterClrMapping/>
+  </p:clrMapOvr>
+</p:notes>
+</file>
+
+<file path=ppt/notesSlides/notesSlide16.xml><?xml version="1.0" encoding="utf-8"?>
+<p:notes xmlns:a="http://schemas.openxmlformats.org/drawingml/2006/main" xmlns:r="http://schemas.openxmlformats.org/officeDocument/2006/relationships" xmlns:p="http://schemas.openxmlformats.org/presentationml/2006/main">
+  <p:cSld>
+    <p:spTree>
+      <p:nvGrpSpPr>
+        <p:cNvPr id="1" name=""/>
+        <p:cNvGrpSpPr/>
+        <p:nvPr/>
+      </p:nvGrpSpPr>
+      <p:grpSpPr>
+        <a:xfrm>
+          <a:off x="0" y="0"/>
+          <a:ext cx="0" cy="0"/>
+          <a:chOff x="0" y="0"/>
+          <a:chExt cx="0" cy="0"/>
+        </a:xfrm>
+      </p:grpSpPr>
+      <p:sp>
+        <p:nvSpPr>
+          <p:cNvPr id="2" name="Segnaposto immagine diapositiva 1"/>
+          <p:cNvSpPr>
+            <a:spLocks noGrp="1" noRot="1" noChangeAspect="1"/>
+          </p:cNvSpPr>
+          <p:nvPr>
+            <p:ph type="sldImg"/>
+          </p:nvPr>
+        </p:nvSpPr>
+        <p:spPr/>
+      </p:sp>
+      <p:sp>
+        <p:nvSpPr>
+          <p:cNvPr id="3" name="Segnaposto note 2"/>
+          <p:cNvSpPr>
+            <a:spLocks noGrp="1"/>
+          </p:cNvSpPr>
+          <p:nvPr>
+            <p:ph type="body" idx="1"/>
+          </p:nvPr>
+        </p:nvSpPr>
+        <p:spPr/>
+        <p:txBody>
+          <a:bodyPr>
+            <a:normAutofit/>
+          </a:bodyPr>
+          <a:lstStyle/>
+          <a:p>
+            <a:pPr marL="514350" indent="-514350">
+              <a:buFont typeface="+mj-lt"/>
+              <a:buAutoNum type="arabicParenR"/>
+            </a:pPr>
+            <a:r>
+              <a:rPr lang="it-IT" sz="1200" b="1" dirty="0" err="1" smtClean="0"/>
+              <a:t>Presentation</a:t>
+            </a:r>
+            <a:r>
+              <a:rPr lang="it-IT" sz="1200" b="1" dirty="0" smtClean="0"/>
+              <a:t>: </a:t>
+            </a:r>
+            <a:r>
+              <a:rPr lang="it-IT" sz="1200" dirty="0" smtClean="0"/>
+              <a:t>raccoglie i sottosistemi adibiti alla gestione delle interfacce grafiche:</a:t>
+            </a:r>
+          </a:p>
+          <a:p>
+            <a:pPr marL="514350" indent="-514350">
+              <a:buFont typeface="+mj-lt"/>
+              <a:buAutoNum type="arabicParenR"/>
+            </a:pPr>
+            <a:r>
+              <a:rPr lang="it-IT" sz="1200" b="1" dirty="0" err="1" smtClean="0"/>
+              <a:t>Application</a:t>
+            </a:r>
+            <a:r>
+              <a:rPr lang="it-IT" sz="1200" dirty="0" smtClean="0"/>
+              <a:t>: si occupa della gestione della logica applicativa del sistema;</a:t>
+            </a:r>
+          </a:p>
+          <a:p>
+            <a:pPr marL="514350" indent="-514350"/>
+            <a:r>
+              <a:rPr lang="it-IT" sz="1200" b="1" dirty="0" smtClean="0"/>
+              <a:t>3)</a:t>
+            </a:r>
+            <a:r>
+              <a:rPr lang="it-IT" sz="1200" b="1" baseline="0" dirty="0" smtClean="0"/>
+              <a:t> </a:t>
+            </a:r>
+            <a:r>
+              <a:rPr lang="it-IT" sz="1200" b="1" dirty="0" err="1" smtClean="0"/>
+              <a:t>Beans</a:t>
+            </a:r>
+            <a:r>
+              <a:rPr lang="it-IT" sz="1200" dirty="0" smtClean="0"/>
+              <a:t>: si occupa della gestione e dello scambio dei dati tra i sistemi; </a:t>
+            </a:r>
+          </a:p>
+          <a:p>
+            <a:pPr marL="514350" indent="-514350"/>
+            <a:r>
+              <a:rPr lang="it-IT" sz="1200" b="1" dirty="0" smtClean="0"/>
+              <a:t>5)	</a:t>
+            </a:r>
+            <a:r>
+              <a:rPr lang="it-IT" sz="1200" b="1" dirty="0" err="1" smtClean="0"/>
+              <a:t>Storage</a:t>
+            </a:r>
+            <a:r>
+              <a:rPr lang="it-IT" sz="1200" dirty="0" smtClean="0"/>
+              <a:t>: sistema che gestisce ed immagazzina i dati persistenti:</a:t>
+            </a:r>
+          </a:p>
+          <a:p>
+            <a:pPr marL="514350" indent="-514350"/>
+            <a:r>
+              <a:rPr lang="it-IT" sz="1200" b="1" dirty="0" smtClean="0"/>
+              <a:t>6)	</a:t>
+            </a:r>
+            <a:r>
+              <a:rPr lang="it-IT" sz="1200" b="1" dirty="0" err="1" smtClean="0"/>
+              <a:t>Exception</a:t>
+            </a:r>
+            <a:r>
+              <a:rPr lang="it-IT" sz="1200" dirty="0" smtClean="0"/>
+              <a:t>: gestione delle eccezioni del sistema.</a:t>
+            </a:r>
+          </a:p>
+          <a:p>
+            <a:pPr marL="514350" indent="-514350">
+              <a:buFont typeface="+mj-lt"/>
+              <a:buNone/>
+            </a:pPr>
+            <a:endParaRPr lang="it-IT" sz="1200" b="1" dirty="0" smtClean="0"/>
+          </a:p>
+          <a:p>
+            <a:endParaRPr lang="it-IT" dirty="0"/>
+          </a:p>
+        </p:txBody>
+      </p:sp>
+      <p:sp>
+        <p:nvSpPr>
+          <p:cNvPr id="4" name="Segnaposto piè di pagina 3"/>
+          <p:cNvSpPr>
+            <a:spLocks noGrp="1"/>
+          </p:cNvSpPr>
+          <p:nvPr>
+            <p:ph type="ftr" sz="quarter" idx="10"/>
+          </p:nvPr>
+        </p:nvSpPr>
+        <p:spPr/>
+        <p:txBody>
+          <a:bodyPr/>
+          <a:lstStyle/>
+          <a:p>
+            <a:endParaRPr lang="it-IT"/>
+          </a:p>
+        </p:txBody>
+      </p:sp>
+      <p:sp>
+        <p:nvSpPr>
+          <p:cNvPr id="5" name="Segnaposto numero diapositiva 4"/>
+          <p:cNvSpPr>
+            <a:spLocks noGrp="1"/>
+          </p:cNvSpPr>
+          <p:nvPr>
+            <p:ph type="sldNum" sz="quarter" idx="11"/>
+          </p:nvPr>
+        </p:nvSpPr>
+        <p:spPr/>
+        <p:txBody>
+          <a:bodyPr/>
+          <a:lstStyle/>
+          <a:p>
+            <a:fld id="{D70604CA-7593-4640-8FA1-5523937B8510}" type="slidenum">
+              <a:rPr lang="it-IT" smtClean="0"/>
+              <a:pPr/>
+              <a:t>36</a:t>
+            </a:fld>
+            <a:endParaRPr lang="it-IT"/>
+          </a:p>
+        </p:txBody>
+      </p:sp>
+    </p:spTree>
+  </p:cSld>
+  <p:clrMapOvr>
+    <a:masterClrMapping/>
+  </p:clrMapOvr>
+</p:notes>
+</file>
+
+<file path=ppt/notesSlides/notesSlide17.xml><?xml version="1.0" encoding="utf-8"?>
+<p:notes xmlns:a="http://schemas.openxmlformats.org/drawingml/2006/main" xmlns:r="http://schemas.openxmlformats.org/officeDocument/2006/relationships" xmlns:p="http://schemas.openxmlformats.org/presentationml/2006/main">
+  <p:cSld>
+    <p:spTree>
+      <p:nvGrpSpPr>
+        <p:cNvPr id="1" name=""/>
+        <p:cNvGrpSpPr/>
+        <p:nvPr/>
+      </p:nvGrpSpPr>
+      <p:grpSpPr>
+        <a:xfrm>
+          <a:off x="0" y="0"/>
+          <a:ext cx="0" cy="0"/>
+          <a:chOff x="0" y="0"/>
+          <a:chExt cx="0" cy="0"/>
+        </a:xfrm>
+      </p:grpSpPr>
+      <p:sp>
+        <p:nvSpPr>
+          <p:cNvPr id="2" name="Segnaposto immagine diapositiva 1"/>
+          <p:cNvSpPr>
+            <a:spLocks noGrp="1" noRot="1" noChangeAspect="1"/>
+          </p:cNvSpPr>
+          <p:nvPr>
+            <p:ph type="sldImg"/>
+          </p:nvPr>
+        </p:nvSpPr>
+        <p:spPr/>
+      </p:sp>
+      <p:sp>
+        <p:nvSpPr>
+          <p:cNvPr id="3" name="Segnaposto note 2"/>
+          <p:cNvSpPr>
+            <a:spLocks noGrp="1"/>
+          </p:cNvSpPr>
+          <p:nvPr>
+            <p:ph type="body" idx="1"/>
+          </p:nvPr>
+        </p:nvSpPr>
+        <p:spPr/>
+        <p:txBody>
+          <a:bodyPr>
+            <a:normAutofit/>
+          </a:bodyPr>
+          <a:lstStyle/>
+          <a:p>
+            <a:endParaRPr lang="it-IT" dirty="0"/>
+          </a:p>
+        </p:txBody>
+      </p:sp>
+      <p:sp>
+        <p:nvSpPr>
+          <p:cNvPr id="4" name="Segnaposto numero diapositiva 3"/>
+          <p:cNvSpPr>
+            <a:spLocks noGrp="1"/>
+          </p:cNvSpPr>
+          <p:nvPr>
+            <p:ph type="sldNum" sz="quarter" idx="10"/>
+          </p:nvPr>
+        </p:nvSpPr>
+        <p:spPr/>
+        <p:txBody>
+          <a:bodyPr/>
+          <a:lstStyle/>
+          <a:p>
+            <a:fld id="{D70604CA-7593-4640-8FA1-5523937B8510}" type="slidenum">
+              <a:rPr lang="it-IT" smtClean="0"/>
+              <a:pPr/>
+              <a:t>40</a:t>
+            </a:fld>
+            <a:endParaRPr lang="it-IT"/>
+          </a:p>
+        </p:txBody>
+      </p:sp>
+      <p:sp>
+        <p:nvSpPr>
+          <p:cNvPr id="5" name="Segnaposto piè di pagina 4"/>
+          <p:cNvSpPr>
+            <a:spLocks noGrp="1"/>
+          </p:cNvSpPr>
+          <p:nvPr>
+            <p:ph type="ftr" sz="quarter" idx="11"/>
+          </p:nvPr>
+        </p:nvSpPr>
+        <p:spPr/>
+        <p:txBody>
+          <a:bodyPr/>
+          <a:lstStyle/>
+          <a:p>
+            <a:endParaRPr lang="it-IT"/>
+          </a:p>
+        </p:txBody>
+      </p:sp>
+    </p:spTree>
   </p:cSld>
   <p:clrMapOvr>
     <a:masterClrMapping/>
@@ -1255,15 +1739,7 @@
           <a:p>
             <a:r>
               <a:rPr lang="it-IT" baseline="0" dirty="0" smtClean="0"/>
-              <a:t>il </a:t>
-            </a:r>
-            <a:r>
-              <a:rPr lang="it-IT" baseline="0" dirty="0" smtClean="0"/>
-              <a:t>nostro team si è occupato della gestione dei pagamenti, dei servizi quali mensa e orario e dei tirocinanti del sistema </a:t>
-            </a:r>
-            <a:r>
-              <a:rPr lang="it-IT" baseline="0" dirty="0" smtClean="0"/>
-              <a:t>at-silo.</a:t>
+              <a:t>il nostro team si è occupato della gestione dei pagamenti, dei servizi quali mensa e orario e dei tirocinanti del sistema at-silo.</a:t>
             </a:r>
           </a:p>
           <a:p>
@@ -1302,7 +1778,7 @@
     </p:spTree>
     <p:extLst>
       <p:ext uri="{BB962C8B-B14F-4D97-AF65-F5344CB8AC3E}">
-        <p14:creationId xmlns:p14="http://schemas.microsoft.com/office/powerpoint/2010/main" val="3122029082"/>
+        <p14:creationId xmlns="" xmlns:p14="http://schemas.microsoft.com/office/powerpoint/2010/main" val="3122029082"/>
       </p:ext>
     </p:extLst>
   </p:cSld>
@@ -1387,7 +1863,7 @@
     </p:spTree>
     <p:extLst>
       <p:ext uri="{BB962C8B-B14F-4D97-AF65-F5344CB8AC3E}">
-        <p14:creationId xmlns:p14="http://schemas.microsoft.com/office/powerpoint/2010/main" val="1632684865"/>
+        <p14:creationId xmlns="" xmlns:p14="http://schemas.microsoft.com/office/powerpoint/2010/main" val="1632684865"/>
       </p:ext>
     </p:extLst>
   </p:cSld>
@@ -1472,7 +1948,7 @@
     </p:spTree>
     <p:extLst>
       <p:ext uri="{BB962C8B-B14F-4D97-AF65-F5344CB8AC3E}">
-        <p14:creationId xmlns:p14="http://schemas.microsoft.com/office/powerpoint/2010/main" val="1093366611"/>
+        <p14:creationId xmlns="" xmlns:p14="http://schemas.microsoft.com/office/powerpoint/2010/main" val="1093366611"/>
       </p:ext>
     </p:extLst>
   </p:cSld>
@@ -1571,7 +2047,7 @@
     </p:spTree>
     <p:extLst>
       <p:ext uri="{BB962C8B-B14F-4D97-AF65-F5344CB8AC3E}">
-        <p14:creationId xmlns:p14="http://schemas.microsoft.com/office/powerpoint/2010/main" val="968677491"/>
+        <p14:creationId xmlns="" xmlns:p14="http://schemas.microsoft.com/office/powerpoint/2010/main" val="968677491"/>
       </p:ext>
     </p:extLst>
   </p:cSld>
@@ -1664,7 +2140,7 @@
     </p:spTree>
     <p:extLst>
       <p:ext uri="{BB962C8B-B14F-4D97-AF65-F5344CB8AC3E}">
-        <p14:creationId xmlns:p14="http://schemas.microsoft.com/office/powerpoint/2010/main" val="1685022444"/>
+        <p14:creationId xmlns="" xmlns:p14="http://schemas.microsoft.com/office/powerpoint/2010/main" val="1685022444"/>
       </p:ext>
     </p:extLst>
   </p:cSld>
@@ -1761,7 +2237,7 @@
     </p:spTree>
     <p:extLst>
       <p:ext uri="{BB962C8B-B14F-4D97-AF65-F5344CB8AC3E}">
-        <p14:creationId xmlns:p14="http://schemas.microsoft.com/office/powerpoint/2010/main" val="1685022444"/>
+        <p14:creationId xmlns="" xmlns:p14="http://schemas.microsoft.com/office/powerpoint/2010/main" val="1685022444"/>
       </p:ext>
     </p:extLst>
   </p:cSld>
@@ -1846,7 +2322,7 @@
     </p:spTree>
     <p:extLst>
       <p:ext uri="{BB962C8B-B14F-4D97-AF65-F5344CB8AC3E}">
-        <p14:creationId xmlns:p14="http://schemas.microsoft.com/office/powerpoint/2010/main" val="3294237695"/>
+        <p14:creationId xmlns="" xmlns:p14="http://schemas.microsoft.com/office/powerpoint/2010/main" val="3294237695"/>
       </p:ext>
     </p:extLst>
   </p:cSld>
@@ -1931,7 +2407,7 @@
     </p:spTree>
     <p:extLst>
       <p:ext uri="{BB962C8B-B14F-4D97-AF65-F5344CB8AC3E}">
-        <p14:creationId xmlns:p14="http://schemas.microsoft.com/office/powerpoint/2010/main" val="328384907"/>
+        <p14:creationId xmlns="" xmlns:p14="http://schemas.microsoft.com/office/powerpoint/2010/main" val="328384907"/>
       </p:ext>
     </p:extLst>
   </p:cSld>
@@ -5866,7 +6342,7 @@
           <p:nvPr>
             <p:extLst>
               <p:ext uri="{D42A27DB-BD31-4B8C-83A1-F6EECF244321}">
-                <p14:modId xmlns:p14="http://schemas.microsoft.com/office/powerpoint/2010/main" val="3696521689"/>
+                <p14:modId xmlns="" xmlns:p14="http://schemas.microsoft.com/office/powerpoint/2010/main" val="3696521689"/>
               </p:ext>
             </p:extLst>
           </p:nvPr>
@@ -5956,7 +6432,7 @@
           <a:blip r:embed="rId2" cstate="print">
             <a:extLst>
               <a:ext uri="{28A0092B-C50C-407E-A947-70E740481C1C}">
-                <a14:useLocalDpi xmlns:a14="http://schemas.microsoft.com/office/drawing/2010/main" val="0"/>
+                <a14:useLocalDpi xmlns="" xmlns:a14="http://schemas.microsoft.com/office/drawing/2010/main" val="0"/>
               </a:ext>
             </a:extLst>
           </a:blip>
@@ -5976,7 +6452,7 @@
           <a:noFill/>
           <a:extLst>
             <a:ext uri="{909E8E84-426E-40DD-AFC4-6F175D3DCCD1}">
-              <a14:hiddenFill xmlns:a14="http://schemas.microsoft.com/office/drawing/2010/main">
+              <a14:hiddenFill xmlns="" xmlns:a14="http://schemas.microsoft.com/office/drawing/2010/main">
                 <a:solidFill>
                   <a:srgbClr val="FFFFFF"/>
                 </a:solidFill>
@@ -5994,7 +6470,7 @@
           <p:nvPr>
             <p:extLst>
               <p:ext uri="{D42A27DB-BD31-4B8C-83A1-F6EECF244321}">
-                <p14:modId xmlns:p14="http://schemas.microsoft.com/office/powerpoint/2010/main" val="3478576524"/>
+                <p14:modId xmlns="" xmlns:p14="http://schemas.microsoft.com/office/powerpoint/2010/main" val="3478576524"/>
               </p:ext>
             </p:extLst>
           </p:nvPr>
@@ -6205,7 +6681,7 @@
     </p:spTree>
     <p:extLst>
       <p:ext uri="{BB962C8B-B14F-4D97-AF65-F5344CB8AC3E}">
-        <p14:creationId xmlns:p14="http://schemas.microsoft.com/office/powerpoint/2010/main" val="4165334171"/>
+        <p14:creationId xmlns="" xmlns:p14="http://schemas.microsoft.com/office/powerpoint/2010/main" val="4165334171"/>
       </p:ext>
     </p:extLst>
   </p:cSld>
@@ -6295,7 +6771,7 @@
           <a:blip r:embed="rId3" cstate="print">
             <a:extLst>
               <a:ext uri="{28A0092B-C50C-407E-A947-70E740481C1C}">
-                <a14:useLocalDpi xmlns:a14="http://schemas.microsoft.com/office/drawing/2010/main" val="0"/>
+                <a14:useLocalDpi xmlns="" xmlns:a14="http://schemas.microsoft.com/office/drawing/2010/main" val="0"/>
               </a:ext>
             </a:extLst>
           </a:blip>
@@ -6315,7 +6791,7 @@
           <a:noFill/>
           <a:extLst>
             <a:ext uri="{909E8E84-426E-40DD-AFC4-6F175D3DCCD1}">
-              <a14:hiddenFill xmlns:a14="http://schemas.microsoft.com/office/drawing/2010/main">
+              <a14:hiddenFill xmlns="" xmlns:a14="http://schemas.microsoft.com/office/drawing/2010/main">
                 <a:solidFill>
                   <a:srgbClr val="FFFFFF"/>
                 </a:solidFill>
@@ -6327,7 +6803,7 @@
     </p:spTree>
     <p:extLst>
       <p:ext uri="{BB962C8B-B14F-4D97-AF65-F5344CB8AC3E}">
-        <p14:creationId xmlns:p14="http://schemas.microsoft.com/office/powerpoint/2010/main" val="1417486241"/>
+        <p14:creationId xmlns="" xmlns:p14="http://schemas.microsoft.com/office/powerpoint/2010/main" val="1417486241"/>
       </p:ext>
     </p:extLst>
   </p:cSld>
@@ -6599,7 +7075,7 @@
                   <a:srgbClr val="000000"/>
                 </a:solidFill>
               </a:rPr>
-              <a:t>Genitore non può pagare online ma deve pagare con   bancomat allo sportello dell’asilo</a:t>
+              <a:t> Genitore non può pagare online ma deve pagare con   bancomat allo sportello dell’asilo</a:t>
             </a:r>
           </a:p>
           <a:p>
@@ -6609,7 +7085,7 @@
                   <a:srgbClr val="000000"/>
                 </a:solidFill>
               </a:rPr>
-              <a:t>Cauzione non presente sul bando </a:t>
+              <a:t> Cauzione non presente sul bando </a:t>
             </a:r>
           </a:p>
           <a:p>
@@ -6639,7 +7115,7 @@
                   <a:srgbClr val="000000"/>
                 </a:solidFill>
               </a:rPr>
-              <a:t>Devono essere gestiti gli extra</a:t>
+              <a:t> Devono essere gestiti gli extra</a:t>
             </a:r>
           </a:p>
           <a:p>
@@ -6660,18 +7136,18 @@
     </p:spTree>
     <p:extLst>
       <p:ext uri="{BB962C8B-B14F-4D97-AF65-F5344CB8AC3E}">
-        <p14:creationId xmlns:p14="http://schemas.microsoft.com/office/powerpoint/2010/main" val="952316739"/>
+        <p14:creationId xmlns="" xmlns:p14="http://schemas.microsoft.com/office/powerpoint/2010/main" val="952316739"/>
       </p:ext>
     </p:extLst>
   </p:cSld>
   <p:clrMapOvr>
     <a:masterClrMapping/>
   </p:clrMapOvr>
-  <mc:AlternateContent xmlns:mc="http://schemas.openxmlformats.org/markup-compatibility/2006" xmlns:p14="http://schemas.microsoft.com/office/powerpoint/2010/main">
-    <mc:Choice Requires="p14">
+  <mc:AlternateContent xmlns:mc="http://schemas.openxmlformats.org/markup-compatibility/2006">
+    <mc:Choice xmlns="" xmlns:p14="http://schemas.microsoft.com/office/powerpoint/2010/main" Requires="p14">
       <p:transition spd="slow" p14:dur="2000"/>
     </mc:Choice>
-    <mc:Fallback xmlns="">
+    <mc:Fallback>
       <p:transition spd="slow"/>
     </mc:Fallback>
   </mc:AlternateContent>
@@ -6758,7 +7234,7 @@
           <a:blip r:embed="rId3" cstate="print">
             <a:extLst>
               <a:ext uri="{28A0092B-C50C-407E-A947-70E740481C1C}">
-                <a14:useLocalDpi xmlns:a14="http://schemas.microsoft.com/office/drawing/2010/main" val="0"/>
+                <a14:useLocalDpi xmlns="" xmlns:a14="http://schemas.microsoft.com/office/drawing/2010/main" val="0"/>
               </a:ext>
             </a:extLst>
           </a:blip>
@@ -6778,7 +7254,7 @@
           <a:noFill/>
           <a:extLst>
             <a:ext uri="{909E8E84-426E-40DD-AFC4-6F175D3DCCD1}">
-              <a14:hiddenFill xmlns:a14="http://schemas.microsoft.com/office/drawing/2010/main">
+              <a14:hiddenFill xmlns="" xmlns:a14="http://schemas.microsoft.com/office/drawing/2010/main">
                 <a:solidFill>
                   <a:srgbClr val="FFFFFF"/>
                 </a:solidFill>
@@ -6882,7 +7358,7 @@
     </p:spTree>
     <p:extLst>
       <p:ext uri="{BB962C8B-B14F-4D97-AF65-F5344CB8AC3E}">
-        <p14:creationId xmlns:p14="http://schemas.microsoft.com/office/powerpoint/2010/main" val="1824602548"/>
+        <p14:creationId xmlns="" xmlns:p14="http://schemas.microsoft.com/office/powerpoint/2010/main" val="1824602548"/>
       </p:ext>
     </p:extLst>
   </p:cSld>
@@ -7105,7 +7581,7 @@
           <a:blip r:embed="rId3" cstate="print">
             <a:extLst>
               <a:ext uri="{28A0092B-C50C-407E-A947-70E740481C1C}">
-                <a14:useLocalDpi xmlns:a14="http://schemas.microsoft.com/office/drawing/2010/main" val="0"/>
+                <a14:useLocalDpi xmlns="" xmlns:a14="http://schemas.microsoft.com/office/drawing/2010/main" val="0"/>
               </a:ext>
             </a:extLst>
           </a:blip>
@@ -7125,7 +7601,7 @@
           <a:noFill/>
           <a:extLst>
             <a:ext uri="{909E8E84-426E-40DD-AFC4-6F175D3DCCD1}">
-              <a14:hiddenFill xmlns:a14="http://schemas.microsoft.com/office/drawing/2010/main">
+              <a14:hiddenFill xmlns="" xmlns:a14="http://schemas.microsoft.com/office/drawing/2010/main">
                 <a:solidFill>
                   <a:srgbClr val="FFFFFF"/>
                 </a:solidFill>
@@ -7183,7 +7659,7 @@
     </p:spTree>
     <p:extLst>
       <p:ext uri="{BB962C8B-B14F-4D97-AF65-F5344CB8AC3E}">
-        <p14:creationId xmlns:p14="http://schemas.microsoft.com/office/powerpoint/2010/main" val="4209306795"/>
+        <p14:creationId xmlns="" xmlns:p14="http://schemas.microsoft.com/office/powerpoint/2010/main" val="4209306795"/>
       </p:ext>
     </p:extLst>
   </p:cSld>
@@ -7352,7 +7828,7 @@
           <a:blip r:embed="rId3" cstate="print">
             <a:extLst>
               <a:ext uri="{28A0092B-C50C-407E-A947-70E740481C1C}">
-                <a14:useLocalDpi xmlns:a14="http://schemas.microsoft.com/office/drawing/2010/main" val="0"/>
+                <a14:useLocalDpi xmlns="" xmlns:a14="http://schemas.microsoft.com/office/drawing/2010/main" val="0"/>
               </a:ext>
             </a:extLst>
           </a:blip>
@@ -7372,7 +7848,7 @@
           <a:noFill/>
           <a:extLst>
             <a:ext uri="{909E8E84-426E-40DD-AFC4-6F175D3DCCD1}">
-              <a14:hiddenFill xmlns:a14="http://schemas.microsoft.com/office/drawing/2010/main">
+              <a14:hiddenFill xmlns="" xmlns:a14="http://schemas.microsoft.com/office/drawing/2010/main">
                 <a:solidFill>
                   <a:srgbClr val="FFFFFF"/>
                 </a:solidFill>
@@ -7384,7 +7860,7 @@
     </p:spTree>
     <p:extLst>
       <p:ext uri="{BB962C8B-B14F-4D97-AF65-F5344CB8AC3E}">
-        <p14:creationId xmlns:p14="http://schemas.microsoft.com/office/powerpoint/2010/main" val="3701313841"/>
+        <p14:creationId xmlns="" xmlns:p14="http://schemas.microsoft.com/office/powerpoint/2010/main" val="3701313841"/>
       </p:ext>
     </p:extLst>
   </p:cSld>
@@ -7477,7 +7953,7 @@
           <a:blip r:embed="rId3" cstate="print">
             <a:extLst>
               <a:ext uri="{28A0092B-C50C-407E-A947-70E740481C1C}">
-                <a14:useLocalDpi xmlns:a14="http://schemas.microsoft.com/office/drawing/2010/main" val="0"/>
+                <a14:useLocalDpi xmlns="" xmlns:a14="http://schemas.microsoft.com/office/drawing/2010/main" val="0"/>
               </a:ext>
             </a:extLst>
           </a:blip>
@@ -7497,7 +7973,7 @@
           <a:noFill/>
           <a:extLst>
             <a:ext uri="{909E8E84-426E-40DD-AFC4-6F175D3DCCD1}">
-              <a14:hiddenFill xmlns:a14="http://schemas.microsoft.com/office/drawing/2010/main">
+              <a14:hiddenFill xmlns="" xmlns:a14="http://schemas.microsoft.com/office/drawing/2010/main">
                 <a:solidFill>
                   <a:srgbClr val="FFFFFF"/>
                 </a:solidFill>
@@ -7509,7 +7985,7 @@
     </p:spTree>
     <p:extLst>
       <p:ext uri="{BB962C8B-B14F-4D97-AF65-F5344CB8AC3E}">
-        <p14:creationId xmlns:p14="http://schemas.microsoft.com/office/powerpoint/2010/main" val="1653549512"/>
+        <p14:creationId xmlns="" xmlns:p14="http://schemas.microsoft.com/office/powerpoint/2010/main" val="1653549512"/>
       </p:ext>
     </p:extLst>
   </p:cSld>
@@ -7555,7 +8031,7 @@
           <a:blip r:embed="rId3" cstate="print">
             <a:extLst>
               <a:ext uri="{28A0092B-C50C-407E-A947-70E740481C1C}">
-                <a14:useLocalDpi xmlns:a14="http://schemas.microsoft.com/office/drawing/2010/main" val="0"/>
+                <a14:useLocalDpi xmlns="" xmlns:a14="http://schemas.microsoft.com/office/drawing/2010/main" val="0"/>
               </a:ext>
             </a:extLst>
           </a:blip>
@@ -7575,7 +8051,7 @@
           <a:noFill/>
           <a:extLst>
             <a:ext uri="{909E8E84-426E-40DD-AFC4-6F175D3DCCD1}">
-              <a14:hiddenFill xmlns:a14="http://schemas.microsoft.com/office/drawing/2010/main">
+              <a14:hiddenFill xmlns="" xmlns:a14="http://schemas.microsoft.com/office/drawing/2010/main">
                 <a:solidFill>
                   <a:srgbClr val="FFFFFF"/>
                 </a:solidFill>
@@ -7625,7 +8101,7 @@
     </p:spTree>
     <p:extLst>
       <p:ext uri="{BB962C8B-B14F-4D97-AF65-F5344CB8AC3E}">
-        <p14:creationId xmlns:p14="http://schemas.microsoft.com/office/powerpoint/2010/main" val="2424786554"/>
+        <p14:creationId xmlns="" xmlns:p14="http://schemas.microsoft.com/office/powerpoint/2010/main" val="2424786554"/>
       </p:ext>
     </p:extLst>
   </p:cSld>
@@ -7824,7 +8300,7 @@
           <a:blip r:embed="rId3" cstate="print">
             <a:extLst>
               <a:ext uri="{28A0092B-C50C-407E-A947-70E740481C1C}">
-                <a14:useLocalDpi xmlns:a14="http://schemas.microsoft.com/office/drawing/2010/main" val="0"/>
+                <a14:useLocalDpi xmlns="" xmlns:a14="http://schemas.microsoft.com/office/drawing/2010/main" val="0"/>
               </a:ext>
             </a:extLst>
           </a:blip>
@@ -7844,7 +8320,7 @@
           <a:noFill/>
           <a:extLst>
             <a:ext uri="{909E8E84-426E-40DD-AFC4-6F175D3DCCD1}">
-              <a14:hiddenFill xmlns:a14="http://schemas.microsoft.com/office/drawing/2010/main">
+              <a14:hiddenFill xmlns="" xmlns:a14="http://schemas.microsoft.com/office/drawing/2010/main">
                 <a:solidFill>
                   <a:srgbClr val="FFFFFF"/>
                 </a:solidFill>
@@ -7865,7 +8341,7 @@
           <a:blip r:embed="rId4" cstate="print">
             <a:extLst>
               <a:ext uri="{28A0092B-C50C-407E-A947-70E740481C1C}">
-                <a14:useLocalDpi xmlns:a14="http://schemas.microsoft.com/office/drawing/2010/main" val="0"/>
+                <a14:useLocalDpi xmlns="" xmlns:a14="http://schemas.microsoft.com/office/drawing/2010/main" val="0"/>
               </a:ext>
             </a:extLst>
           </a:blip>
@@ -7885,7 +8361,7 @@
           <a:noFill/>
           <a:extLst>
             <a:ext uri="{909E8E84-426E-40DD-AFC4-6F175D3DCCD1}">
-              <a14:hiddenFill xmlns:a14="http://schemas.microsoft.com/office/drawing/2010/main">
+              <a14:hiddenFill xmlns="" xmlns:a14="http://schemas.microsoft.com/office/drawing/2010/main">
                 <a:solidFill>
                   <a:srgbClr val="FFFFFF"/>
                 </a:solidFill>
@@ -7897,7 +8373,7 @@
     </p:spTree>
     <p:extLst>
       <p:ext uri="{BB962C8B-B14F-4D97-AF65-F5344CB8AC3E}">
-        <p14:creationId xmlns:p14="http://schemas.microsoft.com/office/powerpoint/2010/main" val="2708678656"/>
+        <p14:creationId xmlns="" xmlns:p14="http://schemas.microsoft.com/office/powerpoint/2010/main" val="2708678656"/>
       </p:ext>
     </p:extLst>
   </p:cSld>
@@ -7931,6 +8407,74 @@
           <a:chExt cx="0" cy="0"/>
         </a:xfrm>
       </p:grpSpPr>
+      <p:sp>
+        <p:nvSpPr>
+          <p:cNvPr id="2" name="Titolo 1"/>
+          <p:cNvSpPr>
+            <a:spLocks noGrp="1"/>
+          </p:cNvSpPr>
+          <p:nvPr>
+            <p:ph type="title"/>
+          </p:nvPr>
+        </p:nvSpPr>
+        <p:spPr>
+          <a:xfrm>
+            <a:off x="1187624" y="2996952"/>
+            <a:ext cx="6624736" cy="648072"/>
+          </a:xfrm>
+        </p:spPr>
+        <p:txBody>
+          <a:bodyPr>
+            <a:noAutofit/>
+          </a:bodyPr>
+          <a:lstStyle/>
+          <a:p>
+            <a:pPr algn="ctr"/>
+            <a:r>
+              <a:rPr lang="it-IT" sz="4800" b="1" dirty="0" smtClean="0"/>
+              <a:t>Gestione Tirocinanti</a:t>
+            </a:r>
+            <a:endParaRPr lang="it-IT" sz="4800" b="1" dirty="0"/>
+          </a:p>
+        </p:txBody>
+      </p:sp>
+    </p:spTree>
+    <p:extLst>
+      <p:ext uri="{BB962C8B-B14F-4D97-AF65-F5344CB8AC3E}">
+        <p14:creationId xmlns="" xmlns:p14="http://schemas.microsoft.com/office/powerpoint/2010/main" val="2865657727"/>
+      </p:ext>
+    </p:extLst>
+  </p:cSld>
+  <p:clrMapOvr>
+    <a:masterClrMapping/>
+  </p:clrMapOvr>
+  <p:timing>
+    <p:tnLst>
+      <p:par>
+        <p:cTn id="1" dur="indefinite" restart="never" nodeType="tmRoot"/>
+      </p:par>
+    </p:tnLst>
+  </p:timing>
+</p:sld>
+</file>
+
+<file path=ppt/slides/slide19.xml><?xml version="1.0" encoding="utf-8"?>
+<p:sld xmlns:a="http://schemas.openxmlformats.org/drawingml/2006/main" xmlns:r="http://schemas.openxmlformats.org/officeDocument/2006/relationships" xmlns:p="http://schemas.openxmlformats.org/presentationml/2006/main">
+  <p:cSld>
+    <p:spTree>
+      <p:nvGrpSpPr>
+        <p:cNvPr id="1" name=""/>
+        <p:cNvGrpSpPr/>
+        <p:nvPr/>
+      </p:nvGrpSpPr>
+      <p:grpSpPr>
+        <a:xfrm>
+          <a:off x="0" y="0"/>
+          <a:ext cx="0" cy="0"/>
+          <a:chOff x="0" y="0"/>
+          <a:chExt cx="0" cy="0"/>
+        </a:xfrm>
+      </p:grpSpPr>
       <p:pic>
         <p:nvPicPr>
           <p:cNvPr id="1026" name="Picture 2" descr="C:\Users\Fr4nc3sc0\Desktop\at-silo\RAD\3 - Sistema proposto\attori.png"/>
@@ -7943,7 +8487,7 @@
           <a:blip r:embed="rId2" cstate="print">
             <a:extLst>
               <a:ext uri="{28A0092B-C50C-407E-A947-70E740481C1C}">
-                <a14:useLocalDpi xmlns:a14="http://schemas.microsoft.com/office/drawing/2010/main" val="0"/>
+                <a14:useLocalDpi xmlns="" xmlns:a14="http://schemas.microsoft.com/office/drawing/2010/main" val="0"/>
               </a:ext>
             </a:extLst>
           </a:blip>
@@ -7963,7 +8507,7 @@
           <a:noFill/>
           <a:extLst>
             <a:ext uri="{909E8E84-426E-40DD-AFC4-6F175D3DCCD1}">
-              <a14:hiddenFill xmlns:a14="http://schemas.microsoft.com/office/drawing/2010/main">
+              <a14:hiddenFill xmlns="" xmlns:a14="http://schemas.microsoft.com/office/drawing/2010/main">
                 <a:solidFill>
                   <a:srgbClr val="FFFFFF"/>
                 </a:solidFill>
@@ -8236,7 +8780,7 @@
     </p:spTree>
     <p:extLst>
       <p:ext uri="{BB962C8B-B14F-4D97-AF65-F5344CB8AC3E}">
-        <p14:creationId xmlns:p14="http://schemas.microsoft.com/office/powerpoint/2010/main" val="1421053857"/>
+        <p14:creationId xmlns="" xmlns:p14="http://schemas.microsoft.com/office/powerpoint/2010/main" val="1421053857"/>
       </p:ext>
     </p:extLst>
   </p:cSld>
@@ -8485,74 +9029,6 @@
 </p:sld>
 </file>
 
-<file path=ppt/slides/slide19.xml><?xml version="1.0" encoding="utf-8"?>
-<p:sld xmlns:a="http://schemas.openxmlformats.org/drawingml/2006/main" xmlns:r="http://schemas.openxmlformats.org/officeDocument/2006/relationships" xmlns:p="http://schemas.openxmlformats.org/presentationml/2006/main">
-  <p:cSld>
-    <p:spTree>
-      <p:nvGrpSpPr>
-        <p:cNvPr id="1" name=""/>
-        <p:cNvGrpSpPr/>
-        <p:nvPr/>
-      </p:nvGrpSpPr>
-      <p:grpSpPr>
-        <a:xfrm>
-          <a:off x="0" y="0"/>
-          <a:ext cx="0" cy="0"/>
-          <a:chOff x="0" y="0"/>
-          <a:chExt cx="0" cy="0"/>
-        </a:xfrm>
-      </p:grpSpPr>
-      <p:sp>
-        <p:nvSpPr>
-          <p:cNvPr id="2" name="Titolo 1"/>
-          <p:cNvSpPr>
-            <a:spLocks noGrp="1"/>
-          </p:cNvSpPr>
-          <p:nvPr>
-            <p:ph type="title"/>
-          </p:nvPr>
-        </p:nvSpPr>
-        <p:spPr>
-          <a:xfrm>
-            <a:off x="1187624" y="2996952"/>
-            <a:ext cx="6624736" cy="648072"/>
-          </a:xfrm>
-        </p:spPr>
-        <p:txBody>
-          <a:bodyPr>
-            <a:noAutofit/>
-          </a:bodyPr>
-          <a:lstStyle/>
-          <a:p>
-            <a:pPr algn="ctr"/>
-            <a:r>
-              <a:rPr lang="it-IT" sz="4800" b="1" dirty="0" smtClean="0"/>
-              <a:t>Gestione Tirocinanti</a:t>
-            </a:r>
-            <a:endParaRPr lang="it-IT" sz="4800" b="1" dirty="0"/>
-          </a:p>
-        </p:txBody>
-      </p:sp>
-    </p:spTree>
-    <p:extLst>
-      <p:ext uri="{BB962C8B-B14F-4D97-AF65-F5344CB8AC3E}">
-        <p14:creationId xmlns:p14="http://schemas.microsoft.com/office/powerpoint/2010/main" val="2865657727"/>
-      </p:ext>
-    </p:extLst>
-  </p:cSld>
-  <p:clrMapOvr>
-    <a:masterClrMapping/>
-  </p:clrMapOvr>
-  <p:timing>
-    <p:tnLst>
-      <p:par>
-        <p:cTn id="1" dur="indefinite" restart="never" nodeType="tmRoot"/>
-      </p:par>
-    </p:tnLst>
-  </p:timing>
-</p:sld>
-</file>
-
 <file path=ppt/slides/slide2.xml><?xml version="1.0" encoding="utf-8"?>
 <p:sld xmlns:a="http://schemas.openxmlformats.org/drawingml/2006/main" xmlns:r="http://schemas.openxmlformats.org/officeDocument/2006/relationships" xmlns:p="http://schemas.openxmlformats.org/presentationml/2006/main">
   <p:cSld>
@@ -8739,7 +9215,7 @@
           <a:blip r:embed="rId2" cstate="print">
             <a:extLst>
               <a:ext uri="{28A0092B-C50C-407E-A947-70E740481C1C}">
-                <a14:useLocalDpi xmlns:a14="http://schemas.microsoft.com/office/drawing/2010/main" val="0"/>
+                <a14:useLocalDpi xmlns="" xmlns:a14="http://schemas.microsoft.com/office/drawing/2010/main" val="0"/>
               </a:ext>
             </a:extLst>
           </a:blip>
@@ -8760,7 +9236,7 @@
     </p:spTree>
     <p:extLst>
       <p:ext uri="{BB962C8B-B14F-4D97-AF65-F5344CB8AC3E}">
-        <p14:creationId xmlns:p14="http://schemas.microsoft.com/office/powerpoint/2010/main" val="966444375"/>
+        <p14:creationId xmlns="" xmlns:p14="http://schemas.microsoft.com/office/powerpoint/2010/main" val="966444375"/>
       </p:ext>
     </p:extLst>
   </p:cSld>
@@ -8847,13 +9323,11 @@
           </a:bodyPr>
           <a:lstStyle/>
           <a:p>
-            <a:endParaRPr lang="it-IT" dirty="0" smtClean="0"/>
-          </a:p>
-          <a:p>
             <a:r>
               <a:rPr lang="it-IT" sz="2800" dirty="0" smtClean="0"/>
               <a:t>SUCCESSIVAMENTE</a:t>
             </a:r>
+            <a:endParaRPr lang="it-IT" sz="2800" dirty="0" smtClean="0"/>
           </a:p>
           <a:p>
             <a:pPr marL="457200" indent="-457200">
@@ -8977,7 +9451,7 @@
     </p:spTree>
     <p:extLst>
       <p:ext uri="{BB962C8B-B14F-4D97-AF65-F5344CB8AC3E}">
-        <p14:creationId xmlns:p14="http://schemas.microsoft.com/office/powerpoint/2010/main" val="529095658"/>
+        <p14:creationId xmlns="" xmlns:p14="http://schemas.microsoft.com/office/powerpoint/2010/main" val="529095658"/>
       </p:ext>
     </p:extLst>
   </p:cSld>
@@ -9124,7 +9598,7 @@
           <a:blip r:embed="rId2" cstate="print">
             <a:extLst>
               <a:ext uri="{28A0092B-C50C-407E-A947-70E740481C1C}">
-                <a14:useLocalDpi xmlns:a14="http://schemas.microsoft.com/office/drawing/2010/main" val="0"/>
+                <a14:useLocalDpi xmlns="" xmlns:a14="http://schemas.microsoft.com/office/drawing/2010/main" val="0"/>
               </a:ext>
             </a:extLst>
           </a:blip>
@@ -9145,7 +9619,7 @@
     </p:spTree>
     <p:extLst>
       <p:ext uri="{BB962C8B-B14F-4D97-AF65-F5344CB8AC3E}">
-        <p14:creationId xmlns:p14="http://schemas.microsoft.com/office/powerpoint/2010/main" val="2537338845"/>
+        <p14:creationId xmlns="" xmlns:p14="http://schemas.microsoft.com/office/powerpoint/2010/main" val="2537338845"/>
       </p:ext>
     </p:extLst>
   </p:cSld>
@@ -9230,7 +9704,7 @@
           <a:blip r:embed="rId2" cstate="print">
             <a:extLst>
               <a:ext uri="{28A0092B-C50C-407E-A947-70E740481C1C}">
-                <a14:useLocalDpi xmlns:a14="http://schemas.microsoft.com/office/drawing/2010/main" val="0"/>
+                <a14:useLocalDpi xmlns="" xmlns:a14="http://schemas.microsoft.com/office/drawing/2010/main" val="0"/>
               </a:ext>
             </a:extLst>
           </a:blip>
@@ -9286,7 +9760,7 @@
     </p:spTree>
     <p:extLst>
       <p:ext uri="{BB962C8B-B14F-4D97-AF65-F5344CB8AC3E}">
-        <p14:creationId xmlns:p14="http://schemas.microsoft.com/office/powerpoint/2010/main" val="422123805"/>
+        <p14:creationId xmlns="" xmlns:p14="http://schemas.microsoft.com/office/powerpoint/2010/main" val="422123805"/>
       </p:ext>
     </p:extLst>
   </p:cSld>
@@ -9405,7 +9879,7 @@
           <a:blip r:embed="rId2" cstate="print">
             <a:extLst>
               <a:ext uri="{28A0092B-C50C-407E-A947-70E740481C1C}">
-                <a14:useLocalDpi xmlns:a14="http://schemas.microsoft.com/office/drawing/2010/main" val="0"/>
+                <a14:useLocalDpi xmlns="" xmlns:a14="http://schemas.microsoft.com/office/drawing/2010/main" val="0"/>
               </a:ext>
             </a:extLst>
           </a:blip>
@@ -9460,7 +9934,7 @@
     </p:spTree>
     <p:extLst>
       <p:ext uri="{BB962C8B-B14F-4D97-AF65-F5344CB8AC3E}">
-        <p14:creationId xmlns:p14="http://schemas.microsoft.com/office/powerpoint/2010/main" val="247169405"/>
+        <p14:creationId xmlns="" xmlns:p14="http://schemas.microsoft.com/office/powerpoint/2010/main" val="247169405"/>
       </p:ext>
     </p:extLst>
   </p:cSld>
@@ -9545,7 +10019,7 @@
           <a:blip r:embed="rId2" cstate="print">
             <a:extLst>
               <a:ext uri="{28A0092B-C50C-407E-A947-70E740481C1C}">
-                <a14:useLocalDpi xmlns:a14="http://schemas.microsoft.com/office/drawing/2010/main" val="0"/>
+                <a14:useLocalDpi xmlns="" xmlns:a14="http://schemas.microsoft.com/office/drawing/2010/main" val="0"/>
               </a:ext>
             </a:extLst>
           </a:blip>
@@ -9601,7 +10075,7 @@
     </p:spTree>
     <p:extLst>
       <p:ext uri="{BB962C8B-B14F-4D97-AF65-F5344CB8AC3E}">
-        <p14:creationId xmlns:p14="http://schemas.microsoft.com/office/powerpoint/2010/main" val="1376204328"/>
+        <p14:creationId xmlns="" xmlns:p14="http://schemas.microsoft.com/office/powerpoint/2010/main" val="1376204328"/>
       </p:ext>
     </p:extLst>
   </p:cSld>
@@ -9686,7 +10160,7 @@
           <a:blip r:embed="rId2" cstate="print">
             <a:extLst>
               <a:ext uri="{28A0092B-C50C-407E-A947-70E740481C1C}">
-                <a14:useLocalDpi xmlns:a14="http://schemas.microsoft.com/office/drawing/2010/main" val="0"/>
+                <a14:useLocalDpi xmlns="" xmlns:a14="http://schemas.microsoft.com/office/drawing/2010/main" val="0"/>
               </a:ext>
             </a:extLst>
           </a:blip>
@@ -9745,7 +10219,7 @@
     </p:spTree>
     <p:extLst>
       <p:ext uri="{BB962C8B-B14F-4D97-AF65-F5344CB8AC3E}">
-        <p14:creationId xmlns:p14="http://schemas.microsoft.com/office/powerpoint/2010/main" val="1545582615"/>
+        <p14:creationId xmlns="" xmlns:p14="http://schemas.microsoft.com/office/powerpoint/2010/main" val="1545582615"/>
       </p:ext>
     </p:extLst>
   </p:cSld>
@@ -9830,7 +10304,7 @@
           <a:blip r:embed="rId2" cstate="print">
             <a:extLst>
               <a:ext uri="{28A0092B-C50C-407E-A947-70E740481C1C}">
-                <a14:useLocalDpi xmlns:a14="http://schemas.microsoft.com/office/drawing/2010/main" val="0"/>
+                <a14:useLocalDpi xmlns="" xmlns:a14="http://schemas.microsoft.com/office/drawing/2010/main" val="0"/>
               </a:ext>
             </a:extLst>
           </a:blip>
@@ -9840,7 +10314,7 @@
         </p:blipFill>
         <p:spPr>
           <a:xfrm>
-            <a:off x="971600" y="1195011"/>
+            <a:off x="971600" y="1558417"/>
             <a:ext cx="7056784" cy="3886807"/>
           </a:xfrm>
           <a:prstGeom prst="rect">
@@ -9851,7 +10325,7 @@
     </p:spTree>
     <p:extLst>
       <p:ext uri="{BB962C8B-B14F-4D97-AF65-F5344CB8AC3E}">
-        <p14:creationId xmlns:p14="http://schemas.microsoft.com/office/powerpoint/2010/main" val="1296864160"/>
+        <p14:creationId xmlns="" xmlns:p14="http://schemas.microsoft.com/office/powerpoint/2010/main" val="1296864160"/>
       </p:ext>
     </p:extLst>
   </p:cSld>
@@ -9932,7 +10406,7 @@
           <a:blip r:embed="rId2" cstate="print">
             <a:extLst>
               <a:ext uri="{28A0092B-C50C-407E-A947-70E740481C1C}">
-                <a14:useLocalDpi xmlns:a14="http://schemas.microsoft.com/office/drawing/2010/main" val="0"/>
+                <a14:useLocalDpi xmlns="" xmlns:a14="http://schemas.microsoft.com/office/drawing/2010/main" val="0"/>
               </a:ext>
             </a:extLst>
           </a:blip>
@@ -9987,7 +10461,7 @@
     </p:spTree>
     <p:extLst>
       <p:ext uri="{BB962C8B-B14F-4D97-AF65-F5344CB8AC3E}">
-        <p14:creationId xmlns:p14="http://schemas.microsoft.com/office/powerpoint/2010/main" val="518928479"/>
+        <p14:creationId xmlns="" xmlns:p14="http://schemas.microsoft.com/office/powerpoint/2010/main" val="518928479"/>
       </p:ext>
     </p:extLst>
   </p:cSld>
@@ -10029,7 +10503,7 @@
         </p:nvSpPr>
         <p:spPr>
           <a:xfrm>
-            <a:off x="-108520" y="836712"/>
+            <a:off x="-108520" y="692696"/>
             <a:ext cx="9252520" cy="1323439"/>
           </a:xfrm>
           <a:prstGeom prst="rect">
@@ -10067,7 +10541,7 @@
           <a:blip r:embed="rId2" cstate="print">
             <a:extLst>
               <a:ext uri="{28A0092B-C50C-407E-A947-70E740481C1C}">
-                <a14:useLocalDpi xmlns:a14="http://schemas.microsoft.com/office/drawing/2010/main" val="0"/>
+                <a14:useLocalDpi xmlns="" xmlns:a14="http://schemas.microsoft.com/office/drawing/2010/main" val="0"/>
               </a:ext>
             </a:extLst>
           </a:blip>
@@ -10088,7 +10562,7 @@
     </p:spTree>
     <p:extLst>
       <p:ext uri="{BB962C8B-B14F-4D97-AF65-F5344CB8AC3E}">
-        <p14:creationId xmlns:p14="http://schemas.microsoft.com/office/powerpoint/2010/main" val="4136420094"/>
+        <p14:creationId xmlns="" xmlns:p14="http://schemas.microsoft.com/office/powerpoint/2010/main" val="4136420094"/>
       </p:ext>
     </p:extLst>
   </p:cSld>
@@ -10156,7 +10630,7 @@
     </p:spTree>
     <p:extLst>
       <p:ext uri="{BB962C8B-B14F-4D97-AF65-F5344CB8AC3E}">
-        <p14:creationId xmlns:p14="http://schemas.microsoft.com/office/powerpoint/2010/main" val="2865657727"/>
+        <p14:creationId xmlns="" xmlns:p14="http://schemas.microsoft.com/office/powerpoint/2010/main" val="2865657727"/>
       </p:ext>
     </p:extLst>
   </p:cSld>
@@ -10198,7 +10672,7 @@
         </p:nvSpPr>
         <p:spPr>
           <a:xfrm>
-            <a:off x="0" y="764704"/>
+            <a:off x="0" y="620688"/>
             <a:ext cx="9144000" cy="707886"/>
           </a:xfrm>
           <a:prstGeom prst="rect">
@@ -10241,7 +10715,7 @@
           <a:blip r:embed="rId2" cstate="print">
             <a:extLst>
               <a:ext uri="{28A0092B-C50C-407E-A947-70E740481C1C}">
-                <a14:useLocalDpi xmlns:a14="http://schemas.microsoft.com/office/drawing/2010/main" val="0"/>
+                <a14:useLocalDpi xmlns="" xmlns:a14="http://schemas.microsoft.com/office/drawing/2010/main" val="0"/>
               </a:ext>
             </a:extLst>
           </a:blip>
@@ -10293,7 +10767,7 @@
     </p:spTree>
     <p:extLst>
       <p:ext uri="{BB962C8B-B14F-4D97-AF65-F5344CB8AC3E}">
-        <p14:creationId xmlns:p14="http://schemas.microsoft.com/office/powerpoint/2010/main" val="2535709406"/>
+        <p14:creationId xmlns="" xmlns:p14="http://schemas.microsoft.com/office/powerpoint/2010/main" val="2535709406"/>
       </p:ext>
     </p:extLst>
   </p:cSld>
@@ -10495,7 +10969,7 @@
     </p:spTree>
     <p:extLst>
       <p:ext uri="{BB962C8B-B14F-4D97-AF65-F5344CB8AC3E}">
-        <p14:creationId xmlns:p14="http://schemas.microsoft.com/office/powerpoint/2010/main" val="2176004432"/>
+        <p14:creationId xmlns="" xmlns:p14="http://schemas.microsoft.com/office/powerpoint/2010/main" val="2176004432"/>
       </p:ext>
     </p:extLst>
   </p:cSld>
@@ -10640,13 +11114,20 @@
     </p:spTree>
     <p:extLst>
       <p:ext uri="{BB962C8B-B14F-4D97-AF65-F5344CB8AC3E}">
-        <p14:creationId xmlns:p14="http://schemas.microsoft.com/office/powerpoint/2010/main" val="1143488046"/>
+        <p14:creationId xmlns="" xmlns:p14="http://schemas.microsoft.com/office/powerpoint/2010/main" val="1143488046"/>
       </p:ext>
     </p:extLst>
   </p:cSld>
   <p:clrMapOvr>
     <a:masterClrMapping/>
   </p:clrMapOvr>
+  <p:timing>
+    <p:tnLst>
+      <p:par>
+        <p:cTn id="1" dur="indefinite" restart="never" nodeType="tmRoot"/>
+      </p:par>
+    </p:tnLst>
+  </p:timing>
 </p:sld>
 </file>
 
@@ -10728,7 +11209,7 @@
                 <a:latin typeface="+mj-lt"/>
                 <a:cs typeface="Arial" pitchFamily="34" charset="0"/>
               </a:rPr>
-              <a:t>Cosa è andato per  il verso giusto:</a:t>
+              <a:t>Cosa è andato per il verso giusto:</a:t>
             </a:r>
           </a:p>
           <a:p>
@@ -10895,7 +11376,7 @@
     </p:spTree>
     <p:extLst>
       <p:ext uri="{BB962C8B-B14F-4D97-AF65-F5344CB8AC3E}">
-        <p14:creationId xmlns:p14="http://schemas.microsoft.com/office/powerpoint/2010/main" val="957313322"/>
+        <p14:creationId xmlns="" xmlns:p14="http://schemas.microsoft.com/office/powerpoint/2010/main" val="957313322"/>
       </p:ext>
     </p:extLst>
   </p:cSld>
@@ -10908,6 +11389,4299 @@
         <p:cTn id="1" dur="indefinite" restart="never" nodeType="tmRoot"/>
       </p:par>
     </p:tnLst>
+  </p:timing>
+</p:sld>
+</file>
+
+<file path=ppt/slides/slide34.xml><?xml version="1.0" encoding="utf-8"?>
+<p:sld xmlns:a="http://schemas.openxmlformats.org/drawingml/2006/main" xmlns:r="http://schemas.openxmlformats.org/officeDocument/2006/relationships" xmlns:p="http://schemas.openxmlformats.org/presentationml/2006/main">
+  <p:cSld>
+    <p:spTree>
+      <p:nvGrpSpPr>
+        <p:cNvPr id="1" name=""/>
+        <p:cNvGrpSpPr/>
+        <p:nvPr/>
+      </p:nvGrpSpPr>
+      <p:grpSpPr>
+        <a:xfrm>
+          <a:off x="0" y="0"/>
+          <a:ext cx="0" cy="0"/>
+          <a:chOff x="0" y="0"/>
+          <a:chExt cx="0" cy="0"/>
+        </a:xfrm>
+      </p:grpSpPr>
+      <p:sp>
+        <p:nvSpPr>
+          <p:cNvPr id="2" name="Titolo 1"/>
+          <p:cNvSpPr txBox="1">
+            <a:spLocks/>
+          </p:cNvSpPr>
+          <p:nvPr/>
+        </p:nvSpPr>
+        <p:spPr>
+          <a:xfrm>
+            <a:off x="1187624" y="2852936"/>
+            <a:ext cx="6624736" cy="936104"/>
+          </a:xfrm>
+          <a:prstGeom prst="rect">
+            <a:avLst/>
+          </a:prstGeom>
+        </p:spPr>
+        <p:txBody>
+          <a:bodyPr>
+            <a:noAutofit/>
+          </a:bodyPr>
+          <a:lstStyle/>
+          <a:p>
+            <a:pPr marL="0" marR="0" lvl="0" indent="0" algn="ctr" defTabSz="914400" rtl="0" eaLnBrk="1" fontAlgn="auto" latinLnBrk="0" hangingPunct="1">
+              <a:lnSpc>
+                <a:spcPct val="100000"/>
+              </a:lnSpc>
+              <a:spcBef>
+                <a:spcPct val="0"/>
+              </a:spcBef>
+              <a:spcAft>
+                <a:spcPts val="0"/>
+              </a:spcAft>
+              <a:buClrTx/>
+              <a:buSzTx/>
+              <a:buFontTx/>
+              <a:buNone/>
+              <a:tabLst/>
+              <a:defRPr/>
+            </a:pPr>
+            <a:r>
+              <a:rPr kumimoji="0" lang="it-IT" sz="5500" b="1" i="0" u="none" strike="noStrike" kern="1200" cap="none" spc="0" normalizeH="0" baseline="0" noProof="0" dirty="0" smtClean="0">
+                <a:ln>
+                  <a:noFill/>
+                </a:ln>
+                <a:solidFill>
+                  <a:schemeClr val="bg1"/>
+                </a:solidFill>
+                <a:effectLst>
+                  <a:outerShdw blurRad="38100" dist="38100" dir="2700000" algn="tl">
+                    <a:srgbClr val="000000">
+                      <a:alpha val="43137"/>
+                    </a:srgbClr>
+                  </a:outerShdw>
+                </a:effectLst>
+                <a:uLnTx/>
+                <a:uFillTx/>
+                <a:latin typeface="+mj-lt"/>
+                <a:ea typeface="+mj-ea"/>
+                <a:cs typeface="+mj-cs"/>
+              </a:rPr>
+              <a:t>System Design</a:t>
+            </a:r>
+            <a:endParaRPr kumimoji="0" lang="it-IT" sz="5500" b="1" i="0" u="none" strike="noStrike" kern="1200" cap="none" spc="0" normalizeH="0" baseline="0" noProof="0" dirty="0">
+              <a:ln>
+                <a:noFill/>
+              </a:ln>
+              <a:solidFill>
+                <a:schemeClr val="bg1"/>
+              </a:solidFill>
+              <a:effectLst>
+                <a:outerShdw blurRad="38100" dist="38100" dir="2700000" algn="tl">
+                  <a:srgbClr val="000000">
+                    <a:alpha val="43137"/>
+                  </a:srgbClr>
+                </a:outerShdw>
+              </a:effectLst>
+              <a:uLnTx/>
+              <a:uFillTx/>
+              <a:latin typeface="+mj-lt"/>
+              <a:ea typeface="+mj-ea"/>
+              <a:cs typeface="+mj-cs"/>
+            </a:endParaRPr>
+          </a:p>
+        </p:txBody>
+      </p:sp>
+    </p:spTree>
+  </p:cSld>
+  <p:clrMapOvr>
+    <a:masterClrMapping/>
+  </p:clrMapOvr>
+  <p:timing>
+    <p:tnLst>
+      <p:par>
+        <p:cTn id="1" dur="indefinite" restart="never" nodeType="tmRoot"/>
+      </p:par>
+    </p:tnLst>
+  </p:timing>
+</p:sld>
+</file>
+
+<file path=ppt/slides/slide35.xml><?xml version="1.0" encoding="utf-8"?>
+<p:sld xmlns:a="http://schemas.openxmlformats.org/drawingml/2006/main" xmlns:r="http://schemas.openxmlformats.org/officeDocument/2006/relationships" xmlns:p="http://schemas.openxmlformats.org/presentationml/2006/main">
+  <p:cSld>
+    <p:spTree>
+      <p:nvGrpSpPr>
+        <p:cNvPr id="1" name=""/>
+        <p:cNvGrpSpPr/>
+        <p:nvPr/>
+      </p:nvGrpSpPr>
+      <p:grpSpPr>
+        <a:xfrm>
+          <a:off x="0" y="0"/>
+          <a:ext cx="0" cy="0"/>
+          <a:chOff x="0" y="0"/>
+          <a:chExt cx="0" cy="0"/>
+        </a:xfrm>
+      </p:grpSpPr>
+      <p:pic>
+        <p:nvPicPr>
+          <p:cNvPr id="3" name="Picture 2" descr="C:\Users\festaG\Desktop\Bamby\Università\IS\PROGETTO @silo\@silo\SDD\Sottosistemi\Divisione SottOSISTEMI2.png"/>
+          <p:cNvPicPr>
+            <a:picLocks noChangeAspect="1" noChangeArrowheads="1"/>
+          </p:cNvPicPr>
+          <p:nvPr/>
+        </p:nvPicPr>
+        <p:blipFill>
+          <a:blip r:embed="rId3" cstate="print"/>
+          <a:srcRect/>
+          <a:stretch>
+            <a:fillRect/>
+          </a:stretch>
+        </p:blipFill>
+        <p:spPr bwMode="auto">
+          <a:xfrm>
+            <a:off x="1043608" y="1550136"/>
+            <a:ext cx="6768752" cy="5119224"/>
+          </a:xfrm>
+          <a:prstGeom prst="rect">
+            <a:avLst/>
+          </a:prstGeom>
+          <a:noFill/>
+        </p:spPr>
+      </p:pic>
+      <p:sp>
+        <p:nvSpPr>
+          <p:cNvPr id="2" name="CasellaDiTesto 1"/>
+          <p:cNvSpPr txBox="1"/>
+          <p:nvPr/>
+        </p:nvSpPr>
+        <p:spPr>
+          <a:xfrm>
+            <a:off x="467544" y="664820"/>
+            <a:ext cx="8268353" cy="1107996"/>
+          </a:xfrm>
+          <a:prstGeom prst="rect">
+            <a:avLst/>
+          </a:prstGeom>
+          <a:noFill/>
+        </p:spPr>
+        <p:txBody>
+          <a:bodyPr wrap="none" rtlCol="0">
+            <a:spAutoFit/>
+          </a:bodyPr>
+          <a:lstStyle/>
+          <a:p>
+            <a:pPr algn="ctr"/>
+            <a:r>
+              <a:rPr lang="it-IT" sz="4800" b="1" dirty="0" smtClean="0">
+                <a:latin typeface="+mj-lt"/>
+              </a:rPr>
+              <a:t>Decomposizione in sottosistemi</a:t>
+            </a:r>
+          </a:p>
+          <a:p>
+            <a:pPr algn="ctr"/>
+            <a:endParaRPr lang="it-IT" dirty="0">
+              <a:latin typeface="+mj-lt"/>
+            </a:endParaRPr>
+          </a:p>
+        </p:txBody>
+      </p:sp>
+      <p:sp>
+        <p:nvSpPr>
+          <p:cNvPr id="5" name="Segnaposto numero diapositiva 4"/>
+          <p:cNvSpPr>
+            <a:spLocks noGrp="1"/>
+          </p:cNvSpPr>
+          <p:nvPr>
+            <p:ph type="sldNum" sz="quarter" idx="12"/>
+          </p:nvPr>
+        </p:nvSpPr>
+        <p:spPr/>
+        <p:txBody>
+          <a:bodyPr/>
+          <a:lstStyle/>
+          <a:p>
+            <a:fld id="{F89AEA99-3E91-4C58-9AD4-045DB5619AC3}" type="slidenum">
+              <a:rPr lang="it-IT" smtClean="0"/>
+              <a:pPr/>
+              <a:t>35</a:t>
+            </a:fld>
+            <a:endParaRPr lang="it-IT"/>
+          </a:p>
+        </p:txBody>
+      </p:sp>
+    </p:spTree>
+    <p:extLst>
+      <p:ext uri="{BB962C8B-B14F-4D97-AF65-F5344CB8AC3E}">
+        <p14:creationId xmlns:p14="http://schemas.microsoft.com/office/powerpoint/2010/main" xmlns="" val="155874689"/>
+      </p:ext>
+    </p:extLst>
+  </p:cSld>
+  <p:clrMapOvr>
+    <a:masterClrMapping/>
+  </p:clrMapOvr>
+  <p:transition spd="slow">
+    <p:push/>
+  </p:transition>
+  <p:timing>
+    <p:tnLst>
+      <p:par>
+        <p:cTn id="1" dur="indefinite" restart="never" nodeType="tmRoot">
+          <p:childTnLst>
+            <p:seq concurrent="1" nextAc="seek">
+              <p:cTn id="2" dur="indefinite" nodeType="mainSeq">
+                <p:childTnLst>
+                  <p:par>
+                    <p:cTn id="3" fill="hold">
+                      <p:stCondLst>
+                        <p:cond delay="indefinite"/>
+                        <p:cond evt="onBegin" delay="0">
+                          <p:tn val="2"/>
+                        </p:cond>
+                      </p:stCondLst>
+                      <p:childTnLst>
+                        <p:par>
+                          <p:cTn id="4" fill="hold">
+                            <p:stCondLst>
+                              <p:cond delay="0"/>
+                            </p:stCondLst>
+                            <p:childTnLst>
+                              <p:par>
+                                <p:cTn id="5" presetID="30" presetClass="entr" presetSubtype="0" fill="hold" grpId="0" nodeType="withEffect">
+                                  <p:stCondLst>
+                                    <p:cond delay="0"/>
+                                  </p:stCondLst>
+                                  <p:childTnLst>
+                                    <p:set>
+                                      <p:cBhvr>
+                                        <p:cTn id="6" dur="1" fill="hold">
+                                          <p:stCondLst>
+                                            <p:cond delay="0"/>
+                                          </p:stCondLst>
+                                        </p:cTn>
+                                        <p:tgtEl>
+                                          <p:spTgt spid="2"/>
+                                        </p:tgtEl>
+                                        <p:attrNameLst>
+                                          <p:attrName>style.visibility</p:attrName>
+                                        </p:attrNameLst>
+                                      </p:cBhvr>
+                                      <p:to>
+                                        <p:strVal val="visible"/>
+                                      </p:to>
+                                    </p:set>
+                                    <p:animEffect transition="in" filter="fade">
+                                      <p:cBhvr>
+                                        <p:cTn id="7" dur="800" decel="100000"/>
+                                        <p:tgtEl>
+                                          <p:spTgt spid="2"/>
+                                        </p:tgtEl>
+                                      </p:cBhvr>
+                                    </p:animEffect>
+                                    <p:anim calcmode="lin" valueType="num">
+                                      <p:cBhvr>
+                                        <p:cTn id="8" dur="800" decel="100000" fill="hold"/>
+                                        <p:tgtEl>
+                                          <p:spTgt spid="2"/>
+                                        </p:tgtEl>
+                                        <p:attrNameLst>
+                                          <p:attrName>style.rotation</p:attrName>
+                                        </p:attrNameLst>
+                                      </p:cBhvr>
+                                      <p:tavLst>
+                                        <p:tav tm="0">
+                                          <p:val>
+                                            <p:fltVal val="-90"/>
+                                          </p:val>
+                                        </p:tav>
+                                        <p:tav tm="100000">
+                                          <p:val>
+                                            <p:fltVal val="0"/>
+                                          </p:val>
+                                        </p:tav>
+                                      </p:tavLst>
+                                    </p:anim>
+                                    <p:anim calcmode="lin" valueType="num">
+                                      <p:cBhvr>
+                                        <p:cTn id="9" dur="800" decel="100000" fill="hold"/>
+                                        <p:tgtEl>
+                                          <p:spTgt spid="2"/>
+                                        </p:tgtEl>
+                                        <p:attrNameLst>
+                                          <p:attrName>ppt_x</p:attrName>
+                                        </p:attrNameLst>
+                                      </p:cBhvr>
+                                      <p:tavLst>
+                                        <p:tav tm="0">
+                                          <p:val>
+                                            <p:strVal val="#ppt_x+0.4"/>
+                                          </p:val>
+                                        </p:tav>
+                                        <p:tav tm="100000">
+                                          <p:val>
+                                            <p:strVal val="#ppt_x-0.05"/>
+                                          </p:val>
+                                        </p:tav>
+                                      </p:tavLst>
+                                    </p:anim>
+                                    <p:anim calcmode="lin" valueType="num">
+                                      <p:cBhvr>
+                                        <p:cTn id="10" dur="800" decel="100000" fill="hold"/>
+                                        <p:tgtEl>
+                                          <p:spTgt spid="2"/>
+                                        </p:tgtEl>
+                                        <p:attrNameLst>
+                                          <p:attrName>ppt_y</p:attrName>
+                                        </p:attrNameLst>
+                                      </p:cBhvr>
+                                      <p:tavLst>
+                                        <p:tav tm="0">
+                                          <p:val>
+                                            <p:strVal val="#ppt_y-0.4"/>
+                                          </p:val>
+                                        </p:tav>
+                                        <p:tav tm="100000">
+                                          <p:val>
+                                            <p:strVal val="#ppt_y+0.1"/>
+                                          </p:val>
+                                        </p:tav>
+                                      </p:tavLst>
+                                    </p:anim>
+                                    <p:anim calcmode="lin" valueType="num">
+                                      <p:cBhvr>
+                                        <p:cTn id="11" dur="200" accel="100000" fill="hold">
+                                          <p:stCondLst>
+                                            <p:cond delay="800"/>
+                                          </p:stCondLst>
+                                        </p:cTn>
+                                        <p:tgtEl>
+                                          <p:spTgt spid="2"/>
+                                        </p:tgtEl>
+                                        <p:attrNameLst>
+                                          <p:attrName>ppt_x</p:attrName>
+                                        </p:attrNameLst>
+                                      </p:cBhvr>
+                                      <p:tavLst>
+                                        <p:tav tm="0">
+                                          <p:val>
+                                            <p:strVal val="#ppt_x-0.05"/>
+                                          </p:val>
+                                        </p:tav>
+                                        <p:tav tm="100000">
+                                          <p:val>
+                                            <p:strVal val="#ppt_x"/>
+                                          </p:val>
+                                        </p:tav>
+                                      </p:tavLst>
+                                    </p:anim>
+                                    <p:anim calcmode="lin" valueType="num">
+                                      <p:cBhvr>
+                                        <p:cTn id="12" dur="200" accel="100000" fill="hold">
+                                          <p:stCondLst>
+                                            <p:cond delay="800"/>
+                                          </p:stCondLst>
+                                        </p:cTn>
+                                        <p:tgtEl>
+                                          <p:spTgt spid="2"/>
+                                        </p:tgtEl>
+                                        <p:attrNameLst>
+                                          <p:attrName>ppt_y</p:attrName>
+                                        </p:attrNameLst>
+                                      </p:cBhvr>
+                                      <p:tavLst>
+                                        <p:tav tm="0">
+                                          <p:val>
+                                            <p:strVal val="#ppt_y+0.1"/>
+                                          </p:val>
+                                        </p:tav>
+                                        <p:tav tm="100000">
+                                          <p:val>
+                                            <p:strVal val="#ppt_y"/>
+                                          </p:val>
+                                        </p:tav>
+                                      </p:tavLst>
+                                    </p:anim>
+                                  </p:childTnLst>
+                                </p:cTn>
+                              </p:par>
+                            </p:childTnLst>
+                          </p:cTn>
+                        </p:par>
+                        <p:par>
+                          <p:cTn id="13" fill="hold">
+                            <p:stCondLst>
+                              <p:cond delay="1000"/>
+                            </p:stCondLst>
+                            <p:childTnLst>
+                              <p:par>
+                                <p:cTn id="14" presetID="16" presetClass="entr" presetSubtype="26" fill="hold" nodeType="afterEffect">
+                                  <p:stCondLst>
+                                    <p:cond delay="0"/>
+                                  </p:stCondLst>
+                                  <p:childTnLst>
+                                    <p:set>
+                                      <p:cBhvr>
+                                        <p:cTn id="15" dur="1" fill="hold">
+                                          <p:stCondLst>
+                                            <p:cond delay="0"/>
+                                          </p:stCondLst>
+                                        </p:cTn>
+                                        <p:tgtEl>
+                                          <p:spTgt spid="3"/>
+                                        </p:tgtEl>
+                                        <p:attrNameLst>
+                                          <p:attrName>style.visibility</p:attrName>
+                                        </p:attrNameLst>
+                                      </p:cBhvr>
+                                      <p:to>
+                                        <p:strVal val="visible"/>
+                                      </p:to>
+                                    </p:set>
+                                    <p:animEffect transition="in" filter="barn(inHorizontal)">
+                                      <p:cBhvr>
+                                        <p:cTn id="16" dur="2000"/>
+                                        <p:tgtEl>
+                                          <p:spTgt spid="3"/>
+                                        </p:tgtEl>
+                                      </p:cBhvr>
+                                    </p:animEffect>
+                                  </p:childTnLst>
+                                </p:cTn>
+                              </p:par>
+                            </p:childTnLst>
+                          </p:cTn>
+                        </p:par>
+                      </p:childTnLst>
+                    </p:cTn>
+                  </p:par>
+                </p:childTnLst>
+              </p:cTn>
+              <p:prevCondLst>
+                <p:cond evt="onPrev" delay="0">
+                  <p:tgtEl>
+                    <p:sldTgt/>
+                  </p:tgtEl>
+                </p:cond>
+              </p:prevCondLst>
+              <p:nextCondLst>
+                <p:cond evt="onNext" delay="0">
+                  <p:tgtEl>
+                    <p:sldTgt/>
+                  </p:tgtEl>
+                </p:cond>
+              </p:nextCondLst>
+            </p:seq>
+          </p:childTnLst>
+        </p:cTn>
+      </p:par>
+    </p:tnLst>
+    <p:bldLst>
+      <p:bldP spid="2" grpId="0"/>
+    </p:bldLst>
+  </p:timing>
+</p:sld>
+</file>
+
+<file path=ppt/slides/slide36.xml><?xml version="1.0" encoding="utf-8"?>
+<p:sld xmlns:a="http://schemas.openxmlformats.org/drawingml/2006/main" xmlns:r="http://schemas.openxmlformats.org/officeDocument/2006/relationships" xmlns:p="http://schemas.openxmlformats.org/presentationml/2006/main">
+  <p:cSld>
+    <p:spTree>
+      <p:nvGrpSpPr>
+        <p:cNvPr id="1" name=""/>
+        <p:cNvGrpSpPr/>
+        <p:nvPr/>
+      </p:nvGrpSpPr>
+      <p:grpSpPr>
+        <a:xfrm>
+          <a:off x="0" y="0"/>
+          <a:ext cx="0" cy="0"/>
+          <a:chOff x="0" y="0"/>
+          <a:chExt cx="0" cy="0"/>
+        </a:xfrm>
+      </p:grpSpPr>
+      <p:sp>
+        <p:nvSpPr>
+          <p:cNvPr id="4" name="Segnaposto numero diapositiva 3"/>
+          <p:cNvSpPr>
+            <a:spLocks noGrp="1"/>
+          </p:cNvSpPr>
+          <p:nvPr>
+            <p:ph type="sldNum" sz="quarter" idx="12"/>
+          </p:nvPr>
+        </p:nvSpPr>
+        <p:spPr/>
+        <p:txBody>
+          <a:bodyPr/>
+          <a:lstStyle/>
+          <a:p>
+            <a:fld id="{F89AEA99-3E91-4C58-9AD4-045DB5619AC3}" type="slidenum">
+              <a:rPr lang="it-IT" smtClean="0"/>
+              <a:pPr/>
+              <a:t>36</a:t>
+            </a:fld>
+            <a:endParaRPr lang="it-IT"/>
+          </a:p>
+        </p:txBody>
+      </p:sp>
+      <p:sp>
+        <p:nvSpPr>
+          <p:cNvPr id="6" name="Content Placeholder 3"/>
+          <p:cNvSpPr txBox="1">
+            <a:spLocks/>
+          </p:cNvSpPr>
+          <p:nvPr/>
+        </p:nvSpPr>
+        <p:spPr>
+          <a:xfrm>
+            <a:off x="5724128" y="1916832"/>
+            <a:ext cx="3240360" cy="3888432"/>
+          </a:xfrm>
+          <a:prstGeom prst="rect">
+            <a:avLst/>
+          </a:prstGeom>
+        </p:spPr>
+        <p:txBody>
+          <a:bodyPr tIns="0"/>
+          <a:lstStyle>
+            <a:lvl1pPr marL="274320" indent="-274320" algn="l" rtl="0" eaLnBrk="1" latinLnBrk="0" hangingPunct="1">
+              <a:spcBef>
+                <a:spcPct val="20000"/>
+              </a:spcBef>
+              <a:buClrTx/>
+              <a:buSzPct val="95000"/>
+              <a:buFont typeface="Wingdings" pitchFamily="2" charset="2"/>
+              <a:buChar char="v"/>
+              <a:defRPr kumimoji="0" sz="2800" kern="1200">
+                <a:solidFill>
+                  <a:schemeClr val="tx1"/>
+                </a:solidFill>
+                <a:latin typeface="+mn-lt"/>
+                <a:ea typeface="+mn-ea"/>
+                <a:cs typeface="+mn-cs"/>
+              </a:defRPr>
+            </a:lvl1pPr>
+            <a:lvl2pPr marL="640080" indent="-246888" algn="l" rtl="0" eaLnBrk="1" latinLnBrk="0" hangingPunct="1">
+              <a:spcBef>
+                <a:spcPct val="20000"/>
+              </a:spcBef>
+              <a:buClrTx/>
+              <a:buSzPct val="85000"/>
+              <a:buFont typeface="Courier New" pitchFamily="49" charset="0"/>
+              <a:buChar char="o"/>
+              <a:defRPr kumimoji="0" sz="2600" kern="1200">
+                <a:solidFill>
+                  <a:schemeClr val="tx1"/>
+                </a:solidFill>
+                <a:latin typeface="+mn-lt"/>
+                <a:ea typeface="+mn-ea"/>
+                <a:cs typeface="+mn-cs"/>
+              </a:defRPr>
+            </a:lvl2pPr>
+            <a:lvl3pPr marL="914400" indent="-246888" algn="l" rtl="0" eaLnBrk="1" latinLnBrk="0" hangingPunct="1">
+              <a:spcBef>
+                <a:spcPct val="20000"/>
+              </a:spcBef>
+              <a:buClrTx/>
+              <a:buSzPct val="70000"/>
+              <a:buFont typeface="Wingdings 2"/>
+              <a:buChar char=""/>
+              <a:defRPr kumimoji="0" sz="2400" kern="1200">
+                <a:solidFill>
+                  <a:schemeClr val="tx1"/>
+                </a:solidFill>
+                <a:latin typeface="+mn-lt"/>
+                <a:ea typeface="+mn-ea"/>
+                <a:cs typeface="+mn-cs"/>
+              </a:defRPr>
+            </a:lvl3pPr>
+            <a:lvl4pPr marL="1188720" indent="-210312" algn="l" rtl="0" eaLnBrk="1" latinLnBrk="0" hangingPunct="1">
+              <a:spcBef>
+                <a:spcPct val="20000"/>
+              </a:spcBef>
+              <a:buClrTx/>
+              <a:buSzPct val="65000"/>
+              <a:buFont typeface="Wingdings 2"/>
+              <a:buChar char=""/>
+              <a:defRPr kumimoji="0" sz="2000" kern="1200">
+                <a:solidFill>
+                  <a:schemeClr val="tx1"/>
+                </a:solidFill>
+                <a:latin typeface="+mn-lt"/>
+                <a:ea typeface="+mn-ea"/>
+                <a:cs typeface="+mn-cs"/>
+              </a:defRPr>
+            </a:lvl4pPr>
+            <a:lvl5pPr marL="1463040" indent="-210312" algn="l" rtl="0" eaLnBrk="1" latinLnBrk="0" hangingPunct="1">
+              <a:spcBef>
+                <a:spcPct val="20000"/>
+              </a:spcBef>
+              <a:buClrTx/>
+              <a:buSzPct val="65000"/>
+              <a:buFont typeface="Wingdings 2"/>
+              <a:buChar char=""/>
+              <a:defRPr kumimoji="0" sz="1800" kern="1200">
+                <a:solidFill>
+                  <a:schemeClr val="tx1"/>
+                </a:solidFill>
+                <a:latin typeface="+mn-lt"/>
+                <a:ea typeface="+mn-ea"/>
+                <a:cs typeface="+mn-cs"/>
+              </a:defRPr>
+            </a:lvl5pPr>
+            <a:lvl6pPr marL="1737360" indent="-210312" algn="l" rtl="0" eaLnBrk="1" latinLnBrk="0" hangingPunct="1">
+              <a:spcBef>
+                <a:spcPct val="20000"/>
+              </a:spcBef>
+              <a:buClr>
+                <a:schemeClr val="accent5"/>
+              </a:buClr>
+              <a:buSzPct val="80000"/>
+              <a:buFont typeface="Wingdings 2"/>
+              <a:buChar char=""/>
+              <a:defRPr kumimoji="0" sz="1800" kern="1200">
+                <a:solidFill>
+                  <a:schemeClr val="tx1"/>
+                </a:solidFill>
+                <a:latin typeface="+mn-lt"/>
+                <a:ea typeface="+mn-ea"/>
+                <a:cs typeface="+mn-cs"/>
+              </a:defRPr>
+            </a:lvl6pPr>
+            <a:lvl7pPr marL="1920240" indent="-182880" algn="l" rtl="0" eaLnBrk="1" latinLnBrk="0" hangingPunct="1">
+              <a:spcBef>
+                <a:spcPct val="20000"/>
+              </a:spcBef>
+              <a:buClr>
+                <a:schemeClr val="accent6"/>
+              </a:buClr>
+              <a:buSzPct val="80000"/>
+              <a:buFont typeface="Wingdings 2"/>
+              <a:buChar char=""/>
+              <a:defRPr kumimoji="0" sz="1600" kern="1200" baseline="0">
+                <a:solidFill>
+                  <a:schemeClr val="tx1"/>
+                </a:solidFill>
+                <a:latin typeface="+mn-lt"/>
+                <a:ea typeface="+mn-ea"/>
+                <a:cs typeface="+mn-cs"/>
+              </a:defRPr>
+            </a:lvl7pPr>
+            <a:lvl8pPr marL="2194560" indent="-182880" algn="l" rtl="0" eaLnBrk="1" latinLnBrk="0" hangingPunct="1">
+              <a:spcBef>
+                <a:spcPct val="20000"/>
+              </a:spcBef>
+              <a:buClr>
+                <a:schemeClr val="tx2"/>
+              </a:buClr>
+              <a:buChar char="•"/>
+              <a:defRPr kumimoji="0" sz="1600" kern="1200">
+                <a:solidFill>
+                  <a:schemeClr val="tx1"/>
+                </a:solidFill>
+                <a:latin typeface="+mn-lt"/>
+                <a:ea typeface="+mn-ea"/>
+                <a:cs typeface="+mn-cs"/>
+              </a:defRPr>
+            </a:lvl8pPr>
+            <a:lvl9pPr marL="2468880" indent="-182880" algn="l" rtl="0" eaLnBrk="1" latinLnBrk="0" hangingPunct="1">
+              <a:spcBef>
+                <a:spcPct val="20000"/>
+              </a:spcBef>
+              <a:buClr>
+                <a:schemeClr val="tx2"/>
+              </a:buClr>
+              <a:buFontTx/>
+              <a:buChar char="•"/>
+              <a:defRPr kumimoji="0" sz="1400" kern="1200" baseline="0">
+                <a:solidFill>
+                  <a:schemeClr val="tx1"/>
+                </a:solidFill>
+                <a:latin typeface="+mn-lt"/>
+                <a:ea typeface="+mn-ea"/>
+                <a:cs typeface="+mn-cs"/>
+              </a:defRPr>
+            </a:lvl9pPr>
+          </a:lstStyle>
+          <a:p>
+            <a:pPr marL="514350" indent="-514350">
+              <a:buFont typeface="+mj-lt"/>
+              <a:buAutoNum type="arabicParenR"/>
+            </a:pPr>
+            <a:r>
+              <a:rPr lang="it-IT" b="1" dirty="0" err="1" smtClean="0"/>
+              <a:t>Presentation</a:t>
+            </a:r>
+            <a:endParaRPr lang="it-IT" b="1" dirty="0" smtClean="0"/>
+          </a:p>
+          <a:p>
+            <a:pPr marL="514350" indent="-514350">
+              <a:buFont typeface="+mj-lt"/>
+              <a:buAutoNum type="arabicParenR"/>
+            </a:pPr>
+            <a:r>
+              <a:rPr lang="it-IT" b="1" dirty="0" err="1" smtClean="0"/>
+              <a:t>Application</a:t>
+            </a:r>
+            <a:endParaRPr lang="it-IT" b="1" dirty="0" smtClean="0"/>
+          </a:p>
+          <a:p>
+            <a:pPr marL="514350" indent="-514350">
+              <a:buFont typeface="+mj-lt"/>
+              <a:buAutoNum type="arabicParenR"/>
+            </a:pPr>
+            <a:r>
+              <a:rPr lang="it-IT" b="1" dirty="0" err="1" smtClean="0"/>
+              <a:t>Storage</a:t>
+            </a:r>
+            <a:r>
+              <a:rPr lang="it-IT" b="1" dirty="0" smtClean="0"/>
+              <a:t> </a:t>
+            </a:r>
+            <a:r>
+              <a:rPr lang="it-IT" dirty="0" smtClean="0"/>
+              <a:t>(comprende </a:t>
+            </a:r>
+            <a:r>
+              <a:rPr lang="it-IT" b="1" dirty="0" err="1" smtClean="0"/>
+              <a:t>Beans</a:t>
+            </a:r>
+            <a:r>
+              <a:rPr lang="it-IT" dirty="0" smtClean="0"/>
+              <a:t>)</a:t>
+            </a:r>
+          </a:p>
+          <a:p>
+            <a:pPr marL="514350" indent="-514350">
+              <a:buFont typeface="+mj-lt"/>
+              <a:buAutoNum type="arabicParenR"/>
+            </a:pPr>
+            <a:endParaRPr lang="it-IT" dirty="0" smtClean="0"/>
+          </a:p>
+          <a:p>
+            <a:pPr marL="514350" indent="-514350">
+              <a:buNone/>
+            </a:pPr>
+            <a:r>
+              <a:rPr lang="it-IT" dirty="0" smtClean="0"/>
+              <a:t>Infine troviamo </a:t>
+            </a:r>
+            <a:r>
+              <a:rPr lang="it-IT" b="1" dirty="0" err="1" smtClean="0"/>
+              <a:t>Exception</a:t>
+            </a:r>
+            <a:endParaRPr lang="it-IT" b="1" dirty="0" smtClean="0"/>
+          </a:p>
+        </p:txBody>
+      </p:sp>
+      <p:pic>
+        <p:nvPicPr>
+          <p:cNvPr id="7" name="Picture 2" descr="C:\Users\festaG\Desktop\Bamby\Università\IS\PROGETTO @silo\@silo\SDD\Sottosistemi\Divisione SottOSISTEMI2.png"/>
+          <p:cNvPicPr>
+            <a:picLocks noChangeAspect="1" noChangeArrowheads="1"/>
+          </p:cNvPicPr>
+          <p:nvPr/>
+        </p:nvPicPr>
+        <p:blipFill>
+          <a:blip r:embed="rId3" cstate="print"/>
+          <a:srcRect/>
+          <a:stretch>
+            <a:fillRect/>
+          </a:stretch>
+        </p:blipFill>
+        <p:spPr bwMode="auto">
+          <a:xfrm>
+            <a:off x="179512" y="2204864"/>
+            <a:ext cx="5389399" cy="4076016"/>
+          </a:xfrm>
+          <a:prstGeom prst="rect">
+            <a:avLst/>
+          </a:prstGeom>
+          <a:noFill/>
+        </p:spPr>
+      </p:pic>
+      <p:sp>
+        <p:nvSpPr>
+          <p:cNvPr id="8" name="Rettangolo 7"/>
+          <p:cNvSpPr/>
+          <p:nvPr/>
+        </p:nvSpPr>
+        <p:spPr>
+          <a:xfrm>
+            <a:off x="611560" y="890717"/>
+            <a:ext cx="8136904" cy="954107"/>
+          </a:xfrm>
+          <a:prstGeom prst="rect">
+            <a:avLst/>
+          </a:prstGeom>
+        </p:spPr>
+        <p:txBody>
+          <a:bodyPr wrap="square">
+            <a:spAutoFit/>
+          </a:bodyPr>
+          <a:lstStyle/>
+          <a:p>
+            <a:pPr>
+              <a:buNone/>
+            </a:pPr>
+            <a:r>
+              <a:rPr lang="it-IT" sz="2800" dirty="0" smtClean="0"/>
+              <a:t>La decomposizione prevista per il sistema è composta da </a:t>
+            </a:r>
+            <a:r>
+              <a:rPr lang="it-IT" sz="2800" i="1" dirty="0" smtClean="0"/>
+              <a:t>tre </a:t>
+            </a:r>
+            <a:r>
+              <a:rPr lang="it-IT" sz="2800" dirty="0" err="1" smtClean="0"/>
+              <a:t>layer</a:t>
+            </a:r>
+            <a:r>
+              <a:rPr lang="it-IT" sz="2800" dirty="0" smtClean="0"/>
+              <a:t>:</a:t>
+            </a:r>
+          </a:p>
+        </p:txBody>
+      </p:sp>
+    </p:spTree>
+  </p:cSld>
+  <p:clrMapOvr>
+    <a:masterClrMapping/>
+  </p:clrMapOvr>
+  <p:timing>
+    <p:tnLst>
+      <p:par>
+        <p:cTn id="1" dur="indefinite" restart="never" nodeType="tmRoot">
+          <p:childTnLst>
+            <p:seq concurrent="1" nextAc="seek">
+              <p:cTn id="2" dur="indefinite" nodeType="mainSeq">
+                <p:childTnLst>
+                  <p:par>
+                    <p:cTn id="3" fill="hold">
+                      <p:stCondLst>
+                        <p:cond delay="indefinite"/>
+                        <p:cond evt="onBegin" delay="0">
+                          <p:tn val="2"/>
+                        </p:cond>
+                      </p:stCondLst>
+                      <p:childTnLst>
+                        <p:par>
+                          <p:cTn id="4" fill="hold">
+                            <p:stCondLst>
+                              <p:cond delay="0"/>
+                            </p:stCondLst>
+                            <p:childTnLst>
+                              <p:par>
+                                <p:cTn id="5" presetID="1" presetClass="entr" presetSubtype="0" fill="hold" grpId="0" nodeType="withEffect">
+                                  <p:stCondLst>
+                                    <p:cond delay="0"/>
+                                  </p:stCondLst>
+                                  <p:childTnLst>
+                                    <p:set>
+                                      <p:cBhvr>
+                                        <p:cTn id="6" dur="1" fill="hold">
+                                          <p:stCondLst>
+                                            <p:cond delay="0"/>
+                                          </p:stCondLst>
+                                        </p:cTn>
+                                        <p:tgtEl>
+                                          <p:spTgt spid="8"/>
+                                        </p:tgtEl>
+                                        <p:attrNameLst>
+                                          <p:attrName>style.visibility</p:attrName>
+                                        </p:attrNameLst>
+                                      </p:cBhvr>
+                                      <p:to>
+                                        <p:strVal val="visible"/>
+                                      </p:to>
+                                    </p:set>
+                                  </p:childTnLst>
+                                </p:cTn>
+                              </p:par>
+                            </p:childTnLst>
+                          </p:cTn>
+                        </p:par>
+                        <p:par>
+                          <p:cTn id="7" fill="hold">
+                            <p:stCondLst>
+                              <p:cond delay="0"/>
+                            </p:stCondLst>
+                            <p:childTnLst>
+                              <p:par>
+                                <p:cTn id="8" presetID="13" presetClass="entr" presetSubtype="16" fill="hold" nodeType="afterEffect">
+                                  <p:stCondLst>
+                                    <p:cond delay="0"/>
+                                  </p:stCondLst>
+                                  <p:childTnLst>
+                                    <p:set>
+                                      <p:cBhvr>
+                                        <p:cTn id="9" dur="1" fill="hold">
+                                          <p:stCondLst>
+                                            <p:cond delay="0"/>
+                                          </p:stCondLst>
+                                        </p:cTn>
+                                        <p:tgtEl>
+                                          <p:spTgt spid="7"/>
+                                        </p:tgtEl>
+                                        <p:attrNameLst>
+                                          <p:attrName>style.visibility</p:attrName>
+                                        </p:attrNameLst>
+                                      </p:cBhvr>
+                                      <p:to>
+                                        <p:strVal val="visible"/>
+                                      </p:to>
+                                    </p:set>
+                                    <p:animEffect transition="in" filter="plus(in)">
+                                      <p:cBhvr>
+                                        <p:cTn id="10" dur="2000"/>
+                                        <p:tgtEl>
+                                          <p:spTgt spid="7"/>
+                                        </p:tgtEl>
+                                      </p:cBhvr>
+                                    </p:animEffect>
+                                  </p:childTnLst>
+                                </p:cTn>
+                              </p:par>
+                              <p:par>
+                                <p:cTn id="11" presetID="42" presetClass="entr" presetSubtype="0" fill="hold" grpId="0" nodeType="withEffect">
+                                  <p:stCondLst>
+                                    <p:cond delay="0"/>
+                                  </p:stCondLst>
+                                  <p:childTnLst>
+                                    <p:set>
+                                      <p:cBhvr>
+                                        <p:cTn id="12" dur="1" fill="hold">
+                                          <p:stCondLst>
+                                            <p:cond delay="0"/>
+                                          </p:stCondLst>
+                                        </p:cTn>
+                                        <p:tgtEl>
+                                          <p:spTgt spid="6"/>
+                                        </p:tgtEl>
+                                        <p:attrNameLst>
+                                          <p:attrName>style.visibility</p:attrName>
+                                        </p:attrNameLst>
+                                      </p:cBhvr>
+                                      <p:to>
+                                        <p:strVal val="visible"/>
+                                      </p:to>
+                                    </p:set>
+                                    <p:animEffect transition="in" filter="fade">
+                                      <p:cBhvr>
+                                        <p:cTn id="13" dur="1000"/>
+                                        <p:tgtEl>
+                                          <p:spTgt spid="6"/>
+                                        </p:tgtEl>
+                                      </p:cBhvr>
+                                    </p:animEffect>
+                                    <p:anim calcmode="lin" valueType="num">
+                                      <p:cBhvr>
+                                        <p:cTn id="14" dur="1000" fill="hold"/>
+                                        <p:tgtEl>
+                                          <p:spTgt spid="6"/>
+                                        </p:tgtEl>
+                                        <p:attrNameLst>
+                                          <p:attrName>ppt_x</p:attrName>
+                                        </p:attrNameLst>
+                                      </p:cBhvr>
+                                      <p:tavLst>
+                                        <p:tav tm="0">
+                                          <p:val>
+                                            <p:strVal val="#ppt_x"/>
+                                          </p:val>
+                                        </p:tav>
+                                        <p:tav tm="100000">
+                                          <p:val>
+                                            <p:strVal val="#ppt_x"/>
+                                          </p:val>
+                                        </p:tav>
+                                      </p:tavLst>
+                                    </p:anim>
+                                    <p:anim calcmode="lin" valueType="num">
+                                      <p:cBhvr>
+                                        <p:cTn id="15" dur="1000" fill="hold"/>
+                                        <p:tgtEl>
+                                          <p:spTgt spid="6"/>
+                                        </p:tgtEl>
+                                        <p:attrNameLst>
+                                          <p:attrName>ppt_y</p:attrName>
+                                        </p:attrNameLst>
+                                      </p:cBhvr>
+                                      <p:tavLst>
+                                        <p:tav tm="0">
+                                          <p:val>
+                                            <p:strVal val="#ppt_y+.1"/>
+                                          </p:val>
+                                        </p:tav>
+                                        <p:tav tm="100000">
+                                          <p:val>
+                                            <p:strVal val="#ppt_y"/>
+                                          </p:val>
+                                        </p:tav>
+                                      </p:tavLst>
+                                    </p:anim>
+                                  </p:childTnLst>
+                                </p:cTn>
+                              </p:par>
+                            </p:childTnLst>
+                          </p:cTn>
+                        </p:par>
+                      </p:childTnLst>
+                    </p:cTn>
+                  </p:par>
+                </p:childTnLst>
+              </p:cTn>
+              <p:prevCondLst>
+                <p:cond evt="onPrev" delay="0">
+                  <p:tgtEl>
+                    <p:sldTgt/>
+                  </p:tgtEl>
+                </p:cond>
+              </p:prevCondLst>
+              <p:nextCondLst>
+                <p:cond evt="onNext" delay="0">
+                  <p:tgtEl>
+                    <p:sldTgt/>
+                  </p:tgtEl>
+                </p:cond>
+              </p:nextCondLst>
+            </p:seq>
+          </p:childTnLst>
+        </p:cTn>
+      </p:par>
+    </p:tnLst>
+    <p:bldLst>
+      <p:bldP spid="6" grpId="0"/>
+      <p:bldP spid="8" grpId="0"/>
+    </p:bldLst>
+  </p:timing>
+</p:sld>
+</file>
+
+<file path=ppt/slides/slide37.xml><?xml version="1.0" encoding="utf-8"?>
+<p:sld xmlns:a="http://schemas.openxmlformats.org/drawingml/2006/main" xmlns:r="http://schemas.openxmlformats.org/officeDocument/2006/relationships" xmlns:p="http://schemas.openxmlformats.org/presentationml/2006/main">
+  <p:cSld>
+    <p:spTree>
+      <p:nvGrpSpPr>
+        <p:cNvPr id="1" name=""/>
+        <p:cNvGrpSpPr/>
+        <p:nvPr/>
+      </p:nvGrpSpPr>
+      <p:grpSpPr>
+        <a:xfrm>
+          <a:off x="0" y="0"/>
+          <a:ext cx="0" cy="0"/>
+          <a:chOff x="0" y="0"/>
+          <a:chExt cx="0" cy="0"/>
+        </a:xfrm>
+      </p:grpSpPr>
+      <p:pic>
+        <p:nvPicPr>
+          <p:cNvPr id="2051" name="Picture 3"/>
+          <p:cNvPicPr>
+            <a:picLocks noChangeAspect="1" noChangeArrowheads="1"/>
+          </p:cNvPicPr>
+          <p:nvPr/>
+        </p:nvPicPr>
+        <p:blipFill>
+          <a:blip r:embed="rId2" cstate="print"/>
+          <a:srcRect/>
+          <a:stretch>
+            <a:fillRect/>
+          </a:stretch>
+        </p:blipFill>
+        <p:spPr bwMode="auto">
+          <a:xfrm>
+            <a:off x="3707904" y="764704"/>
+            <a:ext cx="5184020" cy="5536332"/>
+          </a:xfrm>
+          <a:prstGeom prst="rect">
+            <a:avLst/>
+          </a:prstGeom>
+          <a:noFill/>
+          <a:ln w="9525">
+            <a:noFill/>
+            <a:miter lim="800000"/>
+            <a:headEnd/>
+            <a:tailEnd/>
+          </a:ln>
+        </p:spPr>
+      </p:pic>
+      <p:sp>
+        <p:nvSpPr>
+          <p:cNvPr id="10" name="Content Placeholder 3"/>
+          <p:cNvSpPr txBox="1">
+            <a:spLocks/>
+          </p:cNvSpPr>
+          <p:nvPr/>
+        </p:nvSpPr>
+        <p:spPr>
+          <a:xfrm>
+            <a:off x="323528" y="764704"/>
+            <a:ext cx="3672408" cy="2376264"/>
+          </a:xfrm>
+          <a:prstGeom prst="rect">
+            <a:avLst/>
+          </a:prstGeom>
+        </p:spPr>
+        <p:txBody>
+          <a:bodyPr tIns="0"/>
+          <a:lstStyle>
+            <a:lvl1pPr marL="274320" indent="-274320" algn="l" rtl="0" eaLnBrk="1" latinLnBrk="0" hangingPunct="1">
+              <a:spcBef>
+                <a:spcPct val="20000"/>
+              </a:spcBef>
+              <a:buClrTx/>
+              <a:buSzPct val="95000"/>
+              <a:buFont typeface="Wingdings" pitchFamily="2" charset="2"/>
+              <a:buChar char="v"/>
+              <a:defRPr kumimoji="0" sz="2800" kern="1200">
+                <a:solidFill>
+                  <a:schemeClr val="tx1"/>
+                </a:solidFill>
+                <a:latin typeface="+mn-lt"/>
+                <a:ea typeface="+mn-ea"/>
+                <a:cs typeface="+mn-cs"/>
+              </a:defRPr>
+            </a:lvl1pPr>
+            <a:lvl2pPr marL="640080" indent="-246888" algn="l" rtl="0" eaLnBrk="1" latinLnBrk="0" hangingPunct="1">
+              <a:spcBef>
+                <a:spcPct val="20000"/>
+              </a:spcBef>
+              <a:buClrTx/>
+              <a:buSzPct val="85000"/>
+              <a:buFont typeface="Courier New" pitchFamily="49" charset="0"/>
+              <a:buChar char="o"/>
+              <a:defRPr kumimoji="0" sz="2600" kern="1200">
+                <a:solidFill>
+                  <a:schemeClr val="tx1"/>
+                </a:solidFill>
+                <a:latin typeface="+mn-lt"/>
+                <a:ea typeface="+mn-ea"/>
+                <a:cs typeface="+mn-cs"/>
+              </a:defRPr>
+            </a:lvl2pPr>
+            <a:lvl3pPr marL="914400" indent="-246888" algn="l" rtl="0" eaLnBrk="1" latinLnBrk="0" hangingPunct="1">
+              <a:spcBef>
+                <a:spcPct val="20000"/>
+              </a:spcBef>
+              <a:buClrTx/>
+              <a:buSzPct val="70000"/>
+              <a:buFont typeface="Wingdings 2"/>
+              <a:buChar char=""/>
+              <a:defRPr kumimoji="0" sz="2400" kern="1200">
+                <a:solidFill>
+                  <a:schemeClr val="tx1"/>
+                </a:solidFill>
+                <a:latin typeface="+mn-lt"/>
+                <a:ea typeface="+mn-ea"/>
+                <a:cs typeface="+mn-cs"/>
+              </a:defRPr>
+            </a:lvl3pPr>
+            <a:lvl4pPr marL="1188720" indent="-210312" algn="l" rtl="0" eaLnBrk="1" latinLnBrk="0" hangingPunct="1">
+              <a:spcBef>
+                <a:spcPct val="20000"/>
+              </a:spcBef>
+              <a:buClrTx/>
+              <a:buSzPct val="65000"/>
+              <a:buFont typeface="Wingdings 2"/>
+              <a:buChar char=""/>
+              <a:defRPr kumimoji="0" sz="2000" kern="1200">
+                <a:solidFill>
+                  <a:schemeClr val="tx1"/>
+                </a:solidFill>
+                <a:latin typeface="+mn-lt"/>
+                <a:ea typeface="+mn-ea"/>
+                <a:cs typeface="+mn-cs"/>
+              </a:defRPr>
+            </a:lvl4pPr>
+            <a:lvl5pPr marL="1463040" indent="-210312" algn="l" rtl="0" eaLnBrk="1" latinLnBrk="0" hangingPunct="1">
+              <a:spcBef>
+                <a:spcPct val="20000"/>
+              </a:spcBef>
+              <a:buClrTx/>
+              <a:buSzPct val="65000"/>
+              <a:buFont typeface="Wingdings 2"/>
+              <a:buChar char=""/>
+              <a:defRPr kumimoji="0" sz="1800" kern="1200">
+                <a:solidFill>
+                  <a:schemeClr val="tx1"/>
+                </a:solidFill>
+                <a:latin typeface="+mn-lt"/>
+                <a:ea typeface="+mn-ea"/>
+                <a:cs typeface="+mn-cs"/>
+              </a:defRPr>
+            </a:lvl5pPr>
+            <a:lvl6pPr marL="1737360" indent="-210312" algn="l" rtl="0" eaLnBrk="1" latinLnBrk="0" hangingPunct="1">
+              <a:spcBef>
+                <a:spcPct val="20000"/>
+              </a:spcBef>
+              <a:buClr>
+                <a:schemeClr val="accent5"/>
+              </a:buClr>
+              <a:buSzPct val="80000"/>
+              <a:buFont typeface="Wingdings 2"/>
+              <a:buChar char=""/>
+              <a:defRPr kumimoji="0" sz="1800" kern="1200">
+                <a:solidFill>
+                  <a:schemeClr val="tx1"/>
+                </a:solidFill>
+                <a:latin typeface="+mn-lt"/>
+                <a:ea typeface="+mn-ea"/>
+                <a:cs typeface="+mn-cs"/>
+              </a:defRPr>
+            </a:lvl6pPr>
+            <a:lvl7pPr marL="1920240" indent="-182880" algn="l" rtl="0" eaLnBrk="1" latinLnBrk="0" hangingPunct="1">
+              <a:spcBef>
+                <a:spcPct val="20000"/>
+              </a:spcBef>
+              <a:buClr>
+                <a:schemeClr val="accent6"/>
+              </a:buClr>
+              <a:buSzPct val="80000"/>
+              <a:buFont typeface="Wingdings 2"/>
+              <a:buChar char=""/>
+              <a:defRPr kumimoji="0" sz="1600" kern="1200" baseline="0">
+                <a:solidFill>
+                  <a:schemeClr val="tx1"/>
+                </a:solidFill>
+                <a:latin typeface="+mn-lt"/>
+                <a:ea typeface="+mn-ea"/>
+                <a:cs typeface="+mn-cs"/>
+              </a:defRPr>
+            </a:lvl7pPr>
+            <a:lvl8pPr marL="2194560" indent="-182880" algn="l" rtl="0" eaLnBrk="1" latinLnBrk="0" hangingPunct="1">
+              <a:spcBef>
+                <a:spcPct val="20000"/>
+              </a:spcBef>
+              <a:buClr>
+                <a:schemeClr val="tx2"/>
+              </a:buClr>
+              <a:buChar char="•"/>
+              <a:defRPr kumimoji="0" sz="1600" kern="1200">
+                <a:solidFill>
+                  <a:schemeClr val="tx1"/>
+                </a:solidFill>
+                <a:latin typeface="+mn-lt"/>
+                <a:ea typeface="+mn-ea"/>
+                <a:cs typeface="+mn-cs"/>
+              </a:defRPr>
+            </a:lvl8pPr>
+            <a:lvl9pPr marL="2468880" indent="-182880" algn="l" rtl="0" eaLnBrk="1" latinLnBrk="0" hangingPunct="1">
+              <a:spcBef>
+                <a:spcPct val="20000"/>
+              </a:spcBef>
+              <a:buClr>
+                <a:schemeClr val="tx2"/>
+              </a:buClr>
+              <a:buFontTx/>
+              <a:buChar char="•"/>
+              <a:defRPr kumimoji="0" sz="1400" kern="1200" baseline="0">
+                <a:solidFill>
+                  <a:schemeClr val="tx1"/>
+                </a:solidFill>
+                <a:latin typeface="+mn-lt"/>
+                <a:ea typeface="+mn-ea"/>
+                <a:cs typeface="+mn-cs"/>
+              </a:defRPr>
+            </a:lvl9pPr>
+          </a:lstStyle>
+          <a:p>
+            <a:pPr marL="0" indent="0">
+              <a:buNone/>
+            </a:pPr>
+            <a:r>
+              <a:rPr lang="it-IT" b="1" dirty="0" smtClean="0"/>
+              <a:t>PRIMA VERSIONE</a:t>
+            </a:r>
+          </a:p>
+          <a:p>
+            <a:pPr marL="0" indent="0">
+              <a:buNone/>
+            </a:pPr>
+            <a:endParaRPr lang="it-IT" sz="1700" i="1" dirty="0" smtClean="0"/>
+          </a:p>
+          <a:p>
+            <a:pPr marL="0" indent="0">
+              <a:buNone/>
+            </a:pPr>
+            <a:r>
+              <a:rPr lang="it-IT" sz="2600" i="1" dirty="0" err="1" smtClean="0"/>
+              <a:t>Application</a:t>
+            </a:r>
+            <a:r>
+              <a:rPr lang="it-IT" sz="2600" i="1" dirty="0" smtClean="0"/>
+              <a:t> (</a:t>
+            </a:r>
+            <a:r>
+              <a:rPr lang="it-IT" sz="2600" dirty="0" smtClean="0"/>
+              <a:t>così come </a:t>
+            </a:r>
+            <a:r>
+              <a:rPr lang="it-IT" sz="2600" i="1" dirty="0" err="1" smtClean="0"/>
+              <a:t>Presentation</a:t>
+            </a:r>
+            <a:r>
+              <a:rPr lang="it-IT" sz="2600" i="1" dirty="0" smtClean="0"/>
+              <a:t>) </a:t>
+            </a:r>
+            <a:r>
+              <a:rPr lang="it-IT" sz="2600" dirty="0" smtClean="0"/>
+              <a:t>presentava inizialmente una suddivisione su </a:t>
+            </a:r>
+            <a:r>
+              <a:rPr lang="it-IT" sz="2600" u="sng" dirty="0" smtClean="0"/>
+              <a:t>due</a:t>
+            </a:r>
+            <a:r>
+              <a:rPr lang="it-IT" sz="2600" dirty="0" smtClean="0"/>
+              <a:t> livelli</a:t>
+            </a:r>
+          </a:p>
+        </p:txBody>
+      </p:sp>
+      <p:cxnSp>
+        <p:nvCxnSpPr>
+          <p:cNvPr id="7" name="Connettore 2 6"/>
+          <p:cNvCxnSpPr/>
+          <p:nvPr/>
+        </p:nvCxnSpPr>
+        <p:spPr>
+          <a:xfrm flipH="1">
+            <a:off x="5004048" y="3140968"/>
+            <a:ext cx="216024" cy="432048"/>
+          </a:xfrm>
+          <a:prstGeom prst="straightConnector1">
+            <a:avLst/>
+          </a:prstGeom>
+          <a:ln>
+            <a:tailEnd type="arrow"/>
+          </a:ln>
+        </p:spPr>
+        <p:style>
+          <a:lnRef idx="3">
+            <a:schemeClr val="accent4"/>
+          </a:lnRef>
+          <a:fillRef idx="0">
+            <a:schemeClr val="accent4"/>
+          </a:fillRef>
+          <a:effectRef idx="2">
+            <a:schemeClr val="accent4"/>
+          </a:effectRef>
+          <a:fontRef idx="minor">
+            <a:schemeClr val="tx1"/>
+          </a:fontRef>
+        </p:style>
+      </p:cxnSp>
+      <p:sp>
+        <p:nvSpPr>
+          <p:cNvPr id="9" name="Rettangolo 8"/>
+          <p:cNvSpPr/>
+          <p:nvPr/>
+        </p:nvSpPr>
+        <p:spPr>
+          <a:xfrm>
+            <a:off x="4644008" y="2348880"/>
+            <a:ext cx="1296144" cy="792088"/>
+          </a:xfrm>
+          <a:prstGeom prst="rect">
+            <a:avLst/>
+          </a:prstGeom>
+          <a:noFill/>
+          <a:ln w="38100"/>
+        </p:spPr>
+        <p:style>
+          <a:lnRef idx="2">
+            <a:schemeClr val="accent1">
+              <a:shade val="50000"/>
+            </a:schemeClr>
+          </a:lnRef>
+          <a:fillRef idx="1">
+            <a:schemeClr val="accent1"/>
+          </a:fillRef>
+          <a:effectRef idx="0">
+            <a:schemeClr val="accent1"/>
+          </a:effectRef>
+          <a:fontRef idx="minor">
+            <a:schemeClr val="lt1"/>
+          </a:fontRef>
+        </p:style>
+        <p:txBody>
+          <a:bodyPr rtlCol="0" anchor="ctr"/>
+          <a:lstStyle/>
+          <a:p>
+            <a:pPr algn="ctr"/>
+            <a:endParaRPr lang="it-IT"/>
+          </a:p>
+        </p:txBody>
+      </p:sp>
+      <p:sp>
+        <p:nvSpPr>
+          <p:cNvPr id="11" name="Rettangolo 10"/>
+          <p:cNvSpPr/>
+          <p:nvPr/>
+        </p:nvSpPr>
+        <p:spPr>
+          <a:xfrm>
+            <a:off x="5940152" y="2348880"/>
+            <a:ext cx="1368152" cy="792088"/>
+          </a:xfrm>
+          <a:prstGeom prst="rect">
+            <a:avLst/>
+          </a:prstGeom>
+          <a:noFill/>
+          <a:ln w="38100"/>
+        </p:spPr>
+        <p:style>
+          <a:lnRef idx="2">
+            <a:schemeClr val="accent1">
+              <a:shade val="50000"/>
+            </a:schemeClr>
+          </a:lnRef>
+          <a:fillRef idx="1">
+            <a:schemeClr val="accent1"/>
+          </a:fillRef>
+          <a:effectRef idx="0">
+            <a:schemeClr val="accent1"/>
+          </a:effectRef>
+          <a:fontRef idx="minor">
+            <a:schemeClr val="lt1"/>
+          </a:fontRef>
+        </p:style>
+        <p:txBody>
+          <a:bodyPr rtlCol="0" anchor="ctr"/>
+          <a:lstStyle/>
+          <a:p>
+            <a:pPr algn="ctr"/>
+            <a:endParaRPr lang="it-IT"/>
+          </a:p>
+        </p:txBody>
+      </p:sp>
+      <p:sp>
+        <p:nvSpPr>
+          <p:cNvPr id="12" name="Rettangolo 11"/>
+          <p:cNvSpPr/>
+          <p:nvPr/>
+        </p:nvSpPr>
+        <p:spPr>
+          <a:xfrm>
+            <a:off x="7308304" y="2348880"/>
+            <a:ext cx="1296144" cy="792088"/>
+          </a:xfrm>
+          <a:prstGeom prst="rect">
+            <a:avLst/>
+          </a:prstGeom>
+          <a:noFill/>
+          <a:ln w="38100"/>
+        </p:spPr>
+        <p:style>
+          <a:lnRef idx="2">
+            <a:schemeClr val="accent1">
+              <a:shade val="50000"/>
+            </a:schemeClr>
+          </a:lnRef>
+          <a:fillRef idx="1">
+            <a:schemeClr val="accent1"/>
+          </a:fillRef>
+          <a:effectRef idx="0">
+            <a:schemeClr val="accent1"/>
+          </a:effectRef>
+          <a:fontRef idx="minor">
+            <a:schemeClr val="lt1"/>
+          </a:fontRef>
+        </p:style>
+        <p:txBody>
+          <a:bodyPr rtlCol="0" anchor="ctr"/>
+          <a:lstStyle/>
+          <a:p>
+            <a:pPr algn="ctr"/>
+            <a:endParaRPr lang="it-IT"/>
+          </a:p>
+        </p:txBody>
+      </p:sp>
+      <p:cxnSp>
+        <p:nvCxnSpPr>
+          <p:cNvPr id="13" name="Connettore 2 12"/>
+          <p:cNvCxnSpPr>
+            <a:stCxn id="11" idx="2"/>
+          </p:cNvCxnSpPr>
+          <p:nvPr/>
+        </p:nvCxnSpPr>
+        <p:spPr>
+          <a:xfrm>
+            <a:off x="6624228" y="3140968"/>
+            <a:ext cx="36004" cy="432048"/>
+          </a:xfrm>
+          <a:prstGeom prst="straightConnector1">
+            <a:avLst/>
+          </a:prstGeom>
+          <a:ln>
+            <a:tailEnd type="arrow"/>
+          </a:ln>
+        </p:spPr>
+        <p:style>
+          <a:lnRef idx="3">
+            <a:schemeClr val="accent4"/>
+          </a:lnRef>
+          <a:fillRef idx="0">
+            <a:schemeClr val="accent4"/>
+          </a:fillRef>
+          <a:effectRef idx="2">
+            <a:schemeClr val="accent4"/>
+          </a:effectRef>
+          <a:fontRef idx="minor">
+            <a:schemeClr val="tx1"/>
+          </a:fontRef>
+        </p:style>
+      </p:cxnSp>
+      <p:cxnSp>
+        <p:nvCxnSpPr>
+          <p:cNvPr id="16" name="Connettore 2 15"/>
+          <p:cNvCxnSpPr/>
+          <p:nvPr/>
+        </p:nvCxnSpPr>
+        <p:spPr>
+          <a:xfrm>
+            <a:off x="8100392" y="3140968"/>
+            <a:ext cx="216024" cy="432048"/>
+          </a:xfrm>
+          <a:prstGeom prst="straightConnector1">
+            <a:avLst/>
+          </a:prstGeom>
+          <a:ln>
+            <a:tailEnd type="arrow"/>
+          </a:ln>
+        </p:spPr>
+        <p:style>
+          <a:lnRef idx="3">
+            <a:schemeClr val="accent4"/>
+          </a:lnRef>
+          <a:fillRef idx="0">
+            <a:schemeClr val="accent4"/>
+          </a:fillRef>
+          <a:effectRef idx="2">
+            <a:schemeClr val="accent4"/>
+          </a:effectRef>
+          <a:fontRef idx="minor">
+            <a:schemeClr val="tx1"/>
+          </a:fontRef>
+        </p:style>
+      </p:cxnSp>
+      <p:sp>
+        <p:nvSpPr>
+          <p:cNvPr id="24" name="Content Placeholder 3"/>
+          <p:cNvSpPr txBox="1">
+            <a:spLocks/>
+          </p:cNvSpPr>
+          <p:nvPr/>
+        </p:nvSpPr>
+        <p:spPr>
+          <a:xfrm>
+            <a:off x="4283968" y="3501008"/>
+            <a:ext cx="1584176" cy="360040"/>
+          </a:xfrm>
+          <a:prstGeom prst="rect">
+            <a:avLst/>
+          </a:prstGeom>
+        </p:spPr>
+        <p:txBody>
+          <a:bodyPr tIns="0"/>
+          <a:lstStyle>
+            <a:lvl1pPr marL="274320" indent="-274320" algn="l" rtl="0" eaLnBrk="1" latinLnBrk="0" hangingPunct="1">
+              <a:spcBef>
+                <a:spcPct val="20000"/>
+              </a:spcBef>
+              <a:buClrTx/>
+              <a:buSzPct val="95000"/>
+              <a:buFont typeface="Wingdings" pitchFamily="2" charset="2"/>
+              <a:buChar char="v"/>
+              <a:defRPr kumimoji="0" sz="2800" kern="1200">
+                <a:solidFill>
+                  <a:schemeClr val="tx1"/>
+                </a:solidFill>
+                <a:latin typeface="+mn-lt"/>
+                <a:ea typeface="+mn-ea"/>
+                <a:cs typeface="+mn-cs"/>
+              </a:defRPr>
+            </a:lvl1pPr>
+            <a:lvl2pPr marL="640080" indent="-246888" algn="l" rtl="0" eaLnBrk="1" latinLnBrk="0" hangingPunct="1">
+              <a:spcBef>
+                <a:spcPct val="20000"/>
+              </a:spcBef>
+              <a:buClrTx/>
+              <a:buSzPct val="85000"/>
+              <a:buFont typeface="Courier New" pitchFamily="49" charset="0"/>
+              <a:buChar char="o"/>
+              <a:defRPr kumimoji="0" sz="2600" kern="1200">
+                <a:solidFill>
+                  <a:schemeClr val="tx1"/>
+                </a:solidFill>
+                <a:latin typeface="+mn-lt"/>
+                <a:ea typeface="+mn-ea"/>
+                <a:cs typeface="+mn-cs"/>
+              </a:defRPr>
+            </a:lvl2pPr>
+            <a:lvl3pPr marL="914400" indent="-246888" algn="l" rtl="0" eaLnBrk="1" latinLnBrk="0" hangingPunct="1">
+              <a:spcBef>
+                <a:spcPct val="20000"/>
+              </a:spcBef>
+              <a:buClrTx/>
+              <a:buSzPct val="70000"/>
+              <a:buFont typeface="Wingdings 2"/>
+              <a:buChar char=""/>
+              <a:defRPr kumimoji="0" sz="2400" kern="1200">
+                <a:solidFill>
+                  <a:schemeClr val="tx1"/>
+                </a:solidFill>
+                <a:latin typeface="+mn-lt"/>
+                <a:ea typeface="+mn-ea"/>
+                <a:cs typeface="+mn-cs"/>
+              </a:defRPr>
+            </a:lvl3pPr>
+            <a:lvl4pPr marL="1188720" indent="-210312" algn="l" rtl="0" eaLnBrk="1" latinLnBrk="0" hangingPunct="1">
+              <a:spcBef>
+                <a:spcPct val="20000"/>
+              </a:spcBef>
+              <a:buClrTx/>
+              <a:buSzPct val="65000"/>
+              <a:buFont typeface="Wingdings 2"/>
+              <a:buChar char=""/>
+              <a:defRPr kumimoji="0" sz="2000" kern="1200">
+                <a:solidFill>
+                  <a:schemeClr val="tx1"/>
+                </a:solidFill>
+                <a:latin typeface="+mn-lt"/>
+                <a:ea typeface="+mn-ea"/>
+                <a:cs typeface="+mn-cs"/>
+              </a:defRPr>
+            </a:lvl4pPr>
+            <a:lvl5pPr marL="1463040" indent="-210312" algn="l" rtl="0" eaLnBrk="1" latinLnBrk="0" hangingPunct="1">
+              <a:spcBef>
+                <a:spcPct val="20000"/>
+              </a:spcBef>
+              <a:buClrTx/>
+              <a:buSzPct val="65000"/>
+              <a:buFont typeface="Wingdings 2"/>
+              <a:buChar char=""/>
+              <a:defRPr kumimoji="0" sz="1800" kern="1200">
+                <a:solidFill>
+                  <a:schemeClr val="tx1"/>
+                </a:solidFill>
+                <a:latin typeface="+mn-lt"/>
+                <a:ea typeface="+mn-ea"/>
+                <a:cs typeface="+mn-cs"/>
+              </a:defRPr>
+            </a:lvl5pPr>
+            <a:lvl6pPr marL="1737360" indent="-210312" algn="l" rtl="0" eaLnBrk="1" latinLnBrk="0" hangingPunct="1">
+              <a:spcBef>
+                <a:spcPct val="20000"/>
+              </a:spcBef>
+              <a:buClr>
+                <a:schemeClr val="accent5"/>
+              </a:buClr>
+              <a:buSzPct val="80000"/>
+              <a:buFont typeface="Wingdings 2"/>
+              <a:buChar char=""/>
+              <a:defRPr kumimoji="0" sz="1800" kern="1200">
+                <a:solidFill>
+                  <a:schemeClr val="tx1"/>
+                </a:solidFill>
+                <a:latin typeface="+mn-lt"/>
+                <a:ea typeface="+mn-ea"/>
+                <a:cs typeface="+mn-cs"/>
+              </a:defRPr>
+            </a:lvl6pPr>
+            <a:lvl7pPr marL="1920240" indent="-182880" algn="l" rtl="0" eaLnBrk="1" latinLnBrk="0" hangingPunct="1">
+              <a:spcBef>
+                <a:spcPct val="20000"/>
+              </a:spcBef>
+              <a:buClr>
+                <a:schemeClr val="accent6"/>
+              </a:buClr>
+              <a:buSzPct val="80000"/>
+              <a:buFont typeface="Wingdings 2"/>
+              <a:buChar char=""/>
+              <a:defRPr kumimoji="0" sz="1600" kern="1200" baseline="0">
+                <a:solidFill>
+                  <a:schemeClr val="tx1"/>
+                </a:solidFill>
+                <a:latin typeface="+mn-lt"/>
+                <a:ea typeface="+mn-ea"/>
+                <a:cs typeface="+mn-cs"/>
+              </a:defRPr>
+            </a:lvl7pPr>
+            <a:lvl8pPr marL="2194560" indent="-182880" algn="l" rtl="0" eaLnBrk="1" latinLnBrk="0" hangingPunct="1">
+              <a:spcBef>
+                <a:spcPct val="20000"/>
+              </a:spcBef>
+              <a:buClr>
+                <a:schemeClr val="tx2"/>
+              </a:buClr>
+              <a:buChar char="•"/>
+              <a:defRPr kumimoji="0" sz="1600" kern="1200">
+                <a:solidFill>
+                  <a:schemeClr val="tx1"/>
+                </a:solidFill>
+                <a:latin typeface="+mn-lt"/>
+                <a:ea typeface="+mn-ea"/>
+                <a:cs typeface="+mn-cs"/>
+              </a:defRPr>
+            </a:lvl8pPr>
+            <a:lvl9pPr marL="2468880" indent="-182880" algn="l" rtl="0" eaLnBrk="1" latinLnBrk="0" hangingPunct="1">
+              <a:spcBef>
+                <a:spcPct val="20000"/>
+              </a:spcBef>
+              <a:buClr>
+                <a:schemeClr val="tx2"/>
+              </a:buClr>
+              <a:buFontTx/>
+              <a:buChar char="•"/>
+              <a:defRPr kumimoji="0" sz="1400" kern="1200" baseline="0">
+                <a:solidFill>
+                  <a:schemeClr val="tx1"/>
+                </a:solidFill>
+                <a:latin typeface="+mn-lt"/>
+                <a:ea typeface="+mn-ea"/>
+                <a:cs typeface="+mn-cs"/>
+              </a:defRPr>
+            </a:lvl9pPr>
+          </a:lstStyle>
+          <a:p>
+            <a:pPr marL="0" indent="0">
+              <a:buNone/>
+            </a:pPr>
+            <a:r>
+              <a:rPr lang="en-US" sz="1600" b="1" dirty="0" smtClean="0">
+                <a:solidFill>
+                  <a:schemeClr val="accent4"/>
+                </a:solidFill>
+              </a:rPr>
+              <a:t>Team </a:t>
+            </a:r>
+            <a:r>
+              <a:rPr lang="en-US" sz="1600" b="1" dirty="0" err="1" smtClean="0">
+                <a:solidFill>
+                  <a:schemeClr val="accent4"/>
+                </a:solidFill>
+              </a:rPr>
+              <a:t>Accessi</a:t>
+            </a:r>
+            <a:endParaRPr lang="en-US" sz="1600" b="1" dirty="0">
+              <a:solidFill>
+                <a:schemeClr val="accent4"/>
+              </a:solidFill>
+            </a:endParaRPr>
+          </a:p>
+        </p:txBody>
+      </p:sp>
+      <p:sp>
+        <p:nvSpPr>
+          <p:cNvPr id="25" name="Content Placeholder 3"/>
+          <p:cNvSpPr txBox="1">
+            <a:spLocks/>
+          </p:cNvSpPr>
+          <p:nvPr/>
+        </p:nvSpPr>
+        <p:spPr>
+          <a:xfrm>
+            <a:off x="5508104" y="3501008"/>
+            <a:ext cx="1872208" cy="360040"/>
+          </a:xfrm>
+          <a:prstGeom prst="rect">
+            <a:avLst/>
+          </a:prstGeom>
+        </p:spPr>
+        <p:txBody>
+          <a:bodyPr tIns="0"/>
+          <a:lstStyle>
+            <a:lvl1pPr marL="274320" indent="-274320" algn="l" rtl="0" eaLnBrk="1" latinLnBrk="0" hangingPunct="1">
+              <a:spcBef>
+                <a:spcPct val="20000"/>
+              </a:spcBef>
+              <a:buClrTx/>
+              <a:buSzPct val="95000"/>
+              <a:buFont typeface="Wingdings" pitchFamily="2" charset="2"/>
+              <a:buChar char="v"/>
+              <a:defRPr kumimoji="0" sz="2800" kern="1200">
+                <a:solidFill>
+                  <a:schemeClr val="tx1"/>
+                </a:solidFill>
+                <a:latin typeface="+mn-lt"/>
+                <a:ea typeface="+mn-ea"/>
+                <a:cs typeface="+mn-cs"/>
+              </a:defRPr>
+            </a:lvl1pPr>
+            <a:lvl2pPr marL="640080" indent="-246888" algn="l" rtl="0" eaLnBrk="1" latinLnBrk="0" hangingPunct="1">
+              <a:spcBef>
+                <a:spcPct val="20000"/>
+              </a:spcBef>
+              <a:buClrTx/>
+              <a:buSzPct val="85000"/>
+              <a:buFont typeface="Courier New" pitchFamily="49" charset="0"/>
+              <a:buChar char="o"/>
+              <a:defRPr kumimoji="0" sz="2600" kern="1200">
+                <a:solidFill>
+                  <a:schemeClr val="tx1"/>
+                </a:solidFill>
+                <a:latin typeface="+mn-lt"/>
+                <a:ea typeface="+mn-ea"/>
+                <a:cs typeface="+mn-cs"/>
+              </a:defRPr>
+            </a:lvl2pPr>
+            <a:lvl3pPr marL="914400" indent="-246888" algn="l" rtl="0" eaLnBrk="1" latinLnBrk="0" hangingPunct="1">
+              <a:spcBef>
+                <a:spcPct val="20000"/>
+              </a:spcBef>
+              <a:buClrTx/>
+              <a:buSzPct val="70000"/>
+              <a:buFont typeface="Wingdings 2"/>
+              <a:buChar char=""/>
+              <a:defRPr kumimoji="0" sz="2400" kern="1200">
+                <a:solidFill>
+                  <a:schemeClr val="tx1"/>
+                </a:solidFill>
+                <a:latin typeface="+mn-lt"/>
+                <a:ea typeface="+mn-ea"/>
+                <a:cs typeface="+mn-cs"/>
+              </a:defRPr>
+            </a:lvl3pPr>
+            <a:lvl4pPr marL="1188720" indent="-210312" algn="l" rtl="0" eaLnBrk="1" latinLnBrk="0" hangingPunct="1">
+              <a:spcBef>
+                <a:spcPct val="20000"/>
+              </a:spcBef>
+              <a:buClrTx/>
+              <a:buSzPct val="65000"/>
+              <a:buFont typeface="Wingdings 2"/>
+              <a:buChar char=""/>
+              <a:defRPr kumimoji="0" sz="2000" kern="1200">
+                <a:solidFill>
+                  <a:schemeClr val="tx1"/>
+                </a:solidFill>
+                <a:latin typeface="+mn-lt"/>
+                <a:ea typeface="+mn-ea"/>
+                <a:cs typeface="+mn-cs"/>
+              </a:defRPr>
+            </a:lvl4pPr>
+            <a:lvl5pPr marL="1463040" indent="-210312" algn="l" rtl="0" eaLnBrk="1" latinLnBrk="0" hangingPunct="1">
+              <a:spcBef>
+                <a:spcPct val="20000"/>
+              </a:spcBef>
+              <a:buClrTx/>
+              <a:buSzPct val="65000"/>
+              <a:buFont typeface="Wingdings 2"/>
+              <a:buChar char=""/>
+              <a:defRPr kumimoji="0" sz="1800" kern="1200">
+                <a:solidFill>
+                  <a:schemeClr val="tx1"/>
+                </a:solidFill>
+                <a:latin typeface="+mn-lt"/>
+                <a:ea typeface="+mn-ea"/>
+                <a:cs typeface="+mn-cs"/>
+              </a:defRPr>
+            </a:lvl5pPr>
+            <a:lvl6pPr marL="1737360" indent="-210312" algn="l" rtl="0" eaLnBrk="1" latinLnBrk="0" hangingPunct="1">
+              <a:spcBef>
+                <a:spcPct val="20000"/>
+              </a:spcBef>
+              <a:buClr>
+                <a:schemeClr val="accent5"/>
+              </a:buClr>
+              <a:buSzPct val="80000"/>
+              <a:buFont typeface="Wingdings 2"/>
+              <a:buChar char=""/>
+              <a:defRPr kumimoji="0" sz="1800" kern="1200">
+                <a:solidFill>
+                  <a:schemeClr val="tx1"/>
+                </a:solidFill>
+                <a:latin typeface="+mn-lt"/>
+                <a:ea typeface="+mn-ea"/>
+                <a:cs typeface="+mn-cs"/>
+              </a:defRPr>
+            </a:lvl6pPr>
+            <a:lvl7pPr marL="1920240" indent="-182880" algn="l" rtl="0" eaLnBrk="1" latinLnBrk="0" hangingPunct="1">
+              <a:spcBef>
+                <a:spcPct val="20000"/>
+              </a:spcBef>
+              <a:buClr>
+                <a:schemeClr val="accent6"/>
+              </a:buClr>
+              <a:buSzPct val="80000"/>
+              <a:buFont typeface="Wingdings 2"/>
+              <a:buChar char=""/>
+              <a:defRPr kumimoji="0" sz="1600" kern="1200" baseline="0">
+                <a:solidFill>
+                  <a:schemeClr val="tx1"/>
+                </a:solidFill>
+                <a:latin typeface="+mn-lt"/>
+                <a:ea typeface="+mn-ea"/>
+                <a:cs typeface="+mn-cs"/>
+              </a:defRPr>
+            </a:lvl7pPr>
+            <a:lvl8pPr marL="2194560" indent="-182880" algn="l" rtl="0" eaLnBrk="1" latinLnBrk="0" hangingPunct="1">
+              <a:spcBef>
+                <a:spcPct val="20000"/>
+              </a:spcBef>
+              <a:buClr>
+                <a:schemeClr val="tx2"/>
+              </a:buClr>
+              <a:buChar char="•"/>
+              <a:defRPr kumimoji="0" sz="1600" kern="1200">
+                <a:solidFill>
+                  <a:schemeClr val="tx1"/>
+                </a:solidFill>
+                <a:latin typeface="+mn-lt"/>
+                <a:ea typeface="+mn-ea"/>
+                <a:cs typeface="+mn-cs"/>
+              </a:defRPr>
+            </a:lvl8pPr>
+            <a:lvl9pPr marL="2468880" indent="-182880" algn="l" rtl="0" eaLnBrk="1" latinLnBrk="0" hangingPunct="1">
+              <a:spcBef>
+                <a:spcPct val="20000"/>
+              </a:spcBef>
+              <a:buClr>
+                <a:schemeClr val="tx2"/>
+              </a:buClr>
+              <a:buFontTx/>
+              <a:buChar char="•"/>
+              <a:defRPr kumimoji="0" sz="1400" kern="1200" baseline="0">
+                <a:solidFill>
+                  <a:schemeClr val="tx1"/>
+                </a:solidFill>
+                <a:latin typeface="+mn-lt"/>
+                <a:ea typeface="+mn-ea"/>
+                <a:cs typeface="+mn-cs"/>
+              </a:defRPr>
+            </a:lvl9pPr>
+          </a:lstStyle>
+          <a:p>
+            <a:pPr marL="0" indent="0">
+              <a:buNone/>
+            </a:pPr>
+            <a:r>
+              <a:rPr lang="en-US" sz="1500" b="1" dirty="0" smtClean="0">
+                <a:solidFill>
+                  <a:schemeClr val="accent4"/>
+                </a:solidFill>
+              </a:rPr>
+              <a:t>Team Management</a:t>
+            </a:r>
+            <a:endParaRPr lang="en-US" sz="1500" b="1" dirty="0">
+              <a:solidFill>
+                <a:schemeClr val="accent4"/>
+              </a:solidFill>
+            </a:endParaRPr>
+          </a:p>
+        </p:txBody>
+      </p:sp>
+      <p:sp>
+        <p:nvSpPr>
+          <p:cNvPr id="26" name="Content Placeholder 3"/>
+          <p:cNvSpPr txBox="1">
+            <a:spLocks/>
+          </p:cNvSpPr>
+          <p:nvPr/>
+        </p:nvSpPr>
+        <p:spPr>
+          <a:xfrm>
+            <a:off x="7271792" y="3501008"/>
+            <a:ext cx="1980728" cy="360040"/>
+          </a:xfrm>
+          <a:prstGeom prst="rect">
+            <a:avLst/>
+          </a:prstGeom>
+        </p:spPr>
+        <p:txBody>
+          <a:bodyPr tIns="0"/>
+          <a:lstStyle>
+            <a:lvl1pPr marL="274320" indent="-274320" algn="l" rtl="0" eaLnBrk="1" latinLnBrk="0" hangingPunct="1">
+              <a:spcBef>
+                <a:spcPct val="20000"/>
+              </a:spcBef>
+              <a:buClrTx/>
+              <a:buSzPct val="95000"/>
+              <a:buFont typeface="Wingdings" pitchFamily="2" charset="2"/>
+              <a:buChar char="v"/>
+              <a:defRPr kumimoji="0" sz="2800" kern="1200">
+                <a:solidFill>
+                  <a:schemeClr val="tx1"/>
+                </a:solidFill>
+                <a:latin typeface="+mn-lt"/>
+                <a:ea typeface="+mn-ea"/>
+                <a:cs typeface="+mn-cs"/>
+              </a:defRPr>
+            </a:lvl1pPr>
+            <a:lvl2pPr marL="640080" indent="-246888" algn="l" rtl="0" eaLnBrk="1" latinLnBrk="0" hangingPunct="1">
+              <a:spcBef>
+                <a:spcPct val="20000"/>
+              </a:spcBef>
+              <a:buClrTx/>
+              <a:buSzPct val="85000"/>
+              <a:buFont typeface="Courier New" pitchFamily="49" charset="0"/>
+              <a:buChar char="o"/>
+              <a:defRPr kumimoji="0" sz="2600" kern="1200">
+                <a:solidFill>
+                  <a:schemeClr val="tx1"/>
+                </a:solidFill>
+                <a:latin typeface="+mn-lt"/>
+                <a:ea typeface="+mn-ea"/>
+                <a:cs typeface="+mn-cs"/>
+              </a:defRPr>
+            </a:lvl2pPr>
+            <a:lvl3pPr marL="914400" indent="-246888" algn="l" rtl="0" eaLnBrk="1" latinLnBrk="0" hangingPunct="1">
+              <a:spcBef>
+                <a:spcPct val="20000"/>
+              </a:spcBef>
+              <a:buClrTx/>
+              <a:buSzPct val="70000"/>
+              <a:buFont typeface="Wingdings 2"/>
+              <a:buChar char=""/>
+              <a:defRPr kumimoji="0" sz="2400" kern="1200">
+                <a:solidFill>
+                  <a:schemeClr val="tx1"/>
+                </a:solidFill>
+                <a:latin typeface="+mn-lt"/>
+                <a:ea typeface="+mn-ea"/>
+                <a:cs typeface="+mn-cs"/>
+              </a:defRPr>
+            </a:lvl3pPr>
+            <a:lvl4pPr marL="1188720" indent="-210312" algn="l" rtl="0" eaLnBrk="1" latinLnBrk="0" hangingPunct="1">
+              <a:spcBef>
+                <a:spcPct val="20000"/>
+              </a:spcBef>
+              <a:buClrTx/>
+              <a:buSzPct val="65000"/>
+              <a:buFont typeface="Wingdings 2"/>
+              <a:buChar char=""/>
+              <a:defRPr kumimoji="0" sz="2000" kern="1200">
+                <a:solidFill>
+                  <a:schemeClr val="tx1"/>
+                </a:solidFill>
+                <a:latin typeface="+mn-lt"/>
+                <a:ea typeface="+mn-ea"/>
+                <a:cs typeface="+mn-cs"/>
+              </a:defRPr>
+            </a:lvl4pPr>
+            <a:lvl5pPr marL="1463040" indent="-210312" algn="l" rtl="0" eaLnBrk="1" latinLnBrk="0" hangingPunct="1">
+              <a:spcBef>
+                <a:spcPct val="20000"/>
+              </a:spcBef>
+              <a:buClrTx/>
+              <a:buSzPct val="65000"/>
+              <a:buFont typeface="Wingdings 2"/>
+              <a:buChar char=""/>
+              <a:defRPr kumimoji="0" sz="1800" kern="1200">
+                <a:solidFill>
+                  <a:schemeClr val="tx1"/>
+                </a:solidFill>
+                <a:latin typeface="+mn-lt"/>
+                <a:ea typeface="+mn-ea"/>
+                <a:cs typeface="+mn-cs"/>
+              </a:defRPr>
+            </a:lvl5pPr>
+            <a:lvl6pPr marL="1737360" indent="-210312" algn="l" rtl="0" eaLnBrk="1" latinLnBrk="0" hangingPunct="1">
+              <a:spcBef>
+                <a:spcPct val="20000"/>
+              </a:spcBef>
+              <a:buClr>
+                <a:schemeClr val="accent5"/>
+              </a:buClr>
+              <a:buSzPct val="80000"/>
+              <a:buFont typeface="Wingdings 2"/>
+              <a:buChar char=""/>
+              <a:defRPr kumimoji="0" sz="1800" kern="1200">
+                <a:solidFill>
+                  <a:schemeClr val="tx1"/>
+                </a:solidFill>
+                <a:latin typeface="+mn-lt"/>
+                <a:ea typeface="+mn-ea"/>
+                <a:cs typeface="+mn-cs"/>
+              </a:defRPr>
+            </a:lvl6pPr>
+            <a:lvl7pPr marL="1920240" indent="-182880" algn="l" rtl="0" eaLnBrk="1" latinLnBrk="0" hangingPunct="1">
+              <a:spcBef>
+                <a:spcPct val="20000"/>
+              </a:spcBef>
+              <a:buClr>
+                <a:schemeClr val="accent6"/>
+              </a:buClr>
+              <a:buSzPct val="80000"/>
+              <a:buFont typeface="Wingdings 2"/>
+              <a:buChar char=""/>
+              <a:defRPr kumimoji="0" sz="1600" kern="1200" baseline="0">
+                <a:solidFill>
+                  <a:schemeClr val="tx1"/>
+                </a:solidFill>
+                <a:latin typeface="+mn-lt"/>
+                <a:ea typeface="+mn-ea"/>
+                <a:cs typeface="+mn-cs"/>
+              </a:defRPr>
+            </a:lvl7pPr>
+            <a:lvl8pPr marL="2194560" indent="-182880" algn="l" rtl="0" eaLnBrk="1" latinLnBrk="0" hangingPunct="1">
+              <a:spcBef>
+                <a:spcPct val="20000"/>
+              </a:spcBef>
+              <a:buClr>
+                <a:schemeClr val="tx2"/>
+              </a:buClr>
+              <a:buChar char="•"/>
+              <a:defRPr kumimoji="0" sz="1600" kern="1200">
+                <a:solidFill>
+                  <a:schemeClr val="tx1"/>
+                </a:solidFill>
+                <a:latin typeface="+mn-lt"/>
+                <a:ea typeface="+mn-ea"/>
+                <a:cs typeface="+mn-cs"/>
+              </a:defRPr>
+            </a:lvl8pPr>
+            <a:lvl9pPr marL="2468880" indent="-182880" algn="l" rtl="0" eaLnBrk="1" latinLnBrk="0" hangingPunct="1">
+              <a:spcBef>
+                <a:spcPct val="20000"/>
+              </a:spcBef>
+              <a:buClr>
+                <a:schemeClr val="tx2"/>
+              </a:buClr>
+              <a:buFontTx/>
+              <a:buChar char="•"/>
+              <a:defRPr kumimoji="0" sz="1400" kern="1200" baseline="0">
+                <a:solidFill>
+                  <a:schemeClr val="tx1"/>
+                </a:solidFill>
+                <a:latin typeface="+mn-lt"/>
+                <a:ea typeface="+mn-ea"/>
+                <a:cs typeface="+mn-cs"/>
+              </a:defRPr>
+            </a:lvl9pPr>
+          </a:lstStyle>
+          <a:p>
+            <a:pPr marL="0" indent="0">
+              <a:buNone/>
+            </a:pPr>
+            <a:r>
+              <a:rPr lang="en-US" sz="1500" b="1" dirty="0" smtClean="0">
+                <a:solidFill>
+                  <a:schemeClr val="accent4"/>
+                </a:solidFill>
+              </a:rPr>
+              <a:t>Team </a:t>
+            </a:r>
+            <a:r>
+              <a:rPr lang="en-US" sz="1500" b="1" dirty="0" err="1" smtClean="0">
+                <a:solidFill>
+                  <a:schemeClr val="accent4"/>
+                </a:solidFill>
+              </a:rPr>
+              <a:t>Comunicazioni</a:t>
+            </a:r>
+            <a:endParaRPr lang="en-US" sz="1500" b="1" dirty="0">
+              <a:solidFill>
+                <a:schemeClr val="accent4"/>
+              </a:solidFill>
+            </a:endParaRPr>
+          </a:p>
+        </p:txBody>
+      </p:sp>
+      <p:sp>
+        <p:nvSpPr>
+          <p:cNvPr id="28" name="Rettangolo 27"/>
+          <p:cNvSpPr/>
+          <p:nvPr/>
+        </p:nvSpPr>
+        <p:spPr>
+          <a:xfrm>
+            <a:off x="323528" y="3717032"/>
+            <a:ext cx="3456384" cy="2092881"/>
+          </a:xfrm>
+          <a:prstGeom prst="rect">
+            <a:avLst/>
+          </a:prstGeom>
+        </p:spPr>
+        <p:txBody>
+          <a:bodyPr wrap="square">
+            <a:spAutoFit/>
+          </a:bodyPr>
+          <a:lstStyle/>
+          <a:p>
+            <a:pPr>
+              <a:buFont typeface="Wingdings" pitchFamily="2" charset="2"/>
+              <a:buChar char="v"/>
+            </a:pPr>
+            <a:r>
+              <a:rPr lang="it-IT" sz="2600" dirty="0" smtClean="0"/>
+              <a:t> Nel </a:t>
+            </a:r>
+            <a:r>
+              <a:rPr lang="it-IT" sz="2600" u="sng" dirty="0" smtClean="0"/>
+              <a:t>primo</a:t>
+            </a:r>
+            <a:r>
+              <a:rPr lang="it-IT" sz="2600" dirty="0" smtClean="0"/>
+              <a:t> livello trovavamo 3 macro Gestioni:</a:t>
+            </a:r>
+          </a:p>
+          <a:p>
+            <a:pPr lvl="1">
+              <a:buFont typeface="Courier New" pitchFamily="49" charset="0"/>
+              <a:buChar char="o"/>
+            </a:pPr>
+            <a:r>
+              <a:rPr lang="it-IT" sz="2600" dirty="0" smtClean="0"/>
+              <a:t> </a:t>
+            </a:r>
+            <a:r>
+              <a:rPr lang="it-IT" sz="2300" i="1" dirty="0" smtClean="0"/>
+              <a:t>ricordavano la divisione nei vari team</a:t>
+            </a:r>
+          </a:p>
+        </p:txBody>
+      </p:sp>
+      <p:sp>
+        <p:nvSpPr>
+          <p:cNvPr id="14" name="Segnaposto numero diapositiva 13"/>
+          <p:cNvSpPr>
+            <a:spLocks noGrp="1"/>
+          </p:cNvSpPr>
+          <p:nvPr>
+            <p:ph type="sldNum" sz="quarter" idx="12"/>
+          </p:nvPr>
+        </p:nvSpPr>
+        <p:spPr/>
+        <p:txBody>
+          <a:bodyPr/>
+          <a:lstStyle/>
+          <a:p>
+            <a:fld id="{F89AEA99-3E91-4C58-9AD4-045DB5619AC3}" type="slidenum">
+              <a:rPr lang="it-IT" smtClean="0"/>
+              <a:pPr/>
+              <a:t>37</a:t>
+            </a:fld>
+            <a:endParaRPr lang="it-IT"/>
+          </a:p>
+        </p:txBody>
+      </p:sp>
+    </p:spTree>
+    <p:extLst>
+      <p:ext uri="{BB962C8B-B14F-4D97-AF65-F5344CB8AC3E}">
+        <p14:creationId xmlns:p14="http://schemas.microsoft.com/office/powerpoint/2010/main" xmlns="" val="155874689"/>
+      </p:ext>
+    </p:extLst>
+  </p:cSld>
+  <p:clrMapOvr>
+    <a:masterClrMapping/>
+  </p:clrMapOvr>
+  <mc:AlternateContent xmlns:mc="http://schemas.openxmlformats.org/markup-compatibility/2006">
+    <mc:Choice xmlns:p14="http://schemas.microsoft.com/office/powerpoint/2010/main" xmlns="" Requires="p14">
+      <p:transition spd="slow" p14:dur="2000"/>
+    </mc:Choice>
+    <mc:Fallback>
+      <p:transition spd="slow"/>
+    </mc:Fallback>
+  </mc:AlternateContent>
+  <p:timing>
+    <p:tnLst>
+      <p:par>
+        <p:cTn id="1" dur="indefinite" restart="never" nodeType="tmRoot">
+          <p:childTnLst>
+            <p:seq concurrent="1" nextAc="seek">
+              <p:cTn id="2" dur="indefinite" nodeType="mainSeq">
+                <p:childTnLst>
+                  <p:par>
+                    <p:cTn id="3" fill="hold">
+                      <p:stCondLst>
+                        <p:cond delay="indefinite"/>
+                        <p:cond evt="onBegin" delay="0">
+                          <p:tn val="2"/>
+                        </p:cond>
+                      </p:stCondLst>
+                      <p:childTnLst>
+                        <p:par>
+                          <p:cTn id="4" fill="hold">
+                            <p:stCondLst>
+                              <p:cond delay="0"/>
+                            </p:stCondLst>
+                            <p:childTnLst>
+                              <p:par>
+                                <p:cTn id="5" presetID="10" presetClass="entr" presetSubtype="0" fill="hold" grpId="0" nodeType="withEffect">
+                                  <p:stCondLst>
+                                    <p:cond delay="0"/>
+                                  </p:stCondLst>
+                                  <p:childTnLst>
+                                    <p:set>
+                                      <p:cBhvr>
+                                        <p:cTn id="6" dur="1" fill="hold">
+                                          <p:stCondLst>
+                                            <p:cond delay="0"/>
+                                          </p:stCondLst>
+                                        </p:cTn>
+                                        <p:tgtEl>
+                                          <p:spTgt spid="10"/>
+                                        </p:tgtEl>
+                                        <p:attrNameLst>
+                                          <p:attrName>style.visibility</p:attrName>
+                                        </p:attrNameLst>
+                                      </p:cBhvr>
+                                      <p:to>
+                                        <p:strVal val="visible"/>
+                                      </p:to>
+                                    </p:set>
+                                    <p:animEffect transition="in" filter="fade">
+                                      <p:cBhvr>
+                                        <p:cTn id="7" dur="2000"/>
+                                        <p:tgtEl>
+                                          <p:spTgt spid="10"/>
+                                        </p:tgtEl>
+                                      </p:cBhvr>
+                                    </p:animEffect>
+                                  </p:childTnLst>
+                                </p:cTn>
+                              </p:par>
+                            </p:childTnLst>
+                          </p:cTn>
+                        </p:par>
+                      </p:childTnLst>
+                    </p:cTn>
+                  </p:par>
+                  <p:par>
+                    <p:cTn id="8" fill="hold">
+                      <p:stCondLst>
+                        <p:cond delay="indefinite"/>
+                      </p:stCondLst>
+                      <p:childTnLst>
+                        <p:par>
+                          <p:cTn id="9" fill="hold">
+                            <p:stCondLst>
+                              <p:cond delay="0"/>
+                            </p:stCondLst>
+                            <p:childTnLst>
+                              <p:par>
+                                <p:cTn id="10" presetID="1" presetClass="entr" presetSubtype="0" fill="hold" nodeType="clickEffect">
+                                  <p:stCondLst>
+                                    <p:cond delay="0"/>
+                                  </p:stCondLst>
+                                  <p:childTnLst>
+                                    <p:set>
+                                      <p:cBhvr>
+                                        <p:cTn id="11" dur="1" fill="hold">
+                                          <p:stCondLst>
+                                            <p:cond delay="0"/>
+                                          </p:stCondLst>
+                                        </p:cTn>
+                                        <p:tgtEl>
+                                          <p:spTgt spid="2051"/>
+                                        </p:tgtEl>
+                                        <p:attrNameLst>
+                                          <p:attrName>style.visibility</p:attrName>
+                                        </p:attrNameLst>
+                                      </p:cBhvr>
+                                      <p:to>
+                                        <p:strVal val="visible"/>
+                                      </p:to>
+                                    </p:set>
+                                  </p:childTnLst>
+                                </p:cTn>
+                              </p:par>
+                              <p:par>
+                                <p:cTn id="12" presetID="10" presetClass="entr" presetSubtype="0" fill="hold" grpId="0" nodeType="withEffect">
+                                  <p:stCondLst>
+                                    <p:cond delay="0"/>
+                                  </p:stCondLst>
+                                  <p:childTnLst>
+                                    <p:set>
+                                      <p:cBhvr>
+                                        <p:cTn id="13" dur="1" fill="hold">
+                                          <p:stCondLst>
+                                            <p:cond delay="0"/>
+                                          </p:stCondLst>
+                                        </p:cTn>
+                                        <p:tgtEl>
+                                          <p:spTgt spid="28"/>
+                                        </p:tgtEl>
+                                        <p:attrNameLst>
+                                          <p:attrName>style.visibility</p:attrName>
+                                        </p:attrNameLst>
+                                      </p:cBhvr>
+                                      <p:to>
+                                        <p:strVal val="visible"/>
+                                      </p:to>
+                                    </p:set>
+                                    <p:animEffect transition="in" filter="fade">
+                                      <p:cBhvr>
+                                        <p:cTn id="14" dur="500"/>
+                                        <p:tgtEl>
+                                          <p:spTgt spid="28"/>
+                                        </p:tgtEl>
+                                      </p:cBhvr>
+                                    </p:animEffect>
+                                  </p:childTnLst>
+                                </p:cTn>
+                              </p:par>
+                            </p:childTnLst>
+                          </p:cTn>
+                        </p:par>
+                      </p:childTnLst>
+                    </p:cTn>
+                  </p:par>
+                  <p:par>
+                    <p:cTn id="15" fill="hold">
+                      <p:stCondLst>
+                        <p:cond delay="indefinite"/>
+                      </p:stCondLst>
+                      <p:childTnLst>
+                        <p:par>
+                          <p:cTn id="16" fill="hold">
+                            <p:stCondLst>
+                              <p:cond delay="0"/>
+                            </p:stCondLst>
+                            <p:childTnLst>
+                              <p:par>
+                                <p:cTn id="17" presetID="10" presetClass="entr" presetSubtype="0" fill="hold" grpId="0" nodeType="clickEffect">
+                                  <p:stCondLst>
+                                    <p:cond delay="0"/>
+                                  </p:stCondLst>
+                                  <p:childTnLst>
+                                    <p:set>
+                                      <p:cBhvr>
+                                        <p:cTn id="18" dur="1" fill="hold">
+                                          <p:stCondLst>
+                                            <p:cond delay="0"/>
+                                          </p:stCondLst>
+                                        </p:cTn>
+                                        <p:tgtEl>
+                                          <p:spTgt spid="9"/>
+                                        </p:tgtEl>
+                                        <p:attrNameLst>
+                                          <p:attrName>style.visibility</p:attrName>
+                                        </p:attrNameLst>
+                                      </p:cBhvr>
+                                      <p:to>
+                                        <p:strVal val="visible"/>
+                                      </p:to>
+                                    </p:set>
+                                    <p:animEffect transition="in" filter="fade">
+                                      <p:cBhvr>
+                                        <p:cTn id="19" dur="1000"/>
+                                        <p:tgtEl>
+                                          <p:spTgt spid="9"/>
+                                        </p:tgtEl>
+                                      </p:cBhvr>
+                                    </p:animEffect>
+                                  </p:childTnLst>
+                                </p:cTn>
+                              </p:par>
+                              <p:par>
+                                <p:cTn id="20" presetID="10" presetClass="entr" presetSubtype="0" fill="hold" nodeType="withEffect">
+                                  <p:stCondLst>
+                                    <p:cond delay="0"/>
+                                  </p:stCondLst>
+                                  <p:childTnLst>
+                                    <p:set>
+                                      <p:cBhvr>
+                                        <p:cTn id="21" dur="1" fill="hold">
+                                          <p:stCondLst>
+                                            <p:cond delay="0"/>
+                                          </p:stCondLst>
+                                        </p:cTn>
+                                        <p:tgtEl>
+                                          <p:spTgt spid="7"/>
+                                        </p:tgtEl>
+                                        <p:attrNameLst>
+                                          <p:attrName>style.visibility</p:attrName>
+                                        </p:attrNameLst>
+                                      </p:cBhvr>
+                                      <p:to>
+                                        <p:strVal val="visible"/>
+                                      </p:to>
+                                    </p:set>
+                                    <p:animEffect transition="in" filter="fade">
+                                      <p:cBhvr>
+                                        <p:cTn id="22" dur="1000"/>
+                                        <p:tgtEl>
+                                          <p:spTgt spid="7"/>
+                                        </p:tgtEl>
+                                      </p:cBhvr>
+                                    </p:animEffect>
+                                  </p:childTnLst>
+                                </p:cTn>
+                              </p:par>
+                              <p:par>
+                                <p:cTn id="23" presetID="4" presetClass="entr" presetSubtype="16" fill="hold" grpId="0" nodeType="withEffect">
+                                  <p:stCondLst>
+                                    <p:cond delay="0"/>
+                                  </p:stCondLst>
+                                  <p:childTnLst>
+                                    <p:set>
+                                      <p:cBhvr>
+                                        <p:cTn id="24" dur="1" fill="hold">
+                                          <p:stCondLst>
+                                            <p:cond delay="0"/>
+                                          </p:stCondLst>
+                                        </p:cTn>
+                                        <p:tgtEl>
+                                          <p:spTgt spid="24"/>
+                                        </p:tgtEl>
+                                        <p:attrNameLst>
+                                          <p:attrName>style.visibility</p:attrName>
+                                        </p:attrNameLst>
+                                      </p:cBhvr>
+                                      <p:to>
+                                        <p:strVal val="visible"/>
+                                      </p:to>
+                                    </p:set>
+                                    <p:animEffect transition="in" filter="box(in)">
+                                      <p:cBhvr>
+                                        <p:cTn id="25" dur="500"/>
+                                        <p:tgtEl>
+                                          <p:spTgt spid="24"/>
+                                        </p:tgtEl>
+                                      </p:cBhvr>
+                                    </p:animEffect>
+                                  </p:childTnLst>
+                                </p:cTn>
+                              </p:par>
+                              <p:par>
+                                <p:cTn id="26" presetID="10" presetClass="entr" presetSubtype="0" fill="hold" grpId="0" nodeType="withEffect">
+                                  <p:stCondLst>
+                                    <p:cond delay="0"/>
+                                  </p:stCondLst>
+                                  <p:childTnLst>
+                                    <p:set>
+                                      <p:cBhvr>
+                                        <p:cTn id="27" dur="1" fill="hold">
+                                          <p:stCondLst>
+                                            <p:cond delay="0"/>
+                                          </p:stCondLst>
+                                        </p:cTn>
+                                        <p:tgtEl>
+                                          <p:spTgt spid="11"/>
+                                        </p:tgtEl>
+                                        <p:attrNameLst>
+                                          <p:attrName>style.visibility</p:attrName>
+                                        </p:attrNameLst>
+                                      </p:cBhvr>
+                                      <p:to>
+                                        <p:strVal val="visible"/>
+                                      </p:to>
+                                    </p:set>
+                                    <p:animEffect transition="in" filter="fade">
+                                      <p:cBhvr>
+                                        <p:cTn id="28" dur="1000"/>
+                                        <p:tgtEl>
+                                          <p:spTgt spid="11"/>
+                                        </p:tgtEl>
+                                      </p:cBhvr>
+                                    </p:animEffect>
+                                  </p:childTnLst>
+                                </p:cTn>
+                              </p:par>
+                              <p:par>
+                                <p:cTn id="29" presetID="10" presetClass="entr" presetSubtype="0" fill="hold" nodeType="withEffect">
+                                  <p:stCondLst>
+                                    <p:cond delay="0"/>
+                                  </p:stCondLst>
+                                  <p:childTnLst>
+                                    <p:set>
+                                      <p:cBhvr>
+                                        <p:cTn id="30" dur="1" fill="hold">
+                                          <p:stCondLst>
+                                            <p:cond delay="0"/>
+                                          </p:stCondLst>
+                                        </p:cTn>
+                                        <p:tgtEl>
+                                          <p:spTgt spid="13"/>
+                                        </p:tgtEl>
+                                        <p:attrNameLst>
+                                          <p:attrName>style.visibility</p:attrName>
+                                        </p:attrNameLst>
+                                      </p:cBhvr>
+                                      <p:to>
+                                        <p:strVal val="visible"/>
+                                      </p:to>
+                                    </p:set>
+                                    <p:animEffect transition="in" filter="fade">
+                                      <p:cBhvr>
+                                        <p:cTn id="31" dur="1000"/>
+                                        <p:tgtEl>
+                                          <p:spTgt spid="13"/>
+                                        </p:tgtEl>
+                                      </p:cBhvr>
+                                    </p:animEffect>
+                                  </p:childTnLst>
+                                </p:cTn>
+                              </p:par>
+                              <p:par>
+                                <p:cTn id="32" presetID="4" presetClass="entr" presetSubtype="16" fill="hold" grpId="0" nodeType="withEffect">
+                                  <p:stCondLst>
+                                    <p:cond delay="0"/>
+                                  </p:stCondLst>
+                                  <p:childTnLst>
+                                    <p:set>
+                                      <p:cBhvr>
+                                        <p:cTn id="33" dur="1" fill="hold">
+                                          <p:stCondLst>
+                                            <p:cond delay="0"/>
+                                          </p:stCondLst>
+                                        </p:cTn>
+                                        <p:tgtEl>
+                                          <p:spTgt spid="25"/>
+                                        </p:tgtEl>
+                                        <p:attrNameLst>
+                                          <p:attrName>style.visibility</p:attrName>
+                                        </p:attrNameLst>
+                                      </p:cBhvr>
+                                      <p:to>
+                                        <p:strVal val="visible"/>
+                                      </p:to>
+                                    </p:set>
+                                    <p:animEffect transition="in" filter="box(in)">
+                                      <p:cBhvr>
+                                        <p:cTn id="34" dur="500"/>
+                                        <p:tgtEl>
+                                          <p:spTgt spid="25"/>
+                                        </p:tgtEl>
+                                      </p:cBhvr>
+                                    </p:animEffect>
+                                  </p:childTnLst>
+                                </p:cTn>
+                              </p:par>
+                              <p:par>
+                                <p:cTn id="35" presetID="10" presetClass="entr" presetSubtype="0" fill="hold" grpId="0" nodeType="withEffect">
+                                  <p:stCondLst>
+                                    <p:cond delay="0"/>
+                                  </p:stCondLst>
+                                  <p:childTnLst>
+                                    <p:set>
+                                      <p:cBhvr>
+                                        <p:cTn id="36" dur="1" fill="hold">
+                                          <p:stCondLst>
+                                            <p:cond delay="0"/>
+                                          </p:stCondLst>
+                                        </p:cTn>
+                                        <p:tgtEl>
+                                          <p:spTgt spid="12"/>
+                                        </p:tgtEl>
+                                        <p:attrNameLst>
+                                          <p:attrName>style.visibility</p:attrName>
+                                        </p:attrNameLst>
+                                      </p:cBhvr>
+                                      <p:to>
+                                        <p:strVal val="visible"/>
+                                      </p:to>
+                                    </p:set>
+                                    <p:animEffect transition="in" filter="fade">
+                                      <p:cBhvr>
+                                        <p:cTn id="37" dur="1000"/>
+                                        <p:tgtEl>
+                                          <p:spTgt spid="12"/>
+                                        </p:tgtEl>
+                                      </p:cBhvr>
+                                    </p:animEffect>
+                                  </p:childTnLst>
+                                </p:cTn>
+                              </p:par>
+                              <p:par>
+                                <p:cTn id="38" presetID="10" presetClass="entr" presetSubtype="0" fill="hold" nodeType="withEffect">
+                                  <p:stCondLst>
+                                    <p:cond delay="0"/>
+                                  </p:stCondLst>
+                                  <p:childTnLst>
+                                    <p:set>
+                                      <p:cBhvr>
+                                        <p:cTn id="39" dur="1" fill="hold">
+                                          <p:stCondLst>
+                                            <p:cond delay="0"/>
+                                          </p:stCondLst>
+                                        </p:cTn>
+                                        <p:tgtEl>
+                                          <p:spTgt spid="16"/>
+                                        </p:tgtEl>
+                                        <p:attrNameLst>
+                                          <p:attrName>style.visibility</p:attrName>
+                                        </p:attrNameLst>
+                                      </p:cBhvr>
+                                      <p:to>
+                                        <p:strVal val="visible"/>
+                                      </p:to>
+                                    </p:set>
+                                    <p:animEffect transition="in" filter="fade">
+                                      <p:cBhvr>
+                                        <p:cTn id="40" dur="1000"/>
+                                        <p:tgtEl>
+                                          <p:spTgt spid="16"/>
+                                        </p:tgtEl>
+                                      </p:cBhvr>
+                                    </p:animEffect>
+                                  </p:childTnLst>
+                                </p:cTn>
+                              </p:par>
+                              <p:par>
+                                <p:cTn id="41" presetID="4" presetClass="entr" presetSubtype="16" fill="hold" grpId="0" nodeType="withEffect">
+                                  <p:stCondLst>
+                                    <p:cond delay="0"/>
+                                  </p:stCondLst>
+                                  <p:childTnLst>
+                                    <p:set>
+                                      <p:cBhvr>
+                                        <p:cTn id="42" dur="1" fill="hold">
+                                          <p:stCondLst>
+                                            <p:cond delay="0"/>
+                                          </p:stCondLst>
+                                        </p:cTn>
+                                        <p:tgtEl>
+                                          <p:spTgt spid="26"/>
+                                        </p:tgtEl>
+                                        <p:attrNameLst>
+                                          <p:attrName>style.visibility</p:attrName>
+                                        </p:attrNameLst>
+                                      </p:cBhvr>
+                                      <p:to>
+                                        <p:strVal val="visible"/>
+                                      </p:to>
+                                    </p:set>
+                                    <p:animEffect transition="in" filter="box(in)">
+                                      <p:cBhvr>
+                                        <p:cTn id="43" dur="500"/>
+                                        <p:tgtEl>
+                                          <p:spTgt spid="26"/>
+                                        </p:tgtEl>
+                                      </p:cBhvr>
+                                    </p:animEffect>
+                                  </p:childTnLst>
+                                </p:cTn>
+                              </p:par>
+                            </p:childTnLst>
+                          </p:cTn>
+                        </p:par>
+                      </p:childTnLst>
+                    </p:cTn>
+                  </p:par>
+                </p:childTnLst>
+              </p:cTn>
+              <p:prevCondLst>
+                <p:cond evt="onPrev" delay="0">
+                  <p:tgtEl>
+                    <p:sldTgt/>
+                  </p:tgtEl>
+                </p:cond>
+              </p:prevCondLst>
+              <p:nextCondLst>
+                <p:cond evt="onNext" delay="0">
+                  <p:tgtEl>
+                    <p:sldTgt/>
+                  </p:tgtEl>
+                </p:cond>
+              </p:nextCondLst>
+            </p:seq>
+          </p:childTnLst>
+        </p:cTn>
+      </p:par>
+    </p:tnLst>
+    <p:bldLst>
+      <p:bldP spid="10" grpId="0"/>
+      <p:bldP spid="9" grpId="0" animBg="1"/>
+      <p:bldP spid="11" grpId="0" animBg="1"/>
+      <p:bldP spid="12" grpId="0" animBg="1"/>
+      <p:bldP spid="24" grpId="0"/>
+      <p:bldP spid="25" grpId="0"/>
+      <p:bldP spid="26" grpId="0"/>
+      <p:bldP spid="28" grpId="0"/>
+    </p:bldLst>
+  </p:timing>
+</p:sld>
+</file>
+
+<file path=ppt/slides/slide38.xml><?xml version="1.0" encoding="utf-8"?>
+<p:sld xmlns:a="http://schemas.openxmlformats.org/drawingml/2006/main" xmlns:r="http://schemas.openxmlformats.org/officeDocument/2006/relationships" xmlns:p="http://schemas.openxmlformats.org/presentationml/2006/main">
+  <p:cSld>
+    <p:spTree>
+      <p:nvGrpSpPr>
+        <p:cNvPr id="1" name=""/>
+        <p:cNvGrpSpPr/>
+        <p:nvPr/>
+      </p:nvGrpSpPr>
+      <p:grpSpPr>
+        <a:xfrm>
+          <a:off x="0" y="0"/>
+          <a:ext cx="0" cy="0"/>
+          <a:chOff x="0" y="0"/>
+          <a:chExt cx="0" cy="0"/>
+        </a:xfrm>
+      </p:grpSpPr>
+      <p:sp>
+        <p:nvSpPr>
+          <p:cNvPr id="4" name="Content Placeholder 3"/>
+          <p:cNvSpPr txBox="1">
+            <a:spLocks/>
+          </p:cNvSpPr>
+          <p:nvPr/>
+        </p:nvSpPr>
+        <p:spPr>
+          <a:xfrm>
+            <a:off x="395536" y="764704"/>
+            <a:ext cx="7920880" cy="1944216"/>
+          </a:xfrm>
+          <a:prstGeom prst="rect">
+            <a:avLst/>
+          </a:prstGeom>
+        </p:spPr>
+        <p:txBody>
+          <a:bodyPr tIns="0"/>
+          <a:lstStyle>
+            <a:lvl1pPr marL="274320" indent="-274320" algn="l" rtl="0" eaLnBrk="1" latinLnBrk="0" hangingPunct="1">
+              <a:spcBef>
+                <a:spcPct val="20000"/>
+              </a:spcBef>
+              <a:buClrTx/>
+              <a:buSzPct val="95000"/>
+              <a:buFont typeface="Wingdings" pitchFamily="2" charset="2"/>
+              <a:buChar char="v"/>
+              <a:defRPr kumimoji="0" sz="2800" kern="1200">
+                <a:solidFill>
+                  <a:schemeClr val="tx1"/>
+                </a:solidFill>
+                <a:latin typeface="+mn-lt"/>
+                <a:ea typeface="+mn-ea"/>
+                <a:cs typeface="+mn-cs"/>
+              </a:defRPr>
+            </a:lvl1pPr>
+            <a:lvl2pPr marL="640080" indent="-246888" algn="l" rtl="0" eaLnBrk="1" latinLnBrk="0" hangingPunct="1">
+              <a:spcBef>
+                <a:spcPct val="20000"/>
+              </a:spcBef>
+              <a:buClrTx/>
+              <a:buSzPct val="85000"/>
+              <a:buFont typeface="Courier New" pitchFamily="49" charset="0"/>
+              <a:buChar char="o"/>
+              <a:defRPr kumimoji="0" sz="2600" kern="1200">
+                <a:solidFill>
+                  <a:schemeClr val="tx1"/>
+                </a:solidFill>
+                <a:latin typeface="+mn-lt"/>
+                <a:ea typeface="+mn-ea"/>
+                <a:cs typeface="+mn-cs"/>
+              </a:defRPr>
+            </a:lvl2pPr>
+            <a:lvl3pPr marL="914400" indent="-246888" algn="l" rtl="0" eaLnBrk="1" latinLnBrk="0" hangingPunct="1">
+              <a:spcBef>
+                <a:spcPct val="20000"/>
+              </a:spcBef>
+              <a:buClrTx/>
+              <a:buSzPct val="70000"/>
+              <a:buFont typeface="Wingdings 2"/>
+              <a:buChar char=""/>
+              <a:defRPr kumimoji="0" sz="2400" kern="1200">
+                <a:solidFill>
+                  <a:schemeClr val="tx1"/>
+                </a:solidFill>
+                <a:latin typeface="+mn-lt"/>
+                <a:ea typeface="+mn-ea"/>
+                <a:cs typeface="+mn-cs"/>
+              </a:defRPr>
+            </a:lvl3pPr>
+            <a:lvl4pPr marL="1188720" indent="-210312" algn="l" rtl="0" eaLnBrk="1" latinLnBrk="0" hangingPunct="1">
+              <a:spcBef>
+                <a:spcPct val="20000"/>
+              </a:spcBef>
+              <a:buClrTx/>
+              <a:buSzPct val="65000"/>
+              <a:buFont typeface="Wingdings 2"/>
+              <a:buChar char=""/>
+              <a:defRPr kumimoji="0" sz="2000" kern="1200">
+                <a:solidFill>
+                  <a:schemeClr val="tx1"/>
+                </a:solidFill>
+                <a:latin typeface="+mn-lt"/>
+                <a:ea typeface="+mn-ea"/>
+                <a:cs typeface="+mn-cs"/>
+              </a:defRPr>
+            </a:lvl4pPr>
+            <a:lvl5pPr marL="1463040" indent="-210312" algn="l" rtl="0" eaLnBrk="1" latinLnBrk="0" hangingPunct="1">
+              <a:spcBef>
+                <a:spcPct val="20000"/>
+              </a:spcBef>
+              <a:buClrTx/>
+              <a:buSzPct val="65000"/>
+              <a:buFont typeface="Wingdings 2"/>
+              <a:buChar char=""/>
+              <a:defRPr kumimoji="0" sz="1800" kern="1200">
+                <a:solidFill>
+                  <a:schemeClr val="tx1"/>
+                </a:solidFill>
+                <a:latin typeface="+mn-lt"/>
+                <a:ea typeface="+mn-ea"/>
+                <a:cs typeface="+mn-cs"/>
+              </a:defRPr>
+            </a:lvl5pPr>
+            <a:lvl6pPr marL="1737360" indent="-210312" algn="l" rtl="0" eaLnBrk="1" latinLnBrk="0" hangingPunct="1">
+              <a:spcBef>
+                <a:spcPct val="20000"/>
+              </a:spcBef>
+              <a:buClr>
+                <a:schemeClr val="accent5"/>
+              </a:buClr>
+              <a:buSzPct val="80000"/>
+              <a:buFont typeface="Wingdings 2"/>
+              <a:buChar char=""/>
+              <a:defRPr kumimoji="0" sz="1800" kern="1200">
+                <a:solidFill>
+                  <a:schemeClr val="tx1"/>
+                </a:solidFill>
+                <a:latin typeface="+mn-lt"/>
+                <a:ea typeface="+mn-ea"/>
+                <a:cs typeface="+mn-cs"/>
+              </a:defRPr>
+            </a:lvl6pPr>
+            <a:lvl7pPr marL="1920240" indent="-182880" algn="l" rtl="0" eaLnBrk="1" latinLnBrk="0" hangingPunct="1">
+              <a:spcBef>
+                <a:spcPct val="20000"/>
+              </a:spcBef>
+              <a:buClr>
+                <a:schemeClr val="accent6"/>
+              </a:buClr>
+              <a:buSzPct val="80000"/>
+              <a:buFont typeface="Wingdings 2"/>
+              <a:buChar char=""/>
+              <a:defRPr kumimoji="0" sz="1600" kern="1200" baseline="0">
+                <a:solidFill>
+                  <a:schemeClr val="tx1"/>
+                </a:solidFill>
+                <a:latin typeface="+mn-lt"/>
+                <a:ea typeface="+mn-ea"/>
+                <a:cs typeface="+mn-cs"/>
+              </a:defRPr>
+            </a:lvl7pPr>
+            <a:lvl8pPr marL="2194560" indent="-182880" algn="l" rtl="0" eaLnBrk="1" latinLnBrk="0" hangingPunct="1">
+              <a:spcBef>
+                <a:spcPct val="20000"/>
+              </a:spcBef>
+              <a:buClr>
+                <a:schemeClr val="tx2"/>
+              </a:buClr>
+              <a:buChar char="•"/>
+              <a:defRPr kumimoji="0" sz="1600" kern="1200">
+                <a:solidFill>
+                  <a:schemeClr val="tx1"/>
+                </a:solidFill>
+                <a:latin typeface="+mn-lt"/>
+                <a:ea typeface="+mn-ea"/>
+                <a:cs typeface="+mn-cs"/>
+              </a:defRPr>
+            </a:lvl8pPr>
+            <a:lvl9pPr marL="2468880" indent="-182880" algn="l" rtl="0" eaLnBrk="1" latinLnBrk="0" hangingPunct="1">
+              <a:spcBef>
+                <a:spcPct val="20000"/>
+              </a:spcBef>
+              <a:buClr>
+                <a:schemeClr val="tx2"/>
+              </a:buClr>
+              <a:buFontTx/>
+              <a:buChar char="•"/>
+              <a:defRPr kumimoji="0" sz="1400" kern="1200" baseline="0">
+                <a:solidFill>
+                  <a:schemeClr val="tx1"/>
+                </a:solidFill>
+                <a:latin typeface="+mn-lt"/>
+                <a:ea typeface="+mn-ea"/>
+                <a:cs typeface="+mn-cs"/>
+              </a:defRPr>
+            </a:lvl9pPr>
+          </a:lstStyle>
+          <a:p>
+            <a:pPr marL="0" indent="0">
+              <a:buNone/>
+            </a:pPr>
+            <a:r>
+              <a:rPr lang="it-IT" b="1" dirty="0" smtClean="0"/>
+              <a:t>PRIMA VERSIONE</a:t>
+            </a:r>
+          </a:p>
+          <a:p>
+            <a:pPr marL="0" indent="0"/>
+            <a:r>
+              <a:rPr lang="it-IT" dirty="0" smtClean="0"/>
+              <a:t>   Nel </a:t>
+            </a:r>
+            <a:r>
+              <a:rPr lang="it-IT" u="sng" dirty="0" smtClean="0"/>
+              <a:t>secondo</a:t>
+            </a:r>
+            <a:r>
+              <a:rPr lang="it-IT" dirty="0" smtClean="0"/>
+              <a:t> livello venivano invece evidenziate la </a:t>
+            </a:r>
+            <a:r>
+              <a:rPr lang="it-IT" i="1" dirty="0" smtClean="0"/>
+              <a:t>funzionalità</a:t>
+            </a:r>
+            <a:r>
+              <a:rPr lang="it-IT" dirty="0" smtClean="0"/>
+              <a:t> di ogni team, così come erano state individuate all’inizio del progetto</a:t>
+            </a:r>
+          </a:p>
+          <a:p>
+            <a:pPr>
+              <a:buNone/>
+            </a:pPr>
+            <a:endParaRPr lang="it-IT" sz="1400" dirty="0" smtClean="0"/>
+          </a:p>
+          <a:p>
+            <a:pPr>
+              <a:buNone/>
+            </a:pPr>
+            <a:r>
+              <a:rPr lang="it-IT" dirty="0" smtClean="0"/>
+              <a:t>	</a:t>
+            </a:r>
+          </a:p>
+        </p:txBody>
+      </p:sp>
+      <p:sp>
+        <p:nvSpPr>
+          <p:cNvPr id="3" name="Content Placeholder 3"/>
+          <p:cNvSpPr txBox="1">
+            <a:spLocks/>
+          </p:cNvSpPr>
+          <p:nvPr/>
+        </p:nvSpPr>
+        <p:spPr>
+          <a:xfrm>
+            <a:off x="395536" y="2924944"/>
+            <a:ext cx="7920880" cy="3672408"/>
+          </a:xfrm>
+          <a:prstGeom prst="rect">
+            <a:avLst/>
+          </a:prstGeom>
+        </p:spPr>
+        <p:txBody>
+          <a:bodyPr tIns="0"/>
+          <a:lstStyle>
+            <a:lvl1pPr marL="274320" indent="-274320" algn="l" rtl="0" eaLnBrk="1" latinLnBrk="0" hangingPunct="1">
+              <a:spcBef>
+                <a:spcPct val="20000"/>
+              </a:spcBef>
+              <a:buClrTx/>
+              <a:buSzPct val="95000"/>
+              <a:buFont typeface="Wingdings" pitchFamily="2" charset="2"/>
+              <a:buChar char="v"/>
+              <a:defRPr kumimoji="0" sz="2800" kern="1200">
+                <a:solidFill>
+                  <a:schemeClr val="tx1"/>
+                </a:solidFill>
+                <a:latin typeface="+mn-lt"/>
+                <a:ea typeface="+mn-ea"/>
+                <a:cs typeface="+mn-cs"/>
+              </a:defRPr>
+            </a:lvl1pPr>
+            <a:lvl2pPr marL="640080" indent="-246888" algn="l" rtl="0" eaLnBrk="1" latinLnBrk="0" hangingPunct="1">
+              <a:spcBef>
+                <a:spcPct val="20000"/>
+              </a:spcBef>
+              <a:buClrTx/>
+              <a:buSzPct val="85000"/>
+              <a:buFont typeface="Courier New" pitchFamily="49" charset="0"/>
+              <a:buChar char="o"/>
+              <a:defRPr kumimoji="0" sz="2600" kern="1200">
+                <a:solidFill>
+                  <a:schemeClr val="tx1"/>
+                </a:solidFill>
+                <a:latin typeface="+mn-lt"/>
+                <a:ea typeface="+mn-ea"/>
+                <a:cs typeface="+mn-cs"/>
+              </a:defRPr>
+            </a:lvl2pPr>
+            <a:lvl3pPr marL="914400" indent="-246888" algn="l" rtl="0" eaLnBrk="1" latinLnBrk="0" hangingPunct="1">
+              <a:spcBef>
+                <a:spcPct val="20000"/>
+              </a:spcBef>
+              <a:buClrTx/>
+              <a:buSzPct val="70000"/>
+              <a:buFont typeface="Wingdings 2"/>
+              <a:buChar char=""/>
+              <a:defRPr kumimoji="0" sz="2400" kern="1200">
+                <a:solidFill>
+                  <a:schemeClr val="tx1"/>
+                </a:solidFill>
+                <a:latin typeface="+mn-lt"/>
+                <a:ea typeface="+mn-ea"/>
+                <a:cs typeface="+mn-cs"/>
+              </a:defRPr>
+            </a:lvl3pPr>
+            <a:lvl4pPr marL="1188720" indent="-210312" algn="l" rtl="0" eaLnBrk="1" latinLnBrk="0" hangingPunct="1">
+              <a:spcBef>
+                <a:spcPct val="20000"/>
+              </a:spcBef>
+              <a:buClrTx/>
+              <a:buSzPct val="65000"/>
+              <a:buFont typeface="Wingdings 2"/>
+              <a:buChar char=""/>
+              <a:defRPr kumimoji="0" sz="2000" kern="1200">
+                <a:solidFill>
+                  <a:schemeClr val="tx1"/>
+                </a:solidFill>
+                <a:latin typeface="+mn-lt"/>
+                <a:ea typeface="+mn-ea"/>
+                <a:cs typeface="+mn-cs"/>
+              </a:defRPr>
+            </a:lvl4pPr>
+            <a:lvl5pPr marL="1463040" indent="-210312" algn="l" rtl="0" eaLnBrk="1" latinLnBrk="0" hangingPunct="1">
+              <a:spcBef>
+                <a:spcPct val="20000"/>
+              </a:spcBef>
+              <a:buClrTx/>
+              <a:buSzPct val="65000"/>
+              <a:buFont typeface="Wingdings 2"/>
+              <a:buChar char=""/>
+              <a:defRPr kumimoji="0" sz="1800" kern="1200">
+                <a:solidFill>
+                  <a:schemeClr val="tx1"/>
+                </a:solidFill>
+                <a:latin typeface="+mn-lt"/>
+                <a:ea typeface="+mn-ea"/>
+                <a:cs typeface="+mn-cs"/>
+              </a:defRPr>
+            </a:lvl5pPr>
+            <a:lvl6pPr marL="1737360" indent="-210312" algn="l" rtl="0" eaLnBrk="1" latinLnBrk="0" hangingPunct="1">
+              <a:spcBef>
+                <a:spcPct val="20000"/>
+              </a:spcBef>
+              <a:buClr>
+                <a:schemeClr val="accent5"/>
+              </a:buClr>
+              <a:buSzPct val="80000"/>
+              <a:buFont typeface="Wingdings 2"/>
+              <a:buChar char=""/>
+              <a:defRPr kumimoji="0" sz="1800" kern="1200">
+                <a:solidFill>
+                  <a:schemeClr val="tx1"/>
+                </a:solidFill>
+                <a:latin typeface="+mn-lt"/>
+                <a:ea typeface="+mn-ea"/>
+                <a:cs typeface="+mn-cs"/>
+              </a:defRPr>
+            </a:lvl6pPr>
+            <a:lvl7pPr marL="1920240" indent="-182880" algn="l" rtl="0" eaLnBrk="1" latinLnBrk="0" hangingPunct="1">
+              <a:spcBef>
+                <a:spcPct val="20000"/>
+              </a:spcBef>
+              <a:buClr>
+                <a:schemeClr val="accent6"/>
+              </a:buClr>
+              <a:buSzPct val="80000"/>
+              <a:buFont typeface="Wingdings 2"/>
+              <a:buChar char=""/>
+              <a:defRPr kumimoji="0" sz="1600" kern="1200" baseline="0">
+                <a:solidFill>
+                  <a:schemeClr val="tx1"/>
+                </a:solidFill>
+                <a:latin typeface="+mn-lt"/>
+                <a:ea typeface="+mn-ea"/>
+                <a:cs typeface="+mn-cs"/>
+              </a:defRPr>
+            </a:lvl7pPr>
+            <a:lvl8pPr marL="2194560" indent="-182880" algn="l" rtl="0" eaLnBrk="1" latinLnBrk="0" hangingPunct="1">
+              <a:spcBef>
+                <a:spcPct val="20000"/>
+              </a:spcBef>
+              <a:buClr>
+                <a:schemeClr val="tx2"/>
+              </a:buClr>
+              <a:buChar char="•"/>
+              <a:defRPr kumimoji="0" sz="1600" kern="1200">
+                <a:solidFill>
+                  <a:schemeClr val="tx1"/>
+                </a:solidFill>
+                <a:latin typeface="+mn-lt"/>
+                <a:ea typeface="+mn-ea"/>
+                <a:cs typeface="+mn-cs"/>
+              </a:defRPr>
+            </a:lvl8pPr>
+            <a:lvl9pPr marL="2468880" indent="-182880" algn="l" rtl="0" eaLnBrk="1" latinLnBrk="0" hangingPunct="1">
+              <a:spcBef>
+                <a:spcPct val="20000"/>
+              </a:spcBef>
+              <a:buClr>
+                <a:schemeClr val="tx2"/>
+              </a:buClr>
+              <a:buFontTx/>
+              <a:buChar char="•"/>
+              <a:defRPr kumimoji="0" sz="1400" kern="1200" baseline="0">
+                <a:solidFill>
+                  <a:schemeClr val="tx1"/>
+                </a:solidFill>
+                <a:latin typeface="+mn-lt"/>
+                <a:ea typeface="+mn-ea"/>
+                <a:cs typeface="+mn-cs"/>
+              </a:defRPr>
+            </a:lvl9pPr>
+          </a:lstStyle>
+          <a:p>
+            <a:pPr>
+              <a:buNone/>
+            </a:pPr>
+            <a:endParaRPr lang="it-IT" sz="1400" dirty="0" smtClean="0"/>
+          </a:p>
+          <a:p>
+            <a:pPr>
+              <a:buNone/>
+            </a:pPr>
+            <a:r>
+              <a:rPr lang="it-IT" dirty="0" smtClean="0"/>
+              <a:t>	In particolar modo, per il team </a:t>
+            </a:r>
+            <a:r>
+              <a:rPr lang="it-IT" b="1" dirty="0" smtClean="0"/>
+              <a:t>MANAGEMENT</a:t>
+            </a:r>
+            <a:r>
+              <a:rPr lang="it-IT" dirty="0" smtClean="0"/>
+              <a:t> la suddivisione prevedeva 4 gestioni :</a:t>
+            </a:r>
+          </a:p>
+          <a:p>
+            <a:pPr marL="880110" lvl="1" indent="-514350">
+              <a:buFont typeface="+mj-lt"/>
+              <a:buAutoNum type="arabicParenR"/>
+            </a:pPr>
+            <a:r>
+              <a:rPr lang="it-IT" sz="2800" b="1" dirty="0" smtClean="0">
+                <a:solidFill>
+                  <a:schemeClr val="accent4"/>
+                </a:solidFill>
+              </a:rPr>
+              <a:t>Gestione Pagamenti</a:t>
+            </a:r>
+          </a:p>
+          <a:p>
+            <a:pPr marL="880110" lvl="1" indent="-514350">
+              <a:buFont typeface="+mj-lt"/>
+              <a:buAutoNum type="arabicParenR"/>
+            </a:pPr>
+            <a:r>
+              <a:rPr lang="it-IT" sz="2800" b="1" dirty="0" smtClean="0">
+                <a:solidFill>
+                  <a:schemeClr val="accent4"/>
+                </a:solidFill>
+              </a:rPr>
+              <a:t>Gestione Mensa</a:t>
+            </a:r>
+          </a:p>
+          <a:p>
+            <a:pPr marL="880110" lvl="1" indent="-514350">
+              <a:buFont typeface="+mj-lt"/>
+              <a:buAutoNum type="arabicParenR"/>
+            </a:pPr>
+            <a:r>
+              <a:rPr lang="it-IT" sz="2800" b="1" dirty="0" smtClean="0">
+                <a:solidFill>
+                  <a:schemeClr val="accent4"/>
+                </a:solidFill>
+              </a:rPr>
+              <a:t>Gestione Orari</a:t>
+            </a:r>
+          </a:p>
+          <a:p>
+            <a:pPr marL="880110" lvl="1" indent="-514350">
+              <a:buFont typeface="+mj-lt"/>
+              <a:buAutoNum type="arabicParenR"/>
+            </a:pPr>
+            <a:r>
+              <a:rPr lang="it-IT" sz="2800" b="1" dirty="0" smtClean="0">
+                <a:solidFill>
+                  <a:schemeClr val="accent4"/>
+                </a:solidFill>
+              </a:rPr>
+              <a:t>Gestione Tirocinanti</a:t>
+            </a:r>
+          </a:p>
+          <a:p>
+            <a:pPr marL="0" indent="0">
+              <a:buNone/>
+            </a:pPr>
+            <a:endParaRPr lang="it-IT" dirty="0" smtClean="0"/>
+          </a:p>
+        </p:txBody>
+      </p:sp>
+      <p:sp>
+        <p:nvSpPr>
+          <p:cNvPr id="5" name="Segnaposto numero diapositiva 4"/>
+          <p:cNvSpPr>
+            <a:spLocks noGrp="1"/>
+          </p:cNvSpPr>
+          <p:nvPr>
+            <p:ph type="sldNum" sz="quarter" idx="12"/>
+          </p:nvPr>
+        </p:nvSpPr>
+        <p:spPr/>
+        <p:txBody>
+          <a:bodyPr/>
+          <a:lstStyle/>
+          <a:p>
+            <a:fld id="{F89AEA99-3E91-4C58-9AD4-045DB5619AC3}" type="slidenum">
+              <a:rPr lang="it-IT" smtClean="0"/>
+              <a:pPr/>
+              <a:t>38</a:t>
+            </a:fld>
+            <a:endParaRPr lang="it-IT"/>
+          </a:p>
+        </p:txBody>
+      </p:sp>
+      <p:pic>
+        <p:nvPicPr>
+          <p:cNvPr id="6" name="Picture 2"/>
+          <p:cNvPicPr>
+            <a:picLocks noChangeAspect="1" noChangeArrowheads="1"/>
+          </p:cNvPicPr>
+          <p:nvPr/>
+        </p:nvPicPr>
+        <p:blipFill>
+          <a:blip r:embed="rId2" cstate="print"/>
+          <a:srcRect/>
+          <a:stretch>
+            <a:fillRect/>
+          </a:stretch>
+        </p:blipFill>
+        <p:spPr bwMode="auto">
+          <a:xfrm>
+            <a:off x="1769170" y="1368152"/>
+            <a:ext cx="5467126" cy="5085184"/>
+          </a:xfrm>
+          <a:prstGeom prst="rect">
+            <a:avLst/>
+          </a:prstGeom>
+          <a:noFill/>
+          <a:ln w="9525">
+            <a:noFill/>
+            <a:miter lim="800000"/>
+            <a:headEnd/>
+            <a:tailEnd/>
+          </a:ln>
+        </p:spPr>
+      </p:pic>
+    </p:spTree>
+    <p:extLst>
+      <p:ext uri="{BB962C8B-B14F-4D97-AF65-F5344CB8AC3E}">
+        <p14:creationId xmlns:p14="http://schemas.microsoft.com/office/powerpoint/2010/main" xmlns="" val="155874689"/>
+      </p:ext>
+    </p:extLst>
+  </p:cSld>
+  <p:clrMapOvr>
+    <a:masterClrMapping/>
+  </p:clrMapOvr>
+  <mc:AlternateContent xmlns:mc="http://schemas.openxmlformats.org/markup-compatibility/2006">
+    <mc:Choice xmlns:p14="http://schemas.microsoft.com/office/powerpoint/2010/main" xmlns="" Requires="p14">
+      <p:transition spd="slow" p14:dur="2000"/>
+    </mc:Choice>
+    <mc:Fallback>
+      <p:transition spd="slow"/>
+    </mc:Fallback>
+  </mc:AlternateContent>
+  <p:timing>
+    <p:tnLst>
+      <p:par>
+        <p:cTn id="1" dur="indefinite" restart="never" nodeType="tmRoot">
+          <p:childTnLst>
+            <p:seq concurrent="1" nextAc="seek">
+              <p:cTn id="2" dur="indefinite" nodeType="mainSeq">
+                <p:childTnLst>
+                  <p:par>
+                    <p:cTn id="3" fill="hold">
+                      <p:stCondLst>
+                        <p:cond delay="indefinite"/>
+                        <p:cond evt="onBegin" delay="0">
+                          <p:tn val="2"/>
+                        </p:cond>
+                      </p:stCondLst>
+                      <p:childTnLst>
+                        <p:par>
+                          <p:cTn id="4" fill="hold">
+                            <p:stCondLst>
+                              <p:cond delay="0"/>
+                            </p:stCondLst>
+                            <p:childTnLst>
+                              <p:par>
+                                <p:cTn id="5" presetID="22" presetClass="entr" presetSubtype="4" fill="hold" grpId="0" nodeType="withEffect">
+                                  <p:stCondLst>
+                                    <p:cond delay="0"/>
+                                  </p:stCondLst>
+                                  <p:childTnLst>
+                                    <p:set>
+                                      <p:cBhvr>
+                                        <p:cTn id="6" dur="1" fill="hold">
+                                          <p:stCondLst>
+                                            <p:cond delay="0"/>
+                                          </p:stCondLst>
+                                        </p:cTn>
+                                        <p:tgtEl>
+                                          <p:spTgt spid="4"/>
+                                        </p:tgtEl>
+                                        <p:attrNameLst>
+                                          <p:attrName>style.visibility</p:attrName>
+                                        </p:attrNameLst>
+                                      </p:cBhvr>
+                                      <p:to>
+                                        <p:strVal val="visible"/>
+                                      </p:to>
+                                    </p:set>
+                                    <p:animEffect transition="in" filter="wipe(down)">
+                                      <p:cBhvr>
+                                        <p:cTn id="7" dur="500"/>
+                                        <p:tgtEl>
+                                          <p:spTgt spid="4"/>
+                                        </p:tgtEl>
+                                      </p:cBhvr>
+                                    </p:animEffect>
+                                  </p:childTnLst>
+                                </p:cTn>
+                              </p:par>
+                            </p:childTnLst>
+                          </p:cTn>
+                        </p:par>
+                      </p:childTnLst>
+                    </p:cTn>
+                  </p:par>
+                  <p:par>
+                    <p:cTn id="8" fill="hold">
+                      <p:stCondLst>
+                        <p:cond delay="indefinite"/>
+                      </p:stCondLst>
+                      <p:childTnLst>
+                        <p:par>
+                          <p:cTn id="9" fill="hold">
+                            <p:stCondLst>
+                              <p:cond delay="0"/>
+                            </p:stCondLst>
+                            <p:childTnLst>
+                              <p:par>
+                                <p:cTn id="10" presetID="16" presetClass="entr" presetSubtype="26" fill="hold" grpId="0" nodeType="clickEffect">
+                                  <p:stCondLst>
+                                    <p:cond delay="0"/>
+                                  </p:stCondLst>
+                                  <p:childTnLst>
+                                    <p:set>
+                                      <p:cBhvr>
+                                        <p:cTn id="11" dur="1" fill="hold">
+                                          <p:stCondLst>
+                                            <p:cond delay="0"/>
+                                          </p:stCondLst>
+                                        </p:cTn>
+                                        <p:tgtEl>
+                                          <p:spTgt spid="3"/>
+                                        </p:tgtEl>
+                                        <p:attrNameLst>
+                                          <p:attrName>style.visibility</p:attrName>
+                                        </p:attrNameLst>
+                                      </p:cBhvr>
+                                      <p:to>
+                                        <p:strVal val="visible"/>
+                                      </p:to>
+                                    </p:set>
+                                    <p:animEffect transition="in" filter="barn(inHorizontal)">
+                                      <p:cBhvr>
+                                        <p:cTn id="12" dur="500"/>
+                                        <p:tgtEl>
+                                          <p:spTgt spid="3"/>
+                                        </p:tgtEl>
+                                      </p:cBhvr>
+                                    </p:animEffect>
+                                  </p:childTnLst>
+                                </p:cTn>
+                              </p:par>
+                            </p:childTnLst>
+                          </p:cTn>
+                        </p:par>
+                      </p:childTnLst>
+                    </p:cTn>
+                  </p:par>
+                  <p:par>
+                    <p:cTn id="13" fill="hold">
+                      <p:stCondLst>
+                        <p:cond delay="indefinite"/>
+                      </p:stCondLst>
+                      <p:childTnLst>
+                        <p:par>
+                          <p:cTn id="14" fill="hold">
+                            <p:stCondLst>
+                              <p:cond delay="0"/>
+                            </p:stCondLst>
+                            <p:childTnLst>
+                              <p:par>
+                                <p:cTn id="15" presetID="1" presetClass="entr" presetSubtype="0" fill="hold" nodeType="clickEffect">
+                                  <p:stCondLst>
+                                    <p:cond delay="0"/>
+                                  </p:stCondLst>
+                                  <p:childTnLst>
+                                    <p:set>
+                                      <p:cBhvr>
+                                        <p:cTn id="16" dur="1" fill="hold">
+                                          <p:stCondLst>
+                                            <p:cond delay="0"/>
+                                          </p:stCondLst>
+                                        </p:cTn>
+                                        <p:tgtEl>
+                                          <p:spTgt spid="6"/>
+                                        </p:tgtEl>
+                                        <p:attrNameLst>
+                                          <p:attrName>style.visibility</p:attrName>
+                                        </p:attrNameLst>
+                                      </p:cBhvr>
+                                      <p:to>
+                                        <p:strVal val="visible"/>
+                                      </p:to>
+                                    </p:set>
+                                  </p:childTnLst>
+                                </p:cTn>
+                              </p:par>
+                              <p:par>
+                                <p:cTn id="17" presetID="6" presetClass="emph" presetSubtype="0" fill="hold" nodeType="withEffect">
+                                  <p:stCondLst>
+                                    <p:cond delay="0"/>
+                                  </p:stCondLst>
+                                  <p:childTnLst>
+                                    <p:animScale>
+                                      <p:cBhvr>
+                                        <p:cTn id="18" dur="2000" fill="hold"/>
+                                        <p:tgtEl>
+                                          <p:spTgt spid="6"/>
+                                        </p:tgtEl>
+                                      </p:cBhvr>
+                                      <p:by x="150000" y="150000"/>
+                                    </p:animScale>
+                                  </p:childTnLst>
+                                </p:cTn>
+                              </p:par>
+                            </p:childTnLst>
+                          </p:cTn>
+                        </p:par>
+                      </p:childTnLst>
+                    </p:cTn>
+                  </p:par>
+                </p:childTnLst>
+              </p:cTn>
+              <p:prevCondLst>
+                <p:cond evt="onPrev" delay="0">
+                  <p:tgtEl>
+                    <p:sldTgt/>
+                  </p:tgtEl>
+                </p:cond>
+              </p:prevCondLst>
+              <p:nextCondLst>
+                <p:cond evt="onNext" delay="0">
+                  <p:tgtEl>
+                    <p:sldTgt/>
+                  </p:tgtEl>
+                </p:cond>
+              </p:nextCondLst>
+            </p:seq>
+          </p:childTnLst>
+        </p:cTn>
+      </p:par>
+    </p:tnLst>
+    <p:bldLst>
+      <p:bldP spid="4" grpId="0"/>
+      <p:bldP spid="3" grpId="0"/>
+    </p:bldLst>
+  </p:timing>
+</p:sld>
+</file>
+
+<file path=ppt/slides/slide39.xml><?xml version="1.0" encoding="utf-8"?>
+<p:sld xmlns:a="http://schemas.openxmlformats.org/drawingml/2006/main" xmlns:r="http://schemas.openxmlformats.org/officeDocument/2006/relationships" xmlns:p="http://schemas.openxmlformats.org/presentationml/2006/main">
+  <p:cSld>
+    <p:spTree>
+      <p:nvGrpSpPr>
+        <p:cNvPr id="1" name=""/>
+        <p:cNvGrpSpPr/>
+        <p:nvPr/>
+      </p:nvGrpSpPr>
+      <p:grpSpPr>
+        <a:xfrm>
+          <a:off x="0" y="0"/>
+          <a:ext cx="0" cy="0"/>
+          <a:chOff x="0" y="0"/>
+          <a:chExt cx="0" cy="0"/>
+        </a:xfrm>
+      </p:grpSpPr>
+      <p:pic>
+        <p:nvPicPr>
+          <p:cNvPr id="20482" name="Picture 2" descr="http://t2.gstatic.com/images?q=tbn:ANd9GcT6YqZyA9nlPVkxi6YJL7K_fZEotKEgs1dZCuikjSK3ns2SJPAnsIJwfWjxmw"/>
+          <p:cNvPicPr>
+            <a:picLocks noChangeAspect="1" noChangeArrowheads="1"/>
+          </p:cNvPicPr>
+          <p:nvPr/>
+        </p:nvPicPr>
+        <p:blipFill>
+          <a:blip r:embed="rId2" cstate="print"/>
+          <a:srcRect/>
+          <a:stretch>
+            <a:fillRect/>
+          </a:stretch>
+        </p:blipFill>
+        <p:spPr bwMode="auto">
+          <a:xfrm>
+            <a:off x="6300192" y="3356992"/>
+            <a:ext cx="1914525" cy="2390775"/>
+          </a:xfrm>
+          <a:prstGeom prst="rect">
+            <a:avLst/>
+          </a:prstGeom>
+          <a:noFill/>
+        </p:spPr>
+      </p:pic>
+      <p:sp>
+        <p:nvSpPr>
+          <p:cNvPr id="3" name="Rettangolo 2"/>
+          <p:cNvSpPr/>
+          <p:nvPr/>
+        </p:nvSpPr>
+        <p:spPr>
+          <a:xfrm>
+            <a:off x="463287" y="908720"/>
+            <a:ext cx="5188833" cy="630942"/>
+          </a:xfrm>
+          <a:prstGeom prst="rect">
+            <a:avLst/>
+          </a:prstGeom>
+        </p:spPr>
+        <p:txBody>
+          <a:bodyPr wrap="square">
+            <a:spAutoFit/>
+          </a:bodyPr>
+          <a:lstStyle/>
+          <a:p>
+            <a:pPr algn="ctr"/>
+            <a:r>
+              <a:rPr lang="it-IT" sz="3500" b="1" dirty="0" smtClean="0"/>
+              <a:t>Cosa non andava bene?</a:t>
+            </a:r>
+          </a:p>
+        </p:txBody>
+      </p:sp>
+      <p:sp>
+        <p:nvSpPr>
+          <p:cNvPr id="6" name="Content Placeholder 3"/>
+          <p:cNvSpPr txBox="1">
+            <a:spLocks/>
+          </p:cNvSpPr>
+          <p:nvPr/>
+        </p:nvSpPr>
+        <p:spPr>
+          <a:xfrm>
+            <a:off x="827584" y="2060848"/>
+            <a:ext cx="7344816" cy="1656184"/>
+          </a:xfrm>
+          <a:prstGeom prst="rect">
+            <a:avLst/>
+          </a:prstGeom>
+        </p:spPr>
+        <p:txBody>
+          <a:bodyPr tIns="0"/>
+          <a:lstStyle>
+            <a:lvl1pPr marL="274320" indent="-274320" algn="l" rtl="0" eaLnBrk="1" latinLnBrk="0" hangingPunct="1">
+              <a:spcBef>
+                <a:spcPct val="20000"/>
+              </a:spcBef>
+              <a:buClrTx/>
+              <a:buSzPct val="95000"/>
+              <a:buFont typeface="Wingdings" pitchFamily="2" charset="2"/>
+              <a:buChar char="v"/>
+              <a:defRPr kumimoji="0" sz="2800" kern="1200">
+                <a:solidFill>
+                  <a:schemeClr val="tx1"/>
+                </a:solidFill>
+                <a:latin typeface="+mn-lt"/>
+                <a:ea typeface="+mn-ea"/>
+                <a:cs typeface="+mn-cs"/>
+              </a:defRPr>
+            </a:lvl1pPr>
+            <a:lvl2pPr marL="640080" indent="-246888" algn="l" rtl="0" eaLnBrk="1" latinLnBrk="0" hangingPunct="1">
+              <a:spcBef>
+                <a:spcPct val="20000"/>
+              </a:spcBef>
+              <a:buClrTx/>
+              <a:buSzPct val="85000"/>
+              <a:buFont typeface="Courier New" pitchFamily="49" charset="0"/>
+              <a:buChar char="o"/>
+              <a:defRPr kumimoji="0" sz="2600" kern="1200">
+                <a:solidFill>
+                  <a:schemeClr val="tx1"/>
+                </a:solidFill>
+                <a:latin typeface="+mn-lt"/>
+                <a:ea typeface="+mn-ea"/>
+                <a:cs typeface="+mn-cs"/>
+              </a:defRPr>
+            </a:lvl2pPr>
+            <a:lvl3pPr marL="914400" indent="-246888" algn="l" rtl="0" eaLnBrk="1" latinLnBrk="0" hangingPunct="1">
+              <a:spcBef>
+                <a:spcPct val="20000"/>
+              </a:spcBef>
+              <a:buClrTx/>
+              <a:buSzPct val="70000"/>
+              <a:buFont typeface="Wingdings 2"/>
+              <a:buChar char=""/>
+              <a:defRPr kumimoji="0" sz="2400" kern="1200">
+                <a:solidFill>
+                  <a:schemeClr val="tx1"/>
+                </a:solidFill>
+                <a:latin typeface="+mn-lt"/>
+                <a:ea typeface="+mn-ea"/>
+                <a:cs typeface="+mn-cs"/>
+              </a:defRPr>
+            </a:lvl3pPr>
+            <a:lvl4pPr marL="1188720" indent="-210312" algn="l" rtl="0" eaLnBrk="1" latinLnBrk="0" hangingPunct="1">
+              <a:spcBef>
+                <a:spcPct val="20000"/>
+              </a:spcBef>
+              <a:buClrTx/>
+              <a:buSzPct val="65000"/>
+              <a:buFont typeface="Wingdings 2"/>
+              <a:buChar char=""/>
+              <a:defRPr kumimoji="0" sz="2000" kern="1200">
+                <a:solidFill>
+                  <a:schemeClr val="tx1"/>
+                </a:solidFill>
+                <a:latin typeface="+mn-lt"/>
+                <a:ea typeface="+mn-ea"/>
+                <a:cs typeface="+mn-cs"/>
+              </a:defRPr>
+            </a:lvl4pPr>
+            <a:lvl5pPr marL="1463040" indent="-210312" algn="l" rtl="0" eaLnBrk="1" latinLnBrk="0" hangingPunct="1">
+              <a:spcBef>
+                <a:spcPct val="20000"/>
+              </a:spcBef>
+              <a:buClrTx/>
+              <a:buSzPct val="65000"/>
+              <a:buFont typeface="Wingdings 2"/>
+              <a:buChar char=""/>
+              <a:defRPr kumimoji="0" sz="1800" kern="1200">
+                <a:solidFill>
+                  <a:schemeClr val="tx1"/>
+                </a:solidFill>
+                <a:latin typeface="+mn-lt"/>
+                <a:ea typeface="+mn-ea"/>
+                <a:cs typeface="+mn-cs"/>
+              </a:defRPr>
+            </a:lvl5pPr>
+            <a:lvl6pPr marL="1737360" indent="-210312" algn="l" rtl="0" eaLnBrk="1" latinLnBrk="0" hangingPunct="1">
+              <a:spcBef>
+                <a:spcPct val="20000"/>
+              </a:spcBef>
+              <a:buClr>
+                <a:schemeClr val="accent5"/>
+              </a:buClr>
+              <a:buSzPct val="80000"/>
+              <a:buFont typeface="Wingdings 2"/>
+              <a:buChar char=""/>
+              <a:defRPr kumimoji="0" sz="1800" kern="1200">
+                <a:solidFill>
+                  <a:schemeClr val="tx1"/>
+                </a:solidFill>
+                <a:latin typeface="+mn-lt"/>
+                <a:ea typeface="+mn-ea"/>
+                <a:cs typeface="+mn-cs"/>
+              </a:defRPr>
+            </a:lvl6pPr>
+            <a:lvl7pPr marL="1920240" indent="-182880" algn="l" rtl="0" eaLnBrk="1" latinLnBrk="0" hangingPunct="1">
+              <a:spcBef>
+                <a:spcPct val="20000"/>
+              </a:spcBef>
+              <a:buClr>
+                <a:schemeClr val="accent6"/>
+              </a:buClr>
+              <a:buSzPct val="80000"/>
+              <a:buFont typeface="Wingdings 2"/>
+              <a:buChar char=""/>
+              <a:defRPr kumimoji="0" sz="1600" kern="1200" baseline="0">
+                <a:solidFill>
+                  <a:schemeClr val="tx1"/>
+                </a:solidFill>
+                <a:latin typeface="+mn-lt"/>
+                <a:ea typeface="+mn-ea"/>
+                <a:cs typeface="+mn-cs"/>
+              </a:defRPr>
+            </a:lvl7pPr>
+            <a:lvl8pPr marL="2194560" indent="-182880" algn="l" rtl="0" eaLnBrk="1" latinLnBrk="0" hangingPunct="1">
+              <a:spcBef>
+                <a:spcPct val="20000"/>
+              </a:spcBef>
+              <a:buClr>
+                <a:schemeClr val="tx2"/>
+              </a:buClr>
+              <a:buChar char="•"/>
+              <a:defRPr kumimoji="0" sz="1600" kern="1200">
+                <a:solidFill>
+                  <a:schemeClr val="tx1"/>
+                </a:solidFill>
+                <a:latin typeface="+mn-lt"/>
+                <a:ea typeface="+mn-ea"/>
+                <a:cs typeface="+mn-cs"/>
+              </a:defRPr>
+            </a:lvl8pPr>
+            <a:lvl9pPr marL="2468880" indent="-182880" algn="l" rtl="0" eaLnBrk="1" latinLnBrk="0" hangingPunct="1">
+              <a:spcBef>
+                <a:spcPct val="20000"/>
+              </a:spcBef>
+              <a:buClr>
+                <a:schemeClr val="tx2"/>
+              </a:buClr>
+              <a:buFontTx/>
+              <a:buChar char="•"/>
+              <a:defRPr kumimoji="0" sz="1400" kern="1200" baseline="0">
+                <a:solidFill>
+                  <a:schemeClr val="tx1"/>
+                </a:solidFill>
+                <a:latin typeface="+mn-lt"/>
+                <a:ea typeface="+mn-ea"/>
+                <a:cs typeface="+mn-cs"/>
+              </a:defRPr>
+            </a:lvl9pPr>
+          </a:lstStyle>
+          <a:p>
+            <a:r>
+              <a:rPr lang="it-IT" dirty="0" smtClean="0"/>
+              <a:t> Suddivisione troppo astratta</a:t>
+            </a:r>
+          </a:p>
+          <a:p>
+            <a:pPr lvl="1"/>
+            <a:r>
+              <a:rPr lang="it-IT" i="1" dirty="0" smtClean="0"/>
+              <a:t>Analisi poco approfondita delle funzionalità del sistema</a:t>
+            </a:r>
+          </a:p>
+          <a:p>
+            <a:pPr lvl="1"/>
+            <a:endParaRPr lang="it-IT" i="1" dirty="0" smtClean="0"/>
+          </a:p>
+          <a:p>
+            <a:pPr lvl="1"/>
+            <a:endParaRPr lang="it-IT" dirty="0" smtClean="0"/>
+          </a:p>
+        </p:txBody>
+      </p:sp>
+      <p:sp>
+        <p:nvSpPr>
+          <p:cNvPr id="8" name="Content Placeholder 3"/>
+          <p:cNvSpPr txBox="1">
+            <a:spLocks/>
+          </p:cNvSpPr>
+          <p:nvPr/>
+        </p:nvSpPr>
+        <p:spPr>
+          <a:xfrm>
+            <a:off x="683568" y="3717032"/>
+            <a:ext cx="7416824" cy="1008112"/>
+          </a:xfrm>
+          <a:prstGeom prst="rect">
+            <a:avLst/>
+          </a:prstGeom>
+        </p:spPr>
+        <p:txBody>
+          <a:bodyPr tIns="0"/>
+          <a:lstStyle>
+            <a:lvl1pPr marL="274320" indent="-274320" algn="l" rtl="0" eaLnBrk="1" latinLnBrk="0" hangingPunct="1">
+              <a:spcBef>
+                <a:spcPct val="20000"/>
+              </a:spcBef>
+              <a:buClrTx/>
+              <a:buSzPct val="95000"/>
+              <a:buFont typeface="Wingdings" pitchFamily="2" charset="2"/>
+              <a:buChar char="v"/>
+              <a:defRPr kumimoji="0" sz="2800" kern="1200">
+                <a:solidFill>
+                  <a:schemeClr val="tx1"/>
+                </a:solidFill>
+                <a:latin typeface="+mn-lt"/>
+                <a:ea typeface="+mn-ea"/>
+                <a:cs typeface="+mn-cs"/>
+              </a:defRPr>
+            </a:lvl1pPr>
+            <a:lvl2pPr marL="640080" indent="-246888" algn="l" rtl="0" eaLnBrk="1" latinLnBrk="0" hangingPunct="1">
+              <a:spcBef>
+                <a:spcPct val="20000"/>
+              </a:spcBef>
+              <a:buClrTx/>
+              <a:buSzPct val="85000"/>
+              <a:buFont typeface="Courier New" pitchFamily="49" charset="0"/>
+              <a:buChar char="o"/>
+              <a:defRPr kumimoji="0" sz="2600" kern="1200">
+                <a:solidFill>
+                  <a:schemeClr val="tx1"/>
+                </a:solidFill>
+                <a:latin typeface="+mn-lt"/>
+                <a:ea typeface="+mn-ea"/>
+                <a:cs typeface="+mn-cs"/>
+              </a:defRPr>
+            </a:lvl2pPr>
+            <a:lvl3pPr marL="914400" indent="-246888" algn="l" rtl="0" eaLnBrk="1" latinLnBrk="0" hangingPunct="1">
+              <a:spcBef>
+                <a:spcPct val="20000"/>
+              </a:spcBef>
+              <a:buClrTx/>
+              <a:buSzPct val="70000"/>
+              <a:buFont typeface="Wingdings 2"/>
+              <a:buChar char=""/>
+              <a:defRPr kumimoji="0" sz="2400" kern="1200">
+                <a:solidFill>
+                  <a:schemeClr val="tx1"/>
+                </a:solidFill>
+                <a:latin typeface="+mn-lt"/>
+                <a:ea typeface="+mn-ea"/>
+                <a:cs typeface="+mn-cs"/>
+              </a:defRPr>
+            </a:lvl3pPr>
+            <a:lvl4pPr marL="1188720" indent="-210312" algn="l" rtl="0" eaLnBrk="1" latinLnBrk="0" hangingPunct="1">
+              <a:spcBef>
+                <a:spcPct val="20000"/>
+              </a:spcBef>
+              <a:buClrTx/>
+              <a:buSzPct val="65000"/>
+              <a:buFont typeface="Wingdings 2"/>
+              <a:buChar char=""/>
+              <a:defRPr kumimoji="0" sz="2000" kern="1200">
+                <a:solidFill>
+                  <a:schemeClr val="tx1"/>
+                </a:solidFill>
+                <a:latin typeface="+mn-lt"/>
+                <a:ea typeface="+mn-ea"/>
+                <a:cs typeface="+mn-cs"/>
+              </a:defRPr>
+            </a:lvl4pPr>
+            <a:lvl5pPr marL="1463040" indent="-210312" algn="l" rtl="0" eaLnBrk="1" latinLnBrk="0" hangingPunct="1">
+              <a:spcBef>
+                <a:spcPct val="20000"/>
+              </a:spcBef>
+              <a:buClrTx/>
+              <a:buSzPct val="65000"/>
+              <a:buFont typeface="Wingdings 2"/>
+              <a:buChar char=""/>
+              <a:defRPr kumimoji="0" sz="1800" kern="1200">
+                <a:solidFill>
+                  <a:schemeClr val="tx1"/>
+                </a:solidFill>
+                <a:latin typeface="+mn-lt"/>
+                <a:ea typeface="+mn-ea"/>
+                <a:cs typeface="+mn-cs"/>
+              </a:defRPr>
+            </a:lvl5pPr>
+            <a:lvl6pPr marL="1737360" indent="-210312" algn="l" rtl="0" eaLnBrk="1" latinLnBrk="0" hangingPunct="1">
+              <a:spcBef>
+                <a:spcPct val="20000"/>
+              </a:spcBef>
+              <a:buClr>
+                <a:schemeClr val="accent5"/>
+              </a:buClr>
+              <a:buSzPct val="80000"/>
+              <a:buFont typeface="Wingdings 2"/>
+              <a:buChar char=""/>
+              <a:defRPr kumimoji="0" sz="1800" kern="1200">
+                <a:solidFill>
+                  <a:schemeClr val="tx1"/>
+                </a:solidFill>
+                <a:latin typeface="+mn-lt"/>
+                <a:ea typeface="+mn-ea"/>
+                <a:cs typeface="+mn-cs"/>
+              </a:defRPr>
+            </a:lvl6pPr>
+            <a:lvl7pPr marL="1920240" indent="-182880" algn="l" rtl="0" eaLnBrk="1" latinLnBrk="0" hangingPunct="1">
+              <a:spcBef>
+                <a:spcPct val="20000"/>
+              </a:spcBef>
+              <a:buClr>
+                <a:schemeClr val="accent6"/>
+              </a:buClr>
+              <a:buSzPct val="80000"/>
+              <a:buFont typeface="Wingdings 2"/>
+              <a:buChar char=""/>
+              <a:defRPr kumimoji="0" sz="1600" kern="1200" baseline="0">
+                <a:solidFill>
+                  <a:schemeClr val="tx1"/>
+                </a:solidFill>
+                <a:latin typeface="+mn-lt"/>
+                <a:ea typeface="+mn-ea"/>
+                <a:cs typeface="+mn-cs"/>
+              </a:defRPr>
+            </a:lvl7pPr>
+            <a:lvl8pPr marL="2194560" indent="-182880" algn="l" rtl="0" eaLnBrk="1" latinLnBrk="0" hangingPunct="1">
+              <a:spcBef>
+                <a:spcPct val="20000"/>
+              </a:spcBef>
+              <a:buClr>
+                <a:schemeClr val="tx2"/>
+              </a:buClr>
+              <a:buChar char="•"/>
+              <a:defRPr kumimoji="0" sz="1600" kern="1200">
+                <a:solidFill>
+                  <a:schemeClr val="tx1"/>
+                </a:solidFill>
+                <a:latin typeface="+mn-lt"/>
+                <a:ea typeface="+mn-ea"/>
+                <a:cs typeface="+mn-cs"/>
+              </a:defRPr>
+            </a:lvl8pPr>
+            <a:lvl9pPr marL="2468880" indent="-182880" algn="l" rtl="0" eaLnBrk="1" latinLnBrk="0" hangingPunct="1">
+              <a:spcBef>
+                <a:spcPct val="20000"/>
+              </a:spcBef>
+              <a:buClr>
+                <a:schemeClr val="tx2"/>
+              </a:buClr>
+              <a:buFontTx/>
+              <a:buChar char="•"/>
+              <a:defRPr kumimoji="0" sz="1400" kern="1200" baseline="0">
+                <a:solidFill>
+                  <a:schemeClr val="tx1"/>
+                </a:solidFill>
+                <a:latin typeface="+mn-lt"/>
+                <a:ea typeface="+mn-ea"/>
+                <a:cs typeface="+mn-cs"/>
+              </a:defRPr>
+            </a:lvl9pPr>
+          </a:lstStyle>
+          <a:p>
+            <a:pPr marL="274320" lvl="1" indent="-274320">
+              <a:buSzPct val="95000"/>
+              <a:buFont typeface="Wingdings" pitchFamily="2" charset="2"/>
+              <a:buChar char="v"/>
+            </a:pPr>
+            <a:r>
+              <a:rPr lang="it-IT" dirty="0" smtClean="0"/>
+              <a:t>  </a:t>
+            </a:r>
+            <a:r>
+              <a:rPr lang="it-IT" sz="2800" dirty="0" smtClean="0"/>
+              <a:t>Bassa coesione nella suddivisione </a:t>
+            </a:r>
+          </a:p>
+          <a:p>
+            <a:pPr marL="274320" lvl="1" indent="-274320">
+              <a:buSzPct val="95000"/>
+              <a:buNone/>
+            </a:pPr>
+            <a:r>
+              <a:rPr lang="it-IT" sz="2800" dirty="0" smtClean="0"/>
+              <a:t>      di primo livello</a:t>
+            </a:r>
+          </a:p>
+        </p:txBody>
+      </p:sp>
+      <p:sp>
+        <p:nvSpPr>
+          <p:cNvPr id="7" name="Segnaposto numero diapositiva 6"/>
+          <p:cNvSpPr>
+            <a:spLocks noGrp="1"/>
+          </p:cNvSpPr>
+          <p:nvPr>
+            <p:ph type="sldNum" sz="quarter" idx="12"/>
+          </p:nvPr>
+        </p:nvSpPr>
+        <p:spPr/>
+        <p:txBody>
+          <a:bodyPr/>
+          <a:lstStyle/>
+          <a:p>
+            <a:fld id="{F89AEA99-3E91-4C58-9AD4-045DB5619AC3}" type="slidenum">
+              <a:rPr lang="it-IT" smtClean="0"/>
+              <a:pPr/>
+              <a:t>39</a:t>
+            </a:fld>
+            <a:endParaRPr lang="it-IT"/>
+          </a:p>
+        </p:txBody>
+      </p:sp>
+    </p:spTree>
+  </p:cSld>
+  <p:clrMapOvr>
+    <a:masterClrMapping/>
+  </p:clrMapOvr>
+  <p:timing>
+    <p:tnLst>
+      <p:par>
+        <p:cTn id="1" dur="indefinite" restart="never" nodeType="tmRoot">
+          <p:childTnLst>
+            <p:seq concurrent="1" nextAc="seek">
+              <p:cTn id="2" dur="indefinite" nodeType="mainSeq">
+                <p:childTnLst>
+                  <p:par>
+                    <p:cTn id="3" fill="hold">
+                      <p:stCondLst>
+                        <p:cond delay="indefinite"/>
+                        <p:cond evt="onBegin" delay="0">
+                          <p:tn val="2"/>
+                        </p:cond>
+                      </p:stCondLst>
+                      <p:childTnLst>
+                        <p:par>
+                          <p:cTn id="4" fill="hold">
+                            <p:stCondLst>
+                              <p:cond delay="0"/>
+                            </p:stCondLst>
+                            <p:childTnLst>
+                              <p:par>
+                                <p:cTn id="5" presetID="10" presetClass="entr" presetSubtype="0" fill="hold" nodeType="withEffect">
+                                  <p:stCondLst>
+                                    <p:cond delay="0"/>
+                                  </p:stCondLst>
+                                  <p:childTnLst>
+                                    <p:set>
+                                      <p:cBhvr>
+                                        <p:cTn id="6" dur="1" fill="hold">
+                                          <p:stCondLst>
+                                            <p:cond delay="0"/>
+                                          </p:stCondLst>
+                                        </p:cTn>
+                                        <p:tgtEl>
+                                          <p:spTgt spid="20482"/>
+                                        </p:tgtEl>
+                                        <p:attrNameLst>
+                                          <p:attrName>style.visibility</p:attrName>
+                                        </p:attrNameLst>
+                                      </p:cBhvr>
+                                      <p:to>
+                                        <p:strVal val="visible"/>
+                                      </p:to>
+                                    </p:set>
+                                    <p:animEffect transition="in" filter="fade">
+                                      <p:cBhvr>
+                                        <p:cTn id="7" dur="1000"/>
+                                        <p:tgtEl>
+                                          <p:spTgt spid="20482"/>
+                                        </p:tgtEl>
+                                      </p:cBhvr>
+                                    </p:animEffect>
+                                  </p:childTnLst>
+                                </p:cTn>
+                              </p:par>
+                            </p:childTnLst>
+                          </p:cTn>
+                        </p:par>
+                      </p:childTnLst>
+                    </p:cTn>
+                  </p:par>
+                  <p:par>
+                    <p:cTn id="8" fill="hold">
+                      <p:stCondLst>
+                        <p:cond delay="indefinite"/>
+                      </p:stCondLst>
+                      <p:childTnLst>
+                        <p:par>
+                          <p:cTn id="9" fill="hold">
+                            <p:stCondLst>
+                              <p:cond delay="0"/>
+                            </p:stCondLst>
+                            <p:childTnLst>
+                              <p:par>
+                                <p:cTn id="10" presetID="16" presetClass="entr" presetSubtype="26" fill="hold" grpId="0" nodeType="clickEffect">
+                                  <p:stCondLst>
+                                    <p:cond delay="0"/>
+                                  </p:stCondLst>
+                                  <p:childTnLst>
+                                    <p:set>
+                                      <p:cBhvr>
+                                        <p:cTn id="11" dur="1" fill="hold">
+                                          <p:stCondLst>
+                                            <p:cond delay="0"/>
+                                          </p:stCondLst>
+                                        </p:cTn>
+                                        <p:tgtEl>
+                                          <p:spTgt spid="6"/>
+                                        </p:tgtEl>
+                                        <p:attrNameLst>
+                                          <p:attrName>style.visibility</p:attrName>
+                                        </p:attrNameLst>
+                                      </p:cBhvr>
+                                      <p:to>
+                                        <p:strVal val="visible"/>
+                                      </p:to>
+                                    </p:set>
+                                    <p:animEffect transition="in" filter="barn(inHorizontal)">
+                                      <p:cBhvr>
+                                        <p:cTn id="12" dur="500"/>
+                                        <p:tgtEl>
+                                          <p:spTgt spid="6"/>
+                                        </p:tgtEl>
+                                      </p:cBhvr>
+                                    </p:animEffect>
+                                  </p:childTnLst>
+                                </p:cTn>
+                              </p:par>
+                            </p:childTnLst>
+                          </p:cTn>
+                        </p:par>
+                        <p:par>
+                          <p:cTn id="13" fill="hold">
+                            <p:stCondLst>
+                              <p:cond delay="500"/>
+                            </p:stCondLst>
+                            <p:childTnLst>
+                              <p:par>
+                                <p:cTn id="14" presetID="16" presetClass="entr" presetSubtype="26" fill="hold" grpId="0" nodeType="afterEffect">
+                                  <p:stCondLst>
+                                    <p:cond delay="0"/>
+                                  </p:stCondLst>
+                                  <p:childTnLst>
+                                    <p:set>
+                                      <p:cBhvr>
+                                        <p:cTn id="15" dur="1" fill="hold">
+                                          <p:stCondLst>
+                                            <p:cond delay="0"/>
+                                          </p:stCondLst>
+                                        </p:cTn>
+                                        <p:tgtEl>
+                                          <p:spTgt spid="8"/>
+                                        </p:tgtEl>
+                                        <p:attrNameLst>
+                                          <p:attrName>style.visibility</p:attrName>
+                                        </p:attrNameLst>
+                                      </p:cBhvr>
+                                      <p:to>
+                                        <p:strVal val="visible"/>
+                                      </p:to>
+                                    </p:set>
+                                    <p:animEffect transition="in" filter="barn(inHorizontal)">
+                                      <p:cBhvr>
+                                        <p:cTn id="16" dur="500"/>
+                                        <p:tgtEl>
+                                          <p:spTgt spid="8"/>
+                                        </p:tgtEl>
+                                      </p:cBhvr>
+                                    </p:animEffect>
+                                  </p:childTnLst>
+                                </p:cTn>
+                              </p:par>
+                            </p:childTnLst>
+                          </p:cTn>
+                        </p:par>
+                      </p:childTnLst>
+                    </p:cTn>
+                  </p:par>
+                </p:childTnLst>
+              </p:cTn>
+              <p:prevCondLst>
+                <p:cond evt="onPrev" delay="0">
+                  <p:tgtEl>
+                    <p:sldTgt/>
+                  </p:tgtEl>
+                </p:cond>
+              </p:prevCondLst>
+              <p:nextCondLst>
+                <p:cond evt="onNext" delay="0">
+                  <p:tgtEl>
+                    <p:sldTgt/>
+                  </p:tgtEl>
+                </p:cond>
+              </p:nextCondLst>
+            </p:seq>
+          </p:childTnLst>
+        </p:cTn>
+      </p:par>
+    </p:tnLst>
+    <p:bldLst>
+      <p:bldP spid="6" grpId="0"/>
+      <p:bldP spid="8" grpId="0"/>
+    </p:bldLst>
   </p:timing>
 </p:sld>
 </file>
@@ -11078,10 +15852,10 @@
           <p:nvPr/>
         </p:nvPicPr>
         <p:blipFill>
-          <a:blip r:embed="rId3">
+          <a:blip r:embed="rId3" cstate="print">
             <a:extLst>
               <a:ext uri="{28A0092B-C50C-407E-A947-70E740481C1C}">
-                <a14:useLocalDpi xmlns:a14="http://schemas.microsoft.com/office/drawing/2010/main" val="0"/>
+                <a14:useLocalDpi xmlns="" xmlns:a14="http://schemas.microsoft.com/office/drawing/2010/main" val="0"/>
               </a:ext>
             </a:extLst>
           </a:blip>
@@ -11092,8 +15866,8 @@
         </p:blipFill>
         <p:spPr bwMode="auto">
           <a:xfrm>
-            <a:off x="6732240" y="4140165"/>
-            <a:ext cx="1905000" cy="2447925"/>
+            <a:off x="6732240" y="4077072"/>
+            <a:ext cx="1842025" cy="2367002"/>
           </a:xfrm>
           <a:prstGeom prst="rect">
             <a:avLst/>
@@ -11101,7 +15875,7 @@
           <a:noFill/>
           <a:extLst>
             <a:ext uri="{909E8E84-426E-40DD-AFC4-6F175D3DCCD1}">
-              <a14:hiddenFill xmlns:a14="http://schemas.microsoft.com/office/drawing/2010/main">
+              <a14:hiddenFill xmlns="" xmlns:a14="http://schemas.microsoft.com/office/drawing/2010/main">
                 <a:solidFill>
                   <a:srgbClr val="FFFFFF"/>
                 </a:solidFill>
@@ -11113,7 +15887,7 @@
     </p:spTree>
     <p:extLst>
       <p:ext uri="{BB962C8B-B14F-4D97-AF65-F5344CB8AC3E}">
-        <p14:creationId xmlns:p14="http://schemas.microsoft.com/office/powerpoint/2010/main" val="530534880"/>
+        <p14:creationId xmlns="" xmlns:p14="http://schemas.microsoft.com/office/powerpoint/2010/main" val="530534880"/>
       </p:ext>
     </p:extLst>
   </p:cSld>
@@ -11123,9 +15897,2143 @@
   <p:timing>
     <p:tnLst>
       <p:par>
-        <p:cTn id="1" dur="indefinite" restart="never" nodeType="tmRoot"/>
+        <p:cTn id="1" dur="indefinite" restart="never" nodeType="tmRoot">
+          <p:childTnLst>
+            <p:seq concurrent="1" nextAc="seek">
+              <p:cTn id="2" dur="indefinite" nodeType="mainSeq">
+                <p:childTnLst>
+                  <p:par>
+                    <p:cTn id="3" fill="hold">
+                      <p:stCondLst>
+                        <p:cond delay="indefinite"/>
+                      </p:stCondLst>
+                      <p:childTnLst>
+                        <p:par>
+                          <p:cTn id="4" fill="hold">
+                            <p:stCondLst>
+                              <p:cond delay="0"/>
+                            </p:stCondLst>
+                            <p:childTnLst>
+                              <p:par>
+                                <p:cTn id="5" presetID="10" presetClass="entr" presetSubtype="0" fill="hold" grpId="0" nodeType="clickEffect">
+                                  <p:stCondLst>
+                                    <p:cond delay="0"/>
+                                  </p:stCondLst>
+                                  <p:childTnLst>
+                                    <p:set>
+                                      <p:cBhvr>
+                                        <p:cTn id="6" dur="1" fill="hold">
+                                          <p:stCondLst>
+                                            <p:cond delay="0"/>
+                                          </p:stCondLst>
+                                        </p:cTn>
+                                        <p:tgtEl>
+                                          <p:spTgt spid="6"/>
+                                        </p:tgtEl>
+                                        <p:attrNameLst>
+                                          <p:attrName>style.visibility</p:attrName>
+                                        </p:attrNameLst>
+                                      </p:cBhvr>
+                                      <p:to>
+                                        <p:strVal val="visible"/>
+                                      </p:to>
+                                    </p:set>
+                                    <p:animEffect transition="in" filter="fade">
+                                      <p:cBhvr>
+                                        <p:cTn id="7" dur="1000"/>
+                                        <p:tgtEl>
+                                          <p:spTgt spid="6"/>
+                                        </p:tgtEl>
+                                      </p:cBhvr>
+                                    </p:animEffect>
+                                  </p:childTnLst>
+                                </p:cTn>
+                              </p:par>
+                              <p:par>
+                                <p:cTn id="8" presetID="10" presetClass="entr" presetSubtype="0" fill="hold" nodeType="withEffect">
+                                  <p:stCondLst>
+                                    <p:cond delay="0"/>
+                                  </p:stCondLst>
+                                  <p:childTnLst>
+                                    <p:set>
+                                      <p:cBhvr>
+                                        <p:cTn id="9" dur="1" fill="hold">
+                                          <p:stCondLst>
+                                            <p:cond delay="0"/>
+                                          </p:stCondLst>
+                                        </p:cTn>
+                                        <p:tgtEl>
+                                          <p:spTgt spid="1026"/>
+                                        </p:tgtEl>
+                                        <p:attrNameLst>
+                                          <p:attrName>style.visibility</p:attrName>
+                                        </p:attrNameLst>
+                                      </p:cBhvr>
+                                      <p:to>
+                                        <p:strVal val="visible"/>
+                                      </p:to>
+                                    </p:set>
+                                    <p:animEffect transition="in" filter="fade">
+                                      <p:cBhvr>
+                                        <p:cTn id="10" dur="1000"/>
+                                        <p:tgtEl>
+                                          <p:spTgt spid="1026"/>
+                                        </p:tgtEl>
+                                      </p:cBhvr>
+                                    </p:animEffect>
+                                  </p:childTnLst>
+                                </p:cTn>
+                              </p:par>
+                            </p:childTnLst>
+                          </p:cTn>
+                        </p:par>
+                      </p:childTnLst>
+                    </p:cTn>
+                  </p:par>
+                </p:childTnLst>
+              </p:cTn>
+              <p:prevCondLst>
+                <p:cond evt="onPrev" delay="0">
+                  <p:tgtEl>
+                    <p:sldTgt/>
+                  </p:tgtEl>
+                </p:cond>
+              </p:prevCondLst>
+              <p:nextCondLst>
+                <p:cond evt="onNext" delay="0">
+                  <p:tgtEl>
+                    <p:sldTgt/>
+                  </p:tgtEl>
+                </p:cond>
+              </p:nextCondLst>
+            </p:seq>
+          </p:childTnLst>
+        </p:cTn>
       </p:par>
     </p:tnLst>
+    <p:bldLst>
+      <p:bldP spid="6" grpId="0"/>
+    </p:bldLst>
+  </p:timing>
+</p:sld>
+</file>
+
+<file path=ppt/slides/slide40.xml><?xml version="1.0" encoding="utf-8"?>
+<p:sld xmlns:a="http://schemas.openxmlformats.org/drawingml/2006/main" xmlns:r="http://schemas.openxmlformats.org/officeDocument/2006/relationships" xmlns:p="http://schemas.openxmlformats.org/presentationml/2006/main">
+  <p:cSld>
+    <p:spTree>
+      <p:nvGrpSpPr>
+        <p:cNvPr id="1" name=""/>
+        <p:cNvGrpSpPr/>
+        <p:nvPr/>
+      </p:nvGrpSpPr>
+      <p:grpSpPr>
+        <a:xfrm>
+          <a:off x="0" y="0"/>
+          <a:ext cx="0" cy="0"/>
+          <a:chOff x="0" y="0"/>
+          <a:chExt cx="0" cy="0"/>
+        </a:xfrm>
+      </p:grpSpPr>
+      <p:pic>
+        <p:nvPicPr>
+          <p:cNvPr id="4" name="Picture 3"/>
+          <p:cNvPicPr>
+            <a:picLocks noChangeAspect="1" noChangeArrowheads="1"/>
+          </p:cNvPicPr>
+          <p:nvPr/>
+        </p:nvPicPr>
+        <p:blipFill>
+          <a:blip r:embed="rId3" cstate="print"/>
+          <a:srcRect/>
+          <a:stretch>
+            <a:fillRect/>
+          </a:stretch>
+        </p:blipFill>
+        <p:spPr bwMode="auto">
+          <a:xfrm>
+            <a:off x="3635896" y="844996"/>
+            <a:ext cx="5184020" cy="5536332"/>
+          </a:xfrm>
+          <a:prstGeom prst="rect">
+            <a:avLst/>
+          </a:prstGeom>
+          <a:noFill/>
+          <a:ln w="9525">
+            <a:noFill/>
+            <a:miter lim="800000"/>
+            <a:headEnd/>
+            <a:tailEnd/>
+          </a:ln>
+        </p:spPr>
+      </p:pic>
+      <p:sp>
+        <p:nvSpPr>
+          <p:cNvPr id="5" name="Segnaposto numero diapositiva 4"/>
+          <p:cNvSpPr>
+            <a:spLocks noGrp="1"/>
+          </p:cNvSpPr>
+          <p:nvPr>
+            <p:ph type="sldNum" sz="quarter" idx="12"/>
+          </p:nvPr>
+        </p:nvSpPr>
+        <p:spPr/>
+        <p:txBody>
+          <a:bodyPr/>
+          <a:lstStyle/>
+          <a:p>
+            <a:fld id="{F89AEA99-3E91-4C58-9AD4-045DB5619AC3}" type="slidenum">
+              <a:rPr lang="it-IT" smtClean="0"/>
+              <a:pPr/>
+              <a:t>40</a:t>
+            </a:fld>
+            <a:endParaRPr lang="it-IT"/>
+          </a:p>
+        </p:txBody>
+      </p:sp>
+      <p:pic>
+        <p:nvPicPr>
+          <p:cNvPr id="9" name="Picture 2"/>
+          <p:cNvPicPr>
+            <a:picLocks noChangeAspect="1" noChangeArrowheads="1"/>
+          </p:cNvPicPr>
+          <p:nvPr/>
+        </p:nvPicPr>
+        <p:blipFill>
+          <a:blip r:embed="rId4" cstate="print"/>
+          <a:srcRect/>
+          <a:stretch>
+            <a:fillRect/>
+          </a:stretch>
+        </p:blipFill>
+        <p:spPr bwMode="auto">
+          <a:xfrm>
+            <a:off x="3456384" y="781614"/>
+            <a:ext cx="5220072" cy="5599714"/>
+          </a:xfrm>
+          <a:prstGeom prst="rect">
+            <a:avLst/>
+          </a:prstGeom>
+          <a:noFill/>
+          <a:ln w="9525">
+            <a:noFill/>
+            <a:miter lim="800000"/>
+            <a:headEnd/>
+            <a:tailEnd/>
+          </a:ln>
+        </p:spPr>
+      </p:pic>
+      <p:sp>
+        <p:nvSpPr>
+          <p:cNvPr id="11" name="Content Placeholder 3"/>
+          <p:cNvSpPr txBox="1">
+            <a:spLocks/>
+          </p:cNvSpPr>
+          <p:nvPr/>
+        </p:nvSpPr>
+        <p:spPr>
+          <a:xfrm>
+            <a:off x="179512" y="2564904"/>
+            <a:ext cx="3240360" cy="4464496"/>
+          </a:xfrm>
+          <a:prstGeom prst="rect">
+            <a:avLst/>
+          </a:prstGeom>
+        </p:spPr>
+        <p:txBody>
+          <a:bodyPr tIns="0"/>
+          <a:lstStyle>
+            <a:lvl1pPr marL="274320" indent="-274320" algn="l" rtl="0" eaLnBrk="1" latinLnBrk="0" hangingPunct="1">
+              <a:spcBef>
+                <a:spcPct val="20000"/>
+              </a:spcBef>
+              <a:buClrTx/>
+              <a:buSzPct val="95000"/>
+              <a:buFont typeface="Wingdings" pitchFamily="2" charset="2"/>
+              <a:buChar char="v"/>
+              <a:defRPr kumimoji="0" sz="2800" kern="1200">
+                <a:solidFill>
+                  <a:schemeClr val="tx1"/>
+                </a:solidFill>
+                <a:latin typeface="+mn-lt"/>
+                <a:ea typeface="+mn-ea"/>
+                <a:cs typeface="+mn-cs"/>
+              </a:defRPr>
+            </a:lvl1pPr>
+            <a:lvl2pPr marL="640080" indent="-246888" algn="l" rtl="0" eaLnBrk="1" latinLnBrk="0" hangingPunct="1">
+              <a:spcBef>
+                <a:spcPct val="20000"/>
+              </a:spcBef>
+              <a:buClrTx/>
+              <a:buSzPct val="85000"/>
+              <a:buFont typeface="Courier New" pitchFamily="49" charset="0"/>
+              <a:buChar char="o"/>
+              <a:defRPr kumimoji="0" sz="2600" kern="1200">
+                <a:solidFill>
+                  <a:schemeClr val="tx1"/>
+                </a:solidFill>
+                <a:latin typeface="+mn-lt"/>
+                <a:ea typeface="+mn-ea"/>
+                <a:cs typeface="+mn-cs"/>
+              </a:defRPr>
+            </a:lvl2pPr>
+            <a:lvl3pPr marL="914400" indent="-246888" algn="l" rtl="0" eaLnBrk="1" latinLnBrk="0" hangingPunct="1">
+              <a:spcBef>
+                <a:spcPct val="20000"/>
+              </a:spcBef>
+              <a:buClrTx/>
+              <a:buSzPct val="70000"/>
+              <a:buFont typeface="Wingdings 2"/>
+              <a:buChar char=""/>
+              <a:defRPr kumimoji="0" sz="2400" kern="1200">
+                <a:solidFill>
+                  <a:schemeClr val="tx1"/>
+                </a:solidFill>
+                <a:latin typeface="+mn-lt"/>
+                <a:ea typeface="+mn-ea"/>
+                <a:cs typeface="+mn-cs"/>
+              </a:defRPr>
+            </a:lvl3pPr>
+            <a:lvl4pPr marL="1188720" indent="-210312" algn="l" rtl="0" eaLnBrk="1" latinLnBrk="0" hangingPunct="1">
+              <a:spcBef>
+                <a:spcPct val="20000"/>
+              </a:spcBef>
+              <a:buClrTx/>
+              <a:buSzPct val="65000"/>
+              <a:buFont typeface="Wingdings 2"/>
+              <a:buChar char=""/>
+              <a:defRPr kumimoji="0" sz="2000" kern="1200">
+                <a:solidFill>
+                  <a:schemeClr val="tx1"/>
+                </a:solidFill>
+                <a:latin typeface="+mn-lt"/>
+                <a:ea typeface="+mn-ea"/>
+                <a:cs typeface="+mn-cs"/>
+              </a:defRPr>
+            </a:lvl4pPr>
+            <a:lvl5pPr marL="1463040" indent="-210312" algn="l" rtl="0" eaLnBrk="1" latinLnBrk="0" hangingPunct="1">
+              <a:spcBef>
+                <a:spcPct val="20000"/>
+              </a:spcBef>
+              <a:buClrTx/>
+              <a:buSzPct val="65000"/>
+              <a:buFont typeface="Wingdings 2"/>
+              <a:buChar char=""/>
+              <a:defRPr kumimoji="0" sz="1800" kern="1200">
+                <a:solidFill>
+                  <a:schemeClr val="tx1"/>
+                </a:solidFill>
+                <a:latin typeface="+mn-lt"/>
+                <a:ea typeface="+mn-ea"/>
+                <a:cs typeface="+mn-cs"/>
+              </a:defRPr>
+            </a:lvl5pPr>
+            <a:lvl6pPr marL="1737360" indent="-210312" algn="l" rtl="0" eaLnBrk="1" latinLnBrk="0" hangingPunct="1">
+              <a:spcBef>
+                <a:spcPct val="20000"/>
+              </a:spcBef>
+              <a:buClr>
+                <a:schemeClr val="accent5"/>
+              </a:buClr>
+              <a:buSzPct val="80000"/>
+              <a:buFont typeface="Wingdings 2"/>
+              <a:buChar char=""/>
+              <a:defRPr kumimoji="0" sz="1800" kern="1200">
+                <a:solidFill>
+                  <a:schemeClr val="tx1"/>
+                </a:solidFill>
+                <a:latin typeface="+mn-lt"/>
+                <a:ea typeface="+mn-ea"/>
+                <a:cs typeface="+mn-cs"/>
+              </a:defRPr>
+            </a:lvl6pPr>
+            <a:lvl7pPr marL="1920240" indent="-182880" algn="l" rtl="0" eaLnBrk="1" latinLnBrk="0" hangingPunct="1">
+              <a:spcBef>
+                <a:spcPct val="20000"/>
+              </a:spcBef>
+              <a:buClr>
+                <a:schemeClr val="accent6"/>
+              </a:buClr>
+              <a:buSzPct val="80000"/>
+              <a:buFont typeface="Wingdings 2"/>
+              <a:buChar char=""/>
+              <a:defRPr kumimoji="0" sz="1600" kern="1200" baseline="0">
+                <a:solidFill>
+                  <a:schemeClr val="tx1"/>
+                </a:solidFill>
+                <a:latin typeface="+mn-lt"/>
+                <a:ea typeface="+mn-ea"/>
+                <a:cs typeface="+mn-cs"/>
+              </a:defRPr>
+            </a:lvl7pPr>
+            <a:lvl8pPr marL="2194560" indent="-182880" algn="l" rtl="0" eaLnBrk="1" latinLnBrk="0" hangingPunct="1">
+              <a:spcBef>
+                <a:spcPct val="20000"/>
+              </a:spcBef>
+              <a:buClr>
+                <a:schemeClr val="tx2"/>
+              </a:buClr>
+              <a:buChar char="•"/>
+              <a:defRPr kumimoji="0" sz="1600" kern="1200">
+                <a:solidFill>
+                  <a:schemeClr val="tx1"/>
+                </a:solidFill>
+                <a:latin typeface="+mn-lt"/>
+                <a:ea typeface="+mn-ea"/>
+                <a:cs typeface="+mn-cs"/>
+              </a:defRPr>
+            </a:lvl8pPr>
+            <a:lvl9pPr marL="2468880" indent="-182880" algn="l" rtl="0" eaLnBrk="1" latinLnBrk="0" hangingPunct="1">
+              <a:spcBef>
+                <a:spcPct val="20000"/>
+              </a:spcBef>
+              <a:buClr>
+                <a:schemeClr val="tx2"/>
+              </a:buClr>
+              <a:buFontTx/>
+              <a:buChar char="•"/>
+              <a:defRPr kumimoji="0" sz="1400" kern="1200" baseline="0">
+                <a:solidFill>
+                  <a:schemeClr val="tx1"/>
+                </a:solidFill>
+                <a:latin typeface="+mn-lt"/>
+                <a:ea typeface="+mn-ea"/>
+                <a:cs typeface="+mn-cs"/>
+              </a:defRPr>
+            </a:lvl9pPr>
+          </a:lstStyle>
+          <a:p>
+            <a:pPr marL="0" indent="0"/>
+            <a:r>
+              <a:rPr lang="it-IT" sz="2500" dirty="0" smtClean="0"/>
+              <a:t>I sottosistemi da 3 </a:t>
+            </a:r>
+            <a:r>
+              <a:rPr lang="it-IT" sz="2500" dirty="0" smtClean="0"/>
+              <a:t>diventano 9:</a:t>
+            </a:r>
+            <a:endParaRPr lang="it-IT" sz="2500" dirty="0" smtClean="0"/>
+          </a:p>
+          <a:p>
+            <a:pPr marL="365760" lvl="1" indent="0">
+              <a:buFont typeface="Arial" pitchFamily="34" charset="0"/>
+              <a:buChar char="•"/>
+            </a:pPr>
+            <a:r>
+              <a:rPr lang="it-IT" sz="2200" dirty="0" smtClean="0"/>
+              <a:t> </a:t>
+            </a:r>
+            <a:r>
+              <a:rPr lang="it-IT" sz="1700" dirty="0" smtClean="0"/>
+              <a:t>Gestione </a:t>
+            </a:r>
+            <a:r>
+              <a:rPr lang="it-IT" sz="1700" dirty="0" err="1" smtClean="0"/>
+              <a:t>Utenze&amp;Accessi</a:t>
+            </a:r>
+            <a:endParaRPr lang="it-IT" sz="1700" dirty="0" smtClean="0"/>
+          </a:p>
+          <a:p>
+            <a:pPr marL="365760" lvl="1" indent="0">
+              <a:buFont typeface="Arial" pitchFamily="34" charset="0"/>
+              <a:buChar char="•"/>
+            </a:pPr>
+            <a:r>
+              <a:rPr lang="it-IT" sz="1700" dirty="0" smtClean="0"/>
+              <a:t> </a:t>
+            </a:r>
+            <a:r>
+              <a:rPr lang="it-IT" sz="1700" dirty="0" err="1" smtClean="0"/>
+              <a:t>GestioneServizi</a:t>
+            </a:r>
+            <a:endParaRPr lang="it-IT" sz="1700" dirty="0" smtClean="0"/>
+          </a:p>
+          <a:p>
+            <a:pPr marL="365760" lvl="1" indent="0">
+              <a:buFont typeface="Arial" pitchFamily="34" charset="0"/>
+              <a:buChar char="•"/>
+            </a:pPr>
+            <a:r>
+              <a:rPr lang="it-IT" sz="1700" dirty="0" smtClean="0"/>
+              <a:t> </a:t>
+            </a:r>
+            <a:r>
+              <a:rPr lang="it-IT" sz="1700" dirty="0" err="1" smtClean="0"/>
+              <a:t>GestioneRicerca</a:t>
+            </a:r>
+            <a:endParaRPr lang="it-IT" sz="1700" dirty="0" smtClean="0"/>
+          </a:p>
+          <a:p>
+            <a:pPr marL="365760" lvl="1" indent="0">
+              <a:buFont typeface="Arial" pitchFamily="34" charset="0"/>
+              <a:buChar char="•"/>
+            </a:pPr>
+            <a:r>
+              <a:rPr lang="it-IT" sz="1700" dirty="0" smtClean="0"/>
+              <a:t> </a:t>
+            </a:r>
+            <a:r>
+              <a:rPr lang="it-IT" sz="1700" dirty="0" err="1" smtClean="0"/>
+              <a:t>GestioneTirocinanti</a:t>
+            </a:r>
+            <a:endParaRPr lang="it-IT" sz="1700" dirty="0" smtClean="0"/>
+          </a:p>
+          <a:p>
+            <a:pPr marL="365760" lvl="1" indent="0">
+              <a:buFont typeface="Arial" pitchFamily="34" charset="0"/>
+              <a:buChar char="•"/>
+            </a:pPr>
+            <a:r>
+              <a:rPr lang="it-IT" sz="1700" dirty="0" smtClean="0"/>
+              <a:t> </a:t>
+            </a:r>
+            <a:r>
+              <a:rPr lang="it-IT" sz="1700" dirty="0" err="1" smtClean="0"/>
+              <a:t>GestioneRegistro</a:t>
+            </a:r>
+            <a:endParaRPr lang="it-IT" sz="1700" dirty="0" smtClean="0"/>
+          </a:p>
+          <a:p>
+            <a:pPr marL="365760" lvl="1" indent="0">
+              <a:buFont typeface="Arial" pitchFamily="34" charset="0"/>
+              <a:buChar char="•"/>
+            </a:pPr>
+            <a:r>
+              <a:rPr lang="it-IT" sz="1700" dirty="0" smtClean="0"/>
+              <a:t> </a:t>
+            </a:r>
+            <a:r>
+              <a:rPr lang="it-IT" sz="1700" dirty="0" err="1" smtClean="0"/>
+              <a:t>GestioneQuestionari</a:t>
+            </a:r>
+            <a:endParaRPr lang="it-IT" sz="1700" dirty="0" smtClean="0"/>
+          </a:p>
+          <a:p>
+            <a:pPr marL="365760" lvl="1" indent="0">
+              <a:buFont typeface="Arial" pitchFamily="34" charset="0"/>
+              <a:buChar char="•"/>
+            </a:pPr>
+            <a:r>
+              <a:rPr lang="it-IT" sz="1700" dirty="0" smtClean="0"/>
+              <a:t> Gestione Eventi</a:t>
+            </a:r>
+          </a:p>
+          <a:p>
+            <a:pPr marL="365760" lvl="1" indent="0">
+              <a:buFont typeface="Arial" pitchFamily="34" charset="0"/>
+              <a:buChar char="•"/>
+            </a:pPr>
+            <a:r>
+              <a:rPr lang="it-IT" sz="1700" dirty="0" smtClean="0"/>
+              <a:t> Gestione Programma Educativo Annuale</a:t>
+            </a:r>
+          </a:p>
+          <a:p>
+            <a:pPr marL="365760" lvl="1" indent="0">
+              <a:buFont typeface="Arial" pitchFamily="34" charset="0"/>
+              <a:buChar char="•"/>
+            </a:pPr>
+            <a:r>
+              <a:rPr lang="it-IT" sz="1700" dirty="0" smtClean="0"/>
+              <a:t> Gestione Notifiche</a:t>
+            </a:r>
+            <a:endParaRPr lang="it-IT" sz="1700" dirty="0" smtClean="0"/>
+          </a:p>
+          <a:p>
+            <a:pPr marL="0" indent="0">
+              <a:buNone/>
+            </a:pPr>
+            <a:endParaRPr lang="it-IT" sz="2600" dirty="0"/>
+          </a:p>
+        </p:txBody>
+      </p:sp>
+      <p:sp>
+        <p:nvSpPr>
+          <p:cNvPr id="10" name="Content Placeholder 3"/>
+          <p:cNvSpPr txBox="1">
+            <a:spLocks/>
+          </p:cNvSpPr>
+          <p:nvPr/>
+        </p:nvSpPr>
+        <p:spPr>
+          <a:xfrm>
+            <a:off x="179512" y="764704"/>
+            <a:ext cx="3779912" cy="1800200"/>
+          </a:xfrm>
+          <a:prstGeom prst="rect">
+            <a:avLst/>
+          </a:prstGeom>
+        </p:spPr>
+        <p:txBody>
+          <a:bodyPr tIns="0"/>
+          <a:lstStyle>
+            <a:lvl1pPr marL="274320" indent="-274320" algn="l" rtl="0" eaLnBrk="1" latinLnBrk="0" hangingPunct="1">
+              <a:spcBef>
+                <a:spcPct val="20000"/>
+              </a:spcBef>
+              <a:buClrTx/>
+              <a:buSzPct val="95000"/>
+              <a:buFont typeface="Wingdings" pitchFamily="2" charset="2"/>
+              <a:buChar char="v"/>
+              <a:defRPr kumimoji="0" sz="2800" kern="1200">
+                <a:solidFill>
+                  <a:schemeClr val="tx1"/>
+                </a:solidFill>
+                <a:latin typeface="+mn-lt"/>
+                <a:ea typeface="+mn-ea"/>
+                <a:cs typeface="+mn-cs"/>
+              </a:defRPr>
+            </a:lvl1pPr>
+            <a:lvl2pPr marL="640080" indent="-246888" algn="l" rtl="0" eaLnBrk="1" latinLnBrk="0" hangingPunct="1">
+              <a:spcBef>
+                <a:spcPct val="20000"/>
+              </a:spcBef>
+              <a:buClrTx/>
+              <a:buSzPct val="85000"/>
+              <a:buFont typeface="Courier New" pitchFamily="49" charset="0"/>
+              <a:buChar char="o"/>
+              <a:defRPr kumimoji="0" sz="2600" kern="1200">
+                <a:solidFill>
+                  <a:schemeClr val="tx1"/>
+                </a:solidFill>
+                <a:latin typeface="+mn-lt"/>
+                <a:ea typeface="+mn-ea"/>
+                <a:cs typeface="+mn-cs"/>
+              </a:defRPr>
+            </a:lvl2pPr>
+            <a:lvl3pPr marL="914400" indent="-246888" algn="l" rtl="0" eaLnBrk="1" latinLnBrk="0" hangingPunct="1">
+              <a:spcBef>
+                <a:spcPct val="20000"/>
+              </a:spcBef>
+              <a:buClrTx/>
+              <a:buSzPct val="70000"/>
+              <a:buFont typeface="Wingdings 2"/>
+              <a:buChar char=""/>
+              <a:defRPr kumimoji="0" sz="2400" kern="1200">
+                <a:solidFill>
+                  <a:schemeClr val="tx1"/>
+                </a:solidFill>
+                <a:latin typeface="+mn-lt"/>
+                <a:ea typeface="+mn-ea"/>
+                <a:cs typeface="+mn-cs"/>
+              </a:defRPr>
+            </a:lvl3pPr>
+            <a:lvl4pPr marL="1188720" indent="-210312" algn="l" rtl="0" eaLnBrk="1" latinLnBrk="0" hangingPunct="1">
+              <a:spcBef>
+                <a:spcPct val="20000"/>
+              </a:spcBef>
+              <a:buClrTx/>
+              <a:buSzPct val="65000"/>
+              <a:buFont typeface="Wingdings 2"/>
+              <a:buChar char=""/>
+              <a:defRPr kumimoji="0" sz="2000" kern="1200">
+                <a:solidFill>
+                  <a:schemeClr val="tx1"/>
+                </a:solidFill>
+                <a:latin typeface="+mn-lt"/>
+                <a:ea typeface="+mn-ea"/>
+                <a:cs typeface="+mn-cs"/>
+              </a:defRPr>
+            </a:lvl4pPr>
+            <a:lvl5pPr marL="1463040" indent="-210312" algn="l" rtl="0" eaLnBrk="1" latinLnBrk="0" hangingPunct="1">
+              <a:spcBef>
+                <a:spcPct val="20000"/>
+              </a:spcBef>
+              <a:buClrTx/>
+              <a:buSzPct val="65000"/>
+              <a:buFont typeface="Wingdings 2"/>
+              <a:buChar char=""/>
+              <a:defRPr kumimoji="0" sz="1800" kern="1200">
+                <a:solidFill>
+                  <a:schemeClr val="tx1"/>
+                </a:solidFill>
+                <a:latin typeface="+mn-lt"/>
+                <a:ea typeface="+mn-ea"/>
+                <a:cs typeface="+mn-cs"/>
+              </a:defRPr>
+            </a:lvl5pPr>
+            <a:lvl6pPr marL="1737360" indent="-210312" algn="l" rtl="0" eaLnBrk="1" latinLnBrk="0" hangingPunct="1">
+              <a:spcBef>
+                <a:spcPct val="20000"/>
+              </a:spcBef>
+              <a:buClr>
+                <a:schemeClr val="accent5"/>
+              </a:buClr>
+              <a:buSzPct val="80000"/>
+              <a:buFont typeface="Wingdings 2"/>
+              <a:buChar char=""/>
+              <a:defRPr kumimoji="0" sz="1800" kern="1200">
+                <a:solidFill>
+                  <a:schemeClr val="tx1"/>
+                </a:solidFill>
+                <a:latin typeface="+mn-lt"/>
+                <a:ea typeface="+mn-ea"/>
+                <a:cs typeface="+mn-cs"/>
+              </a:defRPr>
+            </a:lvl6pPr>
+            <a:lvl7pPr marL="1920240" indent="-182880" algn="l" rtl="0" eaLnBrk="1" latinLnBrk="0" hangingPunct="1">
+              <a:spcBef>
+                <a:spcPct val="20000"/>
+              </a:spcBef>
+              <a:buClr>
+                <a:schemeClr val="accent6"/>
+              </a:buClr>
+              <a:buSzPct val="80000"/>
+              <a:buFont typeface="Wingdings 2"/>
+              <a:buChar char=""/>
+              <a:defRPr kumimoji="0" sz="1600" kern="1200" baseline="0">
+                <a:solidFill>
+                  <a:schemeClr val="tx1"/>
+                </a:solidFill>
+                <a:latin typeface="+mn-lt"/>
+                <a:ea typeface="+mn-ea"/>
+                <a:cs typeface="+mn-cs"/>
+              </a:defRPr>
+            </a:lvl7pPr>
+            <a:lvl8pPr marL="2194560" indent="-182880" algn="l" rtl="0" eaLnBrk="1" latinLnBrk="0" hangingPunct="1">
+              <a:spcBef>
+                <a:spcPct val="20000"/>
+              </a:spcBef>
+              <a:buClr>
+                <a:schemeClr val="tx2"/>
+              </a:buClr>
+              <a:buChar char="•"/>
+              <a:defRPr kumimoji="0" sz="1600" kern="1200">
+                <a:solidFill>
+                  <a:schemeClr val="tx1"/>
+                </a:solidFill>
+                <a:latin typeface="+mn-lt"/>
+                <a:ea typeface="+mn-ea"/>
+                <a:cs typeface="+mn-cs"/>
+              </a:defRPr>
+            </a:lvl8pPr>
+            <a:lvl9pPr marL="2468880" indent="-182880" algn="l" rtl="0" eaLnBrk="1" latinLnBrk="0" hangingPunct="1">
+              <a:spcBef>
+                <a:spcPct val="20000"/>
+              </a:spcBef>
+              <a:buClr>
+                <a:schemeClr val="tx2"/>
+              </a:buClr>
+              <a:buFontTx/>
+              <a:buChar char="•"/>
+              <a:defRPr kumimoji="0" sz="1400" kern="1200" baseline="0">
+                <a:solidFill>
+                  <a:schemeClr val="tx1"/>
+                </a:solidFill>
+                <a:latin typeface="+mn-lt"/>
+                <a:ea typeface="+mn-ea"/>
+                <a:cs typeface="+mn-cs"/>
+              </a:defRPr>
+            </a:lvl9pPr>
+          </a:lstStyle>
+          <a:p>
+            <a:pPr marL="0" indent="0">
+              <a:buNone/>
+            </a:pPr>
+            <a:r>
+              <a:rPr lang="it-IT" b="1" dirty="0" smtClean="0"/>
+              <a:t>VERSIONE DEFINITIVA</a:t>
+            </a:r>
+            <a:endParaRPr lang="it-IT" b="1" dirty="0" smtClean="0"/>
+          </a:p>
+          <a:p>
+            <a:pPr marL="0" indent="0">
+              <a:buNone/>
+            </a:pPr>
+            <a:r>
+              <a:rPr lang="it-IT" sz="1000" b="1" dirty="0" smtClean="0"/>
+              <a:t> </a:t>
+            </a:r>
+          </a:p>
+          <a:p>
+            <a:pPr marL="0" indent="0"/>
+            <a:r>
+              <a:rPr lang="it-IT" dirty="0" smtClean="0"/>
+              <a:t> </a:t>
+            </a:r>
+            <a:r>
+              <a:rPr lang="it-IT" sz="2700" dirty="0" smtClean="0"/>
+              <a:t>Scompare la divisione su due </a:t>
+            </a:r>
+            <a:r>
+              <a:rPr lang="it-IT" sz="2700" dirty="0" smtClean="0"/>
+              <a:t>livelli </a:t>
+            </a:r>
+            <a:endParaRPr lang="it-IT" sz="2700" dirty="0" smtClean="0"/>
+          </a:p>
+          <a:p>
+            <a:pPr marL="0" indent="0">
+              <a:buNone/>
+            </a:pPr>
+            <a:endParaRPr lang="it-IT" sz="2600" dirty="0"/>
+          </a:p>
+        </p:txBody>
+      </p:sp>
+    </p:spTree>
+    <p:extLst>
+      <p:ext uri="{BB962C8B-B14F-4D97-AF65-F5344CB8AC3E}">
+        <p14:creationId xmlns:p14="http://schemas.microsoft.com/office/powerpoint/2010/main" xmlns="" val="155874689"/>
+      </p:ext>
+    </p:extLst>
+  </p:cSld>
+  <p:clrMapOvr>
+    <a:masterClrMapping/>
+  </p:clrMapOvr>
+  <mc:AlternateContent xmlns:mc="http://schemas.openxmlformats.org/markup-compatibility/2006">
+    <mc:Choice xmlns:p14="http://schemas.microsoft.com/office/powerpoint/2010/main" xmlns="" Requires="p14">
+      <p:transition spd="slow" p14:dur="2000"/>
+    </mc:Choice>
+    <mc:Fallback>
+      <p:transition spd="slow"/>
+    </mc:Fallback>
+  </mc:AlternateContent>
+  <p:timing>
+    <p:tnLst>
+      <p:par>
+        <p:cTn id="1" dur="indefinite" restart="never" nodeType="tmRoot">
+          <p:childTnLst>
+            <p:seq concurrent="1" nextAc="seek">
+              <p:cTn id="2" dur="indefinite" nodeType="mainSeq">
+                <p:childTnLst>
+                  <p:par>
+                    <p:cTn id="3" fill="hold">
+                      <p:stCondLst>
+                        <p:cond delay="indefinite"/>
+                        <p:cond evt="onBegin" delay="0">
+                          <p:tn val="2"/>
+                        </p:cond>
+                      </p:stCondLst>
+                      <p:childTnLst>
+                        <p:par>
+                          <p:cTn id="4" fill="hold">
+                            <p:stCondLst>
+                              <p:cond delay="0"/>
+                            </p:stCondLst>
+                            <p:childTnLst>
+                              <p:par>
+                                <p:cTn id="5" presetID="10" presetClass="entr" presetSubtype="0" fill="hold" grpId="0" nodeType="withEffect">
+                                  <p:stCondLst>
+                                    <p:cond delay="0"/>
+                                  </p:stCondLst>
+                                  <p:childTnLst>
+                                    <p:set>
+                                      <p:cBhvr>
+                                        <p:cTn id="6" dur="1" fill="hold">
+                                          <p:stCondLst>
+                                            <p:cond delay="0"/>
+                                          </p:stCondLst>
+                                        </p:cTn>
+                                        <p:tgtEl>
+                                          <p:spTgt spid="10"/>
+                                        </p:tgtEl>
+                                        <p:attrNameLst>
+                                          <p:attrName>style.visibility</p:attrName>
+                                        </p:attrNameLst>
+                                      </p:cBhvr>
+                                      <p:to>
+                                        <p:strVal val="visible"/>
+                                      </p:to>
+                                    </p:set>
+                                    <p:animEffect transition="in" filter="fade">
+                                      <p:cBhvr>
+                                        <p:cTn id="7" dur="2000"/>
+                                        <p:tgtEl>
+                                          <p:spTgt spid="10"/>
+                                        </p:tgtEl>
+                                      </p:cBhvr>
+                                    </p:animEffect>
+                                  </p:childTnLst>
+                                </p:cTn>
+                              </p:par>
+                              <p:par>
+                                <p:cTn id="8" presetID="10" presetClass="entr" presetSubtype="0" fill="hold" nodeType="withEffect">
+                                  <p:stCondLst>
+                                    <p:cond delay="0"/>
+                                  </p:stCondLst>
+                                  <p:childTnLst>
+                                    <p:set>
+                                      <p:cBhvr>
+                                        <p:cTn id="9" dur="1" fill="hold">
+                                          <p:stCondLst>
+                                            <p:cond delay="0"/>
+                                          </p:stCondLst>
+                                        </p:cTn>
+                                        <p:tgtEl>
+                                          <p:spTgt spid="9"/>
+                                        </p:tgtEl>
+                                        <p:attrNameLst>
+                                          <p:attrName>style.visibility</p:attrName>
+                                        </p:attrNameLst>
+                                      </p:cBhvr>
+                                      <p:to>
+                                        <p:strVal val="visible"/>
+                                      </p:to>
+                                    </p:set>
+                                    <p:animEffect transition="in" filter="fade">
+                                      <p:cBhvr>
+                                        <p:cTn id="10" dur="2000"/>
+                                        <p:tgtEl>
+                                          <p:spTgt spid="9"/>
+                                        </p:tgtEl>
+                                      </p:cBhvr>
+                                    </p:animEffect>
+                                  </p:childTnLst>
+                                </p:cTn>
+                              </p:par>
+                            </p:childTnLst>
+                          </p:cTn>
+                        </p:par>
+                      </p:childTnLst>
+                    </p:cTn>
+                  </p:par>
+                  <p:par>
+                    <p:cTn id="11" fill="hold">
+                      <p:stCondLst>
+                        <p:cond delay="indefinite"/>
+                      </p:stCondLst>
+                      <p:childTnLst>
+                        <p:par>
+                          <p:cTn id="12" fill="hold">
+                            <p:stCondLst>
+                              <p:cond delay="0"/>
+                            </p:stCondLst>
+                            <p:childTnLst>
+                              <p:par>
+                                <p:cTn id="13" presetID="10" presetClass="entr" presetSubtype="0" fill="hold" nodeType="clickEffect">
+                                  <p:stCondLst>
+                                    <p:cond delay="0"/>
+                                  </p:stCondLst>
+                                  <p:childTnLst>
+                                    <p:set>
+                                      <p:cBhvr>
+                                        <p:cTn id="14" dur="1" fill="hold">
+                                          <p:stCondLst>
+                                            <p:cond delay="0"/>
+                                          </p:stCondLst>
+                                        </p:cTn>
+                                        <p:tgtEl>
+                                          <p:spTgt spid="4"/>
+                                        </p:tgtEl>
+                                        <p:attrNameLst>
+                                          <p:attrName>style.visibility</p:attrName>
+                                        </p:attrNameLst>
+                                      </p:cBhvr>
+                                      <p:to>
+                                        <p:strVal val="visible"/>
+                                      </p:to>
+                                    </p:set>
+                                    <p:animEffect transition="in" filter="fade">
+                                      <p:cBhvr>
+                                        <p:cTn id="15" dur="2000"/>
+                                        <p:tgtEl>
+                                          <p:spTgt spid="4"/>
+                                        </p:tgtEl>
+                                      </p:cBhvr>
+                                    </p:animEffect>
+                                  </p:childTnLst>
+                                </p:cTn>
+                              </p:par>
+                              <p:par>
+                                <p:cTn id="16" presetID="10" presetClass="entr" presetSubtype="0" fill="hold" grpId="0" nodeType="withEffect">
+                                  <p:stCondLst>
+                                    <p:cond delay="0"/>
+                                  </p:stCondLst>
+                                  <p:childTnLst>
+                                    <p:set>
+                                      <p:cBhvr>
+                                        <p:cTn id="17" dur="1" fill="hold">
+                                          <p:stCondLst>
+                                            <p:cond delay="0"/>
+                                          </p:stCondLst>
+                                        </p:cTn>
+                                        <p:tgtEl>
+                                          <p:spTgt spid="11"/>
+                                        </p:tgtEl>
+                                        <p:attrNameLst>
+                                          <p:attrName>style.visibility</p:attrName>
+                                        </p:attrNameLst>
+                                      </p:cBhvr>
+                                      <p:to>
+                                        <p:strVal val="visible"/>
+                                      </p:to>
+                                    </p:set>
+                                    <p:animEffect transition="in" filter="fade">
+                                      <p:cBhvr>
+                                        <p:cTn id="18" dur="2000"/>
+                                        <p:tgtEl>
+                                          <p:spTgt spid="11"/>
+                                        </p:tgtEl>
+                                      </p:cBhvr>
+                                    </p:animEffect>
+                                  </p:childTnLst>
+                                </p:cTn>
+                              </p:par>
+                            </p:childTnLst>
+                          </p:cTn>
+                        </p:par>
+                      </p:childTnLst>
+                    </p:cTn>
+                  </p:par>
+                </p:childTnLst>
+              </p:cTn>
+              <p:prevCondLst>
+                <p:cond evt="onPrev" delay="0">
+                  <p:tgtEl>
+                    <p:sldTgt/>
+                  </p:tgtEl>
+                </p:cond>
+              </p:prevCondLst>
+              <p:nextCondLst>
+                <p:cond evt="onNext" delay="0">
+                  <p:tgtEl>
+                    <p:sldTgt/>
+                  </p:tgtEl>
+                </p:cond>
+              </p:nextCondLst>
+            </p:seq>
+          </p:childTnLst>
+        </p:cTn>
+      </p:par>
+    </p:tnLst>
+    <p:bldLst>
+      <p:bldP spid="11" grpId="0"/>
+      <p:bldP spid="10" grpId="0"/>
+    </p:bldLst>
+  </p:timing>
+</p:sld>
+</file>
+
+<file path=ppt/slides/slide41.xml><?xml version="1.0" encoding="utf-8"?>
+<p:sld xmlns:a="http://schemas.openxmlformats.org/drawingml/2006/main" xmlns:r="http://schemas.openxmlformats.org/officeDocument/2006/relationships" xmlns:p="http://schemas.openxmlformats.org/presentationml/2006/main">
+  <p:cSld>
+    <p:spTree>
+      <p:nvGrpSpPr>
+        <p:cNvPr id="1" name=""/>
+        <p:cNvGrpSpPr/>
+        <p:nvPr/>
+      </p:nvGrpSpPr>
+      <p:grpSpPr>
+        <a:xfrm>
+          <a:off x="0" y="0"/>
+          <a:ext cx="0" cy="0"/>
+          <a:chOff x="0" y="0"/>
+          <a:chExt cx="0" cy="0"/>
+        </a:xfrm>
+      </p:grpSpPr>
+      <p:pic>
+        <p:nvPicPr>
+          <p:cNvPr id="17410" name="Picture 2" descr="http://unpizzicodisalis.files.wordpress.com/2012/06/omino_bianco.jpg"/>
+          <p:cNvPicPr>
+            <a:picLocks noChangeAspect="1" noChangeArrowheads="1"/>
+          </p:cNvPicPr>
+          <p:nvPr/>
+        </p:nvPicPr>
+        <p:blipFill>
+          <a:blip r:embed="rId2" cstate="print"/>
+          <a:srcRect/>
+          <a:stretch>
+            <a:fillRect/>
+          </a:stretch>
+        </p:blipFill>
+        <p:spPr bwMode="auto">
+          <a:xfrm>
+            <a:off x="6948264" y="3717032"/>
+            <a:ext cx="2013760" cy="2129433"/>
+          </a:xfrm>
+          <a:prstGeom prst="rect">
+            <a:avLst/>
+          </a:prstGeom>
+          <a:noFill/>
+        </p:spPr>
+      </p:pic>
+      <p:sp>
+        <p:nvSpPr>
+          <p:cNvPr id="3" name="Rettangolo 2"/>
+          <p:cNvSpPr/>
+          <p:nvPr/>
+        </p:nvSpPr>
+        <p:spPr>
+          <a:xfrm>
+            <a:off x="323528" y="692696"/>
+            <a:ext cx="6768752" cy="569387"/>
+          </a:xfrm>
+          <a:prstGeom prst="rect">
+            <a:avLst/>
+          </a:prstGeom>
+        </p:spPr>
+        <p:txBody>
+          <a:bodyPr wrap="square">
+            <a:spAutoFit/>
+          </a:bodyPr>
+          <a:lstStyle/>
+          <a:p>
+            <a:pPr algn="ctr"/>
+            <a:r>
+              <a:rPr lang="it-IT" sz="3100" b="1" dirty="0" smtClean="0"/>
+              <a:t>Risultati ottenuti con </a:t>
+            </a:r>
+            <a:r>
+              <a:rPr lang="it-IT" sz="3100" b="1" dirty="0" smtClean="0"/>
+              <a:t>questa versione</a:t>
+            </a:r>
+            <a:endParaRPr lang="it-IT" sz="3100" b="1" dirty="0" smtClean="0"/>
+          </a:p>
+        </p:txBody>
+      </p:sp>
+      <p:sp>
+        <p:nvSpPr>
+          <p:cNvPr id="6" name="Content Placeholder 3"/>
+          <p:cNvSpPr txBox="1">
+            <a:spLocks/>
+          </p:cNvSpPr>
+          <p:nvPr/>
+        </p:nvSpPr>
+        <p:spPr>
+          <a:xfrm>
+            <a:off x="539552" y="1628800"/>
+            <a:ext cx="7344816" cy="2880320"/>
+          </a:xfrm>
+          <a:prstGeom prst="rect">
+            <a:avLst/>
+          </a:prstGeom>
+        </p:spPr>
+        <p:txBody>
+          <a:bodyPr tIns="0"/>
+          <a:lstStyle>
+            <a:lvl1pPr marL="274320" indent="-274320" algn="l" rtl="0" eaLnBrk="1" latinLnBrk="0" hangingPunct="1">
+              <a:spcBef>
+                <a:spcPct val="20000"/>
+              </a:spcBef>
+              <a:buClrTx/>
+              <a:buSzPct val="95000"/>
+              <a:buFont typeface="Wingdings" pitchFamily="2" charset="2"/>
+              <a:buChar char="v"/>
+              <a:defRPr kumimoji="0" sz="2800" kern="1200">
+                <a:solidFill>
+                  <a:schemeClr val="tx1"/>
+                </a:solidFill>
+                <a:latin typeface="+mn-lt"/>
+                <a:ea typeface="+mn-ea"/>
+                <a:cs typeface="+mn-cs"/>
+              </a:defRPr>
+            </a:lvl1pPr>
+            <a:lvl2pPr marL="640080" indent="-246888" algn="l" rtl="0" eaLnBrk="1" latinLnBrk="0" hangingPunct="1">
+              <a:spcBef>
+                <a:spcPct val="20000"/>
+              </a:spcBef>
+              <a:buClrTx/>
+              <a:buSzPct val="85000"/>
+              <a:buFont typeface="Courier New" pitchFamily="49" charset="0"/>
+              <a:buChar char="o"/>
+              <a:defRPr kumimoji="0" sz="2600" kern="1200">
+                <a:solidFill>
+                  <a:schemeClr val="tx1"/>
+                </a:solidFill>
+                <a:latin typeface="+mn-lt"/>
+                <a:ea typeface="+mn-ea"/>
+                <a:cs typeface="+mn-cs"/>
+              </a:defRPr>
+            </a:lvl2pPr>
+            <a:lvl3pPr marL="914400" indent="-246888" algn="l" rtl="0" eaLnBrk="1" latinLnBrk="0" hangingPunct="1">
+              <a:spcBef>
+                <a:spcPct val="20000"/>
+              </a:spcBef>
+              <a:buClrTx/>
+              <a:buSzPct val="70000"/>
+              <a:buFont typeface="Wingdings 2"/>
+              <a:buChar char=""/>
+              <a:defRPr kumimoji="0" sz="2400" kern="1200">
+                <a:solidFill>
+                  <a:schemeClr val="tx1"/>
+                </a:solidFill>
+                <a:latin typeface="+mn-lt"/>
+                <a:ea typeface="+mn-ea"/>
+                <a:cs typeface="+mn-cs"/>
+              </a:defRPr>
+            </a:lvl3pPr>
+            <a:lvl4pPr marL="1188720" indent="-210312" algn="l" rtl="0" eaLnBrk="1" latinLnBrk="0" hangingPunct="1">
+              <a:spcBef>
+                <a:spcPct val="20000"/>
+              </a:spcBef>
+              <a:buClrTx/>
+              <a:buSzPct val="65000"/>
+              <a:buFont typeface="Wingdings 2"/>
+              <a:buChar char=""/>
+              <a:defRPr kumimoji="0" sz="2000" kern="1200">
+                <a:solidFill>
+                  <a:schemeClr val="tx1"/>
+                </a:solidFill>
+                <a:latin typeface="+mn-lt"/>
+                <a:ea typeface="+mn-ea"/>
+                <a:cs typeface="+mn-cs"/>
+              </a:defRPr>
+            </a:lvl4pPr>
+            <a:lvl5pPr marL="1463040" indent="-210312" algn="l" rtl="0" eaLnBrk="1" latinLnBrk="0" hangingPunct="1">
+              <a:spcBef>
+                <a:spcPct val="20000"/>
+              </a:spcBef>
+              <a:buClrTx/>
+              <a:buSzPct val="65000"/>
+              <a:buFont typeface="Wingdings 2"/>
+              <a:buChar char=""/>
+              <a:defRPr kumimoji="0" sz="1800" kern="1200">
+                <a:solidFill>
+                  <a:schemeClr val="tx1"/>
+                </a:solidFill>
+                <a:latin typeface="+mn-lt"/>
+                <a:ea typeface="+mn-ea"/>
+                <a:cs typeface="+mn-cs"/>
+              </a:defRPr>
+            </a:lvl5pPr>
+            <a:lvl6pPr marL="1737360" indent="-210312" algn="l" rtl="0" eaLnBrk="1" latinLnBrk="0" hangingPunct="1">
+              <a:spcBef>
+                <a:spcPct val="20000"/>
+              </a:spcBef>
+              <a:buClr>
+                <a:schemeClr val="accent5"/>
+              </a:buClr>
+              <a:buSzPct val="80000"/>
+              <a:buFont typeface="Wingdings 2"/>
+              <a:buChar char=""/>
+              <a:defRPr kumimoji="0" sz="1800" kern="1200">
+                <a:solidFill>
+                  <a:schemeClr val="tx1"/>
+                </a:solidFill>
+                <a:latin typeface="+mn-lt"/>
+                <a:ea typeface="+mn-ea"/>
+                <a:cs typeface="+mn-cs"/>
+              </a:defRPr>
+            </a:lvl6pPr>
+            <a:lvl7pPr marL="1920240" indent="-182880" algn="l" rtl="0" eaLnBrk="1" latinLnBrk="0" hangingPunct="1">
+              <a:spcBef>
+                <a:spcPct val="20000"/>
+              </a:spcBef>
+              <a:buClr>
+                <a:schemeClr val="accent6"/>
+              </a:buClr>
+              <a:buSzPct val="80000"/>
+              <a:buFont typeface="Wingdings 2"/>
+              <a:buChar char=""/>
+              <a:defRPr kumimoji="0" sz="1600" kern="1200" baseline="0">
+                <a:solidFill>
+                  <a:schemeClr val="tx1"/>
+                </a:solidFill>
+                <a:latin typeface="+mn-lt"/>
+                <a:ea typeface="+mn-ea"/>
+                <a:cs typeface="+mn-cs"/>
+              </a:defRPr>
+            </a:lvl7pPr>
+            <a:lvl8pPr marL="2194560" indent="-182880" algn="l" rtl="0" eaLnBrk="1" latinLnBrk="0" hangingPunct="1">
+              <a:spcBef>
+                <a:spcPct val="20000"/>
+              </a:spcBef>
+              <a:buClr>
+                <a:schemeClr val="tx2"/>
+              </a:buClr>
+              <a:buChar char="•"/>
+              <a:defRPr kumimoji="0" sz="1600" kern="1200">
+                <a:solidFill>
+                  <a:schemeClr val="tx1"/>
+                </a:solidFill>
+                <a:latin typeface="+mn-lt"/>
+                <a:ea typeface="+mn-ea"/>
+                <a:cs typeface="+mn-cs"/>
+              </a:defRPr>
+            </a:lvl8pPr>
+            <a:lvl9pPr marL="2468880" indent="-182880" algn="l" rtl="0" eaLnBrk="1" latinLnBrk="0" hangingPunct="1">
+              <a:spcBef>
+                <a:spcPct val="20000"/>
+              </a:spcBef>
+              <a:buClr>
+                <a:schemeClr val="tx2"/>
+              </a:buClr>
+              <a:buFontTx/>
+              <a:buChar char="•"/>
+              <a:defRPr kumimoji="0" sz="1400" kern="1200" baseline="0">
+                <a:solidFill>
+                  <a:schemeClr val="tx1"/>
+                </a:solidFill>
+                <a:latin typeface="+mn-lt"/>
+                <a:ea typeface="+mn-ea"/>
+                <a:cs typeface="+mn-cs"/>
+              </a:defRPr>
+            </a:lvl9pPr>
+          </a:lstStyle>
+          <a:p>
+            <a:r>
+              <a:rPr lang="it-IT" dirty="0" smtClean="0"/>
+              <a:t> Decomposizione più funzionale </a:t>
+            </a:r>
+          </a:p>
+          <a:p>
+            <a:pPr>
+              <a:buNone/>
+            </a:pPr>
+            <a:r>
+              <a:rPr lang="it-IT" sz="1100" dirty="0" smtClean="0"/>
+              <a:t>  </a:t>
+            </a:r>
+            <a:r>
+              <a:rPr lang="it-IT" sz="1100" dirty="0" smtClean="0"/>
+              <a:t> </a:t>
+            </a:r>
+            <a:endParaRPr lang="it-IT" sz="1100" dirty="0" smtClean="0"/>
+          </a:p>
+          <a:p>
+            <a:r>
+              <a:rPr lang="it-IT" dirty="0" smtClean="0"/>
+              <a:t> Maggiore visibilità dei sottosistemi</a:t>
+            </a:r>
+          </a:p>
+          <a:p>
+            <a:pPr lvl="1">
+              <a:buNone/>
+            </a:pPr>
+            <a:r>
+              <a:rPr lang="it-IT" sz="1000" i="1" dirty="0" smtClean="0"/>
+              <a:t> </a:t>
+            </a:r>
+            <a:r>
+              <a:rPr lang="it-IT" sz="1000" i="1" dirty="0" smtClean="0"/>
+              <a:t> </a:t>
+            </a:r>
+            <a:endParaRPr lang="it-IT" sz="800" i="1" dirty="0" smtClean="0"/>
+          </a:p>
+          <a:p>
+            <a:pPr lvl="1"/>
+            <a:r>
+              <a:rPr lang="it-IT" i="1" dirty="0" smtClean="0"/>
+              <a:t>I sottosistemi sono di più piccole dimensioni e più indipendenti l’uno dall’altro</a:t>
+            </a:r>
+          </a:p>
+          <a:p>
+            <a:pPr lvl="1">
+              <a:buNone/>
+            </a:pPr>
+            <a:r>
+              <a:rPr lang="it-IT" sz="700" i="1" dirty="0" smtClean="0"/>
+              <a:t> </a:t>
+            </a:r>
+          </a:p>
+          <a:p>
+            <a:pPr lvl="2"/>
+            <a:r>
+              <a:rPr lang="it-IT" dirty="0" smtClean="0"/>
+              <a:t>Basso accoppiamento ed alta coesione</a:t>
+            </a:r>
+          </a:p>
+          <a:p>
+            <a:pPr lvl="2"/>
+            <a:endParaRPr lang="it-IT" i="1" dirty="0" smtClean="0"/>
+          </a:p>
+          <a:p>
+            <a:pPr lvl="1"/>
+            <a:endParaRPr lang="it-IT" dirty="0" smtClean="0"/>
+          </a:p>
+        </p:txBody>
+      </p:sp>
+      <p:sp>
+        <p:nvSpPr>
+          <p:cNvPr id="5" name="Segnaposto numero diapositiva 4"/>
+          <p:cNvSpPr>
+            <a:spLocks noGrp="1"/>
+          </p:cNvSpPr>
+          <p:nvPr>
+            <p:ph type="sldNum" sz="quarter" idx="12"/>
+          </p:nvPr>
+        </p:nvSpPr>
+        <p:spPr/>
+        <p:txBody>
+          <a:bodyPr/>
+          <a:lstStyle/>
+          <a:p>
+            <a:fld id="{F89AEA99-3E91-4C58-9AD4-045DB5619AC3}" type="slidenum">
+              <a:rPr lang="it-IT" smtClean="0"/>
+              <a:pPr/>
+              <a:t>41</a:t>
+            </a:fld>
+            <a:endParaRPr lang="it-IT"/>
+          </a:p>
+        </p:txBody>
+      </p:sp>
+      <p:sp>
+        <p:nvSpPr>
+          <p:cNvPr id="7" name="Freccia a destra 6"/>
+          <p:cNvSpPr/>
+          <p:nvPr/>
+        </p:nvSpPr>
+        <p:spPr>
+          <a:xfrm>
+            <a:off x="2051720" y="6021288"/>
+            <a:ext cx="740654" cy="288032"/>
+          </a:xfrm>
+          <a:prstGeom prst="rightArrow">
+            <a:avLst>
+              <a:gd name="adj1" fmla="val 57648"/>
+              <a:gd name="adj2" fmla="val 65299"/>
+            </a:avLst>
+          </a:prstGeom>
+        </p:spPr>
+        <p:style>
+          <a:lnRef idx="1">
+            <a:schemeClr val="accent2"/>
+          </a:lnRef>
+          <a:fillRef idx="3">
+            <a:schemeClr val="accent2"/>
+          </a:fillRef>
+          <a:effectRef idx="2">
+            <a:schemeClr val="accent2"/>
+          </a:effectRef>
+          <a:fontRef idx="minor">
+            <a:schemeClr val="lt1"/>
+          </a:fontRef>
+        </p:style>
+        <p:txBody>
+          <a:bodyPr rtlCol="0" anchor="ctr"/>
+          <a:lstStyle/>
+          <a:p>
+            <a:pPr algn="ctr"/>
+            <a:endParaRPr lang="it-IT"/>
+          </a:p>
+        </p:txBody>
+      </p:sp>
+      <p:sp>
+        <p:nvSpPr>
+          <p:cNvPr id="8" name="Content Placeholder 3"/>
+          <p:cNvSpPr txBox="1">
+            <a:spLocks/>
+          </p:cNvSpPr>
+          <p:nvPr/>
+        </p:nvSpPr>
+        <p:spPr>
+          <a:xfrm>
+            <a:off x="2771801" y="5949280"/>
+            <a:ext cx="2376264" cy="504056"/>
+          </a:xfrm>
+          <a:prstGeom prst="rect">
+            <a:avLst/>
+          </a:prstGeom>
+        </p:spPr>
+        <p:txBody>
+          <a:bodyPr tIns="0"/>
+          <a:lstStyle>
+            <a:lvl1pPr marL="274320" indent="-274320" algn="l" rtl="0" eaLnBrk="1" latinLnBrk="0" hangingPunct="1">
+              <a:spcBef>
+                <a:spcPct val="20000"/>
+              </a:spcBef>
+              <a:buClrTx/>
+              <a:buSzPct val="95000"/>
+              <a:buFont typeface="Wingdings" pitchFamily="2" charset="2"/>
+              <a:buChar char="v"/>
+              <a:defRPr kumimoji="0" sz="2800" kern="1200">
+                <a:solidFill>
+                  <a:schemeClr val="tx1"/>
+                </a:solidFill>
+                <a:latin typeface="+mn-lt"/>
+                <a:ea typeface="+mn-ea"/>
+                <a:cs typeface="+mn-cs"/>
+              </a:defRPr>
+            </a:lvl1pPr>
+            <a:lvl2pPr marL="640080" indent="-246888" algn="l" rtl="0" eaLnBrk="1" latinLnBrk="0" hangingPunct="1">
+              <a:spcBef>
+                <a:spcPct val="20000"/>
+              </a:spcBef>
+              <a:buClrTx/>
+              <a:buSzPct val="85000"/>
+              <a:buFont typeface="Courier New" pitchFamily="49" charset="0"/>
+              <a:buChar char="o"/>
+              <a:defRPr kumimoji="0" sz="2600" kern="1200">
+                <a:solidFill>
+                  <a:schemeClr val="tx1"/>
+                </a:solidFill>
+                <a:latin typeface="+mn-lt"/>
+                <a:ea typeface="+mn-ea"/>
+                <a:cs typeface="+mn-cs"/>
+              </a:defRPr>
+            </a:lvl2pPr>
+            <a:lvl3pPr marL="914400" indent="-246888" algn="l" rtl="0" eaLnBrk="1" latinLnBrk="0" hangingPunct="1">
+              <a:spcBef>
+                <a:spcPct val="20000"/>
+              </a:spcBef>
+              <a:buClrTx/>
+              <a:buSzPct val="70000"/>
+              <a:buFont typeface="Wingdings 2"/>
+              <a:buChar char=""/>
+              <a:defRPr kumimoji="0" sz="2400" kern="1200">
+                <a:solidFill>
+                  <a:schemeClr val="tx1"/>
+                </a:solidFill>
+                <a:latin typeface="+mn-lt"/>
+                <a:ea typeface="+mn-ea"/>
+                <a:cs typeface="+mn-cs"/>
+              </a:defRPr>
+            </a:lvl3pPr>
+            <a:lvl4pPr marL="1188720" indent="-210312" algn="l" rtl="0" eaLnBrk="1" latinLnBrk="0" hangingPunct="1">
+              <a:spcBef>
+                <a:spcPct val="20000"/>
+              </a:spcBef>
+              <a:buClrTx/>
+              <a:buSzPct val="65000"/>
+              <a:buFont typeface="Wingdings 2"/>
+              <a:buChar char=""/>
+              <a:defRPr kumimoji="0" sz="2000" kern="1200">
+                <a:solidFill>
+                  <a:schemeClr val="tx1"/>
+                </a:solidFill>
+                <a:latin typeface="+mn-lt"/>
+                <a:ea typeface="+mn-ea"/>
+                <a:cs typeface="+mn-cs"/>
+              </a:defRPr>
+            </a:lvl4pPr>
+            <a:lvl5pPr marL="1463040" indent="-210312" algn="l" rtl="0" eaLnBrk="1" latinLnBrk="0" hangingPunct="1">
+              <a:spcBef>
+                <a:spcPct val="20000"/>
+              </a:spcBef>
+              <a:buClrTx/>
+              <a:buSzPct val="65000"/>
+              <a:buFont typeface="Wingdings 2"/>
+              <a:buChar char=""/>
+              <a:defRPr kumimoji="0" sz="1800" kern="1200">
+                <a:solidFill>
+                  <a:schemeClr val="tx1"/>
+                </a:solidFill>
+                <a:latin typeface="+mn-lt"/>
+                <a:ea typeface="+mn-ea"/>
+                <a:cs typeface="+mn-cs"/>
+              </a:defRPr>
+            </a:lvl5pPr>
+            <a:lvl6pPr marL="1737360" indent="-210312" algn="l" rtl="0" eaLnBrk="1" latinLnBrk="0" hangingPunct="1">
+              <a:spcBef>
+                <a:spcPct val="20000"/>
+              </a:spcBef>
+              <a:buClr>
+                <a:schemeClr val="accent5"/>
+              </a:buClr>
+              <a:buSzPct val="80000"/>
+              <a:buFont typeface="Wingdings 2"/>
+              <a:buChar char=""/>
+              <a:defRPr kumimoji="0" sz="1800" kern="1200">
+                <a:solidFill>
+                  <a:schemeClr val="tx1"/>
+                </a:solidFill>
+                <a:latin typeface="+mn-lt"/>
+                <a:ea typeface="+mn-ea"/>
+                <a:cs typeface="+mn-cs"/>
+              </a:defRPr>
+            </a:lvl6pPr>
+            <a:lvl7pPr marL="1920240" indent="-182880" algn="l" rtl="0" eaLnBrk="1" latinLnBrk="0" hangingPunct="1">
+              <a:spcBef>
+                <a:spcPct val="20000"/>
+              </a:spcBef>
+              <a:buClr>
+                <a:schemeClr val="accent6"/>
+              </a:buClr>
+              <a:buSzPct val="80000"/>
+              <a:buFont typeface="Wingdings 2"/>
+              <a:buChar char=""/>
+              <a:defRPr kumimoji="0" sz="1600" kern="1200" baseline="0">
+                <a:solidFill>
+                  <a:schemeClr val="tx1"/>
+                </a:solidFill>
+                <a:latin typeface="+mn-lt"/>
+                <a:ea typeface="+mn-ea"/>
+                <a:cs typeface="+mn-cs"/>
+              </a:defRPr>
+            </a:lvl7pPr>
+            <a:lvl8pPr marL="2194560" indent="-182880" algn="l" rtl="0" eaLnBrk="1" latinLnBrk="0" hangingPunct="1">
+              <a:spcBef>
+                <a:spcPct val="20000"/>
+              </a:spcBef>
+              <a:buClr>
+                <a:schemeClr val="tx2"/>
+              </a:buClr>
+              <a:buChar char="•"/>
+              <a:defRPr kumimoji="0" sz="1600" kern="1200">
+                <a:solidFill>
+                  <a:schemeClr val="tx1"/>
+                </a:solidFill>
+                <a:latin typeface="+mn-lt"/>
+                <a:ea typeface="+mn-ea"/>
+                <a:cs typeface="+mn-cs"/>
+              </a:defRPr>
+            </a:lvl8pPr>
+            <a:lvl9pPr marL="2468880" indent="-182880" algn="l" rtl="0" eaLnBrk="1" latinLnBrk="0" hangingPunct="1">
+              <a:spcBef>
+                <a:spcPct val="20000"/>
+              </a:spcBef>
+              <a:buClr>
+                <a:schemeClr val="tx2"/>
+              </a:buClr>
+              <a:buFontTx/>
+              <a:buChar char="•"/>
+              <a:defRPr kumimoji="0" sz="1400" kern="1200" baseline="0">
+                <a:solidFill>
+                  <a:schemeClr val="tx1"/>
+                </a:solidFill>
+                <a:latin typeface="+mn-lt"/>
+                <a:ea typeface="+mn-ea"/>
+                <a:cs typeface="+mn-cs"/>
+              </a:defRPr>
+            </a:lvl9pPr>
+          </a:lstStyle>
+          <a:p>
+            <a:pPr marL="0" indent="0">
+              <a:buNone/>
+            </a:pPr>
+            <a:r>
+              <a:rPr lang="it-IT" sz="2600" dirty="0" smtClean="0"/>
+              <a:t>9 sottosistemi</a:t>
+            </a:r>
+            <a:endParaRPr lang="it-IT" sz="2600" i="1" dirty="0" smtClean="0">
+              <a:solidFill>
+                <a:schemeClr val="accent5"/>
+              </a:solidFill>
+            </a:endParaRPr>
+          </a:p>
+          <a:p>
+            <a:pPr marL="365760" lvl="1" indent="0">
+              <a:buNone/>
+            </a:pPr>
+            <a:endParaRPr lang="it-IT" sz="2400" i="1" dirty="0" smtClean="0">
+              <a:solidFill>
+                <a:schemeClr val="accent5"/>
+              </a:solidFill>
+            </a:endParaRPr>
+          </a:p>
+          <a:p>
+            <a:pPr marL="365760" lvl="1" indent="0"/>
+            <a:endParaRPr lang="it-IT" dirty="0" smtClean="0"/>
+          </a:p>
+          <a:p>
+            <a:pPr marL="0" indent="0">
+              <a:buNone/>
+            </a:pPr>
+            <a:r>
+              <a:rPr lang="it-IT" sz="500" dirty="0" smtClean="0"/>
+              <a:t> </a:t>
+            </a:r>
+          </a:p>
+          <a:p>
+            <a:pPr marL="0" indent="0">
+              <a:buNone/>
+            </a:pPr>
+            <a:endParaRPr lang="it-IT" sz="2600" dirty="0"/>
+          </a:p>
+        </p:txBody>
+      </p:sp>
+      <p:sp>
+        <p:nvSpPr>
+          <p:cNvPr id="9" name="Content Placeholder 3"/>
+          <p:cNvSpPr txBox="1">
+            <a:spLocks/>
+          </p:cNvSpPr>
+          <p:nvPr/>
+        </p:nvSpPr>
+        <p:spPr>
+          <a:xfrm>
+            <a:off x="539552" y="4725144"/>
+            <a:ext cx="6336704" cy="1296144"/>
+          </a:xfrm>
+          <a:prstGeom prst="rect">
+            <a:avLst/>
+          </a:prstGeom>
+        </p:spPr>
+        <p:txBody>
+          <a:bodyPr tIns="0"/>
+          <a:lstStyle>
+            <a:lvl1pPr marL="274320" indent="-274320" algn="l" rtl="0" eaLnBrk="1" latinLnBrk="0" hangingPunct="1">
+              <a:spcBef>
+                <a:spcPct val="20000"/>
+              </a:spcBef>
+              <a:buClrTx/>
+              <a:buSzPct val="95000"/>
+              <a:buFont typeface="Wingdings" pitchFamily="2" charset="2"/>
+              <a:buChar char="v"/>
+              <a:defRPr kumimoji="0" sz="2800" kern="1200">
+                <a:solidFill>
+                  <a:schemeClr val="tx1"/>
+                </a:solidFill>
+                <a:latin typeface="+mn-lt"/>
+                <a:ea typeface="+mn-ea"/>
+                <a:cs typeface="+mn-cs"/>
+              </a:defRPr>
+            </a:lvl1pPr>
+            <a:lvl2pPr marL="640080" indent="-246888" algn="l" rtl="0" eaLnBrk="1" latinLnBrk="0" hangingPunct="1">
+              <a:spcBef>
+                <a:spcPct val="20000"/>
+              </a:spcBef>
+              <a:buClrTx/>
+              <a:buSzPct val="85000"/>
+              <a:buFont typeface="Courier New" pitchFamily="49" charset="0"/>
+              <a:buChar char="o"/>
+              <a:defRPr kumimoji="0" sz="2600" kern="1200">
+                <a:solidFill>
+                  <a:schemeClr val="tx1"/>
+                </a:solidFill>
+                <a:latin typeface="+mn-lt"/>
+                <a:ea typeface="+mn-ea"/>
+                <a:cs typeface="+mn-cs"/>
+              </a:defRPr>
+            </a:lvl2pPr>
+            <a:lvl3pPr marL="914400" indent="-246888" algn="l" rtl="0" eaLnBrk="1" latinLnBrk="0" hangingPunct="1">
+              <a:spcBef>
+                <a:spcPct val="20000"/>
+              </a:spcBef>
+              <a:buClrTx/>
+              <a:buSzPct val="70000"/>
+              <a:buFont typeface="Wingdings 2"/>
+              <a:buChar char=""/>
+              <a:defRPr kumimoji="0" sz="2400" kern="1200">
+                <a:solidFill>
+                  <a:schemeClr val="tx1"/>
+                </a:solidFill>
+                <a:latin typeface="+mn-lt"/>
+                <a:ea typeface="+mn-ea"/>
+                <a:cs typeface="+mn-cs"/>
+              </a:defRPr>
+            </a:lvl3pPr>
+            <a:lvl4pPr marL="1188720" indent="-210312" algn="l" rtl="0" eaLnBrk="1" latinLnBrk="0" hangingPunct="1">
+              <a:spcBef>
+                <a:spcPct val="20000"/>
+              </a:spcBef>
+              <a:buClrTx/>
+              <a:buSzPct val="65000"/>
+              <a:buFont typeface="Wingdings 2"/>
+              <a:buChar char=""/>
+              <a:defRPr kumimoji="0" sz="2000" kern="1200">
+                <a:solidFill>
+                  <a:schemeClr val="tx1"/>
+                </a:solidFill>
+                <a:latin typeface="+mn-lt"/>
+                <a:ea typeface="+mn-ea"/>
+                <a:cs typeface="+mn-cs"/>
+              </a:defRPr>
+            </a:lvl4pPr>
+            <a:lvl5pPr marL="1463040" indent="-210312" algn="l" rtl="0" eaLnBrk="1" latinLnBrk="0" hangingPunct="1">
+              <a:spcBef>
+                <a:spcPct val="20000"/>
+              </a:spcBef>
+              <a:buClrTx/>
+              <a:buSzPct val="65000"/>
+              <a:buFont typeface="Wingdings 2"/>
+              <a:buChar char=""/>
+              <a:defRPr kumimoji="0" sz="1800" kern="1200">
+                <a:solidFill>
+                  <a:schemeClr val="tx1"/>
+                </a:solidFill>
+                <a:latin typeface="+mn-lt"/>
+                <a:ea typeface="+mn-ea"/>
+                <a:cs typeface="+mn-cs"/>
+              </a:defRPr>
+            </a:lvl5pPr>
+            <a:lvl6pPr marL="1737360" indent="-210312" algn="l" rtl="0" eaLnBrk="1" latinLnBrk="0" hangingPunct="1">
+              <a:spcBef>
+                <a:spcPct val="20000"/>
+              </a:spcBef>
+              <a:buClr>
+                <a:schemeClr val="accent5"/>
+              </a:buClr>
+              <a:buSzPct val="80000"/>
+              <a:buFont typeface="Wingdings 2"/>
+              <a:buChar char=""/>
+              <a:defRPr kumimoji="0" sz="1800" kern="1200">
+                <a:solidFill>
+                  <a:schemeClr val="tx1"/>
+                </a:solidFill>
+                <a:latin typeface="+mn-lt"/>
+                <a:ea typeface="+mn-ea"/>
+                <a:cs typeface="+mn-cs"/>
+              </a:defRPr>
+            </a:lvl6pPr>
+            <a:lvl7pPr marL="1920240" indent="-182880" algn="l" rtl="0" eaLnBrk="1" latinLnBrk="0" hangingPunct="1">
+              <a:spcBef>
+                <a:spcPct val="20000"/>
+              </a:spcBef>
+              <a:buClr>
+                <a:schemeClr val="accent6"/>
+              </a:buClr>
+              <a:buSzPct val="80000"/>
+              <a:buFont typeface="Wingdings 2"/>
+              <a:buChar char=""/>
+              <a:defRPr kumimoji="0" sz="1600" kern="1200" baseline="0">
+                <a:solidFill>
+                  <a:schemeClr val="tx1"/>
+                </a:solidFill>
+                <a:latin typeface="+mn-lt"/>
+                <a:ea typeface="+mn-ea"/>
+                <a:cs typeface="+mn-cs"/>
+              </a:defRPr>
+            </a:lvl7pPr>
+            <a:lvl8pPr marL="2194560" indent="-182880" algn="l" rtl="0" eaLnBrk="1" latinLnBrk="0" hangingPunct="1">
+              <a:spcBef>
+                <a:spcPct val="20000"/>
+              </a:spcBef>
+              <a:buClr>
+                <a:schemeClr val="tx2"/>
+              </a:buClr>
+              <a:buChar char="•"/>
+              <a:defRPr kumimoji="0" sz="1600" kern="1200">
+                <a:solidFill>
+                  <a:schemeClr val="tx1"/>
+                </a:solidFill>
+                <a:latin typeface="+mn-lt"/>
+                <a:ea typeface="+mn-ea"/>
+                <a:cs typeface="+mn-cs"/>
+              </a:defRPr>
+            </a:lvl8pPr>
+            <a:lvl9pPr marL="2468880" indent="-182880" algn="l" rtl="0" eaLnBrk="1" latinLnBrk="0" hangingPunct="1">
+              <a:spcBef>
+                <a:spcPct val="20000"/>
+              </a:spcBef>
+              <a:buClr>
+                <a:schemeClr val="tx2"/>
+              </a:buClr>
+              <a:buFontTx/>
+              <a:buChar char="•"/>
+              <a:defRPr kumimoji="0" sz="1400" kern="1200" baseline="0">
+                <a:solidFill>
+                  <a:schemeClr val="tx1"/>
+                </a:solidFill>
+                <a:latin typeface="+mn-lt"/>
+                <a:ea typeface="+mn-ea"/>
+                <a:cs typeface="+mn-cs"/>
+              </a:defRPr>
+            </a:lvl9pPr>
+          </a:lstStyle>
+          <a:p>
+            <a:pPr marL="0" indent="0"/>
+            <a:r>
+              <a:rPr lang="it-IT" dirty="0" smtClean="0"/>
+              <a:t> Rispetta </a:t>
+            </a:r>
+            <a:r>
+              <a:rPr lang="it-IT" dirty="0" smtClean="0"/>
+              <a:t>l’euristica:</a:t>
+            </a:r>
+          </a:p>
+          <a:p>
+            <a:pPr marL="365760" lvl="1" indent="0">
+              <a:buNone/>
+            </a:pPr>
+            <a:r>
+              <a:rPr lang="it-IT" sz="2400" i="1" dirty="0" smtClean="0">
+                <a:solidFill>
+                  <a:schemeClr val="accent5"/>
+                </a:solidFill>
+              </a:rPr>
+              <a:t>“ gli sviluppatori possono trattare ad ogni livello di astrazione un numero di concetti pari a 7±2”</a:t>
+            </a:r>
+          </a:p>
+          <a:p>
+            <a:pPr marL="365760" lvl="1" indent="0">
+              <a:buNone/>
+            </a:pPr>
+            <a:endParaRPr lang="it-IT" sz="2400" i="1" dirty="0" smtClean="0">
+              <a:solidFill>
+                <a:schemeClr val="accent5"/>
+              </a:solidFill>
+            </a:endParaRPr>
+          </a:p>
+          <a:p>
+            <a:pPr marL="365760" lvl="1" indent="0">
+              <a:buNone/>
+            </a:pPr>
+            <a:endParaRPr lang="it-IT" dirty="0" smtClean="0"/>
+          </a:p>
+          <a:p>
+            <a:pPr marL="0" indent="0">
+              <a:buNone/>
+            </a:pPr>
+            <a:r>
+              <a:rPr lang="it-IT" sz="500" dirty="0" smtClean="0"/>
+              <a:t> </a:t>
+            </a:r>
+          </a:p>
+          <a:p>
+            <a:pPr marL="0" indent="0">
+              <a:buNone/>
+            </a:pPr>
+            <a:endParaRPr lang="it-IT" sz="2600" dirty="0"/>
+          </a:p>
+        </p:txBody>
+      </p:sp>
+    </p:spTree>
+    <p:extLst>
+      <p:ext uri="{BB962C8B-B14F-4D97-AF65-F5344CB8AC3E}">
+        <p14:creationId xmlns:p14="http://schemas.microsoft.com/office/powerpoint/2010/main" xmlns="" val="155874689"/>
+      </p:ext>
+    </p:extLst>
+  </p:cSld>
+  <p:clrMapOvr>
+    <a:masterClrMapping/>
+  </p:clrMapOvr>
+  <mc:AlternateContent xmlns:mc="http://schemas.openxmlformats.org/markup-compatibility/2006">
+    <mc:Choice xmlns:p14="http://schemas.microsoft.com/office/powerpoint/2010/main" xmlns="" Requires="p14">
+      <p:transition spd="slow" p14:dur="2000"/>
+    </mc:Choice>
+    <mc:Fallback>
+      <p:transition spd="slow"/>
+    </mc:Fallback>
+  </mc:AlternateContent>
+  <p:timing>
+    <p:tnLst>
+      <p:par>
+        <p:cTn id="1" dur="indefinite" restart="never" nodeType="tmRoot">
+          <p:childTnLst>
+            <p:seq concurrent="1" nextAc="seek">
+              <p:cTn id="2" dur="indefinite" nodeType="mainSeq">
+                <p:childTnLst>
+                  <p:par>
+                    <p:cTn id="3" fill="hold">
+                      <p:stCondLst>
+                        <p:cond delay="indefinite"/>
+                        <p:cond evt="onBegin" delay="0">
+                          <p:tn val="2"/>
+                        </p:cond>
+                      </p:stCondLst>
+                      <p:childTnLst>
+                        <p:par>
+                          <p:cTn id="4" fill="hold">
+                            <p:stCondLst>
+                              <p:cond delay="0"/>
+                            </p:stCondLst>
+                            <p:childTnLst>
+                              <p:par>
+                                <p:cTn id="5" presetID="10" presetClass="entr" presetSubtype="0" fill="hold" nodeType="withEffect">
+                                  <p:stCondLst>
+                                    <p:cond delay="0"/>
+                                  </p:stCondLst>
+                                  <p:childTnLst>
+                                    <p:set>
+                                      <p:cBhvr>
+                                        <p:cTn id="6" dur="1" fill="hold">
+                                          <p:stCondLst>
+                                            <p:cond delay="0"/>
+                                          </p:stCondLst>
+                                        </p:cTn>
+                                        <p:tgtEl>
+                                          <p:spTgt spid="17410"/>
+                                        </p:tgtEl>
+                                        <p:attrNameLst>
+                                          <p:attrName>style.visibility</p:attrName>
+                                        </p:attrNameLst>
+                                      </p:cBhvr>
+                                      <p:to>
+                                        <p:strVal val="visible"/>
+                                      </p:to>
+                                    </p:set>
+                                    <p:animEffect transition="in" filter="fade">
+                                      <p:cBhvr>
+                                        <p:cTn id="7" dur="1000"/>
+                                        <p:tgtEl>
+                                          <p:spTgt spid="17410"/>
+                                        </p:tgtEl>
+                                      </p:cBhvr>
+                                    </p:animEffect>
+                                  </p:childTnLst>
+                                </p:cTn>
+                              </p:par>
+                            </p:childTnLst>
+                          </p:cTn>
+                        </p:par>
+                      </p:childTnLst>
+                    </p:cTn>
+                  </p:par>
+                  <p:par>
+                    <p:cTn id="8" fill="hold">
+                      <p:stCondLst>
+                        <p:cond delay="indefinite"/>
+                      </p:stCondLst>
+                      <p:childTnLst>
+                        <p:par>
+                          <p:cTn id="9" fill="hold">
+                            <p:stCondLst>
+                              <p:cond delay="0"/>
+                            </p:stCondLst>
+                            <p:childTnLst>
+                              <p:par>
+                                <p:cTn id="10" presetID="16" presetClass="entr" presetSubtype="26" fill="hold" grpId="0" nodeType="clickEffect">
+                                  <p:stCondLst>
+                                    <p:cond delay="0"/>
+                                  </p:stCondLst>
+                                  <p:childTnLst>
+                                    <p:set>
+                                      <p:cBhvr>
+                                        <p:cTn id="11" dur="1" fill="hold">
+                                          <p:stCondLst>
+                                            <p:cond delay="0"/>
+                                          </p:stCondLst>
+                                        </p:cTn>
+                                        <p:tgtEl>
+                                          <p:spTgt spid="6"/>
+                                        </p:tgtEl>
+                                        <p:attrNameLst>
+                                          <p:attrName>style.visibility</p:attrName>
+                                        </p:attrNameLst>
+                                      </p:cBhvr>
+                                      <p:to>
+                                        <p:strVal val="visible"/>
+                                      </p:to>
+                                    </p:set>
+                                    <p:animEffect transition="in" filter="barn(inHorizontal)">
+                                      <p:cBhvr>
+                                        <p:cTn id="12" dur="1000"/>
+                                        <p:tgtEl>
+                                          <p:spTgt spid="6"/>
+                                        </p:tgtEl>
+                                      </p:cBhvr>
+                                    </p:animEffect>
+                                  </p:childTnLst>
+                                </p:cTn>
+                              </p:par>
+                            </p:childTnLst>
+                          </p:cTn>
+                        </p:par>
+                      </p:childTnLst>
+                    </p:cTn>
+                  </p:par>
+                  <p:par>
+                    <p:cTn id="13" fill="hold">
+                      <p:stCondLst>
+                        <p:cond delay="indefinite"/>
+                      </p:stCondLst>
+                      <p:childTnLst>
+                        <p:par>
+                          <p:cTn id="14" fill="hold">
+                            <p:stCondLst>
+                              <p:cond delay="0"/>
+                            </p:stCondLst>
+                            <p:childTnLst>
+                              <p:par>
+                                <p:cTn id="15" presetID="13" presetClass="entr" presetSubtype="16" fill="hold" grpId="0" nodeType="clickEffect">
+                                  <p:stCondLst>
+                                    <p:cond delay="0"/>
+                                  </p:stCondLst>
+                                  <p:childTnLst>
+                                    <p:set>
+                                      <p:cBhvr>
+                                        <p:cTn id="16" dur="1" fill="hold">
+                                          <p:stCondLst>
+                                            <p:cond delay="0"/>
+                                          </p:stCondLst>
+                                        </p:cTn>
+                                        <p:tgtEl>
+                                          <p:spTgt spid="9"/>
+                                        </p:tgtEl>
+                                        <p:attrNameLst>
+                                          <p:attrName>style.visibility</p:attrName>
+                                        </p:attrNameLst>
+                                      </p:cBhvr>
+                                      <p:to>
+                                        <p:strVal val="visible"/>
+                                      </p:to>
+                                    </p:set>
+                                    <p:animEffect transition="in" filter="plus(in)">
+                                      <p:cBhvr>
+                                        <p:cTn id="17" dur="1000"/>
+                                        <p:tgtEl>
+                                          <p:spTgt spid="9"/>
+                                        </p:tgtEl>
+                                      </p:cBhvr>
+                                    </p:animEffect>
+                                  </p:childTnLst>
+                                </p:cTn>
+                              </p:par>
+                              <p:par>
+                                <p:cTn id="18" presetID="1" presetClass="entr" presetSubtype="0" fill="hold" grpId="0" nodeType="withEffect">
+                                  <p:stCondLst>
+                                    <p:cond delay="0"/>
+                                  </p:stCondLst>
+                                  <p:childTnLst>
+                                    <p:set>
+                                      <p:cBhvr>
+                                        <p:cTn id="19" dur="1" fill="hold">
+                                          <p:stCondLst>
+                                            <p:cond delay="0"/>
+                                          </p:stCondLst>
+                                        </p:cTn>
+                                        <p:tgtEl>
+                                          <p:spTgt spid="7"/>
+                                        </p:tgtEl>
+                                        <p:attrNameLst>
+                                          <p:attrName>style.visibility</p:attrName>
+                                        </p:attrNameLst>
+                                      </p:cBhvr>
+                                      <p:to>
+                                        <p:strVal val="visible"/>
+                                      </p:to>
+                                    </p:set>
+                                  </p:childTnLst>
+                                </p:cTn>
+                              </p:par>
+                              <p:par>
+                                <p:cTn id="20" presetID="13" presetClass="entr" presetSubtype="16" fill="hold" grpId="0" nodeType="withEffect">
+                                  <p:stCondLst>
+                                    <p:cond delay="0"/>
+                                  </p:stCondLst>
+                                  <p:childTnLst>
+                                    <p:set>
+                                      <p:cBhvr>
+                                        <p:cTn id="21" dur="1" fill="hold">
+                                          <p:stCondLst>
+                                            <p:cond delay="0"/>
+                                          </p:stCondLst>
+                                        </p:cTn>
+                                        <p:tgtEl>
+                                          <p:spTgt spid="8"/>
+                                        </p:tgtEl>
+                                        <p:attrNameLst>
+                                          <p:attrName>style.visibility</p:attrName>
+                                        </p:attrNameLst>
+                                      </p:cBhvr>
+                                      <p:to>
+                                        <p:strVal val="visible"/>
+                                      </p:to>
+                                    </p:set>
+                                    <p:animEffect transition="in" filter="plus(in)">
+                                      <p:cBhvr>
+                                        <p:cTn id="22" dur="1000"/>
+                                        <p:tgtEl>
+                                          <p:spTgt spid="8"/>
+                                        </p:tgtEl>
+                                      </p:cBhvr>
+                                    </p:animEffect>
+                                  </p:childTnLst>
+                                </p:cTn>
+                              </p:par>
+                            </p:childTnLst>
+                          </p:cTn>
+                        </p:par>
+                      </p:childTnLst>
+                    </p:cTn>
+                  </p:par>
+                </p:childTnLst>
+              </p:cTn>
+              <p:prevCondLst>
+                <p:cond evt="onPrev" delay="0">
+                  <p:tgtEl>
+                    <p:sldTgt/>
+                  </p:tgtEl>
+                </p:cond>
+              </p:prevCondLst>
+              <p:nextCondLst>
+                <p:cond evt="onNext" delay="0">
+                  <p:tgtEl>
+                    <p:sldTgt/>
+                  </p:tgtEl>
+                </p:cond>
+              </p:nextCondLst>
+            </p:seq>
+          </p:childTnLst>
+        </p:cTn>
+      </p:par>
+    </p:tnLst>
+    <p:bldLst>
+      <p:bldP spid="6" grpId="0"/>
+      <p:bldP spid="7" grpId="0" animBg="1"/>
+      <p:bldP spid="8" grpId="0"/>
+      <p:bldP spid="9" grpId="0"/>
+    </p:bldLst>
   </p:timing>
 </p:sld>
 </file>
@@ -11159,7 +18067,7 @@
           <a:blip r:embed="rId3" cstate="print">
             <a:extLst>
               <a:ext uri="{28A0092B-C50C-407E-A947-70E740481C1C}">
-                <a14:useLocalDpi xmlns:a14="http://schemas.microsoft.com/office/drawing/2010/main" val="0"/>
+                <a14:useLocalDpi xmlns="" xmlns:a14="http://schemas.microsoft.com/office/drawing/2010/main" val="0"/>
               </a:ext>
             </a:extLst>
           </a:blip>
@@ -11170,7 +18078,7 @@
         </p:blipFill>
         <p:spPr bwMode="auto">
           <a:xfrm>
-            <a:off x="2261679" y="620689"/>
+            <a:off x="2261679" y="476672"/>
             <a:ext cx="5052690" cy="6233836"/>
           </a:xfrm>
           <a:prstGeom prst="rect">
@@ -11179,7 +18087,7 @@
           <a:noFill/>
           <a:extLst>
             <a:ext uri="{909E8E84-426E-40DD-AFC4-6F175D3DCCD1}">
-              <a14:hiddenFill xmlns:a14="http://schemas.microsoft.com/office/drawing/2010/main">
+              <a14:hiddenFill xmlns="" xmlns:a14="http://schemas.microsoft.com/office/drawing/2010/main">
                 <a:solidFill>
                   <a:srgbClr val="FFFFFF"/>
                 </a:solidFill>
@@ -11196,7 +18104,7 @@
         </p:nvCxnSpPr>
         <p:spPr>
           <a:xfrm>
-            <a:off x="3023828" y="1484784"/>
+            <a:off x="3023828" y="1340767"/>
             <a:ext cx="482235" cy="0"/>
           </a:xfrm>
           <a:prstGeom prst="line">
@@ -11239,7 +18147,7 @@
         </p:nvCxnSpPr>
         <p:spPr>
           <a:xfrm>
-            <a:off x="3779912" y="3068960"/>
+            <a:off x="3779912" y="2924943"/>
             <a:ext cx="704806" cy="0"/>
           </a:xfrm>
           <a:prstGeom prst="line">
@@ -11282,7 +18190,7 @@
         </p:nvCxnSpPr>
         <p:spPr>
           <a:xfrm>
-            <a:off x="2987824" y="6237312"/>
+            <a:off x="2987824" y="6093295"/>
             <a:ext cx="843276" cy="0"/>
           </a:xfrm>
           <a:prstGeom prst="line">
@@ -11325,7 +18233,7 @@
         </p:nvCxnSpPr>
         <p:spPr>
           <a:xfrm>
-            <a:off x="2915816" y="6597352"/>
+            <a:off x="2915816" y="6453335"/>
             <a:ext cx="556426" cy="0"/>
           </a:xfrm>
           <a:prstGeom prst="line">
@@ -11368,7 +18276,7 @@
         </p:nvCxnSpPr>
         <p:spPr>
           <a:xfrm>
-            <a:off x="4139952" y="3429000"/>
+            <a:off x="4139952" y="3284983"/>
             <a:ext cx="408045" cy="0"/>
           </a:xfrm>
           <a:prstGeom prst="line">
@@ -11411,7 +18319,7 @@
         </p:nvSpPr>
         <p:spPr>
           <a:xfrm>
-            <a:off x="2915816" y="1268760"/>
+            <a:off x="2915816" y="1124743"/>
             <a:ext cx="540060" cy="216024"/>
           </a:xfrm>
           <a:prstGeom prst="ellipse">
@@ -11457,7 +18365,7 @@
         </p:nvSpPr>
         <p:spPr>
           <a:xfrm>
-            <a:off x="3666895" y="2831046"/>
+            <a:off x="3666895" y="2687029"/>
             <a:ext cx="792088" cy="216024"/>
           </a:xfrm>
           <a:prstGeom prst="ellipse">
@@ -11498,7 +18406,7 @@
     </p:spTree>
     <p:extLst>
       <p:ext uri="{BB962C8B-B14F-4D97-AF65-F5344CB8AC3E}">
-        <p14:creationId xmlns:p14="http://schemas.microsoft.com/office/powerpoint/2010/main" val="3983998448"/>
+        <p14:creationId xmlns="" xmlns:p14="http://schemas.microsoft.com/office/powerpoint/2010/main" val="3983998448"/>
       </p:ext>
     </p:extLst>
   </p:cSld>
@@ -11827,7 +18735,7 @@
         <p:spPr>
           <a:xfrm>
             <a:off x="2339752" y="692696"/>
-            <a:ext cx="4392488" cy="646331"/>
+            <a:ext cx="4392488" cy="677108"/>
           </a:xfrm>
           <a:prstGeom prst="rect">
             <a:avLst/>
@@ -11842,7 +18750,7 @@
           <a:p>
             <a:pPr algn="ctr"/>
             <a:r>
-              <a:rPr lang="it-IT" sz="3600" b="1" dirty="0" smtClean="0">
+              <a:rPr lang="it-IT" sz="3800" b="1" dirty="0" smtClean="0">
                 <a:solidFill>
                   <a:srgbClr val="000000"/>
                 </a:solidFill>
@@ -11864,7 +18772,7 @@
           <a:blip r:embed="rId2" cstate="print">
             <a:extLst>
               <a:ext uri="{28A0092B-C50C-407E-A947-70E740481C1C}">
-                <a14:useLocalDpi xmlns:a14="http://schemas.microsoft.com/office/drawing/2010/main" val="0"/>
+                <a14:useLocalDpi xmlns="" xmlns:a14="http://schemas.microsoft.com/office/drawing/2010/main" val="0"/>
               </a:ext>
             </a:extLst>
           </a:blip>
@@ -11884,7 +18792,7 @@
           <a:noFill/>
           <a:extLst>
             <a:ext uri="{909E8E84-426E-40DD-AFC4-6F175D3DCCD1}">
-              <a14:hiddenFill xmlns:a14="http://schemas.microsoft.com/office/drawing/2010/main">
+              <a14:hiddenFill xmlns="" xmlns:a14="http://schemas.microsoft.com/office/drawing/2010/main">
                 <a:solidFill>
                   <a:srgbClr val="FFFFFF"/>
                 </a:solidFill>
@@ -11979,18 +18887,18 @@
     </p:spTree>
     <p:extLst>
       <p:ext uri="{BB962C8B-B14F-4D97-AF65-F5344CB8AC3E}">
-        <p14:creationId xmlns:p14="http://schemas.microsoft.com/office/powerpoint/2010/main" val="3516333073"/>
+        <p14:creationId xmlns="" xmlns:p14="http://schemas.microsoft.com/office/powerpoint/2010/main" val="3516333073"/>
       </p:ext>
     </p:extLst>
   </p:cSld>
   <p:clrMapOvr>
     <a:masterClrMapping/>
   </p:clrMapOvr>
-  <mc:AlternateContent xmlns:mc="http://schemas.openxmlformats.org/markup-compatibility/2006" xmlns:p14="http://schemas.microsoft.com/office/powerpoint/2010/main">
-    <mc:Choice Requires="p14">
+  <mc:AlternateContent xmlns:mc="http://schemas.openxmlformats.org/markup-compatibility/2006">
+    <mc:Choice xmlns="" xmlns:p14="http://schemas.microsoft.com/office/powerpoint/2010/main" Requires="p14">
       <p:transition spd="slow" p14:dur="2000"/>
     </mc:Choice>
-    <mc:Fallback xmlns="">
+    <mc:Fallback>
       <p:transition spd="slow"/>
     </mc:Fallback>
   </mc:AlternateContent>
@@ -12030,7 +18938,7 @@
         <p:spPr>
           <a:xfrm>
             <a:off x="2313062" y="660807"/>
-            <a:ext cx="4392488" cy="646331"/>
+            <a:ext cx="4392488" cy="707886"/>
           </a:xfrm>
           <a:prstGeom prst="rect">
             <a:avLst/>
@@ -12045,7 +18953,7 @@
           <a:p>
             <a:pPr algn="ctr"/>
             <a:r>
-              <a:rPr lang="it-IT" sz="3600" b="1" dirty="0" smtClean="0">
+              <a:rPr lang="it-IT" sz="4000" b="1" dirty="0" smtClean="0">
                 <a:solidFill>
                   <a:srgbClr val="000000"/>
                 </a:solidFill>
@@ -12067,7 +18975,7 @@
           <a:blip r:embed="rId2" cstate="print">
             <a:extLst>
               <a:ext uri="{28A0092B-C50C-407E-A947-70E740481C1C}">
-                <a14:useLocalDpi xmlns:a14="http://schemas.microsoft.com/office/drawing/2010/main" val="0"/>
+                <a14:useLocalDpi xmlns="" xmlns:a14="http://schemas.microsoft.com/office/drawing/2010/main" val="0"/>
               </a:ext>
             </a:extLst>
           </a:blip>
@@ -12087,7 +18995,7 @@
           <a:noFill/>
           <a:extLst>
             <a:ext uri="{909E8E84-426E-40DD-AFC4-6F175D3DCCD1}">
-              <a14:hiddenFill xmlns:a14="http://schemas.microsoft.com/office/drawing/2010/main">
+              <a14:hiddenFill xmlns="" xmlns:a14="http://schemas.microsoft.com/office/drawing/2010/main">
                 <a:solidFill>
                   <a:srgbClr val="FFFFFF"/>
                 </a:solidFill>
@@ -12105,7 +19013,7 @@
         <p:spPr>
           <a:xfrm>
             <a:off x="406996" y="1628800"/>
-            <a:ext cx="5328592" cy="2215991"/>
+            <a:ext cx="6181228" cy="2339102"/>
           </a:xfrm>
           <a:prstGeom prst="rect">
             <a:avLst/>
@@ -12126,7 +19034,7 @@
               <a:buChar char="v"/>
             </a:pPr>
             <a:r>
-              <a:rPr lang="it-IT" sz="2400" dirty="0" smtClean="0"/>
+              <a:rPr lang="it-IT" sz="2800" dirty="0" smtClean="0"/>
               <a:t>Visualizzare lo storico dei pagamenti</a:t>
             </a:r>
           </a:p>
@@ -12136,7 +19044,7 @@
               <a:buChar char="v"/>
             </a:pPr>
             <a:r>
-              <a:rPr lang="it-IT" sz="2400" dirty="0" smtClean="0"/>
+              <a:rPr lang="it-IT" sz="2800" dirty="0" smtClean="0"/>
               <a:t>Visualizzare la fattura mensile</a:t>
             </a:r>
           </a:p>
@@ -12162,18 +19070,18 @@
     </p:spTree>
     <p:extLst>
       <p:ext uri="{BB962C8B-B14F-4D97-AF65-F5344CB8AC3E}">
-        <p14:creationId xmlns:p14="http://schemas.microsoft.com/office/powerpoint/2010/main" val="576094641"/>
+        <p14:creationId xmlns="" xmlns:p14="http://schemas.microsoft.com/office/powerpoint/2010/main" val="576094641"/>
       </p:ext>
     </p:extLst>
   </p:cSld>
   <p:clrMapOvr>
     <a:masterClrMapping/>
   </p:clrMapOvr>
-  <mc:AlternateContent xmlns:mc="http://schemas.openxmlformats.org/markup-compatibility/2006" xmlns:p14="http://schemas.microsoft.com/office/powerpoint/2010/main">
-    <mc:Choice Requires="p14">
+  <mc:AlternateContent xmlns:mc="http://schemas.openxmlformats.org/markup-compatibility/2006">
+    <mc:Choice xmlns="" xmlns:p14="http://schemas.microsoft.com/office/powerpoint/2010/main" Requires="p14">
       <p:transition spd="slow" p14:dur="2000"/>
     </mc:Choice>
-    <mc:Fallback xmlns="">
+    <mc:Fallback>
       <p:transition spd="slow"/>
     </mc:Fallback>
   </mc:AlternateContent>
@@ -12446,7 +19354,7 @@
           <a:blip r:embed="rId2" cstate="print">
             <a:extLst>
               <a:ext uri="{28A0092B-C50C-407E-A947-70E740481C1C}">
-                <a14:useLocalDpi xmlns:a14="http://schemas.microsoft.com/office/drawing/2010/main" val="0"/>
+                <a14:useLocalDpi xmlns="" xmlns:a14="http://schemas.microsoft.com/office/drawing/2010/main" val="0"/>
               </a:ext>
             </a:extLst>
           </a:blip>
@@ -12466,7 +19374,7 @@
           <a:noFill/>
           <a:extLst>
             <a:ext uri="{909E8E84-426E-40DD-AFC4-6F175D3DCCD1}">
-              <a14:hiddenFill xmlns:a14="http://schemas.microsoft.com/office/drawing/2010/main">
+              <a14:hiddenFill xmlns="" xmlns:a14="http://schemas.microsoft.com/office/drawing/2010/main">
                 <a:solidFill>
                   <a:srgbClr val="FFFFFF"/>
                 </a:solidFill>
@@ -12742,7 +19650,7 @@
     </p:spTree>
     <p:extLst>
       <p:ext uri="{BB962C8B-B14F-4D97-AF65-F5344CB8AC3E}">
-        <p14:creationId xmlns:p14="http://schemas.microsoft.com/office/powerpoint/2010/main" val="4188503847"/>
+        <p14:creationId xmlns="" xmlns:p14="http://schemas.microsoft.com/office/powerpoint/2010/main" val="4188503847"/>
       </p:ext>
     </p:extLst>
   </p:cSld>
@@ -12842,7 +19750,7 @@
                                     </p:set>
                                     <p:animEffect transition="in" filter="wheel(1)">
                                       <p:cBhvr>
-                                        <p:cTn id="12" dur="2000"/>
+                                        <p:cTn id="12" dur="1000"/>
                                         <p:tgtEl>
                                           <p:spTgt spid="1026"/>
                                         </p:tgtEl>
@@ -12910,8 +19818,8 @@
         </p:nvSpPr>
         <p:spPr>
           <a:xfrm>
-            <a:off x="1043608" y="787214"/>
-            <a:ext cx="3557832" cy="646331"/>
+            <a:off x="1403648" y="764704"/>
+            <a:ext cx="3929986" cy="707886"/>
           </a:xfrm>
           <a:prstGeom prst="rect">
             <a:avLst/>
@@ -12926,7 +19834,7 @@
           <a:p>
             <a:pPr algn="ctr"/>
             <a:r>
-              <a:rPr lang="it-IT" sz="3600" b="1" dirty="0" smtClean="0">
+              <a:rPr lang="it-IT" sz="4000" b="1" dirty="0" smtClean="0">
                 <a:latin typeface="+mj-lt"/>
               </a:rPr>
               <a:t>Team M vs Bando</a:t>
@@ -13610,7 +20518,7 @@
           <a:blip r:embed="rId2" cstate="print">
             <a:extLst>
               <a:ext uri="{28A0092B-C50C-407E-A947-70E740481C1C}">
-                <a14:useLocalDpi xmlns:a14="http://schemas.microsoft.com/office/drawing/2010/main" val="0"/>
+                <a14:useLocalDpi xmlns="" xmlns:a14="http://schemas.microsoft.com/office/drawing/2010/main" val="0"/>
               </a:ext>
             </a:extLst>
           </a:blip>
@@ -13634,14 +20542,14 @@
           <a:effectLst/>
           <a:extLst>
             <a:ext uri="{909E8E84-426E-40DD-AFC4-6F175D3DCCD1}">
-              <a14:hiddenFill xmlns:a14="http://schemas.microsoft.com/office/drawing/2010/main">
+              <a14:hiddenFill xmlns="" xmlns:a14="http://schemas.microsoft.com/office/drawing/2010/main">
                 <a:solidFill>
                   <a:schemeClr val="accent1"/>
                 </a:solidFill>
               </a14:hiddenFill>
             </a:ext>
             <a:ext uri="{91240B29-F687-4F45-9708-019B960494DF}">
-              <a14:hiddenLine xmlns:a14="http://schemas.microsoft.com/office/drawing/2010/main" w="9525">
+              <a14:hiddenLine xmlns="" xmlns:a14="http://schemas.microsoft.com/office/drawing/2010/main" w="9525">
                 <a:solidFill>
                   <a:schemeClr val="tx1"/>
                 </a:solidFill>
@@ -13651,7 +20559,7 @@
               </a14:hiddenLine>
             </a:ext>
             <a:ext uri="{AF507438-7753-43E0-B8FC-AC1667EBCBE1}">
-              <a14:hiddenEffects xmlns:a14="http://schemas.microsoft.com/office/drawing/2010/main">
+              <a14:hiddenEffects xmlns="" xmlns:a14="http://schemas.microsoft.com/office/drawing/2010/main">
                 <a:effectLst>
                   <a:outerShdw dist="35921" dir="2700000" algn="ctr" rotWithShape="0">
                     <a:schemeClr val="bg2"/>
@@ -13665,7 +20573,7 @@
     </p:spTree>
     <p:extLst>
       <p:ext uri="{BB962C8B-B14F-4D97-AF65-F5344CB8AC3E}">
-        <p14:creationId xmlns:p14="http://schemas.microsoft.com/office/powerpoint/2010/main" val="1896188625"/>
+        <p14:creationId xmlns="" xmlns:p14="http://schemas.microsoft.com/office/powerpoint/2010/main" val="1896188625"/>
       </p:ext>
     </p:extLst>
   </p:cSld>

--- a/trunk/Presentazione/Atsilo2/Atsilo_M_PresentazioneFinale.pptx
+++ b/trunk/Presentazione/Atsilo2/Atsilo_M_PresentazioneFinale.pptx
@@ -5,7 +5,7 @@
     <p:sldMasterId id="2147483684" r:id="rId1"/>
   </p:sldMasterIdLst>
   <p:notesMasterIdLst>
-    <p:notesMasterId r:id="rId43"/>
+    <p:notesMasterId r:id="rId54"/>
   </p:notesMasterIdLst>
   <p:sldIdLst>
     <p:sldId id="256" r:id="rId2"/>
@@ -42,13 +42,24 @@
     <p:sldId id="284" r:id="rId33"/>
     <p:sldId id="285" r:id="rId34"/>
     <p:sldId id="297" r:id="rId35"/>
-    <p:sldId id="290" r:id="rId36"/>
-    <p:sldId id="291" r:id="rId37"/>
-    <p:sldId id="292" r:id="rId38"/>
-    <p:sldId id="293" r:id="rId39"/>
-    <p:sldId id="294" r:id="rId40"/>
-    <p:sldId id="295" r:id="rId41"/>
-    <p:sldId id="296" r:id="rId42"/>
+    <p:sldId id="298" r:id="rId36"/>
+    <p:sldId id="299" r:id="rId37"/>
+    <p:sldId id="300" r:id="rId38"/>
+    <p:sldId id="301" r:id="rId39"/>
+    <p:sldId id="290" r:id="rId40"/>
+    <p:sldId id="291" r:id="rId41"/>
+    <p:sldId id="292" r:id="rId42"/>
+    <p:sldId id="293" r:id="rId43"/>
+    <p:sldId id="294" r:id="rId44"/>
+    <p:sldId id="295" r:id="rId45"/>
+    <p:sldId id="296" r:id="rId46"/>
+    <p:sldId id="302" r:id="rId47"/>
+    <p:sldId id="303" r:id="rId48"/>
+    <p:sldId id="304" r:id="rId49"/>
+    <p:sldId id="305" r:id="rId50"/>
+    <p:sldId id="306" r:id="rId51"/>
+    <p:sldId id="307" r:id="rId52"/>
+    <p:sldId id="308" r:id="rId53"/>
   </p:sldIdLst>
   <p:sldSz cx="9144000" cy="6858000" type="screen4x3"/>
   <p:notesSz cx="6858000" cy="9144000"/>
@@ -152,7 +163,7 @@
 
 <file path=ppt/commentAuthors.xml><?xml version="1.0" encoding="utf-8"?>
 <p:cmAuthorLst xmlns:a="http://schemas.openxmlformats.org/drawingml/2006/main" xmlns:r="http://schemas.openxmlformats.org/officeDocument/2006/relationships" xmlns:p="http://schemas.openxmlformats.org/presentationml/2006/main">
-  <p:cmAuthor id="0" name="Giulio" initials="GF" lastIdx="13" clrIdx="0"/>
+  <p:cmAuthor id="0" name="Giulio" initials="GF" lastIdx="23" clrIdx="0"/>
 </p:cmAuthorLst>
 </file>
 
@@ -171,6 +182,16 @@
     <p:pos x="1265" y="2365"/>
     <p:text>Degli attori del nostro sottosistema dovrebbe parlare già Luigi.
 Ad ogni modo, se possibile, usa una nuova immagine, con solo gli attori nostri. Questa qui è poco leggibile.</p:text>
+  </p:cm>
+</p:cmLst>
+</file>
+
+<file path=ppt/comments/comment3.xml><?xml version="1.0" encoding="utf-8"?>
+<p:cmLst xmlns:a="http://schemas.openxmlformats.org/drawingml/2006/main" xmlns:r="http://schemas.openxmlformats.org/officeDocument/2006/relationships" xmlns:p="http://schemas.openxmlformats.org/presentationml/2006/main">
+  <p:cm authorId="0" dt="2012-12-30T14:44:57.761" idx="19">
+    <p:pos x="10" y="10"/>
+    <p:text>Per ricapitolare, potrebbe essere utile se, nel diagramma, inserisci le specializzazioni dell'attore EventPlanner.
+Leggendo utente del sistema, uno un'idea se la fa. EventPlanner, invece, a meno di ricordarlo, è difficilmente ricollegabile.</p:text>
   </p:cm>
 </p:cmLst>
 </file>
@@ -427,7 +448,7 @@
     </p:spTree>
     <p:extLst>
       <p:ext uri="{BB962C8B-B14F-4D97-AF65-F5344CB8AC3E}">
-        <p14:creationId xmlns="" xmlns:p14="http://schemas.microsoft.com/office/powerpoint/2010/main" val="2126419590"/>
+        <p14:creationId xmlns:p14="http://schemas.microsoft.com/office/powerpoint/2010/main" xmlns="" val="2126419590"/>
       </p:ext>
     </p:extLst>
   </p:cSld>
@@ -602,7 +623,7 @@
     </p:spTree>
     <p:extLst>
       <p:ext uri="{BB962C8B-B14F-4D97-AF65-F5344CB8AC3E}">
-        <p14:creationId xmlns="" xmlns:p14="http://schemas.microsoft.com/office/powerpoint/2010/main" val="3122029082"/>
+        <p14:creationId xmlns:p14="http://schemas.microsoft.com/office/powerpoint/2010/main" xmlns="" val="3122029082"/>
       </p:ext>
     </p:extLst>
   </p:cSld>
@@ -695,7 +716,7 @@
     </p:spTree>
     <p:extLst>
       <p:ext uri="{BB962C8B-B14F-4D97-AF65-F5344CB8AC3E}">
-        <p14:creationId xmlns="" xmlns:p14="http://schemas.microsoft.com/office/powerpoint/2010/main" val="3771085237"/>
+        <p14:creationId xmlns:p14="http://schemas.microsoft.com/office/powerpoint/2010/main" xmlns="" val="3771085237"/>
       </p:ext>
     </p:extLst>
   </p:cSld>
@@ -847,7 +868,7 @@
     </p:spTree>
     <p:extLst>
       <p:ext uri="{BB962C8B-B14F-4D97-AF65-F5344CB8AC3E}">
-        <p14:creationId xmlns="" xmlns:p14="http://schemas.microsoft.com/office/powerpoint/2010/main" val="2716859324"/>
+        <p14:creationId xmlns:p14="http://schemas.microsoft.com/office/powerpoint/2010/main" xmlns="" val="2716859324"/>
       </p:ext>
     </p:extLst>
   </p:cSld>
@@ -940,7 +961,7 @@
     </p:spTree>
     <p:extLst>
       <p:ext uri="{BB962C8B-B14F-4D97-AF65-F5344CB8AC3E}">
-        <p14:creationId xmlns="" xmlns:p14="http://schemas.microsoft.com/office/powerpoint/2010/main" val="3122029082"/>
+        <p14:creationId xmlns:p14="http://schemas.microsoft.com/office/powerpoint/2010/main" xmlns="" val="3122029082"/>
       </p:ext>
     </p:extLst>
   </p:cSld>
@@ -1115,7 +1136,7 @@
     </p:spTree>
     <p:extLst>
       <p:ext uri="{BB962C8B-B14F-4D97-AF65-F5344CB8AC3E}">
-        <p14:creationId xmlns="" xmlns:p14="http://schemas.microsoft.com/office/powerpoint/2010/main" val="2716859324"/>
+        <p14:creationId xmlns:p14="http://schemas.microsoft.com/office/powerpoint/2010/main" xmlns="" val="2716859324"/>
       </p:ext>
     </p:extLst>
   </p:cSld>
@@ -1207,7 +1228,7 @@
     </p:spTree>
     <p:extLst>
       <p:ext uri="{BB962C8B-B14F-4D97-AF65-F5344CB8AC3E}">
-        <p14:creationId xmlns="" xmlns:p14="http://schemas.microsoft.com/office/powerpoint/2010/main" val="1159000954"/>
+        <p14:creationId xmlns:p14="http://schemas.microsoft.com/office/powerpoint/2010/main" xmlns="" val="1159000954"/>
       </p:ext>
     </p:extLst>
   </p:cSld>
@@ -1263,103 +1284,39 @@
           </a:bodyPr>
           <a:lstStyle/>
           <a:p>
-            <a:pPr marL="514350" indent="-514350">
-              <a:buFont typeface="+mj-lt"/>
-              <a:buAutoNum type="arabicParenR"/>
-            </a:pPr>
-            <a:r>
-              <a:rPr lang="it-IT" sz="1200" b="1" dirty="0" err="1" smtClean="0"/>
-              <a:t>Presentation</a:t>
-            </a:r>
-            <a:r>
-              <a:rPr lang="it-IT" sz="1200" b="1" dirty="0" smtClean="0"/>
-              <a:t>: </a:t>
-            </a:r>
             <a:r>
               <a:rPr lang="it-IT" sz="1200" dirty="0" smtClean="0"/>
-              <a:t>raccoglie i sottosistemi adibiti alla gestione delle interfacce grafiche:</a:t>
-            </a:r>
-          </a:p>
-          <a:p>
-            <a:pPr marL="514350" indent="-514350">
-              <a:buFont typeface="+mj-lt"/>
-              <a:buAutoNum type="arabicParenR"/>
-            </a:pPr>
-            <a:r>
-              <a:rPr lang="it-IT" sz="1200" b="1" dirty="0" err="1" smtClean="0"/>
-              <a:t>Application</a:t>
-            </a:r>
+              <a:t>Il sistema deve garantire la sicurezza e l'affidabilità nell'inserimento dei propri dati sensibili, sia in campo di sicurezza web, sia nel caso del rispetto delle leggi in vigore sulla visibilità e sul trattamento dei dati personali. I dati inseriti nel sistema, durante la registrazione o in altre fasi critiche fanno parte di informazioni strettamente personali.</a:t>
+            </a:r>
+          </a:p>
+          <a:p>
             <a:r>
               <a:rPr lang="it-IT" sz="1200" dirty="0" smtClean="0"/>
-              <a:t>: si occupa della gestione della logica applicativa del sistema;</a:t>
-            </a:r>
-          </a:p>
-          <a:p>
-            <a:pPr marL="514350" indent="-514350"/>
-            <a:r>
-              <a:rPr lang="it-IT" sz="1200" b="1" dirty="0" smtClean="0"/>
-              <a:t>3)</a:t>
-            </a:r>
-            <a:r>
-              <a:rPr lang="it-IT" sz="1200" b="1" baseline="0" dirty="0" smtClean="0"/>
-              <a:t> </a:t>
-            </a:r>
-            <a:r>
-              <a:rPr lang="it-IT" sz="1200" b="1" dirty="0" err="1" smtClean="0"/>
-              <a:t>Beans</a:t>
-            </a:r>
+              <a:t>Qualora quest’ultime venissero rese pubbliche, il sistema notificherà l’accaduto al proprietario dei dati personali.</a:t>
+            </a:r>
+          </a:p>
+          <a:p>
+            <a:endParaRPr lang="it-IT" sz="1200" dirty="0" smtClean="0"/>
+          </a:p>
+          <a:p>
             <a:r>
               <a:rPr lang="it-IT" sz="1200" dirty="0" smtClean="0"/>
-              <a:t>: si occupa della gestione e dello scambio dei dati tra i sistemi; </a:t>
-            </a:r>
-          </a:p>
-          <a:p>
-            <a:pPr marL="514350" indent="-514350"/>
-            <a:r>
-              <a:rPr lang="it-IT" sz="1200" b="1" dirty="0" smtClean="0"/>
-              <a:t>5)	</a:t>
-            </a:r>
-            <a:r>
-              <a:rPr lang="it-IT" sz="1200" b="1" dirty="0" err="1" smtClean="0"/>
-              <a:t>Storage</a:t>
-            </a:r>
-            <a:r>
-              <a:rPr lang="it-IT" sz="1200" dirty="0" smtClean="0"/>
-              <a:t>: sistema che gestisce ed immagazzina i dati persistenti:</a:t>
-            </a:r>
-          </a:p>
-          <a:p>
-            <a:pPr marL="514350" indent="-514350"/>
-            <a:r>
-              <a:rPr lang="it-IT" sz="1200" b="1" dirty="0" smtClean="0"/>
-              <a:t>6)	</a:t>
-            </a:r>
-            <a:r>
-              <a:rPr lang="it-IT" sz="1200" b="1" dirty="0" err="1" smtClean="0"/>
-              <a:t>Exception</a:t>
-            </a:r>
-            <a:r>
-              <a:rPr lang="it-IT" sz="1200" dirty="0" smtClean="0"/>
-              <a:t>: gestione delle eccezioni del sistema.</a:t>
-            </a:r>
-          </a:p>
-          <a:p>
-            <a:pPr marL="514350" indent="-514350">
-              <a:buFont typeface="+mj-lt"/>
-              <a:buNone/>
-            </a:pPr>
-            <a:endParaRPr lang="it-IT" sz="1200" b="1" dirty="0" smtClean="0"/>
+              <a:t>Il sistema permette agli utenti di compilare i questionari in maniera anonima nonostante abbiano effettuato l’accesso e siano stati identificati.</a:t>
+            </a:r>
+          </a:p>
+          <a:p>
+            <a:endParaRPr lang="it-IT" dirty="0"/>
           </a:p>
         </p:txBody>
       </p:sp>
       <p:sp>
         <p:nvSpPr>
-          <p:cNvPr id="4" name="Segnaposto piè di pagina 3"/>
+          <p:cNvPr id="4" name="Segnaposto numero diapositiva 3"/>
           <p:cNvSpPr>
             <a:spLocks noGrp="1"/>
           </p:cNvSpPr>
           <p:nvPr>
-            <p:ph type="ftr" sz="quarter" idx="10"/>
+            <p:ph type="sldNum" sz="quarter" idx="10"/>
           </p:nvPr>
         </p:nvSpPr>
         <p:spPr/>
@@ -1367,29 +1324,10 @@
           <a:bodyPr/>
           <a:lstStyle/>
           <a:p>
-            <a:endParaRPr lang="it-IT"/>
-          </a:p>
-        </p:txBody>
-      </p:sp>
-      <p:sp>
-        <p:nvSpPr>
-          <p:cNvPr id="5" name="Segnaposto numero diapositiva 4"/>
-          <p:cNvSpPr>
-            <a:spLocks noGrp="1"/>
-          </p:cNvSpPr>
-          <p:nvPr>
-            <p:ph type="sldNum" sz="quarter" idx="11"/>
-          </p:nvPr>
-        </p:nvSpPr>
-        <p:spPr/>
-        <p:txBody>
-          <a:bodyPr/>
-          <a:lstStyle/>
-          <a:p>
             <a:fld id="{D70604CA-7593-4640-8FA1-5523937B8510}" type="slidenum">
               <a:rPr lang="it-IT" smtClean="0"/>
               <a:pPr/>
-              <a:t>35</a:t>
+              <a:t>36</a:t>
             </a:fld>
             <a:endParaRPr lang="it-IT"/>
           </a:p>
@@ -1449,92 +1387,25 @@
           </a:bodyPr>
           <a:lstStyle/>
           <a:p>
-            <a:pPr marL="514350" indent="-514350">
-              <a:buFont typeface="+mj-lt"/>
-              <a:buAutoNum type="arabicParenR"/>
-            </a:pPr>
-            <a:r>
-              <a:rPr lang="it-IT" sz="1200" b="1" dirty="0" err="1" smtClean="0"/>
-              <a:t>Presentation</a:t>
-            </a:r>
-            <a:r>
-              <a:rPr lang="it-IT" sz="1200" b="1" dirty="0" smtClean="0"/>
-              <a:t>: </a:t>
-            </a:r>
+            <a:pPr algn="just"/>
             <a:r>
               <a:rPr lang="it-IT" sz="1200" dirty="0" smtClean="0"/>
-              <a:t>raccoglie i sottosistemi adibiti alla gestione delle interfacce grafiche:</a:t>
-            </a:r>
-          </a:p>
-          <a:p>
-            <a:pPr marL="514350" indent="-514350">
-              <a:buFont typeface="+mj-lt"/>
-              <a:buAutoNum type="arabicParenR"/>
-            </a:pPr>
-            <a:r>
-              <a:rPr lang="it-IT" sz="1200" b="1" dirty="0" err="1" smtClean="0"/>
-              <a:t>Application</a:t>
-            </a:r>
+              <a:t>Gli utenti del sistema compiono giornalmente delle operazioni. Il sistema si occupa quasi esclusivamente di interrogazioni al database, gli utenti, quindi, consultano e modificano gli elenchi, dopo aver eseguito operazioni di login. Questo tipo di operazioni, login e consultazione/modifica, seppur oneroso per il database di grande dimensioni, non può quindi occupare più di qualche secondo per produrre risultati. In altre parole il tempo di attese di un utente è di pochi secondi.</a:t>
+            </a:r>
+          </a:p>
+          <a:p>
+            <a:pPr algn="just"/>
             <a:r>
               <a:rPr lang="it-IT" sz="1200" dirty="0" smtClean="0"/>
-              <a:t>: si occupa della gestione della logica applicativa del sistema;</a:t>
-            </a:r>
-          </a:p>
-          <a:p>
-            <a:pPr marL="514350" indent="-514350"/>
-            <a:r>
-              <a:rPr lang="it-IT" sz="1200" b="1" dirty="0" smtClean="0"/>
-              <a:t>3)</a:t>
-            </a:r>
-            <a:r>
-              <a:rPr lang="it-IT" sz="1200" b="1" baseline="0" dirty="0" smtClean="0"/>
-              <a:t> </a:t>
-            </a:r>
-            <a:r>
-              <a:rPr lang="it-IT" sz="1200" b="1" dirty="0" err="1" smtClean="0"/>
-              <a:t>Beans</a:t>
-            </a:r>
+              <a:t>Il sistema deve permettere all’utente di poter ricevere un riscontro da parte del sistema in non più di 5 secondi. </a:t>
+            </a:r>
+          </a:p>
+          <a:p>
+            <a:pPr algn="just"/>
             <a:r>
               <a:rPr lang="it-IT" sz="1200" dirty="0" smtClean="0"/>
-              <a:t>: si occupa della gestione e dello scambio dei dati tra i sistemi; </a:t>
-            </a:r>
-          </a:p>
-          <a:p>
-            <a:pPr marL="514350" indent="-514350"/>
-            <a:r>
-              <a:rPr lang="it-IT" sz="1200" b="1" dirty="0" smtClean="0"/>
-              <a:t>5)	</a:t>
-            </a:r>
-            <a:r>
-              <a:rPr lang="it-IT" sz="1200" b="1" dirty="0" err="1" smtClean="0"/>
-              <a:t>Storage</a:t>
-            </a:r>
-            <a:r>
-              <a:rPr lang="it-IT" sz="1200" dirty="0" smtClean="0"/>
-              <a:t>: sistema che gestisce ed immagazzina i dati persistenti:</a:t>
-            </a:r>
-          </a:p>
-          <a:p>
-            <a:pPr marL="514350" indent="-514350"/>
-            <a:r>
-              <a:rPr lang="it-IT" sz="1200" b="1" dirty="0" smtClean="0"/>
-              <a:t>6)	</a:t>
-            </a:r>
-            <a:r>
-              <a:rPr lang="it-IT" sz="1200" b="1" dirty="0" err="1" smtClean="0"/>
-              <a:t>Exception</a:t>
-            </a:r>
-            <a:r>
-              <a:rPr lang="it-IT" sz="1200" dirty="0" smtClean="0"/>
-              <a:t>: gestione delle eccezioni del sistema.</a:t>
-            </a:r>
-          </a:p>
-          <a:p>
-            <a:pPr marL="514350" indent="-514350">
-              <a:buFont typeface="+mj-lt"/>
-              <a:buNone/>
-            </a:pPr>
-            <a:endParaRPr lang="it-IT" sz="1200" b="1" dirty="0" smtClean="0"/>
+              <a:t>Inoltre il sistema deve ridurre significativamente il tempo di compilazione dei questionari compilando le domande di cui già conosce le risposte al posto del genitore.</a:t>
+            </a:r>
           </a:p>
           <a:p>
             <a:endParaRPr lang="it-IT" dirty="0"/>
@@ -1543,12 +1414,12 @@
       </p:sp>
       <p:sp>
         <p:nvSpPr>
-          <p:cNvPr id="4" name="Segnaposto piè di pagina 3"/>
+          <p:cNvPr id="4" name="Segnaposto numero diapositiva 3"/>
           <p:cNvSpPr>
             <a:spLocks noGrp="1"/>
           </p:cNvSpPr>
           <p:nvPr>
-            <p:ph type="ftr" sz="quarter" idx="10"/>
+            <p:ph type="sldNum" sz="quarter" idx="10"/>
           </p:nvPr>
         </p:nvSpPr>
         <p:spPr/>
@@ -1556,29 +1427,10 @@
           <a:bodyPr/>
           <a:lstStyle/>
           <a:p>
-            <a:endParaRPr lang="it-IT"/>
-          </a:p>
-        </p:txBody>
-      </p:sp>
-      <p:sp>
-        <p:nvSpPr>
-          <p:cNvPr id="5" name="Segnaposto numero diapositiva 4"/>
-          <p:cNvSpPr>
-            <a:spLocks noGrp="1"/>
-          </p:cNvSpPr>
-          <p:nvPr>
-            <p:ph type="sldNum" sz="quarter" idx="11"/>
-          </p:nvPr>
-        </p:nvSpPr>
-        <p:spPr/>
-        <p:txBody>
-          <a:bodyPr/>
-          <a:lstStyle/>
-          <a:p>
             <a:fld id="{D70604CA-7593-4640-8FA1-5523937B8510}" type="slidenum">
               <a:rPr lang="it-IT" smtClean="0"/>
               <a:pPr/>
-              <a:t>36</a:t>
+              <a:t>37</a:t>
             </a:fld>
             <a:endParaRPr lang="it-IT"/>
           </a:p>
@@ -1638,6 +1490,14 @@
           </a:bodyPr>
           <a:lstStyle/>
           <a:p>
+            <a:r>
+              <a:rPr lang="it-IT" dirty="0" smtClean="0"/>
+              <a:t>Nota : Possibili</a:t>
+            </a:r>
+            <a:r>
+              <a:rPr lang="it-IT" baseline="0" dirty="0" smtClean="0"/>
+              <a:t> cenni su operazioni.</a:t>
+            </a:r>
             <a:endParaRPr lang="it-IT" dirty="0"/>
           </a:p>
         </p:txBody>
@@ -1660,20 +1520,163 @@
             <a:fld id="{D70604CA-7593-4640-8FA1-5523937B8510}" type="slidenum">
               <a:rPr lang="it-IT" smtClean="0"/>
               <a:pPr/>
-              <a:t>40</a:t>
+              <a:t>38</a:t>
             </a:fld>
             <a:endParaRPr lang="it-IT"/>
           </a:p>
         </p:txBody>
       </p:sp>
-      <p:sp>
-        <p:nvSpPr>
-          <p:cNvPr id="5" name="Segnaposto piè di pagina 4"/>
+    </p:spTree>
+  </p:cSld>
+  <p:clrMapOvr>
+    <a:masterClrMapping/>
+  </p:clrMapOvr>
+</p:notes>
+</file>
+
+<file path=ppt/notesSlides/notesSlide18.xml><?xml version="1.0" encoding="utf-8"?>
+<p:notes xmlns:a="http://schemas.openxmlformats.org/drawingml/2006/main" xmlns:r="http://schemas.openxmlformats.org/officeDocument/2006/relationships" xmlns:p="http://schemas.openxmlformats.org/presentationml/2006/main">
+  <p:cSld>
+    <p:spTree>
+      <p:nvGrpSpPr>
+        <p:cNvPr id="1" name=""/>
+        <p:cNvGrpSpPr/>
+        <p:nvPr/>
+      </p:nvGrpSpPr>
+      <p:grpSpPr>
+        <a:xfrm>
+          <a:off x="0" y="0"/>
+          <a:ext cx="0" cy="0"/>
+          <a:chOff x="0" y="0"/>
+          <a:chExt cx="0" cy="0"/>
+        </a:xfrm>
+      </p:grpSpPr>
+      <p:sp>
+        <p:nvSpPr>
+          <p:cNvPr id="2" name="Segnaposto immagine diapositiva 1"/>
+          <p:cNvSpPr>
+            <a:spLocks noGrp="1" noRot="1" noChangeAspect="1"/>
+          </p:cNvSpPr>
+          <p:nvPr>
+            <p:ph type="sldImg"/>
+          </p:nvPr>
+        </p:nvSpPr>
+        <p:spPr/>
+      </p:sp>
+      <p:sp>
+        <p:nvSpPr>
+          <p:cNvPr id="3" name="Segnaposto note 2"/>
           <p:cNvSpPr>
             <a:spLocks noGrp="1"/>
           </p:cNvSpPr>
           <p:nvPr>
-            <p:ph type="ftr" sz="quarter" idx="11"/>
+            <p:ph type="body" idx="1"/>
+          </p:nvPr>
+        </p:nvSpPr>
+        <p:spPr/>
+        <p:txBody>
+          <a:bodyPr>
+            <a:normAutofit/>
+          </a:bodyPr>
+          <a:lstStyle/>
+          <a:p>
+            <a:pPr marL="514350" indent="-514350">
+              <a:buFont typeface="+mj-lt"/>
+              <a:buAutoNum type="arabicParenR"/>
+            </a:pPr>
+            <a:r>
+              <a:rPr lang="it-IT" sz="1200" b="1" dirty="0" err="1" smtClean="0"/>
+              <a:t>Presentation</a:t>
+            </a:r>
+            <a:r>
+              <a:rPr lang="it-IT" sz="1200" b="1" dirty="0" smtClean="0"/>
+              <a:t>: </a:t>
+            </a:r>
+            <a:r>
+              <a:rPr lang="it-IT" sz="1200" dirty="0" smtClean="0"/>
+              <a:t>raccoglie i sottosistemi adibiti alla gestione delle interfacce grafiche:</a:t>
+            </a:r>
+          </a:p>
+          <a:p>
+            <a:pPr marL="514350" indent="-514350">
+              <a:buFont typeface="+mj-lt"/>
+              <a:buAutoNum type="arabicParenR"/>
+            </a:pPr>
+            <a:r>
+              <a:rPr lang="it-IT" sz="1200" b="1" dirty="0" err="1" smtClean="0"/>
+              <a:t>Application</a:t>
+            </a:r>
+            <a:r>
+              <a:rPr lang="it-IT" sz="1200" dirty="0" smtClean="0"/>
+              <a:t>: si occupa della gestione della logica applicativa del sistema;</a:t>
+            </a:r>
+          </a:p>
+          <a:p>
+            <a:pPr marL="514350" indent="-514350"/>
+            <a:r>
+              <a:rPr lang="it-IT" sz="1200" b="1" dirty="0" smtClean="0"/>
+              <a:t>3)</a:t>
+            </a:r>
+            <a:r>
+              <a:rPr lang="it-IT" sz="1200" b="1" baseline="0" dirty="0" smtClean="0"/>
+              <a:t> </a:t>
+            </a:r>
+            <a:r>
+              <a:rPr lang="it-IT" sz="1200" b="1" dirty="0" err="1" smtClean="0"/>
+              <a:t>Beans</a:t>
+            </a:r>
+            <a:r>
+              <a:rPr lang="it-IT" sz="1200" dirty="0" smtClean="0"/>
+              <a:t>: si occupa della gestione e dello scambio dei dati tra i sistemi; </a:t>
+            </a:r>
+          </a:p>
+          <a:p>
+            <a:pPr marL="514350" indent="-514350"/>
+            <a:r>
+              <a:rPr lang="it-IT" sz="1200" b="1" dirty="0" smtClean="0"/>
+              <a:t>5)	</a:t>
+            </a:r>
+            <a:r>
+              <a:rPr lang="it-IT" sz="1200" b="1" dirty="0" err="1" smtClean="0"/>
+              <a:t>Storage</a:t>
+            </a:r>
+            <a:r>
+              <a:rPr lang="it-IT" sz="1200" dirty="0" smtClean="0"/>
+              <a:t>: sistema che gestisce ed immagazzina i dati persistenti:</a:t>
+            </a:r>
+          </a:p>
+          <a:p>
+            <a:pPr marL="514350" indent="-514350"/>
+            <a:r>
+              <a:rPr lang="it-IT" sz="1200" b="1" dirty="0" smtClean="0"/>
+              <a:t>6)	</a:t>
+            </a:r>
+            <a:r>
+              <a:rPr lang="it-IT" sz="1200" b="1" dirty="0" err="1" smtClean="0"/>
+              <a:t>Exception</a:t>
+            </a:r>
+            <a:r>
+              <a:rPr lang="it-IT" sz="1200" dirty="0" smtClean="0"/>
+              <a:t>: gestione delle eccezioni del sistema.</a:t>
+            </a:r>
+          </a:p>
+          <a:p>
+            <a:pPr marL="514350" indent="-514350">
+              <a:buFont typeface="+mj-lt"/>
+              <a:buNone/>
+            </a:pPr>
+            <a:endParaRPr lang="it-IT" sz="1200" b="1" dirty="0" smtClean="0"/>
+          </a:p>
+        </p:txBody>
+      </p:sp>
+      <p:sp>
+        <p:nvSpPr>
+          <p:cNvPr id="4" name="Segnaposto piè di pagina 3"/>
+          <p:cNvSpPr>
+            <a:spLocks noGrp="1"/>
+          </p:cNvSpPr>
+          <p:nvPr>
+            <p:ph type="ftr" sz="quarter" idx="10"/>
           </p:nvPr>
         </p:nvSpPr>
         <p:spPr/>
@@ -1681,6 +1684,219 @@
           <a:bodyPr/>
           <a:lstStyle/>
           <a:p>
+            <a:endParaRPr lang="it-IT"/>
+          </a:p>
+        </p:txBody>
+      </p:sp>
+      <p:sp>
+        <p:nvSpPr>
+          <p:cNvPr id="5" name="Segnaposto numero diapositiva 4"/>
+          <p:cNvSpPr>
+            <a:spLocks noGrp="1"/>
+          </p:cNvSpPr>
+          <p:nvPr>
+            <p:ph type="sldNum" sz="quarter" idx="11"/>
+          </p:nvPr>
+        </p:nvSpPr>
+        <p:spPr/>
+        <p:txBody>
+          <a:bodyPr/>
+          <a:lstStyle/>
+          <a:p>
+            <a:fld id="{D70604CA-7593-4640-8FA1-5523937B8510}" type="slidenum">
+              <a:rPr lang="it-IT" smtClean="0"/>
+              <a:pPr/>
+              <a:t>39</a:t>
+            </a:fld>
+            <a:endParaRPr lang="it-IT"/>
+          </a:p>
+        </p:txBody>
+      </p:sp>
+    </p:spTree>
+  </p:cSld>
+  <p:clrMapOvr>
+    <a:masterClrMapping/>
+  </p:clrMapOvr>
+</p:notes>
+</file>
+
+<file path=ppt/notesSlides/notesSlide19.xml><?xml version="1.0" encoding="utf-8"?>
+<p:notes xmlns:a="http://schemas.openxmlformats.org/drawingml/2006/main" xmlns:r="http://schemas.openxmlformats.org/officeDocument/2006/relationships" xmlns:p="http://schemas.openxmlformats.org/presentationml/2006/main">
+  <p:cSld>
+    <p:spTree>
+      <p:nvGrpSpPr>
+        <p:cNvPr id="1" name=""/>
+        <p:cNvGrpSpPr/>
+        <p:nvPr/>
+      </p:nvGrpSpPr>
+      <p:grpSpPr>
+        <a:xfrm>
+          <a:off x="0" y="0"/>
+          <a:ext cx="0" cy="0"/>
+          <a:chOff x="0" y="0"/>
+          <a:chExt cx="0" cy="0"/>
+        </a:xfrm>
+      </p:grpSpPr>
+      <p:sp>
+        <p:nvSpPr>
+          <p:cNvPr id="2" name="Segnaposto immagine diapositiva 1"/>
+          <p:cNvSpPr>
+            <a:spLocks noGrp="1" noRot="1" noChangeAspect="1"/>
+          </p:cNvSpPr>
+          <p:nvPr>
+            <p:ph type="sldImg"/>
+          </p:nvPr>
+        </p:nvSpPr>
+        <p:spPr/>
+      </p:sp>
+      <p:sp>
+        <p:nvSpPr>
+          <p:cNvPr id="3" name="Segnaposto note 2"/>
+          <p:cNvSpPr>
+            <a:spLocks noGrp="1"/>
+          </p:cNvSpPr>
+          <p:nvPr>
+            <p:ph type="body" idx="1"/>
+          </p:nvPr>
+        </p:nvSpPr>
+        <p:spPr/>
+        <p:txBody>
+          <a:bodyPr>
+            <a:normAutofit/>
+          </a:bodyPr>
+          <a:lstStyle/>
+          <a:p>
+            <a:pPr marL="514350" indent="-514350">
+              <a:buFont typeface="+mj-lt"/>
+              <a:buAutoNum type="arabicParenR"/>
+            </a:pPr>
+            <a:r>
+              <a:rPr lang="it-IT" sz="1200" b="1" dirty="0" err="1" smtClean="0"/>
+              <a:t>Presentation</a:t>
+            </a:r>
+            <a:r>
+              <a:rPr lang="it-IT" sz="1200" b="1" dirty="0" smtClean="0"/>
+              <a:t>: </a:t>
+            </a:r>
+            <a:r>
+              <a:rPr lang="it-IT" sz="1200" dirty="0" smtClean="0"/>
+              <a:t>raccoglie i sottosistemi adibiti alla gestione delle interfacce grafiche:</a:t>
+            </a:r>
+          </a:p>
+          <a:p>
+            <a:pPr marL="514350" indent="-514350">
+              <a:buFont typeface="+mj-lt"/>
+              <a:buAutoNum type="arabicParenR"/>
+            </a:pPr>
+            <a:r>
+              <a:rPr lang="it-IT" sz="1200" b="1" dirty="0" err="1" smtClean="0"/>
+              <a:t>Application</a:t>
+            </a:r>
+            <a:r>
+              <a:rPr lang="it-IT" sz="1200" dirty="0" smtClean="0"/>
+              <a:t>: si occupa della gestione della logica applicativa del sistema;</a:t>
+            </a:r>
+          </a:p>
+          <a:p>
+            <a:pPr marL="514350" indent="-514350"/>
+            <a:r>
+              <a:rPr lang="it-IT" sz="1200" b="1" dirty="0" smtClean="0"/>
+              <a:t>3)</a:t>
+            </a:r>
+            <a:r>
+              <a:rPr lang="it-IT" sz="1200" b="1" baseline="0" dirty="0" smtClean="0"/>
+              <a:t> </a:t>
+            </a:r>
+            <a:r>
+              <a:rPr lang="it-IT" sz="1200" b="1" dirty="0" err="1" smtClean="0"/>
+              <a:t>Beans</a:t>
+            </a:r>
+            <a:r>
+              <a:rPr lang="it-IT" sz="1200" dirty="0" smtClean="0"/>
+              <a:t>: si occupa della gestione e dello scambio dei dati tra i sistemi; </a:t>
+            </a:r>
+          </a:p>
+          <a:p>
+            <a:pPr marL="514350" indent="-514350"/>
+            <a:r>
+              <a:rPr lang="it-IT" sz="1200" b="1" dirty="0" smtClean="0"/>
+              <a:t>5)	</a:t>
+            </a:r>
+            <a:r>
+              <a:rPr lang="it-IT" sz="1200" b="1" dirty="0" err="1" smtClean="0"/>
+              <a:t>Storage</a:t>
+            </a:r>
+            <a:r>
+              <a:rPr lang="it-IT" sz="1200" dirty="0" smtClean="0"/>
+              <a:t>: sistema che gestisce ed immagazzina i dati persistenti:</a:t>
+            </a:r>
+          </a:p>
+          <a:p>
+            <a:pPr marL="514350" indent="-514350"/>
+            <a:r>
+              <a:rPr lang="it-IT" sz="1200" b="1" dirty="0" smtClean="0"/>
+              <a:t>6)	</a:t>
+            </a:r>
+            <a:r>
+              <a:rPr lang="it-IT" sz="1200" b="1" dirty="0" err="1" smtClean="0"/>
+              <a:t>Exception</a:t>
+            </a:r>
+            <a:r>
+              <a:rPr lang="it-IT" sz="1200" dirty="0" smtClean="0"/>
+              <a:t>: gestione delle eccezioni del sistema.</a:t>
+            </a:r>
+          </a:p>
+          <a:p>
+            <a:pPr marL="514350" indent="-514350">
+              <a:buFont typeface="+mj-lt"/>
+              <a:buNone/>
+            </a:pPr>
+            <a:endParaRPr lang="it-IT" sz="1200" b="1" dirty="0" smtClean="0"/>
+          </a:p>
+          <a:p>
+            <a:endParaRPr lang="it-IT" dirty="0"/>
+          </a:p>
+        </p:txBody>
+      </p:sp>
+      <p:sp>
+        <p:nvSpPr>
+          <p:cNvPr id="4" name="Segnaposto piè di pagina 3"/>
+          <p:cNvSpPr>
+            <a:spLocks noGrp="1"/>
+          </p:cNvSpPr>
+          <p:nvPr>
+            <p:ph type="ftr" sz="quarter" idx="10"/>
+          </p:nvPr>
+        </p:nvSpPr>
+        <p:spPr/>
+        <p:txBody>
+          <a:bodyPr/>
+          <a:lstStyle/>
+          <a:p>
+            <a:endParaRPr lang="it-IT"/>
+          </a:p>
+        </p:txBody>
+      </p:sp>
+      <p:sp>
+        <p:nvSpPr>
+          <p:cNvPr id="5" name="Segnaposto numero diapositiva 4"/>
+          <p:cNvSpPr>
+            <a:spLocks noGrp="1"/>
+          </p:cNvSpPr>
+          <p:nvPr>
+            <p:ph type="sldNum" sz="quarter" idx="11"/>
+          </p:nvPr>
+        </p:nvSpPr>
+        <p:spPr/>
+        <p:txBody>
+          <a:bodyPr/>
+          <a:lstStyle/>
+          <a:p>
+            <a:fld id="{D70604CA-7593-4640-8FA1-5523937B8510}" type="slidenum">
+              <a:rPr lang="it-IT" smtClean="0"/>
+              <a:pPr/>
+              <a:t>40</a:t>
+            </a:fld>
             <a:endParaRPr lang="it-IT"/>
           </a:p>
         </p:txBody>
@@ -1778,9 +1994,859 @@
     </p:spTree>
     <p:extLst>
       <p:ext uri="{BB962C8B-B14F-4D97-AF65-F5344CB8AC3E}">
-        <p14:creationId xmlns="" xmlns:p14="http://schemas.microsoft.com/office/powerpoint/2010/main" val="3122029082"/>
+        <p14:creationId xmlns:p14="http://schemas.microsoft.com/office/powerpoint/2010/main" xmlns="" val="3122029082"/>
       </p:ext>
     </p:extLst>
+  </p:cSld>
+  <p:clrMapOvr>
+    <a:masterClrMapping/>
+  </p:clrMapOvr>
+</p:notes>
+</file>
+
+<file path=ppt/notesSlides/notesSlide20.xml><?xml version="1.0" encoding="utf-8"?>
+<p:notes xmlns:a="http://schemas.openxmlformats.org/drawingml/2006/main" xmlns:r="http://schemas.openxmlformats.org/officeDocument/2006/relationships" xmlns:p="http://schemas.openxmlformats.org/presentationml/2006/main">
+  <p:cSld>
+    <p:spTree>
+      <p:nvGrpSpPr>
+        <p:cNvPr id="1" name=""/>
+        <p:cNvGrpSpPr/>
+        <p:nvPr/>
+      </p:nvGrpSpPr>
+      <p:grpSpPr>
+        <a:xfrm>
+          <a:off x="0" y="0"/>
+          <a:ext cx="0" cy="0"/>
+          <a:chOff x="0" y="0"/>
+          <a:chExt cx="0" cy="0"/>
+        </a:xfrm>
+      </p:grpSpPr>
+      <p:sp>
+        <p:nvSpPr>
+          <p:cNvPr id="2" name="Segnaposto immagine diapositiva 1"/>
+          <p:cNvSpPr>
+            <a:spLocks noGrp="1" noRot="1" noChangeAspect="1"/>
+          </p:cNvSpPr>
+          <p:nvPr>
+            <p:ph type="sldImg"/>
+          </p:nvPr>
+        </p:nvSpPr>
+        <p:spPr/>
+      </p:sp>
+      <p:sp>
+        <p:nvSpPr>
+          <p:cNvPr id="3" name="Segnaposto note 2"/>
+          <p:cNvSpPr>
+            <a:spLocks noGrp="1"/>
+          </p:cNvSpPr>
+          <p:nvPr>
+            <p:ph type="body" idx="1"/>
+          </p:nvPr>
+        </p:nvSpPr>
+        <p:spPr/>
+        <p:txBody>
+          <a:bodyPr>
+            <a:normAutofit/>
+          </a:bodyPr>
+          <a:lstStyle/>
+          <a:p>
+            <a:r>
+              <a:rPr lang="it-IT" dirty="0" err="1" smtClean="0"/>
+              <a:t>…anche</a:t>
+            </a:r>
+            <a:r>
+              <a:rPr lang="it-IT" dirty="0" smtClean="0"/>
+              <a:t> </a:t>
+            </a:r>
+            <a:r>
+              <a:rPr lang="it-IT" dirty="0" err="1" smtClean="0"/>
+              <a:t>Presentation</a:t>
+            </a:r>
+            <a:r>
+              <a:rPr lang="it-IT" dirty="0" smtClean="0"/>
+              <a:t> era diviso in 3 sottosistemi</a:t>
+            </a:r>
+            <a:endParaRPr lang="it-IT" dirty="0"/>
+          </a:p>
+        </p:txBody>
+      </p:sp>
+      <p:sp>
+        <p:nvSpPr>
+          <p:cNvPr id="4" name="Segnaposto numero diapositiva 3"/>
+          <p:cNvSpPr>
+            <a:spLocks noGrp="1"/>
+          </p:cNvSpPr>
+          <p:nvPr>
+            <p:ph type="sldNum" sz="quarter" idx="10"/>
+          </p:nvPr>
+        </p:nvSpPr>
+        <p:spPr/>
+        <p:txBody>
+          <a:bodyPr/>
+          <a:lstStyle/>
+          <a:p>
+            <a:fld id="{D70604CA-7593-4640-8FA1-5523937B8510}" type="slidenum">
+              <a:rPr lang="it-IT" smtClean="0"/>
+              <a:pPr/>
+              <a:t>41</a:t>
+            </a:fld>
+            <a:endParaRPr lang="it-IT"/>
+          </a:p>
+        </p:txBody>
+      </p:sp>
+    </p:spTree>
+  </p:cSld>
+  <p:clrMapOvr>
+    <a:masterClrMapping/>
+  </p:clrMapOvr>
+</p:notes>
+</file>
+
+<file path=ppt/notesSlides/notesSlide21.xml><?xml version="1.0" encoding="utf-8"?>
+<p:notes xmlns:a="http://schemas.openxmlformats.org/drawingml/2006/main" xmlns:r="http://schemas.openxmlformats.org/officeDocument/2006/relationships" xmlns:p="http://schemas.openxmlformats.org/presentationml/2006/main">
+  <p:cSld>
+    <p:spTree>
+      <p:nvGrpSpPr>
+        <p:cNvPr id="1" name=""/>
+        <p:cNvGrpSpPr/>
+        <p:nvPr/>
+      </p:nvGrpSpPr>
+      <p:grpSpPr>
+        <a:xfrm>
+          <a:off x="0" y="0"/>
+          <a:ext cx="0" cy="0"/>
+          <a:chOff x="0" y="0"/>
+          <a:chExt cx="0" cy="0"/>
+        </a:xfrm>
+      </p:grpSpPr>
+      <p:sp>
+        <p:nvSpPr>
+          <p:cNvPr id="2" name="Segnaposto immagine diapositiva 1"/>
+          <p:cNvSpPr>
+            <a:spLocks noGrp="1" noRot="1" noChangeAspect="1"/>
+          </p:cNvSpPr>
+          <p:nvPr>
+            <p:ph type="sldImg"/>
+          </p:nvPr>
+        </p:nvSpPr>
+        <p:spPr/>
+      </p:sp>
+      <p:sp>
+        <p:nvSpPr>
+          <p:cNvPr id="3" name="Segnaposto note 2"/>
+          <p:cNvSpPr>
+            <a:spLocks noGrp="1"/>
+          </p:cNvSpPr>
+          <p:nvPr>
+            <p:ph type="body" idx="1"/>
+          </p:nvPr>
+        </p:nvSpPr>
+        <p:spPr/>
+        <p:txBody>
+          <a:bodyPr>
+            <a:normAutofit/>
+          </a:bodyPr>
+          <a:lstStyle/>
+          <a:p>
+            <a:r>
+              <a:rPr lang="it-IT" dirty="0" smtClean="0"/>
+              <a:t>In </a:t>
+            </a:r>
+            <a:r>
+              <a:rPr lang="it-IT" dirty="0" err="1" smtClean="0"/>
+              <a:t>Presentation</a:t>
+            </a:r>
+            <a:r>
+              <a:rPr lang="it-IT" baseline="0" dirty="0" smtClean="0"/>
+              <a:t> </a:t>
+            </a:r>
+            <a:r>
+              <a:rPr lang="it-IT" baseline="0" smtClean="0"/>
+              <a:t>2 sottosistemi</a:t>
+            </a:r>
+            <a:endParaRPr lang="it-IT" dirty="0"/>
+          </a:p>
+        </p:txBody>
+      </p:sp>
+      <p:sp>
+        <p:nvSpPr>
+          <p:cNvPr id="4" name="Segnaposto numero diapositiva 3"/>
+          <p:cNvSpPr>
+            <a:spLocks noGrp="1"/>
+          </p:cNvSpPr>
+          <p:nvPr>
+            <p:ph type="sldNum" sz="quarter" idx="10"/>
+          </p:nvPr>
+        </p:nvSpPr>
+        <p:spPr/>
+        <p:txBody>
+          <a:bodyPr/>
+          <a:lstStyle/>
+          <a:p>
+            <a:fld id="{D70604CA-7593-4640-8FA1-5523937B8510}" type="slidenum">
+              <a:rPr lang="it-IT" smtClean="0"/>
+              <a:pPr/>
+              <a:t>44</a:t>
+            </a:fld>
+            <a:endParaRPr lang="it-IT"/>
+          </a:p>
+        </p:txBody>
+      </p:sp>
+      <p:sp>
+        <p:nvSpPr>
+          <p:cNvPr id="5" name="Segnaposto piè di pagina 4"/>
+          <p:cNvSpPr>
+            <a:spLocks noGrp="1"/>
+          </p:cNvSpPr>
+          <p:nvPr>
+            <p:ph type="ftr" sz="quarter" idx="11"/>
+          </p:nvPr>
+        </p:nvSpPr>
+        <p:spPr/>
+        <p:txBody>
+          <a:bodyPr/>
+          <a:lstStyle/>
+          <a:p>
+            <a:endParaRPr lang="it-IT"/>
+          </a:p>
+        </p:txBody>
+      </p:sp>
+    </p:spTree>
+  </p:cSld>
+  <p:clrMapOvr>
+    <a:masterClrMapping/>
+  </p:clrMapOvr>
+</p:notes>
+</file>
+
+<file path=ppt/notesSlides/notesSlide22.xml><?xml version="1.0" encoding="utf-8"?>
+<p:notes xmlns:a="http://schemas.openxmlformats.org/drawingml/2006/main" xmlns:r="http://schemas.openxmlformats.org/officeDocument/2006/relationships" xmlns:p="http://schemas.openxmlformats.org/presentationml/2006/main">
+  <p:cSld>
+    <p:spTree>
+      <p:nvGrpSpPr>
+        <p:cNvPr id="1" name=""/>
+        <p:cNvGrpSpPr/>
+        <p:nvPr/>
+      </p:nvGrpSpPr>
+      <p:grpSpPr>
+        <a:xfrm>
+          <a:off x="0" y="0"/>
+          <a:ext cx="0" cy="0"/>
+          <a:chOff x="0" y="0"/>
+          <a:chExt cx="0" cy="0"/>
+        </a:xfrm>
+      </p:grpSpPr>
+      <p:sp>
+        <p:nvSpPr>
+          <p:cNvPr id="2" name="Segnaposto immagine diapositiva 1"/>
+          <p:cNvSpPr>
+            <a:spLocks noGrp="1" noRot="1" noChangeAspect="1"/>
+          </p:cNvSpPr>
+          <p:nvPr>
+            <p:ph type="sldImg"/>
+          </p:nvPr>
+        </p:nvSpPr>
+        <p:spPr/>
+      </p:sp>
+      <p:sp>
+        <p:nvSpPr>
+          <p:cNvPr id="3" name="Segnaposto note 2"/>
+          <p:cNvSpPr>
+            <a:spLocks noGrp="1"/>
+          </p:cNvSpPr>
+          <p:nvPr>
+            <p:ph type="body" idx="1"/>
+          </p:nvPr>
+        </p:nvSpPr>
+        <p:spPr/>
+        <p:txBody>
+          <a:bodyPr>
+            <a:normAutofit/>
+          </a:bodyPr>
+          <a:lstStyle/>
+          <a:p>
+            <a:endParaRPr lang="it-IT" dirty="0"/>
+          </a:p>
+        </p:txBody>
+      </p:sp>
+      <p:sp>
+        <p:nvSpPr>
+          <p:cNvPr id="4" name="Segnaposto numero diapositiva 3"/>
+          <p:cNvSpPr>
+            <a:spLocks noGrp="1"/>
+          </p:cNvSpPr>
+          <p:nvPr>
+            <p:ph type="sldNum" sz="quarter" idx="10"/>
+          </p:nvPr>
+        </p:nvSpPr>
+        <p:spPr/>
+        <p:txBody>
+          <a:bodyPr/>
+          <a:lstStyle/>
+          <a:p>
+            <a:fld id="{D70604CA-7593-4640-8FA1-5523937B8510}" type="slidenum">
+              <a:rPr lang="it-IT" smtClean="0"/>
+              <a:pPr/>
+              <a:t>46</a:t>
+            </a:fld>
+            <a:endParaRPr lang="it-IT"/>
+          </a:p>
+        </p:txBody>
+      </p:sp>
+    </p:spTree>
+  </p:cSld>
+  <p:clrMapOvr>
+    <a:masterClrMapping/>
+  </p:clrMapOvr>
+</p:notes>
+</file>
+
+<file path=ppt/notesSlides/notesSlide23.xml><?xml version="1.0" encoding="utf-8"?>
+<p:notes xmlns:a="http://schemas.openxmlformats.org/drawingml/2006/main" xmlns:r="http://schemas.openxmlformats.org/officeDocument/2006/relationships" xmlns:p="http://schemas.openxmlformats.org/presentationml/2006/main">
+  <p:cSld>
+    <p:spTree>
+      <p:nvGrpSpPr>
+        <p:cNvPr id="1" name=""/>
+        <p:cNvGrpSpPr/>
+        <p:nvPr/>
+      </p:nvGrpSpPr>
+      <p:grpSpPr>
+        <a:xfrm>
+          <a:off x="0" y="0"/>
+          <a:ext cx="0" cy="0"/>
+          <a:chOff x="0" y="0"/>
+          <a:chExt cx="0" cy="0"/>
+        </a:xfrm>
+      </p:grpSpPr>
+      <p:sp>
+        <p:nvSpPr>
+          <p:cNvPr id="2" name="Segnaposto immagine diapositiva 1"/>
+          <p:cNvSpPr>
+            <a:spLocks noGrp="1" noRot="1" noChangeAspect="1"/>
+          </p:cNvSpPr>
+          <p:nvPr>
+            <p:ph type="sldImg"/>
+          </p:nvPr>
+        </p:nvSpPr>
+        <p:spPr/>
+      </p:sp>
+      <p:sp>
+        <p:nvSpPr>
+          <p:cNvPr id="3" name="Segnaposto note 2"/>
+          <p:cNvSpPr>
+            <a:spLocks noGrp="1"/>
+          </p:cNvSpPr>
+          <p:nvPr>
+            <p:ph type="body" idx="1"/>
+          </p:nvPr>
+        </p:nvSpPr>
+        <p:spPr/>
+        <p:txBody>
+          <a:bodyPr>
+            <a:normAutofit/>
+          </a:bodyPr>
+          <a:lstStyle/>
+          <a:p>
+            <a:endParaRPr lang="it-IT" dirty="0"/>
+          </a:p>
+        </p:txBody>
+      </p:sp>
+      <p:sp>
+        <p:nvSpPr>
+          <p:cNvPr id="4" name="Segnaposto numero diapositiva 3"/>
+          <p:cNvSpPr>
+            <a:spLocks noGrp="1"/>
+          </p:cNvSpPr>
+          <p:nvPr>
+            <p:ph type="sldNum" sz="quarter" idx="10"/>
+          </p:nvPr>
+        </p:nvSpPr>
+        <p:spPr/>
+        <p:txBody>
+          <a:bodyPr/>
+          <a:lstStyle/>
+          <a:p>
+            <a:fld id="{D70604CA-7593-4640-8FA1-5523937B8510}" type="slidenum">
+              <a:rPr lang="it-IT" smtClean="0"/>
+              <a:pPr/>
+              <a:t>47</a:t>
+            </a:fld>
+            <a:endParaRPr lang="it-IT"/>
+          </a:p>
+        </p:txBody>
+      </p:sp>
+    </p:spTree>
+  </p:cSld>
+  <p:clrMapOvr>
+    <a:masterClrMapping/>
+  </p:clrMapOvr>
+</p:notes>
+</file>
+
+<file path=ppt/notesSlides/notesSlide24.xml><?xml version="1.0" encoding="utf-8"?>
+<p:notes xmlns:a="http://schemas.openxmlformats.org/drawingml/2006/main" xmlns:r="http://schemas.openxmlformats.org/officeDocument/2006/relationships" xmlns:p="http://schemas.openxmlformats.org/presentationml/2006/main">
+  <p:cSld>
+    <p:spTree>
+      <p:nvGrpSpPr>
+        <p:cNvPr id="1" name=""/>
+        <p:cNvGrpSpPr/>
+        <p:nvPr/>
+      </p:nvGrpSpPr>
+      <p:grpSpPr>
+        <a:xfrm>
+          <a:off x="0" y="0"/>
+          <a:ext cx="0" cy="0"/>
+          <a:chOff x="0" y="0"/>
+          <a:chExt cx="0" cy="0"/>
+        </a:xfrm>
+      </p:grpSpPr>
+      <p:sp>
+        <p:nvSpPr>
+          <p:cNvPr id="2" name="Segnaposto immagine diapositiva 1"/>
+          <p:cNvSpPr>
+            <a:spLocks noGrp="1" noRot="1" noChangeAspect="1"/>
+          </p:cNvSpPr>
+          <p:nvPr>
+            <p:ph type="sldImg"/>
+          </p:nvPr>
+        </p:nvSpPr>
+        <p:spPr/>
+      </p:sp>
+      <p:sp>
+        <p:nvSpPr>
+          <p:cNvPr id="3" name="Segnaposto note 2"/>
+          <p:cNvSpPr>
+            <a:spLocks noGrp="1"/>
+          </p:cNvSpPr>
+          <p:nvPr>
+            <p:ph type="body" idx="1"/>
+          </p:nvPr>
+        </p:nvSpPr>
+        <p:spPr/>
+        <p:txBody>
+          <a:bodyPr>
+            <a:normAutofit/>
+          </a:bodyPr>
+          <a:lstStyle/>
+          <a:p>
+            <a:r>
+              <a:rPr lang="it-IT" dirty="0" smtClean="0"/>
+              <a:t>Le scritte sotto devono</a:t>
+            </a:r>
+            <a:r>
+              <a:rPr lang="it-IT" baseline="0" dirty="0" smtClean="0"/>
+              <a:t> entrare dopo una alla volta.</a:t>
+            </a:r>
+            <a:endParaRPr lang="it-IT" dirty="0"/>
+          </a:p>
+        </p:txBody>
+      </p:sp>
+      <p:sp>
+        <p:nvSpPr>
+          <p:cNvPr id="4" name="Segnaposto numero diapositiva 3"/>
+          <p:cNvSpPr>
+            <a:spLocks noGrp="1"/>
+          </p:cNvSpPr>
+          <p:nvPr>
+            <p:ph type="sldNum" sz="quarter" idx="10"/>
+          </p:nvPr>
+        </p:nvSpPr>
+        <p:spPr/>
+        <p:txBody>
+          <a:bodyPr/>
+          <a:lstStyle/>
+          <a:p>
+            <a:fld id="{D70604CA-7593-4640-8FA1-5523937B8510}" type="slidenum">
+              <a:rPr lang="it-IT" smtClean="0"/>
+              <a:pPr/>
+              <a:t>48</a:t>
+            </a:fld>
+            <a:endParaRPr lang="it-IT"/>
+          </a:p>
+        </p:txBody>
+      </p:sp>
+    </p:spTree>
+  </p:cSld>
+  <p:clrMapOvr>
+    <a:masterClrMapping/>
+  </p:clrMapOvr>
+</p:notes>
+</file>
+
+<file path=ppt/notesSlides/notesSlide25.xml><?xml version="1.0" encoding="utf-8"?>
+<p:notes xmlns:a="http://schemas.openxmlformats.org/drawingml/2006/main" xmlns:r="http://schemas.openxmlformats.org/officeDocument/2006/relationships" xmlns:p="http://schemas.openxmlformats.org/presentationml/2006/main">
+  <p:cSld>
+    <p:spTree>
+      <p:nvGrpSpPr>
+        <p:cNvPr id="1" name=""/>
+        <p:cNvGrpSpPr/>
+        <p:nvPr/>
+      </p:nvGrpSpPr>
+      <p:grpSpPr>
+        <a:xfrm>
+          <a:off x="0" y="0"/>
+          <a:ext cx="0" cy="0"/>
+          <a:chOff x="0" y="0"/>
+          <a:chExt cx="0" cy="0"/>
+        </a:xfrm>
+      </p:grpSpPr>
+      <p:sp>
+        <p:nvSpPr>
+          <p:cNvPr id="2" name="Segnaposto immagine diapositiva 1"/>
+          <p:cNvSpPr>
+            <a:spLocks noGrp="1" noRot="1" noChangeAspect="1"/>
+          </p:cNvSpPr>
+          <p:nvPr>
+            <p:ph type="sldImg"/>
+          </p:nvPr>
+        </p:nvSpPr>
+        <p:spPr/>
+      </p:sp>
+      <p:sp>
+        <p:nvSpPr>
+          <p:cNvPr id="3" name="Segnaposto note 2"/>
+          <p:cNvSpPr>
+            <a:spLocks noGrp="1"/>
+          </p:cNvSpPr>
+          <p:nvPr>
+            <p:ph type="body" idx="1"/>
+          </p:nvPr>
+        </p:nvSpPr>
+        <p:spPr/>
+        <p:txBody>
+          <a:bodyPr>
+            <a:normAutofit/>
+          </a:bodyPr>
+          <a:lstStyle/>
+          <a:p>
+            <a:r>
+              <a:rPr lang="it-IT" dirty="0" smtClean="0"/>
+              <a:t>Affidabilità :</a:t>
+            </a:r>
+            <a:r>
+              <a:rPr lang="it-IT" baseline="0" dirty="0" smtClean="0"/>
+              <a:t> Non vengono rilevati comportamenti anomali. Non è possibile modificare eventi per i quali non abbiamo i permessi</a:t>
+            </a:r>
+          </a:p>
+          <a:p>
+            <a:r>
+              <a:rPr lang="it-IT" baseline="0" dirty="0" smtClean="0"/>
+              <a:t>Errori : In questo modo è difficile da introdurre errori e vengono anche controllati gli allegati.</a:t>
+            </a:r>
+            <a:endParaRPr lang="it-IT" dirty="0"/>
+          </a:p>
+        </p:txBody>
+      </p:sp>
+      <p:sp>
+        <p:nvSpPr>
+          <p:cNvPr id="4" name="Segnaposto numero diapositiva 3"/>
+          <p:cNvSpPr>
+            <a:spLocks noGrp="1"/>
+          </p:cNvSpPr>
+          <p:nvPr>
+            <p:ph type="sldNum" sz="quarter" idx="10"/>
+          </p:nvPr>
+        </p:nvSpPr>
+        <p:spPr/>
+        <p:txBody>
+          <a:bodyPr/>
+          <a:lstStyle/>
+          <a:p>
+            <a:fld id="{D70604CA-7593-4640-8FA1-5523937B8510}" type="slidenum">
+              <a:rPr lang="it-IT" smtClean="0"/>
+              <a:pPr/>
+              <a:t>49</a:t>
+            </a:fld>
+            <a:endParaRPr lang="it-IT"/>
+          </a:p>
+        </p:txBody>
+      </p:sp>
+    </p:spTree>
+  </p:cSld>
+  <p:clrMapOvr>
+    <a:masterClrMapping/>
+  </p:clrMapOvr>
+</p:notes>
+</file>
+
+<file path=ppt/notesSlides/notesSlide26.xml><?xml version="1.0" encoding="utf-8"?>
+<p:notes xmlns:a="http://schemas.openxmlformats.org/drawingml/2006/main" xmlns:r="http://schemas.openxmlformats.org/officeDocument/2006/relationships" xmlns:p="http://schemas.openxmlformats.org/presentationml/2006/main">
+  <p:cSld>
+    <p:spTree>
+      <p:nvGrpSpPr>
+        <p:cNvPr id="1" name=""/>
+        <p:cNvGrpSpPr/>
+        <p:nvPr/>
+      </p:nvGrpSpPr>
+      <p:grpSpPr>
+        <a:xfrm>
+          <a:off x="0" y="0"/>
+          <a:ext cx="0" cy="0"/>
+          <a:chOff x="0" y="0"/>
+          <a:chExt cx="0" cy="0"/>
+        </a:xfrm>
+      </p:grpSpPr>
+      <p:sp>
+        <p:nvSpPr>
+          <p:cNvPr id="2" name="Segnaposto immagine diapositiva 1"/>
+          <p:cNvSpPr>
+            <a:spLocks noGrp="1" noRot="1" noChangeAspect="1"/>
+          </p:cNvSpPr>
+          <p:nvPr>
+            <p:ph type="sldImg"/>
+          </p:nvPr>
+        </p:nvSpPr>
+        <p:spPr/>
+      </p:sp>
+      <p:sp>
+        <p:nvSpPr>
+          <p:cNvPr id="3" name="Segnaposto note 2"/>
+          <p:cNvSpPr>
+            <a:spLocks noGrp="1"/>
+          </p:cNvSpPr>
+          <p:nvPr>
+            <p:ph type="body" idx="1"/>
+          </p:nvPr>
+        </p:nvSpPr>
+        <p:spPr/>
+        <p:txBody>
+          <a:bodyPr>
+            <a:normAutofit/>
+          </a:bodyPr>
+          <a:lstStyle/>
+          <a:p>
+            <a:endParaRPr lang="it-IT" dirty="0"/>
+          </a:p>
+        </p:txBody>
+      </p:sp>
+      <p:sp>
+        <p:nvSpPr>
+          <p:cNvPr id="4" name="Segnaposto numero diapositiva 3"/>
+          <p:cNvSpPr>
+            <a:spLocks noGrp="1"/>
+          </p:cNvSpPr>
+          <p:nvPr>
+            <p:ph type="sldNum" sz="quarter" idx="10"/>
+          </p:nvPr>
+        </p:nvSpPr>
+        <p:spPr/>
+        <p:txBody>
+          <a:bodyPr/>
+          <a:lstStyle/>
+          <a:p>
+            <a:fld id="{D70604CA-7593-4640-8FA1-5523937B8510}" type="slidenum">
+              <a:rPr lang="it-IT" smtClean="0"/>
+              <a:pPr/>
+              <a:t>50</a:t>
+            </a:fld>
+            <a:endParaRPr lang="it-IT"/>
+          </a:p>
+        </p:txBody>
+      </p:sp>
+    </p:spTree>
+  </p:cSld>
+  <p:clrMapOvr>
+    <a:masterClrMapping/>
+  </p:clrMapOvr>
+</p:notes>
+</file>
+
+<file path=ppt/notesSlides/notesSlide27.xml><?xml version="1.0" encoding="utf-8"?>
+<p:notes xmlns:a="http://schemas.openxmlformats.org/drawingml/2006/main" xmlns:r="http://schemas.openxmlformats.org/officeDocument/2006/relationships" xmlns:p="http://schemas.openxmlformats.org/presentationml/2006/main">
+  <p:cSld>
+    <p:spTree>
+      <p:nvGrpSpPr>
+        <p:cNvPr id="1" name=""/>
+        <p:cNvGrpSpPr/>
+        <p:nvPr/>
+      </p:nvGrpSpPr>
+      <p:grpSpPr>
+        <a:xfrm>
+          <a:off x="0" y="0"/>
+          <a:ext cx="0" cy="0"/>
+          <a:chOff x="0" y="0"/>
+          <a:chExt cx="0" cy="0"/>
+        </a:xfrm>
+      </p:grpSpPr>
+      <p:sp>
+        <p:nvSpPr>
+          <p:cNvPr id="2" name="Segnaposto immagine diapositiva 1"/>
+          <p:cNvSpPr>
+            <a:spLocks noGrp="1" noRot="1" noChangeAspect="1"/>
+          </p:cNvSpPr>
+          <p:nvPr>
+            <p:ph type="sldImg"/>
+          </p:nvPr>
+        </p:nvSpPr>
+        <p:spPr/>
+      </p:sp>
+      <p:sp>
+        <p:nvSpPr>
+          <p:cNvPr id="3" name="Segnaposto note 2"/>
+          <p:cNvSpPr>
+            <a:spLocks noGrp="1"/>
+          </p:cNvSpPr>
+          <p:nvPr>
+            <p:ph type="body" idx="1"/>
+          </p:nvPr>
+        </p:nvSpPr>
+        <p:spPr/>
+        <p:txBody>
+          <a:bodyPr>
+            <a:normAutofit/>
+          </a:bodyPr>
+          <a:lstStyle/>
+          <a:p>
+            <a:endParaRPr lang="it-IT" dirty="0"/>
+          </a:p>
+        </p:txBody>
+      </p:sp>
+      <p:sp>
+        <p:nvSpPr>
+          <p:cNvPr id="4" name="Segnaposto numero diapositiva 3"/>
+          <p:cNvSpPr>
+            <a:spLocks noGrp="1"/>
+          </p:cNvSpPr>
+          <p:nvPr>
+            <p:ph type="sldNum" sz="quarter" idx="10"/>
+          </p:nvPr>
+        </p:nvSpPr>
+        <p:spPr/>
+        <p:txBody>
+          <a:bodyPr/>
+          <a:lstStyle/>
+          <a:p>
+            <a:fld id="{D70604CA-7593-4640-8FA1-5523937B8510}" type="slidenum">
+              <a:rPr lang="it-IT" smtClean="0"/>
+              <a:pPr/>
+              <a:t>51</a:t>
+            </a:fld>
+            <a:endParaRPr lang="it-IT"/>
+          </a:p>
+        </p:txBody>
+      </p:sp>
+    </p:spTree>
+  </p:cSld>
+  <p:clrMapOvr>
+    <a:masterClrMapping/>
+  </p:clrMapOvr>
+</p:notes>
+</file>
+
+<file path=ppt/notesSlides/notesSlide28.xml><?xml version="1.0" encoding="utf-8"?>
+<p:notes xmlns:a="http://schemas.openxmlformats.org/drawingml/2006/main" xmlns:r="http://schemas.openxmlformats.org/officeDocument/2006/relationships" xmlns:p="http://schemas.openxmlformats.org/presentationml/2006/main">
+  <p:cSld>
+    <p:spTree>
+      <p:nvGrpSpPr>
+        <p:cNvPr id="1" name=""/>
+        <p:cNvGrpSpPr/>
+        <p:nvPr/>
+      </p:nvGrpSpPr>
+      <p:grpSpPr>
+        <a:xfrm>
+          <a:off x="0" y="0"/>
+          <a:ext cx="0" cy="0"/>
+          <a:chOff x="0" y="0"/>
+          <a:chExt cx="0" cy="0"/>
+        </a:xfrm>
+      </p:grpSpPr>
+      <p:sp>
+        <p:nvSpPr>
+          <p:cNvPr id="2" name="Segnaposto immagine diapositiva 1"/>
+          <p:cNvSpPr>
+            <a:spLocks noGrp="1" noRot="1" noChangeAspect="1"/>
+          </p:cNvSpPr>
+          <p:nvPr>
+            <p:ph type="sldImg"/>
+          </p:nvPr>
+        </p:nvSpPr>
+        <p:spPr/>
+      </p:sp>
+      <p:sp>
+        <p:nvSpPr>
+          <p:cNvPr id="3" name="Segnaposto note 2"/>
+          <p:cNvSpPr>
+            <a:spLocks noGrp="1"/>
+          </p:cNvSpPr>
+          <p:nvPr>
+            <p:ph type="body" idx="1"/>
+          </p:nvPr>
+        </p:nvSpPr>
+        <p:spPr/>
+        <p:txBody>
+          <a:bodyPr>
+            <a:normAutofit/>
+          </a:bodyPr>
+          <a:lstStyle/>
+          <a:p>
+            <a:r>
+              <a:rPr lang="it-IT" baseline="0" dirty="0" smtClean="0"/>
+              <a:t>Nota numero 1: il singleton pattern viene utilizzato per evitare di creare un’istanza di </a:t>
+            </a:r>
+            <a:r>
+              <a:rPr lang="it-IT" baseline="0" dirty="0" err="1" smtClean="0"/>
+              <a:t>control</a:t>
+            </a:r>
+            <a:r>
+              <a:rPr lang="it-IT" baseline="0" dirty="0" smtClean="0"/>
+              <a:t> a ogni richiesta, poiché questo introdurrebbe un ritardo, e incrementerebbe l’utilizzo di memoria RAM.</a:t>
+            </a:r>
+            <a:endParaRPr lang="it-IT" dirty="0" smtClean="0"/>
+          </a:p>
+          <a:p>
+            <a:r>
+              <a:rPr lang="it-IT" dirty="0" smtClean="0"/>
+              <a:t>Nota numero 2:</a:t>
+            </a:r>
+            <a:r>
+              <a:rPr lang="it-IT" baseline="0" dirty="0" smtClean="0"/>
+              <a:t> Non abbiamo variabili d’istanza per i </a:t>
+            </a:r>
+            <a:r>
+              <a:rPr lang="it-IT" baseline="0" dirty="0" err="1" smtClean="0"/>
+              <a:t>control</a:t>
+            </a:r>
+            <a:r>
+              <a:rPr lang="it-IT" baseline="0" dirty="0" smtClean="0"/>
+              <a:t>, poiché queste sarebbero accedute in concorrenza da più </a:t>
+            </a:r>
+            <a:r>
+              <a:rPr lang="it-IT" baseline="0" dirty="0" err="1" smtClean="0"/>
+              <a:t>thread</a:t>
+            </a:r>
+            <a:r>
+              <a:rPr lang="it-IT" baseline="0" dirty="0" smtClean="0"/>
+              <a:t>, e quindi si avrebbero problemi di concorrenza.</a:t>
+            </a:r>
+            <a:endParaRPr lang="it-IT" dirty="0"/>
+          </a:p>
+        </p:txBody>
+      </p:sp>
+      <p:sp>
+        <p:nvSpPr>
+          <p:cNvPr id="4" name="Segnaposto numero diapositiva 3"/>
+          <p:cNvSpPr>
+            <a:spLocks noGrp="1"/>
+          </p:cNvSpPr>
+          <p:nvPr>
+            <p:ph type="sldNum" sz="quarter" idx="10"/>
+          </p:nvPr>
+        </p:nvSpPr>
+        <p:spPr/>
+        <p:txBody>
+          <a:bodyPr/>
+          <a:lstStyle/>
+          <a:p>
+            <a:fld id="{D70604CA-7593-4640-8FA1-5523937B8510}" type="slidenum">
+              <a:rPr lang="it-IT" smtClean="0"/>
+              <a:pPr/>
+              <a:t>52</a:t>
+            </a:fld>
+            <a:endParaRPr lang="it-IT"/>
+          </a:p>
+        </p:txBody>
+      </p:sp>
+    </p:spTree>
   </p:cSld>
   <p:clrMapOvr>
     <a:masterClrMapping/>
@@ -1863,7 +2929,7 @@
     </p:spTree>
     <p:extLst>
       <p:ext uri="{BB962C8B-B14F-4D97-AF65-F5344CB8AC3E}">
-        <p14:creationId xmlns="" xmlns:p14="http://schemas.microsoft.com/office/powerpoint/2010/main" val="1632684865"/>
+        <p14:creationId xmlns:p14="http://schemas.microsoft.com/office/powerpoint/2010/main" xmlns="" val="1632684865"/>
       </p:ext>
     </p:extLst>
   </p:cSld>
@@ -1948,7 +3014,7 @@
     </p:spTree>
     <p:extLst>
       <p:ext uri="{BB962C8B-B14F-4D97-AF65-F5344CB8AC3E}">
-        <p14:creationId xmlns="" xmlns:p14="http://schemas.microsoft.com/office/powerpoint/2010/main" val="1093366611"/>
+        <p14:creationId xmlns:p14="http://schemas.microsoft.com/office/powerpoint/2010/main" xmlns="" val="1093366611"/>
       </p:ext>
     </p:extLst>
   </p:cSld>
@@ -2047,7 +3113,7 @@
     </p:spTree>
     <p:extLst>
       <p:ext uri="{BB962C8B-B14F-4D97-AF65-F5344CB8AC3E}">
-        <p14:creationId xmlns="" xmlns:p14="http://schemas.microsoft.com/office/powerpoint/2010/main" val="968677491"/>
+        <p14:creationId xmlns:p14="http://schemas.microsoft.com/office/powerpoint/2010/main" xmlns="" val="968677491"/>
       </p:ext>
     </p:extLst>
   </p:cSld>
@@ -2140,7 +3206,7 @@
     </p:spTree>
     <p:extLst>
       <p:ext uri="{BB962C8B-B14F-4D97-AF65-F5344CB8AC3E}">
-        <p14:creationId xmlns="" xmlns:p14="http://schemas.microsoft.com/office/powerpoint/2010/main" val="1685022444"/>
+        <p14:creationId xmlns:p14="http://schemas.microsoft.com/office/powerpoint/2010/main" xmlns="" val="1685022444"/>
       </p:ext>
     </p:extLst>
   </p:cSld>
@@ -2237,7 +3303,7 @@
     </p:spTree>
     <p:extLst>
       <p:ext uri="{BB962C8B-B14F-4D97-AF65-F5344CB8AC3E}">
-        <p14:creationId xmlns="" xmlns:p14="http://schemas.microsoft.com/office/powerpoint/2010/main" val="1685022444"/>
+        <p14:creationId xmlns:p14="http://schemas.microsoft.com/office/powerpoint/2010/main" xmlns="" val="1685022444"/>
       </p:ext>
     </p:extLst>
   </p:cSld>
@@ -2322,7 +3388,7 @@
     </p:spTree>
     <p:extLst>
       <p:ext uri="{BB962C8B-B14F-4D97-AF65-F5344CB8AC3E}">
-        <p14:creationId xmlns="" xmlns:p14="http://schemas.microsoft.com/office/powerpoint/2010/main" val="3294237695"/>
+        <p14:creationId xmlns:p14="http://schemas.microsoft.com/office/powerpoint/2010/main" xmlns="" val="3294237695"/>
       </p:ext>
     </p:extLst>
   </p:cSld>
@@ -2407,7 +3473,7 @@
     </p:spTree>
     <p:extLst>
       <p:ext uri="{BB962C8B-B14F-4D97-AF65-F5344CB8AC3E}">
-        <p14:creationId xmlns="" xmlns:p14="http://schemas.microsoft.com/office/powerpoint/2010/main" val="328384907"/>
+        <p14:creationId xmlns:p14="http://schemas.microsoft.com/office/powerpoint/2010/main" xmlns="" val="328384907"/>
       </p:ext>
     </p:extLst>
   </p:cSld>
@@ -6342,7 +7408,7 @@
           <p:nvPr>
             <p:extLst>
               <p:ext uri="{D42A27DB-BD31-4B8C-83A1-F6EECF244321}">
-                <p14:modId xmlns="" xmlns:p14="http://schemas.microsoft.com/office/powerpoint/2010/main" val="3696521689"/>
+                <p14:modId xmlns:p14="http://schemas.microsoft.com/office/powerpoint/2010/main" xmlns="" val="3696521689"/>
               </p:ext>
             </p:extLst>
           </p:nvPr>
@@ -6432,7 +7498,7 @@
           <a:blip r:embed="rId2" cstate="print">
             <a:extLst>
               <a:ext uri="{28A0092B-C50C-407E-A947-70E740481C1C}">
-                <a14:useLocalDpi xmlns="" xmlns:a14="http://schemas.microsoft.com/office/drawing/2010/main" val="0"/>
+                <a14:useLocalDpi xmlns:a14="http://schemas.microsoft.com/office/drawing/2010/main" xmlns="" val="0"/>
               </a:ext>
             </a:extLst>
           </a:blip>
@@ -6452,7 +7518,7 @@
           <a:noFill/>
           <a:extLst>
             <a:ext uri="{909E8E84-426E-40DD-AFC4-6F175D3DCCD1}">
-              <a14:hiddenFill xmlns="" xmlns:a14="http://schemas.microsoft.com/office/drawing/2010/main">
+              <a14:hiddenFill xmlns:a14="http://schemas.microsoft.com/office/drawing/2010/main" xmlns="">
                 <a:solidFill>
                   <a:srgbClr val="FFFFFF"/>
                 </a:solidFill>
@@ -6470,7 +7536,7 @@
           <p:nvPr>
             <p:extLst>
               <p:ext uri="{D42A27DB-BD31-4B8C-83A1-F6EECF244321}">
-                <p14:modId xmlns="" xmlns:p14="http://schemas.microsoft.com/office/powerpoint/2010/main" val="3478576524"/>
+                <p14:modId xmlns:p14="http://schemas.microsoft.com/office/powerpoint/2010/main" xmlns="" val="3478576524"/>
               </p:ext>
             </p:extLst>
           </p:nvPr>
@@ -6681,7 +7747,7 @@
     </p:spTree>
     <p:extLst>
       <p:ext uri="{BB962C8B-B14F-4D97-AF65-F5344CB8AC3E}">
-        <p14:creationId xmlns="" xmlns:p14="http://schemas.microsoft.com/office/powerpoint/2010/main" val="4165334171"/>
+        <p14:creationId xmlns:p14="http://schemas.microsoft.com/office/powerpoint/2010/main" xmlns="" val="4165334171"/>
       </p:ext>
     </p:extLst>
   </p:cSld>
@@ -6771,7 +7837,7 @@
           <a:blip r:embed="rId3" cstate="print">
             <a:extLst>
               <a:ext uri="{28A0092B-C50C-407E-A947-70E740481C1C}">
-                <a14:useLocalDpi xmlns="" xmlns:a14="http://schemas.microsoft.com/office/drawing/2010/main" val="0"/>
+                <a14:useLocalDpi xmlns:a14="http://schemas.microsoft.com/office/drawing/2010/main" xmlns="" val="0"/>
               </a:ext>
             </a:extLst>
           </a:blip>
@@ -6791,7 +7857,7 @@
           <a:noFill/>
           <a:extLst>
             <a:ext uri="{909E8E84-426E-40DD-AFC4-6F175D3DCCD1}">
-              <a14:hiddenFill xmlns="" xmlns:a14="http://schemas.microsoft.com/office/drawing/2010/main">
+              <a14:hiddenFill xmlns:a14="http://schemas.microsoft.com/office/drawing/2010/main" xmlns="">
                 <a:solidFill>
                   <a:srgbClr val="FFFFFF"/>
                 </a:solidFill>
@@ -6803,7 +7869,7 @@
     </p:spTree>
     <p:extLst>
       <p:ext uri="{BB962C8B-B14F-4D97-AF65-F5344CB8AC3E}">
-        <p14:creationId xmlns="" xmlns:p14="http://schemas.microsoft.com/office/powerpoint/2010/main" val="1417486241"/>
+        <p14:creationId xmlns:p14="http://schemas.microsoft.com/office/powerpoint/2010/main" xmlns="" val="1417486241"/>
       </p:ext>
     </p:extLst>
   </p:cSld>
@@ -7136,7 +8202,7 @@
     </p:spTree>
     <p:extLst>
       <p:ext uri="{BB962C8B-B14F-4D97-AF65-F5344CB8AC3E}">
-        <p14:creationId xmlns="" xmlns:p14="http://schemas.microsoft.com/office/powerpoint/2010/main" val="952316739"/>
+        <p14:creationId xmlns:p14="http://schemas.microsoft.com/office/powerpoint/2010/main" xmlns="" val="952316739"/>
       </p:ext>
     </p:extLst>
   </p:cSld>
@@ -7144,7 +8210,7 @@
     <a:masterClrMapping/>
   </p:clrMapOvr>
   <mc:AlternateContent xmlns:mc="http://schemas.openxmlformats.org/markup-compatibility/2006">
-    <mc:Choice xmlns="" xmlns:p14="http://schemas.microsoft.com/office/powerpoint/2010/main" Requires="p14">
+    <mc:Choice xmlns:p14="http://schemas.microsoft.com/office/powerpoint/2010/main" xmlns="" Requires="p14">
       <p:transition spd="slow" p14:dur="2000"/>
     </mc:Choice>
     <mc:Fallback>
@@ -7234,7 +8300,7 @@
           <a:blip r:embed="rId3" cstate="print">
             <a:extLst>
               <a:ext uri="{28A0092B-C50C-407E-A947-70E740481C1C}">
-                <a14:useLocalDpi xmlns="" xmlns:a14="http://schemas.microsoft.com/office/drawing/2010/main" val="0"/>
+                <a14:useLocalDpi xmlns:a14="http://schemas.microsoft.com/office/drawing/2010/main" xmlns="" val="0"/>
               </a:ext>
             </a:extLst>
           </a:blip>
@@ -7254,7 +8320,7 @@
           <a:noFill/>
           <a:extLst>
             <a:ext uri="{909E8E84-426E-40DD-AFC4-6F175D3DCCD1}">
-              <a14:hiddenFill xmlns="" xmlns:a14="http://schemas.microsoft.com/office/drawing/2010/main">
+              <a14:hiddenFill xmlns:a14="http://schemas.microsoft.com/office/drawing/2010/main" xmlns="">
                 <a:solidFill>
                   <a:srgbClr val="FFFFFF"/>
                 </a:solidFill>
@@ -7358,7 +8424,7 @@
     </p:spTree>
     <p:extLst>
       <p:ext uri="{BB962C8B-B14F-4D97-AF65-F5344CB8AC3E}">
-        <p14:creationId xmlns="" xmlns:p14="http://schemas.microsoft.com/office/powerpoint/2010/main" val="1824602548"/>
+        <p14:creationId xmlns:p14="http://schemas.microsoft.com/office/powerpoint/2010/main" xmlns="" val="1824602548"/>
       </p:ext>
     </p:extLst>
   </p:cSld>
@@ -7581,7 +8647,7 @@
           <a:blip r:embed="rId3" cstate="print">
             <a:extLst>
               <a:ext uri="{28A0092B-C50C-407E-A947-70E740481C1C}">
-                <a14:useLocalDpi xmlns="" xmlns:a14="http://schemas.microsoft.com/office/drawing/2010/main" val="0"/>
+                <a14:useLocalDpi xmlns:a14="http://schemas.microsoft.com/office/drawing/2010/main" xmlns="" val="0"/>
               </a:ext>
             </a:extLst>
           </a:blip>
@@ -7601,7 +8667,7 @@
           <a:noFill/>
           <a:extLst>
             <a:ext uri="{909E8E84-426E-40DD-AFC4-6F175D3DCCD1}">
-              <a14:hiddenFill xmlns="" xmlns:a14="http://schemas.microsoft.com/office/drawing/2010/main">
+              <a14:hiddenFill xmlns:a14="http://schemas.microsoft.com/office/drawing/2010/main" xmlns="">
                 <a:solidFill>
                   <a:srgbClr val="FFFFFF"/>
                 </a:solidFill>
@@ -7659,7 +8725,7 @@
     </p:spTree>
     <p:extLst>
       <p:ext uri="{BB962C8B-B14F-4D97-AF65-F5344CB8AC3E}">
-        <p14:creationId xmlns="" xmlns:p14="http://schemas.microsoft.com/office/powerpoint/2010/main" val="4209306795"/>
+        <p14:creationId xmlns:p14="http://schemas.microsoft.com/office/powerpoint/2010/main" xmlns="" val="4209306795"/>
       </p:ext>
     </p:extLst>
   </p:cSld>
@@ -7828,7 +8894,7 @@
           <a:blip r:embed="rId3" cstate="print">
             <a:extLst>
               <a:ext uri="{28A0092B-C50C-407E-A947-70E740481C1C}">
-                <a14:useLocalDpi xmlns="" xmlns:a14="http://schemas.microsoft.com/office/drawing/2010/main" val="0"/>
+                <a14:useLocalDpi xmlns:a14="http://schemas.microsoft.com/office/drawing/2010/main" xmlns="" val="0"/>
               </a:ext>
             </a:extLst>
           </a:blip>
@@ -7848,7 +8914,7 @@
           <a:noFill/>
           <a:extLst>
             <a:ext uri="{909E8E84-426E-40DD-AFC4-6F175D3DCCD1}">
-              <a14:hiddenFill xmlns="" xmlns:a14="http://schemas.microsoft.com/office/drawing/2010/main">
+              <a14:hiddenFill xmlns:a14="http://schemas.microsoft.com/office/drawing/2010/main" xmlns="">
                 <a:solidFill>
                   <a:srgbClr val="FFFFFF"/>
                 </a:solidFill>
@@ -7860,7 +8926,7 @@
     </p:spTree>
     <p:extLst>
       <p:ext uri="{BB962C8B-B14F-4D97-AF65-F5344CB8AC3E}">
-        <p14:creationId xmlns="" xmlns:p14="http://schemas.microsoft.com/office/powerpoint/2010/main" val="3701313841"/>
+        <p14:creationId xmlns:p14="http://schemas.microsoft.com/office/powerpoint/2010/main" xmlns="" val="3701313841"/>
       </p:ext>
     </p:extLst>
   </p:cSld>
@@ -7953,7 +9019,7 @@
           <a:blip r:embed="rId3" cstate="print">
             <a:extLst>
               <a:ext uri="{28A0092B-C50C-407E-A947-70E740481C1C}">
-                <a14:useLocalDpi xmlns="" xmlns:a14="http://schemas.microsoft.com/office/drawing/2010/main" val="0"/>
+                <a14:useLocalDpi xmlns:a14="http://schemas.microsoft.com/office/drawing/2010/main" xmlns="" val="0"/>
               </a:ext>
             </a:extLst>
           </a:blip>
@@ -7973,7 +9039,7 @@
           <a:noFill/>
           <a:extLst>
             <a:ext uri="{909E8E84-426E-40DD-AFC4-6F175D3DCCD1}">
-              <a14:hiddenFill xmlns="" xmlns:a14="http://schemas.microsoft.com/office/drawing/2010/main">
+              <a14:hiddenFill xmlns:a14="http://schemas.microsoft.com/office/drawing/2010/main" xmlns="">
                 <a:solidFill>
                   <a:srgbClr val="FFFFFF"/>
                 </a:solidFill>
@@ -7985,7 +9051,7 @@
     </p:spTree>
     <p:extLst>
       <p:ext uri="{BB962C8B-B14F-4D97-AF65-F5344CB8AC3E}">
-        <p14:creationId xmlns="" xmlns:p14="http://schemas.microsoft.com/office/powerpoint/2010/main" val="1653549512"/>
+        <p14:creationId xmlns:p14="http://schemas.microsoft.com/office/powerpoint/2010/main" xmlns="" val="1653549512"/>
       </p:ext>
     </p:extLst>
   </p:cSld>
@@ -8031,7 +9097,7 @@
           <a:blip r:embed="rId3" cstate="print">
             <a:extLst>
               <a:ext uri="{28A0092B-C50C-407E-A947-70E740481C1C}">
-                <a14:useLocalDpi xmlns="" xmlns:a14="http://schemas.microsoft.com/office/drawing/2010/main" val="0"/>
+                <a14:useLocalDpi xmlns:a14="http://schemas.microsoft.com/office/drawing/2010/main" xmlns="" val="0"/>
               </a:ext>
             </a:extLst>
           </a:blip>
@@ -8051,7 +9117,7 @@
           <a:noFill/>
           <a:extLst>
             <a:ext uri="{909E8E84-426E-40DD-AFC4-6F175D3DCCD1}">
-              <a14:hiddenFill xmlns="" xmlns:a14="http://schemas.microsoft.com/office/drawing/2010/main">
+              <a14:hiddenFill xmlns:a14="http://schemas.microsoft.com/office/drawing/2010/main" xmlns="">
                 <a:solidFill>
                   <a:srgbClr val="FFFFFF"/>
                 </a:solidFill>
@@ -8101,7 +9167,7 @@
     </p:spTree>
     <p:extLst>
       <p:ext uri="{BB962C8B-B14F-4D97-AF65-F5344CB8AC3E}">
-        <p14:creationId xmlns="" xmlns:p14="http://schemas.microsoft.com/office/powerpoint/2010/main" val="2424786554"/>
+        <p14:creationId xmlns:p14="http://schemas.microsoft.com/office/powerpoint/2010/main" xmlns="" val="2424786554"/>
       </p:ext>
     </p:extLst>
   </p:cSld>
@@ -8300,7 +9366,7 @@
           <a:blip r:embed="rId3" cstate="print">
             <a:extLst>
               <a:ext uri="{28A0092B-C50C-407E-A947-70E740481C1C}">
-                <a14:useLocalDpi xmlns="" xmlns:a14="http://schemas.microsoft.com/office/drawing/2010/main" val="0"/>
+                <a14:useLocalDpi xmlns:a14="http://schemas.microsoft.com/office/drawing/2010/main" xmlns="" val="0"/>
               </a:ext>
             </a:extLst>
           </a:blip>
@@ -8320,7 +9386,7 @@
           <a:noFill/>
           <a:extLst>
             <a:ext uri="{909E8E84-426E-40DD-AFC4-6F175D3DCCD1}">
-              <a14:hiddenFill xmlns="" xmlns:a14="http://schemas.microsoft.com/office/drawing/2010/main">
+              <a14:hiddenFill xmlns:a14="http://schemas.microsoft.com/office/drawing/2010/main" xmlns="">
                 <a:solidFill>
                   <a:srgbClr val="FFFFFF"/>
                 </a:solidFill>
@@ -8341,7 +9407,7 @@
           <a:blip r:embed="rId4" cstate="print">
             <a:extLst>
               <a:ext uri="{28A0092B-C50C-407E-A947-70E740481C1C}">
-                <a14:useLocalDpi xmlns="" xmlns:a14="http://schemas.microsoft.com/office/drawing/2010/main" val="0"/>
+                <a14:useLocalDpi xmlns:a14="http://schemas.microsoft.com/office/drawing/2010/main" xmlns="" val="0"/>
               </a:ext>
             </a:extLst>
           </a:blip>
@@ -8361,7 +9427,7 @@
           <a:noFill/>
           <a:extLst>
             <a:ext uri="{909E8E84-426E-40DD-AFC4-6F175D3DCCD1}">
-              <a14:hiddenFill xmlns="" xmlns:a14="http://schemas.microsoft.com/office/drawing/2010/main">
+              <a14:hiddenFill xmlns:a14="http://schemas.microsoft.com/office/drawing/2010/main" xmlns="">
                 <a:solidFill>
                   <a:srgbClr val="FFFFFF"/>
                 </a:solidFill>
@@ -8373,7 +9439,7 @@
     </p:spTree>
     <p:extLst>
       <p:ext uri="{BB962C8B-B14F-4D97-AF65-F5344CB8AC3E}">
-        <p14:creationId xmlns="" xmlns:p14="http://schemas.microsoft.com/office/powerpoint/2010/main" val="2708678656"/>
+        <p14:creationId xmlns:p14="http://schemas.microsoft.com/office/powerpoint/2010/main" xmlns="" val="2708678656"/>
       </p:ext>
     </p:extLst>
   </p:cSld>
@@ -8441,7 +9507,7 @@
     </p:spTree>
     <p:extLst>
       <p:ext uri="{BB962C8B-B14F-4D97-AF65-F5344CB8AC3E}">
-        <p14:creationId xmlns="" xmlns:p14="http://schemas.microsoft.com/office/powerpoint/2010/main" val="2865657727"/>
+        <p14:creationId xmlns:p14="http://schemas.microsoft.com/office/powerpoint/2010/main" xmlns="" val="2865657727"/>
       </p:ext>
     </p:extLst>
   </p:cSld>
@@ -8487,7 +9553,7 @@
           <a:blip r:embed="rId2" cstate="print">
             <a:extLst>
               <a:ext uri="{28A0092B-C50C-407E-A947-70E740481C1C}">
-                <a14:useLocalDpi xmlns="" xmlns:a14="http://schemas.microsoft.com/office/drawing/2010/main" val="0"/>
+                <a14:useLocalDpi xmlns:a14="http://schemas.microsoft.com/office/drawing/2010/main" xmlns="" val="0"/>
               </a:ext>
             </a:extLst>
           </a:blip>
@@ -8507,7 +9573,7 @@
           <a:noFill/>
           <a:extLst>
             <a:ext uri="{909E8E84-426E-40DD-AFC4-6F175D3DCCD1}">
-              <a14:hiddenFill xmlns="" xmlns:a14="http://schemas.microsoft.com/office/drawing/2010/main">
+              <a14:hiddenFill xmlns:a14="http://schemas.microsoft.com/office/drawing/2010/main" xmlns="">
                 <a:solidFill>
                   <a:srgbClr val="FFFFFF"/>
                 </a:solidFill>
@@ -8780,7 +9846,7 @@
     </p:spTree>
     <p:extLst>
       <p:ext uri="{BB962C8B-B14F-4D97-AF65-F5344CB8AC3E}">
-        <p14:creationId xmlns="" xmlns:p14="http://schemas.microsoft.com/office/powerpoint/2010/main" val="1421053857"/>
+        <p14:creationId xmlns:p14="http://schemas.microsoft.com/office/powerpoint/2010/main" xmlns="" val="1421053857"/>
       </p:ext>
     </p:extLst>
   </p:cSld>
@@ -9087,6 +10153,13 @@
   <p:clrMapOvr>
     <a:masterClrMapping/>
   </p:clrMapOvr>
+  <p:timing>
+    <p:tnLst>
+      <p:par>
+        <p:cTn id="1" dur="indefinite" restart="never" nodeType="tmRoot"/>
+      </p:par>
+    </p:tnLst>
+  </p:timing>
 </p:sld>
 </file>
 
@@ -9215,7 +10288,7 @@
           <a:blip r:embed="rId2" cstate="print">
             <a:extLst>
               <a:ext uri="{28A0092B-C50C-407E-A947-70E740481C1C}">
-                <a14:useLocalDpi xmlns="" xmlns:a14="http://schemas.microsoft.com/office/drawing/2010/main" val="0"/>
+                <a14:useLocalDpi xmlns:a14="http://schemas.microsoft.com/office/drawing/2010/main" xmlns="" val="0"/>
               </a:ext>
             </a:extLst>
           </a:blip>
@@ -9236,7 +10309,7 @@
     </p:spTree>
     <p:extLst>
       <p:ext uri="{BB962C8B-B14F-4D97-AF65-F5344CB8AC3E}">
-        <p14:creationId xmlns="" xmlns:p14="http://schemas.microsoft.com/office/powerpoint/2010/main" val="966444375"/>
+        <p14:creationId xmlns:p14="http://schemas.microsoft.com/office/powerpoint/2010/main" xmlns="" val="966444375"/>
       </p:ext>
     </p:extLst>
   </p:cSld>
@@ -9327,7 +10400,6 @@
               <a:rPr lang="it-IT" sz="2800" dirty="0" smtClean="0"/>
               <a:t>SUCCESSIVAMENTE</a:t>
             </a:r>
-            <a:endParaRPr lang="it-IT" sz="2800" dirty="0" smtClean="0"/>
           </a:p>
           <a:p>
             <a:pPr marL="457200" indent="-457200">
@@ -9451,7 +10523,7 @@
     </p:spTree>
     <p:extLst>
       <p:ext uri="{BB962C8B-B14F-4D97-AF65-F5344CB8AC3E}">
-        <p14:creationId xmlns="" xmlns:p14="http://schemas.microsoft.com/office/powerpoint/2010/main" val="529095658"/>
+        <p14:creationId xmlns:p14="http://schemas.microsoft.com/office/powerpoint/2010/main" xmlns="" val="529095658"/>
       </p:ext>
     </p:extLst>
   </p:cSld>
@@ -9494,7 +10566,7 @@
         <p:spPr>
           <a:xfrm>
             <a:off x="0" y="908720"/>
-            <a:ext cx="9144000" cy="784830"/>
+            <a:ext cx="9144000" cy="830997"/>
           </a:xfrm>
           <a:prstGeom prst="rect">
             <a:avLst/>
@@ -9509,10 +10581,10 @@
           <a:p>
             <a:pPr algn="ctr"/>
             <a:r>
-              <a:rPr lang="it-IT" sz="4500" b="1" dirty="0" smtClean="0"/>
+              <a:rPr lang="it-IT" sz="4800" b="1" dirty="0" smtClean="0"/>
               <a:t>Tirocinanti </a:t>
             </a:r>
-            <a:endParaRPr lang="it-IT" sz="4500" b="1" dirty="0"/>
+            <a:endParaRPr lang="it-IT" sz="4800" b="1" dirty="0"/>
           </a:p>
         </p:txBody>
       </p:sp>
@@ -9551,7 +10623,7 @@
             <a:endParaRPr lang="it-IT" sz="2800" dirty="0"/>
           </a:p>
           <a:p>
-            <a:pPr marL="457200" indent="-457200">
+            <a:pPr marL="914400" lvl="1" indent="-457200">
               <a:buFont typeface="Wingdings" pitchFamily="2" charset="2"/>
               <a:buChar char="v"/>
             </a:pPr>
@@ -9563,11 +10635,15 @@
           <a:p>
             <a:r>
               <a:rPr lang="it-IT" sz="2800" dirty="0" smtClean="0"/>
-              <a:t>Invece poi……..</a:t>
-            </a:r>
-          </a:p>
-          <a:p>
-            <a:pPr marL="457200" indent="-457200">
+              <a:t>	Invece </a:t>
+            </a:r>
+            <a:r>
+              <a:rPr lang="it-IT" sz="2800" dirty="0" smtClean="0"/>
+              <a:t>poi……..</a:t>
+            </a:r>
+          </a:p>
+          <a:p>
+            <a:pPr marL="914400" lvl="1" indent="-457200">
               <a:buFont typeface="Wingdings" pitchFamily="2" charset="2"/>
               <a:buChar char="v"/>
             </a:pPr>
@@ -9598,7 +10674,7 @@
           <a:blip r:embed="rId2" cstate="print">
             <a:extLst>
               <a:ext uri="{28A0092B-C50C-407E-A947-70E740481C1C}">
-                <a14:useLocalDpi xmlns="" xmlns:a14="http://schemas.microsoft.com/office/drawing/2010/main" val="0"/>
+                <a14:useLocalDpi xmlns:a14="http://schemas.microsoft.com/office/drawing/2010/main" xmlns="" val="0"/>
               </a:ext>
             </a:extLst>
           </a:blip>
@@ -9608,8 +10684,8 @@
         </p:blipFill>
         <p:spPr>
           <a:xfrm>
-            <a:off x="4355976" y="3212975"/>
-            <a:ext cx="2160239" cy="2028423"/>
+            <a:off x="4355976" y="2768729"/>
+            <a:ext cx="2160239" cy="2604487"/>
           </a:xfrm>
           <a:prstGeom prst="rect">
             <a:avLst/>
@@ -9619,7 +10695,7 @@
     </p:spTree>
     <p:extLst>
       <p:ext uri="{BB962C8B-B14F-4D97-AF65-F5344CB8AC3E}">
-        <p14:creationId xmlns="" xmlns:p14="http://schemas.microsoft.com/office/powerpoint/2010/main" val="2537338845"/>
+        <p14:creationId xmlns:p14="http://schemas.microsoft.com/office/powerpoint/2010/main" xmlns="" val="2537338845"/>
       </p:ext>
     </p:extLst>
   </p:cSld>
@@ -9704,7 +10780,7 @@
           <a:blip r:embed="rId2" cstate="print">
             <a:extLst>
               <a:ext uri="{28A0092B-C50C-407E-A947-70E740481C1C}">
-                <a14:useLocalDpi xmlns="" xmlns:a14="http://schemas.microsoft.com/office/drawing/2010/main" val="0"/>
+                <a14:useLocalDpi xmlns:a14="http://schemas.microsoft.com/office/drawing/2010/main" xmlns="" val="0"/>
               </a:ext>
             </a:extLst>
           </a:blip>
@@ -9760,7 +10836,7 @@
     </p:spTree>
     <p:extLst>
       <p:ext uri="{BB962C8B-B14F-4D97-AF65-F5344CB8AC3E}">
-        <p14:creationId xmlns="" xmlns:p14="http://schemas.microsoft.com/office/powerpoint/2010/main" val="422123805"/>
+        <p14:creationId xmlns:p14="http://schemas.microsoft.com/office/powerpoint/2010/main" xmlns="" val="422123805"/>
       </p:ext>
     </p:extLst>
   </p:cSld>
@@ -9879,7 +10955,7 @@
           <a:blip r:embed="rId2" cstate="print">
             <a:extLst>
               <a:ext uri="{28A0092B-C50C-407E-A947-70E740481C1C}">
-                <a14:useLocalDpi xmlns="" xmlns:a14="http://schemas.microsoft.com/office/drawing/2010/main" val="0"/>
+                <a14:useLocalDpi xmlns:a14="http://schemas.microsoft.com/office/drawing/2010/main" xmlns="" val="0"/>
               </a:ext>
             </a:extLst>
           </a:blip>
@@ -9934,7 +11010,7 @@
     </p:spTree>
     <p:extLst>
       <p:ext uri="{BB962C8B-B14F-4D97-AF65-F5344CB8AC3E}">
-        <p14:creationId xmlns="" xmlns:p14="http://schemas.microsoft.com/office/powerpoint/2010/main" val="247169405"/>
+        <p14:creationId xmlns:p14="http://schemas.microsoft.com/office/powerpoint/2010/main" xmlns="" val="247169405"/>
       </p:ext>
     </p:extLst>
   </p:cSld>
@@ -10019,7 +11095,7 @@
           <a:blip r:embed="rId2" cstate="print">
             <a:extLst>
               <a:ext uri="{28A0092B-C50C-407E-A947-70E740481C1C}">
-                <a14:useLocalDpi xmlns="" xmlns:a14="http://schemas.microsoft.com/office/drawing/2010/main" val="0"/>
+                <a14:useLocalDpi xmlns:a14="http://schemas.microsoft.com/office/drawing/2010/main" xmlns="" val="0"/>
               </a:ext>
             </a:extLst>
           </a:blip>
@@ -10075,7 +11151,7 @@
     </p:spTree>
     <p:extLst>
       <p:ext uri="{BB962C8B-B14F-4D97-AF65-F5344CB8AC3E}">
-        <p14:creationId xmlns="" xmlns:p14="http://schemas.microsoft.com/office/powerpoint/2010/main" val="1376204328"/>
+        <p14:creationId xmlns:p14="http://schemas.microsoft.com/office/powerpoint/2010/main" xmlns="" val="1376204328"/>
       </p:ext>
     </p:extLst>
   </p:cSld>
@@ -10160,7 +11236,7 @@
           <a:blip r:embed="rId2" cstate="print">
             <a:extLst>
               <a:ext uri="{28A0092B-C50C-407E-A947-70E740481C1C}">
-                <a14:useLocalDpi xmlns="" xmlns:a14="http://schemas.microsoft.com/office/drawing/2010/main" val="0"/>
+                <a14:useLocalDpi xmlns:a14="http://schemas.microsoft.com/office/drawing/2010/main" xmlns="" val="0"/>
               </a:ext>
             </a:extLst>
           </a:blip>
@@ -10219,7 +11295,7 @@
     </p:spTree>
     <p:extLst>
       <p:ext uri="{BB962C8B-B14F-4D97-AF65-F5344CB8AC3E}">
-        <p14:creationId xmlns="" xmlns:p14="http://schemas.microsoft.com/office/powerpoint/2010/main" val="1545582615"/>
+        <p14:creationId xmlns:p14="http://schemas.microsoft.com/office/powerpoint/2010/main" xmlns="" val="1545582615"/>
       </p:ext>
     </p:extLst>
   </p:cSld>
@@ -10304,7 +11380,7 @@
           <a:blip r:embed="rId2" cstate="print">
             <a:extLst>
               <a:ext uri="{28A0092B-C50C-407E-A947-70E740481C1C}">
-                <a14:useLocalDpi xmlns="" xmlns:a14="http://schemas.microsoft.com/office/drawing/2010/main" val="0"/>
+                <a14:useLocalDpi xmlns:a14="http://schemas.microsoft.com/office/drawing/2010/main" xmlns="" val="0"/>
               </a:ext>
             </a:extLst>
           </a:blip>
@@ -10325,7 +11401,7 @@
     </p:spTree>
     <p:extLst>
       <p:ext uri="{BB962C8B-B14F-4D97-AF65-F5344CB8AC3E}">
-        <p14:creationId xmlns="" xmlns:p14="http://schemas.microsoft.com/office/powerpoint/2010/main" val="1296864160"/>
+        <p14:creationId xmlns:p14="http://schemas.microsoft.com/office/powerpoint/2010/main" xmlns="" val="1296864160"/>
       </p:ext>
     </p:extLst>
   </p:cSld>
@@ -10406,7 +11482,7 @@
           <a:blip r:embed="rId2" cstate="print">
             <a:extLst>
               <a:ext uri="{28A0092B-C50C-407E-A947-70E740481C1C}">
-                <a14:useLocalDpi xmlns="" xmlns:a14="http://schemas.microsoft.com/office/drawing/2010/main" val="0"/>
+                <a14:useLocalDpi xmlns:a14="http://schemas.microsoft.com/office/drawing/2010/main" xmlns="" val="0"/>
               </a:ext>
             </a:extLst>
           </a:blip>
@@ -10461,7 +11537,7 @@
     </p:spTree>
     <p:extLst>
       <p:ext uri="{BB962C8B-B14F-4D97-AF65-F5344CB8AC3E}">
-        <p14:creationId xmlns="" xmlns:p14="http://schemas.microsoft.com/office/powerpoint/2010/main" val="518928479"/>
+        <p14:creationId xmlns:p14="http://schemas.microsoft.com/office/powerpoint/2010/main" xmlns="" val="518928479"/>
       </p:ext>
     </p:extLst>
   </p:cSld>
@@ -10541,7 +11617,7 @@
           <a:blip r:embed="rId2" cstate="print">
             <a:extLst>
               <a:ext uri="{28A0092B-C50C-407E-A947-70E740481C1C}">
-                <a14:useLocalDpi xmlns="" xmlns:a14="http://schemas.microsoft.com/office/drawing/2010/main" val="0"/>
+                <a14:useLocalDpi xmlns:a14="http://schemas.microsoft.com/office/drawing/2010/main" xmlns="" val="0"/>
               </a:ext>
             </a:extLst>
           </a:blip>
@@ -10562,7 +11638,7 @@
     </p:spTree>
     <p:extLst>
       <p:ext uri="{BB962C8B-B14F-4D97-AF65-F5344CB8AC3E}">
-        <p14:creationId xmlns="" xmlns:p14="http://schemas.microsoft.com/office/powerpoint/2010/main" val="4136420094"/>
+        <p14:creationId xmlns:p14="http://schemas.microsoft.com/office/powerpoint/2010/main" xmlns="" val="4136420094"/>
       </p:ext>
     </p:extLst>
   </p:cSld>
@@ -10630,7 +11706,7 @@
     </p:spTree>
     <p:extLst>
       <p:ext uri="{BB962C8B-B14F-4D97-AF65-F5344CB8AC3E}">
-        <p14:creationId xmlns="" xmlns:p14="http://schemas.microsoft.com/office/powerpoint/2010/main" val="2865657727"/>
+        <p14:creationId xmlns:p14="http://schemas.microsoft.com/office/powerpoint/2010/main" xmlns="" val="2865657727"/>
       </p:ext>
     </p:extLst>
   </p:cSld>
@@ -10715,7 +11791,7 @@
           <a:blip r:embed="rId2" cstate="print">
             <a:extLst>
               <a:ext uri="{28A0092B-C50C-407E-A947-70E740481C1C}">
-                <a14:useLocalDpi xmlns="" xmlns:a14="http://schemas.microsoft.com/office/drawing/2010/main" val="0"/>
+                <a14:useLocalDpi xmlns:a14="http://schemas.microsoft.com/office/drawing/2010/main" xmlns="" val="0"/>
               </a:ext>
             </a:extLst>
           </a:blip>
@@ -10767,7 +11843,7 @@
     </p:spTree>
     <p:extLst>
       <p:ext uri="{BB962C8B-B14F-4D97-AF65-F5344CB8AC3E}">
-        <p14:creationId xmlns="" xmlns:p14="http://schemas.microsoft.com/office/powerpoint/2010/main" val="2535709406"/>
+        <p14:creationId xmlns:p14="http://schemas.microsoft.com/office/powerpoint/2010/main" xmlns="" val="2535709406"/>
       </p:ext>
     </p:extLst>
   </p:cSld>
@@ -10969,7 +12045,7 @@
     </p:spTree>
     <p:extLst>
       <p:ext uri="{BB962C8B-B14F-4D97-AF65-F5344CB8AC3E}">
-        <p14:creationId xmlns="" xmlns:p14="http://schemas.microsoft.com/office/powerpoint/2010/main" val="2176004432"/>
+        <p14:creationId xmlns:p14="http://schemas.microsoft.com/office/powerpoint/2010/main" xmlns="" val="2176004432"/>
       </p:ext>
     </p:extLst>
   </p:cSld>
@@ -11114,7 +12190,7 @@
     </p:spTree>
     <p:extLst>
       <p:ext uri="{BB962C8B-B14F-4D97-AF65-F5344CB8AC3E}">
-        <p14:creationId xmlns="" xmlns:p14="http://schemas.microsoft.com/office/powerpoint/2010/main" val="1143488046"/>
+        <p14:creationId xmlns:p14="http://schemas.microsoft.com/office/powerpoint/2010/main" xmlns="" val="1143488046"/>
       </p:ext>
     </p:extLst>
   </p:cSld>
@@ -11148,6 +12224,32 @@
           <a:chExt cx="0" cy="0"/>
         </a:xfrm>
       </p:grpSpPr>
+      <p:pic>
+        <p:nvPicPr>
+          <p:cNvPr id="35842" name="Picture 2" descr="http://www.infocert.it/webroot/images/services/omini/legalhr.jpg"/>
+          <p:cNvPicPr>
+            <a:picLocks noChangeAspect="1" noChangeArrowheads="1"/>
+          </p:cNvPicPr>
+          <p:nvPr/>
+        </p:nvPicPr>
+        <p:blipFill>
+          <a:blip r:embed="rId3" cstate="print"/>
+          <a:srcRect/>
+          <a:stretch>
+            <a:fillRect/>
+          </a:stretch>
+        </p:blipFill>
+        <p:spPr bwMode="auto">
+          <a:xfrm>
+            <a:off x="7380312" y="4365104"/>
+            <a:ext cx="1532006" cy="2160240"/>
+          </a:xfrm>
+          <a:prstGeom prst="rect">
+            <a:avLst/>
+          </a:prstGeom>
+          <a:noFill/>
+        </p:spPr>
+      </p:pic>
       <p:sp>
         <p:nvSpPr>
           <p:cNvPr id="3" name="CasellaDiTesto 2"/>
@@ -11187,7 +12289,7 @@
         <p:spPr>
           <a:xfrm>
             <a:off x="216024" y="1628800"/>
-            <a:ext cx="8388424" cy="4401205"/>
+            <a:ext cx="7380312" cy="3539430"/>
           </a:xfrm>
           <a:prstGeom prst="rect">
             <a:avLst/>
@@ -11200,25 +12302,6 @@
           </a:bodyPr>
           <a:lstStyle/>
           <a:p>
-            <a:pPr marL="285750" indent="-285750"/>
-            <a:r>
-              <a:rPr lang="it-IT" sz="2800" b="1" dirty="0" smtClean="0">
-                <a:solidFill>
-                  <a:schemeClr val="accent5"/>
-                </a:solidFill>
-                <a:latin typeface="+mj-lt"/>
-                <a:cs typeface="Arial" pitchFamily="34" charset="0"/>
-              </a:rPr>
-              <a:t>Cosa è andato per il verso giusto:</a:t>
-            </a:r>
-          </a:p>
-          <a:p>
-            <a:endParaRPr lang="it-IT" sz="2800" dirty="0" smtClean="0">
-              <a:latin typeface="+mj-lt"/>
-              <a:cs typeface="Arial" pitchFamily="34" charset="0"/>
-            </a:endParaRPr>
-          </a:p>
-          <a:p>
             <a:pPr marL="285750" indent="-285750">
               <a:buFont typeface="Wingdings" pitchFamily="2" charset="2"/>
               <a:buChar char="v"/>
@@ -11376,7 +12459,7 @@
     </p:spTree>
     <p:extLst>
       <p:ext uri="{BB962C8B-B14F-4D97-AF65-F5344CB8AC3E}">
-        <p14:creationId xmlns="" xmlns:p14="http://schemas.microsoft.com/office/powerpoint/2010/main" val="957313322"/>
+        <p14:creationId xmlns:p14="http://schemas.microsoft.com/office/powerpoint/2010/main" xmlns="" val="957313322"/>
       </p:ext>
     </p:extLst>
   </p:cSld>
@@ -11512,6 +12595,1120 @@
 </file>
 
 <file path=ppt/slides/slide35.xml><?xml version="1.0" encoding="utf-8"?>
+<p:sld xmlns:a="http://schemas.openxmlformats.org/drawingml/2006/main" xmlns:r="http://schemas.openxmlformats.org/officeDocument/2006/relationships" xmlns:p="http://schemas.openxmlformats.org/presentationml/2006/main">
+  <p:cSld>
+    <p:spTree>
+      <p:nvGrpSpPr>
+        <p:cNvPr id="1" name=""/>
+        <p:cNvGrpSpPr/>
+        <p:nvPr/>
+      </p:nvGrpSpPr>
+      <p:grpSpPr>
+        <a:xfrm>
+          <a:off x="0" y="0"/>
+          <a:ext cx="0" cy="0"/>
+          <a:chOff x="0" y="0"/>
+          <a:chExt cx="0" cy="0"/>
+        </a:xfrm>
+      </p:grpSpPr>
+      <p:sp>
+        <p:nvSpPr>
+          <p:cNvPr id="2" name="CasellaDiTesto 1"/>
+          <p:cNvSpPr txBox="1"/>
+          <p:nvPr/>
+        </p:nvSpPr>
+        <p:spPr>
+          <a:xfrm>
+            <a:off x="428596" y="476672"/>
+            <a:ext cx="8213743" cy="1107996"/>
+          </a:xfrm>
+          <a:prstGeom prst="rect">
+            <a:avLst/>
+          </a:prstGeom>
+          <a:noFill/>
+        </p:spPr>
+        <p:txBody>
+          <a:bodyPr wrap="square" rtlCol="0">
+            <a:spAutoFit/>
+          </a:bodyPr>
+          <a:lstStyle/>
+          <a:p>
+            <a:pPr algn="ctr"/>
+            <a:r>
+              <a:rPr lang="it-IT" sz="4800" b="1" dirty="0" smtClean="0">
+                <a:latin typeface="+mj-lt"/>
+              </a:rPr>
+              <a:t>Obiettivi di Design</a:t>
+            </a:r>
+          </a:p>
+          <a:p>
+            <a:pPr algn="ctr"/>
+            <a:endParaRPr lang="it-IT" dirty="0">
+              <a:latin typeface="+mj-lt"/>
+            </a:endParaRPr>
+          </a:p>
+        </p:txBody>
+      </p:sp>
+      <p:sp>
+        <p:nvSpPr>
+          <p:cNvPr id="10" name="Content Placeholder 3"/>
+          <p:cNvSpPr txBox="1">
+            <a:spLocks/>
+          </p:cNvSpPr>
+          <p:nvPr/>
+        </p:nvSpPr>
+        <p:spPr>
+          <a:xfrm>
+            <a:off x="857224" y="1857364"/>
+            <a:ext cx="7500990" cy="3071834"/>
+          </a:xfrm>
+          <a:prstGeom prst="rect">
+            <a:avLst/>
+          </a:prstGeom>
+        </p:spPr>
+        <p:txBody>
+          <a:bodyPr tIns="0"/>
+          <a:lstStyle>
+            <a:lvl1pPr marL="274320" indent="-274320" algn="l" rtl="0" eaLnBrk="1" latinLnBrk="0" hangingPunct="1">
+              <a:spcBef>
+                <a:spcPct val="20000"/>
+              </a:spcBef>
+              <a:buClrTx/>
+              <a:buSzPct val="95000"/>
+              <a:buFont typeface="Wingdings" pitchFamily="2" charset="2"/>
+              <a:buChar char="v"/>
+              <a:defRPr kumimoji="0" sz="2800" kern="1200">
+                <a:solidFill>
+                  <a:schemeClr val="tx1"/>
+                </a:solidFill>
+                <a:latin typeface="+mn-lt"/>
+                <a:ea typeface="+mn-ea"/>
+                <a:cs typeface="+mn-cs"/>
+              </a:defRPr>
+            </a:lvl1pPr>
+            <a:lvl2pPr marL="640080" indent="-246888" algn="l" rtl="0" eaLnBrk="1" latinLnBrk="0" hangingPunct="1">
+              <a:spcBef>
+                <a:spcPct val="20000"/>
+              </a:spcBef>
+              <a:buClrTx/>
+              <a:buSzPct val="85000"/>
+              <a:buFont typeface="Courier New" pitchFamily="49" charset="0"/>
+              <a:buChar char="o"/>
+              <a:defRPr kumimoji="0" sz="2600" kern="1200">
+                <a:solidFill>
+                  <a:schemeClr val="tx1"/>
+                </a:solidFill>
+                <a:latin typeface="+mn-lt"/>
+                <a:ea typeface="+mn-ea"/>
+                <a:cs typeface="+mn-cs"/>
+              </a:defRPr>
+            </a:lvl2pPr>
+            <a:lvl3pPr marL="914400" indent="-246888" algn="l" rtl="0" eaLnBrk="1" latinLnBrk="0" hangingPunct="1">
+              <a:spcBef>
+                <a:spcPct val="20000"/>
+              </a:spcBef>
+              <a:buClrTx/>
+              <a:buSzPct val="70000"/>
+              <a:buFont typeface="Wingdings 2"/>
+              <a:buChar char=""/>
+              <a:defRPr kumimoji="0" sz="2400" kern="1200">
+                <a:solidFill>
+                  <a:schemeClr val="tx1"/>
+                </a:solidFill>
+                <a:latin typeface="+mn-lt"/>
+                <a:ea typeface="+mn-ea"/>
+                <a:cs typeface="+mn-cs"/>
+              </a:defRPr>
+            </a:lvl3pPr>
+            <a:lvl4pPr marL="1188720" indent="-210312" algn="l" rtl="0" eaLnBrk="1" latinLnBrk="0" hangingPunct="1">
+              <a:spcBef>
+                <a:spcPct val="20000"/>
+              </a:spcBef>
+              <a:buClrTx/>
+              <a:buSzPct val="65000"/>
+              <a:buFont typeface="Wingdings 2"/>
+              <a:buChar char=""/>
+              <a:defRPr kumimoji="0" sz="2000" kern="1200">
+                <a:solidFill>
+                  <a:schemeClr val="tx1"/>
+                </a:solidFill>
+                <a:latin typeface="+mn-lt"/>
+                <a:ea typeface="+mn-ea"/>
+                <a:cs typeface="+mn-cs"/>
+              </a:defRPr>
+            </a:lvl4pPr>
+            <a:lvl5pPr marL="1463040" indent="-210312" algn="l" rtl="0" eaLnBrk="1" latinLnBrk="0" hangingPunct="1">
+              <a:spcBef>
+                <a:spcPct val="20000"/>
+              </a:spcBef>
+              <a:buClrTx/>
+              <a:buSzPct val="65000"/>
+              <a:buFont typeface="Wingdings 2"/>
+              <a:buChar char=""/>
+              <a:defRPr kumimoji="0" sz="1800" kern="1200">
+                <a:solidFill>
+                  <a:schemeClr val="tx1"/>
+                </a:solidFill>
+                <a:latin typeface="+mn-lt"/>
+                <a:ea typeface="+mn-ea"/>
+                <a:cs typeface="+mn-cs"/>
+              </a:defRPr>
+            </a:lvl5pPr>
+            <a:lvl6pPr marL="1737360" indent="-210312" algn="l" rtl="0" eaLnBrk="1" latinLnBrk="0" hangingPunct="1">
+              <a:spcBef>
+                <a:spcPct val="20000"/>
+              </a:spcBef>
+              <a:buClr>
+                <a:schemeClr val="accent5"/>
+              </a:buClr>
+              <a:buSzPct val="80000"/>
+              <a:buFont typeface="Wingdings 2"/>
+              <a:buChar char=""/>
+              <a:defRPr kumimoji="0" sz="1800" kern="1200">
+                <a:solidFill>
+                  <a:schemeClr val="tx1"/>
+                </a:solidFill>
+                <a:latin typeface="+mn-lt"/>
+                <a:ea typeface="+mn-ea"/>
+                <a:cs typeface="+mn-cs"/>
+              </a:defRPr>
+            </a:lvl6pPr>
+            <a:lvl7pPr marL="1920240" indent="-182880" algn="l" rtl="0" eaLnBrk="1" latinLnBrk="0" hangingPunct="1">
+              <a:spcBef>
+                <a:spcPct val="20000"/>
+              </a:spcBef>
+              <a:buClr>
+                <a:schemeClr val="accent6"/>
+              </a:buClr>
+              <a:buSzPct val="80000"/>
+              <a:buFont typeface="Wingdings 2"/>
+              <a:buChar char=""/>
+              <a:defRPr kumimoji="0" sz="1600" kern="1200" baseline="0">
+                <a:solidFill>
+                  <a:schemeClr val="tx1"/>
+                </a:solidFill>
+                <a:latin typeface="+mn-lt"/>
+                <a:ea typeface="+mn-ea"/>
+                <a:cs typeface="+mn-cs"/>
+              </a:defRPr>
+            </a:lvl7pPr>
+            <a:lvl8pPr marL="2194560" indent="-182880" algn="l" rtl="0" eaLnBrk="1" latinLnBrk="0" hangingPunct="1">
+              <a:spcBef>
+                <a:spcPct val="20000"/>
+              </a:spcBef>
+              <a:buClr>
+                <a:schemeClr val="tx2"/>
+              </a:buClr>
+              <a:buChar char="•"/>
+              <a:defRPr kumimoji="0" sz="1600" kern="1200">
+                <a:solidFill>
+                  <a:schemeClr val="tx1"/>
+                </a:solidFill>
+                <a:latin typeface="+mn-lt"/>
+                <a:ea typeface="+mn-ea"/>
+                <a:cs typeface="+mn-cs"/>
+              </a:defRPr>
+            </a:lvl8pPr>
+            <a:lvl9pPr marL="2468880" indent="-182880" algn="l" rtl="0" eaLnBrk="1" latinLnBrk="0" hangingPunct="1">
+              <a:spcBef>
+                <a:spcPct val="20000"/>
+              </a:spcBef>
+              <a:buClr>
+                <a:schemeClr val="tx2"/>
+              </a:buClr>
+              <a:buFontTx/>
+              <a:buChar char="•"/>
+              <a:defRPr kumimoji="0" sz="1400" kern="1200" baseline="0">
+                <a:solidFill>
+                  <a:schemeClr val="tx1"/>
+                </a:solidFill>
+                <a:latin typeface="+mn-lt"/>
+                <a:ea typeface="+mn-ea"/>
+                <a:cs typeface="+mn-cs"/>
+              </a:defRPr>
+            </a:lvl9pPr>
+          </a:lstStyle>
+          <a:p>
+            <a:pPr marL="0" indent="0" algn="just">
+              <a:buNone/>
+            </a:pPr>
+            <a:r>
+              <a:rPr lang="it-IT" dirty="0" smtClean="0"/>
+              <a:t>Rappresentano, in un prodotto software, le basi del successivo sviluppo del prodotto, perché, su di esse, si fondano le scelte prese durante la fase di implementazione. </a:t>
+            </a:r>
+          </a:p>
+          <a:p>
+            <a:pPr marL="0" indent="0" algn="just">
+              <a:buNone/>
+            </a:pPr>
+            <a:r>
+              <a:rPr lang="it-IT" dirty="0" smtClean="0"/>
+              <a:t>Una breve panoramica illustrerà i principali obiettivi di design di questo progetto.</a:t>
+            </a:r>
+            <a:endParaRPr lang="en-US" dirty="0"/>
+          </a:p>
+        </p:txBody>
+      </p:sp>
+    </p:spTree>
+    <p:extLst>
+      <p:ext uri="{BB962C8B-B14F-4D97-AF65-F5344CB8AC3E}">
+        <p14:creationId xmlns="" xmlns:p14="http://schemas.microsoft.com/office/powerpoint/2010/main" val="155874689"/>
+      </p:ext>
+    </p:extLst>
+  </p:cSld>
+  <p:clrMapOvr>
+    <a:masterClrMapping/>
+  </p:clrMapOvr>
+  <mc:AlternateContent xmlns:mc="http://schemas.openxmlformats.org/markup-compatibility/2006">
+    <mc:Choice xmlns="" xmlns:p14="http://schemas.microsoft.com/office/powerpoint/2010/main" Requires="p14">
+      <p:transition spd="slow" p14:dur="2000"/>
+    </mc:Choice>
+    <mc:Fallback>
+      <p:transition spd="slow"/>
+    </mc:Fallback>
+  </mc:AlternateContent>
+  <p:timing>
+    <p:tnLst>
+      <p:par>
+        <p:cTn id="1" dur="indefinite" restart="never" nodeType="tmRoot"/>
+      </p:par>
+    </p:tnLst>
+  </p:timing>
+</p:sld>
+</file>
+
+<file path=ppt/slides/slide36.xml><?xml version="1.0" encoding="utf-8"?>
+<p:sld xmlns:a="http://schemas.openxmlformats.org/drawingml/2006/main" xmlns:r="http://schemas.openxmlformats.org/officeDocument/2006/relationships" xmlns:p="http://schemas.openxmlformats.org/presentationml/2006/main">
+  <p:cSld>
+    <p:spTree>
+      <p:nvGrpSpPr>
+        <p:cNvPr id="1" name=""/>
+        <p:cNvGrpSpPr/>
+        <p:nvPr/>
+      </p:nvGrpSpPr>
+      <p:grpSpPr>
+        <a:xfrm>
+          <a:off x="0" y="0"/>
+          <a:ext cx="0" cy="0"/>
+          <a:chOff x="0" y="0"/>
+          <a:chExt cx="0" cy="0"/>
+        </a:xfrm>
+      </p:grpSpPr>
+      <p:sp>
+        <p:nvSpPr>
+          <p:cNvPr id="2" name="CasellaDiTesto 1"/>
+          <p:cNvSpPr txBox="1"/>
+          <p:nvPr/>
+        </p:nvSpPr>
+        <p:spPr>
+          <a:xfrm>
+            <a:off x="500034" y="476672"/>
+            <a:ext cx="8142305" cy="1538883"/>
+          </a:xfrm>
+          <a:prstGeom prst="rect">
+            <a:avLst/>
+          </a:prstGeom>
+          <a:noFill/>
+        </p:spPr>
+        <p:txBody>
+          <a:bodyPr wrap="square" rtlCol="0">
+            <a:spAutoFit/>
+          </a:bodyPr>
+          <a:lstStyle/>
+          <a:p>
+            <a:pPr algn="ctr"/>
+            <a:r>
+              <a:rPr lang="it-IT" sz="4800" b="1" dirty="0" smtClean="0"/>
+              <a:t>Obiettivi di Design</a:t>
+            </a:r>
+          </a:p>
+          <a:p>
+            <a:pPr algn="ctr"/>
+            <a:r>
+              <a:rPr lang="it-IT" sz="2800" b="1" dirty="0" smtClean="0">
+                <a:latin typeface="+mj-lt"/>
+              </a:rPr>
+              <a:t>Sicurezza e tutela della privacy</a:t>
+            </a:r>
+          </a:p>
+          <a:p>
+            <a:pPr algn="ctr"/>
+            <a:endParaRPr lang="it-IT" dirty="0">
+              <a:latin typeface="+mj-lt"/>
+            </a:endParaRPr>
+          </a:p>
+        </p:txBody>
+      </p:sp>
+      <p:sp>
+        <p:nvSpPr>
+          <p:cNvPr id="6" name="Rettangolo 5"/>
+          <p:cNvSpPr/>
+          <p:nvPr/>
+        </p:nvSpPr>
+        <p:spPr>
+          <a:xfrm>
+            <a:off x="285720" y="1857364"/>
+            <a:ext cx="8715436" cy="1938992"/>
+          </a:xfrm>
+          <a:prstGeom prst="rect">
+            <a:avLst/>
+          </a:prstGeom>
+        </p:spPr>
+        <p:txBody>
+          <a:bodyPr wrap="square">
+            <a:spAutoFit/>
+          </a:bodyPr>
+          <a:lstStyle/>
+          <a:p>
+            <a:r>
+              <a:rPr lang="it-IT" sz="2400" dirty="0" smtClean="0"/>
+              <a:t>Il sistema deve garantire la sicurezza e l'affidabilità nell'inserimento dei propri dati sensibili, sia in campo di sicurezza web, sia nel caso del rispetto delle leggi in vigore sulla visibilità e sul trattamento dei dati personali.</a:t>
+            </a:r>
+          </a:p>
+          <a:p>
+            <a:endParaRPr lang="it-IT" sz="2400" dirty="0" smtClean="0"/>
+          </a:p>
+        </p:txBody>
+      </p:sp>
+      <p:sp>
+        <p:nvSpPr>
+          <p:cNvPr id="7" name="Content Placeholder 3"/>
+          <p:cNvSpPr txBox="1">
+            <a:spLocks/>
+          </p:cNvSpPr>
+          <p:nvPr/>
+        </p:nvSpPr>
+        <p:spPr>
+          <a:xfrm>
+            <a:off x="285720" y="3929066"/>
+            <a:ext cx="5000660" cy="2210852"/>
+          </a:xfrm>
+          <a:prstGeom prst="rect">
+            <a:avLst/>
+          </a:prstGeom>
+        </p:spPr>
+        <p:txBody>
+          <a:bodyPr tIns="0"/>
+          <a:lstStyle>
+            <a:lvl1pPr marL="274320" indent="-274320" algn="l" rtl="0" eaLnBrk="1" latinLnBrk="0" hangingPunct="1">
+              <a:spcBef>
+                <a:spcPct val="20000"/>
+              </a:spcBef>
+              <a:buClrTx/>
+              <a:buSzPct val="95000"/>
+              <a:buFont typeface="Wingdings" pitchFamily="2" charset="2"/>
+              <a:buChar char="v"/>
+              <a:defRPr kumimoji="0" sz="2800" kern="1200">
+                <a:solidFill>
+                  <a:schemeClr val="tx1"/>
+                </a:solidFill>
+                <a:latin typeface="+mn-lt"/>
+                <a:ea typeface="+mn-ea"/>
+                <a:cs typeface="+mn-cs"/>
+              </a:defRPr>
+            </a:lvl1pPr>
+            <a:lvl2pPr marL="640080" indent="-246888" algn="l" rtl="0" eaLnBrk="1" latinLnBrk="0" hangingPunct="1">
+              <a:spcBef>
+                <a:spcPct val="20000"/>
+              </a:spcBef>
+              <a:buClrTx/>
+              <a:buSzPct val="85000"/>
+              <a:buFont typeface="Courier New" pitchFamily="49" charset="0"/>
+              <a:buChar char="o"/>
+              <a:defRPr kumimoji="0" sz="2600" kern="1200">
+                <a:solidFill>
+                  <a:schemeClr val="tx1"/>
+                </a:solidFill>
+                <a:latin typeface="+mn-lt"/>
+                <a:ea typeface="+mn-ea"/>
+                <a:cs typeface="+mn-cs"/>
+              </a:defRPr>
+            </a:lvl2pPr>
+            <a:lvl3pPr marL="914400" indent="-246888" algn="l" rtl="0" eaLnBrk="1" latinLnBrk="0" hangingPunct="1">
+              <a:spcBef>
+                <a:spcPct val="20000"/>
+              </a:spcBef>
+              <a:buClrTx/>
+              <a:buSzPct val="70000"/>
+              <a:buFont typeface="Wingdings 2"/>
+              <a:buChar char=""/>
+              <a:defRPr kumimoji="0" sz="2400" kern="1200">
+                <a:solidFill>
+                  <a:schemeClr val="tx1"/>
+                </a:solidFill>
+                <a:latin typeface="+mn-lt"/>
+                <a:ea typeface="+mn-ea"/>
+                <a:cs typeface="+mn-cs"/>
+              </a:defRPr>
+            </a:lvl3pPr>
+            <a:lvl4pPr marL="1188720" indent="-210312" algn="l" rtl="0" eaLnBrk="1" latinLnBrk="0" hangingPunct="1">
+              <a:spcBef>
+                <a:spcPct val="20000"/>
+              </a:spcBef>
+              <a:buClrTx/>
+              <a:buSzPct val="65000"/>
+              <a:buFont typeface="Wingdings 2"/>
+              <a:buChar char=""/>
+              <a:defRPr kumimoji="0" sz="2000" kern="1200">
+                <a:solidFill>
+                  <a:schemeClr val="tx1"/>
+                </a:solidFill>
+                <a:latin typeface="+mn-lt"/>
+                <a:ea typeface="+mn-ea"/>
+                <a:cs typeface="+mn-cs"/>
+              </a:defRPr>
+            </a:lvl4pPr>
+            <a:lvl5pPr marL="1463040" indent="-210312" algn="l" rtl="0" eaLnBrk="1" latinLnBrk="0" hangingPunct="1">
+              <a:spcBef>
+                <a:spcPct val="20000"/>
+              </a:spcBef>
+              <a:buClrTx/>
+              <a:buSzPct val="65000"/>
+              <a:buFont typeface="Wingdings 2"/>
+              <a:buChar char=""/>
+              <a:defRPr kumimoji="0" sz="1800" kern="1200">
+                <a:solidFill>
+                  <a:schemeClr val="tx1"/>
+                </a:solidFill>
+                <a:latin typeface="+mn-lt"/>
+                <a:ea typeface="+mn-ea"/>
+                <a:cs typeface="+mn-cs"/>
+              </a:defRPr>
+            </a:lvl5pPr>
+            <a:lvl6pPr marL="1737360" indent="-210312" algn="l" rtl="0" eaLnBrk="1" latinLnBrk="0" hangingPunct="1">
+              <a:spcBef>
+                <a:spcPct val="20000"/>
+              </a:spcBef>
+              <a:buClr>
+                <a:schemeClr val="accent5"/>
+              </a:buClr>
+              <a:buSzPct val="80000"/>
+              <a:buFont typeface="Wingdings 2"/>
+              <a:buChar char=""/>
+              <a:defRPr kumimoji="0" sz="1800" kern="1200">
+                <a:solidFill>
+                  <a:schemeClr val="tx1"/>
+                </a:solidFill>
+                <a:latin typeface="+mn-lt"/>
+                <a:ea typeface="+mn-ea"/>
+                <a:cs typeface="+mn-cs"/>
+              </a:defRPr>
+            </a:lvl6pPr>
+            <a:lvl7pPr marL="1920240" indent="-182880" algn="l" rtl="0" eaLnBrk="1" latinLnBrk="0" hangingPunct="1">
+              <a:spcBef>
+                <a:spcPct val="20000"/>
+              </a:spcBef>
+              <a:buClr>
+                <a:schemeClr val="accent6"/>
+              </a:buClr>
+              <a:buSzPct val="80000"/>
+              <a:buFont typeface="Wingdings 2"/>
+              <a:buChar char=""/>
+              <a:defRPr kumimoji="0" sz="1600" kern="1200" baseline="0">
+                <a:solidFill>
+                  <a:schemeClr val="tx1"/>
+                </a:solidFill>
+                <a:latin typeface="+mn-lt"/>
+                <a:ea typeface="+mn-ea"/>
+                <a:cs typeface="+mn-cs"/>
+              </a:defRPr>
+            </a:lvl7pPr>
+            <a:lvl8pPr marL="2194560" indent="-182880" algn="l" rtl="0" eaLnBrk="1" latinLnBrk="0" hangingPunct="1">
+              <a:spcBef>
+                <a:spcPct val="20000"/>
+              </a:spcBef>
+              <a:buClr>
+                <a:schemeClr val="tx2"/>
+              </a:buClr>
+              <a:buChar char="•"/>
+              <a:defRPr kumimoji="0" sz="1600" kern="1200">
+                <a:solidFill>
+                  <a:schemeClr val="tx1"/>
+                </a:solidFill>
+                <a:latin typeface="+mn-lt"/>
+                <a:ea typeface="+mn-ea"/>
+                <a:cs typeface="+mn-cs"/>
+              </a:defRPr>
+            </a:lvl8pPr>
+            <a:lvl9pPr marL="2468880" indent="-182880" algn="l" rtl="0" eaLnBrk="1" latinLnBrk="0" hangingPunct="1">
+              <a:spcBef>
+                <a:spcPct val="20000"/>
+              </a:spcBef>
+              <a:buClr>
+                <a:schemeClr val="tx2"/>
+              </a:buClr>
+              <a:buFontTx/>
+              <a:buChar char="•"/>
+              <a:defRPr kumimoji="0" sz="1400" kern="1200" baseline="0">
+                <a:solidFill>
+                  <a:schemeClr val="tx1"/>
+                </a:solidFill>
+                <a:latin typeface="+mn-lt"/>
+                <a:ea typeface="+mn-ea"/>
+                <a:cs typeface="+mn-cs"/>
+              </a:defRPr>
+            </a:lvl9pPr>
+          </a:lstStyle>
+          <a:p>
+            <a:pPr lvl="1"/>
+            <a:r>
+              <a:rPr lang="it-IT" dirty="0" smtClean="0"/>
+              <a:t>Gestione dei pagamenti </a:t>
+            </a:r>
+          </a:p>
+        </p:txBody>
+      </p:sp>
+      <p:pic>
+        <p:nvPicPr>
+          <p:cNvPr id="1027" name="Picture 3" descr="C:\Users\Amministratore\Desktop\CLIPART_OF_100983_SMJPG.jpg"/>
+          <p:cNvPicPr>
+            <a:picLocks noChangeAspect="1" noChangeArrowheads="1"/>
+          </p:cNvPicPr>
+          <p:nvPr/>
+        </p:nvPicPr>
+        <p:blipFill>
+          <a:blip r:embed="rId3" cstate="print"/>
+          <a:srcRect/>
+          <a:stretch>
+            <a:fillRect/>
+          </a:stretch>
+        </p:blipFill>
+        <p:spPr bwMode="auto">
+          <a:xfrm>
+            <a:off x="7382252" y="5000636"/>
+            <a:ext cx="1465336" cy="1857364"/>
+          </a:xfrm>
+          <a:prstGeom prst="rect">
+            <a:avLst/>
+          </a:prstGeom>
+          <a:noFill/>
+        </p:spPr>
+      </p:pic>
+    </p:spTree>
+    <p:extLst>
+      <p:ext uri="{BB962C8B-B14F-4D97-AF65-F5344CB8AC3E}">
+        <p14:creationId xmlns="" xmlns:p14="http://schemas.microsoft.com/office/powerpoint/2010/main" val="155874689"/>
+      </p:ext>
+    </p:extLst>
+  </p:cSld>
+  <p:clrMapOvr>
+    <a:masterClrMapping/>
+  </p:clrMapOvr>
+  <mc:AlternateContent xmlns:mc="http://schemas.openxmlformats.org/markup-compatibility/2006">
+    <mc:Choice xmlns="" xmlns:p14="http://schemas.microsoft.com/office/powerpoint/2010/main" Requires="p14">
+      <p:transition spd="slow" p14:dur="2000"/>
+    </mc:Choice>
+    <mc:Fallback>
+      <p:transition spd="slow"/>
+    </mc:Fallback>
+  </mc:AlternateContent>
+  <p:timing>
+    <p:tnLst>
+      <p:par>
+        <p:cTn id="1" dur="indefinite" restart="never" nodeType="tmRoot"/>
+      </p:par>
+    </p:tnLst>
+  </p:timing>
+</p:sld>
+</file>
+
+<file path=ppt/slides/slide37.xml><?xml version="1.0" encoding="utf-8"?>
+<p:sld xmlns:a="http://schemas.openxmlformats.org/drawingml/2006/main" xmlns:r="http://schemas.openxmlformats.org/officeDocument/2006/relationships" xmlns:p="http://schemas.openxmlformats.org/presentationml/2006/main">
+  <p:cSld>
+    <p:spTree>
+      <p:nvGrpSpPr>
+        <p:cNvPr id="1" name=""/>
+        <p:cNvGrpSpPr/>
+        <p:nvPr/>
+      </p:nvGrpSpPr>
+      <p:grpSpPr>
+        <a:xfrm>
+          <a:off x="0" y="0"/>
+          <a:ext cx="0" cy="0"/>
+          <a:chOff x="0" y="0"/>
+          <a:chExt cx="0" cy="0"/>
+        </a:xfrm>
+      </p:grpSpPr>
+      <p:sp>
+        <p:nvSpPr>
+          <p:cNvPr id="2" name="CasellaDiTesto 1"/>
+          <p:cNvSpPr txBox="1"/>
+          <p:nvPr/>
+        </p:nvSpPr>
+        <p:spPr>
+          <a:xfrm>
+            <a:off x="500034" y="476672"/>
+            <a:ext cx="8142305" cy="1538883"/>
+          </a:xfrm>
+          <a:prstGeom prst="rect">
+            <a:avLst/>
+          </a:prstGeom>
+          <a:noFill/>
+        </p:spPr>
+        <p:txBody>
+          <a:bodyPr wrap="square" rtlCol="0">
+            <a:spAutoFit/>
+          </a:bodyPr>
+          <a:lstStyle/>
+          <a:p>
+            <a:pPr algn="ctr"/>
+            <a:r>
+              <a:rPr lang="it-IT" sz="4800" b="1" dirty="0" smtClean="0"/>
+              <a:t>Obiettivi di Design</a:t>
+            </a:r>
+          </a:p>
+          <a:p>
+            <a:pPr algn="ctr"/>
+            <a:r>
+              <a:rPr lang="it-IT" sz="2800" b="1" dirty="0" smtClean="0">
+                <a:latin typeface="+mj-lt"/>
+              </a:rPr>
+              <a:t>Tempo di Risposta</a:t>
+            </a:r>
+          </a:p>
+          <a:p>
+            <a:pPr algn="ctr"/>
+            <a:endParaRPr lang="it-IT" dirty="0">
+              <a:latin typeface="+mj-lt"/>
+            </a:endParaRPr>
+          </a:p>
+        </p:txBody>
+      </p:sp>
+      <p:sp>
+        <p:nvSpPr>
+          <p:cNvPr id="6" name="Rettangolo 5"/>
+          <p:cNvSpPr/>
+          <p:nvPr/>
+        </p:nvSpPr>
+        <p:spPr>
+          <a:xfrm>
+            <a:off x="214282" y="1857365"/>
+            <a:ext cx="8786874" cy="1200329"/>
+          </a:xfrm>
+          <a:prstGeom prst="rect">
+            <a:avLst/>
+          </a:prstGeom>
+        </p:spPr>
+        <p:txBody>
+          <a:bodyPr wrap="square">
+            <a:spAutoFit/>
+          </a:bodyPr>
+          <a:lstStyle/>
+          <a:p>
+            <a:pPr algn="just"/>
+            <a:r>
+              <a:rPr lang="it-IT" sz="2400" dirty="0" smtClean="0"/>
+              <a:t>Gli utenti compiono giornalmente delle operazioni. Il sistema prevede di inviare una risposta all’utente in non più di 5 secondi. </a:t>
+            </a:r>
+          </a:p>
+          <a:p>
+            <a:pPr algn="just"/>
+            <a:r>
+              <a:rPr lang="it-IT" sz="2400" dirty="0" smtClean="0"/>
+              <a:t>Alcune delle operazioni che l’utente può effettuare :</a:t>
+            </a:r>
+          </a:p>
+        </p:txBody>
+      </p:sp>
+      <p:sp>
+        <p:nvSpPr>
+          <p:cNvPr id="4" name="Content Placeholder 3"/>
+          <p:cNvSpPr txBox="1">
+            <a:spLocks/>
+          </p:cNvSpPr>
+          <p:nvPr/>
+        </p:nvSpPr>
+        <p:spPr>
+          <a:xfrm>
+            <a:off x="285720" y="3571876"/>
+            <a:ext cx="5000660" cy="2353728"/>
+          </a:xfrm>
+          <a:prstGeom prst="rect">
+            <a:avLst/>
+          </a:prstGeom>
+        </p:spPr>
+        <p:txBody>
+          <a:bodyPr tIns="0"/>
+          <a:lstStyle>
+            <a:lvl1pPr marL="274320" indent="-274320" algn="l" rtl="0" eaLnBrk="1" latinLnBrk="0" hangingPunct="1">
+              <a:spcBef>
+                <a:spcPct val="20000"/>
+              </a:spcBef>
+              <a:buClrTx/>
+              <a:buSzPct val="95000"/>
+              <a:buFont typeface="Wingdings" pitchFamily="2" charset="2"/>
+              <a:buChar char="v"/>
+              <a:defRPr kumimoji="0" sz="2800" kern="1200">
+                <a:solidFill>
+                  <a:schemeClr val="tx1"/>
+                </a:solidFill>
+                <a:latin typeface="+mn-lt"/>
+                <a:ea typeface="+mn-ea"/>
+                <a:cs typeface="+mn-cs"/>
+              </a:defRPr>
+            </a:lvl1pPr>
+            <a:lvl2pPr marL="640080" indent="-246888" algn="l" rtl="0" eaLnBrk="1" latinLnBrk="0" hangingPunct="1">
+              <a:spcBef>
+                <a:spcPct val="20000"/>
+              </a:spcBef>
+              <a:buClrTx/>
+              <a:buSzPct val="85000"/>
+              <a:buFont typeface="Courier New" pitchFamily="49" charset="0"/>
+              <a:buChar char="o"/>
+              <a:defRPr kumimoji="0" sz="2600" kern="1200">
+                <a:solidFill>
+                  <a:schemeClr val="tx1"/>
+                </a:solidFill>
+                <a:latin typeface="+mn-lt"/>
+                <a:ea typeface="+mn-ea"/>
+                <a:cs typeface="+mn-cs"/>
+              </a:defRPr>
+            </a:lvl2pPr>
+            <a:lvl3pPr marL="914400" indent="-246888" algn="l" rtl="0" eaLnBrk="1" latinLnBrk="0" hangingPunct="1">
+              <a:spcBef>
+                <a:spcPct val="20000"/>
+              </a:spcBef>
+              <a:buClrTx/>
+              <a:buSzPct val="70000"/>
+              <a:buFont typeface="Wingdings 2"/>
+              <a:buChar char=""/>
+              <a:defRPr kumimoji="0" sz="2400" kern="1200">
+                <a:solidFill>
+                  <a:schemeClr val="tx1"/>
+                </a:solidFill>
+                <a:latin typeface="+mn-lt"/>
+                <a:ea typeface="+mn-ea"/>
+                <a:cs typeface="+mn-cs"/>
+              </a:defRPr>
+            </a:lvl3pPr>
+            <a:lvl4pPr marL="1188720" indent="-210312" algn="l" rtl="0" eaLnBrk="1" latinLnBrk="0" hangingPunct="1">
+              <a:spcBef>
+                <a:spcPct val="20000"/>
+              </a:spcBef>
+              <a:buClrTx/>
+              <a:buSzPct val="65000"/>
+              <a:buFont typeface="Wingdings 2"/>
+              <a:buChar char=""/>
+              <a:defRPr kumimoji="0" sz="2000" kern="1200">
+                <a:solidFill>
+                  <a:schemeClr val="tx1"/>
+                </a:solidFill>
+                <a:latin typeface="+mn-lt"/>
+                <a:ea typeface="+mn-ea"/>
+                <a:cs typeface="+mn-cs"/>
+              </a:defRPr>
+            </a:lvl4pPr>
+            <a:lvl5pPr marL="1463040" indent="-210312" algn="l" rtl="0" eaLnBrk="1" latinLnBrk="0" hangingPunct="1">
+              <a:spcBef>
+                <a:spcPct val="20000"/>
+              </a:spcBef>
+              <a:buClrTx/>
+              <a:buSzPct val="65000"/>
+              <a:buFont typeface="Wingdings 2"/>
+              <a:buChar char=""/>
+              <a:defRPr kumimoji="0" sz="1800" kern="1200">
+                <a:solidFill>
+                  <a:schemeClr val="tx1"/>
+                </a:solidFill>
+                <a:latin typeface="+mn-lt"/>
+                <a:ea typeface="+mn-ea"/>
+                <a:cs typeface="+mn-cs"/>
+              </a:defRPr>
+            </a:lvl5pPr>
+            <a:lvl6pPr marL="1737360" indent="-210312" algn="l" rtl="0" eaLnBrk="1" latinLnBrk="0" hangingPunct="1">
+              <a:spcBef>
+                <a:spcPct val="20000"/>
+              </a:spcBef>
+              <a:buClr>
+                <a:schemeClr val="accent5"/>
+              </a:buClr>
+              <a:buSzPct val="80000"/>
+              <a:buFont typeface="Wingdings 2"/>
+              <a:buChar char=""/>
+              <a:defRPr kumimoji="0" sz="1800" kern="1200">
+                <a:solidFill>
+                  <a:schemeClr val="tx1"/>
+                </a:solidFill>
+                <a:latin typeface="+mn-lt"/>
+                <a:ea typeface="+mn-ea"/>
+                <a:cs typeface="+mn-cs"/>
+              </a:defRPr>
+            </a:lvl6pPr>
+            <a:lvl7pPr marL="1920240" indent="-182880" algn="l" rtl="0" eaLnBrk="1" latinLnBrk="0" hangingPunct="1">
+              <a:spcBef>
+                <a:spcPct val="20000"/>
+              </a:spcBef>
+              <a:buClr>
+                <a:schemeClr val="accent6"/>
+              </a:buClr>
+              <a:buSzPct val="80000"/>
+              <a:buFont typeface="Wingdings 2"/>
+              <a:buChar char=""/>
+              <a:defRPr kumimoji="0" sz="1600" kern="1200" baseline="0">
+                <a:solidFill>
+                  <a:schemeClr val="tx1"/>
+                </a:solidFill>
+                <a:latin typeface="+mn-lt"/>
+                <a:ea typeface="+mn-ea"/>
+                <a:cs typeface="+mn-cs"/>
+              </a:defRPr>
+            </a:lvl7pPr>
+            <a:lvl8pPr marL="2194560" indent="-182880" algn="l" rtl="0" eaLnBrk="1" latinLnBrk="0" hangingPunct="1">
+              <a:spcBef>
+                <a:spcPct val="20000"/>
+              </a:spcBef>
+              <a:buClr>
+                <a:schemeClr val="tx2"/>
+              </a:buClr>
+              <a:buChar char="•"/>
+              <a:defRPr kumimoji="0" sz="1600" kern="1200">
+                <a:solidFill>
+                  <a:schemeClr val="tx1"/>
+                </a:solidFill>
+                <a:latin typeface="+mn-lt"/>
+                <a:ea typeface="+mn-ea"/>
+                <a:cs typeface="+mn-cs"/>
+              </a:defRPr>
+            </a:lvl8pPr>
+            <a:lvl9pPr marL="2468880" indent="-182880" algn="l" rtl="0" eaLnBrk="1" latinLnBrk="0" hangingPunct="1">
+              <a:spcBef>
+                <a:spcPct val="20000"/>
+              </a:spcBef>
+              <a:buClr>
+                <a:schemeClr val="tx2"/>
+              </a:buClr>
+              <a:buFontTx/>
+              <a:buChar char="•"/>
+              <a:defRPr kumimoji="0" sz="1400" kern="1200" baseline="0">
+                <a:solidFill>
+                  <a:schemeClr val="tx1"/>
+                </a:solidFill>
+                <a:latin typeface="+mn-lt"/>
+                <a:ea typeface="+mn-ea"/>
+                <a:cs typeface="+mn-cs"/>
+              </a:defRPr>
+            </a:lvl9pPr>
+          </a:lstStyle>
+          <a:p>
+            <a:pPr lvl="1"/>
+            <a:r>
+              <a:rPr lang="it-IT" dirty="0" smtClean="0"/>
+              <a:t>Visualizzazione graduatorie</a:t>
+            </a:r>
+          </a:p>
+          <a:p>
+            <a:pPr lvl="1"/>
+            <a:r>
+              <a:rPr lang="it-IT" dirty="0" smtClean="0"/>
+              <a:t> Inserimento Eventi</a:t>
+            </a:r>
+          </a:p>
+        </p:txBody>
+      </p:sp>
+      <p:pic>
+        <p:nvPicPr>
+          <p:cNvPr id="3074" name="Picture 2" descr="C:\Users\Amministratore\Desktop\12928006-disegno-vettoriale-di-orologio-colorato.jpg"/>
+          <p:cNvPicPr>
+            <a:picLocks noChangeAspect="1" noChangeArrowheads="1"/>
+          </p:cNvPicPr>
+          <p:nvPr/>
+        </p:nvPicPr>
+        <p:blipFill>
+          <a:blip r:embed="rId3" cstate="print"/>
+          <a:srcRect/>
+          <a:stretch>
+            <a:fillRect/>
+          </a:stretch>
+        </p:blipFill>
+        <p:spPr bwMode="auto">
+          <a:xfrm>
+            <a:off x="6858016" y="4500570"/>
+            <a:ext cx="2052637" cy="2052637"/>
+          </a:xfrm>
+          <a:prstGeom prst="rect">
+            <a:avLst/>
+          </a:prstGeom>
+          <a:noFill/>
+        </p:spPr>
+      </p:pic>
+    </p:spTree>
+    <p:extLst>
+      <p:ext uri="{BB962C8B-B14F-4D97-AF65-F5344CB8AC3E}">
+        <p14:creationId xmlns="" xmlns:p14="http://schemas.microsoft.com/office/powerpoint/2010/main" val="155874689"/>
+      </p:ext>
+    </p:extLst>
+  </p:cSld>
+  <p:clrMapOvr>
+    <a:masterClrMapping/>
+  </p:clrMapOvr>
+  <mc:AlternateContent xmlns:mc="http://schemas.openxmlformats.org/markup-compatibility/2006">
+    <mc:Choice xmlns="" xmlns:p14="http://schemas.microsoft.com/office/powerpoint/2010/main" Requires="p14">
+      <p:transition spd="slow" p14:dur="2000"/>
+    </mc:Choice>
+    <mc:Fallback>
+      <p:transition spd="slow"/>
+    </mc:Fallback>
+  </mc:AlternateContent>
+  <p:timing>
+    <p:tnLst>
+      <p:par>
+        <p:cTn id="1" dur="indefinite" restart="never" nodeType="tmRoot"/>
+      </p:par>
+    </p:tnLst>
+  </p:timing>
+</p:sld>
+</file>
+
+<file path=ppt/slides/slide38.xml><?xml version="1.0" encoding="utf-8"?>
+<p:sld xmlns:a="http://schemas.openxmlformats.org/drawingml/2006/main" xmlns:r="http://schemas.openxmlformats.org/officeDocument/2006/relationships" xmlns:p="http://schemas.openxmlformats.org/presentationml/2006/main">
+  <p:cSld>
+    <p:spTree>
+      <p:nvGrpSpPr>
+        <p:cNvPr id="1" name=""/>
+        <p:cNvGrpSpPr/>
+        <p:nvPr/>
+      </p:nvGrpSpPr>
+      <p:grpSpPr>
+        <a:xfrm>
+          <a:off x="0" y="0"/>
+          <a:ext cx="0" cy="0"/>
+          <a:chOff x="0" y="0"/>
+          <a:chExt cx="0" cy="0"/>
+        </a:xfrm>
+      </p:grpSpPr>
+      <p:sp>
+        <p:nvSpPr>
+          <p:cNvPr id="2" name="CasellaDiTesto 1"/>
+          <p:cNvSpPr txBox="1"/>
+          <p:nvPr/>
+        </p:nvSpPr>
+        <p:spPr>
+          <a:xfrm>
+            <a:off x="500034" y="476672"/>
+            <a:ext cx="8142305" cy="1538883"/>
+          </a:xfrm>
+          <a:prstGeom prst="rect">
+            <a:avLst/>
+          </a:prstGeom>
+          <a:noFill/>
+        </p:spPr>
+        <p:txBody>
+          <a:bodyPr wrap="square" rtlCol="0">
+            <a:spAutoFit/>
+          </a:bodyPr>
+          <a:lstStyle/>
+          <a:p>
+            <a:pPr algn="ctr"/>
+            <a:r>
+              <a:rPr lang="it-IT" sz="4800" b="1" dirty="0" smtClean="0"/>
+              <a:t>Obiettivi di Design</a:t>
+            </a:r>
+          </a:p>
+          <a:p>
+            <a:pPr algn="ctr"/>
+            <a:r>
+              <a:rPr lang="it-IT" sz="2800" b="1" dirty="0" smtClean="0">
+                <a:latin typeface="+mj-lt"/>
+              </a:rPr>
+              <a:t>Facilità di apprendimento</a:t>
+            </a:r>
+          </a:p>
+          <a:p>
+            <a:pPr algn="ctr"/>
+            <a:endParaRPr lang="it-IT" dirty="0">
+              <a:latin typeface="+mj-lt"/>
+            </a:endParaRPr>
+          </a:p>
+        </p:txBody>
+      </p:sp>
+      <p:sp>
+        <p:nvSpPr>
+          <p:cNvPr id="6" name="Rettangolo 5"/>
+          <p:cNvSpPr/>
+          <p:nvPr/>
+        </p:nvSpPr>
+        <p:spPr>
+          <a:xfrm>
+            <a:off x="214282" y="2208346"/>
+            <a:ext cx="8786874" cy="1384995"/>
+          </a:xfrm>
+          <a:prstGeom prst="rect">
+            <a:avLst/>
+          </a:prstGeom>
+        </p:spPr>
+        <p:txBody>
+          <a:bodyPr wrap="square">
+            <a:spAutoFit/>
+          </a:bodyPr>
+          <a:lstStyle/>
+          <a:p>
+            <a:pPr algn="just"/>
+            <a:r>
+              <a:rPr lang="it-IT" sz="2700" dirty="0" smtClean="0"/>
+              <a:t>Attraverso una semplice interfaccia grafica gli utenti potranno facilmente e velocemente apprendere il funzionamento del sistema.</a:t>
+            </a:r>
+            <a:r>
+              <a:rPr lang="it-IT" sz="2600" dirty="0" smtClean="0"/>
+              <a:t>	</a:t>
+            </a:r>
+          </a:p>
+        </p:txBody>
+      </p:sp>
+      <p:pic>
+        <p:nvPicPr>
+          <p:cNvPr id="2050" name="Picture 2" descr="C:\Users\Amministratore\Desktop\8717357-illustrazione-di-lavoratore-di-ufficio-con-un-grande-punto-interrogativo.jpg"/>
+          <p:cNvPicPr>
+            <a:picLocks noChangeAspect="1" noChangeArrowheads="1"/>
+          </p:cNvPicPr>
+          <p:nvPr/>
+        </p:nvPicPr>
+        <p:blipFill>
+          <a:blip r:embed="rId3" cstate="print"/>
+          <a:srcRect/>
+          <a:stretch>
+            <a:fillRect/>
+          </a:stretch>
+        </p:blipFill>
+        <p:spPr bwMode="auto">
+          <a:xfrm>
+            <a:off x="6643670" y="4000504"/>
+            <a:ext cx="2500330" cy="2500330"/>
+          </a:xfrm>
+          <a:prstGeom prst="rect">
+            <a:avLst/>
+          </a:prstGeom>
+          <a:noFill/>
+        </p:spPr>
+      </p:pic>
+    </p:spTree>
+    <p:extLst>
+      <p:ext uri="{BB962C8B-B14F-4D97-AF65-F5344CB8AC3E}">
+        <p14:creationId xmlns="" xmlns:p14="http://schemas.microsoft.com/office/powerpoint/2010/main" val="155874689"/>
+      </p:ext>
+    </p:extLst>
+  </p:cSld>
+  <p:clrMapOvr>
+    <a:masterClrMapping/>
+  </p:clrMapOvr>
+  <mc:AlternateContent xmlns:mc="http://schemas.openxmlformats.org/markup-compatibility/2006">
+    <mc:Choice xmlns="" xmlns:p14="http://schemas.microsoft.com/office/powerpoint/2010/main" Requires="p14">
+      <p:transition spd="slow" p14:dur="2000"/>
+    </mc:Choice>
+    <mc:Fallback>
+      <p:transition spd="slow"/>
+    </mc:Fallback>
+  </mc:AlternateContent>
+  <p:timing>
+    <p:tnLst>
+      <p:par>
+        <p:cTn id="1" dur="indefinite" restart="never" nodeType="tmRoot"/>
+      </p:par>
+    </p:tnLst>
+  </p:timing>
+</p:sld>
+</file>
+
+<file path=ppt/slides/slide39.xml><?xml version="1.0" encoding="utf-8"?>
 <p:sld xmlns:a="http://schemas.openxmlformats.org/drawingml/2006/main" xmlns:r="http://schemas.openxmlformats.org/officeDocument/2006/relationships" xmlns:p="http://schemas.openxmlformats.org/presentationml/2006/main">
   <p:cSld>
     <p:spTree>
@@ -11562,7 +13759,7 @@
         </p:nvSpPr>
         <p:spPr>
           <a:xfrm>
-            <a:off x="467544" y="664820"/>
+            <a:off x="467544" y="548680"/>
             <a:ext cx="8268353" cy="1107996"/>
           </a:xfrm>
           <a:prstGeom prst="rect">
@@ -11610,7 +13807,7 @@
             <a:fld id="{F89AEA99-3E91-4C58-9AD4-045DB5619AC3}" type="slidenum">
               <a:rPr lang="it-IT" smtClean="0"/>
               <a:pPr/>
-              <a:t>35</a:t>
+              <a:t>39</a:t>
             </a:fld>
             <a:endParaRPr lang="it-IT"/>
           </a:p>
@@ -11619,7 +13816,7 @@
     </p:spTree>
     <p:extLst>
       <p:ext uri="{BB962C8B-B14F-4D97-AF65-F5344CB8AC3E}">
-        <p14:creationId xmlns:p14="http://schemas.microsoft.com/office/powerpoint/2010/main" xmlns="" val="155874689"/>
+        <p14:creationId xmlns="" xmlns:p14="http://schemas.microsoft.com/office/powerpoint/2010/main" val="155874689"/>
       </p:ext>
     </p:extLst>
   </p:cSld>
@@ -11888,7 +14085,7 @@
 </p:sld>
 </file>
 
-<file path=ppt/slides/slide36.xml><?xml version="1.0" encoding="utf-8"?>
+<file path=ppt/slides/slide4.xml><?xml version="1.0" encoding="utf-8"?>
 <p:sld xmlns:a="http://schemas.openxmlformats.org/drawingml/2006/main" xmlns:r="http://schemas.openxmlformats.org/officeDocument/2006/relationships" xmlns:p="http://schemas.openxmlformats.org/presentationml/2006/main">
   <p:cSld>
     <p:spTree>
@@ -11907,6 +14104,338 @@
       </p:grpSpPr>
       <p:sp>
         <p:nvSpPr>
+          <p:cNvPr id="2" name="Titolo 1"/>
+          <p:cNvSpPr>
+            <a:spLocks noGrp="1"/>
+          </p:cNvSpPr>
+          <p:nvPr>
+            <p:ph type="title"/>
+          </p:nvPr>
+        </p:nvSpPr>
+        <p:spPr>
+          <a:xfrm>
+            <a:off x="1259632" y="836712"/>
+            <a:ext cx="6624736" cy="648072"/>
+          </a:xfrm>
+        </p:spPr>
+        <p:txBody>
+          <a:bodyPr>
+            <a:noAutofit/>
+          </a:bodyPr>
+          <a:lstStyle/>
+          <a:p>
+            <a:pPr algn="ctr"/>
+            <a:r>
+              <a:rPr lang="it-IT" sz="4800" b="1" dirty="0" smtClean="0"/>
+              <a:t>Gestione Pagamenti</a:t>
+            </a:r>
+            <a:endParaRPr lang="it-IT" sz="4800" b="1" dirty="0"/>
+          </a:p>
+        </p:txBody>
+      </p:sp>
+      <p:sp>
+        <p:nvSpPr>
+          <p:cNvPr id="3" name="Titolo 1"/>
+          <p:cNvSpPr txBox="1">
+            <a:spLocks/>
+          </p:cNvSpPr>
+          <p:nvPr/>
+        </p:nvSpPr>
+        <p:spPr>
+          <a:xfrm>
+            <a:off x="2915816" y="1340768"/>
+            <a:ext cx="3096344" cy="648072"/>
+          </a:xfrm>
+          <a:prstGeom prst="rect">
+            <a:avLst/>
+          </a:prstGeom>
+        </p:spPr>
+        <p:txBody>
+          <a:bodyPr vert="horz" lIns="0" tIns="45720" rIns="0" bIns="0" anchor="b">
+            <a:noAutofit/>
+            <a:scene3d>
+              <a:camera prst="orthographicFront"/>
+              <a:lightRig rig="freezing" dir="t">
+                <a:rot lat="0" lon="0" rev="5640000"/>
+              </a:lightRig>
+            </a:scene3d>
+            <a:sp3d prstMaterial="flat">
+              <a:contourClr>
+                <a:schemeClr val="tx2"/>
+              </a:contourClr>
+            </a:sp3d>
+          </a:bodyPr>
+          <a:lstStyle>
+            <a:lvl1pPr algn="l" rtl="0" eaLnBrk="1" latinLnBrk="0" hangingPunct="1">
+              <a:spcBef>
+                <a:spcPct val="0"/>
+              </a:spcBef>
+              <a:buNone/>
+              <a:defRPr kumimoji="0" sz="5000" b="0" kern="1200">
+                <a:ln>
+                  <a:noFill/>
+                </a:ln>
+                <a:solidFill>
+                  <a:schemeClr val="bg1"/>
+                </a:solidFill>
+                <a:effectLst/>
+                <a:latin typeface="+mj-lt"/>
+                <a:ea typeface="+mj-ea"/>
+                <a:cs typeface="+mj-cs"/>
+              </a:defRPr>
+            </a:lvl1pPr>
+          </a:lstStyle>
+          <a:p>
+            <a:pPr algn="ctr"/>
+            <a:r>
+              <a:rPr lang="it-IT" sz="3200" b="1" dirty="0" smtClean="0"/>
+              <a:t>Obiettivo</a:t>
+            </a:r>
+            <a:endParaRPr lang="it-IT" sz="3200" b="1" dirty="0"/>
+          </a:p>
+        </p:txBody>
+      </p:sp>
+      <p:sp>
+        <p:nvSpPr>
+          <p:cNvPr id="6" name="Rettangolo 5"/>
+          <p:cNvSpPr/>
+          <p:nvPr/>
+        </p:nvSpPr>
+        <p:spPr>
+          <a:xfrm>
+            <a:off x="374580" y="2492896"/>
+            <a:ext cx="8589908" cy="1384995"/>
+          </a:xfrm>
+          <a:prstGeom prst="rect">
+            <a:avLst/>
+          </a:prstGeom>
+        </p:spPr>
+        <p:txBody>
+          <a:bodyPr wrap="square">
+            <a:spAutoFit/>
+          </a:bodyPr>
+          <a:lstStyle/>
+          <a:p>
+            <a:r>
+              <a:rPr lang="it-IT" sz="2800" dirty="0"/>
+              <a:t>P</a:t>
+            </a:r>
+            <a:r>
+              <a:rPr lang="it-IT" sz="2800" dirty="0" smtClean="0"/>
+              <a:t>ermettere </a:t>
+            </a:r>
+            <a:r>
+              <a:rPr lang="it-IT" sz="2800" dirty="0"/>
+              <a:t>agli utenti di usufruire, in maniera semplice ed </a:t>
+            </a:r>
+            <a:r>
+              <a:rPr lang="it-IT" sz="2800" dirty="0" smtClean="0"/>
+              <a:t>efficiente, di un servizio che prevede la visualizzazione </a:t>
+            </a:r>
+            <a:r>
+              <a:rPr lang="it-IT" sz="2800" dirty="0"/>
+              <a:t>e controllo dei pagamenti effettuati dagli utenti.</a:t>
+            </a:r>
+            <a:endParaRPr lang="it-IT" sz="2800" dirty="0">
+              <a:effectLst/>
+            </a:endParaRPr>
+          </a:p>
+        </p:txBody>
+      </p:sp>
+      <p:pic>
+        <p:nvPicPr>
+          <p:cNvPr id="1026" name="Picture 2" descr="C:\Users\Marko\Desktop\pagamenti.jpg"/>
+          <p:cNvPicPr>
+            <a:picLocks noChangeAspect="1" noChangeArrowheads="1"/>
+          </p:cNvPicPr>
+          <p:nvPr/>
+        </p:nvPicPr>
+        <p:blipFill>
+          <a:blip r:embed="rId3" cstate="print">
+            <a:extLst>
+              <a:ext uri="{28A0092B-C50C-407E-A947-70E740481C1C}">
+                <a14:useLocalDpi xmlns:a14="http://schemas.microsoft.com/office/drawing/2010/main" xmlns="" val="0"/>
+              </a:ext>
+            </a:extLst>
+          </a:blip>
+          <a:srcRect/>
+          <a:stretch>
+            <a:fillRect/>
+          </a:stretch>
+        </p:blipFill>
+        <p:spPr bwMode="auto">
+          <a:xfrm>
+            <a:off x="6732240" y="4077072"/>
+            <a:ext cx="1842025" cy="2367002"/>
+          </a:xfrm>
+          <a:prstGeom prst="rect">
+            <a:avLst/>
+          </a:prstGeom>
+          <a:noFill/>
+          <a:extLst>
+            <a:ext uri="{909E8E84-426E-40DD-AFC4-6F175D3DCCD1}">
+              <a14:hiddenFill xmlns:a14="http://schemas.microsoft.com/office/drawing/2010/main" xmlns="">
+                <a:solidFill>
+                  <a:srgbClr val="FFFFFF"/>
+                </a:solidFill>
+              </a14:hiddenFill>
+            </a:ext>
+          </a:extLst>
+        </p:spPr>
+      </p:pic>
+    </p:spTree>
+    <p:extLst>
+      <p:ext uri="{BB962C8B-B14F-4D97-AF65-F5344CB8AC3E}">
+        <p14:creationId xmlns:p14="http://schemas.microsoft.com/office/powerpoint/2010/main" xmlns="" val="530534880"/>
+      </p:ext>
+    </p:extLst>
+  </p:cSld>
+  <p:clrMapOvr>
+    <a:masterClrMapping/>
+  </p:clrMapOvr>
+  <p:timing>
+    <p:tnLst>
+      <p:par>
+        <p:cTn id="1" dur="indefinite" restart="never" nodeType="tmRoot">
+          <p:childTnLst>
+            <p:seq concurrent="1" nextAc="seek">
+              <p:cTn id="2" dur="indefinite" nodeType="mainSeq">
+                <p:childTnLst>
+                  <p:par>
+                    <p:cTn id="3" fill="hold">
+                      <p:stCondLst>
+                        <p:cond delay="indefinite"/>
+                      </p:stCondLst>
+                      <p:childTnLst>
+                        <p:par>
+                          <p:cTn id="4" fill="hold">
+                            <p:stCondLst>
+                              <p:cond delay="0"/>
+                            </p:stCondLst>
+                            <p:childTnLst>
+                              <p:par>
+                                <p:cTn id="5" presetID="10" presetClass="entr" presetSubtype="0" fill="hold" grpId="0" nodeType="clickEffect">
+                                  <p:stCondLst>
+                                    <p:cond delay="0"/>
+                                  </p:stCondLst>
+                                  <p:childTnLst>
+                                    <p:set>
+                                      <p:cBhvr>
+                                        <p:cTn id="6" dur="1" fill="hold">
+                                          <p:stCondLst>
+                                            <p:cond delay="0"/>
+                                          </p:stCondLst>
+                                        </p:cTn>
+                                        <p:tgtEl>
+                                          <p:spTgt spid="6"/>
+                                        </p:tgtEl>
+                                        <p:attrNameLst>
+                                          <p:attrName>style.visibility</p:attrName>
+                                        </p:attrNameLst>
+                                      </p:cBhvr>
+                                      <p:to>
+                                        <p:strVal val="visible"/>
+                                      </p:to>
+                                    </p:set>
+                                    <p:animEffect transition="in" filter="fade">
+                                      <p:cBhvr>
+                                        <p:cTn id="7" dur="1000"/>
+                                        <p:tgtEl>
+                                          <p:spTgt spid="6"/>
+                                        </p:tgtEl>
+                                      </p:cBhvr>
+                                    </p:animEffect>
+                                  </p:childTnLst>
+                                </p:cTn>
+                              </p:par>
+                              <p:par>
+                                <p:cTn id="8" presetID="10" presetClass="entr" presetSubtype="0" fill="hold" nodeType="withEffect">
+                                  <p:stCondLst>
+                                    <p:cond delay="0"/>
+                                  </p:stCondLst>
+                                  <p:childTnLst>
+                                    <p:set>
+                                      <p:cBhvr>
+                                        <p:cTn id="9" dur="1" fill="hold">
+                                          <p:stCondLst>
+                                            <p:cond delay="0"/>
+                                          </p:stCondLst>
+                                        </p:cTn>
+                                        <p:tgtEl>
+                                          <p:spTgt spid="1026"/>
+                                        </p:tgtEl>
+                                        <p:attrNameLst>
+                                          <p:attrName>style.visibility</p:attrName>
+                                        </p:attrNameLst>
+                                      </p:cBhvr>
+                                      <p:to>
+                                        <p:strVal val="visible"/>
+                                      </p:to>
+                                    </p:set>
+                                    <p:animEffect transition="in" filter="fade">
+                                      <p:cBhvr>
+                                        <p:cTn id="10" dur="1000"/>
+                                        <p:tgtEl>
+                                          <p:spTgt spid="1026"/>
+                                        </p:tgtEl>
+                                      </p:cBhvr>
+                                    </p:animEffect>
+                                  </p:childTnLst>
+                                </p:cTn>
+                              </p:par>
+                            </p:childTnLst>
+                          </p:cTn>
+                        </p:par>
+                      </p:childTnLst>
+                    </p:cTn>
+                  </p:par>
+                </p:childTnLst>
+              </p:cTn>
+              <p:prevCondLst>
+                <p:cond evt="onPrev" delay="0">
+                  <p:tgtEl>
+                    <p:sldTgt/>
+                  </p:tgtEl>
+                </p:cond>
+              </p:prevCondLst>
+              <p:nextCondLst>
+                <p:cond evt="onNext" delay="0">
+                  <p:tgtEl>
+                    <p:sldTgt/>
+                  </p:tgtEl>
+                </p:cond>
+              </p:nextCondLst>
+            </p:seq>
+          </p:childTnLst>
+        </p:cTn>
+      </p:par>
+    </p:tnLst>
+    <p:bldLst>
+      <p:bldP spid="6" grpId="0"/>
+    </p:bldLst>
+  </p:timing>
+</p:sld>
+</file>
+
+<file path=ppt/slides/slide40.xml><?xml version="1.0" encoding="utf-8"?>
+<p:sld xmlns:a="http://schemas.openxmlformats.org/drawingml/2006/main" xmlns:r="http://schemas.openxmlformats.org/officeDocument/2006/relationships" xmlns:p="http://schemas.openxmlformats.org/presentationml/2006/main">
+  <p:cSld>
+    <p:spTree>
+      <p:nvGrpSpPr>
+        <p:cNvPr id="1" name=""/>
+        <p:cNvGrpSpPr/>
+        <p:nvPr/>
+      </p:nvGrpSpPr>
+      <p:grpSpPr>
+        <a:xfrm>
+          <a:off x="0" y="0"/>
+          <a:ext cx="0" cy="0"/>
+          <a:chOff x="0" y="0"/>
+          <a:chExt cx="0" cy="0"/>
+        </a:xfrm>
+      </p:grpSpPr>
+      <p:sp>
+        <p:nvSpPr>
           <p:cNvPr id="4" name="Segnaposto numero diapositiva 3"/>
           <p:cNvSpPr>
             <a:spLocks noGrp="1"/>
@@ -11923,7 +14452,7 @@
             <a:fld id="{F89AEA99-3E91-4C58-9AD4-045DB5619AC3}" type="slidenum">
               <a:rPr lang="it-IT" smtClean="0"/>
               <a:pPr/>
-              <a:t>36</a:t>
+              <a:t>40</a:t>
             </a:fld>
             <a:endParaRPr lang="it-IT"/>
           </a:p>
@@ -12463,7 +14992,7 @@
 </p:sld>
 </file>
 
-<file path=ppt/slides/slide37.xml><?xml version="1.0" encoding="utf-8"?>
+<file path=ppt/slides/slide41.xml><?xml version="1.0" encoding="utf-8"?>
 <p:sld xmlns:a="http://schemas.openxmlformats.org/drawingml/2006/main" xmlns:r="http://schemas.openxmlformats.org/officeDocument/2006/relationships" xmlns:p="http://schemas.openxmlformats.org/presentationml/2006/main">
   <p:cSld>
     <p:spTree>
@@ -12489,7 +15018,7 @@
           <p:nvPr/>
         </p:nvPicPr>
         <p:blipFill>
-          <a:blip r:embed="rId2" cstate="print"/>
+          <a:blip r:embed="rId3" cstate="print"/>
           <a:srcRect/>
           <a:stretch>
             <a:fillRect/>
@@ -13657,7 +16186,7 @@
             <a:fld id="{F89AEA99-3E91-4C58-9AD4-045DB5619AC3}" type="slidenum">
               <a:rPr lang="it-IT" smtClean="0"/>
               <a:pPr/>
-              <a:t>37</a:t>
+              <a:t>41</a:t>
             </a:fld>
             <a:endParaRPr lang="it-IT"/>
           </a:p>
@@ -13666,7 +16195,7 @@
     </p:spTree>
     <p:extLst>
       <p:ext uri="{BB962C8B-B14F-4D97-AF65-F5344CB8AC3E}">
-        <p14:creationId xmlns:p14="http://schemas.microsoft.com/office/powerpoint/2010/main" xmlns="" val="155874689"/>
+        <p14:creationId xmlns="" xmlns:p14="http://schemas.microsoft.com/office/powerpoint/2010/main" val="155874689"/>
       </p:ext>
     </p:extLst>
   </p:cSld>
@@ -13674,7 +16203,7 @@
     <a:masterClrMapping/>
   </p:clrMapOvr>
   <mc:AlternateContent xmlns:mc="http://schemas.openxmlformats.org/markup-compatibility/2006">
-    <mc:Choice xmlns:p14="http://schemas.microsoft.com/office/powerpoint/2010/main" xmlns="" Requires="p14">
+    <mc:Choice xmlns="" xmlns:p14="http://schemas.microsoft.com/office/powerpoint/2010/main" Requires="p14">
       <p:transition spd="slow" p14:dur="2000"/>
     </mc:Choice>
     <mc:Fallback>
@@ -14193,7 +16722,7 @@
 </p:sld>
 </file>
 
-<file path=ppt/slides/slide38.xml><?xml version="1.0" encoding="utf-8"?>
+<file path=ppt/slides/slide42.xml><?xml version="1.0" encoding="utf-8"?>
 <p:sld xmlns:a="http://schemas.openxmlformats.org/drawingml/2006/main" xmlns:r="http://schemas.openxmlformats.org/officeDocument/2006/relationships" xmlns:p="http://schemas.openxmlformats.org/presentationml/2006/main">
   <p:cSld>
     <p:spTree>
@@ -14722,7 +17251,7 @@
             <a:fld id="{F89AEA99-3E91-4C58-9AD4-045DB5619AC3}" type="slidenum">
               <a:rPr lang="it-IT" smtClean="0"/>
               <a:pPr/>
-              <a:t>38</a:t>
+              <a:t>42</a:t>
             </a:fld>
             <a:endParaRPr lang="it-IT"/>
           </a:p>
@@ -14763,7 +17292,7 @@
     </p:spTree>
     <p:extLst>
       <p:ext uri="{BB962C8B-B14F-4D97-AF65-F5344CB8AC3E}">
-        <p14:creationId xmlns:p14="http://schemas.microsoft.com/office/powerpoint/2010/main" xmlns="" val="155874689"/>
+        <p14:creationId xmlns="" xmlns:p14="http://schemas.microsoft.com/office/powerpoint/2010/main" val="155874689"/>
       </p:ext>
     </p:extLst>
   </p:cSld>
@@ -14771,7 +17300,7 @@
     <a:masterClrMapping/>
   </p:clrMapOvr>
   <mc:AlternateContent xmlns:mc="http://schemas.openxmlformats.org/markup-compatibility/2006">
-    <mc:Choice xmlns:p14="http://schemas.microsoft.com/office/powerpoint/2010/main" xmlns="" Requires="p14">
+    <mc:Choice xmlns="" xmlns:p14="http://schemas.microsoft.com/office/powerpoint/2010/main" Requires="p14">
       <p:transition spd="slow" p14:dur="2000"/>
     </mc:Choice>
     <mc:Fallback>
@@ -14987,7 +17516,7 @@
 </p:sld>
 </file>
 
-<file path=ppt/slides/slide39.xml><?xml version="1.0" encoding="utf-8"?>
+<file path=ppt/slides/slide43.xml><?xml version="1.0" encoding="utf-8"?>
 <p:sld xmlns:a="http://schemas.openxmlformats.org/drawingml/2006/main" xmlns:r="http://schemas.openxmlformats.org/officeDocument/2006/relationships" xmlns:p="http://schemas.openxmlformats.org/presentationml/2006/main">
   <p:cSld>
     <p:spTree>
@@ -15485,7 +18014,7 @@
             <a:fld id="{F89AEA99-3E91-4C58-9AD4-045DB5619AC3}" type="slidenum">
               <a:rPr lang="it-IT" smtClean="0"/>
               <a:pPr/>
-              <a:t>39</a:t>
+              <a:t>43</a:t>
             </a:fld>
             <a:endParaRPr lang="it-IT"/>
           </a:p>
@@ -15686,339 +18215,7 @@
 </p:sld>
 </file>
 
-<file path=ppt/slides/slide4.xml><?xml version="1.0" encoding="utf-8"?>
-<p:sld xmlns:a="http://schemas.openxmlformats.org/drawingml/2006/main" xmlns:r="http://schemas.openxmlformats.org/officeDocument/2006/relationships" xmlns:p="http://schemas.openxmlformats.org/presentationml/2006/main">
-  <p:cSld>
-    <p:spTree>
-      <p:nvGrpSpPr>
-        <p:cNvPr id="1" name=""/>
-        <p:cNvGrpSpPr/>
-        <p:nvPr/>
-      </p:nvGrpSpPr>
-      <p:grpSpPr>
-        <a:xfrm>
-          <a:off x="0" y="0"/>
-          <a:ext cx="0" cy="0"/>
-          <a:chOff x="0" y="0"/>
-          <a:chExt cx="0" cy="0"/>
-        </a:xfrm>
-      </p:grpSpPr>
-      <p:sp>
-        <p:nvSpPr>
-          <p:cNvPr id="2" name="Titolo 1"/>
-          <p:cNvSpPr>
-            <a:spLocks noGrp="1"/>
-          </p:cNvSpPr>
-          <p:nvPr>
-            <p:ph type="title"/>
-          </p:nvPr>
-        </p:nvSpPr>
-        <p:spPr>
-          <a:xfrm>
-            <a:off x="1259632" y="836712"/>
-            <a:ext cx="6624736" cy="648072"/>
-          </a:xfrm>
-        </p:spPr>
-        <p:txBody>
-          <a:bodyPr>
-            <a:noAutofit/>
-          </a:bodyPr>
-          <a:lstStyle/>
-          <a:p>
-            <a:pPr algn="ctr"/>
-            <a:r>
-              <a:rPr lang="it-IT" sz="4800" b="1" dirty="0" smtClean="0"/>
-              <a:t>Gestione Pagamenti</a:t>
-            </a:r>
-            <a:endParaRPr lang="it-IT" sz="4800" b="1" dirty="0"/>
-          </a:p>
-        </p:txBody>
-      </p:sp>
-      <p:sp>
-        <p:nvSpPr>
-          <p:cNvPr id="3" name="Titolo 1"/>
-          <p:cNvSpPr txBox="1">
-            <a:spLocks/>
-          </p:cNvSpPr>
-          <p:nvPr/>
-        </p:nvSpPr>
-        <p:spPr>
-          <a:xfrm>
-            <a:off x="2915816" y="1340768"/>
-            <a:ext cx="3096344" cy="648072"/>
-          </a:xfrm>
-          <a:prstGeom prst="rect">
-            <a:avLst/>
-          </a:prstGeom>
-        </p:spPr>
-        <p:txBody>
-          <a:bodyPr vert="horz" lIns="0" tIns="45720" rIns="0" bIns="0" anchor="b">
-            <a:noAutofit/>
-            <a:scene3d>
-              <a:camera prst="orthographicFront"/>
-              <a:lightRig rig="freezing" dir="t">
-                <a:rot lat="0" lon="0" rev="5640000"/>
-              </a:lightRig>
-            </a:scene3d>
-            <a:sp3d prstMaterial="flat">
-              <a:contourClr>
-                <a:schemeClr val="tx2"/>
-              </a:contourClr>
-            </a:sp3d>
-          </a:bodyPr>
-          <a:lstStyle>
-            <a:lvl1pPr algn="l" rtl="0" eaLnBrk="1" latinLnBrk="0" hangingPunct="1">
-              <a:spcBef>
-                <a:spcPct val="0"/>
-              </a:spcBef>
-              <a:buNone/>
-              <a:defRPr kumimoji="0" sz="5000" b="0" kern="1200">
-                <a:ln>
-                  <a:noFill/>
-                </a:ln>
-                <a:solidFill>
-                  <a:schemeClr val="bg1"/>
-                </a:solidFill>
-                <a:effectLst/>
-                <a:latin typeface="+mj-lt"/>
-                <a:ea typeface="+mj-ea"/>
-                <a:cs typeface="+mj-cs"/>
-              </a:defRPr>
-            </a:lvl1pPr>
-          </a:lstStyle>
-          <a:p>
-            <a:pPr algn="ctr"/>
-            <a:r>
-              <a:rPr lang="it-IT" sz="3200" b="1" dirty="0" smtClean="0"/>
-              <a:t>Obiettivo</a:t>
-            </a:r>
-            <a:endParaRPr lang="it-IT" sz="3200" b="1" dirty="0"/>
-          </a:p>
-        </p:txBody>
-      </p:sp>
-      <p:sp>
-        <p:nvSpPr>
-          <p:cNvPr id="6" name="Rettangolo 5"/>
-          <p:cNvSpPr/>
-          <p:nvPr/>
-        </p:nvSpPr>
-        <p:spPr>
-          <a:xfrm>
-            <a:off x="374580" y="2492896"/>
-            <a:ext cx="8589908" cy="1384995"/>
-          </a:xfrm>
-          <a:prstGeom prst="rect">
-            <a:avLst/>
-          </a:prstGeom>
-        </p:spPr>
-        <p:txBody>
-          <a:bodyPr wrap="square">
-            <a:spAutoFit/>
-          </a:bodyPr>
-          <a:lstStyle/>
-          <a:p>
-            <a:r>
-              <a:rPr lang="it-IT" sz="2800" dirty="0"/>
-              <a:t>P</a:t>
-            </a:r>
-            <a:r>
-              <a:rPr lang="it-IT" sz="2800" dirty="0" smtClean="0"/>
-              <a:t>ermettere </a:t>
-            </a:r>
-            <a:r>
-              <a:rPr lang="it-IT" sz="2800" dirty="0"/>
-              <a:t>agli utenti di usufruire, in maniera semplice ed </a:t>
-            </a:r>
-            <a:r>
-              <a:rPr lang="it-IT" sz="2800" dirty="0" smtClean="0"/>
-              <a:t>efficiente, di un servizio che prevede la visualizzazione </a:t>
-            </a:r>
-            <a:r>
-              <a:rPr lang="it-IT" sz="2800" dirty="0"/>
-              <a:t>e controllo dei pagamenti effettuati dagli utenti.</a:t>
-            </a:r>
-            <a:endParaRPr lang="it-IT" sz="2800" dirty="0">
-              <a:effectLst/>
-            </a:endParaRPr>
-          </a:p>
-        </p:txBody>
-      </p:sp>
-      <p:pic>
-        <p:nvPicPr>
-          <p:cNvPr id="1026" name="Picture 2" descr="C:\Users\Marko\Desktop\pagamenti.jpg"/>
-          <p:cNvPicPr>
-            <a:picLocks noChangeAspect="1" noChangeArrowheads="1"/>
-          </p:cNvPicPr>
-          <p:nvPr/>
-        </p:nvPicPr>
-        <p:blipFill>
-          <a:blip r:embed="rId3" cstate="print">
-            <a:extLst>
-              <a:ext uri="{28A0092B-C50C-407E-A947-70E740481C1C}">
-                <a14:useLocalDpi xmlns="" xmlns:a14="http://schemas.microsoft.com/office/drawing/2010/main" val="0"/>
-              </a:ext>
-            </a:extLst>
-          </a:blip>
-          <a:srcRect/>
-          <a:stretch>
-            <a:fillRect/>
-          </a:stretch>
-        </p:blipFill>
-        <p:spPr bwMode="auto">
-          <a:xfrm>
-            <a:off x="6732240" y="4077072"/>
-            <a:ext cx="1842025" cy="2367002"/>
-          </a:xfrm>
-          <a:prstGeom prst="rect">
-            <a:avLst/>
-          </a:prstGeom>
-          <a:noFill/>
-          <a:extLst>
-            <a:ext uri="{909E8E84-426E-40DD-AFC4-6F175D3DCCD1}">
-              <a14:hiddenFill xmlns="" xmlns:a14="http://schemas.microsoft.com/office/drawing/2010/main">
-                <a:solidFill>
-                  <a:srgbClr val="FFFFFF"/>
-                </a:solidFill>
-              </a14:hiddenFill>
-            </a:ext>
-          </a:extLst>
-        </p:spPr>
-      </p:pic>
-    </p:spTree>
-    <p:extLst>
-      <p:ext uri="{BB962C8B-B14F-4D97-AF65-F5344CB8AC3E}">
-        <p14:creationId xmlns="" xmlns:p14="http://schemas.microsoft.com/office/powerpoint/2010/main" val="530534880"/>
-      </p:ext>
-    </p:extLst>
-  </p:cSld>
-  <p:clrMapOvr>
-    <a:masterClrMapping/>
-  </p:clrMapOvr>
-  <p:timing>
-    <p:tnLst>
-      <p:par>
-        <p:cTn id="1" dur="indefinite" restart="never" nodeType="tmRoot">
-          <p:childTnLst>
-            <p:seq concurrent="1" nextAc="seek">
-              <p:cTn id="2" dur="indefinite" nodeType="mainSeq">
-                <p:childTnLst>
-                  <p:par>
-                    <p:cTn id="3" fill="hold">
-                      <p:stCondLst>
-                        <p:cond delay="indefinite"/>
-                      </p:stCondLst>
-                      <p:childTnLst>
-                        <p:par>
-                          <p:cTn id="4" fill="hold">
-                            <p:stCondLst>
-                              <p:cond delay="0"/>
-                            </p:stCondLst>
-                            <p:childTnLst>
-                              <p:par>
-                                <p:cTn id="5" presetID="10" presetClass="entr" presetSubtype="0" fill="hold" grpId="0" nodeType="clickEffect">
-                                  <p:stCondLst>
-                                    <p:cond delay="0"/>
-                                  </p:stCondLst>
-                                  <p:childTnLst>
-                                    <p:set>
-                                      <p:cBhvr>
-                                        <p:cTn id="6" dur="1" fill="hold">
-                                          <p:stCondLst>
-                                            <p:cond delay="0"/>
-                                          </p:stCondLst>
-                                        </p:cTn>
-                                        <p:tgtEl>
-                                          <p:spTgt spid="6"/>
-                                        </p:tgtEl>
-                                        <p:attrNameLst>
-                                          <p:attrName>style.visibility</p:attrName>
-                                        </p:attrNameLst>
-                                      </p:cBhvr>
-                                      <p:to>
-                                        <p:strVal val="visible"/>
-                                      </p:to>
-                                    </p:set>
-                                    <p:animEffect transition="in" filter="fade">
-                                      <p:cBhvr>
-                                        <p:cTn id="7" dur="1000"/>
-                                        <p:tgtEl>
-                                          <p:spTgt spid="6"/>
-                                        </p:tgtEl>
-                                      </p:cBhvr>
-                                    </p:animEffect>
-                                  </p:childTnLst>
-                                </p:cTn>
-                              </p:par>
-                              <p:par>
-                                <p:cTn id="8" presetID="10" presetClass="entr" presetSubtype="0" fill="hold" nodeType="withEffect">
-                                  <p:stCondLst>
-                                    <p:cond delay="0"/>
-                                  </p:stCondLst>
-                                  <p:childTnLst>
-                                    <p:set>
-                                      <p:cBhvr>
-                                        <p:cTn id="9" dur="1" fill="hold">
-                                          <p:stCondLst>
-                                            <p:cond delay="0"/>
-                                          </p:stCondLst>
-                                        </p:cTn>
-                                        <p:tgtEl>
-                                          <p:spTgt spid="1026"/>
-                                        </p:tgtEl>
-                                        <p:attrNameLst>
-                                          <p:attrName>style.visibility</p:attrName>
-                                        </p:attrNameLst>
-                                      </p:cBhvr>
-                                      <p:to>
-                                        <p:strVal val="visible"/>
-                                      </p:to>
-                                    </p:set>
-                                    <p:animEffect transition="in" filter="fade">
-                                      <p:cBhvr>
-                                        <p:cTn id="10" dur="1000"/>
-                                        <p:tgtEl>
-                                          <p:spTgt spid="1026"/>
-                                        </p:tgtEl>
-                                      </p:cBhvr>
-                                    </p:animEffect>
-                                  </p:childTnLst>
-                                </p:cTn>
-                              </p:par>
-                            </p:childTnLst>
-                          </p:cTn>
-                        </p:par>
-                      </p:childTnLst>
-                    </p:cTn>
-                  </p:par>
-                </p:childTnLst>
-              </p:cTn>
-              <p:prevCondLst>
-                <p:cond evt="onPrev" delay="0">
-                  <p:tgtEl>
-                    <p:sldTgt/>
-                  </p:tgtEl>
-                </p:cond>
-              </p:prevCondLst>
-              <p:nextCondLst>
-                <p:cond evt="onNext" delay="0">
-                  <p:tgtEl>
-                    <p:sldTgt/>
-                  </p:tgtEl>
-                </p:cond>
-              </p:nextCondLst>
-            </p:seq>
-          </p:childTnLst>
-        </p:cTn>
-      </p:par>
-    </p:tnLst>
-    <p:bldLst>
-      <p:bldP spid="6" grpId="0"/>
-    </p:bldLst>
-  </p:timing>
-</p:sld>
-</file>
-
-<file path=ppt/slides/slide40.xml><?xml version="1.0" encoding="utf-8"?>
+<file path=ppt/slides/slide44.xml><?xml version="1.0" encoding="utf-8"?>
 <p:sld xmlns:a="http://schemas.openxmlformats.org/drawingml/2006/main" xmlns:r="http://schemas.openxmlformats.org/officeDocument/2006/relationships" xmlns:p="http://schemas.openxmlformats.org/presentationml/2006/main">
   <p:cSld>
     <p:spTree>
@@ -16052,7 +18249,7 @@
         </p:blipFill>
         <p:spPr bwMode="auto">
           <a:xfrm>
-            <a:off x="3635896" y="844996"/>
+            <a:off x="3780468" y="844996"/>
             <a:ext cx="5184020" cy="5536332"/>
           </a:xfrm>
           <a:prstGeom prst="rect">
@@ -16085,7 +18282,7 @@
             <a:fld id="{F89AEA99-3E91-4C58-9AD4-045DB5619AC3}" type="slidenum">
               <a:rPr lang="it-IT" smtClean="0"/>
               <a:pPr/>
-              <a:t>40</a:t>
+              <a:t>44</a:t>
             </a:fld>
             <a:endParaRPr lang="it-IT"/>
           </a:p>
@@ -16108,7 +18305,7 @@
         </p:blipFill>
         <p:spPr bwMode="auto">
           <a:xfrm>
-            <a:off x="3456384" y="781614"/>
+            <a:off x="3672408" y="836712"/>
             <a:ext cx="5220072" cy="5599714"/>
           </a:xfrm>
           <a:prstGeom prst="rect">
@@ -16306,13 +18503,8 @@
             <a:pPr marL="0" indent="0"/>
             <a:r>
               <a:rPr lang="it-IT" sz="2500" dirty="0" smtClean="0"/>
-              <a:t>I sottosistemi da 3 </a:t>
-            </a:r>
-            <a:r>
-              <a:rPr lang="it-IT" sz="2500" dirty="0" smtClean="0"/>
-              <a:t>diventano 9:</a:t>
-            </a:r>
-            <a:endParaRPr lang="it-IT" sz="2500" dirty="0" smtClean="0"/>
+              <a:t> I sottosistemi da 3 diventano 9:</a:t>
+            </a:r>
           </a:p>
           <a:p>
             <a:pPr marL="365760" lvl="1" indent="0">
@@ -16340,13 +18532,8 @@
             </a:pPr>
             <a:r>
               <a:rPr lang="it-IT" sz="1700" dirty="0" smtClean="0"/>
-              <a:t> </a:t>
-            </a:r>
-            <a:r>
-              <a:rPr lang="it-IT" sz="1700" dirty="0" err="1" smtClean="0"/>
-              <a:t>GestioneServizi</a:t>
-            </a:r>
-            <a:endParaRPr lang="it-IT" sz="1700" dirty="0" smtClean="0"/>
+              <a:t> Gestione Servizi</a:t>
+            </a:r>
           </a:p>
           <a:p>
             <a:pPr marL="365760" lvl="1" indent="0">
@@ -16355,13 +18542,8 @@
             </a:pPr>
             <a:r>
               <a:rPr lang="it-IT" sz="1700" dirty="0" smtClean="0"/>
-              <a:t> </a:t>
-            </a:r>
-            <a:r>
-              <a:rPr lang="it-IT" sz="1700" dirty="0" err="1" smtClean="0"/>
-              <a:t>GestioneRicerca</a:t>
-            </a:r>
-            <a:endParaRPr lang="it-IT" sz="1700" dirty="0" smtClean="0"/>
+              <a:t> Gestione Ricerca</a:t>
+            </a:r>
           </a:p>
           <a:p>
             <a:pPr marL="365760" lvl="1" indent="0">
@@ -16370,13 +18552,8 @@
             </a:pPr>
             <a:r>
               <a:rPr lang="it-IT" sz="1700" dirty="0" smtClean="0"/>
-              <a:t> </a:t>
-            </a:r>
-            <a:r>
-              <a:rPr lang="it-IT" sz="1700" dirty="0" err="1" smtClean="0"/>
-              <a:t>GestioneTirocinanti</a:t>
-            </a:r>
-            <a:endParaRPr lang="it-IT" sz="1700" dirty="0" smtClean="0"/>
+              <a:t> Gestione Tirocinanti</a:t>
+            </a:r>
           </a:p>
           <a:p>
             <a:pPr marL="365760" lvl="1" indent="0">
@@ -16385,13 +18562,8 @@
             </a:pPr>
             <a:r>
               <a:rPr lang="it-IT" sz="1700" dirty="0" smtClean="0"/>
-              <a:t> </a:t>
-            </a:r>
-            <a:r>
-              <a:rPr lang="it-IT" sz="1700" dirty="0" err="1" smtClean="0"/>
-              <a:t>GestioneRegistro</a:t>
-            </a:r>
-            <a:endParaRPr lang="it-IT" sz="1700" dirty="0" smtClean="0"/>
+              <a:t> Gestione Registro</a:t>
+            </a:r>
           </a:p>
           <a:p>
             <a:pPr marL="365760" lvl="1" indent="0">
@@ -16400,13 +18572,8 @@
             </a:pPr>
             <a:r>
               <a:rPr lang="it-IT" sz="1700" dirty="0" smtClean="0"/>
-              <a:t> </a:t>
-            </a:r>
-            <a:r>
-              <a:rPr lang="it-IT" sz="1700" dirty="0" err="1" smtClean="0"/>
-              <a:t>GestioneQuestionari</a:t>
-            </a:r>
-            <a:endParaRPr lang="it-IT" sz="1700" dirty="0" smtClean="0"/>
+              <a:t> Gestione Questionari</a:t>
+            </a:r>
           </a:p>
           <a:p>
             <a:pPr marL="365760" lvl="1" indent="0">
@@ -16437,7 +18604,6 @@
               <a:rPr lang="it-IT" sz="1700" dirty="0" smtClean="0"/>
               <a:t> Gestione Notifiche</a:t>
             </a:r>
-            <a:endParaRPr lang="it-IT" sz="1700" dirty="0" smtClean="0"/>
           </a:p>
           <a:p>
             <a:pPr marL="0" indent="0">
@@ -16457,7 +18623,7 @@
         </p:nvSpPr>
         <p:spPr>
           <a:xfrm>
-            <a:off x="179512" y="764704"/>
+            <a:off x="288032" y="764704"/>
             <a:ext cx="3779912" cy="1800200"/>
           </a:xfrm>
           <a:prstGeom prst="rect">
@@ -16634,7 +18800,6 @@
               <a:rPr lang="it-IT" b="1" dirty="0" smtClean="0"/>
               <a:t>VERSIONE DEFINITIVA</a:t>
             </a:r>
-            <a:endParaRPr lang="it-IT" b="1" dirty="0" smtClean="0"/>
           </a:p>
           <a:p>
             <a:pPr marL="0" indent="0">
@@ -16653,13 +18818,8 @@
             </a:r>
             <a:r>
               <a:rPr lang="it-IT" sz="2700" dirty="0" smtClean="0"/>
-              <a:t>Scompare la divisione su due </a:t>
-            </a:r>
-            <a:r>
-              <a:rPr lang="it-IT" sz="2700" dirty="0" smtClean="0"/>
-              <a:t>livelli </a:t>
-            </a:r>
-            <a:endParaRPr lang="it-IT" sz="2700" dirty="0" smtClean="0"/>
+              <a:t>Scompare la divisione su due livelli </a:t>
+            </a:r>
           </a:p>
           <a:p>
             <a:pPr marL="0" indent="0">
@@ -16672,7 +18832,7 @@
     </p:spTree>
     <p:extLst>
       <p:ext uri="{BB962C8B-B14F-4D97-AF65-F5344CB8AC3E}">
-        <p14:creationId xmlns:p14="http://schemas.microsoft.com/office/powerpoint/2010/main" xmlns="" val="155874689"/>
+        <p14:creationId xmlns="" xmlns:p14="http://schemas.microsoft.com/office/powerpoint/2010/main" val="155874689"/>
       </p:ext>
     </p:extLst>
   </p:cSld>
@@ -16680,7 +18840,7 @@
     <a:masterClrMapping/>
   </p:clrMapOvr>
   <mc:AlternateContent xmlns:mc="http://schemas.openxmlformats.org/markup-compatibility/2006">
-    <mc:Choice xmlns:p14="http://schemas.microsoft.com/office/powerpoint/2010/main" xmlns="" Requires="p14">
+    <mc:Choice xmlns="" xmlns:p14="http://schemas.microsoft.com/office/powerpoint/2010/main" Requires="p14">
       <p:transition spd="slow" p14:dur="2000"/>
     </mc:Choice>
     <mc:Fallback>
@@ -16759,7 +18919,7 @@
                                           </p:stCondLst>
                                         </p:cTn>
                                         <p:tgtEl>
-                                          <p:spTgt spid="9"/>
+                                          <p:spTgt spid="4"/>
                                         </p:tgtEl>
                                         <p:attrNameLst>
                                           <p:attrName>style.visibility</p:attrName>
@@ -16773,7 +18933,7 @@
                                       <p:cBhvr>
                                         <p:cTn id="10" dur="2000"/>
                                         <p:tgtEl>
-                                          <p:spTgt spid="9"/>
+                                          <p:spTgt spid="4"/>
                                         </p:tgtEl>
                                       </p:cBhvr>
                                     </p:animEffect>
@@ -16812,7 +18972,7 @@
                                           </p:stCondLst>
                                         </p:cTn>
                                         <p:tgtEl>
-                                          <p:spTgt spid="4"/>
+                                          <p:spTgt spid="9"/>
                                         </p:tgtEl>
                                         <p:attrNameLst>
                                           <p:attrName>style.visibility</p:attrName>
@@ -16826,7 +18986,7 @@
                                       <p:cBhvr>
                                         <p:cTn id="15" dur="2000"/>
                                         <p:tgtEl>
-                                          <p:spTgt spid="4"/>
+                                          <p:spTgt spid="9"/>
                                         </p:tgtEl>
                                       </p:cBhvr>
                                     </p:animEffect>
@@ -16903,7 +19063,7 @@
 </p:sld>
 </file>
 
-<file path=ppt/slides/slide41.xml><?xml version="1.0" encoding="utf-8"?>
+<file path=ppt/slides/slide45.xml><?xml version="1.0" encoding="utf-8"?>
 <p:sld xmlns:a="http://schemas.openxmlformats.org/drawingml/2006/main" xmlns:r="http://schemas.openxmlformats.org/officeDocument/2006/relationships" xmlns:p="http://schemas.openxmlformats.org/presentationml/2006/main">
   <p:cSld>
     <p:spTree>
@@ -16970,13 +19130,8 @@
             <a:pPr algn="ctr"/>
             <a:r>
               <a:rPr lang="it-IT" sz="3100" b="1" dirty="0" smtClean="0"/>
-              <a:t>Risultati ottenuti con </a:t>
-            </a:r>
-            <a:r>
-              <a:rPr lang="it-IT" sz="3100" b="1" dirty="0" smtClean="0"/>
-              <a:t>questa versione</a:t>
-            </a:r>
-            <a:endParaRPr lang="it-IT" sz="3100" b="1" dirty="0" smtClean="0"/>
+              <a:t>Risultati ottenuti con questa versione</a:t>
+            </a:r>
           </a:p>
         </p:txBody>
       </p:sp>
@@ -17171,13 +19326,8 @@
             </a:pPr>
             <a:r>
               <a:rPr lang="it-IT" sz="1100" dirty="0" smtClean="0"/>
-              <a:t>  </a:t>
-            </a:r>
-            <a:r>
-              <a:rPr lang="it-IT" sz="1100" dirty="0" smtClean="0"/>
-              <a:t> </a:t>
-            </a:r>
-            <a:endParaRPr lang="it-IT" sz="1100" dirty="0" smtClean="0"/>
+              <a:t>   </a:t>
+            </a:r>
           </a:p>
           <a:p>
             <a:r>
@@ -17191,11 +19341,7 @@
             </a:pPr>
             <a:r>
               <a:rPr lang="it-IT" sz="1000" i="1" dirty="0" smtClean="0"/>
-              <a:t> </a:t>
-            </a:r>
-            <a:r>
-              <a:rPr lang="it-IT" sz="1000" i="1" dirty="0" smtClean="0"/>
-              <a:t> </a:t>
+              <a:t>  </a:t>
             </a:r>
             <a:endParaRPr lang="it-IT" sz="800" i="1" dirty="0" smtClean="0"/>
           </a:p>
@@ -17250,7 +19396,7 @@
             <a:fld id="{F89AEA99-3E91-4C58-9AD4-045DB5619AC3}" type="slidenum">
               <a:rPr lang="it-IT" smtClean="0"/>
               <a:pPr/>
-              <a:t>41</a:t>
+              <a:t>45</a:t>
             </a:fld>
             <a:endParaRPr lang="it-IT"/>
           </a:p>
@@ -17704,11 +19850,7 @@
             <a:pPr marL="0" indent="0"/>
             <a:r>
               <a:rPr lang="it-IT" dirty="0" smtClean="0"/>
-              <a:t> Rispetta </a:t>
-            </a:r>
-            <a:r>
-              <a:rPr lang="it-IT" dirty="0" smtClean="0"/>
-              <a:t>l’euristica:</a:t>
+              <a:t> Rispetta l’euristica:</a:t>
             </a:r>
           </a:p>
           <a:p>
@@ -17760,7 +19902,7 @@
     </p:spTree>
     <p:extLst>
       <p:ext uri="{BB962C8B-B14F-4D97-AF65-F5344CB8AC3E}">
-        <p14:creationId xmlns:p14="http://schemas.microsoft.com/office/powerpoint/2010/main" xmlns="" val="155874689"/>
+        <p14:creationId xmlns="" xmlns:p14="http://schemas.microsoft.com/office/powerpoint/2010/main" val="155874689"/>
       </p:ext>
     </p:extLst>
   </p:cSld>
@@ -17768,7 +19910,7 @@
     <a:masterClrMapping/>
   </p:clrMapOvr>
   <mc:AlternateContent xmlns:mc="http://schemas.openxmlformats.org/markup-compatibility/2006">
-    <mc:Choice xmlns:p14="http://schemas.microsoft.com/office/powerpoint/2010/main" xmlns="" Requires="p14">
+    <mc:Choice xmlns="" xmlns:p14="http://schemas.microsoft.com/office/powerpoint/2010/main" Requires="p14">
       <p:transition spd="slow" p14:dur="2000"/>
     </mc:Choice>
     <mc:Fallback>
@@ -18038,6 +20180,955 @@
 </p:sld>
 </file>
 
+<file path=ppt/slides/slide46.xml><?xml version="1.0" encoding="utf-8"?>
+<p:sld xmlns:a="http://schemas.openxmlformats.org/drawingml/2006/main" xmlns:r="http://schemas.openxmlformats.org/officeDocument/2006/relationships" xmlns:p="http://schemas.openxmlformats.org/presentationml/2006/main">
+  <p:cSld>
+    <p:spTree>
+      <p:nvGrpSpPr>
+        <p:cNvPr id="1" name=""/>
+        <p:cNvGrpSpPr/>
+        <p:nvPr/>
+      </p:nvGrpSpPr>
+      <p:grpSpPr>
+        <a:xfrm>
+          <a:off x="0" y="0"/>
+          <a:ext cx="0" cy="0"/>
+          <a:chOff x="0" y="0"/>
+          <a:chExt cx="0" cy="0"/>
+        </a:xfrm>
+      </p:grpSpPr>
+      <p:sp>
+        <p:nvSpPr>
+          <p:cNvPr id="2" name="CasellaDiTesto 1"/>
+          <p:cNvSpPr txBox="1"/>
+          <p:nvPr/>
+        </p:nvSpPr>
+        <p:spPr>
+          <a:xfrm>
+            <a:off x="500034" y="664820"/>
+            <a:ext cx="8142305" cy="1107996"/>
+          </a:xfrm>
+          <a:prstGeom prst="rect">
+            <a:avLst/>
+          </a:prstGeom>
+          <a:noFill/>
+        </p:spPr>
+        <p:txBody>
+          <a:bodyPr wrap="square" rtlCol="0">
+            <a:spAutoFit/>
+          </a:bodyPr>
+          <a:lstStyle/>
+          <a:p>
+            <a:pPr algn="ctr"/>
+            <a:r>
+              <a:rPr lang="it-IT" sz="4800" b="1" dirty="0" smtClean="0"/>
+              <a:t>Gestione Eventi</a:t>
+            </a:r>
+          </a:p>
+          <a:p>
+            <a:pPr algn="ctr"/>
+            <a:endParaRPr lang="it-IT" dirty="0">
+              <a:latin typeface="+mj-lt"/>
+            </a:endParaRPr>
+          </a:p>
+        </p:txBody>
+      </p:sp>
+      <p:sp>
+        <p:nvSpPr>
+          <p:cNvPr id="6" name="Rettangolo 5"/>
+          <p:cNvSpPr/>
+          <p:nvPr/>
+        </p:nvSpPr>
+        <p:spPr>
+          <a:xfrm>
+            <a:off x="683568" y="2060848"/>
+            <a:ext cx="7886110" cy="954107"/>
+          </a:xfrm>
+          <a:prstGeom prst="rect">
+            <a:avLst/>
+          </a:prstGeom>
+        </p:spPr>
+        <p:txBody>
+          <a:bodyPr wrap="square">
+            <a:spAutoFit/>
+          </a:bodyPr>
+          <a:lstStyle/>
+          <a:p>
+            <a:pPr algn="just"/>
+            <a:r>
+              <a:rPr lang="it-IT" sz="2800" dirty="0" smtClean="0"/>
+              <a:t>Il nostro sistema permette di gestire gli eventi che coinvolgono gli iscritti all’asilo.</a:t>
+            </a:r>
+          </a:p>
+        </p:txBody>
+      </p:sp>
+      <p:pic>
+        <p:nvPicPr>
+          <p:cNvPr id="14338" name="Picture 2" descr="http://www.sinform.it/images/omino/omino-web.jpg"/>
+          <p:cNvPicPr>
+            <a:picLocks noChangeAspect="1" noChangeArrowheads="1"/>
+          </p:cNvPicPr>
+          <p:nvPr/>
+        </p:nvPicPr>
+        <p:blipFill>
+          <a:blip r:embed="rId3" cstate="print"/>
+          <a:srcRect/>
+          <a:stretch>
+            <a:fillRect/>
+          </a:stretch>
+        </p:blipFill>
+        <p:spPr bwMode="auto">
+          <a:xfrm>
+            <a:off x="5364088" y="3140968"/>
+            <a:ext cx="1876425" cy="1676400"/>
+          </a:xfrm>
+          <a:prstGeom prst="rect">
+            <a:avLst/>
+          </a:prstGeom>
+          <a:noFill/>
+        </p:spPr>
+      </p:pic>
+      <p:pic>
+        <p:nvPicPr>
+          <p:cNvPr id="14340" name="Picture 4" descr="http://us.cdn3.123rf.com/168nwm/skvoor/skvoor1011/skvoor101100011/8351613-calendario-di-azienda-di-uomo-3d-rendering-illustrazione-isolato-su-bianco.jpg"/>
+          <p:cNvPicPr>
+            <a:picLocks noChangeAspect="1" noChangeArrowheads="1"/>
+          </p:cNvPicPr>
+          <p:nvPr/>
+        </p:nvPicPr>
+        <p:blipFill>
+          <a:blip r:embed="rId4" cstate="print"/>
+          <a:srcRect/>
+          <a:stretch>
+            <a:fillRect/>
+          </a:stretch>
+        </p:blipFill>
+        <p:spPr bwMode="auto">
+          <a:xfrm>
+            <a:off x="2627784" y="3212976"/>
+            <a:ext cx="2376264" cy="2376264"/>
+          </a:xfrm>
+          <a:prstGeom prst="rect">
+            <a:avLst/>
+          </a:prstGeom>
+          <a:noFill/>
+        </p:spPr>
+      </p:pic>
+    </p:spTree>
+    <p:extLst>
+      <p:ext uri="{BB962C8B-B14F-4D97-AF65-F5344CB8AC3E}">
+        <p14:creationId xmlns="" xmlns:p14="http://schemas.microsoft.com/office/powerpoint/2010/main" val="155874689"/>
+      </p:ext>
+    </p:extLst>
+  </p:cSld>
+  <p:clrMapOvr>
+    <a:masterClrMapping/>
+  </p:clrMapOvr>
+  <mc:AlternateContent xmlns:mc="http://schemas.openxmlformats.org/markup-compatibility/2006">
+    <mc:Choice xmlns="" xmlns:p14="http://schemas.microsoft.com/office/powerpoint/2010/main" Requires="p14">
+      <p:transition spd="slow" p14:dur="2000"/>
+    </mc:Choice>
+    <mc:Fallback>
+      <p:transition spd="slow"/>
+    </mc:Fallback>
+  </mc:AlternateContent>
+  <p:timing>
+    <p:tnLst>
+      <p:par>
+        <p:cTn id="1" dur="indefinite" restart="never" nodeType="tmRoot"/>
+      </p:par>
+    </p:tnLst>
+  </p:timing>
+</p:sld>
+</file>
+
+<file path=ppt/slides/slide47.xml><?xml version="1.0" encoding="utf-8"?>
+<p:sld xmlns:a="http://schemas.openxmlformats.org/drawingml/2006/main" xmlns:r="http://schemas.openxmlformats.org/officeDocument/2006/relationships" xmlns:p="http://schemas.openxmlformats.org/presentationml/2006/main">
+  <p:cSld>
+    <p:spTree>
+      <p:nvGrpSpPr>
+        <p:cNvPr id="1" name=""/>
+        <p:cNvGrpSpPr/>
+        <p:nvPr/>
+      </p:nvGrpSpPr>
+      <p:grpSpPr>
+        <a:xfrm>
+          <a:off x="0" y="0"/>
+          <a:ext cx="0" cy="0"/>
+          <a:chOff x="0" y="0"/>
+          <a:chExt cx="0" cy="0"/>
+        </a:xfrm>
+      </p:grpSpPr>
+      <p:sp>
+        <p:nvSpPr>
+          <p:cNvPr id="2" name="CasellaDiTesto 1"/>
+          <p:cNvSpPr txBox="1"/>
+          <p:nvPr/>
+        </p:nvSpPr>
+        <p:spPr>
+          <a:xfrm>
+            <a:off x="571473" y="0"/>
+            <a:ext cx="7960968" cy="1107996"/>
+          </a:xfrm>
+          <a:prstGeom prst="rect">
+            <a:avLst/>
+          </a:prstGeom>
+          <a:noFill/>
+        </p:spPr>
+        <p:txBody>
+          <a:bodyPr wrap="square" rtlCol="0">
+            <a:spAutoFit/>
+          </a:bodyPr>
+          <a:lstStyle/>
+          <a:p>
+            <a:pPr algn="ctr"/>
+            <a:r>
+              <a:rPr lang="it-IT" sz="4800" b="1" dirty="0" smtClean="0"/>
+              <a:t>Gestione Eventi</a:t>
+            </a:r>
+          </a:p>
+          <a:p>
+            <a:pPr algn="ctr"/>
+            <a:endParaRPr lang="it-IT" dirty="0">
+              <a:latin typeface="+mj-lt"/>
+            </a:endParaRPr>
+          </a:p>
+        </p:txBody>
+      </p:sp>
+      <p:pic>
+        <p:nvPicPr>
+          <p:cNvPr id="2050" name="Picture 2" descr="C:\Users\Amministratore\Desktop\Lucidi lezioni\Ingegneria del software\at-silo\RAD\Casi d'uso\Atsilo3\Eventi\diagramma eventi.jpg"/>
+          <p:cNvPicPr>
+            <a:picLocks noChangeAspect="1" noChangeArrowheads="1"/>
+          </p:cNvPicPr>
+          <p:nvPr/>
+        </p:nvPicPr>
+        <p:blipFill>
+          <a:blip r:embed="rId3" cstate="print"/>
+          <a:srcRect/>
+          <a:stretch>
+            <a:fillRect/>
+          </a:stretch>
+        </p:blipFill>
+        <p:spPr bwMode="auto">
+          <a:xfrm>
+            <a:off x="647404" y="824262"/>
+            <a:ext cx="7353620" cy="6033740"/>
+          </a:xfrm>
+          <a:prstGeom prst="rect">
+            <a:avLst/>
+          </a:prstGeom>
+          <a:noFill/>
+        </p:spPr>
+      </p:pic>
+    </p:spTree>
+    <p:extLst>
+      <p:ext uri="{BB962C8B-B14F-4D97-AF65-F5344CB8AC3E}">
+        <p14:creationId xmlns="" xmlns:p14="http://schemas.microsoft.com/office/powerpoint/2010/main" val="155874689"/>
+      </p:ext>
+    </p:extLst>
+  </p:cSld>
+  <p:clrMapOvr>
+    <a:masterClrMapping/>
+  </p:clrMapOvr>
+  <mc:AlternateContent xmlns:mc="http://schemas.openxmlformats.org/markup-compatibility/2006">
+    <mc:Choice xmlns="" xmlns:p14="http://schemas.microsoft.com/office/powerpoint/2010/main" Requires="p14">
+      <p:transition spd="slow" p14:dur="2000"/>
+    </mc:Choice>
+    <mc:Fallback>
+      <p:transition spd="slow"/>
+    </mc:Fallback>
+  </mc:AlternateContent>
+  <p:timing>
+    <p:tnLst>
+      <p:par>
+        <p:cTn id="1" dur="indefinite" restart="never" nodeType="tmRoot"/>
+      </p:par>
+    </p:tnLst>
+  </p:timing>
+</p:sld>
+</file>
+
+<file path=ppt/slides/slide48.xml><?xml version="1.0" encoding="utf-8"?>
+<p:sld xmlns:a="http://schemas.openxmlformats.org/drawingml/2006/main" xmlns:r="http://schemas.openxmlformats.org/officeDocument/2006/relationships" xmlns:p="http://schemas.openxmlformats.org/presentationml/2006/main">
+  <p:cSld>
+    <p:spTree>
+      <p:nvGrpSpPr>
+        <p:cNvPr id="1" name=""/>
+        <p:cNvGrpSpPr/>
+        <p:nvPr/>
+      </p:nvGrpSpPr>
+      <p:grpSpPr>
+        <a:xfrm>
+          <a:off x="0" y="0"/>
+          <a:ext cx="0" cy="0"/>
+          <a:chOff x="0" y="0"/>
+          <a:chExt cx="0" cy="0"/>
+        </a:xfrm>
+      </p:grpSpPr>
+      <p:pic>
+        <p:nvPicPr>
+          <p:cNvPr id="1027" name="Picture 3" descr="C:\Users\Amministratore\Desktop\lista.png"/>
+          <p:cNvPicPr>
+            <a:picLocks noChangeAspect="1" noChangeArrowheads="1"/>
+          </p:cNvPicPr>
+          <p:nvPr/>
+        </p:nvPicPr>
+        <p:blipFill>
+          <a:blip r:embed="rId3" cstate="print"/>
+          <a:srcRect/>
+          <a:stretch>
+            <a:fillRect/>
+          </a:stretch>
+        </p:blipFill>
+        <p:spPr bwMode="auto">
+          <a:xfrm>
+            <a:off x="-1428792" y="-863068"/>
+            <a:ext cx="15419368" cy="7721068"/>
+          </a:xfrm>
+          <a:prstGeom prst="rect">
+            <a:avLst/>
+          </a:prstGeom>
+          <a:noFill/>
+        </p:spPr>
+      </p:pic>
+      <p:sp>
+        <p:nvSpPr>
+          <p:cNvPr id="7" name="Rettangolo 6"/>
+          <p:cNvSpPr/>
+          <p:nvPr/>
+        </p:nvSpPr>
+        <p:spPr>
+          <a:xfrm>
+            <a:off x="785786" y="4643446"/>
+            <a:ext cx="8106694" cy="830997"/>
+          </a:xfrm>
+          <a:prstGeom prst="rect">
+            <a:avLst/>
+          </a:prstGeom>
+        </p:spPr>
+        <p:txBody>
+          <a:bodyPr wrap="square">
+            <a:spAutoFit/>
+          </a:bodyPr>
+          <a:lstStyle/>
+          <a:p>
+            <a:pPr algn="just">
+              <a:buFont typeface="Wingdings" pitchFamily="2" charset="2"/>
+              <a:buChar char="v"/>
+            </a:pPr>
+            <a:r>
+              <a:rPr lang="it-IT" sz="2400" dirty="0" smtClean="0"/>
+              <a:t>Gli eventi vengono filtrati a seconda dell’utente che effettua il login e </a:t>
+            </a:r>
+            <a:r>
+              <a:rPr lang="it-IT" sz="2400" b="1" dirty="0" smtClean="0"/>
+              <a:t>mostrati </a:t>
+            </a:r>
+            <a:r>
+              <a:rPr lang="it-IT" sz="2400" dirty="0" smtClean="0"/>
+              <a:t>per la data </a:t>
+            </a:r>
+            <a:r>
+              <a:rPr lang="it-IT" sz="2400" dirty="0" smtClean="0"/>
+              <a:t>selezionata</a:t>
+            </a:r>
+            <a:endParaRPr lang="it-IT" sz="2400" dirty="0" smtClean="0"/>
+          </a:p>
+        </p:txBody>
+      </p:sp>
+      <p:sp>
+        <p:nvSpPr>
+          <p:cNvPr id="4" name="Rettangolo 3"/>
+          <p:cNvSpPr/>
+          <p:nvPr/>
+        </p:nvSpPr>
+        <p:spPr>
+          <a:xfrm>
+            <a:off x="785786" y="5661248"/>
+            <a:ext cx="7962678" cy="830997"/>
+          </a:xfrm>
+          <a:prstGeom prst="rect">
+            <a:avLst/>
+          </a:prstGeom>
+        </p:spPr>
+        <p:txBody>
+          <a:bodyPr wrap="square">
+            <a:spAutoFit/>
+          </a:bodyPr>
+          <a:lstStyle/>
+          <a:p>
+            <a:pPr algn="just">
+              <a:buFont typeface="Wingdings" pitchFamily="2" charset="2"/>
+              <a:buChar char="v"/>
+            </a:pPr>
+            <a:r>
+              <a:rPr lang="it-IT" sz="2400" dirty="0" smtClean="0"/>
+              <a:t>L’utente può </a:t>
+            </a:r>
+            <a:r>
+              <a:rPr lang="it-IT" sz="2400" dirty="0" smtClean="0"/>
+              <a:t>selezionare l’evento da modificare </a:t>
+            </a:r>
+            <a:r>
+              <a:rPr lang="it-IT" sz="2400" b="1" dirty="0" smtClean="0"/>
+              <a:t>solo</a:t>
+            </a:r>
+            <a:r>
+              <a:rPr lang="it-IT" sz="2400" dirty="0" smtClean="0"/>
+              <a:t> se ne è l’autore</a:t>
+            </a:r>
+          </a:p>
+        </p:txBody>
+      </p:sp>
+    </p:spTree>
+    <p:extLst>
+      <p:ext uri="{BB962C8B-B14F-4D97-AF65-F5344CB8AC3E}">
+        <p14:creationId xmlns="" xmlns:p14="http://schemas.microsoft.com/office/powerpoint/2010/main" val="155874689"/>
+      </p:ext>
+    </p:extLst>
+  </p:cSld>
+  <p:clrMapOvr>
+    <a:masterClrMapping/>
+  </p:clrMapOvr>
+  <mc:AlternateContent xmlns:mc="http://schemas.openxmlformats.org/markup-compatibility/2006">
+    <mc:Choice xmlns="" xmlns:p14="http://schemas.microsoft.com/office/powerpoint/2010/main" Requires="p14">
+      <p:transition spd="slow" p14:dur="2000"/>
+    </mc:Choice>
+    <mc:Fallback>
+      <p:transition spd="slow"/>
+    </mc:Fallback>
+  </mc:AlternateContent>
+  <p:timing>
+    <p:tnLst>
+      <p:par>
+        <p:cTn id="1" dur="indefinite" restart="never" nodeType="tmRoot">
+          <p:childTnLst>
+            <p:seq concurrent="1" nextAc="seek">
+              <p:cTn id="2" dur="indefinite" nodeType="mainSeq">
+                <p:childTnLst>
+                  <p:par>
+                    <p:cTn id="3" fill="hold">
+                      <p:stCondLst>
+                        <p:cond delay="indefinite"/>
+                      </p:stCondLst>
+                      <p:childTnLst>
+                        <p:par>
+                          <p:cTn id="4" fill="hold">
+                            <p:stCondLst>
+                              <p:cond delay="0"/>
+                            </p:stCondLst>
+                            <p:childTnLst>
+                              <p:par>
+                                <p:cTn id="5" presetID="12" presetClass="entr" presetSubtype="4" fill="hold" grpId="0" nodeType="clickEffect">
+                                  <p:stCondLst>
+                                    <p:cond delay="0"/>
+                                  </p:stCondLst>
+                                  <p:childTnLst>
+                                    <p:set>
+                                      <p:cBhvr>
+                                        <p:cTn id="6" dur="1" fill="hold">
+                                          <p:stCondLst>
+                                            <p:cond delay="0"/>
+                                          </p:stCondLst>
+                                        </p:cTn>
+                                        <p:tgtEl>
+                                          <p:spTgt spid="7"/>
+                                        </p:tgtEl>
+                                        <p:attrNameLst>
+                                          <p:attrName>style.visibility</p:attrName>
+                                        </p:attrNameLst>
+                                      </p:cBhvr>
+                                      <p:to>
+                                        <p:strVal val="visible"/>
+                                      </p:to>
+                                    </p:set>
+                                    <p:animEffect transition="in" filter="slide(fromBottom)">
+                                      <p:cBhvr>
+                                        <p:cTn id="7" dur="500"/>
+                                        <p:tgtEl>
+                                          <p:spTgt spid="7"/>
+                                        </p:tgtEl>
+                                      </p:cBhvr>
+                                    </p:animEffect>
+                                  </p:childTnLst>
+                                </p:cTn>
+                              </p:par>
+                            </p:childTnLst>
+                          </p:cTn>
+                        </p:par>
+                      </p:childTnLst>
+                    </p:cTn>
+                  </p:par>
+                  <p:par>
+                    <p:cTn id="8" fill="hold">
+                      <p:stCondLst>
+                        <p:cond delay="indefinite"/>
+                      </p:stCondLst>
+                      <p:childTnLst>
+                        <p:par>
+                          <p:cTn id="9" fill="hold">
+                            <p:stCondLst>
+                              <p:cond delay="0"/>
+                            </p:stCondLst>
+                            <p:childTnLst>
+                              <p:par>
+                                <p:cTn id="10" presetID="12" presetClass="entr" presetSubtype="4" fill="hold" grpId="0" nodeType="clickEffect">
+                                  <p:stCondLst>
+                                    <p:cond delay="0"/>
+                                  </p:stCondLst>
+                                  <p:childTnLst>
+                                    <p:set>
+                                      <p:cBhvr>
+                                        <p:cTn id="11" dur="1" fill="hold">
+                                          <p:stCondLst>
+                                            <p:cond delay="0"/>
+                                          </p:stCondLst>
+                                        </p:cTn>
+                                        <p:tgtEl>
+                                          <p:spTgt spid="4"/>
+                                        </p:tgtEl>
+                                        <p:attrNameLst>
+                                          <p:attrName>style.visibility</p:attrName>
+                                        </p:attrNameLst>
+                                      </p:cBhvr>
+                                      <p:to>
+                                        <p:strVal val="visible"/>
+                                      </p:to>
+                                    </p:set>
+                                    <p:animEffect transition="in" filter="slide(fromBottom)">
+                                      <p:cBhvr>
+                                        <p:cTn id="12" dur="500"/>
+                                        <p:tgtEl>
+                                          <p:spTgt spid="4"/>
+                                        </p:tgtEl>
+                                      </p:cBhvr>
+                                    </p:animEffect>
+                                  </p:childTnLst>
+                                </p:cTn>
+                              </p:par>
+                            </p:childTnLst>
+                          </p:cTn>
+                        </p:par>
+                      </p:childTnLst>
+                    </p:cTn>
+                  </p:par>
+                </p:childTnLst>
+              </p:cTn>
+              <p:prevCondLst>
+                <p:cond evt="onPrev" delay="0">
+                  <p:tgtEl>
+                    <p:sldTgt/>
+                  </p:tgtEl>
+                </p:cond>
+              </p:prevCondLst>
+              <p:nextCondLst>
+                <p:cond evt="onNext" delay="0">
+                  <p:tgtEl>
+                    <p:sldTgt/>
+                  </p:tgtEl>
+                </p:cond>
+              </p:nextCondLst>
+            </p:seq>
+          </p:childTnLst>
+        </p:cTn>
+      </p:par>
+    </p:tnLst>
+    <p:bldLst>
+      <p:bldP spid="7" grpId="0"/>
+      <p:bldP spid="4" grpId="0"/>
+    </p:bldLst>
+  </p:timing>
+</p:sld>
+</file>
+
+<file path=ppt/slides/slide49.xml><?xml version="1.0" encoding="utf-8"?>
+<p:sld xmlns:a="http://schemas.openxmlformats.org/drawingml/2006/main" xmlns:r="http://schemas.openxmlformats.org/officeDocument/2006/relationships" xmlns:p="http://schemas.openxmlformats.org/presentationml/2006/main">
+  <p:cSld>
+    <p:spTree>
+      <p:nvGrpSpPr>
+        <p:cNvPr id="1" name=""/>
+        <p:cNvGrpSpPr/>
+        <p:nvPr/>
+      </p:nvGrpSpPr>
+      <p:grpSpPr>
+        <a:xfrm>
+          <a:off x="0" y="0"/>
+          <a:ext cx="0" cy="0"/>
+          <a:chOff x="0" y="0"/>
+          <a:chExt cx="0" cy="0"/>
+        </a:xfrm>
+      </p:grpSpPr>
+      <p:sp>
+        <p:nvSpPr>
+          <p:cNvPr id="4" name="Rettangolo 3"/>
+          <p:cNvSpPr/>
+          <p:nvPr/>
+        </p:nvSpPr>
+        <p:spPr>
+          <a:xfrm>
+            <a:off x="251520" y="2156663"/>
+            <a:ext cx="8607362" cy="1200329"/>
+          </a:xfrm>
+          <a:prstGeom prst="rect">
+            <a:avLst/>
+          </a:prstGeom>
+        </p:spPr>
+        <p:txBody>
+          <a:bodyPr wrap="square">
+            <a:spAutoFit/>
+          </a:bodyPr>
+          <a:lstStyle/>
+          <a:p>
+            <a:pPr algn="just"/>
+            <a:r>
+              <a:rPr lang="it-IT" sz="2400" dirty="0" smtClean="0"/>
+              <a:t>Nella progettazione della gestione eventi si è scelto di supportare l’usabilità e la sicurezza a discapito della complessità e della </a:t>
+            </a:r>
+            <a:r>
+              <a:rPr lang="it-IT" sz="2400" dirty="0" err="1" smtClean="0"/>
+              <a:t>manutenibilità</a:t>
+            </a:r>
+            <a:r>
+              <a:rPr lang="it-IT" sz="2400" dirty="0" smtClean="0"/>
+              <a:t>.</a:t>
+            </a:r>
+          </a:p>
+        </p:txBody>
+      </p:sp>
+      <p:sp>
+        <p:nvSpPr>
+          <p:cNvPr id="5" name="CasellaDiTesto 4"/>
+          <p:cNvSpPr txBox="1"/>
+          <p:nvPr/>
+        </p:nvSpPr>
+        <p:spPr>
+          <a:xfrm>
+            <a:off x="500034" y="404664"/>
+            <a:ext cx="8142305" cy="1538883"/>
+          </a:xfrm>
+          <a:prstGeom prst="rect">
+            <a:avLst/>
+          </a:prstGeom>
+          <a:noFill/>
+        </p:spPr>
+        <p:txBody>
+          <a:bodyPr wrap="square" rtlCol="0">
+            <a:spAutoFit/>
+          </a:bodyPr>
+          <a:lstStyle/>
+          <a:p>
+            <a:pPr algn="ctr"/>
+            <a:r>
+              <a:rPr lang="it-IT" sz="4800" b="1" dirty="0" smtClean="0"/>
+              <a:t>Gestione Eventi</a:t>
+            </a:r>
+          </a:p>
+          <a:p>
+            <a:pPr algn="ctr"/>
+            <a:r>
+              <a:rPr lang="it-IT" sz="2800" b="1" dirty="0" smtClean="0">
+                <a:latin typeface="+mj-lt"/>
+              </a:rPr>
+              <a:t>Sicurezza e Usabilità vs Complessità e </a:t>
+            </a:r>
+            <a:r>
+              <a:rPr lang="it-IT" sz="2800" b="1" dirty="0" err="1" smtClean="0">
+                <a:latin typeface="+mj-lt"/>
+              </a:rPr>
+              <a:t>Manutenibilità</a:t>
+            </a:r>
+            <a:endParaRPr lang="it-IT" sz="2800" b="1" dirty="0" smtClean="0">
+              <a:latin typeface="+mj-lt"/>
+            </a:endParaRPr>
+          </a:p>
+          <a:p>
+            <a:pPr algn="ctr"/>
+            <a:endParaRPr lang="it-IT" dirty="0">
+              <a:latin typeface="+mj-lt"/>
+            </a:endParaRPr>
+          </a:p>
+        </p:txBody>
+      </p:sp>
+      <p:sp>
+        <p:nvSpPr>
+          <p:cNvPr id="6" name="Content Placeholder 3"/>
+          <p:cNvSpPr txBox="1">
+            <a:spLocks/>
+          </p:cNvSpPr>
+          <p:nvPr/>
+        </p:nvSpPr>
+        <p:spPr>
+          <a:xfrm>
+            <a:off x="357158" y="3739568"/>
+            <a:ext cx="6087050" cy="2353728"/>
+          </a:xfrm>
+          <a:prstGeom prst="rect">
+            <a:avLst/>
+          </a:prstGeom>
+        </p:spPr>
+        <p:txBody>
+          <a:bodyPr tIns="0"/>
+          <a:lstStyle>
+            <a:lvl1pPr marL="274320" indent="-274320" algn="l" rtl="0" eaLnBrk="1" latinLnBrk="0" hangingPunct="1">
+              <a:spcBef>
+                <a:spcPct val="20000"/>
+              </a:spcBef>
+              <a:buClrTx/>
+              <a:buSzPct val="95000"/>
+              <a:buFont typeface="Wingdings" pitchFamily="2" charset="2"/>
+              <a:buChar char="v"/>
+              <a:defRPr kumimoji="0" sz="2800" kern="1200">
+                <a:solidFill>
+                  <a:schemeClr val="tx1"/>
+                </a:solidFill>
+                <a:latin typeface="+mn-lt"/>
+                <a:ea typeface="+mn-ea"/>
+                <a:cs typeface="+mn-cs"/>
+              </a:defRPr>
+            </a:lvl1pPr>
+            <a:lvl2pPr marL="640080" indent="-246888" algn="l" rtl="0" eaLnBrk="1" latinLnBrk="0" hangingPunct="1">
+              <a:spcBef>
+                <a:spcPct val="20000"/>
+              </a:spcBef>
+              <a:buClrTx/>
+              <a:buSzPct val="85000"/>
+              <a:buFont typeface="Courier New" pitchFamily="49" charset="0"/>
+              <a:buChar char="o"/>
+              <a:defRPr kumimoji="0" sz="2600" kern="1200">
+                <a:solidFill>
+                  <a:schemeClr val="tx1"/>
+                </a:solidFill>
+                <a:latin typeface="+mn-lt"/>
+                <a:ea typeface="+mn-ea"/>
+                <a:cs typeface="+mn-cs"/>
+              </a:defRPr>
+            </a:lvl2pPr>
+            <a:lvl3pPr marL="914400" indent="-246888" algn="l" rtl="0" eaLnBrk="1" latinLnBrk="0" hangingPunct="1">
+              <a:spcBef>
+                <a:spcPct val="20000"/>
+              </a:spcBef>
+              <a:buClrTx/>
+              <a:buSzPct val="70000"/>
+              <a:buFont typeface="Wingdings 2"/>
+              <a:buChar char=""/>
+              <a:defRPr kumimoji="0" sz="2400" kern="1200">
+                <a:solidFill>
+                  <a:schemeClr val="tx1"/>
+                </a:solidFill>
+                <a:latin typeface="+mn-lt"/>
+                <a:ea typeface="+mn-ea"/>
+                <a:cs typeface="+mn-cs"/>
+              </a:defRPr>
+            </a:lvl3pPr>
+            <a:lvl4pPr marL="1188720" indent="-210312" algn="l" rtl="0" eaLnBrk="1" latinLnBrk="0" hangingPunct="1">
+              <a:spcBef>
+                <a:spcPct val="20000"/>
+              </a:spcBef>
+              <a:buClrTx/>
+              <a:buSzPct val="65000"/>
+              <a:buFont typeface="Wingdings 2"/>
+              <a:buChar char=""/>
+              <a:defRPr kumimoji="0" sz="2000" kern="1200">
+                <a:solidFill>
+                  <a:schemeClr val="tx1"/>
+                </a:solidFill>
+                <a:latin typeface="+mn-lt"/>
+                <a:ea typeface="+mn-ea"/>
+                <a:cs typeface="+mn-cs"/>
+              </a:defRPr>
+            </a:lvl4pPr>
+            <a:lvl5pPr marL="1463040" indent="-210312" algn="l" rtl="0" eaLnBrk="1" latinLnBrk="0" hangingPunct="1">
+              <a:spcBef>
+                <a:spcPct val="20000"/>
+              </a:spcBef>
+              <a:buClrTx/>
+              <a:buSzPct val="65000"/>
+              <a:buFont typeface="Wingdings 2"/>
+              <a:buChar char=""/>
+              <a:defRPr kumimoji="0" sz="1800" kern="1200">
+                <a:solidFill>
+                  <a:schemeClr val="tx1"/>
+                </a:solidFill>
+                <a:latin typeface="+mn-lt"/>
+                <a:ea typeface="+mn-ea"/>
+                <a:cs typeface="+mn-cs"/>
+              </a:defRPr>
+            </a:lvl5pPr>
+            <a:lvl6pPr marL="1737360" indent="-210312" algn="l" rtl="0" eaLnBrk="1" latinLnBrk="0" hangingPunct="1">
+              <a:spcBef>
+                <a:spcPct val="20000"/>
+              </a:spcBef>
+              <a:buClr>
+                <a:schemeClr val="accent5"/>
+              </a:buClr>
+              <a:buSzPct val="80000"/>
+              <a:buFont typeface="Wingdings 2"/>
+              <a:buChar char=""/>
+              <a:defRPr kumimoji="0" sz="1800" kern="1200">
+                <a:solidFill>
+                  <a:schemeClr val="tx1"/>
+                </a:solidFill>
+                <a:latin typeface="+mn-lt"/>
+                <a:ea typeface="+mn-ea"/>
+                <a:cs typeface="+mn-cs"/>
+              </a:defRPr>
+            </a:lvl6pPr>
+            <a:lvl7pPr marL="1920240" indent="-182880" algn="l" rtl="0" eaLnBrk="1" latinLnBrk="0" hangingPunct="1">
+              <a:spcBef>
+                <a:spcPct val="20000"/>
+              </a:spcBef>
+              <a:buClr>
+                <a:schemeClr val="accent6"/>
+              </a:buClr>
+              <a:buSzPct val="80000"/>
+              <a:buFont typeface="Wingdings 2"/>
+              <a:buChar char=""/>
+              <a:defRPr kumimoji="0" sz="1600" kern="1200" baseline="0">
+                <a:solidFill>
+                  <a:schemeClr val="tx1"/>
+                </a:solidFill>
+                <a:latin typeface="+mn-lt"/>
+                <a:ea typeface="+mn-ea"/>
+                <a:cs typeface="+mn-cs"/>
+              </a:defRPr>
+            </a:lvl7pPr>
+            <a:lvl8pPr marL="2194560" indent="-182880" algn="l" rtl="0" eaLnBrk="1" latinLnBrk="0" hangingPunct="1">
+              <a:spcBef>
+                <a:spcPct val="20000"/>
+              </a:spcBef>
+              <a:buClr>
+                <a:schemeClr val="tx2"/>
+              </a:buClr>
+              <a:buChar char="•"/>
+              <a:defRPr kumimoji="0" sz="1600" kern="1200">
+                <a:solidFill>
+                  <a:schemeClr val="tx1"/>
+                </a:solidFill>
+                <a:latin typeface="+mn-lt"/>
+                <a:ea typeface="+mn-ea"/>
+                <a:cs typeface="+mn-cs"/>
+              </a:defRPr>
+            </a:lvl8pPr>
+            <a:lvl9pPr marL="2468880" indent="-182880" algn="l" rtl="0" eaLnBrk="1" latinLnBrk="0" hangingPunct="1">
+              <a:spcBef>
+                <a:spcPct val="20000"/>
+              </a:spcBef>
+              <a:buClr>
+                <a:schemeClr val="tx2"/>
+              </a:buClr>
+              <a:buFontTx/>
+              <a:buChar char="•"/>
+              <a:defRPr kumimoji="0" sz="1400" kern="1200" baseline="0">
+                <a:solidFill>
+                  <a:schemeClr val="tx1"/>
+                </a:solidFill>
+                <a:latin typeface="+mn-lt"/>
+                <a:ea typeface="+mn-ea"/>
+                <a:cs typeface="+mn-cs"/>
+              </a:defRPr>
+            </a:lvl9pPr>
+          </a:lstStyle>
+          <a:p>
+            <a:r>
+              <a:rPr lang="it-IT" b="1" dirty="0" smtClean="0">
+                <a:solidFill>
+                  <a:schemeClr val="bg1"/>
+                </a:solidFill>
+              </a:rPr>
+              <a:t> </a:t>
+            </a:r>
+            <a:r>
+              <a:rPr lang="it-IT" b="1" dirty="0" smtClean="0">
+                <a:solidFill>
+                  <a:srgbClr val="00B050"/>
+                </a:solidFill>
+              </a:rPr>
+              <a:t>Pro</a:t>
+            </a:r>
+            <a:endParaRPr lang="it-IT" b="1" dirty="0" smtClean="0">
+              <a:solidFill>
+                <a:srgbClr val="00B050"/>
+              </a:solidFill>
+            </a:endParaRPr>
+          </a:p>
+          <a:p>
+            <a:pPr lvl="1"/>
+            <a:r>
+              <a:rPr lang="it-IT" dirty="0" smtClean="0"/>
+              <a:t> Interfacce uniche per ogni tipologia d’utente</a:t>
+            </a:r>
+          </a:p>
+          <a:p>
+            <a:pPr lvl="1"/>
+            <a:r>
+              <a:rPr lang="it-IT" dirty="0" smtClean="0"/>
+              <a:t> Input controllati</a:t>
+            </a:r>
+          </a:p>
+          <a:p>
+            <a:pPr lvl="1"/>
+            <a:r>
+              <a:rPr lang="it-IT" dirty="0" smtClean="0"/>
+              <a:t> Minore possibilità di introdurre errori</a:t>
+            </a:r>
+          </a:p>
+        </p:txBody>
+      </p:sp>
+      <p:pic>
+        <p:nvPicPr>
+          <p:cNvPr id="8194" name="Picture 2" descr="http://www.scuoladirespiro.com/images/SpuntaconOmino.jpg"/>
+          <p:cNvPicPr>
+            <a:picLocks noChangeAspect="1" noChangeArrowheads="1"/>
+          </p:cNvPicPr>
+          <p:nvPr/>
+        </p:nvPicPr>
+        <p:blipFill>
+          <a:blip r:embed="rId3" cstate="print"/>
+          <a:srcRect/>
+          <a:stretch>
+            <a:fillRect/>
+          </a:stretch>
+        </p:blipFill>
+        <p:spPr bwMode="auto">
+          <a:xfrm>
+            <a:off x="6300192" y="3933056"/>
+            <a:ext cx="2294150" cy="2287539"/>
+          </a:xfrm>
+          <a:prstGeom prst="rect">
+            <a:avLst/>
+          </a:prstGeom>
+          <a:noFill/>
+        </p:spPr>
+      </p:pic>
+    </p:spTree>
+    <p:extLst>
+      <p:ext uri="{BB962C8B-B14F-4D97-AF65-F5344CB8AC3E}">
+        <p14:creationId xmlns:p14="http://schemas.microsoft.com/office/powerpoint/2010/main" xmlns="" val="155874689"/>
+      </p:ext>
+    </p:extLst>
+  </p:cSld>
+  <p:clrMapOvr>
+    <a:masterClrMapping/>
+  </p:clrMapOvr>
+  <mc:AlternateContent xmlns:mc="http://schemas.openxmlformats.org/markup-compatibility/2006">
+    <mc:Choice xmlns:p14="http://schemas.microsoft.com/office/powerpoint/2010/main" xmlns="" Requires="p14">
+      <p:transition spd="slow" p14:dur="2000"/>
+    </mc:Choice>
+    <mc:Fallback>
+      <p:transition spd="slow"/>
+    </mc:Fallback>
+  </mc:AlternateContent>
+  <p:timing>
+    <p:tnLst>
+      <p:par>
+        <p:cTn id="1" dur="indefinite" restart="never" nodeType="tmRoot"/>
+      </p:par>
+    </p:tnLst>
+  </p:timing>
+</p:sld>
+</file>
+
 <file path=ppt/slides/slide5.xml><?xml version="1.0" encoding="utf-8"?>
 <p:sld xmlns:a="http://schemas.openxmlformats.org/drawingml/2006/main" xmlns:r="http://schemas.openxmlformats.org/officeDocument/2006/relationships" xmlns:p="http://schemas.openxmlformats.org/presentationml/2006/main">
   <p:cSld>
@@ -18067,7 +21158,7 @@
           <a:blip r:embed="rId3" cstate="print">
             <a:extLst>
               <a:ext uri="{28A0092B-C50C-407E-A947-70E740481C1C}">
-                <a14:useLocalDpi xmlns="" xmlns:a14="http://schemas.microsoft.com/office/drawing/2010/main" val="0"/>
+                <a14:useLocalDpi xmlns:a14="http://schemas.microsoft.com/office/drawing/2010/main" xmlns="" val="0"/>
               </a:ext>
             </a:extLst>
           </a:blip>
@@ -18087,7 +21178,7 @@
           <a:noFill/>
           <a:extLst>
             <a:ext uri="{909E8E84-426E-40DD-AFC4-6F175D3DCCD1}">
-              <a14:hiddenFill xmlns="" xmlns:a14="http://schemas.microsoft.com/office/drawing/2010/main">
+              <a14:hiddenFill xmlns:a14="http://schemas.microsoft.com/office/drawing/2010/main" xmlns="">
                 <a:solidFill>
                   <a:srgbClr val="FFFFFF"/>
                 </a:solidFill>
@@ -18406,7 +21497,7 @@
     </p:spTree>
     <p:extLst>
       <p:ext uri="{BB962C8B-B14F-4D97-AF65-F5344CB8AC3E}">
-        <p14:creationId xmlns="" xmlns:p14="http://schemas.microsoft.com/office/powerpoint/2010/main" val="3983998448"/>
+        <p14:creationId xmlns:p14="http://schemas.microsoft.com/office/powerpoint/2010/main" xmlns="" val="3983998448"/>
       </p:ext>
     </p:extLst>
   </p:cSld>
@@ -18709,6 +21800,658 @@
 </p:sld>
 </file>
 
+<file path=ppt/slides/slide50.xml><?xml version="1.0" encoding="utf-8"?>
+<p:sld xmlns:a="http://schemas.openxmlformats.org/drawingml/2006/main" xmlns:r="http://schemas.openxmlformats.org/officeDocument/2006/relationships" xmlns:p="http://schemas.openxmlformats.org/presentationml/2006/main">
+  <p:cSld>
+    <p:spTree>
+      <p:nvGrpSpPr>
+        <p:cNvPr id="1" name=""/>
+        <p:cNvGrpSpPr/>
+        <p:nvPr/>
+      </p:nvGrpSpPr>
+      <p:grpSpPr>
+        <a:xfrm>
+          <a:off x="0" y="0"/>
+          <a:ext cx="0" cy="0"/>
+          <a:chOff x="0" y="0"/>
+          <a:chExt cx="0" cy="0"/>
+        </a:xfrm>
+      </p:grpSpPr>
+      <p:sp>
+        <p:nvSpPr>
+          <p:cNvPr id="5" name="Content Placeholder 3"/>
+          <p:cNvSpPr txBox="1">
+            <a:spLocks/>
+          </p:cNvSpPr>
+          <p:nvPr/>
+        </p:nvSpPr>
+        <p:spPr>
+          <a:xfrm>
+            <a:off x="683568" y="2204864"/>
+            <a:ext cx="4896544" cy="2353728"/>
+          </a:xfrm>
+          <a:prstGeom prst="rect">
+            <a:avLst/>
+          </a:prstGeom>
+        </p:spPr>
+        <p:txBody>
+          <a:bodyPr tIns="0"/>
+          <a:lstStyle>
+            <a:lvl1pPr marL="274320" indent="-274320" algn="l" rtl="0" eaLnBrk="1" latinLnBrk="0" hangingPunct="1">
+              <a:spcBef>
+                <a:spcPct val="20000"/>
+              </a:spcBef>
+              <a:buClrTx/>
+              <a:buSzPct val="95000"/>
+              <a:buFont typeface="Wingdings" pitchFamily="2" charset="2"/>
+              <a:buChar char="v"/>
+              <a:defRPr kumimoji="0" sz="2800" kern="1200">
+                <a:solidFill>
+                  <a:schemeClr val="tx1"/>
+                </a:solidFill>
+                <a:latin typeface="+mn-lt"/>
+                <a:ea typeface="+mn-ea"/>
+                <a:cs typeface="+mn-cs"/>
+              </a:defRPr>
+            </a:lvl1pPr>
+            <a:lvl2pPr marL="640080" indent="-246888" algn="l" rtl="0" eaLnBrk="1" latinLnBrk="0" hangingPunct="1">
+              <a:spcBef>
+                <a:spcPct val="20000"/>
+              </a:spcBef>
+              <a:buClrTx/>
+              <a:buSzPct val="85000"/>
+              <a:buFont typeface="Courier New" pitchFamily="49" charset="0"/>
+              <a:buChar char="o"/>
+              <a:defRPr kumimoji="0" sz="2600" kern="1200">
+                <a:solidFill>
+                  <a:schemeClr val="tx1"/>
+                </a:solidFill>
+                <a:latin typeface="+mn-lt"/>
+                <a:ea typeface="+mn-ea"/>
+                <a:cs typeface="+mn-cs"/>
+              </a:defRPr>
+            </a:lvl2pPr>
+            <a:lvl3pPr marL="914400" indent="-246888" algn="l" rtl="0" eaLnBrk="1" latinLnBrk="0" hangingPunct="1">
+              <a:spcBef>
+                <a:spcPct val="20000"/>
+              </a:spcBef>
+              <a:buClrTx/>
+              <a:buSzPct val="70000"/>
+              <a:buFont typeface="Wingdings 2"/>
+              <a:buChar char=""/>
+              <a:defRPr kumimoji="0" sz="2400" kern="1200">
+                <a:solidFill>
+                  <a:schemeClr val="tx1"/>
+                </a:solidFill>
+                <a:latin typeface="+mn-lt"/>
+                <a:ea typeface="+mn-ea"/>
+                <a:cs typeface="+mn-cs"/>
+              </a:defRPr>
+            </a:lvl3pPr>
+            <a:lvl4pPr marL="1188720" indent="-210312" algn="l" rtl="0" eaLnBrk="1" latinLnBrk="0" hangingPunct="1">
+              <a:spcBef>
+                <a:spcPct val="20000"/>
+              </a:spcBef>
+              <a:buClrTx/>
+              <a:buSzPct val="65000"/>
+              <a:buFont typeface="Wingdings 2"/>
+              <a:buChar char=""/>
+              <a:defRPr kumimoji="0" sz="2000" kern="1200">
+                <a:solidFill>
+                  <a:schemeClr val="tx1"/>
+                </a:solidFill>
+                <a:latin typeface="+mn-lt"/>
+                <a:ea typeface="+mn-ea"/>
+                <a:cs typeface="+mn-cs"/>
+              </a:defRPr>
+            </a:lvl4pPr>
+            <a:lvl5pPr marL="1463040" indent="-210312" algn="l" rtl="0" eaLnBrk="1" latinLnBrk="0" hangingPunct="1">
+              <a:spcBef>
+                <a:spcPct val="20000"/>
+              </a:spcBef>
+              <a:buClrTx/>
+              <a:buSzPct val="65000"/>
+              <a:buFont typeface="Wingdings 2"/>
+              <a:buChar char=""/>
+              <a:defRPr kumimoji="0" sz="1800" kern="1200">
+                <a:solidFill>
+                  <a:schemeClr val="tx1"/>
+                </a:solidFill>
+                <a:latin typeface="+mn-lt"/>
+                <a:ea typeface="+mn-ea"/>
+                <a:cs typeface="+mn-cs"/>
+              </a:defRPr>
+            </a:lvl5pPr>
+            <a:lvl6pPr marL="1737360" indent="-210312" algn="l" rtl="0" eaLnBrk="1" latinLnBrk="0" hangingPunct="1">
+              <a:spcBef>
+                <a:spcPct val="20000"/>
+              </a:spcBef>
+              <a:buClr>
+                <a:schemeClr val="accent5"/>
+              </a:buClr>
+              <a:buSzPct val="80000"/>
+              <a:buFont typeface="Wingdings 2"/>
+              <a:buChar char=""/>
+              <a:defRPr kumimoji="0" sz="1800" kern="1200">
+                <a:solidFill>
+                  <a:schemeClr val="tx1"/>
+                </a:solidFill>
+                <a:latin typeface="+mn-lt"/>
+                <a:ea typeface="+mn-ea"/>
+                <a:cs typeface="+mn-cs"/>
+              </a:defRPr>
+            </a:lvl6pPr>
+            <a:lvl7pPr marL="1920240" indent="-182880" algn="l" rtl="0" eaLnBrk="1" latinLnBrk="0" hangingPunct="1">
+              <a:spcBef>
+                <a:spcPct val="20000"/>
+              </a:spcBef>
+              <a:buClr>
+                <a:schemeClr val="accent6"/>
+              </a:buClr>
+              <a:buSzPct val="80000"/>
+              <a:buFont typeface="Wingdings 2"/>
+              <a:buChar char=""/>
+              <a:defRPr kumimoji="0" sz="1600" kern="1200" baseline="0">
+                <a:solidFill>
+                  <a:schemeClr val="tx1"/>
+                </a:solidFill>
+                <a:latin typeface="+mn-lt"/>
+                <a:ea typeface="+mn-ea"/>
+                <a:cs typeface="+mn-cs"/>
+              </a:defRPr>
+            </a:lvl7pPr>
+            <a:lvl8pPr marL="2194560" indent="-182880" algn="l" rtl="0" eaLnBrk="1" latinLnBrk="0" hangingPunct="1">
+              <a:spcBef>
+                <a:spcPct val="20000"/>
+              </a:spcBef>
+              <a:buClr>
+                <a:schemeClr val="tx2"/>
+              </a:buClr>
+              <a:buChar char="•"/>
+              <a:defRPr kumimoji="0" sz="1600" kern="1200">
+                <a:solidFill>
+                  <a:schemeClr val="tx1"/>
+                </a:solidFill>
+                <a:latin typeface="+mn-lt"/>
+                <a:ea typeface="+mn-ea"/>
+                <a:cs typeface="+mn-cs"/>
+              </a:defRPr>
+            </a:lvl8pPr>
+            <a:lvl9pPr marL="2468880" indent="-182880" algn="l" rtl="0" eaLnBrk="1" latinLnBrk="0" hangingPunct="1">
+              <a:spcBef>
+                <a:spcPct val="20000"/>
+              </a:spcBef>
+              <a:buClr>
+                <a:schemeClr val="tx2"/>
+              </a:buClr>
+              <a:buFontTx/>
+              <a:buChar char="•"/>
+              <a:defRPr kumimoji="0" sz="1400" kern="1200" baseline="0">
+                <a:solidFill>
+                  <a:schemeClr val="tx1"/>
+                </a:solidFill>
+                <a:latin typeface="+mn-lt"/>
+                <a:ea typeface="+mn-ea"/>
+                <a:cs typeface="+mn-cs"/>
+              </a:defRPr>
+            </a:lvl9pPr>
+          </a:lstStyle>
+          <a:p>
+            <a:r>
+              <a:rPr lang="it-IT" dirty="0" smtClean="0">
+                <a:solidFill>
+                  <a:schemeClr val="bg1"/>
+                </a:solidFill>
+              </a:rPr>
+              <a:t> </a:t>
+            </a:r>
+            <a:r>
+              <a:rPr lang="it-IT" b="1" dirty="0" smtClean="0">
+                <a:solidFill>
+                  <a:srgbClr val="FF0000"/>
+                </a:solidFill>
+              </a:rPr>
+              <a:t>Contro</a:t>
+            </a:r>
+            <a:endParaRPr lang="it-IT" b="1" dirty="0" smtClean="0">
+              <a:solidFill>
+                <a:srgbClr val="FF0000"/>
+              </a:solidFill>
+            </a:endParaRPr>
+          </a:p>
+          <a:p>
+            <a:pPr lvl="1"/>
+            <a:r>
+              <a:rPr lang="it-IT" dirty="0" smtClean="0"/>
+              <a:t> Difficile da gestire</a:t>
+            </a:r>
+          </a:p>
+          <a:p>
+            <a:pPr lvl="1"/>
+            <a:r>
+              <a:rPr lang="it-IT" dirty="0" smtClean="0"/>
+              <a:t> Introduzione di controlli </a:t>
+            </a:r>
+          </a:p>
+          <a:p>
+            <a:pPr lvl="1"/>
+            <a:r>
+              <a:rPr lang="it-IT" dirty="0" smtClean="0"/>
+              <a:t> Difficoltà nell’aggiunta di nuove tipologie d’utenti</a:t>
+            </a:r>
+          </a:p>
+        </p:txBody>
+      </p:sp>
+      <p:sp>
+        <p:nvSpPr>
+          <p:cNvPr id="6" name="CasellaDiTesto 5"/>
+          <p:cNvSpPr txBox="1"/>
+          <p:nvPr/>
+        </p:nvSpPr>
+        <p:spPr>
+          <a:xfrm>
+            <a:off x="539552" y="592812"/>
+            <a:ext cx="8142305" cy="1107996"/>
+          </a:xfrm>
+          <a:prstGeom prst="rect">
+            <a:avLst/>
+          </a:prstGeom>
+          <a:noFill/>
+        </p:spPr>
+        <p:txBody>
+          <a:bodyPr wrap="square" rtlCol="0">
+            <a:spAutoFit/>
+          </a:bodyPr>
+          <a:lstStyle/>
+          <a:p>
+            <a:pPr algn="ctr"/>
+            <a:r>
+              <a:rPr lang="it-IT" sz="4800" b="1" dirty="0" smtClean="0"/>
+              <a:t>Gestione Eventi</a:t>
+            </a:r>
+          </a:p>
+          <a:p>
+            <a:pPr algn="ctr"/>
+            <a:endParaRPr lang="it-IT" dirty="0">
+              <a:latin typeface="+mj-lt"/>
+            </a:endParaRPr>
+          </a:p>
+        </p:txBody>
+      </p:sp>
+      <p:pic>
+        <p:nvPicPr>
+          <p:cNvPr id="6146" name="Picture 2" descr="http://www.newnotizie.it/wp-content/uploads/2011/09/omino-stop.png"/>
+          <p:cNvPicPr>
+            <a:picLocks noChangeAspect="1" noChangeArrowheads="1"/>
+          </p:cNvPicPr>
+          <p:nvPr/>
+        </p:nvPicPr>
+        <p:blipFill>
+          <a:blip r:embed="rId3" cstate="print"/>
+          <a:srcRect/>
+          <a:stretch>
+            <a:fillRect/>
+          </a:stretch>
+        </p:blipFill>
+        <p:spPr bwMode="auto">
+          <a:xfrm>
+            <a:off x="5796136" y="2276872"/>
+            <a:ext cx="2016029" cy="2301255"/>
+          </a:xfrm>
+          <a:prstGeom prst="rect">
+            <a:avLst/>
+          </a:prstGeom>
+          <a:noFill/>
+        </p:spPr>
+      </p:pic>
+    </p:spTree>
+    <p:extLst>
+      <p:ext uri="{BB962C8B-B14F-4D97-AF65-F5344CB8AC3E}">
+        <p14:creationId xmlns:p14="http://schemas.microsoft.com/office/powerpoint/2010/main" xmlns="" val="155874689"/>
+      </p:ext>
+    </p:extLst>
+  </p:cSld>
+  <p:clrMapOvr>
+    <a:masterClrMapping/>
+  </p:clrMapOvr>
+  <mc:AlternateContent xmlns:mc="http://schemas.openxmlformats.org/markup-compatibility/2006">
+    <mc:Choice xmlns:p14="http://schemas.microsoft.com/office/powerpoint/2010/main" xmlns="" Requires="p14">
+      <p:transition spd="slow" p14:dur="2000"/>
+    </mc:Choice>
+    <mc:Fallback>
+      <p:transition spd="slow"/>
+    </mc:Fallback>
+  </mc:AlternateContent>
+  <p:timing>
+    <p:tnLst>
+      <p:par>
+        <p:cTn id="1" dur="indefinite" restart="never" nodeType="tmRoot"/>
+      </p:par>
+    </p:tnLst>
+  </p:timing>
+</p:sld>
+</file>
+
+<file path=ppt/slides/slide51.xml><?xml version="1.0" encoding="utf-8"?>
+<p:sld xmlns:a="http://schemas.openxmlformats.org/drawingml/2006/main" xmlns:r="http://schemas.openxmlformats.org/officeDocument/2006/relationships" xmlns:p="http://schemas.openxmlformats.org/presentationml/2006/main">
+  <p:cSld>
+    <p:spTree>
+      <p:nvGrpSpPr>
+        <p:cNvPr id="1" name=""/>
+        <p:cNvGrpSpPr/>
+        <p:nvPr/>
+      </p:nvGrpSpPr>
+      <p:grpSpPr>
+        <a:xfrm>
+          <a:off x="0" y="0"/>
+          <a:ext cx="0" cy="0"/>
+          <a:chOff x="0" y="0"/>
+          <a:chExt cx="0" cy="0"/>
+        </a:xfrm>
+      </p:grpSpPr>
+      <p:sp>
+        <p:nvSpPr>
+          <p:cNvPr id="6" name="CasellaDiTesto 5"/>
+          <p:cNvSpPr txBox="1"/>
+          <p:nvPr/>
+        </p:nvSpPr>
+        <p:spPr>
+          <a:xfrm>
+            <a:off x="467544" y="592812"/>
+            <a:ext cx="8142305" cy="1107996"/>
+          </a:xfrm>
+          <a:prstGeom prst="rect">
+            <a:avLst/>
+          </a:prstGeom>
+          <a:noFill/>
+        </p:spPr>
+        <p:txBody>
+          <a:bodyPr wrap="square" rtlCol="0">
+            <a:spAutoFit/>
+          </a:bodyPr>
+          <a:lstStyle/>
+          <a:p>
+            <a:pPr algn="ctr"/>
+            <a:r>
+              <a:rPr lang="it-IT" sz="4800" b="1" dirty="0" smtClean="0"/>
+              <a:t>Gestione Eventi</a:t>
+            </a:r>
+          </a:p>
+          <a:p>
+            <a:pPr algn="ctr"/>
+            <a:endParaRPr lang="it-IT" dirty="0">
+              <a:latin typeface="+mj-lt"/>
+            </a:endParaRPr>
+          </a:p>
+        </p:txBody>
+      </p:sp>
+      <p:sp>
+        <p:nvSpPr>
+          <p:cNvPr id="7" name="Rettangolo 6"/>
+          <p:cNvSpPr/>
+          <p:nvPr/>
+        </p:nvSpPr>
+        <p:spPr>
+          <a:xfrm>
+            <a:off x="251520" y="1772816"/>
+            <a:ext cx="8607362" cy="1938992"/>
+          </a:xfrm>
+          <a:prstGeom prst="rect">
+            <a:avLst/>
+          </a:prstGeom>
+        </p:spPr>
+        <p:txBody>
+          <a:bodyPr wrap="square">
+            <a:spAutoFit/>
+          </a:bodyPr>
+          <a:lstStyle/>
+          <a:p>
+            <a:pPr algn="just">
+              <a:buFont typeface="Wingdings" pitchFamily="2" charset="2"/>
+              <a:buChar char="v"/>
+            </a:pPr>
+            <a:r>
+              <a:rPr lang="it-IT" sz="2400" dirty="0" smtClean="0"/>
+              <a:t>Si è scelto di supportare la sicurezza e l’usabilità in quanto requisito fondamentale del nostro sistema.</a:t>
+            </a:r>
+          </a:p>
+          <a:p>
+            <a:pPr algn="just">
+              <a:buFont typeface="Wingdings" pitchFamily="2" charset="2"/>
+              <a:buChar char="v"/>
+            </a:pPr>
+            <a:endParaRPr lang="it-IT" sz="2400" dirty="0" smtClean="0"/>
+          </a:p>
+          <a:p>
+            <a:pPr algn="just">
+              <a:buFont typeface="Wingdings" pitchFamily="2" charset="2"/>
+              <a:buChar char="v"/>
+            </a:pPr>
+            <a:r>
+              <a:rPr lang="it-IT" sz="2400" dirty="0" smtClean="0"/>
+              <a:t>Non è stato possibile ricercare una soluzione che fornisse la stessa sicurezza con una complessità minore.</a:t>
+            </a:r>
+          </a:p>
+        </p:txBody>
+      </p:sp>
+    </p:spTree>
+    <p:extLst>
+      <p:ext uri="{BB962C8B-B14F-4D97-AF65-F5344CB8AC3E}">
+        <p14:creationId xmlns:p14="http://schemas.microsoft.com/office/powerpoint/2010/main" xmlns="" val="155874689"/>
+      </p:ext>
+    </p:extLst>
+  </p:cSld>
+  <p:clrMapOvr>
+    <a:masterClrMapping/>
+  </p:clrMapOvr>
+  <mc:AlternateContent xmlns:mc="http://schemas.openxmlformats.org/markup-compatibility/2006">
+    <mc:Choice xmlns:p14="http://schemas.microsoft.com/office/powerpoint/2010/main" xmlns="" Requires="p14">
+      <p:transition spd="slow" p14:dur="2000"/>
+    </mc:Choice>
+    <mc:Fallback>
+      <p:transition spd="slow"/>
+    </mc:Fallback>
+  </mc:AlternateContent>
+  <p:timing>
+    <p:tnLst>
+      <p:par>
+        <p:cTn id="1" dur="indefinite" restart="never" nodeType="tmRoot"/>
+      </p:par>
+    </p:tnLst>
+  </p:timing>
+</p:sld>
+</file>
+
+<file path=ppt/slides/slide52.xml><?xml version="1.0" encoding="utf-8"?>
+<p:sld xmlns:a="http://schemas.openxmlformats.org/drawingml/2006/main" xmlns:r="http://schemas.openxmlformats.org/officeDocument/2006/relationships" xmlns:p="http://schemas.openxmlformats.org/presentationml/2006/main">
+  <p:cSld>
+    <p:spTree>
+      <p:nvGrpSpPr>
+        <p:cNvPr id="1" name=""/>
+        <p:cNvGrpSpPr/>
+        <p:nvPr/>
+      </p:nvGrpSpPr>
+      <p:grpSpPr>
+        <a:xfrm>
+          <a:off x="0" y="0"/>
+          <a:ext cx="0" cy="0"/>
+          <a:chOff x="0" y="0"/>
+          <a:chExt cx="0" cy="0"/>
+        </a:xfrm>
+      </p:grpSpPr>
+      <p:sp>
+        <p:nvSpPr>
+          <p:cNvPr id="2" name="CasellaDiTesto 1"/>
+          <p:cNvSpPr txBox="1"/>
+          <p:nvPr/>
+        </p:nvSpPr>
+        <p:spPr>
+          <a:xfrm>
+            <a:off x="500034" y="476672"/>
+            <a:ext cx="8142305" cy="1538883"/>
+          </a:xfrm>
+          <a:prstGeom prst="rect">
+            <a:avLst/>
+          </a:prstGeom>
+          <a:noFill/>
+        </p:spPr>
+        <p:txBody>
+          <a:bodyPr wrap="square" rtlCol="0">
+            <a:spAutoFit/>
+          </a:bodyPr>
+          <a:lstStyle/>
+          <a:p>
+            <a:pPr algn="ctr"/>
+            <a:r>
+              <a:rPr lang="it-IT" sz="4800" b="1" dirty="0" smtClean="0"/>
+              <a:t>Gestione Eventi</a:t>
+            </a:r>
+          </a:p>
+          <a:p>
+            <a:pPr algn="ctr"/>
+            <a:r>
+              <a:rPr lang="it-IT" sz="2800" b="1" dirty="0" smtClean="0">
+                <a:latin typeface="+mj-lt"/>
+              </a:rPr>
+              <a:t>Singleton Pattern</a:t>
+            </a:r>
+          </a:p>
+          <a:p>
+            <a:pPr algn="ctr"/>
+            <a:endParaRPr lang="it-IT" dirty="0">
+              <a:latin typeface="+mj-lt"/>
+            </a:endParaRPr>
+          </a:p>
+        </p:txBody>
+      </p:sp>
+      <p:sp>
+        <p:nvSpPr>
+          <p:cNvPr id="6" name="Rettangolo 5"/>
+          <p:cNvSpPr/>
+          <p:nvPr/>
+        </p:nvSpPr>
+        <p:spPr>
+          <a:xfrm>
+            <a:off x="214282" y="1857365"/>
+            <a:ext cx="8786874" cy="2308324"/>
+          </a:xfrm>
+          <a:prstGeom prst="rect">
+            <a:avLst/>
+          </a:prstGeom>
+        </p:spPr>
+        <p:txBody>
+          <a:bodyPr wrap="square">
+            <a:spAutoFit/>
+          </a:bodyPr>
+          <a:lstStyle/>
+          <a:p>
+            <a:pPr algn="just"/>
+            <a:r>
+              <a:rPr lang="it-IT" sz="2400" dirty="0" smtClean="0"/>
+              <a:t>Durante tutta la fase di implementazione abbiamo utilizzato il design pattern “singleton”. </a:t>
+            </a:r>
+          </a:p>
+          <a:p>
+            <a:pPr algn="just"/>
+            <a:endParaRPr lang="it-IT" sz="2400" dirty="0" smtClean="0"/>
+          </a:p>
+          <a:p>
+            <a:pPr algn="just"/>
+            <a:r>
+              <a:rPr lang="it-IT" sz="2400" dirty="0" smtClean="0"/>
+              <a:t>Questo pattern di tipo </a:t>
+            </a:r>
+            <a:r>
+              <a:rPr lang="it-IT" sz="2400" dirty="0" err="1" smtClean="0"/>
+              <a:t>creazionale</a:t>
+            </a:r>
+            <a:r>
+              <a:rPr lang="it-IT" sz="2400" dirty="0" smtClean="0"/>
+              <a:t> permette di realizzare una sola istanza di una determinata classe fornendo un punto d’accesso globale a tale istanza.</a:t>
+            </a:r>
+          </a:p>
+        </p:txBody>
+      </p:sp>
+      <p:pic>
+        <p:nvPicPr>
+          <p:cNvPr id="7170" name="Picture 2" descr="C:\Users\Amministratore\Desktop\eventi\singleton1.png"/>
+          <p:cNvPicPr>
+            <a:picLocks noChangeAspect="1" noChangeArrowheads="1"/>
+          </p:cNvPicPr>
+          <p:nvPr/>
+        </p:nvPicPr>
+        <p:blipFill>
+          <a:blip r:embed="rId3" cstate="print"/>
+          <a:srcRect/>
+          <a:stretch>
+            <a:fillRect/>
+          </a:stretch>
+        </p:blipFill>
+        <p:spPr bwMode="auto">
+          <a:xfrm>
+            <a:off x="357157" y="4286256"/>
+            <a:ext cx="7377067" cy="714380"/>
+          </a:xfrm>
+          <a:prstGeom prst="rect">
+            <a:avLst/>
+          </a:prstGeom>
+          <a:noFill/>
+        </p:spPr>
+      </p:pic>
+      <p:pic>
+        <p:nvPicPr>
+          <p:cNvPr id="7171" name="Picture 3" descr="C:\Users\Amministratore\Desktop\eventi\singleton2.png"/>
+          <p:cNvPicPr>
+            <a:picLocks noChangeAspect="1" noChangeArrowheads="1"/>
+          </p:cNvPicPr>
+          <p:nvPr/>
+        </p:nvPicPr>
+        <p:blipFill>
+          <a:blip r:embed="rId4" cstate="print"/>
+          <a:srcRect/>
+          <a:stretch>
+            <a:fillRect/>
+          </a:stretch>
+        </p:blipFill>
+        <p:spPr bwMode="auto">
+          <a:xfrm>
+            <a:off x="142844" y="5102350"/>
+            <a:ext cx="4500594" cy="1755650"/>
+          </a:xfrm>
+          <a:prstGeom prst="rect">
+            <a:avLst/>
+          </a:prstGeom>
+          <a:noFill/>
+        </p:spPr>
+      </p:pic>
+    </p:spTree>
+    <p:extLst>
+      <p:ext uri="{BB962C8B-B14F-4D97-AF65-F5344CB8AC3E}">
+        <p14:creationId xmlns="" xmlns:p14="http://schemas.microsoft.com/office/powerpoint/2010/main" val="155874689"/>
+      </p:ext>
+    </p:extLst>
+  </p:cSld>
+  <p:clrMapOvr>
+    <a:masterClrMapping/>
+  </p:clrMapOvr>
+  <mc:AlternateContent xmlns:mc="http://schemas.openxmlformats.org/markup-compatibility/2006">
+    <mc:Choice xmlns="" xmlns:p14="http://schemas.microsoft.com/office/powerpoint/2010/main" Requires="p14">
+      <p:transition spd="slow" p14:dur="2000"/>
+    </mc:Choice>
+    <mc:Fallback>
+      <p:transition spd="slow"/>
+    </mc:Fallback>
+  </mc:AlternateContent>
+  <p:timing>
+    <p:tnLst>
+      <p:par>
+        <p:cTn id="1" dur="indefinite" restart="never" nodeType="tmRoot"/>
+      </p:par>
+    </p:tnLst>
+  </p:timing>
+</p:sld>
+</file>
+
 <file path=ppt/slides/slide6.xml><?xml version="1.0" encoding="utf-8"?>
 <p:sld xmlns:a="http://schemas.openxmlformats.org/drawingml/2006/main" xmlns:r="http://schemas.openxmlformats.org/officeDocument/2006/relationships" xmlns:p="http://schemas.openxmlformats.org/presentationml/2006/main">
   <p:cSld>
@@ -18772,7 +22515,7 @@
           <a:blip r:embed="rId2" cstate="print">
             <a:extLst>
               <a:ext uri="{28A0092B-C50C-407E-A947-70E740481C1C}">
-                <a14:useLocalDpi xmlns="" xmlns:a14="http://schemas.microsoft.com/office/drawing/2010/main" val="0"/>
+                <a14:useLocalDpi xmlns:a14="http://schemas.microsoft.com/office/drawing/2010/main" xmlns="" val="0"/>
               </a:ext>
             </a:extLst>
           </a:blip>
@@ -18792,7 +22535,7 @@
           <a:noFill/>
           <a:extLst>
             <a:ext uri="{909E8E84-426E-40DD-AFC4-6F175D3DCCD1}">
-              <a14:hiddenFill xmlns="" xmlns:a14="http://schemas.microsoft.com/office/drawing/2010/main">
+              <a14:hiddenFill xmlns:a14="http://schemas.microsoft.com/office/drawing/2010/main" xmlns="">
                 <a:solidFill>
                   <a:srgbClr val="FFFFFF"/>
                 </a:solidFill>
@@ -18887,7 +22630,7 @@
     </p:spTree>
     <p:extLst>
       <p:ext uri="{BB962C8B-B14F-4D97-AF65-F5344CB8AC3E}">
-        <p14:creationId xmlns="" xmlns:p14="http://schemas.microsoft.com/office/powerpoint/2010/main" val="3516333073"/>
+        <p14:creationId xmlns:p14="http://schemas.microsoft.com/office/powerpoint/2010/main" xmlns="" val="3516333073"/>
       </p:ext>
     </p:extLst>
   </p:cSld>
@@ -18895,7 +22638,7 @@
     <a:masterClrMapping/>
   </p:clrMapOvr>
   <mc:AlternateContent xmlns:mc="http://schemas.openxmlformats.org/markup-compatibility/2006">
-    <mc:Choice xmlns="" xmlns:p14="http://schemas.microsoft.com/office/powerpoint/2010/main" Requires="p14">
+    <mc:Choice xmlns:p14="http://schemas.microsoft.com/office/powerpoint/2010/main" xmlns="" Requires="p14">
       <p:transition spd="slow" p14:dur="2000"/>
     </mc:Choice>
     <mc:Fallback>
@@ -18975,7 +22718,7 @@
           <a:blip r:embed="rId2" cstate="print">
             <a:extLst>
               <a:ext uri="{28A0092B-C50C-407E-A947-70E740481C1C}">
-                <a14:useLocalDpi xmlns="" xmlns:a14="http://schemas.microsoft.com/office/drawing/2010/main" val="0"/>
+                <a14:useLocalDpi xmlns:a14="http://schemas.microsoft.com/office/drawing/2010/main" xmlns="" val="0"/>
               </a:ext>
             </a:extLst>
           </a:blip>
@@ -18995,7 +22738,7 @@
           <a:noFill/>
           <a:extLst>
             <a:ext uri="{909E8E84-426E-40DD-AFC4-6F175D3DCCD1}">
-              <a14:hiddenFill xmlns="" xmlns:a14="http://schemas.microsoft.com/office/drawing/2010/main">
+              <a14:hiddenFill xmlns:a14="http://schemas.microsoft.com/office/drawing/2010/main" xmlns="">
                 <a:solidFill>
                   <a:srgbClr val="FFFFFF"/>
                 </a:solidFill>
@@ -19070,7 +22813,7 @@
     </p:spTree>
     <p:extLst>
       <p:ext uri="{BB962C8B-B14F-4D97-AF65-F5344CB8AC3E}">
-        <p14:creationId xmlns="" xmlns:p14="http://schemas.microsoft.com/office/powerpoint/2010/main" val="576094641"/>
+        <p14:creationId xmlns:p14="http://schemas.microsoft.com/office/powerpoint/2010/main" xmlns="" val="576094641"/>
       </p:ext>
     </p:extLst>
   </p:cSld>
@@ -19078,7 +22821,7 @@
     <a:masterClrMapping/>
   </p:clrMapOvr>
   <mc:AlternateContent xmlns:mc="http://schemas.openxmlformats.org/markup-compatibility/2006">
-    <mc:Choice xmlns="" xmlns:p14="http://schemas.microsoft.com/office/powerpoint/2010/main" Requires="p14">
+    <mc:Choice xmlns:p14="http://schemas.microsoft.com/office/powerpoint/2010/main" xmlns="" Requires="p14">
       <p:transition spd="slow" p14:dur="2000"/>
     </mc:Choice>
     <mc:Fallback>
@@ -19354,7 +23097,7 @@
           <a:blip r:embed="rId2" cstate="print">
             <a:extLst>
               <a:ext uri="{28A0092B-C50C-407E-A947-70E740481C1C}">
-                <a14:useLocalDpi xmlns="" xmlns:a14="http://schemas.microsoft.com/office/drawing/2010/main" val="0"/>
+                <a14:useLocalDpi xmlns:a14="http://schemas.microsoft.com/office/drawing/2010/main" xmlns="" val="0"/>
               </a:ext>
             </a:extLst>
           </a:blip>
@@ -19374,7 +23117,7 @@
           <a:noFill/>
           <a:extLst>
             <a:ext uri="{909E8E84-426E-40DD-AFC4-6F175D3DCCD1}">
-              <a14:hiddenFill xmlns="" xmlns:a14="http://schemas.microsoft.com/office/drawing/2010/main">
+              <a14:hiddenFill xmlns:a14="http://schemas.microsoft.com/office/drawing/2010/main" xmlns="">
                 <a:solidFill>
                   <a:srgbClr val="FFFFFF"/>
                 </a:solidFill>
@@ -19650,7 +23393,7 @@
     </p:spTree>
     <p:extLst>
       <p:ext uri="{BB962C8B-B14F-4D97-AF65-F5344CB8AC3E}">
-        <p14:creationId xmlns="" xmlns:p14="http://schemas.microsoft.com/office/powerpoint/2010/main" val="4188503847"/>
+        <p14:creationId xmlns:p14="http://schemas.microsoft.com/office/powerpoint/2010/main" xmlns="" val="4188503847"/>
       </p:ext>
     </p:extLst>
   </p:cSld>
@@ -20518,7 +24261,7 @@
           <a:blip r:embed="rId2" cstate="print">
             <a:extLst>
               <a:ext uri="{28A0092B-C50C-407E-A947-70E740481C1C}">
-                <a14:useLocalDpi xmlns="" xmlns:a14="http://schemas.microsoft.com/office/drawing/2010/main" val="0"/>
+                <a14:useLocalDpi xmlns:a14="http://schemas.microsoft.com/office/drawing/2010/main" xmlns="" val="0"/>
               </a:ext>
             </a:extLst>
           </a:blip>
@@ -20542,14 +24285,14 @@
           <a:effectLst/>
           <a:extLst>
             <a:ext uri="{909E8E84-426E-40DD-AFC4-6F175D3DCCD1}">
-              <a14:hiddenFill xmlns="" xmlns:a14="http://schemas.microsoft.com/office/drawing/2010/main">
+              <a14:hiddenFill xmlns:a14="http://schemas.microsoft.com/office/drawing/2010/main" xmlns="">
                 <a:solidFill>
                   <a:schemeClr val="accent1"/>
                 </a:solidFill>
               </a14:hiddenFill>
             </a:ext>
             <a:ext uri="{91240B29-F687-4F45-9708-019B960494DF}">
-              <a14:hiddenLine xmlns="" xmlns:a14="http://schemas.microsoft.com/office/drawing/2010/main" w="9525">
+              <a14:hiddenLine xmlns:a14="http://schemas.microsoft.com/office/drawing/2010/main" xmlns="" w="9525">
                 <a:solidFill>
                   <a:schemeClr val="tx1"/>
                 </a:solidFill>
@@ -20559,7 +24302,7 @@
               </a14:hiddenLine>
             </a:ext>
             <a:ext uri="{AF507438-7753-43E0-B8FC-AC1667EBCBE1}">
-              <a14:hiddenEffects xmlns="" xmlns:a14="http://schemas.microsoft.com/office/drawing/2010/main">
+              <a14:hiddenEffects xmlns:a14="http://schemas.microsoft.com/office/drawing/2010/main" xmlns="">
                 <a:effectLst>
                   <a:outerShdw dist="35921" dir="2700000" algn="ctr" rotWithShape="0">
                     <a:schemeClr val="bg2"/>
@@ -20573,7 +24316,7 @@
     </p:spTree>
     <p:extLst>
       <p:ext uri="{BB962C8B-B14F-4D97-AF65-F5344CB8AC3E}">
-        <p14:creationId xmlns="" xmlns:p14="http://schemas.microsoft.com/office/powerpoint/2010/main" val="1896188625"/>
+        <p14:creationId xmlns:p14="http://schemas.microsoft.com/office/powerpoint/2010/main" xmlns="" val="1896188625"/>
       </p:ext>
     </p:extLst>
   </p:cSld>

--- a/trunk/Presentazione/Atsilo2/Atsilo_M_PresentazioneFinale.pptx
+++ b/trunk/Presentazione/Atsilo2/Atsilo_M_PresentazioneFinale.pptx
@@ -450,7 +450,7 @@
     </p:spTree>
     <p:extLst>
       <p:ext uri="{BB962C8B-B14F-4D97-AF65-F5344CB8AC3E}">
-        <p14:creationId xmlns="" xmlns:p14="http://schemas.microsoft.com/office/powerpoint/2010/main" val="2126419590"/>
+        <p14:creationId xmlns:p14="http://schemas.microsoft.com/office/powerpoint/2010/main" xmlns="" val="2126419590"/>
       </p:ext>
     </p:extLst>
   </p:cSld>
@@ -625,7 +625,7 @@
     </p:spTree>
     <p:extLst>
       <p:ext uri="{BB962C8B-B14F-4D97-AF65-F5344CB8AC3E}">
-        <p14:creationId xmlns="" xmlns:p14="http://schemas.microsoft.com/office/powerpoint/2010/main" val="3122029082"/>
+        <p14:creationId xmlns:p14="http://schemas.microsoft.com/office/powerpoint/2010/main" xmlns="" val="3122029082"/>
       </p:ext>
     </p:extLst>
   </p:cSld>
@@ -718,7 +718,7 @@
     </p:spTree>
     <p:extLst>
       <p:ext uri="{BB962C8B-B14F-4D97-AF65-F5344CB8AC3E}">
-        <p14:creationId xmlns="" xmlns:p14="http://schemas.microsoft.com/office/powerpoint/2010/main" val="3771085237"/>
+        <p14:creationId xmlns:p14="http://schemas.microsoft.com/office/powerpoint/2010/main" xmlns="" val="3771085237"/>
       </p:ext>
     </p:extLst>
   </p:cSld>
@@ -870,7 +870,7 @@
     </p:spTree>
     <p:extLst>
       <p:ext uri="{BB962C8B-B14F-4D97-AF65-F5344CB8AC3E}">
-        <p14:creationId xmlns="" xmlns:p14="http://schemas.microsoft.com/office/powerpoint/2010/main" val="2716859324"/>
+        <p14:creationId xmlns:p14="http://schemas.microsoft.com/office/powerpoint/2010/main" xmlns="" val="2716859324"/>
       </p:ext>
     </p:extLst>
   </p:cSld>
@@ -963,7 +963,7 @@
     </p:spTree>
     <p:extLst>
       <p:ext uri="{BB962C8B-B14F-4D97-AF65-F5344CB8AC3E}">
-        <p14:creationId xmlns="" xmlns:p14="http://schemas.microsoft.com/office/powerpoint/2010/main" val="3122029082"/>
+        <p14:creationId xmlns:p14="http://schemas.microsoft.com/office/powerpoint/2010/main" xmlns="" val="3122029082"/>
       </p:ext>
     </p:extLst>
   </p:cSld>
@@ -1138,7 +1138,7 @@
     </p:spTree>
     <p:extLst>
       <p:ext uri="{BB962C8B-B14F-4D97-AF65-F5344CB8AC3E}">
-        <p14:creationId xmlns="" xmlns:p14="http://schemas.microsoft.com/office/powerpoint/2010/main" val="2716859324"/>
+        <p14:creationId xmlns:p14="http://schemas.microsoft.com/office/powerpoint/2010/main" xmlns="" val="2716859324"/>
       </p:ext>
     </p:extLst>
   </p:cSld>
@@ -1230,7 +1230,7 @@
     </p:spTree>
     <p:extLst>
       <p:ext uri="{BB962C8B-B14F-4D97-AF65-F5344CB8AC3E}">
-        <p14:creationId xmlns="" xmlns:p14="http://schemas.microsoft.com/office/powerpoint/2010/main" val="1159000954"/>
+        <p14:creationId xmlns:p14="http://schemas.microsoft.com/office/powerpoint/2010/main" xmlns="" val="1159000954"/>
       </p:ext>
     </p:extLst>
   </p:cSld>
@@ -1996,7 +1996,7 @@
     </p:spTree>
     <p:extLst>
       <p:ext uri="{BB962C8B-B14F-4D97-AF65-F5344CB8AC3E}">
-        <p14:creationId xmlns="" xmlns:p14="http://schemas.microsoft.com/office/powerpoint/2010/main" val="3122029082"/>
+        <p14:creationId xmlns:p14="http://schemas.microsoft.com/office/powerpoint/2010/main" xmlns="" val="3122029082"/>
       </p:ext>
     </p:extLst>
   </p:cSld>
@@ -2296,7 +2296,7 @@
     </p:spTree>
     <p:extLst>
       <p:ext uri="{BB962C8B-B14F-4D97-AF65-F5344CB8AC3E}">
-        <p14:creationId xmlns:p14="http://schemas.microsoft.com/office/powerpoint/2010/main" xmlns="" val="1015010449"/>
+        <p14:creationId xmlns="" xmlns:p14="http://schemas.microsoft.com/office/powerpoint/2010/main" val="1015010449"/>
       </p:ext>
     </p:extLst>
   </p:cSld>
@@ -2401,7 +2401,7 @@
     </p:spTree>
     <p:extLst>
       <p:ext uri="{BB962C8B-B14F-4D97-AF65-F5344CB8AC3E}">
-        <p14:creationId xmlns:p14="http://schemas.microsoft.com/office/powerpoint/2010/main" xmlns="" val="2697673236"/>
+        <p14:creationId xmlns="" xmlns:p14="http://schemas.microsoft.com/office/powerpoint/2010/main" val="2697673236"/>
       </p:ext>
     </p:extLst>
   </p:cSld>
@@ -2992,7 +2992,7 @@
     </p:spTree>
     <p:extLst>
       <p:ext uri="{BB962C8B-B14F-4D97-AF65-F5344CB8AC3E}">
-        <p14:creationId xmlns="" xmlns:p14="http://schemas.microsoft.com/office/powerpoint/2010/main" val="1632684865"/>
+        <p14:creationId xmlns:p14="http://schemas.microsoft.com/office/powerpoint/2010/main" xmlns="" val="1632684865"/>
       </p:ext>
     </p:extLst>
   </p:cSld>
@@ -4126,7 +4126,7 @@
     </p:spTree>
     <p:extLst>
       <p:ext uri="{BB962C8B-B14F-4D97-AF65-F5344CB8AC3E}">
-        <p14:creationId xmlns="" xmlns:p14="http://schemas.microsoft.com/office/powerpoint/2010/main" val="1093366611"/>
+        <p14:creationId xmlns:p14="http://schemas.microsoft.com/office/powerpoint/2010/main" xmlns="" val="1093366611"/>
       </p:ext>
     </p:extLst>
   </p:cSld>
@@ -4225,7 +4225,7 @@
     </p:spTree>
     <p:extLst>
       <p:ext uri="{BB962C8B-B14F-4D97-AF65-F5344CB8AC3E}">
-        <p14:creationId xmlns="" xmlns:p14="http://schemas.microsoft.com/office/powerpoint/2010/main" val="968677491"/>
+        <p14:creationId xmlns:p14="http://schemas.microsoft.com/office/powerpoint/2010/main" xmlns="" val="968677491"/>
       </p:ext>
     </p:extLst>
   </p:cSld>
@@ -4318,7 +4318,7 @@
     </p:spTree>
     <p:extLst>
       <p:ext uri="{BB962C8B-B14F-4D97-AF65-F5344CB8AC3E}">
-        <p14:creationId xmlns="" xmlns:p14="http://schemas.microsoft.com/office/powerpoint/2010/main" val="1685022444"/>
+        <p14:creationId xmlns:p14="http://schemas.microsoft.com/office/powerpoint/2010/main" xmlns="" val="1685022444"/>
       </p:ext>
     </p:extLst>
   </p:cSld>
@@ -4415,7 +4415,7 @@
     </p:spTree>
     <p:extLst>
       <p:ext uri="{BB962C8B-B14F-4D97-AF65-F5344CB8AC3E}">
-        <p14:creationId xmlns="" xmlns:p14="http://schemas.microsoft.com/office/powerpoint/2010/main" val="1685022444"/>
+        <p14:creationId xmlns:p14="http://schemas.microsoft.com/office/powerpoint/2010/main" xmlns="" val="1685022444"/>
       </p:ext>
     </p:extLst>
   </p:cSld>
@@ -4500,7 +4500,7 @@
     </p:spTree>
     <p:extLst>
       <p:ext uri="{BB962C8B-B14F-4D97-AF65-F5344CB8AC3E}">
-        <p14:creationId xmlns="" xmlns:p14="http://schemas.microsoft.com/office/powerpoint/2010/main" val="3294237695"/>
+        <p14:creationId xmlns:p14="http://schemas.microsoft.com/office/powerpoint/2010/main" xmlns="" val="3294237695"/>
       </p:ext>
     </p:extLst>
   </p:cSld>
@@ -4585,7 +4585,7 @@
     </p:spTree>
     <p:extLst>
       <p:ext uri="{BB962C8B-B14F-4D97-AF65-F5344CB8AC3E}">
-        <p14:creationId xmlns="" xmlns:p14="http://schemas.microsoft.com/office/powerpoint/2010/main" val="328384907"/>
+        <p14:creationId xmlns:p14="http://schemas.microsoft.com/office/powerpoint/2010/main" xmlns="" val="328384907"/>
       </p:ext>
     </p:extLst>
   </p:cSld>
@@ -8520,7 +8520,7 @@
           <p:nvPr>
             <p:extLst>
               <p:ext uri="{D42A27DB-BD31-4B8C-83A1-F6EECF244321}">
-                <p14:modId xmlns="" xmlns:p14="http://schemas.microsoft.com/office/powerpoint/2010/main" val="3696521689"/>
+                <p14:modId xmlns:p14="http://schemas.microsoft.com/office/powerpoint/2010/main" xmlns="" val="3696521689"/>
               </p:ext>
             </p:extLst>
           </p:nvPr>
@@ -8610,7 +8610,7 @@
           <a:blip r:embed="rId2" cstate="print">
             <a:extLst>
               <a:ext uri="{28A0092B-C50C-407E-A947-70E740481C1C}">
-                <a14:useLocalDpi xmlns="" xmlns:a14="http://schemas.microsoft.com/office/drawing/2010/main" val="0"/>
+                <a14:useLocalDpi xmlns:a14="http://schemas.microsoft.com/office/drawing/2010/main" xmlns="" val="0"/>
               </a:ext>
             </a:extLst>
           </a:blip>
@@ -8630,7 +8630,7 @@
           <a:noFill/>
           <a:extLst>
             <a:ext uri="{909E8E84-426E-40DD-AFC4-6F175D3DCCD1}">
-              <a14:hiddenFill xmlns="" xmlns:a14="http://schemas.microsoft.com/office/drawing/2010/main">
+              <a14:hiddenFill xmlns:a14="http://schemas.microsoft.com/office/drawing/2010/main" xmlns="">
                 <a:solidFill>
                   <a:srgbClr val="FFFFFF"/>
                 </a:solidFill>
@@ -8648,7 +8648,7 @@
           <p:nvPr>
             <p:extLst>
               <p:ext uri="{D42A27DB-BD31-4B8C-83A1-F6EECF244321}">
-                <p14:modId xmlns="" xmlns:p14="http://schemas.microsoft.com/office/powerpoint/2010/main" val="3478576524"/>
+                <p14:modId xmlns:p14="http://schemas.microsoft.com/office/powerpoint/2010/main" xmlns="" val="3478576524"/>
               </p:ext>
             </p:extLst>
           </p:nvPr>
@@ -8859,7 +8859,7 @@
     </p:spTree>
     <p:extLst>
       <p:ext uri="{BB962C8B-B14F-4D97-AF65-F5344CB8AC3E}">
-        <p14:creationId xmlns="" xmlns:p14="http://schemas.microsoft.com/office/powerpoint/2010/main" val="4165334171"/>
+        <p14:creationId xmlns:p14="http://schemas.microsoft.com/office/powerpoint/2010/main" xmlns="" val="4165334171"/>
       </p:ext>
     </p:extLst>
   </p:cSld>
@@ -9135,7 +9135,7 @@
           <a:blip r:embed="rId2" cstate="print">
             <a:extLst>
               <a:ext uri="{28A0092B-C50C-407E-A947-70E740481C1C}">
-                <a14:useLocalDpi xmlns="" xmlns:a14="http://schemas.microsoft.com/office/drawing/2010/main" val="0"/>
+                <a14:useLocalDpi xmlns:a14="http://schemas.microsoft.com/office/drawing/2010/main" xmlns="" val="0"/>
               </a:ext>
             </a:extLst>
           </a:blip>
@@ -9155,7 +9155,7 @@
           <a:noFill/>
           <a:extLst>
             <a:ext uri="{909E8E84-426E-40DD-AFC4-6F175D3DCCD1}">
-              <a14:hiddenFill xmlns="" xmlns:a14="http://schemas.microsoft.com/office/drawing/2010/main">
+              <a14:hiddenFill xmlns:a14="http://schemas.microsoft.com/office/drawing/2010/main" xmlns="">
                 <a:solidFill>
                   <a:srgbClr val="FFFFFF"/>
                 </a:solidFill>
@@ -9431,7 +9431,7 @@
     </p:spTree>
     <p:extLst>
       <p:ext uri="{BB962C8B-B14F-4D97-AF65-F5344CB8AC3E}">
-        <p14:creationId xmlns="" xmlns:p14="http://schemas.microsoft.com/office/powerpoint/2010/main" val="4188503847"/>
+        <p14:creationId xmlns:p14="http://schemas.microsoft.com/office/powerpoint/2010/main" xmlns="" val="4188503847"/>
       </p:ext>
     </p:extLst>
   </p:cSld>
@@ -10299,7 +10299,7 @@
           <a:blip r:embed="rId2" cstate="print">
             <a:extLst>
               <a:ext uri="{28A0092B-C50C-407E-A947-70E740481C1C}">
-                <a14:useLocalDpi xmlns="" xmlns:a14="http://schemas.microsoft.com/office/drawing/2010/main" val="0"/>
+                <a14:useLocalDpi xmlns:a14="http://schemas.microsoft.com/office/drawing/2010/main" xmlns="" val="0"/>
               </a:ext>
             </a:extLst>
           </a:blip>
@@ -10323,14 +10323,14 @@
           <a:effectLst/>
           <a:extLst>
             <a:ext uri="{909E8E84-426E-40DD-AFC4-6F175D3DCCD1}">
-              <a14:hiddenFill xmlns="" xmlns:a14="http://schemas.microsoft.com/office/drawing/2010/main">
+              <a14:hiddenFill xmlns:a14="http://schemas.microsoft.com/office/drawing/2010/main" xmlns="">
                 <a:solidFill>
                   <a:schemeClr val="accent1"/>
                 </a:solidFill>
               </a14:hiddenFill>
             </a:ext>
             <a:ext uri="{91240B29-F687-4F45-9708-019B960494DF}">
-              <a14:hiddenLine xmlns="" xmlns:a14="http://schemas.microsoft.com/office/drawing/2010/main" w="9525">
+              <a14:hiddenLine xmlns:a14="http://schemas.microsoft.com/office/drawing/2010/main" xmlns="" w="9525">
                 <a:solidFill>
                   <a:schemeClr val="tx1"/>
                 </a:solidFill>
@@ -10340,7 +10340,7 @@
               </a14:hiddenLine>
             </a:ext>
             <a:ext uri="{AF507438-7753-43E0-B8FC-AC1667EBCBE1}">
-              <a14:hiddenEffects xmlns="" xmlns:a14="http://schemas.microsoft.com/office/drawing/2010/main">
+              <a14:hiddenEffects xmlns:a14="http://schemas.microsoft.com/office/drawing/2010/main" xmlns="">
                 <a:effectLst>
                   <a:outerShdw dist="35921" dir="2700000" algn="ctr" rotWithShape="0">
                     <a:schemeClr val="bg2"/>
@@ -10354,7 +10354,7 @@
     </p:spTree>
     <p:extLst>
       <p:ext uri="{BB962C8B-B14F-4D97-AF65-F5344CB8AC3E}">
-        <p14:creationId xmlns="" xmlns:p14="http://schemas.microsoft.com/office/powerpoint/2010/main" val="1896188625"/>
+        <p14:creationId xmlns:p14="http://schemas.microsoft.com/office/powerpoint/2010/main" xmlns="" val="1896188625"/>
       </p:ext>
     </p:extLst>
   </p:cSld>
@@ -10444,7 +10444,7 @@
           <a:blip r:embed="rId3" cstate="print">
             <a:extLst>
               <a:ext uri="{28A0092B-C50C-407E-A947-70E740481C1C}">
-                <a14:useLocalDpi xmlns="" xmlns:a14="http://schemas.microsoft.com/office/drawing/2010/main" val="0"/>
+                <a14:useLocalDpi xmlns:a14="http://schemas.microsoft.com/office/drawing/2010/main" xmlns="" val="0"/>
               </a:ext>
             </a:extLst>
           </a:blip>
@@ -10464,7 +10464,7 @@
           <a:noFill/>
           <a:extLst>
             <a:ext uri="{909E8E84-426E-40DD-AFC4-6F175D3DCCD1}">
-              <a14:hiddenFill xmlns="" xmlns:a14="http://schemas.microsoft.com/office/drawing/2010/main">
+              <a14:hiddenFill xmlns:a14="http://schemas.microsoft.com/office/drawing/2010/main" xmlns="">
                 <a:solidFill>
                   <a:srgbClr val="FFFFFF"/>
                 </a:solidFill>
@@ -10476,7 +10476,7 @@
     </p:spTree>
     <p:extLst>
       <p:ext uri="{BB962C8B-B14F-4D97-AF65-F5344CB8AC3E}">
-        <p14:creationId xmlns="" xmlns:p14="http://schemas.microsoft.com/office/powerpoint/2010/main" val="1417486241"/>
+        <p14:creationId xmlns:p14="http://schemas.microsoft.com/office/powerpoint/2010/main" xmlns="" val="1417486241"/>
       </p:ext>
     </p:extLst>
   </p:cSld>
@@ -10888,7 +10888,7 @@
     </p:spTree>
     <p:extLst>
       <p:ext uri="{BB962C8B-B14F-4D97-AF65-F5344CB8AC3E}">
-        <p14:creationId xmlns="" xmlns:p14="http://schemas.microsoft.com/office/powerpoint/2010/main" val="952316739"/>
+        <p14:creationId xmlns:p14="http://schemas.microsoft.com/office/powerpoint/2010/main" xmlns="" val="952316739"/>
       </p:ext>
     </p:extLst>
   </p:cSld>
@@ -10896,7 +10896,7 @@
     <a:masterClrMapping/>
   </p:clrMapOvr>
   <mc:AlternateContent xmlns:mc="http://schemas.openxmlformats.org/markup-compatibility/2006">
-    <mc:Choice xmlns="" xmlns:p14="http://schemas.microsoft.com/office/powerpoint/2010/main" Requires="p14">
+    <mc:Choice xmlns:p14="http://schemas.microsoft.com/office/powerpoint/2010/main" xmlns="" Requires="p14">
       <p:transition spd="slow" p14:dur="2000"/>
     </mc:Choice>
     <mc:Fallback>
@@ -11068,7 +11068,7 @@
           <a:blip r:embed="rId3" cstate="print">
             <a:extLst>
               <a:ext uri="{28A0092B-C50C-407E-A947-70E740481C1C}">
-                <a14:useLocalDpi xmlns="" xmlns:a14="http://schemas.microsoft.com/office/drawing/2010/main" val="0"/>
+                <a14:useLocalDpi xmlns:a14="http://schemas.microsoft.com/office/drawing/2010/main" xmlns="" val="0"/>
               </a:ext>
             </a:extLst>
           </a:blip>
@@ -11088,7 +11088,7 @@
           <a:noFill/>
           <a:extLst>
             <a:ext uri="{909E8E84-426E-40DD-AFC4-6F175D3DCCD1}">
-              <a14:hiddenFill xmlns="" xmlns:a14="http://schemas.microsoft.com/office/drawing/2010/main">
+              <a14:hiddenFill xmlns:a14="http://schemas.microsoft.com/office/drawing/2010/main" xmlns="">
                 <a:solidFill>
                   <a:srgbClr val="FFFFFF"/>
                 </a:solidFill>
@@ -11192,7 +11192,7 @@
     </p:spTree>
     <p:extLst>
       <p:ext uri="{BB962C8B-B14F-4D97-AF65-F5344CB8AC3E}">
-        <p14:creationId xmlns="" xmlns:p14="http://schemas.microsoft.com/office/powerpoint/2010/main" val="1824602548"/>
+        <p14:creationId xmlns:p14="http://schemas.microsoft.com/office/powerpoint/2010/main" xmlns="" val="1824602548"/>
       </p:ext>
     </p:extLst>
   </p:cSld>
@@ -11415,7 +11415,7 @@
           <a:blip r:embed="rId3" cstate="print">
             <a:extLst>
               <a:ext uri="{28A0092B-C50C-407E-A947-70E740481C1C}">
-                <a14:useLocalDpi xmlns="" xmlns:a14="http://schemas.microsoft.com/office/drawing/2010/main" val="0"/>
+                <a14:useLocalDpi xmlns:a14="http://schemas.microsoft.com/office/drawing/2010/main" xmlns="" val="0"/>
               </a:ext>
             </a:extLst>
           </a:blip>
@@ -11435,7 +11435,7 @@
           <a:noFill/>
           <a:extLst>
             <a:ext uri="{909E8E84-426E-40DD-AFC4-6F175D3DCCD1}">
-              <a14:hiddenFill xmlns="" xmlns:a14="http://schemas.microsoft.com/office/drawing/2010/main">
+              <a14:hiddenFill xmlns:a14="http://schemas.microsoft.com/office/drawing/2010/main" xmlns="">
                 <a:solidFill>
                   <a:srgbClr val="FFFFFF"/>
                 </a:solidFill>
@@ -11493,7 +11493,7 @@
     </p:spTree>
     <p:extLst>
       <p:ext uri="{BB962C8B-B14F-4D97-AF65-F5344CB8AC3E}">
-        <p14:creationId xmlns="" xmlns:p14="http://schemas.microsoft.com/office/powerpoint/2010/main" val="4209306795"/>
+        <p14:creationId xmlns:p14="http://schemas.microsoft.com/office/powerpoint/2010/main" xmlns="" val="4209306795"/>
       </p:ext>
     </p:extLst>
   </p:cSld>
@@ -11665,7 +11665,7 @@
           <a:blip r:embed="rId3" cstate="print">
             <a:extLst>
               <a:ext uri="{28A0092B-C50C-407E-A947-70E740481C1C}">
-                <a14:useLocalDpi xmlns="" xmlns:a14="http://schemas.microsoft.com/office/drawing/2010/main" val="0"/>
+                <a14:useLocalDpi xmlns:a14="http://schemas.microsoft.com/office/drawing/2010/main" xmlns="" val="0"/>
               </a:ext>
             </a:extLst>
           </a:blip>
@@ -11685,7 +11685,7 @@
           <a:noFill/>
           <a:extLst>
             <a:ext uri="{909E8E84-426E-40DD-AFC4-6F175D3DCCD1}">
-              <a14:hiddenFill xmlns="" xmlns:a14="http://schemas.microsoft.com/office/drawing/2010/main">
+              <a14:hiddenFill xmlns:a14="http://schemas.microsoft.com/office/drawing/2010/main" xmlns="">
                 <a:solidFill>
                   <a:srgbClr val="FFFFFF"/>
                 </a:solidFill>
@@ -11697,7 +11697,7 @@
     </p:spTree>
     <p:extLst>
       <p:ext uri="{BB962C8B-B14F-4D97-AF65-F5344CB8AC3E}">
-        <p14:creationId xmlns="" xmlns:p14="http://schemas.microsoft.com/office/powerpoint/2010/main" val="3701313841"/>
+        <p14:creationId xmlns:p14="http://schemas.microsoft.com/office/powerpoint/2010/main" xmlns="" val="3701313841"/>
       </p:ext>
     </p:extLst>
   </p:cSld>
@@ -11790,7 +11790,7 @@
           <a:blip r:embed="rId3" cstate="print">
             <a:extLst>
               <a:ext uri="{28A0092B-C50C-407E-A947-70E740481C1C}">
-                <a14:useLocalDpi xmlns="" xmlns:a14="http://schemas.microsoft.com/office/drawing/2010/main" val="0"/>
+                <a14:useLocalDpi xmlns:a14="http://schemas.microsoft.com/office/drawing/2010/main" xmlns="" val="0"/>
               </a:ext>
             </a:extLst>
           </a:blip>
@@ -11810,7 +11810,7 @@
           <a:noFill/>
           <a:extLst>
             <a:ext uri="{909E8E84-426E-40DD-AFC4-6F175D3DCCD1}">
-              <a14:hiddenFill xmlns="" xmlns:a14="http://schemas.microsoft.com/office/drawing/2010/main">
+              <a14:hiddenFill xmlns:a14="http://schemas.microsoft.com/office/drawing/2010/main" xmlns="">
                 <a:solidFill>
                   <a:srgbClr val="FFFFFF"/>
                 </a:solidFill>
@@ -11822,7 +11822,7 @@
     </p:spTree>
     <p:extLst>
       <p:ext uri="{BB962C8B-B14F-4D97-AF65-F5344CB8AC3E}">
-        <p14:creationId xmlns="" xmlns:p14="http://schemas.microsoft.com/office/powerpoint/2010/main" val="1653549512"/>
+        <p14:creationId xmlns:p14="http://schemas.microsoft.com/office/powerpoint/2010/main" xmlns="" val="1653549512"/>
       </p:ext>
     </p:extLst>
   </p:cSld>
@@ -11871,7 +11871,7 @@
           <a:blip r:embed="rId3" cstate="print">
             <a:extLst>
               <a:ext uri="{28A0092B-C50C-407E-A947-70E740481C1C}">
-                <a14:useLocalDpi xmlns="" xmlns:a14="http://schemas.microsoft.com/office/drawing/2010/main" val="0"/>
+                <a14:useLocalDpi xmlns:a14="http://schemas.microsoft.com/office/drawing/2010/main" xmlns="" val="0"/>
               </a:ext>
             </a:extLst>
           </a:blip>
@@ -11891,7 +11891,7 @@
           <a:noFill/>
           <a:extLst>
             <a:ext uri="{909E8E84-426E-40DD-AFC4-6F175D3DCCD1}">
-              <a14:hiddenFill xmlns="" xmlns:a14="http://schemas.microsoft.com/office/drawing/2010/main">
+              <a14:hiddenFill xmlns:a14="http://schemas.microsoft.com/office/drawing/2010/main" xmlns="">
                 <a:solidFill>
                   <a:srgbClr val="FFFFFF"/>
                 </a:solidFill>
@@ -11941,7 +11941,7 @@
     </p:spTree>
     <p:extLst>
       <p:ext uri="{BB962C8B-B14F-4D97-AF65-F5344CB8AC3E}">
-        <p14:creationId xmlns="" xmlns:p14="http://schemas.microsoft.com/office/powerpoint/2010/main" val="2424786554"/>
+        <p14:creationId xmlns:p14="http://schemas.microsoft.com/office/powerpoint/2010/main" xmlns="" val="2424786554"/>
       </p:ext>
     </p:extLst>
   </p:cSld>
@@ -12219,7 +12219,7 @@
           <a:blip r:embed="rId3" cstate="print">
             <a:extLst>
               <a:ext uri="{28A0092B-C50C-407E-A947-70E740481C1C}">
-                <a14:useLocalDpi xmlns="" xmlns:a14="http://schemas.microsoft.com/office/drawing/2010/main" val="0"/>
+                <a14:useLocalDpi xmlns:a14="http://schemas.microsoft.com/office/drawing/2010/main" xmlns="" val="0"/>
               </a:ext>
             </a:extLst>
           </a:blip>
@@ -12239,7 +12239,7 @@
           <a:noFill/>
           <a:extLst>
             <a:ext uri="{909E8E84-426E-40DD-AFC4-6F175D3DCCD1}">
-              <a14:hiddenFill xmlns="" xmlns:a14="http://schemas.microsoft.com/office/drawing/2010/main">
+              <a14:hiddenFill xmlns:a14="http://schemas.microsoft.com/office/drawing/2010/main" xmlns="">
                 <a:solidFill>
                   <a:srgbClr val="FFFFFF"/>
                 </a:solidFill>
@@ -12260,7 +12260,7 @@
           <a:blip r:embed="rId4" cstate="print">
             <a:extLst>
               <a:ext uri="{28A0092B-C50C-407E-A947-70E740481C1C}">
-                <a14:useLocalDpi xmlns="" xmlns:a14="http://schemas.microsoft.com/office/drawing/2010/main" val="0"/>
+                <a14:useLocalDpi xmlns:a14="http://schemas.microsoft.com/office/drawing/2010/main" xmlns="" val="0"/>
               </a:ext>
             </a:extLst>
           </a:blip>
@@ -12280,7 +12280,7 @@
           <a:noFill/>
           <a:extLst>
             <a:ext uri="{909E8E84-426E-40DD-AFC4-6F175D3DCCD1}">
-              <a14:hiddenFill xmlns="" xmlns:a14="http://schemas.microsoft.com/office/drawing/2010/main">
+              <a14:hiddenFill xmlns:a14="http://schemas.microsoft.com/office/drawing/2010/main" xmlns="">
                 <a:solidFill>
                   <a:srgbClr val="FFFFFF"/>
                 </a:solidFill>
@@ -12292,7 +12292,7 @@
     </p:spTree>
     <p:extLst>
       <p:ext uri="{BB962C8B-B14F-4D97-AF65-F5344CB8AC3E}">
-        <p14:creationId xmlns="" xmlns:p14="http://schemas.microsoft.com/office/powerpoint/2010/main" val="2708678656"/>
+        <p14:creationId xmlns:p14="http://schemas.microsoft.com/office/powerpoint/2010/main" xmlns="" val="2708678656"/>
       </p:ext>
     </p:extLst>
   </p:cSld>
@@ -12670,7 +12670,7 @@
           <a:blip r:embed="rId2" cstate="print">
             <a:extLst>
               <a:ext uri="{28A0092B-C50C-407E-A947-70E740481C1C}">
-                <a14:useLocalDpi xmlns:a14="http://schemas.microsoft.com/office/drawing/2010/main" xmlns="" val="0"/>
+                <a14:useLocalDpi xmlns="" xmlns:a14="http://schemas.microsoft.com/office/drawing/2010/main" val="0"/>
               </a:ext>
             </a:extLst>
           </a:blip>
@@ -12700,7 +12700,7 @@
           <a:blip r:embed="rId3" cstate="print">
             <a:extLst>
               <a:ext uri="{28A0092B-C50C-407E-A947-70E740481C1C}">
-                <a14:useLocalDpi xmlns:a14="http://schemas.microsoft.com/office/drawing/2010/main" xmlns="" val="0"/>
+                <a14:useLocalDpi xmlns="" xmlns:a14="http://schemas.microsoft.com/office/drawing/2010/main" val="0"/>
               </a:ext>
             </a:extLst>
           </a:blip>
@@ -12730,7 +12730,7 @@
           <a:blip r:embed="rId4" cstate="print">
             <a:extLst>
               <a:ext uri="{28A0092B-C50C-407E-A947-70E740481C1C}">
-                <a14:useLocalDpi xmlns:a14="http://schemas.microsoft.com/office/drawing/2010/main" xmlns="" val="0"/>
+                <a14:useLocalDpi xmlns="" xmlns:a14="http://schemas.microsoft.com/office/drawing/2010/main" val="0"/>
               </a:ext>
             </a:extLst>
           </a:blip>
@@ -12760,7 +12760,7 @@
           <a:blip r:embed="rId5" cstate="print">
             <a:extLst>
               <a:ext uri="{28A0092B-C50C-407E-A947-70E740481C1C}">
-                <a14:useLocalDpi xmlns:a14="http://schemas.microsoft.com/office/drawing/2010/main" xmlns="" val="0"/>
+                <a14:useLocalDpi xmlns="" xmlns:a14="http://schemas.microsoft.com/office/drawing/2010/main" val="0"/>
               </a:ext>
             </a:extLst>
           </a:blip>
@@ -12781,7 +12781,7 @@
     </p:spTree>
     <p:extLst>
       <p:ext uri="{BB962C8B-B14F-4D97-AF65-F5344CB8AC3E}">
-        <p14:creationId xmlns:p14="http://schemas.microsoft.com/office/powerpoint/2010/main" xmlns="" val="1088448615"/>
+        <p14:creationId xmlns="" xmlns:p14="http://schemas.microsoft.com/office/powerpoint/2010/main" val="1088448615"/>
       </p:ext>
     </p:extLst>
   </p:cSld>
@@ -12852,7 +12852,7 @@
     </p:spTree>
     <p:extLst>
       <p:ext uri="{BB962C8B-B14F-4D97-AF65-F5344CB8AC3E}">
-        <p14:creationId xmlns="" xmlns:p14="http://schemas.microsoft.com/office/powerpoint/2010/main" val="2865657727"/>
+        <p14:creationId xmlns:p14="http://schemas.microsoft.com/office/powerpoint/2010/main" xmlns="" val="2865657727"/>
       </p:ext>
     </p:extLst>
   </p:cSld>
@@ -13202,7 +13202,7 @@
           <a:blip r:embed="rId2" cstate="print">
             <a:extLst>
               <a:ext uri="{28A0092B-C50C-407E-A947-70E740481C1C}">
-                <a14:useLocalDpi xmlns="" xmlns:a14="http://schemas.microsoft.com/office/drawing/2010/main" val="0"/>
+                <a14:useLocalDpi xmlns:a14="http://schemas.microsoft.com/office/drawing/2010/main" xmlns="" val="0"/>
               </a:ext>
             </a:extLst>
           </a:blip>
@@ -13222,7 +13222,7 @@
           <a:noFill/>
           <a:extLst>
             <a:ext uri="{909E8E84-426E-40DD-AFC4-6F175D3DCCD1}">
-              <a14:hiddenFill xmlns="" xmlns:a14="http://schemas.microsoft.com/office/drawing/2010/main">
+              <a14:hiddenFill xmlns:a14="http://schemas.microsoft.com/office/drawing/2010/main" xmlns="">
                 <a:solidFill>
                   <a:srgbClr val="FFFFFF"/>
                 </a:solidFill>
@@ -13409,7 +13409,7 @@
     </p:spTree>
     <p:extLst>
       <p:ext uri="{BB962C8B-B14F-4D97-AF65-F5344CB8AC3E}">
-        <p14:creationId xmlns="" xmlns:p14="http://schemas.microsoft.com/office/powerpoint/2010/main" val="1421053857"/>
+        <p14:creationId xmlns:p14="http://schemas.microsoft.com/office/powerpoint/2010/main" xmlns="" val="1421053857"/>
       </p:ext>
     </p:extLst>
   </p:cSld>
@@ -13732,7 +13732,7 @@
           <a:blip r:embed="rId2" cstate="print">
             <a:extLst>
               <a:ext uri="{28A0092B-C50C-407E-A947-70E740481C1C}">
-                <a14:useLocalDpi xmlns="" xmlns:a14="http://schemas.microsoft.com/office/drawing/2010/main" val="0"/>
+                <a14:useLocalDpi xmlns:a14="http://schemas.microsoft.com/office/drawing/2010/main" xmlns="" val="0"/>
               </a:ext>
             </a:extLst>
           </a:blip>
@@ -13753,7 +13753,7 @@
     </p:spTree>
     <p:extLst>
       <p:ext uri="{BB962C8B-B14F-4D97-AF65-F5344CB8AC3E}">
-        <p14:creationId xmlns="" xmlns:p14="http://schemas.microsoft.com/office/powerpoint/2010/main" val="966444375"/>
+        <p14:creationId xmlns:p14="http://schemas.microsoft.com/office/powerpoint/2010/main" xmlns="" val="966444375"/>
       </p:ext>
     </p:extLst>
   </p:cSld>
@@ -14084,7 +14084,7 @@
     </p:spTree>
     <p:extLst>
       <p:ext uri="{BB962C8B-B14F-4D97-AF65-F5344CB8AC3E}">
-        <p14:creationId xmlns="" xmlns:p14="http://schemas.microsoft.com/office/powerpoint/2010/main" val="529095658"/>
+        <p14:creationId xmlns:p14="http://schemas.microsoft.com/office/powerpoint/2010/main" xmlns="" val="529095658"/>
       </p:ext>
     </p:extLst>
   </p:cSld>
@@ -14303,7 +14303,7 @@
       </p:sp>
       <p:pic>
         <p:nvPicPr>
-          <p:cNvPr id="4" name="Immagine 3"/>
+          <p:cNvPr id="5" name="Immagine 4"/>
           <p:cNvPicPr>
             <a:picLocks noChangeAspect="1"/>
           </p:cNvPicPr>
@@ -14313,7 +14313,7 @@
           <a:blip r:embed="rId2" cstate="print">
             <a:extLst>
               <a:ext uri="{28A0092B-C50C-407E-A947-70E740481C1C}">
-                <a14:useLocalDpi xmlns="" xmlns:a14="http://schemas.microsoft.com/office/drawing/2010/main" val="0"/>
+                <a14:useLocalDpi xmlns="" xmlns:a14="http://schemas.microsoft.com/office/drawing/2010/main" xmlns:lc="http://schemas.openxmlformats.org/drawingml/2006/lockedCanvas" val="0"/>
               </a:ext>
             </a:extLst>
           </a:blip>
@@ -14323,8 +14323,8 @@
         </p:blipFill>
         <p:spPr>
           <a:xfrm>
-            <a:off x="4355976" y="2768729"/>
-            <a:ext cx="2160239" cy="2604487"/>
+            <a:off x="3851920" y="2780928"/>
+            <a:ext cx="3333750" cy="3333750"/>
           </a:xfrm>
           <a:prstGeom prst="rect">
             <a:avLst/>
@@ -14334,7 +14334,7 @@
     </p:spTree>
     <p:extLst>
       <p:ext uri="{BB962C8B-B14F-4D97-AF65-F5344CB8AC3E}">
-        <p14:creationId xmlns="" xmlns:p14="http://schemas.microsoft.com/office/powerpoint/2010/main" val="2537338845"/>
+        <p14:creationId xmlns:p14="http://schemas.microsoft.com/office/powerpoint/2010/main" xmlns="" val="2537338845"/>
       </p:ext>
     </p:extLst>
   </p:cSld>
@@ -14400,7 +14400,7 @@
                                 </p:cTn>
                               </p:par>
                               <p:par>
-                                <p:cTn id="8" presetID="16" presetClass="entr" presetSubtype="26" fill="hold" nodeType="withEffect">
+                                <p:cTn id="8" presetID="1" presetClass="entr" presetSubtype="0" fill="hold" nodeType="withEffect">
                                   <p:stCondLst>
                                     <p:cond delay="0"/>
                                   </p:stCondLst>
@@ -14413,7 +14413,7 @@
                                           </p:stCondLst>
                                         </p:cTn>
                                         <p:tgtEl>
-                                          <p:spTgt spid="4"/>
+                                          <p:spTgt spid="5"/>
                                         </p:tgtEl>
                                         <p:attrNameLst>
                                           <p:attrName>style.visibility</p:attrName>
@@ -14423,14 +14423,6 @@
                                         <p:strVal val="visible"/>
                                       </p:to>
                                     </p:set>
-                                    <p:animEffect transition="in" filter="barn(inHorizontal)">
-                                      <p:cBhvr>
-                                        <p:cTn id="10" dur="500"/>
-                                        <p:tgtEl>
-                                          <p:spTgt spid="4"/>
-                                        </p:tgtEl>
-                                      </p:cBhvr>
-                                    </p:animEffect>
                                   </p:childTnLst>
                                 </p:cTn>
                               </p:par>
@@ -14536,7 +14528,7 @@
           <a:blip r:embed="rId2" cstate="print">
             <a:extLst>
               <a:ext uri="{28A0092B-C50C-407E-A947-70E740481C1C}">
-                <a14:useLocalDpi xmlns="" xmlns:a14="http://schemas.microsoft.com/office/drawing/2010/main" val="0"/>
+                <a14:useLocalDpi xmlns:a14="http://schemas.microsoft.com/office/drawing/2010/main" xmlns="" val="0"/>
               </a:ext>
             </a:extLst>
           </a:blip>
@@ -14592,7 +14584,7 @@
     </p:spTree>
     <p:extLst>
       <p:ext uri="{BB962C8B-B14F-4D97-AF65-F5344CB8AC3E}">
-        <p14:creationId xmlns="" xmlns:p14="http://schemas.microsoft.com/office/powerpoint/2010/main" val="422123805"/>
+        <p14:creationId xmlns:p14="http://schemas.microsoft.com/office/powerpoint/2010/main" xmlns="" val="422123805"/>
       </p:ext>
     </p:extLst>
   </p:cSld>
@@ -14711,7 +14703,7 @@
           <a:blip r:embed="rId2" cstate="print">
             <a:extLst>
               <a:ext uri="{28A0092B-C50C-407E-A947-70E740481C1C}">
-                <a14:useLocalDpi xmlns="" xmlns:a14="http://schemas.microsoft.com/office/drawing/2010/main" val="0"/>
+                <a14:useLocalDpi xmlns:a14="http://schemas.microsoft.com/office/drawing/2010/main" xmlns="" val="0"/>
               </a:ext>
             </a:extLst>
           </a:blip>
@@ -14766,7 +14758,7 @@
     </p:spTree>
     <p:extLst>
       <p:ext uri="{BB962C8B-B14F-4D97-AF65-F5344CB8AC3E}">
-        <p14:creationId xmlns="" xmlns:p14="http://schemas.microsoft.com/office/powerpoint/2010/main" val="247169405"/>
+        <p14:creationId xmlns:p14="http://schemas.microsoft.com/office/powerpoint/2010/main" xmlns="" val="247169405"/>
       </p:ext>
     </p:extLst>
   </p:cSld>
@@ -14854,7 +14846,7 @@
           <a:blip r:embed="rId2" cstate="print">
             <a:extLst>
               <a:ext uri="{28A0092B-C50C-407E-A947-70E740481C1C}">
-                <a14:useLocalDpi xmlns="" xmlns:a14="http://schemas.microsoft.com/office/drawing/2010/main" val="0"/>
+                <a14:useLocalDpi xmlns:a14="http://schemas.microsoft.com/office/drawing/2010/main" xmlns="" val="0"/>
               </a:ext>
             </a:extLst>
           </a:blip>
@@ -14910,7 +14902,7 @@
     </p:spTree>
     <p:extLst>
       <p:ext uri="{BB962C8B-B14F-4D97-AF65-F5344CB8AC3E}">
-        <p14:creationId xmlns="" xmlns:p14="http://schemas.microsoft.com/office/powerpoint/2010/main" val="1376204328"/>
+        <p14:creationId xmlns:p14="http://schemas.microsoft.com/office/powerpoint/2010/main" xmlns="" val="1376204328"/>
       </p:ext>
     </p:extLst>
   </p:cSld>
@@ -14998,7 +14990,7 @@
           <a:blip r:embed="rId2" cstate="print">
             <a:extLst>
               <a:ext uri="{28A0092B-C50C-407E-A947-70E740481C1C}">
-                <a14:useLocalDpi xmlns="" xmlns:a14="http://schemas.microsoft.com/office/drawing/2010/main" val="0"/>
+                <a14:useLocalDpi xmlns:a14="http://schemas.microsoft.com/office/drawing/2010/main" xmlns="" val="0"/>
               </a:ext>
             </a:extLst>
           </a:blip>
@@ -15057,7 +15049,7 @@
     </p:spTree>
     <p:extLst>
       <p:ext uri="{BB962C8B-B14F-4D97-AF65-F5344CB8AC3E}">
-        <p14:creationId xmlns="" xmlns:p14="http://schemas.microsoft.com/office/powerpoint/2010/main" val="1545582615"/>
+        <p14:creationId xmlns:p14="http://schemas.microsoft.com/office/powerpoint/2010/main" xmlns="" val="1545582615"/>
       </p:ext>
     </p:extLst>
   </p:cSld>
@@ -15293,7 +15285,7 @@
           <a:blip r:embed="rId2" cstate="print">
             <a:extLst>
               <a:ext uri="{28A0092B-C50C-407E-A947-70E740481C1C}">
-                <a14:useLocalDpi xmlns:a14="http://schemas.microsoft.com/office/drawing/2010/main" xmlns="" val="0"/>
+                <a14:useLocalDpi xmlns="" xmlns:a14="http://schemas.microsoft.com/office/drawing/2010/main" val="0"/>
               </a:ext>
             </a:extLst>
           </a:blip>
@@ -15317,14 +15309,14 @@
           <a:effectLst/>
           <a:extLst>
             <a:ext uri="{909E8E84-426E-40DD-AFC4-6F175D3DCCD1}">
-              <a14:hiddenFill xmlns:a14="http://schemas.microsoft.com/office/drawing/2010/main" xmlns="">
+              <a14:hiddenFill xmlns="" xmlns:a14="http://schemas.microsoft.com/office/drawing/2010/main">
                 <a:solidFill>
                   <a:schemeClr val="accent1"/>
                 </a:solidFill>
               </a14:hiddenFill>
             </a:ext>
             <a:ext uri="{91240B29-F687-4F45-9708-019B960494DF}">
-              <a14:hiddenLine xmlns:a14="http://schemas.microsoft.com/office/drawing/2010/main" xmlns="" w="9525">
+              <a14:hiddenLine xmlns="" xmlns:a14="http://schemas.microsoft.com/office/drawing/2010/main" w="9525">
                 <a:solidFill>
                   <a:schemeClr val="tx1"/>
                 </a:solidFill>
@@ -15334,7 +15326,7 @@
               </a14:hiddenLine>
             </a:ext>
             <a:ext uri="{AF507438-7753-43E0-B8FC-AC1667EBCBE1}">
-              <a14:hiddenEffects xmlns:a14="http://schemas.microsoft.com/office/drawing/2010/main" xmlns="">
+              <a14:hiddenEffects xmlns="" xmlns:a14="http://schemas.microsoft.com/office/drawing/2010/main">
                 <a:effectLst>
                   <a:outerShdw dist="35921" dir="2700000" algn="ctr" rotWithShape="0">
                     <a:schemeClr val="bg2"/>
@@ -15348,7 +15340,7 @@
     </p:spTree>
     <p:extLst>
       <p:ext uri="{BB962C8B-B14F-4D97-AF65-F5344CB8AC3E}">
-        <p14:creationId xmlns:p14="http://schemas.microsoft.com/office/powerpoint/2010/main" xmlns="" val="155874689"/>
+        <p14:creationId xmlns="" xmlns:p14="http://schemas.microsoft.com/office/powerpoint/2010/main" val="155874689"/>
       </p:ext>
     </p:extLst>
   </p:cSld>
@@ -15356,7 +15348,7 @@
     <a:masterClrMapping/>
   </p:clrMapOvr>
   <mc:AlternateContent xmlns:mc="http://schemas.openxmlformats.org/markup-compatibility/2006">
-    <mc:Choice xmlns:p14="http://schemas.microsoft.com/office/powerpoint/2010/main" xmlns="" Requires="p14">
+    <mc:Choice xmlns="" xmlns:p14="http://schemas.microsoft.com/office/powerpoint/2010/main" Requires="p14">
       <p:transition spd="slow" p14:dur="2000"/>
     </mc:Choice>
     <mc:Fallback>
@@ -15441,7 +15433,7 @@
           <a:blip r:embed="rId2" cstate="print">
             <a:extLst>
               <a:ext uri="{28A0092B-C50C-407E-A947-70E740481C1C}">
-                <a14:useLocalDpi xmlns="" xmlns:a14="http://schemas.microsoft.com/office/drawing/2010/main" val="0"/>
+                <a14:useLocalDpi xmlns:a14="http://schemas.microsoft.com/office/drawing/2010/main" xmlns="" val="0"/>
               </a:ext>
             </a:extLst>
           </a:blip>
@@ -15462,7 +15454,7 @@
     </p:spTree>
     <p:extLst>
       <p:ext uri="{BB962C8B-B14F-4D97-AF65-F5344CB8AC3E}">
-        <p14:creationId xmlns="" xmlns:p14="http://schemas.microsoft.com/office/powerpoint/2010/main" val="1296864160"/>
+        <p14:creationId xmlns:p14="http://schemas.microsoft.com/office/powerpoint/2010/main" xmlns="" val="1296864160"/>
       </p:ext>
     </p:extLst>
   </p:cSld>
@@ -15543,7 +15535,7 @@
           <a:blip r:embed="rId2" cstate="print">
             <a:extLst>
               <a:ext uri="{28A0092B-C50C-407E-A947-70E740481C1C}">
-                <a14:useLocalDpi xmlns="" xmlns:a14="http://schemas.microsoft.com/office/drawing/2010/main" val="0"/>
+                <a14:useLocalDpi xmlns:a14="http://schemas.microsoft.com/office/drawing/2010/main" xmlns="" val="0"/>
               </a:ext>
             </a:extLst>
           </a:blip>
@@ -15598,7 +15590,7 @@
     </p:spTree>
     <p:extLst>
       <p:ext uri="{BB962C8B-B14F-4D97-AF65-F5344CB8AC3E}">
-        <p14:creationId xmlns="" xmlns:p14="http://schemas.microsoft.com/office/powerpoint/2010/main" val="518928479"/>
+        <p14:creationId xmlns:p14="http://schemas.microsoft.com/office/powerpoint/2010/main" xmlns="" val="518928479"/>
       </p:ext>
     </p:extLst>
   </p:cSld>
@@ -15681,7 +15673,7 @@
           <a:blip r:embed="rId2" cstate="print">
             <a:extLst>
               <a:ext uri="{28A0092B-C50C-407E-A947-70E740481C1C}">
-                <a14:useLocalDpi xmlns="" xmlns:a14="http://schemas.microsoft.com/office/drawing/2010/main" val="0"/>
+                <a14:useLocalDpi xmlns:a14="http://schemas.microsoft.com/office/drawing/2010/main" xmlns="" val="0"/>
               </a:ext>
             </a:extLst>
           </a:blip>
@@ -15702,7 +15694,7 @@
     </p:spTree>
     <p:extLst>
       <p:ext uri="{BB962C8B-B14F-4D97-AF65-F5344CB8AC3E}">
-        <p14:creationId xmlns="" xmlns:p14="http://schemas.microsoft.com/office/powerpoint/2010/main" val="4136420094"/>
+        <p14:creationId xmlns:p14="http://schemas.microsoft.com/office/powerpoint/2010/main" xmlns="" val="4136420094"/>
       </p:ext>
     </p:extLst>
   </p:cSld>
@@ -15787,7 +15779,7 @@
           <a:blip r:embed="rId2" cstate="print">
             <a:extLst>
               <a:ext uri="{28A0092B-C50C-407E-A947-70E740481C1C}">
-                <a14:useLocalDpi xmlns="" xmlns:a14="http://schemas.microsoft.com/office/drawing/2010/main" val="0"/>
+                <a14:useLocalDpi xmlns:a14="http://schemas.microsoft.com/office/drawing/2010/main" xmlns="" val="0"/>
               </a:ext>
             </a:extLst>
           </a:blip>
@@ -15839,7 +15831,7 @@
     </p:spTree>
     <p:extLst>
       <p:ext uri="{BB962C8B-B14F-4D97-AF65-F5344CB8AC3E}">
-        <p14:creationId xmlns="" xmlns:p14="http://schemas.microsoft.com/office/powerpoint/2010/main" val="2535709406"/>
+        <p14:creationId xmlns:p14="http://schemas.microsoft.com/office/powerpoint/2010/main" xmlns="" val="2535709406"/>
       </p:ext>
     </p:extLst>
   </p:cSld>
@@ -16041,7 +16033,7 @@
     </p:spTree>
     <p:extLst>
       <p:ext uri="{BB962C8B-B14F-4D97-AF65-F5344CB8AC3E}">
-        <p14:creationId xmlns="" xmlns:p14="http://schemas.microsoft.com/office/powerpoint/2010/main" val="2176004432"/>
+        <p14:creationId xmlns:p14="http://schemas.microsoft.com/office/powerpoint/2010/main" xmlns="" val="2176004432"/>
       </p:ext>
     </p:extLst>
   </p:cSld>
@@ -16341,7 +16333,7 @@
     </p:spTree>
     <p:extLst>
       <p:ext uri="{BB962C8B-B14F-4D97-AF65-F5344CB8AC3E}">
-        <p14:creationId xmlns="" xmlns:p14="http://schemas.microsoft.com/office/powerpoint/2010/main" val="1143488046"/>
+        <p14:creationId xmlns:p14="http://schemas.microsoft.com/office/powerpoint/2010/main" xmlns="" val="1143488046"/>
       </p:ext>
     </p:extLst>
   </p:cSld>
@@ -16792,7 +16784,7 @@
     </p:spTree>
     <p:extLst>
       <p:ext uri="{BB962C8B-B14F-4D97-AF65-F5344CB8AC3E}">
-        <p14:creationId xmlns="" xmlns:p14="http://schemas.microsoft.com/office/powerpoint/2010/main" val="957313322"/>
+        <p14:creationId xmlns:p14="http://schemas.microsoft.com/office/powerpoint/2010/main" xmlns="" val="957313322"/>
       </p:ext>
     </p:extLst>
   </p:cSld>
@@ -17342,7 +17334,7 @@
     </p:spTree>
     <p:extLst>
       <p:ext uri="{BB962C8B-B14F-4D97-AF65-F5344CB8AC3E}">
-        <p14:creationId xmlns:p14="http://schemas.microsoft.com/office/powerpoint/2010/main" xmlns="" val="155874689"/>
+        <p14:creationId xmlns="" xmlns:p14="http://schemas.microsoft.com/office/powerpoint/2010/main" val="155874689"/>
       </p:ext>
     </p:extLst>
   </p:cSld>
@@ -17350,7 +17342,7 @@
     <a:masterClrMapping/>
   </p:clrMapOvr>
   <mc:AlternateContent xmlns:mc="http://schemas.openxmlformats.org/markup-compatibility/2006">
-    <mc:Choice xmlns:p14="http://schemas.microsoft.com/office/powerpoint/2010/main" xmlns="" Requires="p14">
+    <mc:Choice xmlns="" xmlns:p14="http://schemas.microsoft.com/office/powerpoint/2010/main" Requires="p14">
       <p:transition spd="slow" p14:dur="2000"/>
     </mc:Choice>
     <mc:Fallback>
@@ -17759,7 +17751,7 @@
     </p:spTree>
     <p:extLst>
       <p:ext uri="{BB962C8B-B14F-4D97-AF65-F5344CB8AC3E}">
-        <p14:creationId xmlns:p14="http://schemas.microsoft.com/office/powerpoint/2010/main" xmlns="" val="155874689"/>
+        <p14:creationId xmlns="" xmlns:p14="http://schemas.microsoft.com/office/powerpoint/2010/main" val="155874689"/>
       </p:ext>
     </p:extLst>
   </p:cSld>
@@ -17767,7 +17759,7 @@
     <a:masterClrMapping/>
   </p:clrMapOvr>
   <mc:AlternateContent xmlns:mc="http://schemas.openxmlformats.org/markup-compatibility/2006">
-    <mc:Choice xmlns:p14="http://schemas.microsoft.com/office/powerpoint/2010/main" xmlns="" Requires="p14">
+    <mc:Choice xmlns="" xmlns:p14="http://schemas.microsoft.com/office/powerpoint/2010/main" Requires="p14">
       <p:transition spd="slow" p14:dur="2000"/>
     </mc:Choice>
     <mc:Fallback>
@@ -18040,7 +18032,7 @@
           <a:blip r:embed="rId2" cstate="print">
             <a:extLst>
               <a:ext uri="{28A0092B-C50C-407E-A947-70E740481C1C}">
-                <a14:useLocalDpi xmlns:a14="http://schemas.microsoft.com/office/drawing/2010/main" xmlns="" val="0"/>
+                <a14:useLocalDpi xmlns="" xmlns:a14="http://schemas.microsoft.com/office/drawing/2010/main" val="0"/>
               </a:ext>
             </a:extLst>
           </a:blip>
@@ -18109,7 +18101,7 @@
     </p:spTree>
     <p:extLst>
       <p:ext uri="{BB962C8B-B14F-4D97-AF65-F5344CB8AC3E}">
-        <p14:creationId xmlns:p14="http://schemas.microsoft.com/office/powerpoint/2010/main" xmlns="" val="2658739501"/>
+        <p14:creationId xmlns="" xmlns:p14="http://schemas.microsoft.com/office/powerpoint/2010/main" val="2658739501"/>
       </p:ext>
     </p:extLst>
   </p:cSld>
@@ -18448,7 +18440,7 @@
     </p:spTree>
     <p:extLst>
       <p:ext uri="{BB962C8B-B14F-4D97-AF65-F5344CB8AC3E}">
-        <p14:creationId xmlns:p14="http://schemas.microsoft.com/office/powerpoint/2010/main" xmlns="" val="155874689"/>
+        <p14:creationId xmlns="" xmlns:p14="http://schemas.microsoft.com/office/powerpoint/2010/main" val="155874689"/>
       </p:ext>
     </p:extLst>
   </p:cSld>
@@ -18456,7 +18448,7 @@
     <a:masterClrMapping/>
   </p:clrMapOvr>
   <mc:AlternateContent xmlns:mc="http://schemas.openxmlformats.org/markup-compatibility/2006">
-    <mc:Choice xmlns:p14="http://schemas.microsoft.com/office/powerpoint/2010/main" xmlns="" Requires="p14">
+    <mc:Choice xmlns="" xmlns:p14="http://schemas.microsoft.com/office/powerpoint/2010/main" Requires="p14">
       <p:transition spd="slow" p14:dur="2000"/>
     </mc:Choice>
     <mc:Fallback>
@@ -18824,7 +18816,7 @@
     </p:spTree>
     <p:extLst>
       <p:ext uri="{BB962C8B-B14F-4D97-AF65-F5344CB8AC3E}">
-        <p14:creationId xmlns:p14="http://schemas.microsoft.com/office/powerpoint/2010/main" xmlns="" val="155874689"/>
+        <p14:creationId xmlns="" xmlns:p14="http://schemas.microsoft.com/office/powerpoint/2010/main" val="155874689"/>
       </p:ext>
     </p:extLst>
   </p:cSld>
@@ -18832,7 +18824,7 @@
     <a:masterClrMapping/>
   </p:clrMapOvr>
   <mc:AlternateContent xmlns:mc="http://schemas.openxmlformats.org/markup-compatibility/2006">
-    <mc:Choice xmlns:p14="http://schemas.microsoft.com/office/powerpoint/2010/main" xmlns="" Requires="p14">
+    <mc:Choice xmlns="" xmlns:p14="http://schemas.microsoft.com/office/powerpoint/2010/main" Requires="p14">
       <p:transition spd="slow" p14:dur="2000"/>
     </mc:Choice>
     <mc:Fallback>
@@ -19066,7 +19058,7 @@
     </p:spTree>
     <p:extLst>
       <p:ext uri="{BB962C8B-B14F-4D97-AF65-F5344CB8AC3E}">
-        <p14:creationId xmlns:p14="http://schemas.microsoft.com/office/powerpoint/2010/main" xmlns="" val="155874689"/>
+        <p14:creationId xmlns="" xmlns:p14="http://schemas.microsoft.com/office/powerpoint/2010/main" val="155874689"/>
       </p:ext>
     </p:extLst>
   </p:cSld>
@@ -21074,7 +21066,7 @@
     </p:spTree>
     <p:extLst>
       <p:ext uri="{BB962C8B-B14F-4D97-AF65-F5344CB8AC3E}">
-        <p14:creationId xmlns:p14="http://schemas.microsoft.com/office/powerpoint/2010/main" xmlns="" val="155874689"/>
+        <p14:creationId xmlns="" xmlns:p14="http://schemas.microsoft.com/office/powerpoint/2010/main" val="155874689"/>
       </p:ext>
     </p:extLst>
   </p:cSld>
@@ -21082,7 +21074,7 @@
     <a:masterClrMapping/>
   </p:clrMapOvr>
   <mc:AlternateContent xmlns:mc="http://schemas.openxmlformats.org/markup-compatibility/2006">
-    <mc:Choice xmlns:p14="http://schemas.microsoft.com/office/powerpoint/2010/main" xmlns="" Requires="p14">
+    <mc:Choice xmlns="" xmlns:p14="http://schemas.microsoft.com/office/powerpoint/2010/main" Requires="p14">
       <p:transition spd="slow" p14:dur="2000"/>
     </mc:Choice>
     <mc:Fallback>
@@ -22171,7 +22163,7 @@
     </p:spTree>
     <p:extLst>
       <p:ext uri="{BB962C8B-B14F-4D97-AF65-F5344CB8AC3E}">
-        <p14:creationId xmlns:p14="http://schemas.microsoft.com/office/powerpoint/2010/main" xmlns="" val="155874689"/>
+        <p14:creationId xmlns="" xmlns:p14="http://schemas.microsoft.com/office/powerpoint/2010/main" val="155874689"/>
       </p:ext>
     </p:extLst>
   </p:cSld>
@@ -22179,7 +22171,7 @@
     <a:masterClrMapping/>
   </p:clrMapOvr>
   <mc:AlternateContent xmlns:mc="http://schemas.openxmlformats.org/markup-compatibility/2006">
-    <mc:Choice xmlns:p14="http://schemas.microsoft.com/office/powerpoint/2010/main" xmlns="" Requires="p14">
+    <mc:Choice xmlns="" xmlns:p14="http://schemas.microsoft.com/office/powerpoint/2010/main" Requires="p14">
       <p:transition spd="slow" p14:dur="2000"/>
     </mc:Choice>
     <mc:Fallback>
@@ -23711,7 +23703,7 @@
     </p:spTree>
     <p:extLst>
       <p:ext uri="{BB962C8B-B14F-4D97-AF65-F5344CB8AC3E}">
-        <p14:creationId xmlns:p14="http://schemas.microsoft.com/office/powerpoint/2010/main" xmlns="" val="155874689"/>
+        <p14:creationId xmlns="" xmlns:p14="http://schemas.microsoft.com/office/powerpoint/2010/main" val="155874689"/>
       </p:ext>
     </p:extLst>
   </p:cSld>
@@ -23719,7 +23711,7 @@
     <a:masterClrMapping/>
   </p:clrMapOvr>
   <mc:AlternateContent xmlns:mc="http://schemas.openxmlformats.org/markup-compatibility/2006">
-    <mc:Choice xmlns:p14="http://schemas.microsoft.com/office/powerpoint/2010/main" xmlns="" Requires="p14">
+    <mc:Choice xmlns="" xmlns:p14="http://schemas.microsoft.com/office/powerpoint/2010/main" Requires="p14">
       <p:transition spd="slow" p14:dur="2000"/>
     </mc:Choice>
     <mc:Fallback>
@@ -24781,7 +24773,7 @@
     </p:spTree>
     <p:extLst>
       <p:ext uri="{BB962C8B-B14F-4D97-AF65-F5344CB8AC3E}">
-        <p14:creationId xmlns:p14="http://schemas.microsoft.com/office/powerpoint/2010/main" xmlns="" val="155874689"/>
+        <p14:creationId xmlns="" xmlns:p14="http://schemas.microsoft.com/office/powerpoint/2010/main" val="155874689"/>
       </p:ext>
     </p:extLst>
   </p:cSld>
@@ -24789,7 +24781,7 @@
     <a:masterClrMapping/>
   </p:clrMapOvr>
   <mc:AlternateContent xmlns:mc="http://schemas.openxmlformats.org/markup-compatibility/2006">
-    <mc:Choice xmlns:p14="http://schemas.microsoft.com/office/powerpoint/2010/main" xmlns="" Requires="p14">
+    <mc:Choice xmlns="" xmlns:p14="http://schemas.microsoft.com/office/powerpoint/2010/main" Requires="p14">
       <p:transition spd="slow" p14:dur="2000"/>
     </mc:Choice>
     <mc:Fallback>
@@ -25488,7 +25480,7 @@
           <a:blip r:embed="rId2" cstate="print">
             <a:extLst>
               <a:ext uri="{28A0092B-C50C-407E-A947-70E740481C1C}">
-                <a14:useLocalDpi xmlns:a14="http://schemas.microsoft.com/office/drawing/2010/main" xmlns="" val="0"/>
+                <a14:useLocalDpi xmlns="" xmlns:a14="http://schemas.microsoft.com/office/drawing/2010/main" val="0"/>
               </a:ext>
             </a:extLst>
           </a:blip>
@@ -25509,7 +25501,7 @@
     </p:spTree>
     <p:extLst>
       <p:ext uri="{BB962C8B-B14F-4D97-AF65-F5344CB8AC3E}">
-        <p14:creationId xmlns:p14="http://schemas.microsoft.com/office/powerpoint/2010/main" xmlns="" val="155874689"/>
+        <p14:creationId xmlns="" xmlns:p14="http://schemas.microsoft.com/office/powerpoint/2010/main" val="155874689"/>
       </p:ext>
     </p:extLst>
   </p:cSld>
@@ -25695,7 +25687,7 @@
     </p:spTree>
     <p:extLst>
       <p:ext uri="{BB962C8B-B14F-4D97-AF65-F5344CB8AC3E}">
-        <p14:creationId xmlns="" xmlns:p14="http://schemas.microsoft.com/office/powerpoint/2010/main" val="2865657727"/>
+        <p14:creationId xmlns:p14="http://schemas.microsoft.com/office/powerpoint/2010/main" xmlns="" val="2865657727"/>
       </p:ext>
     </p:extLst>
   </p:cSld>
@@ -25882,7 +25874,7 @@
     </p:spTree>
     <p:extLst>
       <p:ext uri="{BB962C8B-B14F-4D97-AF65-F5344CB8AC3E}">
-        <p14:creationId xmlns:p14="http://schemas.microsoft.com/office/powerpoint/2010/main" xmlns="" val="335055555"/>
+        <p14:creationId xmlns="" xmlns:p14="http://schemas.microsoft.com/office/powerpoint/2010/main" val="335055555"/>
       </p:ext>
     </p:extLst>
   </p:cSld>
@@ -26085,7 +26077,7 @@
           <a:blip r:embed="rId2" cstate="print">
             <a:extLst>
               <a:ext uri="{28A0092B-C50C-407E-A947-70E740481C1C}">
-                <a14:useLocalDpi xmlns:a14="http://schemas.microsoft.com/office/drawing/2010/main" xmlns="" val="0"/>
+                <a14:useLocalDpi xmlns="" xmlns:a14="http://schemas.microsoft.com/office/drawing/2010/main" val="0"/>
               </a:ext>
             </a:extLst>
           </a:blip>
@@ -26106,7 +26098,7 @@
     </p:spTree>
     <p:extLst>
       <p:ext uri="{BB962C8B-B14F-4D97-AF65-F5344CB8AC3E}">
-        <p14:creationId xmlns:p14="http://schemas.microsoft.com/office/powerpoint/2010/main" xmlns="" val="2479304105"/>
+        <p14:creationId xmlns="" xmlns:p14="http://schemas.microsoft.com/office/powerpoint/2010/main" val="2479304105"/>
       </p:ext>
     </p:extLst>
   </p:cSld>
@@ -26357,7 +26349,7 @@
           <a:blip r:embed="rId2" cstate="print">
             <a:extLst>
               <a:ext uri="{28A0092B-C50C-407E-A947-70E740481C1C}">
-                <a14:useLocalDpi xmlns:a14="http://schemas.microsoft.com/office/drawing/2010/main" xmlns="" val="0"/>
+                <a14:useLocalDpi xmlns="" xmlns:a14="http://schemas.microsoft.com/office/drawing/2010/main" val="0"/>
               </a:ext>
             </a:extLst>
           </a:blip>
@@ -26378,7 +26370,7 @@
     </p:spTree>
     <p:extLst>
       <p:ext uri="{BB962C8B-B14F-4D97-AF65-F5344CB8AC3E}">
-        <p14:creationId xmlns:p14="http://schemas.microsoft.com/office/powerpoint/2010/main" xmlns="" val="2034037302"/>
+        <p14:creationId xmlns="" xmlns:p14="http://schemas.microsoft.com/office/powerpoint/2010/main" val="2034037302"/>
       </p:ext>
     </p:extLst>
   </p:cSld>
@@ -26629,7 +26621,7 @@
           <a:blip r:embed="rId2" cstate="print">
             <a:extLst>
               <a:ext uri="{28A0092B-C50C-407E-A947-70E740481C1C}">
-                <a14:useLocalDpi xmlns:a14="http://schemas.microsoft.com/office/drawing/2010/main" xmlns="" val="0"/>
+                <a14:useLocalDpi xmlns="" xmlns:a14="http://schemas.microsoft.com/office/drawing/2010/main" val="0"/>
               </a:ext>
             </a:extLst>
           </a:blip>
@@ -26650,7 +26642,7 @@
     </p:spTree>
     <p:extLst>
       <p:ext uri="{BB962C8B-B14F-4D97-AF65-F5344CB8AC3E}">
-        <p14:creationId xmlns:p14="http://schemas.microsoft.com/office/powerpoint/2010/main" xmlns="" val="505771863"/>
+        <p14:creationId xmlns="" xmlns:p14="http://schemas.microsoft.com/office/powerpoint/2010/main" val="505771863"/>
       </p:ext>
     </p:extLst>
   </p:cSld>
@@ -26842,9 +26834,6 @@
               </a:rPr>
               <a:t>Ereditarietà</a:t>
             </a:r>
-            <a:endParaRPr lang="it-IT" sz="4000" b="1" dirty="0" smtClean="0">
-              <a:latin typeface="+mj-lt"/>
-            </a:endParaRPr>
           </a:p>
           <a:p>
             <a:pPr algn="ctr"/>
@@ -26955,7 +26944,7 @@
     </p:spTree>
     <p:extLst>
       <p:ext uri="{BB962C8B-B14F-4D97-AF65-F5344CB8AC3E}">
-        <p14:creationId xmlns:p14="http://schemas.microsoft.com/office/powerpoint/2010/main" xmlns="" val="1080303246"/>
+        <p14:creationId xmlns="" xmlns:p14="http://schemas.microsoft.com/office/powerpoint/2010/main" val="1080303246"/>
       </p:ext>
     </p:extLst>
   </p:cSld>
@@ -27086,7 +27075,7 @@
           <a:blip r:embed="rId3" cstate="print">
             <a:extLst>
               <a:ext uri="{28A0092B-C50C-407E-A947-70E740481C1C}">
-                <a14:useLocalDpi xmlns:a14="http://schemas.microsoft.com/office/drawing/2010/main" xmlns="" val="0"/>
+                <a14:useLocalDpi xmlns="" xmlns:a14="http://schemas.microsoft.com/office/drawing/2010/main" val="0"/>
               </a:ext>
             </a:extLst>
           </a:blip>
@@ -27107,7 +27096,7 @@
     </p:spTree>
     <p:extLst>
       <p:ext uri="{BB962C8B-B14F-4D97-AF65-F5344CB8AC3E}">
-        <p14:creationId xmlns:p14="http://schemas.microsoft.com/office/powerpoint/2010/main" xmlns="" val="903072151"/>
+        <p14:creationId xmlns="" xmlns:p14="http://schemas.microsoft.com/office/powerpoint/2010/main" val="903072151"/>
       </p:ext>
     </p:extLst>
   </p:cSld>
@@ -27194,7 +27183,7 @@
           <a:blip r:embed="rId3" cstate="print">
             <a:extLst>
               <a:ext uri="{28A0092B-C50C-407E-A947-70E740481C1C}">
-                <a14:useLocalDpi xmlns:a14="http://schemas.microsoft.com/office/drawing/2010/main" xmlns="" val="0"/>
+                <a14:useLocalDpi xmlns="" xmlns:a14="http://schemas.microsoft.com/office/drawing/2010/main" val="0"/>
               </a:ext>
             </a:extLst>
           </a:blip>
@@ -27342,7 +27331,7 @@
     </p:spTree>
     <p:extLst>
       <p:ext uri="{BB962C8B-B14F-4D97-AF65-F5344CB8AC3E}">
-        <p14:creationId xmlns:p14="http://schemas.microsoft.com/office/powerpoint/2010/main" xmlns="" val="3259527293"/>
+        <p14:creationId xmlns="" xmlns:p14="http://schemas.microsoft.com/office/powerpoint/2010/main" val="3259527293"/>
       </p:ext>
     </p:extLst>
   </p:cSld>
@@ -27620,7 +27609,7 @@
           <a:blip r:embed="rId2" cstate="print">
             <a:extLst>
               <a:ext uri="{28A0092B-C50C-407E-A947-70E740481C1C}">
-                <a14:useLocalDpi xmlns:a14="http://schemas.microsoft.com/office/drawing/2010/main" xmlns="" val="0"/>
+                <a14:useLocalDpi xmlns="" xmlns:a14="http://schemas.microsoft.com/office/drawing/2010/main" val="0"/>
               </a:ext>
             </a:extLst>
           </a:blip>
@@ -27641,7 +27630,7 @@
     </p:spTree>
     <p:extLst>
       <p:ext uri="{BB962C8B-B14F-4D97-AF65-F5344CB8AC3E}">
-        <p14:creationId xmlns:p14="http://schemas.microsoft.com/office/powerpoint/2010/main" xmlns="" val="2526991034"/>
+        <p14:creationId xmlns="" xmlns:p14="http://schemas.microsoft.com/office/powerpoint/2010/main" val="2526991034"/>
       </p:ext>
     </p:extLst>
   </p:cSld>
@@ -27969,7 +27958,7 @@
     </p:spTree>
     <p:extLst>
       <p:ext uri="{BB962C8B-B14F-4D97-AF65-F5344CB8AC3E}">
-        <p14:creationId xmlns:p14="http://schemas.microsoft.com/office/powerpoint/2010/main" xmlns="" val="155874689"/>
+        <p14:creationId xmlns="" xmlns:p14="http://schemas.microsoft.com/office/powerpoint/2010/main" val="155874689"/>
       </p:ext>
     </p:extLst>
   </p:cSld>
@@ -28232,7 +28221,7 @@
     </p:spTree>
     <p:extLst>
       <p:ext uri="{BB962C8B-B14F-4D97-AF65-F5344CB8AC3E}">
-        <p14:creationId xmlns:p14="http://schemas.microsoft.com/office/powerpoint/2010/main" xmlns="" val="155874689"/>
+        <p14:creationId xmlns="" xmlns:p14="http://schemas.microsoft.com/office/powerpoint/2010/main" val="155874689"/>
       </p:ext>
     </p:extLst>
   </p:cSld>
@@ -28240,7 +28229,7 @@
     <a:masterClrMapping/>
   </p:clrMapOvr>
   <mc:AlternateContent xmlns:mc="http://schemas.openxmlformats.org/markup-compatibility/2006">
-    <mc:Choice xmlns:p14="http://schemas.microsoft.com/office/powerpoint/2010/main" xmlns="" Requires="p14">
+    <mc:Choice xmlns="" xmlns:p14="http://schemas.microsoft.com/office/powerpoint/2010/main" Requires="p14">
       <p:transition spd="slow" p14:dur="2000"/>
     </mc:Choice>
     <mc:Fallback>
@@ -28426,7 +28415,7 @@
           <a:blip r:embed="rId3" cstate="print">
             <a:extLst>
               <a:ext uri="{28A0092B-C50C-407E-A947-70E740481C1C}">
-                <a14:useLocalDpi xmlns="" xmlns:a14="http://schemas.microsoft.com/office/drawing/2010/main" val="0"/>
+                <a14:useLocalDpi xmlns:a14="http://schemas.microsoft.com/office/drawing/2010/main" xmlns="" val="0"/>
               </a:ext>
             </a:extLst>
           </a:blip>
@@ -28446,7 +28435,7 @@
           <a:noFill/>
           <a:extLst>
             <a:ext uri="{909E8E84-426E-40DD-AFC4-6F175D3DCCD1}">
-              <a14:hiddenFill xmlns="" xmlns:a14="http://schemas.microsoft.com/office/drawing/2010/main">
+              <a14:hiddenFill xmlns:a14="http://schemas.microsoft.com/office/drawing/2010/main" xmlns="">
                 <a:solidFill>
                   <a:srgbClr val="FFFFFF"/>
                 </a:solidFill>
@@ -28458,7 +28447,7 @@
     </p:spTree>
     <p:extLst>
       <p:ext uri="{BB962C8B-B14F-4D97-AF65-F5344CB8AC3E}">
-        <p14:creationId xmlns="" xmlns:p14="http://schemas.microsoft.com/office/powerpoint/2010/main" val="530534880"/>
+        <p14:creationId xmlns:p14="http://schemas.microsoft.com/office/powerpoint/2010/main" xmlns="" val="530534880"/>
       </p:ext>
     </p:extLst>
   </p:cSld>
@@ -28715,7 +28704,7 @@
     </p:spTree>
     <p:extLst>
       <p:ext uri="{BB962C8B-B14F-4D97-AF65-F5344CB8AC3E}">
-        <p14:creationId xmlns:p14="http://schemas.microsoft.com/office/powerpoint/2010/main" xmlns="" val="155874689"/>
+        <p14:creationId xmlns="" xmlns:p14="http://schemas.microsoft.com/office/powerpoint/2010/main" val="155874689"/>
       </p:ext>
     </p:extLst>
   </p:cSld>
@@ -28723,7 +28712,7 @@
     <a:masterClrMapping/>
   </p:clrMapOvr>
   <mc:AlternateContent xmlns:mc="http://schemas.openxmlformats.org/markup-compatibility/2006">
-    <mc:Choice xmlns:p14="http://schemas.microsoft.com/office/powerpoint/2010/main" xmlns="" Requires="p14">
+    <mc:Choice xmlns="" xmlns:p14="http://schemas.microsoft.com/office/powerpoint/2010/main" Requires="p14">
       <p:transition spd="slow" p14:dur="2000"/>
     </mc:Choice>
     <mc:Fallback>
@@ -29230,7 +29219,7 @@
     </p:spTree>
     <p:extLst>
       <p:ext uri="{BB962C8B-B14F-4D97-AF65-F5344CB8AC3E}">
-        <p14:creationId xmlns="" xmlns:p14="http://schemas.microsoft.com/office/powerpoint/2010/main" val="155874689"/>
+        <p14:creationId xmlns:p14="http://schemas.microsoft.com/office/powerpoint/2010/main" xmlns="" val="155874689"/>
       </p:ext>
     </p:extLst>
   </p:cSld>
@@ -29238,7 +29227,7 @@
     <a:masterClrMapping/>
   </p:clrMapOvr>
   <mc:AlternateContent xmlns:mc="http://schemas.openxmlformats.org/markup-compatibility/2006">
-    <mc:Choice xmlns="" xmlns:p14="http://schemas.microsoft.com/office/powerpoint/2010/main" Requires="p14">
+    <mc:Choice xmlns:p14="http://schemas.microsoft.com/office/powerpoint/2010/main" xmlns="" Requires="p14">
       <p:transition spd="slow" p14:dur="2000"/>
     </mc:Choice>
     <mc:Fallback>
@@ -29724,7 +29713,7 @@
     </p:spTree>
     <p:extLst>
       <p:ext uri="{BB962C8B-B14F-4D97-AF65-F5344CB8AC3E}">
-        <p14:creationId xmlns="" xmlns:p14="http://schemas.microsoft.com/office/powerpoint/2010/main" val="155874689"/>
+        <p14:creationId xmlns:p14="http://schemas.microsoft.com/office/powerpoint/2010/main" xmlns="" val="155874689"/>
       </p:ext>
     </p:extLst>
   </p:cSld>
@@ -29732,7 +29721,7 @@
     <a:masterClrMapping/>
   </p:clrMapOvr>
   <mc:AlternateContent xmlns:mc="http://schemas.openxmlformats.org/markup-compatibility/2006">
-    <mc:Choice xmlns="" xmlns:p14="http://schemas.microsoft.com/office/powerpoint/2010/main" Requires="p14">
+    <mc:Choice xmlns:p14="http://schemas.microsoft.com/office/powerpoint/2010/main" xmlns="" Requires="p14">
       <p:transition spd="slow" p14:dur="2000"/>
     </mc:Choice>
     <mc:Fallback>
@@ -30031,7 +30020,7 @@
     </p:spTree>
     <p:extLst>
       <p:ext uri="{BB962C8B-B14F-4D97-AF65-F5344CB8AC3E}">
-        <p14:creationId xmlns="" xmlns:p14="http://schemas.microsoft.com/office/powerpoint/2010/main" val="155874689"/>
+        <p14:creationId xmlns:p14="http://schemas.microsoft.com/office/powerpoint/2010/main" xmlns="" val="155874689"/>
       </p:ext>
     </p:extLst>
   </p:cSld>
@@ -30039,7 +30028,7 @@
     <a:masterClrMapping/>
   </p:clrMapOvr>
   <mc:AlternateContent xmlns:mc="http://schemas.openxmlformats.org/markup-compatibility/2006">
-    <mc:Choice xmlns="" xmlns:p14="http://schemas.microsoft.com/office/powerpoint/2010/main" Requires="p14">
+    <mc:Choice xmlns:p14="http://schemas.microsoft.com/office/powerpoint/2010/main" xmlns="" Requires="p14">
       <p:transition spd="slow" p14:dur="2000"/>
     </mc:Choice>
     <mc:Fallback>
@@ -30341,7 +30330,7 @@
     </p:spTree>
     <p:extLst>
       <p:ext uri="{BB962C8B-B14F-4D97-AF65-F5344CB8AC3E}">
-        <p14:creationId xmlns:p14="http://schemas.microsoft.com/office/powerpoint/2010/main" xmlns="" val="155874689"/>
+        <p14:creationId xmlns="" xmlns:p14="http://schemas.microsoft.com/office/powerpoint/2010/main" val="155874689"/>
       </p:ext>
     </p:extLst>
   </p:cSld>
@@ -30349,7 +30338,7 @@
     <a:masterClrMapping/>
   </p:clrMapOvr>
   <mc:AlternateContent xmlns:mc="http://schemas.openxmlformats.org/markup-compatibility/2006">
-    <mc:Choice xmlns:p14="http://schemas.microsoft.com/office/powerpoint/2010/main" xmlns="" Requires="p14">
+    <mc:Choice xmlns="" xmlns:p14="http://schemas.microsoft.com/office/powerpoint/2010/main" Requires="p14">
       <p:transition spd="slow" p14:dur="2000"/>
     </mc:Choice>
     <mc:Fallback>
@@ -31174,7 +31163,7 @@
     </p:spTree>
     <p:extLst>
       <p:ext uri="{BB962C8B-B14F-4D97-AF65-F5344CB8AC3E}">
-        <p14:creationId xmlns="" xmlns:p14="http://schemas.microsoft.com/office/powerpoint/2010/main" val="155874689"/>
+        <p14:creationId xmlns:p14="http://schemas.microsoft.com/office/powerpoint/2010/main" xmlns="" val="155874689"/>
       </p:ext>
     </p:extLst>
   </p:cSld>
@@ -33122,7 +33111,7 @@
           <a:blip r:embed="rId3" cstate="print">
             <a:extLst>
               <a:ext uri="{28A0092B-C50C-407E-A947-70E740481C1C}">
-                <a14:useLocalDpi xmlns="" xmlns:a14="http://schemas.microsoft.com/office/drawing/2010/main" val="0"/>
+                <a14:useLocalDpi xmlns:a14="http://schemas.microsoft.com/office/drawing/2010/main" xmlns="" val="0"/>
               </a:ext>
             </a:extLst>
           </a:blip>
@@ -33142,7 +33131,7 @@
           <a:noFill/>
           <a:extLst>
             <a:ext uri="{909E8E84-426E-40DD-AFC4-6F175D3DCCD1}">
-              <a14:hiddenFill xmlns="" xmlns:a14="http://schemas.microsoft.com/office/drawing/2010/main">
+              <a14:hiddenFill xmlns:a14="http://schemas.microsoft.com/office/drawing/2010/main" xmlns="">
                 <a:solidFill>
                   <a:srgbClr val="FFFFFF"/>
                 </a:solidFill>
@@ -33461,7 +33450,7 @@
     </p:spTree>
     <p:extLst>
       <p:ext uri="{BB962C8B-B14F-4D97-AF65-F5344CB8AC3E}">
-        <p14:creationId xmlns="" xmlns:p14="http://schemas.microsoft.com/office/powerpoint/2010/main" val="3983998448"/>
+        <p14:creationId xmlns:p14="http://schemas.microsoft.com/office/powerpoint/2010/main" xmlns="" val="3983998448"/>
       </p:ext>
     </p:extLst>
   </p:cSld>
@@ -36360,7 +36349,7 @@
           <a:blip r:embed="rId3" cstate="print">
             <a:extLst>
               <a:ext uri="{28A0092B-C50C-407E-A947-70E740481C1C}">
-                <a14:useLocalDpi xmlns="" xmlns:a14="http://schemas.microsoft.com/office/drawing/2010/main" val="0"/>
+                <a14:useLocalDpi xmlns:a14="http://schemas.microsoft.com/office/drawing/2010/main" xmlns="" val="0"/>
               </a:ext>
             </a:extLst>
           </a:blip>
@@ -36380,7 +36369,7 @@
           <a:noFill/>
           <a:extLst>
             <a:ext uri="{909E8E84-426E-40DD-AFC4-6F175D3DCCD1}">
-              <a14:hiddenFill xmlns="" xmlns:a14="http://schemas.microsoft.com/office/drawing/2010/main">
+              <a14:hiddenFill xmlns:a14="http://schemas.microsoft.com/office/drawing/2010/main" xmlns="">
                 <a:solidFill>
                   <a:srgbClr val="FFFFFF"/>
                 </a:solidFill>
@@ -36640,7 +36629,7 @@
           <a:blip r:embed="rId2" cstate="print">
             <a:extLst>
               <a:ext uri="{28A0092B-C50C-407E-A947-70E740481C1C}">
-                <a14:useLocalDpi xmlns="" xmlns:a14="http://schemas.microsoft.com/office/drawing/2010/main" val="0"/>
+                <a14:useLocalDpi xmlns:a14="http://schemas.microsoft.com/office/drawing/2010/main" xmlns="" val="0"/>
               </a:ext>
             </a:extLst>
           </a:blip>
@@ -36660,7 +36649,7 @@
           <a:noFill/>
           <a:extLst>
             <a:ext uri="{909E8E84-426E-40DD-AFC4-6F175D3DCCD1}">
-              <a14:hiddenFill xmlns="" xmlns:a14="http://schemas.microsoft.com/office/drawing/2010/main">
+              <a14:hiddenFill xmlns:a14="http://schemas.microsoft.com/office/drawing/2010/main" xmlns="">
                 <a:solidFill>
                   <a:srgbClr val="FFFFFF"/>
                 </a:solidFill>
@@ -36755,7 +36744,7 @@
     </p:spTree>
     <p:extLst>
       <p:ext uri="{BB962C8B-B14F-4D97-AF65-F5344CB8AC3E}">
-        <p14:creationId xmlns="" xmlns:p14="http://schemas.microsoft.com/office/powerpoint/2010/main" val="3516333073"/>
+        <p14:creationId xmlns:p14="http://schemas.microsoft.com/office/powerpoint/2010/main" xmlns="" val="3516333073"/>
       </p:ext>
     </p:extLst>
   </p:cSld>
@@ -36763,7 +36752,7 @@
     <a:masterClrMapping/>
   </p:clrMapOvr>
   <mc:AlternateContent xmlns:mc="http://schemas.openxmlformats.org/markup-compatibility/2006">
-    <mc:Choice xmlns="" xmlns:p14="http://schemas.microsoft.com/office/powerpoint/2010/main" Requires="p14">
+    <mc:Choice xmlns:p14="http://schemas.microsoft.com/office/powerpoint/2010/main" xmlns="" Requires="p14">
       <p:transition spd="slow" p14:dur="2000"/>
     </mc:Choice>
     <mc:Fallback>
@@ -36922,7 +36911,7 @@
           <a:blip r:embed="rId2" cstate="print">
             <a:extLst>
               <a:ext uri="{28A0092B-C50C-407E-A947-70E740481C1C}">
-                <a14:useLocalDpi xmlns="" xmlns:a14="http://schemas.microsoft.com/office/drawing/2010/main" val="0"/>
+                <a14:useLocalDpi xmlns:a14="http://schemas.microsoft.com/office/drawing/2010/main" xmlns="" val="0"/>
               </a:ext>
             </a:extLst>
           </a:blip>
@@ -36942,7 +36931,7 @@
           <a:noFill/>
           <a:extLst>
             <a:ext uri="{909E8E84-426E-40DD-AFC4-6F175D3DCCD1}">
-              <a14:hiddenFill xmlns="" xmlns:a14="http://schemas.microsoft.com/office/drawing/2010/main">
+              <a14:hiddenFill xmlns:a14="http://schemas.microsoft.com/office/drawing/2010/main" xmlns="">
                 <a:solidFill>
                   <a:srgbClr val="FFFFFF"/>
                 </a:solidFill>
@@ -37017,7 +37006,7 @@
     </p:spTree>
     <p:extLst>
       <p:ext uri="{BB962C8B-B14F-4D97-AF65-F5344CB8AC3E}">
-        <p14:creationId xmlns="" xmlns:p14="http://schemas.microsoft.com/office/powerpoint/2010/main" val="576094641"/>
+        <p14:creationId xmlns:p14="http://schemas.microsoft.com/office/powerpoint/2010/main" xmlns="" val="576094641"/>
       </p:ext>
     </p:extLst>
   </p:cSld>
@@ -37025,7 +37014,7 @@
     <a:masterClrMapping/>
   </p:clrMapOvr>
   <mc:AlternateContent xmlns:mc="http://schemas.openxmlformats.org/markup-compatibility/2006">
-    <mc:Choice xmlns="" xmlns:p14="http://schemas.microsoft.com/office/powerpoint/2010/main" Requires="p14">
+    <mc:Choice xmlns:p14="http://schemas.microsoft.com/office/powerpoint/2010/main" xmlns="" Requires="p14">
       <p:transition spd="slow" p14:dur="2000"/>
     </mc:Choice>
     <mc:Fallback>

--- a/trunk/Presentazione/Atsilo2/Atsilo_M_PresentazioneFinale.pptx
+++ b/trunk/Presentazione/Atsilo2/Atsilo_M_PresentazioneFinale.pptx
@@ -281,7 +281,7 @@
             <a:fld id="{38D78F4D-402C-46E0-A4BB-DF91EA86B14C}" type="datetimeFigureOut">
               <a:rPr lang="it-IT" smtClean="0"/>
               <a:pPr/>
-              <a:t>04/01/2013</a:t>
+              <a:t>06/01/2013</a:t>
             </a:fld>
             <a:endParaRPr lang="it-IT"/>
           </a:p>
@@ -450,7 +450,7 @@
     </p:spTree>
     <p:extLst>
       <p:ext uri="{BB962C8B-B14F-4D97-AF65-F5344CB8AC3E}">
-        <p14:creationId xmlns:p14="http://schemas.microsoft.com/office/powerpoint/2010/main" xmlns="" val="2126419590"/>
+        <p14:creationId xmlns="" xmlns:p14="http://schemas.microsoft.com/office/powerpoint/2010/main" val="2126419590"/>
       </p:ext>
     </p:extLst>
   </p:cSld>
@@ -625,7 +625,7 @@
     </p:spTree>
     <p:extLst>
       <p:ext uri="{BB962C8B-B14F-4D97-AF65-F5344CB8AC3E}">
-        <p14:creationId xmlns:p14="http://schemas.microsoft.com/office/powerpoint/2010/main" xmlns="" val="3122029082"/>
+        <p14:creationId xmlns="" xmlns:p14="http://schemas.microsoft.com/office/powerpoint/2010/main" val="3122029082"/>
       </p:ext>
     </p:extLst>
   </p:cSld>
@@ -718,7 +718,7 @@
     </p:spTree>
     <p:extLst>
       <p:ext uri="{BB962C8B-B14F-4D97-AF65-F5344CB8AC3E}">
-        <p14:creationId xmlns:p14="http://schemas.microsoft.com/office/powerpoint/2010/main" xmlns="" val="3771085237"/>
+        <p14:creationId xmlns="" xmlns:p14="http://schemas.microsoft.com/office/powerpoint/2010/main" val="3771085237"/>
       </p:ext>
     </p:extLst>
   </p:cSld>
@@ -870,7 +870,7 @@
     </p:spTree>
     <p:extLst>
       <p:ext uri="{BB962C8B-B14F-4D97-AF65-F5344CB8AC3E}">
-        <p14:creationId xmlns:p14="http://schemas.microsoft.com/office/powerpoint/2010/main" xmlns="" val="2716859324"/>
+        <p14:creationId xmlns="" xmlns:p14="http://schemas.microsoft.com/office/powerpoint/2010/main" val="2716859324"/>
       </p:ext>
     </p:extLst>
   </p:cSld>
@@ -963,7 +963,7 @@
     </p:spTree>
     <p:extLst>
       <p:ext uri="{BB962C8B-B14F-4D97-AF65-F5344CB8AC3E}">
-        <p14:creationId xmlns:p14="http://schemas.microsoft.com/office/powerpoint/2010/main" xmlns="" val="3122029082"/>
+        <p14:creationId xmlns="" xmlns:p14="http://schemas.microsoft.com/office/powerpoint/2010/main" val="3122029082"/>
       </p:ext>
     </p:extLst>
   </p:cSld>
@@ -1138,7 +1138,7 @@
     </p:spTree>
     <p:extLst>
       <p:ext uri="{BB962C8B-B14F-4D97-AF65-F5344CB8AC3E}">
-        <p14:creationId xmlns:p14="http://schemas.microsoft.com/office/powerpoint/2010/main" xmlns="" val="2716859324"/>
+        <p14:creationId xmlns="" xmlns:p14="http://schemas.microsoft.com/office/powerpoint/2010/main" val="2716859324"/>
       </p:ext>
     </p:extLst>
   </p:cSld>
@@ -1230,7 +1230,7 @@
     </p:spTree>
     <p:extLst>
       <p:ext uri="{BB962C8B-B14F-4D97-AF65-F5344CB8AC3E}">
-        <p14:creationId xmlns:p14="http://schemas.microsoft.com/office/powerpoint/2010/main" xmlns="" val="1159000954"/>
+        <p14:creationId xmlns="" xmlns:p14="http://schemas.microsoft.com/office/powerpoint/2010/main" val="1159000954"/>
       </p:ext>
     </p:extLst>
   </p:cSld>
@@ -1286,24 +1286,30 @@
           </a:bodyPr>
           <a:lstStyle/>
           <a:p>
-            <a:r>
-              <a:rPr lang="it-IT" sz="1200" dirty="0" smtClean="0"/>
-              <a:t>Il sistema deve garantire la sicurezza e l'affidabilità nell'inserimento dei propri dati sensibili, sia in campo di sicurezza web, sia nel caso del rispetto delle leggi in vigore sulla visibilità e sul trattamento dei dati personali. I dati inseriti nel sistema, durante la registrazione o in altre fasi critiche fanno parte di informazioni strettamente personali.</a:t>
-            </a:r>
-          </a:p>
-          <a:p>
-            <a:r>
-              <a:rPr lang="it-IT" sz="1200" dirty="0" smtClean="0"/>
-              <a:t>Qualora quest’ultime venissero rese pubbliche, il sistema notificherà l’accaduto al proprietario dei dati personali.</a:t>
-            </a:r>
-          </a:p>
-          <a:p>
-            <a:endParaRPr lang="it-IT" sz="1200" dirty="0" smtClean="0"/>
-          </a:p>
-          <a:p>
-            <a:r>
-              <a:rPr lang="it-IT" sz="1200" dirty="0" smtClean="0"/>
-              <a:t>Il sistema permette agli utenti di compilare i questionari in maniera anonima nonostante abbiano effettuato l’accesso e siano stati identificati.</a:t>
+            <a:pPr marL="0" marR="0" indent="0" algn="l" defTabSz="914400" rtl="0" eaLnBrk="1" fontAlgn="auto" latinLnBrk="0" hangingPunct="1">
+              <a:lnSpc>
+                <a:spcPct val="100000"/>
+              </a:lnSpc>
+              <a:spcBef>
+                <a:spcPts val="0"/>
+              </a:spcBef>
+              <a:spcAft>
+                <a:spcPts val="0"/>
+              </a:spcAft>
+              <a:buClrTx/>
+              <a:buSzTx/>
+              <a:buFontTx/>
+              <a:buNone/>
+              <a:tabLst/>
+              <a:defRPr/>
+            </a:pPr>
+            <a:r>
+              <a:rPr lang="it-IT" dirty="0" smtClean="0"/>
+              <a:t>Gli obiettivi di design servono a definire le basi per la produzione e lo sviluppo del nostro</a:t>
+            </a:r>
+            <a:r>
+              <a:rPr lang="it-IT" baseline="0" dirty="0" smtClean="0"/>
+              <a:t> sistema, in quanto su di esse vengono fondate le scelte prese durante la fase d’implementazione. </a:t>
             </a:r>
           </a:p>
           <a:p>
@@ -1329,7 +1335,7 @@
             <a:fld id="{D70604CA-7593-4640-8FA1-5523937B8510}" type="slidenum">
               <a:rPr lang="it-IT" smtClean="0"/>
               <a:pPr/>
-              <a:t>39</a:t>
+              <a:t>38</a:t>
             </a:fld>
             <a:endParaRPr lang="it-IT"/>
           </a:p>
@@ -1389,24 +1395,19 @@
           </a:bodyPr>
           <a:lstStyle/>
           <a:p>
-            <a:pPr algn="just"/>
             <a:r>
               <a:rPr lang="it-IT" sz="1200" dirty="0" smtClean="0"/>
-              <a:t>Gli utenti del sistema compiono giornalmente delle operazioni. Il sistema si occupa quasi esclusivamente di interrogazioni al database, gli utenti, quindi, consultano e modificano gli elenchi, dopo aver eseguito operazioni di login. Questo tipo di operazioni, login e consultazione/modifica, seppur oneroso per il database di grande dimensioni, non può quindi occupare più di qualche secondo per produrre risultati. In altre parole il tempo di attese di un utente è di pochi secondi.</a:t>
-            </a:r>
-          </a:p>
-          <a:p>
-            <a:pPr algn="just"/>
-            <a:r>
-              <a:rPr lang="it-IT" sz="1200" dirty="0" smtClean="0"/>
-              <a:t>Il sistema deve permettere all’utente di poter ricevere un riscontro da parte del sistema in non più di 5 secondi. </a:t>
-            </a:r>
-          </a:p>
-          <a:p>
-            <a:pPr algn="just"/>
-            <a:r>
-              <a:rPr lang="it-IT" sz="1200" dirty="0" smtClean="0"/>
-              <a:t>Inoltre il sistema deve ridurre significativamente il tempo di compilazione dei questionari compilando le domande di cui già conosce le risposte al posto del genitore.</a:t>
+              <a:t>Il</a:t>
+            </a:r>
+            <a:r>
+              <a:rPr lang="it-IT" sz="1200" baseline="0" dirty="0" smtClean="0"/>
+              <a:t> nostro sistema garantisce la sicurezza e la tutela della privacy gestendo i dati sensibili di ogni utente iscritto secondo le leggi in vigore. </a:t>
+            </a:r>
+          </a:p>
+          <a:p>
+            <a:r>
+              <a:rPr lang="it-IT" sz="1200" baseline="0" dirty="0" smtClean="0"/>
+              <a:t>Ad esempio nella gestione dei pagamenti andremo a trattare dati personali come numeri di carte di credito e per questo bisognerà tutelare l’utente finale.</a:t>
             </a:r>
           </a:p>
           <a:p>
@@ -1432,7 +1433,7 @@
             <a:fld id="{D70604CA-7593-4640-8FA1-5523937B8510}" type="slidenum">
               <a:rPr lang="it-IT" smtClean="0"/>
               <a:pPr/>
-              <a:t>40</a:t>
+              <a:t>39</a:t>
             </a:fld>
             <a:endParaRPr lang="it-IT"/>
           </a:p>
@@ -1492,14 +1493,28 @@
           </a:bodyPr>
           <a:lstStyle/>
           <a:p>
-            <a:r>
-              <a:rPr lang="it-IT" dirty="0" smtClean="0"/>
-              <a:t>Nota : Possibili</a:t>
-            </a:r>
-            <a:r>
-              <a:rPr lang="it-IT" baseline="0" dirty="0" smtClean="0"/>
-              <a:t> cenni su operazioni.</a:t>
-            </a:r>
+            <a:pPr algn="just"/>
+            <a:r>
+              <a:rPr lang="it-IT" sz="1200" dirty="0" smtClean="0"/>
+              <a:t>Un altro obiettivo di design che ci siamo prefissati è quello di fornire una risposta ad una qualsiasi operazione eseguita dall’utente</a:t>
+            </a:r>
+            <a:r>
+              <a:rPr lang="it-IT" sz="1200" baseline="0" dirty="0" smtClean="0"/>
+              <a:t> entro e non oltre i 5 secondi.</a:t>
+            </a:r>
+          </a:p>
+          <a:p>
+            <a:pPr algn="just"/>
+            <a:r>
+              <a:rPr lang="it-IT" sz="1200" baseline="0" dirty="0" smtClean="0"/>
+              <a:t>Per favorire queste performance ad esempio, nella gestione delle graduatorie, vengono filtrati a priori i risultati in modo tale che l’utente riceva velocemente una risposta </a:t>
+            </a:r>
+            <a:endParaRPr lang="it-IT" sz="1200" dirty="0" smtClean="0"/>
+          </a:p>
+          <a:p>
+            <a:endParaRPr lang="it-IT" dirty="0" smtClean="0"/>
+          </a:p>
+          <a:p>
             <a:endParaRPr lang="it-IT" dirty="0"/>
           </a:p>
         </p:txBody>
@@ -1522,7 +1537,7 @@
             <a:fld id="{D70604CA-7593-4640-8FA1-5523937B8510}" type="slidenum">
               <a:rPr lang="it-IT" smtClean="0"/>
               <a:pPr/>
-              <a:t>41</a:t>
+              <a:t>40</a:t>
             </a:fld>
             <a:endParaRPr lang="it-IT"/>
           </a:p>
@@ -1582,103 +1597,26 @@
           </a:bodyPr>
           <a:lstStyle/>
           <a:p>
-            <a:pPr marL="514350" indent="-514350">
-              <a:buFont typeface="+mj-lt"/>
-              <a:buAutoNum type="arabicParenR"/>
-            </a:pPr>
-            <a:r>
-              <a:rPr lang="it-IT" sz="1200" b="1" dirty="0" err="1" smtClean="0"/>
-              <a:t>Presentation</a:t>
-            </a:r>
-            <a:r>
-              <a:rPr lang="it-IT" sz="1200" b="1" dirty="0" smtClean="0"/>
-              <a:t>: </a:t>
-            </a:r>
-            <a:r>
-              <a:rPr lang="it-IT" sz="1200" dirty="0" smtClean="0"/>
-              <a:t>raccoglie i sottosistemi adibiti alla gestione delle interfacce grafiche:</a:t>
-            </a:r>
-          </a:p>
-          <a:p>
-            <a:pPr marL="514350" indent="-514350">
-              <a:buFont typeface="+mj-lt"/>
-              <a:buAutoNum type="arabicParenR"/>
-            </a:pPr>
-            <a:r>
-              <a:rPr lang="it-IT" sz="1200" b="1" dirty="0" err="1" smtClean="0"/>
-              <a:t>Application</a:t>
-            </a:r>
-            <a:r>
-              <a:rPr lang="it-IT" sz="1200" dirty="0" smtClean="0"/>
-              <a:t>: si occupa della gestione della logica applicativa del sistema;</a:t>
-            </a:r>
-          </a:p>
-          <a:p>
-            <a:pPr marL="514350" indent="-514350"/>
-            <a:r>
-              <a:rPr lang="it-IT" sz="1200" b="1" dirty="0" smtClean="0"/>
-              <a:t>3)</a:t>
-            </a:r>
-            <a:r>
-              <a:rPr lang="it-IT" sz="1200" b="1" baseline="0" dirty="0" smtClean="0"/>
-              <a:t> </a:t>
-            </a:r>
-            <a:r>
-              <a:rPr lang="it-IT" sz="1200" b="1" dirty="0" err="1" smtClean="0"/>
-              <a:t>Beans</a:t>
-            </a:r>
-            <a:r>
-              <a:rPr lang="it-IT" sz="1200" dirty="0" smtClean="0"/>
-              <a:t>: si occupa della gestione e dello scambio dei dati tra i sistemi; </a:t>
-            </a:r>
-          </a:p>
-          <a:p>
-            <a:pPr marL="514350" indent="-514350"/>
-            <a:r>
-              <a:rPr lang="it-IT" sz="1200" b="1" dirty="0" smtClean="0"/>
-              <a:t>5)	</a:t>
-            </a:r>
-            <a:r>
-              <a:rPr lang="it-IT" sz="1200" b="1" dirty="0" err="1" smtClean="0"/>
-              <a:t>Storage</a:t>
-            </a:r>
-            <a:r>
-              <a:rPr lang="it-IT" sz="1200" dirty="0" smtClean="0"/>
-              <a:t>: sistema che gestisce ed immagazzina i dati persistenti:</a:t>
-            </a:r>
-          </a:p>
-          <a:p>
-            <a:pPr marL="514350" indent="-514350"/>
-            <a:r>
-              <a:rPr lang="it-IT" sz="1200" b="1" dirty="0" smtClean="0"/>
-              <a:t>6)	</a:t>
-            </a:r>
-            <a:r>
-              <a:rPr lang="it-IT" sz="1200" b="1" dirty="0" err="1" smtClean="0"/>
-              <a:t>Exception</a:t>
-            </a:r>
-            <a:r>
-              <a:rPr lang="it-IT" sz="1200" dirty="0" smtClean="0"/>
-              <a:t>: gestione delle eccezioni del sistema.</a:t>
-            </a:r>
-          </a:p>
-          <a:p>
-            <a:pPr marL="514350" indent="-514350">
-              <a:buFont typeface="+mj-lt"/>
-              <a:buNone/>
-            </a:pPr>
-            <a:endParaRPr lang="it-IT" sz="1200" b="1" dirty="0" smtClean="0"/>
+            <a:r>
+              <a:rPr lang="it-IT" dirty="0" smtClean="0"/>
+              <a:t>Il</a:t>
+            </a:r>
+            <a:r>
+              <a:rPr lang="it-IT" baseline="0" dirty="0" smtClean="0"/>
+              <a:t> nostro sistema è facile d’apprendere grazie ad un interfaccia semplice con bottoni provvisti di nomi univoci e non ambigui che permettono all’utente di utilizzare facilmente il nostro sistema.</a:t>
+            </a:r>
+            <a:endParaRPr lang="it-IT" dirty="0"/>
           </a:p>
         </p:txBody>
       </p:sp>
       <p:sp>
         <p:nvSpPr>
-          <p:cNvPr id="4" name="Segnaposto piè di pagina 3"/>
+          <p:cNvPr id="4" name="Segnaposto numero diapositiva 3"/>
           <p:cNvSpPr>
             <a:spLocks noGrp="1"/>
           </p:cNvSpPr>
           <p:nvPr>
-            <p:ph type="ftr" sz="quarter" idx="10"/>
+            <p:ph type="sldNum" sz="quarter" idx="10"/>
           </p:nvPr>
         </p:nvSpPr>
         <p:spPr/>
@@ -1686,29 +1624,10 @@
           <a:bodyPr/>
           <a:lstStyle/>
           <a:p>
-            <a:endParaRPr lang="it-IT"/>
-          </a:p>
-        </p:txBody>
-      </p:sp>
-      <p:sp>
-        <p:nvSpPr>
-          <p:cNvPr id="5" name="Segnaposto numero diapositiva 4"/>
-          <p:cNvSpPr>
-            <a:spLocks noGrp="1"/>
-          </p:cNvSpPr>
-          <p:nvPr>
-            <p:ph type="sldNum" sz="quarter" idx="11"/>
-          </p:nvPr>
-        </p:nvSpPr>
-        <p:spPr/>
-        <p:txBody>
-          <a:bodyPr/>
-          <a:lstStyle/>
-          <a:p>
             <a:fld id="{D70604CA-7593-4640-8FA1-5523937B8510}" type="slidenum">
               <a:rPr lang="it-IT" smtClean="0"/>
               <a:pPr/>
-              <a:t>42</a:t>
+              <a:t>41</a:t>
             </a:fld>
             <a:endParaRPr lang="it-IT"/>
           </a:p>
@@ -1855,9 +1774,6 @@
             </a:pPr>
             <a:endParaRPr lang="it-IT" sz="1200" b="1" dirty="0" smtClean="0"/>
           </a:p>
-          <a:p>
-            <a:endParaRPr lang="it-IT" dirty="0"/>
-          </a:p>
         </p:txBody>
       </p:sp>
       <p:sp>
@@ -1897,7 +1813,7 @@
             <a:fld id="{D70604CA-7593-4640-8FA1-5523937B8510}" type="slidenum">
               <a:rPr lang="it-IT" smtClean="0"/>
               <a:pPr/>
-              <a:t>43</a:t>
+              <a:t>42</a:t>
             </a:fld>
             <a:endParaRPr lang="it-IT"/>
           </a:p>
@@ -1996,7 +1912,7 @@
     </p:spTree>
     <p:extLst>
       <p:ext uri="{BB962C8B-B14F-4D97-AF65-F5344CB8AC3E}">
-        <p14:creationId xmlns:p14="http://schemas.microsoft.com/office/powerpoint/2010/main" xmlns="" val="3122029082"/>
+        <p14:creationId xmlns="" xmlns:p14="http://schemas.microsoft.com/office/powerpoint/2010/main" val="3122029082"/>
       </p:ext>
     </p:extLst>
   </p:cSld>
@@ -2052,34 +1968,106 @@
           </a:bodyPr>
           <a:lstStyle/>
           <a:p>
-            <a:r>
-              <a:rPr lang="it-IT" dirty="0" err="1" smtClean="0"/>
-              <a:t>…anche</a:t>
-            </a:r>
-            <a:r>
-              <a:rPr lang="it-IT" dirty="0" smtClean="0"/>
+            <a:pPr marL="514350" indent="-514350">
+              <a:buFont typeface="+mj-lt"/>
+              <a:buAutoNum type="arabicParenR"/>
+            </a:pPr>
+            <a:r>
+              <a:rPr lang="it-IT" sz="1200" b="1" dirty="0" err="1" smtClean="0"/>
+              <a:t>Presentation</a:t>
+            </a:r>
+            <a:r>
+              <a:rPr lang="it-IT" sz="1200" b="1" dirty="0" smtClean="0"/>
+              <a:t>: </a:t>
+            </a:r>
+            <a:r>
+              <a:rPr lang="it-IT" sz="1200" dirty="0" smtClean="0"/>
+              <a:t>raccoglie i sottosistemi adibiti alla gestione delle interfacce grafiche:</a:t>
+            </a:r>
+          </a:p>
+          <a:p>
+            <a:pPr marL="514350" indent="-514350">
+              <a:buFont typeface="+mj-lt"/>
+              <a:buAutoNum type="arabicParenR"/>
+            </a:pPr>
+            <a:r>
+              <a:rPr lang="it-IT" sz="1200" b="1" dirty="0" err="1" smtClean="0"/>
+              <a:t>Application</a:t>
+            </a:r>
+            <a:r>
+              <a:rPr lang="it-IT" sz="1200" dirty="0" smtClean="0"/>
+              <a:t>: si occupa della gestione della logica applicativa del sistema;</a:t>
+            </a:r>
+          </a:p>
+          <a:p>
+            <a:pPr marL="514350" indent="-514350"/>
+            <a:r>
+              <a:rPr lang="it-IT" sz="1200" b="1" dirty="0" smtClean="0"/>
+              <a:t>3)</a:t>
+            </a:r>
+            <a:r>
+              <a:rPr lang="it-IT" sz="1200" b="1" baseline="0" dirty="0" smtClean="0"/>
               <a:t> </a:t>
             </a:r>
             <a:r>
-              <a:rPr lang="it-IT" dirty="0" err="1" smtClean="0"/>
-              <a:t>Presentation</a:t>
-            </a:r>
-            <a:r>
-              <a:rPr lang="it-IT" dirty="0" smtClean="0"/>
-              <a:t> era diviso in 3 sottosistemi</a:t>
-            </a:r>
+              <a:rPr lang="it-IT" sz="1200" b="1" dirty="0" err="1" smtClean="0"/>
+              <a:t>Beans</a:t>
+            </a:r>
+            <a:r>
+              <a:rPr lang="it-IT" sz="1200" dirty="0" smtClean="0"/>
+              <a:t>: si occupa della gestione e dello scambio dei dati tra i sistemi; </a:t>
+            </a:r>
+          </a:p>
+          <a:p>
+            <a:pPr marL="514350" indent="-514350"/>
+            <a:r>
+              <a:rPr lang="it-IT" sz="1200" b="1" dirty="0" smtClean="0"/>
+              <a:t>5)	</a:t>
+            </a:r>
+            <a:r>
+              <a:rPr lang="it-IT" sz="1200" b="1" dirty="0" err="1" smtClean="0"/>
+              <a:t>Storage</a:t>
+            </a:r>
+            <a:r>
+              <a:rPr lang="it-IT" sz="1200" dirty="0" smtClean="0"/>
+              <a:t>: sistema che gestisce ed immagazzina i dati persistenti:</a:t>
+            </a:r>
+          </a:p>
+          <a:p>
+            <a:pPr marL="514350" indent="-514350"/>
+            <a:r>
+              <a:rPr lang="it-IT" sz="1200" b="1" dirty="0" smtClean="0"/>
+              <a:t>6)	</a:t>
+            </a:r>
+            <a:r>
+              <a:rPr lang="it-IT" sz="1200" b="1" dirty="0" err="1" smtClean="0"/>
+              <a:t>Exception</a:t>
+            </a:r>
+            <a:r>
+              <a:rPr lang="it-IT" sz="1200" dirty="0" smtClean="0"/>
+              <a:t>: gestione delle eccezioni del sistema.</a:t>
+            </a:r>
+          </a:p>
+          <a:p>
+            <a:pPr marL="514350" indent="-514350">
+              <a:buFont typeface="+mj-lt"/>
+              <a:buNone/>
+            </a:pPr>
+            <a:endParaRPr lang="it-IT" sz="1200" b="1" dirty="0" smtClean="0"/>
+          </a:p>
+          <a:p>
             <a:endParaRPr lang="it-IT" dirty="0"/>
           </a:p>
         </p:txBody>
       </p:sp>
       <p:sp>
         <p:nvSpPr>
-          <p:cNvPr id="4" name="Segnaposto numero diapositiva 3"/>
+          <p:cNvPr id="4" name="Segnaposto piè di pagina 3"/>
           <p:cNvSpPr>
             <a:spLocks noGrp="1"/>
           </p:cNvSpPr>
           <p:nvPr>
-            <p:ph type="sldNum" sz="quarter" idx="10"/>
+            <p:ph type="ftr" sz="quarter" idx="10"/>
           </p:nvPr>
         </p:nvSpPr>
         <p:spPr/>
@@ -2087,10 +2075,29 @@
           <a:bodyPr/>
           <a:lstStyle/>
           <a:p>
+            <a:endParaRPr lang="it-IT"/>
+          </a:p>
+        </p:txBody>
+      </p:sp>
+      <p:sp>
+        <p:nvSpPr>
+          <p:cNvPr id="5" name="Segnaposto numero diapositiva 4"/>
+          <p:cNvSpPr>
+            <a:spLocks noGrp="1"/>
+          </p:cNvSpPr>
+          <p:nvPr>
+            <p:ph type="sldNum" sz="quarter" idx="11"/>
+          </p:nvPr>
+        </p:nvSpPr>
+        <p:spPr/>
+        <p:txBody>
+          <a:bodyPr/>
+          <a:lstStyle/>
+          <a:p>
             <a:fld id="{D70604CA-7593-4640-8FA1-5523937B8510}" type="slidenum">
               <a:rPr lang="it-IT" smtClean="0"/>
               <a:pPr/>
-              <a:t>44</a:t>
+              <a:t>43</a:t>
             </a:fld>
             <a:endParaRPr lang="it-IT"/>
           </a:p>
@@ -2151,20 +2158,20 @@
           <a:lstStyle/>
           <a:p>
             <a:r>
+              <a:rPr lang="it-IT" dirty="0" err="1" smtClean="0"/>
+              <a:t>…anche</a:t>
+            </a:r>
+            <a:r>
               <a:rPr lang="it-IT" dirty="0" smtClean="0"/>
-              <a:t>In </a:t>
+              <a:t> </a:t>
             </a:r>
             <a:r>
               <a:rPr lang="it-IT" dirty="0" err="1" smtClean="0"/>
               <a:t>Presentation</a:t>
             </a:r>
             <a:r>
-              <a:rPr lang="it-IT" baseline="0" dirty="0" smtClean="0"/>
-              <a:t> </a:t>
-            </a:r>
-            <a:r>
-              <a:rPr lang="it-IT" baseline="0" smtClean="0"/>
-              <a:t>2 sottosistemi</a:t>
+              <a:rPr lang="it-IT" dirty="0" smtClean="0"/>
+              <a:t> era diviso in 3 sottosistemi</a:t>
             </a:r>
             <a:endParaRPr lang="it-IT" dirty="0"/>
           </a:p>
@@ -2188,27 +2195,8 @@
             <a:fld id="{D70604CA-7593-4640-8FA1-5523937B8510}" type="slidenum">
               <a:rPr lang="it-IT" smtClean="0"/>
               <a:pPr/>
-              <a:t>47</a:t>
+              <a:t>44</a:t>
             </a:fld>
-            <a:endParaRPr lang="it-IT"/>
-          </a:p>
-        </p:txBody>
-      </p:sp>
-      <p:sp>
-        <p:nvSpPr>
-          <p:cNvPr id="5" name="Segnaposto piè di pagina 4"/>
-          <p:cNvSpPr>
-            <a:spLocks noGrp="1"/>
-          </p:cNvSpPr>
-          <p:nvPr>
-            <p:ph type="ftr" sz="quarter" idx="11"/>
-          </p:nvPr>
-        </p:nvSpPr>
-        <p:spPr/>
-        <p:txBody>
-          <a:bodyPr/>
-          <a:lstStyle/>
-          <a:p>
             <a:endParaRPr lang="it-IT"/>
           </a:p>
         </p:txBody>
@@ -2262,9 +2250,27 @@
         </p:nvSpPr>
         <p:spPr/>
         <p:txBody>
-          <a:bodyPr/>
+          <a:bodyPr>
+            <a:normAutofit/>
+          </a:bodyPr>
           <a:lstStyle/>
           <a:p>
+            <a:r>
+              <a:rPr lang="it-IT" dirty="0" smtClean="0"/>
+              <a:t>In </a:t>
+            </a:r>
+            <a:r>
+              <a:rPr lang="it-IT" dirty="0" err="1" smtClean="0"/>
+              <a:t>Presentation</a:t>
+            </a:r>
+            <a:r>
+              <a:rPr lang="it-IT" baseline="0" dirty="0" smtClean="0"/>
+              <a:t> </a:t>
+            </a:r>
+            <a:r>
+              <a:rPr lang="it-IT" baseline="0" smtClean="0"/>
+              <a:t>2 sottosistemi</a:t>
+            </a:r>
             <a:endParaRPr lang="it-IT" dirty="0"/>
           </a:p>
         </p:txBody>
@@ -2287,18 +2293,32 @@
             <a:fld id="{D70604CA-7593-4640-8FA1-5523937B8510}" type="slidenum">
               <a:rPr lang="it-IT" smtClean="0"/>
               <a:pPr/>
-              <a:t>55</a:t>
+              <a:t>47</a:t>
             </a:fld>
+            <a:endParaRPr lang="it-IT"/>
+          </a:p>
+        </p:txBody>
+      </p:sp>
+      <p:sp>
+        <p:nvSpPr>
+          <p:cNvPr id="5" name="Segnaposto piè di pagina 4"/>
+          <p:cNvSpPr>
+            <a:spLocks noGrp="1"/>
+          </p:cNvSpPr>
+          <p:nvPr>
+            <p:ph type="ftr" sz="quarter" idx="11"/>
+          </p:nvPr>
+        </p:nvSpPr>
+        <p:spPr/>
+        <p:txBody>
+          <a:bodyPr/>
+          <a:lstStyle/>
+          <a:p>
             <a:endParaRPr lang="it-IT"/>
           </a:p>
         </p:txBody>
       </p:sp>
     </p:spTree>
-    <p:extLst>
-      <p:ext uri="{BB962C8B-B14F-4D97-AF65-F5344CB8AC3E}">
-        <p14:creationId xmlns="" xmlns:p14="http://schemas.microsoft.com/office/powerpoint/2010/main" val="1015010449"/>
-      </p:ext>
-    </p:extLst>
   </p:cSld>
   <p:clrMapOvr>
     <a:masterClrMapping/>
@@ -2350,26 +2370,6 @@
           <a:bodyPr/>
           <a:lstStyle/>
           <a:p>
-            <a:r>
-              <a:rPr lang="it-IT" dirty="0" smtClean="0"/>
-              <a:t>L’implementazione è stata la fase di progettazione che ha ritardato la consegna del prodotto finale. Avendo creato un database iniziale, tutta l’implementazione è stata soggetta alle modifiche apportate alla base di dati. </a:t>
-            </a:r>
-          </a:p>
-          <a:p>
-            <a:r>
-              <a:rPr lang="it-IT" dirty="0" smtClean="0"/>
-              <a:t>Durante questa fase sono state trovate delle sbavature commesse in fase di </a:t>
-            </a:r>
-            <a:r>
-              <a:rPr lang="it-IT" dirty="0" err="1" smtClean="0"/>
-              <a:t>mapping</a:t>
-            </a:r>
-            <a:r>
-              <a:rPr lang="it-IT" dirty="0" smtClean="0"/>
-              <a:t> che ci hanno portato a produrre una base di dati incompleta e in alcuni punti sbagliata.</a:t>
-            </a:r>
-          </a:p>
-          <a:p>
             <a:endParaRPr lang="it-IT" dirty="0"/>
           </a:p>
         </p:txBody>
@@ -2392,7 +2392,7 @@
             <a:fld id="{D70604CA-7593-4640-8FA1-5523937B8510}" type="slidenum">
               <a:rPr lang="it-IT" smtClean="0"/>
               <a:pPr/>
-              <a:t>56</a:t>
+              <a:t>55</a:t>
             </a:fld>
             <a:endParaRPr lang="it-IT"/>
           </a:p>
@@ -2401,7 +2401,7 @@
     </p:spTree>
     <p:extLst>
       <p:ext uri="{BB962C8B-B14F-4D97-AF65-F5344CB8AC3E}">
-        <p14:creationId xmlns="" xmlns:p14="http://schemas.microsoft.com/office/powerpoint/2010/main" val="2697673236"/>
+        <p14:creationId xmlns:p14="http://schemas.microsoft.com/office/powerpoint/2010/main" xmlns="" val="1015010449"/>
       </p:ext>
     </p:extLst>
   </p:cSld>
@@ -2452,10 +2452,28 @@
         </p:nvSpPr>
         <p:spPr/>
         <p:txBody>
-          <a:bodyPr>
-            <a:normAutofit/>
-          </a:bodyPr>
+          <a:bodyPr/>
           <a:lstStyle/>
+          <a:p>
+            <a:r>
+              <a:rPr lang="it-IT" dirty="0" smtClean="0"/>
+              <a:t>L’implementazione è stata la fase di progettazione che ha ritardato la consegna del prodotto finale. Avendo creato un database iniziale, tutta l’implementazione è stata soggetta alle modifiche apportate alla base di dati. </a:t>
+            </a:r>
+          </a:p>
+          <a:p>
+            <a:r>
+              <a:rPr lang="it-IT" dirty="0" smtClean="0"/>
+              <a:t>Durante questa fase sono state trovate delle sbavature commesse in fase di </a:t>
+            </a:r>
+            <a:r>
+              <a:rPr lang="it-IT" dirty="0" err="1" smtClean="0"/>
+              <a:t>mapping</a:t>
+            </a:r>
+            <a:r>
+              <a:rPr lang="it-IT" dirty="0" smtClean="0"/>
+              <a:t> che ci hanno portato a produrre una base di dati incompleta e in alcuni punti sbagliata.</a:t>
+            </a:r>
+          </a:p>
           <a:p>
             <a:endParaRPr lang="it-IT" dirty="0"/>
           </a:p>
@@ -2479,13 +2497,18 @@
             <a:fld id="{D70604CA-7593-4640-8FA1-5523937B8510}" type="slidenum">
               <a:rPr lang="it-IT" smtClean="0"/>
               <a:pPr/>
-              <a:t>58</a:t>
+              <a:t>56</a:t>
             </a:fld>
             <a:endParaRPr lang="it-IT"/>
           </a:p>
         </p:txBody>
       </p:sp>
     </p:spTree>
+    <p:extLst>
+      <p:ext uri="{BB962C8B-B14F-4D97-AF65-F5344CB8AC3E}">
+        <p14:creationId xmlns:p14="http://schemas.microsoft.com/office/powerpoint/2010/main" xmlns="" val="2697673236"/>
+      </p:ext>
+    </p:extLst>
   </p:cSld>
   <p:clrMapOvr>
     <a:masterClrMapping/>
@@ -2561,7 +2584,7 @@
             <a:fld id="{D70604CA-7593-4640-8FA1-5523937B8510}" type="slidenum">
               <a:rPr lang="it-IT" smtClean="0"/>
               <a:pPr/>
-              <a:t>59</a:t>
+              <a:t>58</a:t>
             </a:fld>
             <a:endParaRPr lang="it-IT"/>
           </a:p>
@@ -2621,6 +2644,67 @@
           </a:bodyPr>
           <a:lstStyle/>
           <a:p>
+            <a:r>
+              <a:rPr lang="it-IT" dirty="0" smtClean="0"/>
+              <a:t>Le</a:t>
+            </a:r>
+            <a:r>
+              <a:rPr lang="it-IT" baseline="0" dirty="0" smtClean="0"/>
+              <a:t> possibili operazioni effettuate dal personale dell’asilo solo : </a:t>
+            </a:r>
+          </a:p>
+          <a:p>
+            <a:pPr>
+              <a:buFontTx/>
+              <a:buChar char="-"/>
+            </a:pPr>
+            <a:r>
+              <a:rPr lang="it-IT" baseline="0" dirty="0" smtClean="0"/>
+              <a:t>Visualizzazione degli eventi, previa scelta di giorno da calendario</a:t>
+            </a:r>
+          </a:p>
+          <a:p>
+            <a:pPr>
+              <a:buFontTx/>
+              <a:buChar char="-"/>
+            </a:pPr>
+            <a:r>
+              <a:rPr lang="it-IT" baseline="0" dirty="0" smtClean="0"/>
+              <a:t>Inserimento degli eventi per la data selezionata</a:t>
+            </a:r>
+          </a:p>
+          <a:p>
+            <a:pPr>
+              <a:buFontTx/>
+              <a:buChar char="-"/>
+            </a:pPr>
+            <a:r>
+              <a:rPr lang="it-IT" baseline="0" dirty="0" smtClean="0"/>
+              <a:t>Modifica degli eventi </a:t>
+            </a:r>
+          </a:p>
+          <a:p>
+            <a:pPr>
+              <a:buFontTx/>
+              <a:buNone/>
+            </a:pPr>
+            <a:r>
+              <a:rPr lang="it-IT" baseline="0" dirty="0" smtClean="0"/>
+              <a:t>-Rimozione degli eventi</a:t>
+            </a:r>
+          </a:p>
+          <a:p>
+            <a:pPr>
+              <a:buFontTx/>
+              <a:buNone/>
+            </a:pPr>
+            <a:r>
+              <a:rPr lang="it-IT" baseline="0" dirty="0" smtClean="0"/>
+              <a:t>-Allegare un file nell’inserimento e modifica.</a:t>
+            </a:r>
+            <a:endParaRPr lang="it-IT" dirty="0" smtClean="0"/>
+          </a:p>
+          <a:p>
             <a:endParaRPr lang="it-IT" dirty="0"/>
           </a:p>
         </p:txBody>
@@ -2643,7 +2727,7 @@
             <a:fld id="{D70604CA-7593-4640-8FA1-5523937B8510}" type="slidenum">
               <a:rPr lang="it-IT" smtClean="0"/>
               <a:pPr/>
-              <a:t>60</a:t>
+              <a:t>59</a:t>
             </a:fld>
             <a:endParaRPr lang="it-IT"/>
           </a:p>
@@ -2705,18 +2789,33 @@
           <a:p>
             <a:r>
               <a:rPr lang="it-IT" dirty="0" smtClean="0"/>
-              <a:t>Affidabilità :</a:t>
+              <a:t>Questo</a:t>
             </a:r>
             <a:r>
               <a:rPr lang="it-IT" baseline="0" dirty="0" smtClean="0"/>
-              <a:t> Non vengono rilevati comportamenti anomali. Non è possibile modificare eventi per i quali non abbiamo i permessi</a:t>
+              <a:t> è un esempio d’interfaccia relativa alla visualizzazione degli eventi per il giorno 21/12/2012</a:t>
             </a:r>
           </a:p>
           <a:p>
             <a:r>
               <a:rPr lang="it-IT" baseline="0" dirty="0" smtClean="0"/>
-              <a:t>Errori : In questo modo è difficile da introdurre errori e vengono anche controllati gli allegati.</a:t>
-            </a:r>
+              <a:t>In alto vengono mostrati gli eventi il cui autore è l’utente che ha effettuato il login. </a:t>
+            </a:r>
+          </a:p>
+          <a:p>
+            <a:r>
+              <a:rPr lang="it-IT" baseline="0" dirty="0" smtClean="0"/>
+              <a:t>In basso il resto degli eventi.</a:t>
+            </a:r>
+          </a:p>
+          <a:p>
+            <a:r>
+              <a:rPr lang="it-IT" baseline="0" dirty="0" smtClean="0"/>
+              <a:t>Soltanto l’utente che è l’autore di un evento può modificarlo. Gli eventi creati da altri verranno solo visualizzati senza possibilità di modificarli</a:t>
+            </a:r>
+            <a:endParaRPr lang="it-IT" dirty="0" smtClean="0"/>
+          </a:p>
+          <a:p>
             <a:endParaRPr lang="it-IT" dirty="0"/>
           </a:p>
         </p:txBody>
@@ -2739,7 +2838,7 @@
             <a:fld id="{D70604CA-7593-4640-8FA1-5523937B8510}" type="slidenum">
               <a:rPr lang="it-IT" smtClean="0"/>
               <a:pPr/>
-              <a:t>61</a:t>
+              <a:t>60</a:t>
             </a:fld>
             <a:endParaRPr lang="it-IT"/>
           </a:p>
@@ -2799,7 +2898,58 @@
           </a:bodyPr>
           <a:lstStyle/>
           <a:p>
-            <a:endParaRPr lang="it-IT" dirty="0"/>
+            <a:r>
+              <a:rPr lang="it-IT" dirty="0" smtClean="0"/>
+              <a:t>Durante</a:t>
+            </a:r>
+            <a:r>
+              <a:rPr lang="it-IT" baseline="0" dirty="0" smtClean="0"/>
+              <a:t> la realizzazione dell’interfaccia per la gestione degli eventi ci siamo trovati davanti ad un </a:t>
+            </a:r>
+            <a:r>
+              <a:rPr lang="it-IT" baseline="0" dirty="0" err="1" smtClean="0"/>
+              <a:t>trade</a:t>
+            </a:r>
+            <a:r>
+              <a:rPr lang="it-IT" baseline="0" dirty="0" smtClean="0"/>
+              <a:t> off a parer mio molto importante. La scelta era fra il supporto della sicurezza e dell’usabilità del sistema rispetto ad un aumento della complessità e </a:t>
+            </a:r>
+            <a:r>
+              <a:rPr lang="it-IT" baseline="0" dirty="0" err="1" smtClean="0"/>
+              <a:t>manutenibilità</a:t>
+            </a:r>
+            <a:r>
+              <a:rPr lang="it-IT" baseline="0" dirty="0" smtClean="0"/>
+              <a:t>.</a:t>
+            </a:r>
+          </a:p>
+          <a:p>
+            <a:endParaRPr lang="it-IT" baseline="0" dirty="0" smtClean="0"/>
+          </a:p>
+          <a:p>
+            <a:r>
+              <a:rPr lang="it-IT" baseline="0" dirty="0" smtClean="0"/>
+              <a:t>I pro di questa scelta sono che :</a:t>
+            </a:r>
+          </a:p>
+          <a:p>
+            <a:r>
+              <a:rPr lang="it-IT" baseline="0" dirty="0" smtClean="0"/>
+              <a:t>Ogni utente ha una propria interfaccia dove può eseguire solo le operazioni a lui associate</a:t>
+            </a:r>
+          </a:p>
+          <a:p>
+            <a:r>
+              <a:rPr lang="it-IT" baseline="0" dirty="0" smtClean="0"/>
+              <a:t>Ogni input (soprattutto nell’inserimento e modifica) viene controllato per evitare che vengano inseriti dati scorretti</a:t>
+            </a:r>
+          </a:p>
+          <a:p>
+            <a:r>
+              <a:rPr lang="it-IT" baseline="0" dirty="0" smtClean="0"/>
+              <a:t>La possibilità di ridurre errori è ridotta al minimo in quanto non vi è proprio la possibilità di accedere a funzioni che non sono state definite per la nostra tipologia d’utente.</a:t>
+            </a:r>
+            <a:endParaRPr lang="it-IT" baseline="0" dirty="0" smtClean="0"/>
           </a:p>
         </p:txBody>
       </p:sp>
@@ -2821,7 +2971,7 @@
             <a:fld id="{D70604CA-7593-4640-8FA1-5523937B8510}" type="slidenum">
               <a:rPr lang="it-IT" smtClean="0"/>
               <a:pPr/>
-              <a:t>62</a:t>
+              <a:t>61</a:t>
             </a:fld>
             <a:endParaRPr lang="it-IT"/>
           </a:p>
@@ -2881,6 +3031,40 @@
           </a:bodyPr>
           <a:lstStyle/>
           <a:p>
+            <a:r>
+              <a:rPr lang="it-IT" dirty="0" smtClean="0"/>
+              <a:t>I contro</a:t>
+            </a:r>
+            <a:r>
+              <a:rPr lang="it-IT" baseline="0" dirty="0" smtClean="0"/>
+              <a:t> sono</a:t>
+            </a:r>
+          </a:p>
+          <a:p>
+            <a:r>
+              <a:rPr lang="it-IT" baseline="0" dirty="0" smtClean="0"/>
+              <a:t> </a:t>
+            </a:r>
+          </a:p>
+          <a:p>
+            <a:r>
+              <a:rPr lang="it-IT" baseline="0" dirty="0" smtClean="0"/>
+              <a:t>Il sistema è più difficile da gestire e realizzare</a:t>
+            </a:r>
+          </a:p>
+          <a:p>
+            <a:r>
+              <a:rPr lang="it-IT" baseline="0" dirty="0" smtClean="0"/>
+              <a:t>Bisogna introdurre controlli su ogni tipologia d’utente e possibile input inserito</a:t>
+            </a:r>
+          </a:p>
+          <a:p>
+            <a:r>
+              <a:rPr lang="it-IT" baseline="0" dirty="0" smtClean="0"/>
+              <a:t>In caso d’aggiunta di nuove tipologie d’utenti andranno modificati ed aggiunti nuovi controlli compatibilmente con i vecchi già presenti</a:t>
+            </a:r>
+          </a:p>
+          <a:p>
             <a:endParaRPr lang="it-IT" dirty="0"/>
           </a:p>
         </p:txBody>
@@ -2903,7 +3087,7 @@
             <a:fld id="{D70604CA-7593-4640-8FA1-5523937B8510}" type="slidenum">
               <a:rPr lang="it-IT" smtClean="0"/>
               <a:pPr/>
-              <a:t>63</a:t>
+              <a:t>62</a:t>
             </a:fld>
             <a:endParaRPr lang="it-IT"/>
           </a:p>
@@ -2992,7 +3176,7 @@
     </p:spTree>
     <p:extLst>
       <p:ext uri="{BB962C8B-B14F-4D97-AF65-F5344CB8AC3E}">
-        <p14:creationId xmlns:p14="http://schemas.microsoft.com/office/powerpoint/2010/main" xmlns="" val="1632684865"/>
+        <p14:creationId xmlns="" xmlns:p14="http://schemas.microsoft.com/office/powerpoint/2010/main" val="1632684865"/>
       </p:ext>
     </p:extLst>
   </p:cSld>
@@ -3048,45 +3232,42 @@
           </a:bodyPr>
           <a:lstStyle/>
           <a:p>
+            <a:pPr marL="0" marR="0" indent="0" algn="l" defTabSz="914400" rtl="0" eaLnBrk="1" fontAlgn="auto" latinLnBrk="0" hangingPunct="1">
+              <a:lnSpc>
+                <a:spcPct val="100000"/>
+              </a:lnSpc>
+              <a:spcBef>
+                <a:spcPts val="0"/>
+              </a:spcBef>
+              <a:spcAft>
+                <a:spcPts val="0"/>
+              </a:spcAft>
+              <a:buClrTx/>
+              <a:buSzTx/>
+              <a:buFontTx/>
+              <a:buNone/>
+              <a:tabLst/>
+              <a:defRPr/>
+            </a:pPr>
+            <a:r>
+              <a:rPr lang="it-IT" dirty="0" smtClean="0"/>
+              <a:t>Si è scelto di supportare la</a:t>
+            </a:r>
             <a:r>
               <a:rPr lang="it-IT" baseline="0" dirty="0" smtClean="0"/>
-              <a:t>Nota numero 1: il singleton pattern viene utilizzato per evitare di creare un’istanza di </a:t>
+              <a:t> sicurezza e l’usabilità rispetto alla complessità e </a:t>
             </a:r>
             <a:r>
               <a:rPr lang="it-IT" baseline="0" dirty="0" err="1" smtClean="0"/>
-              <a:t>control</a:t>
+              <a:t>manutenibilità</a:t>
             </a:r>
             <a:r>
               <a:rPr lang="it-IT" baseline="0" dirty="0" smtClean="0"/>
-              <a:t> a ogni richiesta, poiché questo introdurrebbe un ritardo, e incrementerebbe l’utilizzo di memoria RAM.</a:t>
+              <a:t> in quanto requisito fondamentale del nostro sistema. In oltre non è stato possibile ricercare una soluzione che fornisse lo stesso livello di sicurezza con una complessità minore.</a:t>
             </a:r>
             <a:endParaRPr lang="it-IT" dirty="0" smtClean="0"/>
           </a:p>
           <a:p>
-            <a:r>
-              <a:rPr lang="it-IT" dirty="0" smtClean="0"/>
-              <a:t>Nota numero 2:</a:t>
-            </a:r>
-            <a:r>
-              <a:rPr lang="it-IT" baseline="0" dirty="0" smtClean="0"/>
-              <a:t> Non abbiamo variabili d’istanza per i </a:t>
-            </a:r>
-            <a:r>
-              <a:rPr lang="it-IT" baseline="0" dirty="0" err="1" smtClean="0"/>
-              <a:t>control</a:t>
-            </a:r>
-            <a:r>
-              <a:rPr lang="it-IT" baseline="0" dirty="0" smtClean="0"/>
-              <a:t>, poiché queste sarebbero accedute in concorrenza da più </a:t>
-            </a:r>
-            <a:r>
-              <a:rPr lang="it-IT" baseline="0" dirty="0" err="1" smtClean="0"/>
-              <a:t>thread</a:t>
-            </a:r>
-            <a:r>
-              <a:rPr lang="it-IT" baseline="0" dirty="0" smtClean="0"/>
-              <a:t>, e quindi si avrebbero problemi di concorrenza.</a:t>
-            </a:r>
             <a:endParaRPr lang="it-IT" dirty="0"/>
           </a:p>
         </p:txBody>
@@ -3109,7 +3290,7 @@
             <a:fld id="{D70604CA-7593-4640-8FA1-5523937B8510}" type="slidenum">
               <a:rPr lang="it-IT" smtClean="0"/>
               <a:pPr/>
-              <a:t>64</a:t>
+              <a:t>63</a:t>
             </a:fld>
             <a:endParaRPr lang="it-IT"/>
           </a:p>
@@ -3170,24 +3351,43 @@
           <a:lstStyle/>
           <a:p>
             <a:r>
-              <a:rPr lang="en-US" sz="1200" dirty="0" smtClean="0"/>
-              <a:t>input (</a:t>
-            </a:r>
-            <a:r>
-              <a:rPr lang="en-US" sz="1200" dirty="0" err="1" smtClean="0"/>
-              <a:t>validi</a:t>
-            </a:r>
-            <a:r>
-              <a:rPr lang="en-US" sz="1200" dirty="0" smtClean="0"/>
-              <a:t> e non </a:t>
-            </a:r>
-            <a:r>
-              <a:rPr lang="en-US" sz="1200" dirty="0" err="1" smtClean="0"/>
-              <a:t>validi</a:t>
-            </a:r>
-            <a:r>
-              <a:rPr lang="en-US" sz="1200" dirty="0" smtClean="0"/>
-              <a:t>)</a:t>
+              <a:rPr lang="it-IT" baseline="0" dirty="0" smtClean="0"/>
+              <a:t>Nota numero 1: il singleton pattern viene utilizzato per evitare di creare un’istanza di </a:t>
+            </a:r>
+            <a:r>
+              <a:rPr lang="it-IT" baseline="0" dirty="0" err="1" smtClean="0"/>
+              <a:t>control</a:t>
+            </a:r>
+            <a:r>
+              <a:rPr lang="it-IT" baseline="0" dirty="0" smtClean="0"/>
+              <a:t> a ogni richiesta, poiché questo introdurrebbe un ritardo, e incrementerebbe l’utilizzo di memoria RAM.</a:t>
+            </a:r>
+            <a:endParaRPr lang="it-IT" dirty="0" smtClean="0"/>
+          </a:p>
+          <a:p>
+            <a:r>
+              <a:rPr lang="it-IT" dirty="0" smtClean="0"/>
+              <a:t>Nota numero 2:</a:t>
+            </a:r>
+            <a:r>
+              <a:rPr lang="it-IT" baseline="0" dirty="0" smtClean="0"/>
+              <a:t> Non abbiamo variabili d’istanza per i </a:t>
+            </a:r>
+            <a:r>
+              <a:rPr lang="it-IT" baseline="0" dirty="0" err="1" smtClean="0"/>
+              <a:t>control</a:t>
+            </a:r>
+            <a:r>
+              <a:rPr lang="it-IT" baseline="0" dirty="0" smtClean="0"/>
+              <a:t>, poiché queste sarebbero accedute in concorrenza da più </a:t>
+            </a:r>
+            <a:r>
+              <a:rPr lang="it-IT" baseline="0" dirty="0" err="1" smtClean="0"/>
+              <a:t>thread</a:t>
+            </a:r>
+            <a:r>
+              <a:rPr lang="it-IT" baseline="0" dirty="0" smtClean="0"/>
+              <a:t>, e quindi si avrebbero problemi di concorrenza.</a:t>
             </a:r>
             <a:endParaRPr lang="it-IT" dirty="0"/>
           </a:p>
@@ -3195,12 +3395,12 @@
       </p:sp>
       <p:sp>
         <p:nvSpPr>
-          <p:cNvPr id="4" name="Segnaposto piè di pagina 3"/>
+          <p:cNvPr id="4" name="Segnaposto numero diapositiva 3"/>
           <p:cNvSpPr>
             <a:spLocks noGrp="1"/>
           </p:cNvSpPr>
           <p:nvPr>
-            <p:ph type="ftr" sz="quarter" idx="10"/>
+            <p:ph type="sldNum" sz="quarter" idx="10"/>
           </p:nvPr>
         </p:nvSpPr>
         <p:spPr/>
@@ -3208,29 +3408,10 @@
           <a:bodyPr/>
           <a:lstStyle/>
           <a:p>
-            <a:endParaRPr lang="it-IT"/>
-          </a:p>
-        </p:txBody>
-      </p:sp>
-      <p:sp>
-        <p:nvSpPr>
-          <p:cNvPr id="5" name="Segnaposto numero diapositiva 4"/>
-          <p:cNvSpPr>
-            <a:spLocks noGrp="1"/>
-          </p:cNvSpPr>
-          <p:nvPr>
-            <p:ph type="sldNum" sz="quarter" idx="11"/>
-          </p:nvPr>
-        </p:nvSpPr>
-        <p:spPr/>
-        <p:txBody>
-          <a:bodyPr/>
-          <a:lstStyle/>
-          <a:p>
             <a:fld id="{D70604CA-7593-4640-8FA1-5523937B8510}" type="slidenum">
               <a:rPr lang="it-IT" smtClean="0"/>
               <a:pPr/>
-              <a:t>65</a:t>
+              <a:t>64</a:t>
             </a:fld>
             <a:endParaRPr lang="it-IT"/>
           </a:p>
@@ -3290,153 +3471,27 @@
           </a:bodyPr>
           <a:lstStyle/>
           <a:p>
-            <a:pPr marL="0" marR="0" indent="0" algn="l" defTabSz="914400" rtl="0" eaLnBrk="1" fontAlgn="auto" latinLnBrk="0" hangingPunct="1">
-              <a:lnSpc>
-                <a:spcPct val="100000"/>
-              </a:lnSpc>
-              <a:spcBef>
-                <a:spcPts val="0"/>
-              </a:spcBef>
-              <a:spcAft>
-                <a:spcPts val="0"/>
-              </a:spcAft>
-              <a:buClrTx/>
-              <a:buSzTx/>
-              <a:buFontTx/>
-              <a:buNone/>
-              <a:tabLst/>
-              <a:defRPr/>
-            </a:pPr>
-            <a:r>
-              <a:rPr lang="it-IT" sz="1200" b="1" dirty="0" smtClean="0"/>
-              <a:t>PROBLEM</a:t>
-            </a:r>
-            <a:r>
-              <a:rPr lang="it-IT" sz="1200" b="1" baseline="0" dirty="0" smtClean="0"/>
-              <a:t> </a:t>
-            </a:r>
-            <a:r>
-              <a:rPr lang="it-IT" dirty="0" smtClean="0"/>
-              <a:t>Visto il poco tempo a disposizione, ed essendo forniti soltanto di una versione imparziale del sistema, non è stato possibile individuare test case basandosi esclusivamente sul </a:t>
-            </a:r>
-            <a:r>
-              <a:rPr lang="it-IT" dirty="0" err="1" smtClean="0"/>
-              <a:t>Weak</a:t>
-            </a:r>
-            <a:r>
-              <a:rPr lang="it-IT" dirty="0" smtClean="0"/>
-              <a:t> </a:t>
-            </a:r>
-            <a:r>
-              <a:rPr lang="it-IT" dirty="0" err="1" smtClean="0"/>
-              <a:t>Equivalance</a:t>
-            </a:r>
-            <a:r>
-              <a:rPr lang="it-IT" dirty="0" smtClean="0"/>
-              <a:t> </a:t>
-            </a:r>
-            <a:r>
-              <a:rPr lang="it-IT" dirty="0" err="1" smtClean="0"/>
-              <a:t>Class</a:t>
-            </a:r>
-            <a:r>
-              <a:rPr lang="it-IT" dirty="0" smtClean="0"/>
-              <a:t> </a:t>
-            </a:r>
-            <a:r>
-              <a:rPr lang="it-IT" dirty="0" err="1" smtClean="0"/>
-              <a:t>Testing</a:t>
-            </a:r>
-            <a:r>
-              <a:rPr lang="it-IT" dirty="0" smtClean="0"/>
-              <a:t> con </a:t>
-            </a:r>
-            <a:r>
-              <a:rPr lang="it-IT" dirty="0" err="1" smtClean="0"/>
-              <a:t>Boundary</a:t>
-            </a:r>
-            <a:r>
-              <a:rPr lang="it-IT" dirty="0" smtClean="0"/>
-              <a:t> </a:t>
-            </a:r>
-            <a:r>
-              <a:rPr lang="it-IT" dirty="0" err="1" smtClean="0"/>
-              <a:t>condition</a:t>
-            </a:r>
-            <a:r>
-              <a:rPr lang="it-IT" dirty="0" smtClean="0"/>
-              <a:t>, come previsto dal Test </a:t>
-            </a:r>
-            <a:r>
-              <a:rPr lang="it-IT" dirty="0" err="1" smtClean="0"/>
-              <a:t>Plan</a:t>
-            </a:r>
-            <a:r>
-              <a:rPr lang="it-IT" dirty="0" smtClean="0"/>
-              <a:t>.</a:t>
-            </a:r>
-          </a:p>
-          <a:p>
-            <a:pPr marL="0" marR="0" indent="0" algn="l" defTabSz="914400" rtl="0" eaLnBrk="1" fontAlgn="auto" latinLnBrk="0" hangingPunct="1">
-              <a:lnSpc>
-                <a:spcPct val="100000"/>
-              </a:lnSpc>
-              <a:spcBef>
-                <a:spcPts val="0"/>
-              </a:spcBef>
-              <a:spcAft>
-                <a:spcPts val="0"/>
-              </a:spcAft>
-              <a:buClrTx/>
-              <a:buSzTx/>
-              <a:buFontTx/>
-              <a:buNone/>
-              <a:tabLst/>
-              <a:defRPr/>
-            </a:pPr>
-            <a:r>
-              <a:rPr lang="it-IT" sz="1200" dirty="0" smtClean="0"/>
-              <a:t>Eseguito con il criterio di copertura debole(WECT): un input non valido per volta, tutti gli altri input corretti.</a:t>
-            </a:r>
-          </a:p>
-          <a:p>
-            <a:pPr>
-              <a:buFont typeface="Wingdings" pitchFamily="2" charset="2"/>
-              <a:buChar char="v"/>
-            </a:pPr>
-            <a:r>
-              <a:rPr lang="it-IT" sz="1200" dirty="0" smtClean="0"/>
-              <a:t>Per ogni </a:t>
-            </a:r>
-            <a:r>
-              <a:rPr lang="it-IT" sz="1200" dirty="0" err="1" smtClean="0"/>
-              <a:t>use</a:t>
-            </a:r>
-            <a:r>
-              <a:rPr lang="it-IT" sz="1200" dirty="0" smtClean="0"/>
-              <a:t> case ad alta priorità sono stati realizzati diversi test </a:t>
-            </a:r>
-            <a:r>
-              <a:rPr lang="it-IT" sz="1200" dirty="0" err="1" smtClean="0"/>
-              <a:t>cases</a:t>
-            </a:r>
-            <a:r>
-              <a:rPr lang="it-IT" sz="1200" dirty="0" smtClean="0"/>
-              <a:t>, realizzati seguendo il criterio di copertura debole (</a:t>
-            </a:r>
-            <a:r>
-              <a:rPr lang="it-IT" sz="1200" b="1" dirty="0" smtClean="0"/>
-              <a:t>WECT</a:t>
-            </a:r>
-            <a:r>
-              <a:rPr lang="it-IT" sz="1200" dirty="0" smtClean="0"/>
-              <a:t>): </a:t>
-            </a:r>
-            <a:r>
-              <a:rPr lang="it-IT" sz="1200" i="1" dirty="0" smtClean="0"/>
-              <a:t>un input non valido per volta, tutti gli altri input corretti.</a:t>
-            </a:r>
-            <a:endParaRPr lang="it-IT" sz="1200" dirty="0"/>
+            <a:r>
+              <a:rPr lang="en-US" sz="1200" dirty="0" smtClean="0"/>
+              <a:t>input (</a:t>
+            </a:r>
+            <a:r>
+              <a:rPr lang="en-US" sz="1200" dirty="0" err="1" smtClean="0"/>
+              <a:t>validi</a:t>
+            </a:r>
+            <a:r>
+              <a:rPr lang="en-US" sz="1200" dirty="0" smtClean="0"/>
+              <a:t> e non </a:t>
+            </a:r>
+            <a:r>
+              <a:rPr lang="en-US" sz="1200" dirty="0" err="1" smtClean="0"/>
+              <a:t>validi</a:t>
+            </a:r>
+            <a:r>
+              <a:rPr lang="en-US" sz="1200" dirty="0" smtClean="0"/>
+              <a:t>)</a:t>
+            </a:r>
+            <a:endParaRPr lang="it-IT" dirty="0"/>
           </a:p>
         </p:txBody>
       </p:sp>
@@ -3477,7 +3532,7 @@
             <a:fld id="{D70604CA-7593-4640-8FA1-5523937B8510}" type="slidenum">
               <a:rPr lang="it-IT" smtClean="0"/>
               <a:pPr/>
-              <a:t>66</a:t>
+              <a:t>65</a:t>
             </a:fld>
             <a:endParaRPr lang="it-IT"/>
           </a:p>
@@ -3537,23 +3592,153 @@
           </a:bodyPr>
           <a:lstStyle/>
           <a:p>
+            <a:pPr marL="0" marR="0" indent="0" algn="l" defTabSz="914400" rtl="0" eaLnBrk="1" fontAlgn="auto" latinLnBrk="0" hangingPunct="1">
+              <a:lnSpc>
+                <a:spcPct val="100000"/>
+              </a:lnSpc>
+              <a:spcBef>
+                <a:spcPts val="0"/>
+              </a:spcBef>
+              <a:spcAft>
+                <a:spcPts val="0"/>
+              </a:spcAft>
+              <a:buClrTx/>
+              <a:buSzTx/>
+              <a:buFontTx/>
+              <a:buNone/>
+              <a:tabLst/>
+              <a:defRPr/>
+            </a:pPr>
+            <a:r>
+              <a:rPr lang="it-IT" sz="1200" b="1" dirty="0" smtClean="0"/>
+              <a:t>PROBLEM</a:t>
+            </a:r>
+            <a:r>
+              <a:rPr lang="it-IT" sz="1200" b="1" baseline="0" dirty="0" smtClean="0"/>
+              <a:t> </a:t>
+            </a:r>
             <a:r>
               <a:rPr lang="it-IT" dirty="0" smtClean="0"/>
-              <a:t>Organizzazione della fase di </a:t>
+              <a:t>Visto il poco tempo a disposizione, ed essendo forniti soltanto di una versione imparziale del sistema, non è stato possibile individuare test case basandosi esclusivamente sul </a:t>
             </a:r>
             <a:r>
               <a:rPr lang="it-IT" dirty="0" err="1" smtClean="0"/>
-              <a:t>testing</a:t>
+              <a:t>Weak</a:t>
             </a:r>
             <a:r>
               <a:rPr lang="it-IT" dirty="0" smtClean="0"/>
-              <a:t>: </a:t>
-            </a:r>
-            <a:r>
-              <a:rPr lang="it-IT" i="1" dirty="0" smtClean="0"/>
-              <a:t>poiché spesso impossibilitati nel seguire la tracciabilità specificata;</a:t>
-            </a:r>
-            <a:endParaRPr lang="it-IT" dirty="0"/>
+              <a:t> </a:t>
+            </a:r>
+            <a:r>
+              <a:rPr lang="it-IT" dirty="0" err="1" smtClean="0"/>
+              <a:t>Equivalance</a:t>
+            </a:r>
+            <a:r>
+              <a:rPr lang="it-IT" dirty="0" smtClean="0"/>
+              <a:t> </a:t>
+            </a:r>
+            <a:r>
+              <a:rPr lang="it-IT" dirty="0" err="1" smtClean="0"/>
+              <a:t>Class</a:t>
+            </a:r>
+            <a:r>
+              <a:rPr lang="it-IT" dirty="0" smtClean="0"/>
+              <a:t> </a:t>
+            </a:r>
+            <a:r>
+              <a:rPr lang="it-IT" dirty="0" err="1" smtClean="0"/>
+              <a:t>Testing</a:t>
+            </a:r>
+            <a:r>
+              <a:rPr lang="it-IT" dirty="0" smtClean="0"/>
+              <a:t> con </a:t>
+            </a:r>
+            <a:r>
+              <a:rPr lang="it-IT" dirty="0" err="1" smtClean="0"/>
+              <a:t>Boundary</a:t>
+            </a:r>
+            <a:r>
+              <a:rPr lang="it-IT" dirty="0" smtClean="0"/>
+              <a:t> </a:t>
+            </a:r>
+            <a:r>
+              <a:rPr lang="it-IT" dirty="0" err="1" smtClean="0"/>
+              <a:t>condition</a:t>
+            </a:r>
+            <a:r>
+              <a:rPr lang="it-IT" dirty="0" smtClean="0"/>
+              <a:t>, come previsto dal Test </a:t>
+            </a:r>
+            <a:r>
+              <a:rPr lang="it-IT" dirty="0" err="1" smtClean="0"/>
+              <a:t>Plan</a:t>
+            </a:r>
+            <a:r>
+              <a:rPr lang="it-IT" dirty="0" smtClean="0"/>
+              <a:t>.</a:t>
+            </a:r>
+          </a:p>
+          <a:p>
+            <a:pPr marL="0" marR="0" indent="0" algn="l" defTabSz="914400" rtl="0" eaLnBrk="1" fontAlgn="auto" latinLnBrk="0" hangingPunct="1">
+              <a:lnSpc>
+                <a:spcPct val="100000"/>
+              </a:lnSpc>
+              <a:spcBef>
+                <a:spcPts val="0"/>
+              </a:spcBef>
+              <a:spcAft>
+                <a:spcPts val="0"/>
+              </a:spcAft>
+              <a:buClrTx/>
+              <a:buSzTx/>
+              <a:buFontTx/>
+              <a:buNone/>
+              <a:tabLst/>
+              <a:defRPr/>
+            </a:pPr>
+            <a:r>
+              <a:rPr lang="it-IT" sz="1200" dirty="0" smtClean="0"/>
+              <a:t>Eseguito con il criterio di copertura debole(WECT): un input non valido per volta, tutti gli altri input corretti.</a:t>
+            </a:r>
+          </a:p>
+          <a:p>
+            <a:pPr>
+              <a:buFont typeface="Wingdings" pitchFamily="2" charset="2"/>
+              <a:buChar char="v"/>
+            </a:pPr>
+            <a:r>
+              <a:rPr lang="it-IT" sz="1200" dirty="0" smtClean="0"/>
+              <a:t>Per ogni </a:t>
+            </a:r>
+            <a:r>
+              <a:rPr lang="it-IT" sz="1200" dirty="0" err="1" smtClean="0"/>
+              <a:t>use</a:t>
+            </a:r>
+            <a:r>
+              <a:rPr lang="it-IT" sz="1200" dirty="0" smtClean="0"/>
+              <a:t> case ad alta priorità sono stati realizzati diversi test </a:t>
+            </a:r>
+            <a:r>
+              <a:rPr lang="it-IT" sz="1200" dirty="0" err="1" smtClean="0"/>
+              <a:t>cases</a:t>
+            </a:r>
+            <a:r>
+              <a:rPr lang="it-IT" sz="1200" dirty="0" smtClean="0"/>
+              <a:t>, realizzati seguendo il criterio di copertura debole (</a:t>
+            </a:r>
+            <a:r>
+              <a:rPr lang="it-IT" sz="1200" b="1" dirty="0" smtClean="0"/>
+              <a:t>WECT</a:t>
+            </a:r>
+            <a:r>
+              <a:rPr lang="it-IT" sz="1200" dirty="0" smtClean="0"/>
+              <a:t>): </a:t>
+            </a:r>
+            <a:r>
+              <a:rPr lang="it-IT" sz="1200" i="1" dirty="0" smtClean="0"/>
+              <a:t>un input non valido per volta, tutti gli altri input corretti.</a:t>
+            </a:r>
+            <a:endParaRPr lang="it-IT" sz="1200" dirty="0"/>
           </a:p>
         </p:txBody>
       </p:sp>
@@ -3594,7 +3779,7 @@
             <a:fld id="{D70604CA-7593-4640-8FA1-5523937B8510}" type="slidenum">
               <a:rPr lang="it-IT" smtClean="0"/>
               <a:pPr/>
-              <a:t>69</a:t>
+              <a:t>66</a:t>
             </a:fld>
             <a:endParaRPr lang="it-IT"/>
           </a:p>
@@ -3656,63 +3841,19 @@
           <a:p>
             <a:r>
               <a:rPr lang="it-IT" dirty="0" smtClean="0"/>
-              <a:t>Difficoltà dovuta ad </a:t>
-            </a:r>
-          </a:p>
-          <a:p>
+              <a:t>Organizzazione della fase di </a:t>
+            </a:r>
+            <a:r>
+              <a:rPr lang="it-IT" dirty="0" err="1" smtClean="0"/>
+              <a:t>testing</a:t>
+            </a:r>
             <a:r>
               <a:rPr lang="it-IT" dirty="0" smtClean="0"/>
-              <a:t>- inesperienza (è</a:t>
-            </a:r>
-            <a:r>
-              <a:rPr lang="it-IT" baseline="0" dirty="0" smtClean="0"/>
-              <a:t> stata la prima esperienza progettuale per tutti noi)</a:t>
-            </a:r>
-            <a:r>
-              <a:rPr lang="it-IT" dirty="0" smtClean="0"/>
-              <a:t>, </a:t>
-            </a:r>
-          </a:p>
-          <a:p>
-            <a:pPr>
-              <a:buFontTx/>
-              <a:buChar char="-"/>
-            </a:pPr>
-            <a:r>
-              <a:rPr lang="it-IT" dirty="0" err="1" smtClean="0"/>
-              <a:t>greenfield</a:t>
-            </a:r>
-            <a:r>
-              <a:rPr lang="it-IT" dirty="0" smtClean="0"/>
-              <a:t> </a:t>
-            </a:r>
-            <a:r>
-              <a:rPr lang="it-IT" dirty="0" err="1" smtClean="0"/>
-              <a:t>engeneering</a:t>
-            </a:r>
-            <a:r>
-              <a:rPr lang="it-IT" baseline="0" dirty="0" smtClean="0"/>
-              <a:t> (ambiente non noto e sistema realizzato completamente da capo), </a:t>
-            </a:r>
-          </a:p>
-          <a:p>
-            <a:pPr>
-              <a:buFontTx/>
-              <a:buChar char="-"/>
-            </a:pPr>
-            <a:r>
-              <a:rPr lang="it-IT" baseline="0" dirty="0" smtClean="0"/>
-              <a:t>tempo a disposizione</a:t>
-            </a:r>
-          </a:p>
-          <a:p>
-            <a:pPr>
-              <a:buFontTx/>
-              <a:buChar char="-"/>
-            </a:pPr>
-            <a:r>
-              <a:rPr lang="it-IT" baseline="0" dirty="0" smtClean="0"/>
-              <a:t> comunicazione tra 3 sottoteam</a:t>
+              <a:t>: </a:t>
+            </a:r>
+            <a:r>
+              <a:rPr lang="it-IT" i="1" dirty="0" smtClean="0"/>
+              <a:t>poiché spesso impossibilitati nel seguire la tracciabilità specificata;</a:t>
             </a:r>
             <a:endParaRPr lang="it-IT" dirty="0"/>
           </a:p>
@@ -3755,7 +3896,7 @@
             <a:fld id="{D70604CA-7593-4640-8FA1-5523937B8510}" type="slidenum">
               <a:rPr lang="it-IT" smtClean="0"/>
               <a:pPr/>
-              <a:t>70</a:t>
+              <a:t>69</a:t>
             </a:fld>
             <a:endParaRPr lang="it-IT"/>
           </a:p>
@@ -3815,28 +3956,24 @@
           </a:bodyPr>
           <a:lstStyle/>
           <a:p>
-            <a:pPr marL="0" marR="0" indent="0" algn="l" defTabSz="914400" rtl="0" eaLnBrk="1" fontAlgn="auto" latinLnBrk="0" hangingPunct="1">
-              <a:lnSpc>
-                <a:spcPct val="100000"/>
-              </a:lnSpc>
-              <a:spcBef>
-                <a:spcPts val="0"/>
-              </a:spcBef>
-              <a:spcAft>
-                <a:spcPts val="0"/>
-              </a:spcAft>
-              <a:buClrTx/>
-              <a:buSzTx/>
-              <a:buFontTx/>
-              <a:buChar char="-"/>
-              <a:tabLst/>
-              <a:defRPr/>
-            </a:pPr>
+            <a:r>
+              <a:rPr lang="it-IT" dirty="0" smtClean="0"/>
+              <a:t>Difficoltà dovuta ad </a:t>
+            </a:r>
+          </a:p>
+          <a:p>
+            <a:r>
+              <a:rPr lang="it-IT" dirty="0" smtClean="0"/>
+              <a:t>- inesperienza (è</a:t>
+            </a:r>
             <a:r>
               <a:rPr lang="it-IT" baseline="0" dirty="0" smtClean="0"/>
-              <a:t>Dopo diverse consultazioni con il committente, i requisiti sono cambiati, ma alla fine è stata realizzata una documentazione solida, flessibile. Per il team 2 le funzionalità dei tirocinanti, pagamenti e servizi rispettano questo requisito e sono quasi aderenti alle richieste del committente. La semplicità e  chiarezza sono i nostri punti di forza</a:t>
-            </a:r>
-            <a:endParaRPr lang="it-IT" dirty="0" smtClean="0"/>
+              <a:t> stata la prima esperienza progettuale per tutti noi)</a:t>
+            </a:r>
+            <a:r>
+              <a:rPr lang="it-IT" dirty="0" smtClean="0"/>
+              <a:t>, </a:t>
+            </a:r>
           </a:p>
           <a:p>
             <a:pPr>
@@ -3844,14 +3981,21 @@
               <a:buChar char="-"/>
             </a:pPr>
             <a:r>
+              <a:rPr lang="it-IT" dirty="0" err="1" smtClean="0"/>
+              <a:t>greenfield</a:t>
+            </a:r>
+            <a:r>
               <a:rPr lang="it-IT" dirty="0" smtClean="0"/>
-              <a:t>- Abbiamo cercato</a:t>
+              <a:t> </a:t>
+            </a:r>
+            <a:r>
+              <a:rPr lang="it-IT" dirty="0" err="1" smtClean="0"/>
+              <a:t>engeneering</a:t>
             </a:r>
             <a:r>
               <a:rPr lang="it-IT" baseline="0" dirty="0" smtClean="0"/>
-              <a:t> di attenerci il più possibile al sistema di riferimento</a:t>
-            </a:r>
-            <a:endParaRPr lang="it-IT" dirty="0" smtClean="0"/>
+              <a:t> (ambiente non noto e sistema realizzato completamente da capo), </a:t>
+            </a:r>
           </a:p>
           <a:p>
             <a:pPr>
@@ -3859,26 +4003,20 @@
               <a:buChar char="-"/>
             </a:pPr>
             <a:r>
-              <a:rPr lang="it-IT" dirty="0" smtClean="0"/>
-              <a:t>La divisione </a:t>
-            </a:r>
-            <a:r>
-              <a:rPr lang="it-IT" b="1" dirty="0" smtClean="0">
-                <a:solidFill>
-                  <a:schemeClr val="bg1"/>
-                </a:solidFill>
-              </a:rPr>
-              <a:t>orizzontale</a:t>
-            </a:r>
-            <a:r>
-              <a:rPr lang="it-IT" dirty="0" smtClean="0"/>
-              <a:t> delle responsabilità ha comportato una conoscenza quasi globale dei requisiti del sottosistema a tutti i team </a:t>
-            </a:r>
-            <a:r>
-              <a:rPr lang="it-IT" dirty="0" err="1" smtClean="0"/>
-              <a:t>members</a:t>
-            </a:r>
-            <a:endParaRPr lang="it-IT" dirty="0" smtClean="0"/>
+              <a:rPr lang="it-IT" baseline="0" dirty="0" smtClean="0"/>
+              <a:t>tempo a disposizione</a:t>
+            </a:r>
+          </a:p>
+          <a:p>
+            <a:pPr>
+              <a:buFontTx/>
+              <a:buChar char="-"/>
+            </a:pPr>
+            <a:r>
+              <a:rPr lang="it-IT" baseline="0" dirty="0" smtClean="0"/>
+              <a:t> comunicazione tra 3 sottoteam</a:t>
+            </a:r>
+            <a:endParaRPr lang="it-IT" dirty="0"/>
           </a:p>
         </p:txBody>
       </p:sp>
@@ -3919,7 +4057,7 @@
             <a:fld id="{D70604CA-7593-4640-8FA1-5523937B8510}" type="slidenum">
               <a:rPr lang="it-IT" smtClean="0"/>
               <a:pPr/>
-              <a:t>71</a:t>
+              <a:t>70</a:t>
             </a:fld>
             <a:endParaRPr lang="it-IT"/>
           </a:p>
@@ -3996,6 +4134,170 @@
               <a:tabLst/>
               <a:defRPr/>
             </a:pPr>
+            <a:r>
+              <a:rPr lang="it-IT" baseline="0" dirty="0" smtClean="0"/>
+              <a:t>Dopo diverse consultazioni con il committente, i requisiti sono cambiati, ma alla fine è stata realizzata una documentazione solida, flessibile. Per il team 2 le funzionalità dei tirocinanti, pagamenti e servizi rispettano questo requisito e sono quasi aderenti alle richieste del committente. La semplicità e  chiarezza sono i nostri punti di forza</a:t>
+            </a:r>
+            <a:endParaRPr lang="it-IT" dirty="0" smtClean="0"/>
+          </a:p>
+          <a:p>
+            <a:pPr>
+              <a:buFontTx/>
+              <a:buChar char="-"/>
+            </a:pPr>
+            <a:r>
+              <a:rPr lang="it-IT" dirty="0" smtClean="0"/>
+              <a:t>- Abbiamo cercato</a:t>
+            </a:r>
+            <a:r>
+              <a:rPr lang="it-IT" baseline="0" dirty="0" smtClean="0"/>
+              <a:t> di attenerci il più possibile al sistema di riferimento</a:t>
+            </a:r>
+            <a:endParaRPr lang="it-IT" dirty="0" smtClean="0"/>
+          </a:p>
+          <a:p>
+            <a:pPr>
+              <a:buFontTx/>
+              <a:buChar char="-"/>
+            </a:pPr>
+            <a:r>
+              <a:rPr lang="it-IT" dirty="0" smtClean="0"/>
+              <a:t>La divisione </a:t>
+            </a:r>
+            <a:r>
+              <a:rPr lang="it-IT" b="1" dirty="0" smtClean="0">
+                <a:solidFill>
+                  <a:schemeClr val="bg1"/>
+                </a:solidFill>
+              </a:rPr>
+              <a:t>orizzontale</a:t>
+            </a:r>
+            <a:r>
+              <a:rPr lang="it-IT" dirty="0" smtClean="0"/>
+              <a:t> delle responsabilità ha comportato una conoscenza quasi globale dei requisiti del sottosistema a tutti i team </a:t>
+            </a:r>
+            <a:r>
+              <a:rPr lang="it-IT" dirty="0" err="1" smtClean="0"/>
+              <a:t>members</a:t>
+            </a:r>
+            <a:endParaRPr lang="it-IT" dirty="0" smtClean="0"/>
+          </a:p>
+        </p:txBody>
+      </p:sp>
+      <p:sp>
+        <p:nvSpPr>
+          <p:cNvPr id="4" name="Segnaposto piè di pagina 3"/>
+          <p:cNvSpPr>
+            <a:spLocks noGrp="1"/>
+          </p:cNvSpPr>
+          <p:nvPr>
+            <p:ph type="ftr" sz="quarter" idx="10"/>
+          </p:nvPr>
+        </p:nvSpPr>
+        <p:spPr/>
+        <p:txBody>
+          <a:bodyPr/>
+          <a:lstStyle/>
+          <a:p>
+            <a:endParaRPr lang="it-IT"/>
+          </a:p>
+        </p:txBody>
+      </p:sp>
+      <p:sp>
+        <p:nvSpPr>
+          <p:cNvPr id="5" name="Segnaposto numero diapositiva 4"/>
+          <p:cNvSpPr>
+            <a:spLocks noGrp="1"/>
+          </p:cNvSpPr>
+          <p:nvPr>
+            <p:ph type="sldNum" sz="quarter" idx="11"/>
+          </p:nvPr>
+        </p:nvSpPr>
+        <p:spPr/>
+        <p:txBody>
+          <a:bodyPr/>
+          <a:lstStyle/>
+          <a:p>
+            <a:fld id="{D70604CA-7593-4640-8FA1-5523937B8510}" type="slidenum">
+              <a:rPr lang="it-IT" smtClean="0"/>
+              <a:pPr/>
+              <a:t>71</a:t>
+            </a:fld>
+            <a:endParaRPr lang="it-IT"/>
+          </a:p>
+        </p:txBody>
+      </p:sp>
+    </p:spTree>
+  </p:cSld>
+  <p:clrMapOvr>
+    <a:masterClrMapping/>
+  </p:clrMapOvr>
+</p:notes>
+</file>
+
+<file path=ppt/notesSlides/notesSlide37.xml><?xml version="1.0" encoding="utf-8"?>
+<p:notes xmlns:a="http://schemas.openxmlformats.org/drawingml/2006/main" xmlns:r="http://schemas.openxmlformats.org/officeDocument/2006/relationships" xmlns:p="http://schemas.openxmlformats.org/presentationml/2006/main">
+  <p:cSld>
+    <p:spTree>
+      <p:nvGrpSpPr>
+        <p:cNvPr id="1" name=""/>
+        <p:cNvGrpSpPr/>
+        <p:nvPr/>
+      </p:nvGrpSpPr>
+      <p:grpSpPr>
+        <a:xfrm>
+          <a:off x="0" y="0"/>
+          <a:ext cx="0" cy="0"/>
+          <a:chOff x="0" y="0"/>
+          <a:chExt cx="0" cy="0"/>
+        </a:xfrm>
+      </p:grpSpPr>
+      <p:sp>
+        <p:nvSpPr>
+          <p:cNvPr id="2" name="Segnaposto immagine diapositiva 1"/>
+          <p:cNvSpPr>
+            <a:spLocks noGrp="1" noRot="1" noChangeAspect="1"/>
+          </p:cNvSpPr>
+          <p:nvPr>
+            <p:ph type="sldImg"/>
+          </p:nvPr>
+        </p:nvSpPr>
+        <p:spPr/>
+      </p:sp>
+      <p:sp>
+        <p:nvSpPr>
+          <p:cNvPr id="3" name="Segnaposto note 2"/>
+          <p:cNvSpPr>
+            <a:spLocks noGrp="1"/>
+          </p:cNvSpPr>
+          <p:nvPr>
+            <p:ph type="body" idx="1"/>
+          </p:nvPr>
+        </p:nvSpPr>
+        <p:spPr/>
+        <p:txBody>
+          <a:bodyPr>
+            <a:normAutofit/>
+          </a:bodyPr>
+          <a:lstStyle/>
+          <a:p>
+            <a:pPr marL="0" marR="0" indent="0" algn="l" defTabSz="914400" rtl="0" eaLnBrk="1" fontAlgn="auto" latinLnBrk="0" hangingPunct="1">
+              <a:lnSpc>
+                <a:spcPct val="100000"/>
+              </a:lnSpc>
+              <a:spcBef>
+                <a:spcPts val="0"/>
+              </a:spcBef>
+              <a:spcAft>
+                <a:spcPts val="0"/>
+              </a:spcAft>
+              <a:buClrTx/>
+              <a:buSzTx/>
+              <a:buFontTx/>
+              <a:buChar char="-"/>
+              <a:tabLst/>
+              <a:defRPr/>
+            </a:pPr>
             <a:endParaRPr lang="it-IT" dirty="0" smtClean="0"/>
           </a:p>
         </p:txBody>
@@ -4126,7 +4428,7 @@
     </p:spTree>
     <p:extLst>
       <p:ext uri="{BB962C8B-B14F-4D97-AF65-F5344CB8AC3E}">
-        <p14:creationId xmlns:p14="http://schemas.microsoft.com/office/powerpoint/2010/main" xmlns="" val="1093366611"/>
+        <p14:creationId xmlns="" xmlns:p14="http://schemas.microsoft.com/office/powerpoint/2010/main" val="1093366611"/>
       </p:ext>
     </p:extLst>
   </p:cSld>
@@ -4225,7 +4527,7 @@
     </p:spTree>
     <p:extLst>
       <p:ext uri="{BB962C8B-B14F-4D97-AF65-F5344CB8AC3E}">
-        <p14:creationId xmlns:p14="http://schemas.microsoft.com/office/powerpoint/2010/main" xmlns="" val="968677491"/>
+        <p14:creationId xmlns="" xmlns:p14="http://schemas.microsoft.com/office/powerpoint/2010/main" val="968677491"/>
       </p:ext>
     </p:extLst>
   </p:cSld>
@@ -4318,7 +4620,7 @@
     </p:spTree>
     <p:extLst>
       <p:ext uri="{BB962C8B-B14F-4D97-AF65-F5344CB8AC3E}">
-        <p14:creationId xmlns:p14="http://schemas.microsoft.com/office/powerpoint/2010/main" xmlns="" val="1685022444"/>
+        <p14:creationId xmlns="" xmlns:p14="http://schemas.microsoft.com/office/powerpoint/2010/main" val="1685022444"/>
       </p:ext>
     </p:extLst>
   </p:cSld>
@@ -4415,7 +4717,7 @@
     </p:spTree>
     <p:extLst>
       <p:ext uri="{BB962C8B-B14F-4D97-AF65-F5344CB8AC3E}">
-        <p14:creationId xmlns:p14="http://schemas.microsoft.com/office/powerpoint/2010/main" xmlns="" val="1685022444"/>
+        <p14:creationId xmlns="" xmlns:p14="http://schemas.microsoft.com/office/powerpoint/2010/main" val="1685022444"/>
       </p:ext>
     </p:extLst>
   </p:cSld>
@@ -4500,7 +4802,7 @@
     </p:spTree>
     <p:extLst>
       <p:ext uri="{BB962C8B-B14F-4D97-AF65-F5344CB8AC3E}">
-        <p14:creationId xmlns:p14="http://schemas.microsoft.com/office/powerpoint/2010/main" xmlns="" val="3294237695"/>
+        <p14:creationId xmlns="" xmlns:p14="http://schemas.microsoft.com/office/powerpoint/2010/main" val="3294237695"/>
       </p:ext>
     </p:extLst>
   </p:cSld>
@@ -4585,7 +4887,7 @@
     </p:spTree>
     <p:extLst>
       <p:ext uri="{BB962C8B-B14F-4D97-AF65-F5344CB8AC3E}">
-        <p14:creationId xmlns:p14="http://schemas.microsoft.com/office/powerpoint/2010/main" xmlns="" val="328384907"/>
+        <p14:creationId xmlns="" xmlns:p14="http://schemas.microsoft.com/office/powerpoint/2010/main" val="328384907"/>
       </p:ext>
     </p:extLst>
   </p:cSld>
@@ -4761,7 +5063,7 @@
             <a:fld id="{63CABBC0-75E4-43BB-A6A6-84C2A96BDB82}" type="datetimeFigureOut">
               <a:rPr lang="it-IT" smtClean="0"/>
               <a:pPr/>
-              <a:t>04/01/2013</a:t>
+              <a:t>06/01/2013</a:t>
             </a:fld>
             <a:endParaRPr lang="it-IT"/>
           </a:p>
@@ -4943,7 +5245,7 @@
             <a:fld id="{63CABBC0-75E4-43BB-A6A6-84C2A96BDB82}" type="datetimeFigureOut">
               <a:rPr lang="it-IT" smtClean="0"/>
               <a:pPr/>
-              <a:t>04/01/2013</a:t>
+              <a:t>06/01/2013</a:t>
             </a:fld>
             <a:endParaRPr lang="it-IT"/>
           </a:p>
@@ -5135,7 +5437,7 @@
             <a:fld id="{63CABBC0-75E4-43BB-A6A6-84C2A96BDB82}" type="datetimeFigureOut">
               <a:rPr lang="it-IT" smtClean="0"/>
               <a:pPr/>
-              <a:t>04/01/2013</a:t>
+              <a:t>06/01/2013</a:t>
             </a:fld>
             <a:endParaRPr lang="it-IT"/>
           </a:p>
@@ -5317,7 +5619,7 @@
             <a:fld id="{63CABBC0-75E4-43BB-A6A6-84C2A96BDB82}" type="datetimeFigureOut">
               <a:rPr lang="it-IT" smtClean="0"/>
               <a:pPr/>
-              <a:t>04/01/2013</a:t>
+              <a:t>06/01/2013</a:t>
             </a:fld>
             <a:endParaRPr lang="it-IT"/>
           </a:p>
@@ -5560,7 +5862,7 @@
             <a:fld id="{63CABBC0-75E4-43BB-A6A6-84C2A96BDB82}" type="datetimeFigureOut">
               <a:rPr lang="it-IT" smtClean="0"/>
               <a:pPr/>
-              <a:t>04/01/2013</a:t>
+              <a:t>06/01/2013</a:t>
             </a:fld>
             <a:endParaRPr lang="it-IT"/>
           </a:p>
@@ -5841,7 +6143,7 @@
             <a:fld id="{63CABBC0-75E4-43BB-A6A6-84C2A96BDB82}" type="datetimeFigureOut">
               <a:rPr lang="it-IT" smtClean="0"/>
               <a:pPr/>
-              <a:t>04/01/2013</a:t>
+              <a:t>06/01/2013</a:t>
             </a:fld>
             <a:endParaRPr lang="it-IT"/>
           </a:p>
@@ -6232,7 +6534,7 @@
             <a:fld id="{63CABBC0-75E4-43BB-A6A6-84C2A96BDB82}" type="datetimeFigureOut">
               <a:rPr lang="it-IT" smtClean="0"/>
               <a:pPr/>
-              <a:t>04/01/2013</a:t>
+              <a:t>06/01/2013</a:t>
             </a:fld>
             <a:endParaRPr lang="it-IT"/>
           </a:p>
@@ -6391,7 +6693,7 @@
             <a:fld id="{63CABBC0-75E4-43BB-A6A6-84C2A96BDB82}" type="datetimeFigureOut">
               <a:rPr lang="it-IT" smtClean="0"/>
               <a:pPr/>
-              <a:t>04/01/2013</a:t>
+              <a:t>06/01/2013</a:t>
             </a:fld>
             <a:endParaRPr lang="it-IT"/>
           </a:p>
@@ -6490,7 +6792,7 @@
             <a:fld id="{63CABBC0-75E4-43BB-A6A6-84C2A96BDB82}" type="datetimeFigureOut">
               <a:rPr lang="it-IT" smtClean="0"/>
               <a:pPr/>
-              <a:t>04/01/2013</a:t>
+              <a:t>06/01/2013</a:t>
             </a:fld>
             <a:endParaRPr lang="it-IT"/>
           </a:p>
@@ -6760,7 +7062,7 @@
             <a:fld id="{63CABBC0-75E4-43BB-A6A6-84C2A96BDB82}" type="datetimeFigureOut">
               <a:rPr lang="it-IT" smtClean="0"/>
               <a:pPr/>
-              <a:t>04/01/2013</a:t>
+              <a:t>06/01/2013</a:t>
             </a:fld>
             <a:endParaRPr lang="it-IT"/>
           </a:p>
@@ -7057,7 +7359,7 @@
             <a:fld id="{63CABBC0-75E4-43BB-A6A6-84C2A96BDB82}" type="datetimeFigureOut">
               <a:rPr lang="it-IT" smtClean="0"/>
               <a:pPr/>
-              <a:t>04/01/2013</a:t>
+              <a:t>06/01/2013</a:t>
             </a:fld>
             <a:endParaRPr lang="it-IT"/>
           </a:p>
@@ -7837,7 +8139,7 @@
             <a:fld id="{63CABBC0-75E4-43BB-A6A6-84C2A96BDB82}" type="datetimeFigureOut">
               <a:rPr lang="it-IT" smtClean="0"/>
               <a:pPr/>
-              <a:t>04/01/2013</a:t>
+              <a:t>06/01/2013</a:t>
             </a:fld>
             <a:endParaRPr lang="it-IT"/>
           </a:p>
@@ -8520,14 +8822,14 @@
           <p:nvPr>
             <p:extLst>
               <p:ext uri="{D42A27DB-BD31-4B8C-83A1-F6EECF244321}">
-                <p14:modId xmlns:p14="http://schemas.microsoft.com/office/powerpoint/2010/main" xmlns="" val="3696521689"/>
+                <p14:modId xmlns="" xmlns:p14="http://schemas.microsoft.com/office/powerpoint/2010/main" val="3696521689"/>
               </p:ext>
             </p:extLst>
           </p:nvPr>
         </p:nvGraphicFramePr>
         <p:xfrm>
           <a:off x="7092280" y="6060793"/>
-          <a:ext cx="2051720" cy="792480"/>
+          <a:ext cx="2051720" cy="726314"/>
         </p:xfrm>
         <a:graphic>
           <a:graphicData uri="http://schemas.openxmlformats.org/drawingml/2006/table">
@@ -8610,7 +8912,7 @@
           <a:blip r:embed="rId2" cstate="print">
             <a:extLst>
               <a:ext uri="{28A0092B-C50C-407E-A947-70E740481C1C}">
-                <a14:useLocalDpi xmlns:a14="http://schemas.microsoft.com/office/drawing/2010/main" xmlns="" val="0"/>
+                <a14:useLocalDpi xmlns="" xmlns:a14="http://schemas.microsoft.com/office/drawing/2010/main" val="0"/>
               </a:ext>
             </a:extLst>
           </a:blip>
@@ -8630,7 +8932,7 @@
           <a:noFill/>
           <a:extLst>
             <a:ext uri="{909E8E84-426E-40DD-AFC4-6F175D3DCCD1}">
-              <a14:hiddenFill xmlns:a14="http://schemas.microsoft.com/office/drawing/2010/main" xmlns="">
+              <a14:hiddenFill xmlns="" xmlns:a14="http://schemas.microsoft.com/office/drawing/2010/main">
                 <a:solidFill>
                   <a:srgbClr val="FFFFFF"/>
                 </a:solidFill>
@@ -8648,7 +8950,7 @@
           <p:nvPr>
             <p:extLst>
               <p:ext uri="{D42A27DB-BD31-4B8C-83A1-F6EECF244321}">
-                <p14:modId xmlns:p14="http://schemas.microsoft.com/office/powerpoint/2010/main" xmlns="" val="3478576524"/>
+                <p14:modId xmlns="" xmlns:p14="http://schemas.microsoft.com/office/powerpoint/2010/main" val="3478576524"/>
               </p:ext>
             </p:extLst>
           </p:nvPr>
@@ -8859,7 +9161,7 @@
     </p:spTree>
     <p:extLst>
       <p:ext uri="{BB962C8B-B14F-4D97-AF65-F5344CB8AC3E}">
-        <p14:creationId xmlns:p14="http://schemas.microsoft.com/office/powerpoint/2010/main" xmlns="" val="4165334171"/>
+        <p14:creationId xmlns="" xmlns:p14="http://schemas.microsoft.com/office/powerpoint/2010/main" val="4165334171"/>
       </p:ext>
     </p:extLst>
   </p:cSld>
@@ -9135,7 +9437,7 @@
           <a:blip r:embed="rId2" cstate="print">
             <a:extLst>
               <a:ext uri="{28A0092B-C50C-407E-A947-70E740481C1C}">
-                <a14:useLocalDpi xmlns:a14="http://schemas.microsoft.com/office/drawing/2010/main" xmlns="" val="0"/>
+                <a14:useLocalDpi xmlns="" xmlns:a14="http://schemas.microsoft.com/office/drawing/2010/main" val="0"/>
               </a:ext>
             </a:extLst>
           </a:blip>
@@ -9155,7 +9457,7 @@
           <a:noFill/>
           <a:extLst>
             <a:ext uri="{909E8E84-426E-40DD-AFC4-6F175D3DCCD1}">
-              <a14:hiddenFill xmlns:a14="http://schemas.microsoft.com/office/drawing/2010/main" xmlns="">
+              <a14:hiddenFill xmlns="" xmlns:a14="http://schemas.microsoft.com/office/drawing/2010/main">
                 <a:solidFill>
                   <a:srgbClr val="FFFFFF"/>
                 </a:solidFill>
@@ -9431,7 +9733,7 @@
     </p:spTree>
     <p:extLst>
       <p:ext uri="{BB962C8B-B14F-4D97-AF65-F5344CB8AC3E}">
-        <p14:creationId xmlns:p14="http://schemas.microsoft.com/office/powerpoint/2010/main" xmlns="" val="4188503847"/>
+        <p14:creationId xmlns="" xmlns:p14="http://schemas.microsoft.com/office/powerpoint/2010/main" val="4188503847"/>
       </p:ext>
     </p:extLst>
   </p:cSld>
@@ -10299,7 +10601,7 @@
           <a:blip r:embed="rId2" cstate="print">
             <a:extLst>
               <a:ext uri="{28A0092B-C50C-407E-A947-70E740481C1C}">
-                <a14:useLocalDpi xmlns:a14="http://schemas.microsoft.com/office/drawing/2010/main" xmlns="" val="0"/>
+                <a14:useLocalDpi xmlns="" xmlns:a14="http://schemas.microsoft.com/office/drawing/2010/main" val="0"/>
               </a:ext>
             </a:extLst>
           </a:blip>
@@ -10323,14 +10625,14 @@
           <a:effectLst/>
           <a:extLst>
             <a:ext uri="{909E8E84-426E-40DD-AFC4-6F175D3DCCD1}">
-              <a14:hiddenFill xmlns:a14="http://schemas.microsoft.com/office/drawing/2010/main" xmlns="">
+              <a14:hiddenFill xmlns="" xmlns:a14="http://schemas.microsoft.com/office/drawing/2010/main">
                 <a:solidFill>
                   <a:schemeClr val="accent1"/>
                 </a:solidFill>
               </a14:hiddenFill>
             </a:ext>
             <a:ext uri="{91240B29-F687-4F45-9708-019B960494DF}">
-              <a14:hiddenLine xmlns:a14="http://schemas.microsoft.com/office/drawing/2010/main" xmlns="" w="9525">
+              <a14:hiddenLine xmlns="" xmlns:a14="http://schemas.microsoft.com/office/drawing/2010/main" w="9525">
                 <a:solidFill>
                   <a:schemeClr val="tx1"/>
                 </a:solidFill>
@@ -10340,7 +10642,7 @@
               </a14:hiddenLine>
             </a:ext>
             <a:ext uri="{AF507438-7753-43E0-B8FC-AC1667EBCBE1}">
-              <a14:hiddenEffects xmlns:a14="http://schemas.microsoft.com/office/drawing/2010/main" xmlns="">
+              <a14:hiddenEffects xmlns="" xmlns:a14="http://schemas.microsoft.com/office/drawing/2010/main">
                 <a:effectLst>
                   <a:outerShdw dist="35921" dir="2700000" algn="ctr" rotWithShape="0">
                     <a:schemeClr val="bg2"/>
@@ -10354,7 +10656,7 @@
     </p:spTree>
     <p:extLst>
       <p:ext uri="{BB962C8B-B14F-4D97-AF65-F5344CB8AC3E}">
-        <p14:creationId xmlns:p14="http://schemas.microsoft.com/office/powerpoint/2010/main" xmlns="" val="1896188625"/>
+        <p14:creationId xmlns="" xmlns:p14="http://schemas.microsoft.com/office/powerpoint/2010/main" val="1896188625"/>
       </p:ext>
     </p:extLst>
   </p:cSld>
@@ -10444,7 +10746,7 @@
           <a:blip r:embed="rId3" cstate="print">
             <a:extLst>
               <a:ext uri="{28A0092B-C50C-407E-A947-70E740481C1C}">
-                <a14:useLocalDpi xmlns:a14="http://schemas.microsoft.com/office/drawing/2010/main" xmlns="" val="0"/>
+                <a14:useLocalDpi xmlns="" xmlns:a14="http://schemas.microsoft.com/office/drawing/2010/main" val="0"/>
               </a:ext>
             </a:extLst>
           </a:blip>
@@ -10464,7 +10766,7 @@
           <a:noFill/>
           <a:extLst>
             <a:ext uri="{909E8E84-426E-40DD-AFC4-6F175D3DCCD1}">
-              <a14:hiddenFill xmlns:a14="http://schemas.microsoft.com/office/drawing/2010/main" xmlns="">
+              <a14:hiddenFill xmlns="" xmlns:a14="http://schemas.microsoft.com/office/drawing/2010/main">
                 <a:solidFill>
                   <a:srgbClr val="FFFFFF"/>
                 </a:solidFill>
@@ -10476,7 +10778,7 @@
     </p:spTree>
     <p:extLst>
       <p:ext uri="{BB962C8B-B14F-4D97-AF65-F5344CB8AC3E}">
-        <p14:creationId xmlns:p14="http://schemas.microsoft.com/office/powerpoint/2010/main" xmlns="" val="1417486241"/>
+        <p14:creationId xmlns="" xmlns:p14="http://schemas.microsoft.com/office/powerpoint/2010/main" val="1417486241"/>
       </p:ext>
     </p:extLst>
   </p:cSld>
@@ -10888,7 +11190,7 @@
     </p:spTree>
     <p:extLst>
       <p:ext uri="{BB962C8B-B14F-4D97-AF65-F5344CB8AC3E}">
-        <p14:creationId xmlns:p14="http://schemas.microsoft.com/office/powerpoint/2010/main" xmlns="" val="952316739"/>
+        <p14:creationId xmlns="" xmlns:p14="http://schemas.microsoft.com/office/powerpoint/2010/main" val="952316739"/>
       </p:ext>
     </p:extLst>
   </p:cSld>
@@ -10896,7 +11198,7 @@
     <a:masterClrMapping/>
   </p:clrMapOvr>
   <mc:AlternateContent xmlns:mc="http://schemas.openxmlformats.org/markup-compatibility/2006">
-    <mc:Choice xmlns:p14="http://schemas.microsoft.com/office/powerpoint/2010/main" xmlns="" Requires="p14">
+    <mc:Choice xmlns="" xmlns:p14="http://schemas.microsoft.com/office/powerpoint/2010/main" Requires="p14">
       <p:transition spd="slow" p14:dur="2000"/>
     </mc:Choice>
     <mc:Fallback>
@@ -11068,7 +11370,7 @@
           <a:blip r:embed="rId3" cstate="print">
             <a:extLst>
               <a:ext uri="{28A0092B-C50C-407E-A947-70E740481C1C}">
-                <a14:useLocalDpi xmlns:a14="http://schemas.microsoft.com/office/drawing/2010/main" xmlns="" val="0"/>
+                <a14:useLocalDpi xmlns="" xmlns:a14="http://schemas.microsoft.com/office/drawing/2010/main" val="0"/>
               </a:ext>
             </a:extLst>
           </a:blip>
@@ -11088,7 +11390,7 @@
           <a:noFill/>
           <a:extLst>
             <a:ext uri="{909E8E84-426E-40DD-AFC4-6F175D3DCCD1}">
-              <a14:hiddenFill xmlns:a14="http://schemas.microsoft.com/office/drawing/2010/main" xmlns="">
+              <a14:hiddenFill xmlns="" xmlns:a14="http://schemas.microsoft.com/office/drawing/2010/main">
                 <a:solidFill>
                   <a:srgbClr val="FFFFFF"/>
                 </a:solidFill>
@@ -11192,7 +11494,7 @@
     </p:spTree>
     <p:extLst>
       <p:ext uri="{BB962C8B-B14F-4D97-AF65-F5344CB8AC3E}">
-        <p14:creationId xmlns:p14="http://schemas.microsoft.com/office/powerpoint/2010/main" xmlns="" val="1824602548"/>
+        <p14:creationId xmlns="" xmlns:p14="http://schemas.microsoft.com/office/powerpoint/2010/main" val="1824602548"/>
       </p:ext>
     </p:extLst>
   </p:cSld>
@@ -11415,7 +11717,7 @@
           <a:blip r:embed="rId3" cstate="print">
             <a:extLst>
               <a:ext uri="{28A0092B-C50C-407E-A947-70E740481C1C}">
-                <a14:useLocalDpi xmlns:a14="http://schemas.microsoft.com/office/drawing/2010/main" xmlns="" val="0"/>
+                <a14:useLocalDpi xmlns="" xmlns:a14="http://schemas.microsoft.com/office/drawing/2010/main" val="0"/>
               </a:ext>
             </a:extLst>
           </a:blip>
@@ -11435,7 +11737,7 @@
           <a:noFill/>
           <a:extLst>
             <a:ext uri="{909E8E84-426E-40DD-AFC4-6F175D3DCCD1}">
-              <a14:hiddenFill xmlns:a14="http://schemas.microsoft.com/office/drawing/2010/main" xmlns="">
+              <a14:hiddenFill xmlns="" xmlns:a14="http://schemas.microsoft.com/office/drawing/2010/main">
                 <a:solidFill>
                   <a:srgbClr val="FFFFFF"/>
                 </a:solidFill>
@@ -11493,7 +11795,7 @@
     </p:spTree>
     <p:extLst>
       <p:ext uri="{BB962C8B-B14F-4D97-AF65-F5344CB8AC3E}">
-        <p14:creationId xmlns:p14="http://schemas.microsoft.com/office/powerpoint/2010/main" xmlns="" val="4209306795"/>
+        <p14:creationId xmlns="" xmlns:p14="http://schemas.microsoft.com/office/powerpoint/2010/main" val="4209306795"/>
       </p:ext>
     </p:extLst>
   </p:cSld>
@@ -11665,7 +11967,7 @@
           <a:blip r:embed="rId3" cstate="print">
             <a:extLst>
               <a:ext uri="{28A0092B-C50C-407E-A947-70E740481C1C}">
-                <a14:useLocalDpi xmlns:a14="http://schemas.microsoft.com/office/drawing/2010/main" xmlns="" val="0"/>
+                <a14:useLocalDpi xmlns="" xmlns:a14="http://schemas.microsoft.com/office/drawing/2010/main" val="0"/>
               </a:ext>
             </a:extLst>
           </a:blip>
@@ -11685,7 +11987,7 @@
           <a:noFill/>
           <a:extLst>
             <a:ext uri="{909E8E84-426E-40DD-AFC4-6F175D3DCCD1}">
-              <a14:hiddenFill xmlns:a14="http://schemas.microsoft.com/office/drawing/2010/main" xmlns="">
+              <a14:hiddenFill xmlns="" xmlns:a14="http://schemas.microsoft.com/office/drawing/2010/main">
                 <a:solidFill>
                   <a:srgbClr val="FFFFFF"/>
                 </a:solidFill>
@@ -11697,7 +11999,7 @@
     </p:spTree>
     <p:extLst>
       <p:ext uri="{BB962C8B-B14F-4D97-AF65-F5344CB8AC3E}">
-        <p14:creationId xmlns:p14="http://schemas.microsoft.com/office/powerpoint/2010/main" xmlns="" val="3701313841"/>
+        <p14:creationId xmlns="" xmlns:p14="http://schemas.microsoft.com/office/powerpoint/2010/main" val="3701313841"/>
       </p:ext>
     </p:extLst>
   </p:cSld>
@@ -11790,7 +12092,7 @@
           <a:blip r:embed="rId3" cstate="print">
             <a:extLst>
               <a:ext uri="{28A0092B-C50C-407E-A947-70E740481C1C}">
-                <a14:useLocalDpi xmlns:a14="http://schemas.microsoft.com/office/drawing/2010/main" xmlns="" val="0"/>
+                <a14:useLocalDpi xmlns="" xmlns:a14="http://schemas.microsoft.com/office/drawing/2010/main" val="0"/>
               </a:ext>
             </a:extLst>
           </a:blip>
@@ -11810,7 +12112,7 @@
           <a:noFill/>
           <a:extLst>
             <a:ext uri="{909E8E84-426E-40DD-AFC4-6F175D3DCCD1}">
-              <a14:hiddenFill xmlns:a14="http://schemas.microsoft.com/office/drawing/2010/main" xmlns="">
+              <a14:hiddenFill xmlns="" xmlns:a14="http://schemas.microsoft.com/office/drawing/2010/main">
                 <a:solidFill>
                   <a:srgbClr val="FFFFFF"/>
                 </a:solidFill>
@@ -11822,7 +12124,7 @@
     </p:spTree>
     <p:extLst>
       <p:ext uri="{BB962C8B-B14F-4D97-AF65-F5344CB8AC3E}">
-        <p14:creationId xmlns:p14="http://schemas.microsoft.com/office/powerpoint/2010/main" xmlns="" val="1653549512"/>
+        <p14:creationId xmlns="" xmlns:p14="http://schemas.microsoft.com/office/powerpoint/2010/main" val="1653549512"/>
       </p:ext>
     </p:extLst>
   </p:cSld>
@@ -11871,7 +12173,7 @@
           <a:blip r:embed="rId3" cstate="print">
             <a:extLst>
               <a:ext uri="{28A0092B-C50C-407E-A947-70E740481C1C}">
-                <a14:useLocalDpi xmlns:a14="http://schemas.microsoft.com/office/drawing/2010/main" xmlns="" val="0"/>
+                <a14:useLocalDpi xmlns="" xmlns:a14="http://schemas.microsoft.com/office/drawing/2010/main" val="0"/>
               </a:ext>
             </a:extLst>
           </a:blip>
@@ -11891,7 +12193,7 @@
           <a:noFill/>
           <a:extLst>
             <a:ext uri="{909E8E84-426E-40DD-AFC4-6F175D3DCCD1}">
-              <a14:hiddenFill xmlns:a14="http://schemas.microsoft.com/office/drawing/2010/main" xmlns="">
+              <a14:hiddenFill xmlns="" xmlns:a14="http://schemas.microsoft.com/office/drawing/2010/main">
                 <a:solidFill>
                   <a:srgbClr val="FFFFFF"/>
                 </a:solidFill>
@@ -11941,7 +12243,7 @@
     </p:spTree>
     <p:extLst>
       <p:ext uri="{BB962C8B-B14F-4D97-AF65-F5344CB8AC3E}">
-        <p14:creationId xmlns:p14="http://schemas.microsoft.com/office/powerpoint/2010/main" xmlns="" val="2424786554"/>
+        <p14:creationId xmlns="" xmlns:p14="http://schemas.microsoft.com/office/powerpoint/2010/main" val="2424786554"/>
       </p:ext>
     </p:extLst>
   </p:cSld>
@@ -12219,7 +12521,7 @@
           <a:blip r:embed="rId3" cstate="print">
             <a:extLst>
               <a:ext uri="{28A0092B-C50C-407E-A947-70E740481C1C}">
-                <a14:useLocalDpi xmlns:a14="http://schemas.microsoft.com/office/drawing/2010/main" xmlns="" val="0"/>
+                <a14:useLocalDpi xmlns="" xmlns:a14="http://schemas.microsoft.com/office/drawing/2010/main" val="0"/>
               </a:ext>
             </a:extLst>
           </a:blip>
@@ -12239,7 +12541,7 @@
           <a:noFill/>
           <a:extLst>
             <a:ext uri="{909E8E84-426E-40DD-AFC4-6F175D3DCCD1}">
-              <a14:hiddenFill xmlns:a14="http://schemas.microsoft.com/office/drawing/2010/main" xmlns="">
+              <a14:hiddenFill xmlns="" xmlns:a14="http://schemas.microsoft.com/office/drawing/2010/main">
                 <a:solidFill>
                   <a:srgbClr val="FFFFFF"/>
                 </a:solidFill>
@@ -12260,7 +12562,7 @@
           <a:blip r:embed="rId4" cstate="print">
             <a:extLst>
               <a:ext uri="{28A0092B-C50C-407E-A947-70E740481C1C}">
-                <a14:useLocalDpi xmlns:a14="http://schemas.microsoft.com/office/drawing/2010/main" xmlns="" val="0"/>
+                <a14:useLocalDpi xmlns="" xmlns:a14="http://schemas.microsoft.com/office/drawing/2010/main" val="0"/>
               </a:ext>
             </a:extLst>
           </a:blip>
@@ -12280,7 +12582,7 @@
           <a:noFill/>
           <a:extLst>
             <a:ext uri="{909E8E84-426E-40DD-AFC4-6F175D3DCCD1}">
-              <a14:hiddenFill xmlns:a14="http://schemas.microsoft.com/office/drawing/2010/main" xmlns="">
+              <a14:hiddenFill xmlns="" xmlns:a14="http://schemas.microsoft.com/office/drawing/2010/main">
                 <a:solidFill>
                   <a:srgbClr val="FFFFFF"/>
                 </a:solidFill>
@@ -12292,7 +12594,7 @@
     </p:spTree>
     <p:extLst>
       <p:ext uri="{BB962C8B-B14F-4D97-AF65-F5344CB8AC3E}">
-        <p14:creationId xmlns:p14="http://schemas.microsoft.com/office/powerpoint/2010/main" xmlns="" val="2708678656"/>
+        <p14:creationId xmlns="" xmlns:p14="http://schemas.microsoft.com/office/powerpoint/2010/main" val="2708678656"/>
       </p:ext>
     </p:extLst>
   </p:cSld>
@@ -12670,7 +12972,7 @@
           <a:blip r:embed="rId2" cstate="print">
             <a:extLst>
               <a:ext uri="{28A0092B-C50C-407E-A947-70E740481C1C}">
-                <a14:useLocalDpi xmlns="" xmlns:a14="http://schemas.microsoft.com/office/drawing/2010/main" val="0"/>
+                <a14:useLocalDpi xmlns:a14="http://schemas.microsoft.com/office/drawing/2010/main" xmlns="" val="0"/>
               </a:ext>
             </a:extLst>
           </a:blip>
@@ -12700,7 +13002,7 @@
           <a:blip r:embed="rId3" cstate="print">
             <a:extLst>
               <a:ext uri="{28A0092B-C50C-407E-A947-70E740481C1C}">
-                <a14:useLocalDpi xmlns="" xmlns:a14="http://schemas.microsoft.com/office/drawing/2010/main" val="0"/>
+                <a14:useLocalDpi xmlns:a14="http://schemas.microsoft.com/office/drawing/2010/main" xmlns="" val="0"/>
               </a:ext>
             </a:extLst>
           </a:blip>
@@ -12730,7 +13032,7 @@
           <a:blip r:embed="rId4" cstate="print">
             <a:extLst>
               <a:ext uri="{28A0092B-C50C-407E-A947-70E740481C1C}">
-                <a14:useLocalDpi xmlns="" xmlns:a14="http://schemas.microsoft.com/office/drawing/2010/main" val="0"/>
+                <a14:useLocalDpi xmlns:a14="http://schemas.microsoft.com/office/drawing/2010/main" xmlns="" val="0"/>
               </a:ext>
             </a:extLst>
           </a:blip>
@@ -12760,7 +13062,7 @@
           <a:blip r:embed="rId5" cstate="print">
             <a:extLst>
               <a:ext uri="{28A0092B-C50C-407E-A947-70E740481C1C}">
-                <a14:useLocalDpi xmlns="" xmlns:a14="http://schemas.microsoft.com/office/drawing/2010/main" val="0"/>
+                <a14:useLocalDpi xmlns:a14="http://schemas.microsoft.com/office/drawing/2010/main" xmlns="" val="0"/>
               </a:ext>
             </a:extLst>
           </a:blip>
@@ -12781,7 +13083,7 @@
     </p:spTree>
     <p:extLst>
       <p:ext uri="{BB962C8B-B14F-4D97-AF65-F5344CB8AC3E}">
-        <p14:creationId xmlns="" xmlns:p14="http://schemas.microsoft.com/office/powerpoint/2010/main" val="1088448615"/>
+        <p14:creationId xmlns:p14="http://schemas.microsoft.com/office/powerpoint/2010/main" xmlns="" val="1088448615"/>
       </p:ext>
     </p:extLst>
   </p:cSld>
@@ -12852,7 +13154,7 @@
     </p:spTree>
     <p:extLst>
       <p:ext uri="{BB962C8B-B14F-4D97-AF65-F5344CB8AC3E}">
-        <p14:creationId xmlns:p14="http://schemas.microsoft.com/office/powerpoint/2010/main" xmlns="" val="2865657727"/>
+        <p14:creationId xmlns="" xmlns:p14="http://schemas.microsoft.com/office/powerpoint/2010/main" val="2865657727"/>
       </p:ext>
     </p:extLst>
   </p:cSld>
@@ -13202,7 +13504,7 @@
           <a:blip r:embed="rId2" cstate="print">
             <a:extLst>
               <a:ext uri="{28A0092B-C50C-407E-A947-70E740481C1C}">
-                <a14:useLocalDpi xmlns:a14="http://schemas.microsoft.com/office/drawing/2010/main" xmlns="" val="0"/>
+                <a14:useLocalDpi xmlns="" xmlns:a14="http://schemas.microsoft.com/office/drawing/2010/main" val="0"/>
               </a:ext>
             </a:extLst>
           </a:blip>
@@ -13222,7 +13524,7 @@
           <a:noFill/>
           <a:extLst>
             <a:ext uri="{909E8E84-426E-40DD-AFC4-6F175D3DCCD1}">
-              <a14:hiddenFill xmlns:a14="http://schemas.microsoft.com/office/drawing/2010/main" xmlns="">
+              <a14:hiddenFill xmlns="" xmlns:a14="http://schemas.microsoft.com/office/drawing/2010/main">
                 <a:solidFill>
                   <a:srgbClr val="FFFFFF"/>
                 </a:solidFill>
@@ -13409,7 +13711,7 @@
     </p:spTree>
     <p:extLst>
       <p:ext uri="{BB962C8B-B14F-4D97-AF65-F5344CB8AC3E}">
-        <p14:creationId xmlns:p14="http://schemas.microsoft.com/office/powerpoint/2010/main" xmlns="" val="1421053857"/>
+        <p14:creationId xmlns="" xmlns:p14="http://schemas.microsoft.com/office/powerpoint/2010/main" val="1421053857"/>
       </p:ext>
     </p:extLst>
   </p:cSld>
@@ -13732,7 +14034,7 @@
           <a:blip r:embed="rId2" cstate="print">
             <a:extLst>
               <a:ext uri="{28A0092B-C50C-407E-A947-70E740481C1C}">
-                <a14:useLocalDpi xmlns:a14="http://schemas.microsoft.com/office/drawing/2010/main" xmlns="" val="0"/>
+                <a14:useLocalDpi xmlns="" xmlns:a14="http://schemas.microsoft.com/office/drawing/2010/main" val="0"/>
               </a:ext>
             </a:extLst>
           </a:blip>
@@ -13753,7 +14055,7 @@
     </p:spTree>
     <p:extLst>
       <p:ext uri="{BB962C8B-B14F-4D97-AF65-F5344CB8AC3E}">
-        <p14:creationId xmlns:p14="http://schemas.microsoft.com/office/powerpoint/2010/main" xmlns="" val="966444375"/>
+        <p14:creationId xmlns="" xmlns:p14="http://schemas.microsoft.com/office/powerpoint/2010/main" val="966444375"/>
       </p:ext>
     </p:extLst>
   </p:cSld>
@@ -14084,7 +14386,7 @@
     </p:spTree>
     <p:extLst>
       <p:ext uri="{BB962C8B-B14F-4D97-AF65-F5344CB8AC3E}">
-        <p14:creationId xmlns:p14="http://schemas.microsoft.com/office/powerpoint/2010/main" xmlns="" val="529095658"/>
+        <p14:creationId xmlns="" xmlns:p14="http://schemas.microsoft.com/office/powerpoint/2010/main" val="529095658"/>
       </p:ext>
     </p:extLst>
   </p:cSld>
@@ -14313,7 +14615,7 @@
           <a:blip r:embed="rId2" cstate="print">
             <a:extLst>
               <a:ext uri="{28A0092B-C50C-407E-A947-70E740481C1C}">
-                <a14:useLocalDpi xmlns="" xmlns:a14="http://schemas.microsoft.com/office/drawing/2010/main" xmlns:lc="http://schemas.openxmlformats.org/drawingml/2006/lockedCanvas" val="0"/>
+                <a14:useLocalDpi xmlns:lc="http://schemas.openxmlformats.org/drawingml/2006/lockedCanvas" xmlns:a14="http://schemas.microsoft.com/office/drawing/2010/main" xmlns="" val="0"/>
               </a:ext>
             </a:extLst>
           </a:blip>
@@ -14334,7 +14636,7 @@
     </p:spTree>
     <p:extLst>
       <p:ext uri="{BB962C8B-B14F-4D97-AF65-F5344CB8AC3E}">
-        <p14:creationId xmlns:p14="http://schemas.microsoft.com/office/powerpoint/2010/main" xmlns="" val="2537338845"/>
+        <p14:creationId xmlns="" xmlns:p14="http://schemas.microsoft.com/office/powerpoint/2010/main" val="2537338845"/>
       </p:ext>
     </p:extLst>
   </p:cSld>
@@ -14528,7 +14830,7 @@
           <a:blip r:embed="rId2" cstate="print">
             <a:extLst>
               <a:ext uri="{28A0092B-C50C-407E-A947-70E740481C1C}">
-                <a14:useLocalDpi xmlns:a14="http://schemas.microsoft.com/office/drawing/2010/main" xmlns="" val="0"/>
+                <a14:useLocalDpi xmlns="" xmlns:a14="http://schemas.microsoft.com/office/drawing/2010/main" val="0"/>
               </a:ext>
             </a:extLst>
           </a:blip>
@@ -14584,7 +14886,7 @@
     </p:spTree>
     <p:extLst>
       <p:ext uri="{BB962C8B-B14F-4D97-AF65-F5344CB8AC3E}">
-        <p14:creationId xmlns:p14="http://schemas.microsoft.com/office/powerpoint/2010/main" xmlns="" val="422123805"/>
+        <p14:creationId xmlns="" xmlns:p14="http://schemas.microsoft.com/office/powerpoint/2010/main" val="422123805"/>
       </p:ext>
     </p:extLst>
   </p:cSld>
@@ -14703,7 +15005,7 @@
           <a:blip r:embed="rId2" cstate="print">
             <a:extLst>
               <a:ext uri="{28A0092B-C50C-407E-A947-70E740481C1C}">
-                <a14:useLocalDpi xmlns:a14="http://schemas.microsoft.com/office/drawing/2010/main" xmlns="" val="0"/>
+                <a14:useLocalDpi xmlns="" xmlns:a14="http://schemas.microsoft.com/office/drawing/2010/main" val="0"/>
               </a:ext>
             </a:extLst>
           </a:blip>
@@ -14758,7 +15060,7 @@
     </p:spTree>
     <p:extLst>
       <p:ext uri="{BB962C8B-B14F-4D97-AF65-F5344CB8AC3E}">
-        <p14:creationId xmlns:p14="http://schemas.microsoft.com/office/powerpoint/2010/main" xmlns="" val="247169405"/>
+        <p14:creationId xmlns="" xmlns:p14="http://schemas.microsoft.com/office/powerpoint/2010/main" val="247169405"/>
       </p:ext>
     </p:extLst>
   </p:cSld>
@@ -14846,7 +15148,7 @@
           <a:blip r:embed="rId2" cstate="print">
             <a:extLst>
               <a:ext uri="{28A0092B-C50C-407E-A947-70E740481C1C}">
-                <a14:useLocalDpi xmlns:a14="http://schemas.microsoft.com/office/drawing/2010/main" xmlns="" val="0"/>
+                <a14:useLocalDpi xmlns="" xmlns:a14="http://schemas.microsoft.com/office/drawing/2010/main" val="0"/>
               </a:ext>
             </a:extLst>
           </a:blip>
@@ -14902,7 +15204,7 @@
     </p:spTree>
     <p:extLst>
       <p:ext uri="{BB962C8B-B14F-4D97-AF65-F5344CB8AC3E}">
-        <p14:creationId xmlns:p14="http://schemas.microsoft.com/office/powerpoint/2010/main" xmlns="" val="1376204328"/>
+        <p14:creationId xmlns="" xmlns:p14="http://schemas.microsoft.com/office/powerpoint/2010/main" val="1376204328"/>
       </p:ext>
     </p:extLst>
   </p:cSld>
@@ -14990,7 +15292,7 @@
           <a:blip r:embed="rId2" cstate="print">
             <a:extLst>
               <a:ext uri="{28A0092B-C50C-407E-A947-70E740481C1C}">
-                <a14:useLocalDpi xmlns:a14="http://schemas.microsoft.com/office/drawing/2010/main" xmlns="" val="0"/>
+                <a14:useLocalDpi xmlns="" xmlns:a14="http://schemas.microsoft.com/office/drawing/2010/main" val="0"/>
               </a:ext>
             </a:extLst>
           </a:blip>
@@ -15049,7 +15351,7 @@
     </p:spTree>
     <p:extLst>
       <p:ext uri="{BB962C8B-B14F-4D97-AF65-F5344CB8AC3E}">
-        <p14:creationId xmlns:p14="http://schemas.microsoft.com/office/powerpoint/2010/main" xmlns="" val="1545582615"/>
+        <p14:creationId xmlns="" xmlns:p14="http://schemas.microsoft.com/office/powerpoint/2010/main" val="1545582615"/>
       </p:ext>
     </p:extLst>
   </p:cSld>
@@ -15285,7 +15587,7 @@
           <a:blip r:embed="rId2" cstate="print">
             <a:extLst>
               <a:ext uri="{28A0092B-C50C-407E-A947-70E740481C1C}">
-                <a14:useLocalDpi xmlns="" xmlns:a14="http://schemas.microsoft.com/office/drawing/2010/main" val="0"/>
+                <a14:useLocalDpi xmlns:a14="http://schemas.microsoft.com/office/drawing/2010/main" xmlns="" val="0"/>
               </a:ext>
             </a:extLst>
           </a:blip>
@@ -15309,14 +15611,14 @@
           <a:effectLst/>
           <a:extLst>
             <a:ext uri="{909E8E84-426E-40DD-AFC4-6F175D3DCCD1}">
-              <a14:hiddenFill xmlns="" xmlns:a14="http://schemas.microsoft.com/office/drawing/2010/main">
+              <a14:hiddenFill xmlns:a14="http://schemas.microsoft.com/office/drawing/2010/main" xmlns="">
                 <a:solidFill>
                   <a:schemeClr val="accent1"/>
                 </a:solidFill>
               </a14:hiddenFill>
             </a:ext>
             <a:ext uri="{91240B29-F687-4F45-9708-019B960494DF}">
-              <a14:hiddenLine xmlns="" xmlns:a14="http://schemas.microsoft.com/office/drawing/2010/main" w="9525">
+              <a14:hiddenLine xmlns:a14="http://schemas.microsoft.com/office/drawing/2010/main" xmlns="" w="9525">
                 <a:solidFill>
                   <a:schemeClr val="tx1"/>
                 </a:solidFill>
@@ -15326,7 +15628,7 @@
               </a14:hiddenLine>
             </a:ext>
             <a:ext uri="{AF507438-7753-43E0-B8FC-AC1667EBCBE1}">
-              <a14:hiddenEffects xmlns="" xmlns:a14="http://schemas.microsoft.com/office/drawing/2010/main">
+              <a14:hiddenEffects xmlns:a14="http://schemas.microsoft.com/office/drawing/2010/main" xmlns="">
                 <a:effectLst>
                   <a:outerShdw dist="35921" dir="2700000" algn="ctr" rotWithShape="0">
                     <a:schemeClr val="bg2"/>
@@ -15340,7 +15642,7 @@
     </p:spTree>
     <p:extLst>
       <p:ext uri="{BB962C8B-B14F-4D97-AF65-F5344CB8AC3E}">
-        <p14:creationId xmlns="" xmlns:p14="http://schemas.microsoft.com/office/powerpoint/2010/main" val="155874689"/>
+        <p14:creationId xmlns:p14="http://schemas.microsoft.com/office/powerpoint/2010/main" xmlns="" val="155874689"/>
       </p:ext>
     </p:extLst>
   </p:cSld>
@@ -15348,7 +15650,7 @@
     <a:masterClrMapping/>
   </p:clrMapOvr>
   <mc:AlternateContent xmlns:mc="http://schemas.openxmlformats.org/markup-compatibility/2006">
-    <mc:Choice xmlns="" xmlns:p14="http://schemas.microsoft.com/office/powerpoint/2010/main" Requires="p14">
+    <mc:Choice xmlns:p14="http://schemas.microsoft.com/office/powerpoint/2010/main" xmlns="" Requires="p14">
       <p:transition spd="slow" p14:dur="2000"/>
     </mc:Choice>
     <mc:Fallback>
@@ -15433,7 +15735,7 @@
           <a:blip r:embed="rId2" cstate="print">
             <a:extLst>
               <a:ext uri="{28A0092B-C50C-407E-A947-70E740481C1C}">
-                <a14:useLocalDpi xmlns:a14="http://schemas.microsoft.com/office/drawing/2010/main" xmlns="" val="0"/>
+                <a14:useLocalDpi xmlns="" xmlns:a14="http://schemas.microsoft.com/office/drawing/2010/main" val="0"/>
               </a:ext>
             </a:extLst>
           </a:blip>
@@ -15454,7 +15756,7 @@
     </p:spTree>
     <p:extLst>
       <p:ext uri="{BB962C8B-B14F-4D97-AF65-F5344CB8AC3E}">
-        <p14:creationId xmlns:p14="http://schemas.microsoft.com/office/powerpoint/2010/main" xmlns="" val="1296864160"/>
+        <p14:creationId xmlns="" xmlns:p14="http://schemas.microsoft.com/office/powerpoint/2010/main" val="1296864160"/>
       </p:ext>
     </p:extLst>
   </p:cSld>
@@ -15535,7 +15837,7 @@
           <a:blip r:embed="rId2" cstate="print">
             <a:extLst>
               <a:ext uri="{28A0092B-C50C-407E-A947-70E740481C1C}">
-                <a14:useLocalDpi xmlns:a14="http://schemas.microsoft.com/office/drawing/2010/main" xmlns="" val="0"/>
+                <a14:useLocalDpi xmlns="" xmlns:a14="http://schemas.microsoft.com/office/drawing/2010/main" val="0"/>
               </a:ext>
             </a:extLst>
           </a:blip>
@@ -15590,7 +15892,7 @@
     </p:spTree>
     <p:extLst>
       <p:ext uri="{BB962C8B-B14F-4D97-AF65-F5344CB8AC3E}">
-        <p14:creationId xmlns:p14="http://schemas.microsoft.com/office/powerpoint/2010/main" xmlns="" val="518928479"/>
+        <p14:creationId xmlns="" xmlns:p14="http://schemas.microsoft.com/office/powerpoint/2010/main" val="518928479"/>
       </p:ext>
     </p:extLst>
   </p:cSld>
@@ -15673,7 +15975,7 @@
           <a:blip r:embed="rId2" cstate="print">
             <a:extLst>
               <a:ext uri="{28A0092B-C50C-407E-A947-70E740481C1C}">
-                <a14:useLocalDpi xmlns:a14="http://schemas.microsoft.com/office/drawing/2010/main" xmlns="" val="0"/>
+                <a14:useLocalDpi xmlns="" xmlns:a14="http://schemas.microsoft.com/office/drawing/2010/main" val="0"/>
               </a:ext>
             </a:extLst>
           </a:blip>
@@ -15694,7 +15996,7 @@
     </p:spTree>
     <p:extLst>
       <p:ext uri="{BB962C8B-B14F-4D97-AF65-F5344CB8AC3E}">
-        <p14:creationId xmlns:p14="http://schemas.microsoft.com/office/powerpoint/2010/main" xmlns="" val="4136420094"/>
+        <p14:creationId xmlns="" xmlns:p14="http://schemas.microsoft.com/office/powerpoint/2010/main" val="4136420094"/>
       </p:ext>
     </p:extLst>
   </p:cSld>
@@ -15779,7 +16081,7 @@
           <a:blip r:embed="rId2" cstate="print">
             <a:extLst>
               <a:ext uri="{28A0092B-C50C-407E-A947-70E740481C1C}">
-                <a14:useLocalDpi xmlns:a14="http://schemas.microsoft.com/office/drawing/2010/main" xmlns="" val="0"/>
+                <a14:useLocalDpi xmlns="" xmlns:a14="http://schemas.microsoft.com/office/drawing/2010/main" val="0"/>
               </a:ext>
             </a:extLst>
           </a:blip>
@@ -15831,7 +16133,7 @@
     </p:spTree>
     <p:extLst>
       <p:ext uri="{BB962C8B-B14F-4D97-AF65-F5344CB8AC3E}">
-        <p14:creationId xmlns:p14="http://schemas.microsoft.com/office/powerpoint/2010/main" xmlns="" val="2535709406"/>
+        <p14:creationId xmlns="" xmlns:p14="http://schemas.microsoft.com/office/powerpoint/2010/main" val="2535709406"/>
       </p:ext>
     </p:extLst>
   </p:cSld>
@@ -16033,7 +16335,7 @@
     </p:spTree>
     <p:extLst>
       <p:ext uri="{BB962C8B-B14F-4D97-AF65-F5344CB8AC3E}">
-        <p14:creationId xmlns:p14="http://schemas.microsoft.com/office/powerpoint/2010/main" xmlns="" val="2176004432"/>
+        <p14:creationId xmlns="" xmlns:p14="http://schemas.microsoft.com/office/powerpoint/2010/main" val="2176004432"/>
       </p:ext>
     </p:extLst>
   </p:cSld>
@@ -16333,7 +16635,7 @@
     </p:spTree>
     <p:extLst>
       <p:ext uri="{BB962C8B-B14F-4D97-AF65-F5344CB8AC3E}">
-        <p14:creationId xmlns:p14="http://schemas.microsoft.com/office/powerpoint/2010/main" xmlns="" val="1143488046"/>
+        <p14:creationId xmlns="" xmlns:p14="http://schemas.microsoft.com/office/powerpoint/2010/main" val="1143488046"/>
       </p:ext>
     </p:extLst>
   </p:cSld>
@@ -16784,7 +17086,7 @@
     </p:spTree>
     <p:extLst>
       <p:ext uri="{BB962C8B-B14F-4D97-AF65-F5344CB8AC3E}">
-        <p14:creationId xmlns:p14="http://schemas.microsoft.com/office/powerpoint/2010/main" xmlns="" val="957313322"/>
+        <p14:creationId xmlns="" xmlns:p14="http://schemas.microsoft.com/office/powerpoint/2010/main" val="957313322"/>
       </p:ext>
     </p:extLst>
   </p:cSld>
@@ -17334,7 +17636,7 @@
     </p:spTree>
     <p:extLst>
       <p:ext uri="{BB962C8B-B14F-4D97-AF65-F5344CB8AC3E}">
-        <p14:creationId xmlns="" xmlns:p14="http://schemas.microsoft.com/office/powerpoint/2010/main" val="155874689"/>
+        <p14:creationId xmlns:p14="http://schemas.microsoft.com/office/powerpoint/2010/main" xmlns="" val="155874689"/>
       </p:ext>
     </p:extLst>
   </p:cSld>
@@ -17342,7 +17644,7 @@
     <a:masterClrMapping/>
   </p:clrMapOvr>
   <mc:AlternateContent xmlns:mc="http://schemas.openxmlformats.org/markup-compatibility/2006">
-    <mc:Choice xmlns="" xmlns:p14="http://schemas.microsoft.com/office/powerpoint/2010/main" Requires="p14">
+    <mc:Choice xmlns:p14="http://schemas.microsoft.com/office/powerpoint/2010/main" xmlns="" Requires="p14">
       <p:transition spd="slow" p14:dur="2000"/>
     </mc:Choice>
     <mc:Fallback>
@@ -17751,7 +18053,7 @@
     </p:spTree>
     <p:extLst>
       <p:ext uri="{BB962C8B-B14F-4D97-AF65-F5344CB8AC3E}">
-        <p14:creationId xmlns="" xmlns:p14="http://schemas.microsoft.com/office/powerpoint/2010/main" val="155874689"/>
+        <p14:creationId xmlns:p14="http://schemas.microsoft.com/office/powerpoint/2010/main" xmlns="" val="155874689"/>
       </p:ext>
     </p:extLst>
   </p:cSld>
@@ -17759,7 +18061,7 @@
     <a:masterClrMapping/>
   </p:clrMapOvr>
   <mc:AlternateContent xmlns:mc="http://schemas.openxmlformats.org/markup-compatibility/2006">
-    <mc:Choice xmlns="" xmlns:p14="http://schemas.microsoft.com/office/powerpoint/2010/main" Requires="p14">
+    <mc:Choice xmlns:p14="http://schemas.microsoft.com/office/powerpoint/2010/main" xmlns="" Requires="p14">
       <p:transition spd="slow" p14:dur="2000"/>
     </mc:Choice>
     <mc:Fallback>
@@ -18032,7 +18334,7 @@
           <a:blip r:embed="rId2" cstate="print">
             <a:extLst>
               <a:ext uri="{28A0092B-C50C-407E-A947-70E740481C1C}">
-                <a14:useLocalDpi xmlns="" xmlns:a14="http://schemas.microsoft.com/office/drawing/2010/main" val="0"/>
+                <a14:useLocalDpi xmlns:a14="http://schemas.microsoft.com/office/drawing/2010/main" xmlns="" val="0"/>
               </a:ext>
             </a:extLst>
           </a:blip>
@@ -18101,7 +18403,7 @@
     </p:spTree>
     <p:extLst>
       <p:ext uri="{BB962C8B-B14F-4D97-AF65-F5344CB8AC3E}">
-        <p14:creationId xmlns="" xmlns:p14="http://schemas.microsoft.com/office/powerpoint/2010/main" val="2658739501"/>
+        <p14:creationId xmlns:p14="http://schemas.microsoft.com/office/powerpoint/2010/main" xmlns="" val="2658739501"/>
       </p:ext>
     </p:extLst>
   </p:cSld>
@@ -18440,7 +18742,7 @@
     </p:spTree>
     <p:extLst>
       <p:ext uri="{BB962C8B-B14F-4D97-AF65-F5344CB8AC3E}">
-        <p14:creationId xmlns="" xmlns:p14="http://schemas.microsoft.com/office/powerpoint/2010/main" val="155874689"/>
+        <p14:creationId xmlns:p14="http://schemas.microsoft.com/office/powerpoint/2010/main" xmlns="" val="155874689"/>
       </p:ext>
     </p:extLst>
   </p:cSld>
@@ -18448,7 +18750,7 @@
     <a:masterClrMapping/>
   </p:clrMapOvr>
   <mc:AlternateContent xmlns:mc="http://schemas.openxmlformats.org/markup-compatibility/2006">
-    <mc:Choice xmlns="" xmlns:p14="http://schemas.microsoft.com/office/powerpoint/2010/main" Requires="p14">
+    <mc:Choice xmlns:p14="http://schemas.microsoft.com/office/powerpoint/2010/main" xmlns="" Requires="p14">
       <p:transition spd="slow" p14:dur="2000"/>
     </mc:Choice>
     <mc:Fallback>
@@ -18816,7 +19118,7 @@
     </p:spTree>
     <p:extLst>
       <p:ext uri="{BB962C8B-B14F-4D97-AF65-F5344CB8AC3E}">
-        <p14:creationId xmlns="" xmlns:p14="http://schemas.microsoft.com/office/powerpoint/2010/main" val="155874689"/>
+        <p14:creationId xmlns:p14="http://schemas.microsoft.com/office/powerpoint/2010/main" xmlns="" val="155874689"/>
       </p:ext>
     </p:extLst>
   </p:cSld>
@@ -18824,7 +19126,7 @@
     <a:masterClrMapping/>
   </p:clrMapOvr>
   <mc:AlternateContent xmlns:mc="http://schemas.openxmlformats.org/markup-compatibility/2006">
-    <mc:Choice xmlns="" xmlns:p14="http://schemas.microsoft.com/office/powerpoint/2010/main" Requires="p14">
+    <mc:Choice xmlns:p14="http://schemas.microsoft.com/office/powerpoint/2010/main" xmlns="" Requires="p14">
       <p:transition spd="slow" p14:dur="2000"/>
     </mc:Choice>
     <mc:Fallback>
@@ -19058,7 +19360,7 @@
     </p:spTree>
     <p:extLst>
       <p:ext uri="{BB962C8B-B14F-4D97-AF65-F5344CB8AC3E}">
-        <p14:creationId xmlns="" xmlns:p14="http://schemas.microsoft.com/office/powerpoint/2010/main" val="155874689"/>
+        <p14:creationId xmlns:p14="http://schemas.microsoft.com/office/powerpoint/2010/main" xmlns="" val="155874689"/>
       </p:ext>
     </p:extLst>
   </p:cSld>
@@ -21066,7 +21368,7 @@
     </p:spTree>
     <p:extLst>
       <p:ext uri="{BB962C8B-B14F-4D97-AF65-F5344CB8AC3E}">
-        <p14:creationId xmlns="" xmlns:p14="http://schemas.microsoft.com/office/powerpoint/2010/main" val="155874689"/>
+        <p14:creationId xmlns:p14="http://schemas.microsoft.com/office/powerpoint/2010/main" xmlns="" val="155874689"/>
       </p:ext>
     </p:extLst>
   </p:cSld>
@@ -21074,7 +21376,7 @@
     <a:masterClrMapping/>
   </p:clrMapOvr>
   <mc:AlternateContent xmlns:mc="http://schemas.openxmlformats.org/markup-compatibility/2006">
-    <mc:Choice xmlns="" xmlns:p14="http://schemas.microsoft.com/office/powerpoint/2010/main" Requires="p14">
+    <mc:Choice xmlns:p14="http://schemas.microsoft.com/office/powerpoint/2010/main" xmlns="" Requires="p14">
       <p:transition spd="slow" p14:dur="2000"/>
     </mc:Choice>
     <mc:Fallback>
@@ -22163,7 +22465,7 @@
     </p:spTree>
     <p:extLst>
       <p:ext uri="{BB962C8B-B14F-4D97-AF65-F5344CB8AC3E}">
-        <p14:creationId xmlns="" xmlns:p14="http://schemas.microsoft.com/office/powerpoint/2010/main" val="155874689"/>
+        <p14:creationId xmlns:p14="http://schemas.microsoft.com/office/powerpoint/2010/main" xmlns="" val="155874689"/>
       </p:ext>
     </p:extLst>
   </p:cSld>
@@ -22171,7 +22473,7 @@
     <a:masterClrMapping/>
   </p:clrMapOvr>
   <mc:AlternateContent xmlns:mc="http://schemas.openxmlformats.org/markup-compatibility/2006">
-    <mc:Choice xmlns="" xmlns:p14="http://schemas.microsoft.com/office/powerpoint/2010/main" Requires="p14">
+    <mc:Choice xmlns:p14="http://schemas.microsoft.com/office/powerpoint/2010/main" xmlns="" Requires="p14">
       <p:transition spd="slow" p14:dur="2000"/>
     </mc:Choice>
     <mc:Fallback>
@@ -23703,7 +24005,7 @@
     </p:spTree>
     <p:extLst>
       <p:ext uri="{BB962C8B-B14F-4D97-AF65-F5344CB8AC3E}">
-        <p14:creationId xmlns="" xmlns:p14="http://schemas.microsoft.com/office/powerpoint/2010/main" val="155874689"/>
+        <p14:creationId xmlns:p14="http://schemas.microsoft.com/office/powerpoint/2010/main" xmlns="" val="155874689"/>
       </p:ext>
     </p:extLst>
   </p:cSld>
@@ -23711,7 +24013,7 @@
     <a:masterClrMapping/>
   </p:clrMapOvr>
   <mc:AlternateContent xmlns:mc="http://schemas.openxmlformats.org/markup-compatibility/2006">
-    <mc:Choice xmlns="" xmlns:p14="http://schemas.microsoft.com/office/powerpoint/2010/main" Requires="p14">
+    <mc:Choice xmlns:p14="http://schemas.microsoft.com/office/powerpoint/2010/main" xmlns="" Requires="p14">
       <p:transition spd="slow" p14:dur="2000"/>
     </mc:Choice>
     <mc:Fallback>
@@ -24773,7 +25075,7 @@
     </p:spTree>
     <p:extLst>
       <p:ext uri="{BB962C8B-B14F-4D97-AF65-F5344CB8AC3E}">
-        <p14:creationId xmlns="" xmlns:p14="http://schemas.microsoft.com/office/powerpoint/2010/main" val="155874689"/>
+        <p14:creationId xmlns:p14="http://schemas.microsoft.com/office/powerpoint/2010/main" xmlns="" val="155874689"/>
       </p:ext>
     </p:extLst>
   </p:cSld>
@@ -24781,7 +25083,7 @@
     <a:masterClrMapping/>
   </p:clrMapOvr>
   <mc:AlternateContent xmlns:mc="http://schemas.openxmlformats.org/markup-compatibility/2006">
-    <mc:Choice xmlns="" xmlns:p14="http://schemas.microsoft.com/office/powerpoint/2010/main" Requires="p14">
+    <mc:Choice xmlns:p14="http://schemas.microsoft.com/office/powerpoint/2010/main" xmlns="" Requires="p14">
       <p:transition spd="slow" p14:dur="2000"/>
     </mc:Choice>
     <mc:Fallback>
@@ -25480,7 +25782,7 @@
           <a:blip r:embed="rId2" cstate="print">
             <a:extLst>
               <a:ext uri="{28A0092B-C50C-407E-A947-70E740481C1C}">
-                <a14:useLocalDpi xmlns="" xmlns:a14="http://schemas.microsoft.com/office/drawing/2010/main" val="0"/>
+                <a14:useLocalDpi xmlns:a14="http://schemas.microsoft.com/office/drawing/2010/main" xmlns="" val="0"/>
               </a:ext>
             </a:extLst>
           </a:blip>
@@ -25501,7 +25803,7 @@
     </p:spTree>
     <p:extLst>
       <p:ext uri="{BB962C8B-B14F-4D97-AF65-F5344CB8AC3E}">
-        <p14:creationId xmlns="" xmlns:p14="http://schemas.microsoft.com/office/powerpoint/2010/main" val="155874689"/>
+        <p14:creationId xmlns:p14="http://schemas.microsoft.com/office/powerpoint/2010/main" xmlns="" val="155874689"/>
       </p:ext>
     </p:extLst>
   </p:cSld>
@@ -25687,7 +25989,7 @@
     </p:spTree>
     <p:extLst>
       <p:ext uri="{BB962C8B-B14F-4D97-AF65-F5344CB8AC3E}">
-        <p14:creationId xmlns:p14="http://schemas.microsoft.com/office/powerpoint/2010/main" xmlns="" val="2865657727"/>
+        <p14:creationId xmlns="" xmlns:p14="http://schemas.microsoft.com/office/powerpoint/2010/main" val="2865657727"/>
       </p:ext>
     </p:extLst>
   </p:cSld>
@@ -25874,7 +26176,7 @@
     </p:spTree>
     <p:extLst>
       <p:ext uri="{BB962C8B-B14F-4D97-AF65-F5344CB8AC3E}">
-        <p14:creationId xmlns="" xmlns:p14="http://schemas.microsoft.com/office/powerpoint/2010/main" val="335055555"/>
+        <p14:creationId xmlns:p14="http://schemas.microsoft.com/office/powerpoint/2010/main" xmlns="" val="335055555"/>
       </p:ext>
     </p:extLst>
   </p:cSld>
@@ -26077,7 +26379,7 @@
           <a:blip r:embed="rId2" cstate="print">
             <a:extLst>
               <a:ext uri="{28A0092B-C50C-407E-A947-70E740481C1C}">
-                <a14:useLocalDpi xmlns="" xmlns:a14="http://schemas.microsoft.com/office/drawing/2010/main" val="0"/>
+                <a14:useLocalDpi xmlns:a14="http://schemas.microsoft.com/office/drawing/2010/main" xmlns="" val="0"/>
               </a:ext>
             </a:extLst>
           </a:blip>
@@ -26098,7 +26400,7 @@
     </p:spTree>
     <p:extLst>
       <p:ext uri="{BB962C8B-B14F-4D97-AF65-F5344CB8AC3E}">
-        <p14:creationId xmlns="" xmlns:p14="http://schemas.microsoft.com/office/powerpoint/2010/main" val="2479304105"/>
+        <p14:creationId xmlns:p14="http://schemas.microsoft.com/office/powerpoint/2010/main" xmlns="" val="2479304105"/>
       </p:ext>
     </p:extLst>
   </p:cSld>
@@ -26349,7 +26651,7 @@
           <a:blip r:embed="rId2" cstate="print">
             <a:extLst>
               <a:ext uri="{28A0092B-C50C-407E-A947-70E740481C1C}">
-                <a14:useLocalDpi xmlns="" xmlns:a14="http://schemas.microsoft.com/office/drawing/2010/main" val="0"/>
+                <a14:useLocalDpi xmlns:a14="http://schemas.microsoft.com/office/drawing/2010/main" xmlns="" val="0"/>
               </a:ext>
             </a:extLst>
           </a:blip>
@@ -26370,7 +26672,7 @@
     </p:spTree>
     <p:extLst>
       <p:ext uri="{BB962C8B-B14F-4D97-AF65-F5344CB8AC3E}">
-        <p14:creationId xmlns="" xmlns:p14="http://schemas.microsoft.com/office/powerpoint/2010/main" val="2034037302"/>
+        <p14:creationId xmlns:p14="http://schemas.microsoft.com/office/powerpoint/2010/main" xmlns="" val="2034037302"/>
       </p:ext>
     </p:extLst>
   </p:cSld>
@@ -26621,7 +26923,7 @@
           <a:blip r:embed="rId2" cstate="print">
             <a:extLst>
               <a:ext uri="{28A0092B-C50C-407E-A947-70E740481C1C}">
-                <a14:useLocalDpi xmlns="" xmlns:a14="http://schemas.microsoft.com/office/drawing/2010/main" val="0"/>
+                <a14:useLocalDpi xmlns:a14="http://schemas.microsoft.com/office/drawing/2010/main" xmlns="" val="0"/>
               </a:ext>
             </a:extLst>
           </a:blip>
@@ -26642,7 +26944,7 @@
     </p:spTree>
     <p:extLst>
       <p:ext uri="{BB962C8B-B14F-4D97-AF65-F5344CB8AC3E}">
-        <p14:creationId xmlns="" xmlns:p14="http://schemas.microsoft.com/office/powerpoint/2010/main" val="505771863"/>
+        <p14:creationId xmlns:p14="http://schemas.microsoft.com/office/powerpoint/2010/main" xmlns="" val="505771863"/>
       </p:ext>
     </p:extLst>
   </p:cSld>
@@ -26944,7 +27246,7 @@
     </p:spTree>
     <p:extLst>
       <p:ext uri="{BB962C8B-B14F-4D97-AF65-F5344CB8AC3E}">
-        <p14:creationId xmlns="" xmlns:p14="http://schemas.microsoft.com/office/powerpoint/2010/main" val="1080303246"/>
+        <p14:creationId xmlns:p14="http://schemas.microsoft.com/office/powerpoint/2010/main" xmlns="" val="1080303246"/>
       </p:ext>
     </p:extLst>
   </p:cSld>
@@ -27075,7 +27377,7 @@
           <a:blip r:embed="rId3" cstate="print">
             <a:extLst>
               <a:ext uri="{28A0092B-C50C-407E-A947-70E740481C1C}">
-                <a14:useLocalDpi xmlns="" xmlns:a14="http://schemas.microsoft.com/office/drawing/2010/main" val="0"/>
+                <a14:useLocalDpi xmlns:a14="http://schemas.microsoft.com/office/drawing/2010/main" xmlns="" val="0"/>
               </a:ext>
             </a:extLst>
           </a:blip>
@@ -27096,7 +27398,7 @@
     </p:spTree>
     <p:extLst>
       <p:ext uri="{BB962C8B-B14F-4D97-AF65-F5344CB8AC3E}">
-        <p14:creationId xmlns="" xmlns:p14="http://schemas.microsoft.com/office/powerpoint/2010/main" val="903072151"/>
+        <p14:creationId xmlns:p14="http://schemas.microsoft.com/office/powerpoint/2010/main" xmlns="" val="903072151"/>
       </p:ext>
     </p:extLst>
   </p:cSld>
@@ -27183,7 +27485,7 @@
           <a:blip r:embed="rId3" cstate="print">
             <a:extLst>
               <a:ext uri="{28A0092B-C50C-407E-A947-70E740481C1C}">
-                <a14:useLocalDpi xmlns="" xmlns:a14="http://schemas.microsoft.com/office/drawing/2010/main" val="0"/>
+                <a14:useLocalDpi xmlns:a14="http://schemas.microsoft.com/office/drawing/2010/main" xmlns="" val="0"/>
               </a:ext>
             </a:extLst>
           </a:blip>
@@ -27331,7 +27633,7 @@
     </p:spTree>
     <p:extLst>
       <p:ext uri="{BB962C8B-B14F-4D97-AF65-F5344CB8AC3E}">
-        <p14:creationId xmlns="" xmlns:p14="http://schemas.microsoft.com/office/powerpoint/2010/main" val="3259527293"/>
+        <p14:creationId xmlns:p14="http://schemas.microsoft.com/office/powerpoint/2010/main" xmlns="" val="3259527293"/>
       </p:ext>
     </p:extLst>
   </p:cSld>
@@ -27609,7 +27911,7 @@
           <a:blip r:embed="rId2" cstate="print">
             <a:extLst>
               <a:ext uri="{28A0092B-C50C-407E-A947-70E740481C1C}">
-                <a14:useLocalDpi xmlns="" xmlns:a14="http://schemas.microsoft.com/office/drawing/2010/main" val="0"/>
+                <a14:useLocalDpi xmlns:a14="http://schemas.microsoft.com/office/drawing/2010/main" xmlns="" val="0"/>
               </a:ext>
             </a:extLst>
           </a:blip>
@@ -27630,7 +27932,7 @@
     </p:spTree>
     <p:extLst>
       <p:ext uri="{BB962C8B-B14F-4D97-AF65-F5344CB8AC3E}">
-        <p14:creationId xmlns="" xmlns:p14="http://schemas.microsoft.com/office/powerpoint/2010/main" val="2526991034"/>
+        <p14:creationId xmlns:p14="http://schemas.microsoft.com/office/powerpoint/2010/main" xmlns="" val="2526991034"/>
       </p:ext>
     </p:extLst>
   </p:cSld>
@@ -27958,7 +28260,7 @@
     </p:spTree>
     <p:extLst>
       <p:ext uri="{BB962C8B-B14F-4D97-AF65-F5344CB8AC3E}">
-        <p14:creationId xmlns="" xmlns:p14="http://schemas.microsoft.com/office/powerpoint/2010/main" val="155874689"/>
+        <p14:creationId xmlns:p14="http://schemas.microsoft.com/office/powerpoint/2010/main" xmlns="" val="155874689"/>
       </p:ext>
     </p:extLst>
   </p:cSld>
@@ -28194,14 +28496,14 @@
       </p:sp>
       <p:pic>
         <p:nvPicPr>
-          <p:cNvPr id="2050" name="Picture 2" descr="C:\Users\Amministratore\Desktop\Lucidi lezioni\Ingegneria del software\at-silo\RAD\Casi d'uso\Atsilo3\Eventi\diagramma eventi.jpg"/>
+          <p:cNvPr id="1026" name="Picture 2" descr="C:\Users\Amministratore\Desktop\diagramma eventi.png"/>
           <p:cNvPicPr>
             <a:picLocks noChangeAspect="1" noChangeArrowheads="1"/>
           </p:cNvPicPr>
           <p:nvPr/>
         </p:nvPicPr>
         <p:blipFill>
-          <a:blip r:embed="rId3" cstate="print"/>
+          <a:blip r:embed="rId3"/>
           <a:srcRect/>
           <a:stretch>
             <a:fillRect/>
@@ -28209,8 +28511,8 @@
         </p:blipFill>
         <p:spPr bwMode="auto">
           <a:xfrm>
-            <a:off x="647404" y="824262"/>
-            <a:ext cx="7353620" cy="6033740"/>
+            <a:off x="714348" y="828657"/>
+            <a:ext cx="7536678" cy="6029343"/>
           </a:xfrm>
           <a:prstGeom prst="rect">
             <a:avLst/>
@@ -28221,7 +28523,7 @@
     </p:spTree>
     <p:extLst>
       <p:ext uri="{BB962C8B-B14F-4D97-AF65-F5344CB8AC3E}">
-        <p14:creationId xmlns="" xmlns:p14="http://schemas.microsoft.com/office/powerpoint/2010/main" val="155874689"/>
+        <p14:creationId xmlns:p14="http://schemas.microsoft.com/office/powerpoint/2010/main" xmlns="" val="155874689"/>
       </p:ext>
     </p:extLst>
   </p:cSld>
@@ -28229,7 +28531,7 @@
     <a:masterClrMapping/>
   </p:clrMapOvr>
   <mc:AlternateContent xmlns:mc="http://schemas.openxmlformats.org/markup-compatibility/2006">
-    <mc:Choice xmlns="" xmlns:p14="http://schemas.microsoft.com/office/powerpoint/2010/main" Requires="p14">
+    <mc:Choice xmlns:p14="http://schemas.microsoft.com/office/powerpoint/2010/main" xmlns="" Requires="p14">
       <p:transition spd="slow" p14:dur="2000"/>
     </mc:Choice>
     <mc:Fallback>
@@ -28415,7 +28717,7 @@
           <a:blip r:embed="rId3" cstate="print">
             <a:extLst>
               <a:ext uri="{28A0092B-C50C-407E-A947-70E740481C1C}">
-                <a14:useLocalDpi xmlns:a14="http://schemas.microsoft.com/office/drawing/2010/main" xmlns="" val="0"/>
+                <a14:useLocalDpi xmlns="" xmlns:a14="http://schemas.microsoft.com/office/drawing/2010/main" val="0"/>
               </a:ext>
             </a:extLst>
           </a:blip>
@@ -28435,7 +28737,7 @@
           <a:noFill/>
           <a:extLst>
             <a:ext uri="{909E8E84-426E-40DD-AFC4-6F175D3DCCD1}">
-              <a14:hiddenFill xmlns:a14="http://schemas.microsoft.com/office/drawing/2010/main" xmlns="">
+              <a14:hiddenFill xmlns="" xmlns:a14="http://schemas.microsoft.com/office/drawing/2010/main">
                 <a:solidFill>
                   <a:srgbClr val="FFFFFF"/>
                 </a:solidFill>
@@ -28447,7 +28749,7 @@
     </p:spTree>
     <p:extLst>
       <p:ext uri="{BB962C8B-B14F-4D97-AF65-F5344CB8AC3E}">
-        <p14:creationId xmlns:p14="http://schemas.microsoft.com/office/powerpoint/2010/main" xmlns="" val="530534880"/>
+        <p14:creationId xmlns="" xmlns:p14="http://schemas.microsoft.com/office/powerpoint/2010/main" val="530534880"/>
       </p:ext>
     </p:extLst>
   </p:cSld>
@@ -28704,7 +29006,7 @@
     </p:spTree>
     <p:extLst>
       <p:ext uri="{BB962C8B-B14F-4D97-AF65-F5344CB8AC3E}">
-        <p14:creationId xmlns="" xmlns:p14="http://schemas.microsoft.com/office/powerpoint/2010/main" val="155874689"/>
+        <p14:creationId xmlns:p14="http://schemas.microsoft.com/office/powerpoint/2010/main" xmlns="" val="155874689"/>
       </p:ext>
     </p:extLst>
   </p:cSld>
@@ -28712,7 +29014,7 @@
     <a:masterClrMapping/>
   </p:clrMapOvr>
   <mc:AlternateContent xmlns:mc="http://schemas.openxmlformats.org/markup-compatibility/2006">
-    <mc:Choice xmlns="" xmlns:p14="http://schemas.microsoft.com/office/powerpoint/2010/main" Requires="p14">
+    <mc:Choice xmlns:p14="http://schemas.microsoft.com/office/powerpoint/2010/main" xmlns="" Requires="p14">
       <p:transition spd="slow" p14:dur="2000"/>
     </mc:Choice>
     <mc:Fallback>
@@ -29219,7 +29521,7 @@
     </p:spTree>
     <p:extLst>
       <p:ext uri="{BB962C8B-B14F-4D97-AF65-F5344CB8AC3E}">
-        <p14:creationId xmlns:p14="http://schemas.microsoft.com/office/powerpoint/2010/main" xmlns="" val="155874689"/>
+        <p14:creationId xmlns="" xmlns:p14="http://schemas.microsoft.com/office/powerpoint/2010/main" val="155874689"/>
       </p:ext>
     </p:extLst>
   </p:cSld>
@@ -29227,7 +29529,7 @@
     <a:masterClrMapping/>
   </p:clrMapOvr>
   <mc:AlternateContent xmlns:mc="http://schemas.openxmlformats.org/markup-compatibility/2006">
-    <mc:Choice xmlns:p14="http://schemas.microsoft.com/office/powerpoint/2010/main" xmlns="" Requires="p14">
+    <mc:Choice xmlns="" xmlns:p14="http://schemas.microsoft.com/office/powerpoint/2010/main" Requires="p14">
       <p:transition spd="slow" p14:dur="2000"/>
     </mc:Choice>
     <mc:Fallback>
@@ -29648,42 +29950,6 @@
           </a:p>
         </p:txBody>
       </p:sp>
-      <p:sp>
-        <p:nvSpPr>
-          <p:cNvPr id="6" name="CasellaDiTesto 5"/>
-          <p:cNvSpPr txBox="1"/>
-          <p:nvPr/>
-        </p:nvSpPr>
-        <p:spPr>
-          <a:xfrm>
-            <a:off x="539552" y="592812"/>
-            <a:ext cx="8142305" cy="1107996"/>
-          </a:xfrm>
-          <a:prstGeom prst="rect">
-            <a:avLst/>
-          </a:prstGeom>
-          <a:noFill/>
-        </p:spPr>
-        <p:txBody>
-          <a:bodyPr wrap="square" rtlCol="0">
-            <a:spAutoFit/>
-          </a:bodyPr>
-          <a:lstStyle/>
-          <a:p>
-            <a:pPr algn="ctr"/>
-            <a:r>
-              <a:rPr lang="it-IT" sz="4800" b="1" dirty="0" smtClean="0"/>
-              <a:t>Gestione Eventi</a:t>
-            </a:r>
-          </a:p>
-          <a:p>
-            <a:pPr algn="ctr"/>
-            <a:endParaRPr lang="it-IT" dirty="0">
-              <a:latin typeface="+mj-lt"/>
-            </a:endParaRPr>
-          </a:p>
-        </p:txBody>
-      </p:sp>
       <p:pic>
         <p:nvPicPr>
           <p:cNvPr id="6146" name="Picture 2" descr="http://www.newnotizie.it/wp-content/uploads/2011/09/omino-stop.png"/>
@@ -29710,10 +29976,64 @@
           <a:noFill/>
         </p:spPr>
       </p:pic>
+      <p:sp>
+        <p:nvSpPr>
+          <p:cNvPr id="7" name="CasellaDiTesto 6"/>
+          <p:cNvSpPr txBox="1"/>
+          <p:nvPr/>
+        </p:nvSpPr>
+        <p:spPr>
+          <a:xfrm>
+            <a:off x="500034" y="404664"/>
+            <a:ext cx="8142305" cy="1538883"/>
+          </a:xfrm>
+          <a:prstGeom prst="rect">
+            <a:avLst/>
+          </a:prstGeom>
+          <a:noFill/>
+        </p:spPr>
+        <p:txBody>
+          <a:bodyPr wrap="square" rtlCol="0">
+            <a:spAutoFit/>
+          </a:bodyPr>
+          <a:lstStyle/>
+          <a:p>
+            <a:pPr algn="ctr"/>
+            <a:r>
+              <a:rPr lang="it-IT" sz="4800" b="1" dirty="0" smtClean="0"/>
+              <a:t>Gestione Eventi</a:t>
+            </a:r>
+          </a:p>
+          <a:p>
+            <a:pPr algn="ctr"/>
+            <a:r>
+              <a:rPr lang="it-IT" sz="2800" b="1" dirty="0" smtClean="0">
+                <a:latin typeface="+mj-lt"/>
+              </a:rPr>
+              <a:t>Sicurezza e Usabilità vs Complessità e </a:t>
+            </a:r>
+            <a:r>
+              <a:rPr lang="it-IT" sz="2800" b="1" dirty="0" err="1" smtClean="0">
+                <a:latin typeface="+mj-lt"/>
+              </a:rPr>
+              <a:t>Manutenibilità</a:t>
+            </a:r>
+            <a:endParaRPr lang="it-IT" sz="2800" b="1" dirty="0" smtClean="0">
+              <a:latin typeface="+mj-lt"/>
+            </a:endParaRPr>
+          </a:p>
+          <a:p>
+            <a:pPr algn="ctr"/>
+            <a:endParaRPr lang="it-IT" dirty="0">
+              <a:latin typeface="+mj-lt"/>
+            </a:endParaRPr>
+          </a:p>
+        </p:txBody>
+      </p:sp>
     </p:spTree>
     <p:extLst>
       <p:ext uri="{BB962C8B-B14F-4D97-AF65-F5344CB8AC3E}">
-        <p14:creationId xmlns:p14="http://schemas.microsoft.com/office/powerpoint/2010/main" xmlns="" val="155874689"/>
+        <p14:creationId xmlns="" xmlns:p14="http://schemas.microsoft.com/office/powerpoint/2010/main" val="155874689"/>
       </p:ext>
     </p:extLst>
   </p:cSld>
@@ -29721,7 +30041,7 @@
     <a:masterClrMapping/>
   </p:clrMapOvr>
   <mc:AlternateContent xmlns:mc="http://schemas.openxmlformats.org/markup-compatibility/2006">
-    <mc:Choice xmlns:p14="http://schemas.microsoft.com/office/powerpoint/2010/main" xmlns="" Requires="p14">
+    <mc:Choice xmlns="" xmlns:p14="http://schemas.microsoft.com/office/powerpoint/2010/main" Requires="p14">
       <p:transition spd="slow" p14:dur="2000"/>
     </mc:Choice>
     <mc:Fallback>
@@ -29900,42 +30220,6 @@
       </p:pic>
       <p:sp>
         <p:nvSpPr>
-          <p:cNvPr id="6" name="CasellaDiTesto 5"/>
-          <p:cNvSpPr txBox="1"/>
-          <p:nvPr/>
-        </p:nvSpPr>
-        <p:spPr>
-          <a:xfrm>
-            <a:off x="467544" y="592812"/>
-            <a:ext cx="8142305" cy="1107996"/>
-          </a:xfrm>
-          <a:prstGeom prst="rect">
-            <a:avLst/>
-          </a:prstGeom>
-          <a:noFill/>
-        </p:spPr>
-        <p:txBody>
-          <a:bodyPr wrap="square" rtlCol="0">
-            <a:spAutoFit/>
-          </a:bodyPr>
-          <a:lstStyle/>
-          <a:p>
-            <a:pPr algn="ctr"/>
-            <a:r>
-              <a:rPr lang="it-IT" sz="4800" b="1" dirty="0" smtClean="0"/>
-              <a:t>Gestione Eventi</a:t>
-            </a:r>
-          </a:p>
-          <a:p>
-            <a:pPr algn="ctr"/>
-            <a:endParaRPr lang="it-IT" dirty="0">
-              <a:latin typeface="+mj-lt"/>
-            </a:endParaRPr>
-          </a:p>
-        </p:txBody>
-      </p:sp>
-      <p:sp>
-        <p:nvSpPr>
           <p:cNvPr id="7" name="Rettangolo 6"/>
           <p:cNvSpPr/>
           <p:nvPr/>
@@ -30017,10 +30301,64 @@
           </a:p>
         </p:txBody>
       </p:sp>
+      <p:sp>
+        <p:nvSpPr>
+          <p:cNvPr id="5" name="CasellaDiTesto 4"/>
+          <p:cNvSpPr txBox="1"/>
+          <p:nvPr/>
+        </p:nvSpPr>
+        <p:spPr>
+          <a:xfrm>
+            <a:off x="500034" y="404664"/>
+            <a:ext cx="8142305" cy="1538883"/>
+          </a:xfrm>
+          <a:prstGeom prst="rect">
+            <a:avLst/>
+          </a:prstGeom>
+          <a:noFill/>
+        </p:spPr>
+        <p:txBody>
+          <a:bodyPr wrap="square" rtlCol="0">
+            <a:spAutoFit/>
+          </a:bodyPr>
+          <a:lstStyle/>
+          <a:p>
+            <a:pPr algn="ctr"/>
+            <a:r>
+              <a:rPr lang="it-IT" sz="4800" b="1" dirty="0" smtClean="0"/>
+              <a:t>Gestione Eventi</a:t>
+            </a:r>
+          </a:p>
+          <a:p>
+            <a:pPr algn="ctr"/>
+            <a:r>
+              <a:rPr lang="it-IT" sz="2800" b="1" dirty="0" smtClean="0">
+                <a:latin typeface="+mj-lt"/>
+              </a:rPr>
+              <a:t>Sicurezza e Usabilità vs Complessità e </a:t>
+            </a:r>
+            <a:r>
+              <a:rPr lang="it-IT" sz="2800" b="1" dirty="0" err="1" smtClean="0">
+                <a:latin typeface="+mj-lt"/>
+              </a:rPr>
+              <a:t>Manutenibilità</a:t>
+            </a:r>
+            <a:endParaRPr lang="it-IT" sz="2800" b="1" dirty="0" smtClean="0">
+              <a:latin typeface="+mj-lt"/>
+            </a:endParaRPr>
+          </a:p>
+          <a:p>
+            <a:pPr algn="ctr"/>
+            <a:endParaRPr lang="it-IT" dirty="0">
+              <a:latin typeface="+mj-lt"/>
+            </a:endParaRPr>
+          </a:p>
+        </p:txBody>
+      </p:sp>
     </p:spTree>
     <p:extLst>
       <p:ext uri="{BB962C8B-B14F-4D97-AF65-F5344CB8AC3E}">
-        <p14:creationId xmlns:p14="http://schemas.microsoft.com/office/powerpoint/2010/main" xmlns="" val="155874689"/>
+        <p14:creationId xmlns="" xmlns:p14="http://schemas.microsoft.com/office/powerpoint/2010/main" val="155874689"/>
       </p:ext>
     </p:extLst>
   </p:cSld>
@@ -30028,7 +30366,7 @@
     <a:masterClrMapping/>
   </p:clrMapOvr>
   <mc:AlternateContent xmlns:mc="http://schemas.openxmlformats.org/markup-compatibility/2006">
-    <mc:Choice xmlns:p14="http://schemas.microsoft.com/office/powerpoint/2010/main" xmlns="" Requires="p14">
+    <mc:Choice xmlns="" xmlns:p14="http://schemas.microsoft.com/office/powerpoint/2010/main" Requires="p14">
       <p:transition spd="slow" p14:dur="2000"/>
     </mc:Choice>
     <mc:Fallback>
@@ -30330,7 +30668,7 @@
     </p:spTree>
     <p:extLst>
       <p:ext uri="{BB962C8B-B14F-4D97-AF65-F5344CB8AC3E}">
-        <p14:creationId xmlns="" xmlns:p14="http://schemas.microsoft.com/office/powerpoint/2010/main" val="155874689"/>
+        <p14:creationId xmlns:p14="http://schemas.microsoft.com/office/powerpoint/2010/main" xmlns="" val="155874689"/>
       </p:ext>
     </p:extLst>
   </p:cSld>
@@ -30338,7 +30676,7 @@
     <a:masterClrMapping/>
   </p:clrMapOvr>
   <mc:AlternateContent xmlns:mc="http://schemas.openxmlformats.org/markup-compatibility/2006">
-    <mc:Choice xmlns="" xmlns:p14="http://schemas.microsoft.com/office/powerpoint/2010/main" Requires="p14">
+    <mc:Choice xmlns:p14="http://schemas.microsoft.com/office/powerpoint/2010/main" xmlns="" Requires="p14">
       <p:transition spd="slow" p14:dur="2000"/>
     </mc:Choice>
     <mc:Fallback>
@@ -31163,7 +31501,7 @@
     </p:spTree>
     <p:extLst>
       <p:ext uri="{BB962C8B-B14F-4D97-AF65-F5344CB8AC3E}">
-        <p14:creationId xmlns:p14="http://schemas.microsoft.com/office/powerpoint/2010/main" xmlns="" val="155874689"/>
+        <p14:creationId xmlns="" xmlns:p14="http://schemas.microsoft.com/office/powerpoint/2010/main" val="155874689"/>
       </p:ext>
     </p:extLst>
   </p:cSld>
@@ -33111,7 +33449,7 @@
           <a:blip r:embed="rId3" cstate="print">
             <a:extLst>
               <a:ext uri="{28A0092B-C50C-407E-A947-70E740481C1C}">
-                <a14:useLocalDpi xmlns:a14="http://schemas.microsoft.com/office/drawing/2010/main" xmlns="" val="0"/>
+                <a14:useLocalDpi xmlns="" xmlns:a14="http://schemas.microsoft.com/office/drawing/2010/main" val="0"/>
               </a:ext>
             </a:extLst>
           </a:blip>
@@ -33131,7 +33469,7 @@
           <a:noFill/>
           <a:extLst>
             <a:ext uri="{909E8E84-426E-40DD-AFC4-6F175D3DCCD1}">
-              <a14:hiddenFill xmlns:a14="http://schemas.microsoft.com/office/drawing/2010/main" xmlns="">
+              <a14:hiddenFill xmlns="" xmlns:a14="http://schemas.microsoft.com/office/drawing/2010/main">
                 <a:solidFill>
                   <a:srgbClr val="FFFFFF"/>
                 </a:solidFill>
@@ -33450,7 +33788,7 @@
     </p:spTree>
     <p:extLst>
       <p:ext uri="{BB962C8B-B14F-4D97-AF65-F5344CB8AC3E}">
-        <p14:creationId xmlns:p14="http://schemas.microsoft.com/office/powerpoint/2010/main" xmlns="" val="3983998448"/>
+        <p14:creationId xmlns="" xmlns:p14="http://schemas.microsoft.com/office/powerpoint/2010/main" val="3983998448"/>
       </p:ext>
     </p:extLst>
   </p:cSld>
@@ -36349,7 +36687,7 @@
           <a:blip r:embed="rId3" cstate="print">
             <a:extLst>
               <a:ext uri="{28A0092B-C50C-407E-A947-70E740481C1C}">
-                <a14:useLocalDpi xmlns:a14="http://schemas.microsoft.com/office/drawing/2010/main" xmlns="" val="0"/>
+                <a14:useLocalDpi xmlns="" xmlns:a14="http://schemas.microsoft.com/office/drawing/2010/main" val="0"/>
               </a:ext>
             </a:extLst>
           </a:blip>
@@ -36369,7 +36707,7 @@
           <a:noFill/>
           <a:extLst>
             <a:ext uri="{909E8E84-426E-40DD-AFC4-6F175D3DCCD1}">
-              <a14:hiddenFill xmlns:a14="http://schemas.microsoft.com/office/drawing/2010/main" xmlns="">
+              <a14:hiddenFill xmlns="" xmlns:a14="http://schemas.microsoft.com/office/drawing/2010/main">
                 <a:solidFill>
                   <a:srgbClr val="FFFFFF"/>
                 </a:solidFill>
@@ -36629,7 +36967,7 @@
           <a:blip r:embed="rId2" cstate="print">
             <a:extLst>
               <a:ext uri="{28A0092B-C50C-407E-A947-70E740481C1C}">
-                <a14:useLocalDpi xmlns:a14="http://schemas.microsoft.com/office/drawing/2010/main" xmlns="" val="0"/>
+                <a14:useLocalDpi xmlns="" xmlns:a14="http://schemas.microsoft.com/office/drawing/2010/main" val="0"/>
               </a:ext>
             </a:extLst>
           </a:blip>
@@ -36649,7 +36987,7 @@
           <a:noFill/>
           <a:extLst>
             <a:ext uri="{909E8E84-426E-40DD-AFC4-6F175D3DCCD1}">
-              <a14:hiddenFill xmlns:a14="http://schemas.microsoft.com/office/drawing/2010/main" xmlns="">
+              <a14:hiddenFill xmlns="" xmlns:a14="http://schemas.microsoft.com/office/drawing/2010/main">
                 <a:solidFill>
                   <a:srgbClr val="FFFFFF"/>
                 </a:solidFill>
@@ -36744,7 +37082,7 @@
     </p:spTree>
     <p:extLst>
       <p:ext uri="{BB962C8B-B14F-4D97-AF65-F5344CB8AC3E}">
-        <p14:creationId xmlns:p14="http://schemas.microsoft.com/office/powerpoint/2010/main" xmlns="" val="3516333073"/>
+        <p14:creationId xmlns="" xmlns:p14="http://schemas.microsoft.com/office/powerpoint/2010/main" val="3516333073"/>
       </p:ext>
     </p:extLst>
   </p:cSld>
@@ -36752,7 +37090,7 @@
     <a:masterClrMapping/>
   </p:clrMapOvr>
   <mc:AlternateContent xmlns:mc="http://schemas.openxmlformats.org/markup-compatibility/2006">
-    <mc:Choice xmlns:p14="http://schemas.microsoft.com/office/powerpoint/2010/main" xmlns="" Requires="p14">
+    <mc:Choice xmlns="" xmlns:p14="http://schemas.microsoft.com/office/powerpoint/2010/main" Requires="p14">
       <p:transition spd="slow" p14:dur="2000"/>
     </mc:Choice>
     <mc:Fallback>
@@ -36911,7 +37249,7 @@
           <a:blip r:embed="rId2" cstate="print">
             <a:extLst>
               <a:ext uri="{28A0092B-C50C-407E-A947-70E740481C1C}">
-                <a14:useLocalDpi xmlns:a14="http://schemas.microsoft.com/office/drawing/2010/main" xmlns="" val="0"/>
+                <a14:useLocalDpi xmlns="" xmlns:a14="http://schemas.microsoft.com/office/drawing/2010/main" val="0"/>
               </a:ext>
             </a:extLst>
           </a:blip>
@@ -36931,7 +37269,7 @@
           <a:noFill/>
           <a:extLst>
             <a:ext uri="{909E8E84-426E-40DD-AFC4-6F175D3DCCD1}">
-              <a14:hiddenFill xmlns:a14="http://schemas.microsoft.com/office/drawing/2010/main" xmlns="">
+              <a14:hiddenFill xmlns="" xmlns:a14="http://schemas.microsoft.com/office/drawing/2010/main">
                 <a:solidFill>
                   <a:srgbClr val="FFFFFF"/>
                 </a:solidFill>
@@ -37006,7 +37344,7 @@
     </p:spTree>
     <p:extLst>
       <p:ext uri="{BB962C8B-B14F-4D97-AF65-F5344CB8AC3E}">
-        <p14:creationId xmlns:p14="http://schemas.microsoft.com/office/powerpoint/2010/main" xmlns="" val="576094641"/>
+        <p14:creationId xmlns="" xmlns:p14="http://schemas.microsoft.com/office/powerpoint/2010/main" val="576094641"/>
       </p:ext>
     </p:extLst>
   </p:cSld>
@@ -37014,7 +37352,7 @@
     <a:masterClrMapping/>
   </p:clrMapOvr>
   <mc:AlternateContent xmlns:mc="http://schemas.openxmlformats.org/markup-compatibility/2006">
-    <mc:Choice xmlns:p14="http://schemas.microsoft.com/office/powerpoint/2010/main" xmlns="" Requires="p14">
+    <mc:Choice xmlns="" xmlns:p14="http://schemas.microsoft.com/office/powerpoint/2010/main" Requires="p14">
       <p:transition spd="slow" p14:dur="2000"/>
     </mc:Choice>
     <mc:Fallback>

--- a/trunk/Presentazione/Atsilo2/Atsilo_M_PresentazioneFinale.pptx
+++ b/trunk/Presentazione/Atsilo2/Atsilo_M_PresentazioneFinale.pptx
@@ -1401,14 +1401,9 @@
             </a:r>
             <a:r>
               <a:rPr lang="it-IT" sz="1200" baseline="0" dirty="0" smtClean="0"/>
-              <a:t> nostro sistema garantisce la sicurezza e la tutela della privacy gestendo i dati sensibili di ogni utente iscritto secondo le leggi in vigore. </a:t>
-            </a:r>
-          </a:p>
-          <a:p>
-            <a:r>
-              <a:rPr lang="it-IT" sz="1200" baseline="0" dirty="0" smtClean="0"/>
-              <a:t>Ad esempio nella gestione dei pagamenti andremo a trattare dati personali come numeri di carte di credito e per questo bisognerà tutelare l’utente finale.</a:t>
-            </a:r>
+              <a:t> nostro sistema garantisce la sicurezza e la tutela della privacy gestendo i dati sensibili, come ad esempio carte di credito o conti correnti specificati nella gestione dei pagamenti in modo affidabile sia in campo di sicurezza web sia rispettando le leggi tutt’ora in vigore.</a:t>
+            </a:r>
+            <a:endParaRPr lang="it-IT" dirty="0" smtClean="0"/>
           </a:p>
           <a:p>
             <a:endParaRPr lang="it-IT" dirty="0"/>
@@ -18707,9 +18702,14 @@
           <a:p>
             <a:pPr lvl="1"/>
             <a:r>
-              <a:rPr lang="it-IT" dirty="0" smtClean="0"/>
-              <a:t> Inserimento Eventi</a:t>
-            </a:r>
+              <a:rPr lang="it-IT" smtClean="0"/>
+              <a:t> </a:t>
+            </a:r>
+            <a:r>
+              <a:rPr lang="it-IT" smtClean="0"/>
+              <a:t>Modifica Eventi</a:t>
+            </a:r>
+            <a:endParaRPr lang="it-IT" dirty="0" smtClean="0"/>
           </a:p>
         </p:txBody>
       </p:sp>

--- a/trunk/Presentazione/Atsilo2/Atsilo_M_PresentazioneFinale.pptx
+++ b/trunk/Presentazione/Atsilo2/Atsilo_M_PresentazioneFinale.pptx
@@ -18702,11 +18702,11 @@
           <a:p>
             <a:pPr lvl="1"/>
             <a:r>
-              <a:rPr lang="it-IT" smtClean="0"/>
+              <a:rPr lang="it-IT" dirty="0" smtClean="0"/>
               <a:t> </a:t>
             </a:r>
             <a:r>
-              <a:rPr lang="it-IT" smtClean="0"/>
+              <a:rPr lang="it-IT" dirty="0" smtClean="0"/>
               <a:t>Modifica Eventi</a:t>
             </a:r>
             <a:endParaRPr lang="it-IT" dirty="0" smtClean="0"/>
